--- a/최종 프로젝트3조.pptx
+++ b/최종 프로젝트3조.pptx
@@ -134,7 +134,7 @@
   </p:defaultTextStyle>
   <p:extLst>
     <p:ext uri="{EFAFB233-063F-42B5-8137-9DF3F51BA10A}">
-      <p15:sldGuideLst xmlns:p15="http://schemas.microsoft.com/office/powerpoint/2012/main" xmlns="">
+      <p15:sldGuideLst xmlns:p15="http://schemas.microsoft.com/office/powerpoint/2012/main">
         <p15:guide id="1" orient="horz" pos="1620">
           <p15:clr>
             <a:srgbClr val="A4A3A4"/>
@@ -406,7 +406,7 @@
     </p:spTree>
     <p:extLst>
       <p:ext uri="{BB962C8B-B14F-4D97-AF65-F5344CB8AC3E}">
-        <p14:creationId xmlns:p14="http://schemas.microsoft.com/office/powerpoint/2010/main" xmlns="" val="1534248213"/>
+        <p14:creationId xmlns:p14="http://schemas.microsoft.com/office/powerpoint/2010/main" val="1534248213"/>
       </p:ext>
     </p:extLst>
   </p:cSld>
@@ -526,7 +526,7 @@
     </p:spTree>
     <p:extLst>
       <p:ext uri="{BB962C8B-B14F-4D97-AF65-F5344CB8AC3E}">
-        <p14:creationId xmlns:p14="http://schemas.microsoft.com/office/powerpoint/2010/main" xmlns="" val="1848776554"/>
+        <p14:creationId xmlns:p14="http://schemas.microsoft.com/office/powerpoint/2010/main" val="1848776554"/>
       </p:ext>
     </p:extLst>
   </p:cSld>
@@ -556,7 +556,7 @@
     </p:spTree>
     <p:extLst>
       <p:ext uri="{BB962C8B-B14F-4D97-AF65-F5344CB8AC3E}">
-        <p14:creationId xmlns:p14="http://schemas.microsoft.com/office/powerpoint/2010/main" xmlns="" val="2146564503"/>
+        <p14:creationId xmlns:p14="http://schemas.microsoft.com/office/powerpoint/2010/main" val="2146564503"/>
       </p:ext>
     </p:extLst>
   </p:cSld>
@@ -586,7 +586,7 @@
     </p:spTree>
     <p:extLst>
       <p:ext uri="{BB962C8B-B14F-4D97-AF65-F5344CB8AC3E}">
-        <p14:creationId xmlns:p14="http://schemas.microsoft.com/office/powerpoint/2010/main" xmlns="" val="1128012849"/>
+        <p14:creationId xmlns:p14="http://schemas.microsoft.com/office/powerpoint/2010/main" val="1128012849"/>
       </p:ext>
     </p:extLst>
   </p:cSld>
@@ -616,7 +616,7 @@
     </p:spTree>
     <p:extLst>
       <p:ext uri="{BB962C8B-B14F-4D97-AF65-F5344CB8AC3E}">
-        <p14:creationId xmlns:p14="http://schemas.microsoft.com/office/powerpoint/2010/main" xmlns="" val="3697998567"/>
+        <p14:creationId xmlns:p14="http://schemas.microsoft.com/office/powerpoint/2010/main" val="3697998567"/>
       </p:ext>
     </p:extLst>
   </p:cSld>
@@ -928,7 +928,7 @@
     </p:spTree>
     <p:extLst>
       <p:ext uri="{BB962C8B-B14F-4D97-AF65-F5344CB8AC3E}">
-        <p14:creationId xmlns:p14="http://schemas.microsoft.com/office/powerpoint/2010/main" xmlns="" val="1750152943"/>
+        <p14:creationId xmlns:p14="http://schemas.microsoft.com/office/powerpoint/2010/main" val="1750152943"/>
       </p:ext>
     </p:extLst>
   </p:cSld>
@@ -958,7 +958,7 @@
     </p:spTree>
     <p:extLst>
       <p:ext uri="{BB962C8B-B14F-4D97-AF65-F5344CB8AC3E}">
-        <p14:creationId xmlns:p14="http://schemas.microsoft.com/office/powerpoint/2010/main" xmlns="" val="1544615451"/>
+        <p14:creationId xmlns:p14="http://schemas.microsoft.com/office/powerpoint/2010/main" val="1544615451"/>
       </p:ext>
     </p:extLst>
   </p:cSld>
@@ -1158,7 +1158,7 @@
     </p:spTree>
     <p:extLst>
       <p:ext uri="{BB962C8B-B14F-4D97-AF65-F5344CB8AC3E}">
-        <p14:creationId xmlns:p14="http://schemas.microsoft.com/office/powerpoint/2010/main" xmlns="" val="2156195717"/>
+        <p14:creationId xmlns:p14="http://schemas.microsoft.com/office/powerpoint/2010/main" val="2156195717"/>
       </p:ext>
     </p:extLst>
   </p:cSld>
@@ -1657,7 +1657,7 @@
     </p:spTree>
     <p:extLst>
       <p:ext uri="{BB962C8B-B14F-4D97-AF65-F5344CB8AC3E}">
-        <p14:creationId xmlns:p14="http://schemas.microsoft.com/office/powerpoint/2010/main" xmlns="" val="2985316826"/>
+        <p14:creationId xmlns:p14="http://schemas.microsoft.com/office/powerpoint/2010/main" val="2985316826"/>
       </p:ext>
     </p:extLst>
   </p:cSld>
@@ -2687,7 +2687,7 @@
     </p:spTree>
     <p:extLst>
       <p:ext uri="{BB962C8B-B14F-4D97-AF65-F5344CB8AC3E}">
-        <p14:creationId xmlns:p14="http://schemas.microsoft.com/office/powerpoint/2010/main" xmlns="" val="974357844"/>
+        <p14:creationId xmlns:p14="http://schemas.microsoft.com/office/powerpoint/2010/main" val="974357844"/>
       </p:ext>
     </p:extLst>
   </p:cSld>
@@ -3885,7 +3885,7 @@
     </p:spTree>
     <p:extLst>
       <p:ext uri="{BB962C8B-B14F-4D97-AF65-F5344CB8AC3E}">
-        <p14:creationId xmlns:p14="http://schemas.microsoft.com/office/powerpoint/2010/main" xmlns="" val="219139306"/>
+        <p14:creationId xmlns:p14="http://schemas.microsoft.com/office/powerpoint/2010/main" val="219139306"/>
       </p:ext>
     </p:extLst>
   </p:cSld>
@@ -4171,7 +4171,7 @@
     </p:spTree>
     <p:extLst>
       <p:ext uri="{BB962C8B-B14F-4D97-AF65-F5344CB8AC3E}">
-        <p14:creationId xmlns:p14="http://schemas.microsoft.com/office/powerpoint/2010/main" xmlns="" val="1060286032"/>
+        <p14:creationId xmlns:p14="http://schemas.microsoft.com/office/powerpoint/2010/main" val="1060286032"/>
       </p:ext>
     </p:extLst>
   </p:cSld>
@@ -4457,7 +4457,7 @@
     </p:spTree>
     <p:extLst>
       <p:ext uri="{BB962C8B-B14F-4D97-AF65-F5344CB8AC3E}">
-        <p14:creationId xmlns:p14="http://schemas.microsoft.com/office/powerpoint/2010/main" xmlns="" val="2765172383"/>
+        <p14:creationId xmlns:p14="http://schemas.microsoft.com/office/powerpoint/2010/main" val="2765172383"/>
       </p:ext>
     </p:extLst>
   </p:cSld>
@@ -4960,20 +4960,20 @@
     </p:spTree>
     <p:extLst>
       <p:ext uri="{BB962C8B-B14F-4D97-AF65-F5344CB8AC3E}">
-        <p14:creationId xmlns:p14="http://schemas.microsoft.com/office/powerpoint/2010/main" xmlns="" val="715981169"/>
+        <p14:creationId xmlns:p14="http://schemas.microsoft.com/office/powerpoint/2010/main" val="715981169"/>
       </p:ext>
     </p:extLst>
   </p:cSld>
   <p:clrMapOvr>
     <a:masterClrMapping/>
   </p:clrMapOvr>
-  <mc:AlternateContent xmlns:mc="http://schemas.openxmlformats.org/markup-compatibility/2006">
-    <mc:Choice xmlns:p14="http://schemas.microsoft.com/office/powerpoint/2010/main" xmlns="" Requires="p14">
+  <mc:AlternateContent xmlns:mc="http://schemas.openxmlformats.org/markup-compatibility/2006" xmlns:p14="http://schemas.microsoft.com/office/powerpoint/2010/main">
+    <mc:Choice Requires="p14">
       <p:transition spd="med" p14:dur="700">
         <p:fade/>
       </p:transition>
     </mc:Choice>
-    <mc:Fallback>
+    <mc:Fallback xmlns="">
       <p:transition spd="med">
         <p:fade/>
       </p:transition>
@@ -5046,7 +5046,7 @@
           <p:cNvPr id="8" name="TextBox 7">
             <a:extLst>
               <a:ext uri="{FF2B5EF4-FFF2-40B4-BE49-F238E27FC236}">
-                <a16:creationId xmlns:a16="http://schemas.microsoft.com/office/drawing/2014/main" xmlns="" id="{B2729330-CEB6-4A30-8588-5A38361E709E}"/>
+                <a16:creationId xmlns:a16="http://schemas.microsoft.com/office/drawing/2014/main" id="{B2729330-CEB6-4A30-8588-5A38361E709E}"/>
               </a:ext>
             </a:extLst>
           </p:cNvPr>
@@ -5182,7 +5182,7 @@
           <p:cNvPr id="10" name="TextBox 9">
             <a:extLst>
               <a:ext uri="{FF2B5EF4-FFF2-40B4-BE49-F238E27FC236}">
-                <a16:creationId xmlns:a16="http://schemas.microsoft.com/office/drawing/2014/main" xmlns="" id="{B56A1B63-19B2-45DF-BDFB-D49C8EA71FD3}"/>
+                <a16:creationId xmlns:a16="http://schemas.microsoft.com/office/drawing/2014/main" id="{B56A1B63-19B2-45DF-BDFB-D49C8EA71FD3}"/>
               </a:ext>
             </a:extLst>
           </p:cNvPr>
@@ -5234,7 +5234,7 @@
           <p:cNvPr id="3" name="그림 2">
             <a:extLst>
               <a:ext uri="{FF2B5EF4-FFF2-40B4-BE49-F238E27FC236}">
-                <a16:creationId xmlns:a16="http://schemas.microsoft.com/office/drawing/2014/main" xmlns="" id="{75D35D29-7EA4-4466-A719-BBF4FAE6E420}"/>
+                <a16:creationId xmlns:a16="http://schemas.microsoft.com/office/drawing/2014/main" id="{75D35D29-7EA4-4466-A719-BBF4FAE6E420}"/>
               </a:ext>
             </a:extLst>
           </p:cNvPr>
@@ -5247,7 +5247,7 @@
           <a:blip r:embed="rId2" cstate="print">
             <a:extLst>
               <a:ext uri="{28A0092B-C50C-407E-A947-70E740481C1C}">
-                <a14:useLocalDpi xmlns:a14="http://schemas.microsoft.com/office/drawing/2010/main" xmlns="" val="0"/>
+                <a14:useLocalDpi xmlns:a14="http://schemas.microsoft.com/office/drawing/2010/main" val="0"/>
               </a:ext>
             </a:extLst>
           </a:blip>
@@ -5275,7 +5275,7 @@
           <p:cNvPr id="9" name="그림 8">
             <a:extLst>
               <a:ext uri="{FF2B5EF4-FFF2-40B4-BE49-F238E27FC236}">
-                <a16:creationId xmlns:a16="http://schemas.microsoft.com/office/drawing/2014/main" xmlns="" id="{1055A031-14B7-441D-8C55-A399BBBC4E59}"/>
+                <a16:creationId xmlns:a16="http://schemas.microsoft.com/office/drawing/2014/main" id="{1055A031-14B7-441D-8C55-A399BBBC4E59}"/>
               </a:ext>
             </a:extLst>
           </p:cNvPr>
@@ -5288,7 +5288,7 @@
           <a:blip r:embed="rId3" cstate="print">
             <a:extLst>
               <a:ext uri="{28A0092B-C50C-407E-A947-70E740481C1C}">
-                <a14:useLocalDpi xmlns:a14="http://schemas.microsoft.com/office/drawing/2010/main" xmlns="" val="0"/>
+                <a14:useLocalDpi xmlns:a14="http://schemas.microsoft.com/office/drawing/2010/main" val="0"/>
               </a:ext>
             </a:extLst>
           </a:blip>
@@ -5314,20 +5314,20 @@
     </p:spTree>
     <p:extLst>
       <p:ext uri="{BB962C8B-B14F-4D97-AF65-F5344CB8AC3E}">
-        <p14:creationId xmlns:p14="http://schemas.microsoft.com/office/powerpoint/2010/main" xmlns="" val="3195634949"/>
+        <p14:creationId xmlns:p14="http://schemas.microsoft.com/office/powerpoint/2010/main" val="3195634949"/>
       </p:ext>
     </p:extLst>
   </p:cSld>
   <p:clrMapOvr>
     <a:masterClrMapping/>
   </p:clrMapOvr>
-  <mc:AlternateContent xmlns:mc="http://schemas.openxmlformats.org/markup-compatibility/2006">
-    <mc:Choice xmlns:p14="http://schemas.microsoft.com/office/powerpoint/2010/main" xmlns="" Requires="p14">
+  <mc:AlternateContent xmlns:mc="http://schemas.openxmlformats.org/markup-compatibility/2006" xmlns:p14="http://schemas.microsoft.com/office/powerpoint/2010/main">
+    <mc:Choice Requires="p14">
       <p:transition spd="med" p14:dur="700">
         <p:fade/>
       </p:transition>
     </mc:Choice>
-    <mc:Fallback>
+    <mc:Fallback xmlns="">
       <p:transition spd="med">
         <p:fade/>
       </p:transition>
@@ -5438,7 +5438,7 @@
           <p:cNvPr id="8" name="TextBox 7">
             <a:extLst>
               <a:ext uri="{FF2B5EF4-FFF2-40B4-BE49-F238E27FC236}">
-                <a16:creationId xmlns:a16="http://schemas.microsoft.com/office/drawing/2014/main" xmlns="" id="{B2729330-CEB6-4A30-8588-5A38361E709E}"/>
+                <a16:creationId xmlns:a16="http://schemas.microsoft.com/office/drawing/2014/main" id="{B2729330-CEB6-4A30-8588-5A38361E709E}"/>
               </a:ext>
             </a:extLst>
           </p:cNvPr>
@@ -5577,7 +5577,7 @@
           <p:cNvPr id="10" name="TextBox 9">
             <a:extLst>
               <a:ext uri="{FF2B5EF4-FFF2-40B4-BE49-F238E27FC236}">
-                <a16:creationId xmlns:a16="http://schemas.microsoft.com/office/drawing/2014/main" xmlns="" id="{B56A1B63-19B2-45DF-BDFB-D49C8EA71FD3}"/>
+                <a16:creationId xmlns:a16="http://schemas.microsoft.com/office/drawing/2014/main" id="{B56A1B63-19B2-45DF-BDFB-D49C8EA71FD3}"/>
               </a:ext>
             </a:extLst>
           </p:cNvPr>
@@ -5629,7 +5629,7 @@
           <p:cNvPr id="4" name="그림 3">
             <a:extLst>
               <a:ext uri="{FF2B5EF4-FFF2-40B4-BE49-F238E27FC236}">
-                <a16:creationId xmlns:a16="http://schemas.microsoft.com/office/drawing/2014/main" xmlns="" id="{52969E30-CCD5-4585-9926-D44257894A50}"/>
+                <a16:creationId xmlns:a16="http://schemas.microsoft.com/office/drawing/2014/main" id="{52969E30-CCD5-4585-9926-D44257894A50}"/>
               </a:ext>
             </a:extLst>
           </p:cNvPr>
@@ -5642,7 +5642,7 @@
           <a:blip r:embed="rId2" cstate="print">
             <a:extLst>
               <a:ext uri="{28A0092B-C50C-407E-A947-70E740481C1C}">
-                <a14:useLocalDpi xmlns:a14="http://schemas.microsoft.com/office/drawing/2010/main" xmlns="" val="0"/>
+                <a14:useLocalDpi xmlns:a14="http://schemas.microsoft.com/office/drawing/2010/main" val="0"/>
               </a:ext>
             </a:extLst>
           </a:blip>
@@ -5670,7 +5670,7 @@
           <p:cNvPr id="7" name="그림 6">
             <a:extLst>
               <a:ext uri="{FF2B5EF4-FFF2-40B4-BE49-F238E27FC236}">
-                <a16:creationId xmlns:a16="http://schemas.microsoft.com/office/drawing/2014/main" xmlns="" id="{FCCCFA58-E725-4173-AD94-428DF861C45E}"/>
+                <a16:creationId xmlns:a16="http://schemas.microsoft.com/office/drawing/2014/main" id="{FCCCFA58-E725-4173-AD94-428DF861C45E}"/>
               </a:ext>
             </a:extLst>
           </p:cNvPr>
@@ -5683,7 +5683,7 @@
           <a:blip r:embed="rId3" cstate="print">
             <a:extLst>
               <a:ext uri="{28A0092B-C50C-407E-A947-70E740481C1C}">
-                <a14:useLocalDpi xmlns:a14="http://schemas.microsoft.com/office/drawing/2010/main" xmlns="" val="0"/>
+                <a14:useLocalDpi xmlns:a14="http://schemas.microsoft.com/office/drawing/2010/main" val="0"/>
               </a:ext>
             </a:extLst>
           </a:blip>
@@ -5709,20 +5709,20 @@
     </p:spTree>
     <p:extLst>
       <p:ext uri="{BB962C8B-B14F-4D97-AF65-F5344CB8AC3E}">
-        <p14:creationId xmlns:p14="http://schemas.microsoft.com/office/powerpoint/2010/main" xmlns="" val="879718177"/>
+        <p14:creationId xmlns:p14="http://schemas.microsoft.com/office/powerpoint/2010/main" val="879718177"/>
       </p:ext>
     </p:extLst>
   </p:cSld>
   <p:clrMapOvr>
     <a:masterClrMapping/>
   </p:clrMapOvr>
-  <mc:AlternateContent xmlns:mc="http://schemas.openxmlformats.org/markup-compatibility/2006">
-    <mc:Choice xmlns:p14="http://schemas.microsoft.com/office/powerpoint/2010/main" xmlns="" Requires="p14">
+  <mc:AlternateContent xmlns:mc="http://schemas.openxmlformats.org/markup-compatibility/2006" xmlns:p14="http://schemas.microsoft.com/office/powerpoint/2010/main">
+    <mc:Choice Requires="p14">
       <p:transition spd="med" p14:dur="700">
         <p:fade/>
       </p:transition>
     </mc:Choice>
-    <mc:Fallback>
+    <mc:Fallback xmlns="">
       <p:transition spd="med">
         <p:fade/>
       </p:transition>
@@ -5833,7 +5833,7 @@
           <p:cNvPr id="8" name="TextBox 7">
             <a:extLst>
               <a:ext uri="{FF2B5EF4-FFF2-40B4-BE49-F238E27FC236}">
-                <a16:creationId xmlns:a16="http://schemas.microsoft.com/office/drawing/2014/main" xmlns="" id="{B2729330-CEB6-4A30-8588-5A38361E709E}"/>
+                <a16:creationId xmlns:a16="http://schemas.microsoft.com/office/drawing/2014/main" id="{B2729330-CEB6-4A30-8588-5A38361E709E}"/>
               </a:ext>
             </a:extLst>
           </p:cNvPr>
@@ -5907,7 +5907,7 @@
           <p:cNvPr id="10" name="TextBox 9">
             <a:extLst>
               <a:ext uri="{FF2B5EF4-FFF2-40B4-BE49-F238E27FC236}">
-                <a16:creationId xmlns:a16="http://schemas.microsoft.com/office/drawing/2014/main" xmlns="" id="{B56A1B63-19B2-45DF-BDFB-D49C8EA71FD3}"/>
+                <a16:creationId xmlns:a16="http://schemas.microsoft.com/office/drawing/2014/main" id="{B56A1B63-19B2-45DF-BDFB-D49C8EA71FD3}"/>
               </a:ext>
             </a:extLst>
           </p:cNvPr>
@@ -5959,7 +5959,7 @@
           <p:cNvPr id="3" name="그림 2">
             <a:extLst>
               <a:ext uri="{FF2B5EF4-FFF2-40B4-BE49-F238E27FC236}">
-                <a16:creationId xmlns:a16="http://schemas.microsoft.com/office/drawing/2014/main" xmlns="" id="{30CF940C-8226-4F48-8D0F-C1491DF7AF9F}"/>
+                <a16:creationId xmlns:a16="http://schemas.microsoft.com/office/drawing/2014/main" id="{30CF940C-8226-4F48-8D0F-C1491DF7AF9F}"/>
               </a:ext>
             </a:extLst>
           </p:cNvPr>
@@ -5972,7 +5972,7 @@
           <a:blip r:embed="rId2" cstate="print">
             <a:extLst>
               <a:ext uri="{28A0092B-C50C-407E-A947-70E740481C1C}">
-                <a14:useLocalDpi xmlns:a14="http://schemas.microsoft.com/office/drawing/2010/main" xmlns="" val="0"/>
+                <a14:useLocalDpi xmlns:a14="http://schemas.microsoft.com/office/drawing/2010/main" val="0"/>
               </a:ext>
             </a:extLst>
           </a:blip>
@@ -6000,7 +6000,7 @@
           <p:cNvPr id="9" name="그림 8">
             <a:extLst>
               <a:ext uri="{FF2B5EF4-FFF2-40B4-BE49-F238E27FC236}">
-                <a16:creationId xmlns:a16="http://schemas.microsoft.com/office/drawing/2014/main" xmlns="" id="{50064BE1-CC3E-4188-B4E9-EF15E1A2C7FC}"/>
+                <a16:creationId xmlns:a16="http://schemas.microsoft.com/office/drawing/2014/main" id="{50064BE1-CC3E-4188-B4E9-EF15E1A2C7FC}"/>
               </a:ext>
             </a:extLst>
           </p:cNvPr>
@@ -6013,7 +6013,7 @@
           <a:blip r:embed="rId3" cstate="print">
             <a:extLst>
               <a:ext uri="{28A0092B-C50C-407E-A947-70E740481C1C}">
-                <a14:useLocalDpi xmlns:a14="http://schemas.microsoft.com/office/drawing/2010/main" xmlns="" val="0"/>
+                <a14:useLocalDpi xmlns:a14="http://schemas.microsoft.com/office/drawing/2010/main" val="0"/>
               </a:ext>
             </a:extLst>
           </a:blip>
@@ -6041,7 +6041,7 @@
           <p:cNvPr id="14" name="연결선: 구부러짐 13">
             <a:extLst>
               <a:ext uri="{FF2B5EF4-FFF2-40B4-BE49-F238E27FC236}">
-                <a16:creationId xmlns:a16="http://schemas.microsoft.com/office/drawing/2014/main" xmlns="" id="{8A38B8B5-497E-4E95-903A-9AA32C84BF4C}"/>
+                <a16:creationId xmlns:a16="http://schemas.microsoft.com/office/drawing/2014/main" id="{8A38B8B5-497E-4E95-903A-9AA32C84BF4C}"/>
               </a:ext>
             </a:extLst>
           </p:cNvPr>
@@ -6082,20 +6082,20 @@
     </p:spTree>
     <p:extLst>
       <p:ext uri="{BB962C8B-B14F-4D97-AF65-F5344CB8AC3E}">
-        <p14:creationId xmlns:p14="http://schemas.microsoft.com/office/powerpoint/2010/main" xmlns="" val="3846446380"/>
+        <p14:creationId xmlns:p14="http://schemas.microsoft.com/office/powerpoint/2010/main" val="3846446380"/>
       </p:ext>
     </p:extLst>
   </p:cSld>
   <p:clrMapOvr>
     <a:masterClrMapping/>
   </p:clrMapOvr>
-  <mc:AlternateContent xmlns:mc="http://schemas.openxmlformats.org/markup-compatibility/2006">
-    <mc:Choice xmlns:p14="http://schemas.microsoft.com/office/powerpoint/2010/main" xmlns="" Requires="p14">
+  <mc:AlternateContent xmlns:mc="http://schemas.openxmlformats.org/markup-compatibility/2006" xmlns:p14="http://schemas.microsoft.com/office/powerpoint/2010/main">
+    <mc:Choice Requires="p14">
       <p:transition spd="med" p14:dur="700">
         <p:fade/>
       </p:transition>
     </mc:Choice>
-    <mc:Fallback>
+    <mc:Fallback xmlns="">
       <p:transition spd="med">
         <p:fade/>
       </p:transition>
@@ -6206,7 +6206,7 @@
           <p:cNvPr id="8" name="TextBox 7">
             <a:extLst>
               <a:ext uri="{FF2B5EF4-FFF2-40B4-BE49-F238E27FC236}">
-                <a16:creationId xmlns:a16="http://schemas.microsoft.com/office/drawing/2014/main" xmlns="" id="{B2729330-CEB6-4A30-8588-5A38361E709E}"/>
+                <a16:creationId xmlns:a16="http://schemas.microsoft.com/office/drawing/2014/main" id="{B2729330-CEB6-4A30-8588-5A38361E709E}"/>
               </a:ext>
             </a:extLst>
           </p:cNvPr>
@@ -6292,7 +6292,7 @@
           <p:cNvPr id="10" name="TextBox 9">
             <a:extLst>
               <a:ext uri="{FF2B5EF4-FFF2-40B4-BE49-F238E27FC236}">
-                <a16:creationId xmlns:a16="http://schemas.microsoft.com/office/drawing/2014/main" xmlns="" id="{B56A1B63-19B2-45DF-BDFB-D49C8EA71FD3}"/>
+                <a16:creationId xmlns:a16="http://schemas.microsoft.com/office/drawing/2014/main" id="{B56A1B63-19B2-45DF-BDFB-D49C8EA71FD3}"/>
               </a:ext>
             </a:extLst>
           </p:cNvPr>
@@ -6344,7 +6344,7 @@
           <p:cNvPr id="4" name="그림 3">
             <a:extLst>
               <a:ext uri="{FF2B5EF4-FFF2-40B4-BE49-F238E27FC236}">
-                <a16:creationId xmlns:a16="http://schemas.microsoft.com/office/drawing/2014/main" xmlns="" id="{3D5DD2DA-004E-4489-A541-E01685CD0E91}"/>
+                <a16:creationId xmlns:a16="http://schemas.microsoft.com/office/drawing/2014/main" id="{3D5DD2DA-004E-4489-A541-E01685CD0E91}"/>
               </a:ext>
             </a:extLst>
           </p:cNvPr>
@@ -6357,7 +6357,7 @@
           <a:blip r:embed="rId2" cstate="print">
             <a:extLst>
               <a:ext uri="{28A0092B-C50C-407E-A947-70E740481C1C}">
-                <a14:useLocalDpi xmlns:a14="http://schemas.microsoft.com/office/drawing/2010/main" xmlns="" val="0"/>
+                <a14:useLocalDpi xmlns:a14="http://schemas.microsoft.com/office/drawing/2010/main" val="0"/>
               </a:ext>
             </a:extLst>
           </a:blip>
@@ -6383,20 +6383,20 @@
     </p:spTree>
     <p:extLst>
       <p:ext uri="{BB962C8B-B14F-4D97-AF65-F5344CB8AC3E}">
-        <p14:creationId xmlns:p14="http://schemas.microsoft.com/office/powerpoint/2010/main" xmlns="" val="450904341"/>
+        <p14:creationId xmlns:p14="http://schemas.microsoft.com/office/powerpoint/2010/main" val="450904341"/>
       </p:ext>
     </p:extLst>
   </p:cSld>
   <p:clrMapOvr>
     <a:masterClrMapping/>
   </p:clrMapOvr>
-  <mc:AlternateContent xmlns:mc="http://schemas.openxmlformats.org/markup-compatibility/2006">
-    <mc:Choice xmlns:p14="http://schemas.microsoft.com/office/powerpoint/2010/main" xmlns="" Requires="p14">
+  <mc:AlternateContent xmlns:mc="http://schemas.openxmlformats.org/markup-compatibility/2006" xmlns:p14="http://schemas.microsoft.com/office/powerpoint/2010/main">
+    <mc:Choice Requires="p14">
       <p:transition spd="med" p14:dur="700">
         <p:fade/>
       </p:transition>
     </mc:Choice>
-    <mc:Fallback>
+    <mc:Fallback xmlns="">
       <p:transition spd="med">
         <p:fade/>
       </p:transition>
@@ -6507,7 +6507,7 @@
           <p:cNvPr id="8" name="TextBox 7">
             <a:extLst>
               <a:ext uri="{FF2B5EF4-FFF2-40B4-BE49-F238E27FC236}">
-                <a16:creationId xmlns:a16="http://schemas.microsoft.com/office/drawing/2014/main" xmlns="" id="{B2729330-CEB6-4A30-8588-5A38361E709E}"/>
+                <a16:creationId xmlns:a16="http://schemas.microsoft.com/office/drawing/2014/main" id="{B2729330-CEB6-4A30-8588-5A38361E709E}"/>
               </a:ext>
             </a:extLst>
           </p:cNvPr>
@@ -6562,7 +6562,7 @@
           <p:cNvPr id="10" name="TextBox 9">
             <a:extLst>
               <a:ext uri="{FF2B5EF4-FFF2-40B4-BE49-F238E27FC236}">
-                <a16:creationId xmlns:a16="http://schemas.microsoft.com/office/drawing/2014/main" xmlns="" id="{B56A1B63-19B2-45DF-BDFB-D49C8EA71FD3}"/>
+                <a16:creationId xmlns:a16="http://schemas.microsoft.com/office/drawing/2014/main" id="{B56A1B63-19B2-45DF-BDFB-D49C8EA71FD3}"/>
               </a:ext>
             </a:extLst>
           </p:cNvPr>
@@ -6614,7 +6614,7 @@
           <p:cNvPr id="4" name="그림 3">
             <a:extLst>
               <a:ext uri="{FF2B5EF4-FFF2-40B4-BE49-F238E27FC236}">
-                <a16:creationId xmlns:a16="http://schemas.microsoft.com/office/drawing/2014/main" xmlns="" id="{A33377BE-9A0E-41AC-A2ED-314FCBE2E603}"/>
+                <a16:creationId xmlns:a16="http://schemas.microsoft.com/office/drawing/2014/main" id="{A33377BE-9A0E-41AC-A2ED-314FCBE2E603}"/>
               </a:ext>
             </a:extLst>
           </p:cNvPr>
@@ -6627,7 +6627,7 @@
           <a:blip r:embed="rId2" cstate="print">
             <a:extLst>
               <a:ext uri="{28A0092B-C50C-407E-A947-70E740481C1C}">
-                <a14:useLocalDpi xmlns:a14="http://schemas.microsoft.com/office/drawing/2010/main" xmlns="" val="0"/>
+                <a14:useLocalDpi xmlns:a14="http://schemas.microsoft.com/office/drawing/2010/main" val="0"/>
               </a:ext>
             </a:extLst>
           </a:blip>
@@ -6655,7 +6655,7 @@
           <p:cNvPr id="7" name="그림 6">
             <a:extLst>
               <a:ext uri="{FF2B5EF4-FFF2-40B4-BE49-F238E27FC236}">
-                <a16:creationId xmlns:a16="http://schemas.microsoft.com/office/drawing/2014/main" xmlns="" id="{D62DC2FB-0B52-4D6A-B977-FA1D925FCA37}"/>
+                <a16:creationId xmlns:a16="http://schemas.microsoft.com/office/drawing/2014/main" id="{D62DC2FB-0B52-4D6A-B977-FA1D925FCA37}"/>
               </a:ext>
             </a:extLst>
           </p:cNvPr>
@@ -6668,7 +6668,7 @@
           <a:blip r:embed="rId3" cstate="print">
             <a:extLst>
               <a:ext uri="{28A0092B-C50C-407E-A947-70E740481C1C}">
-                <a14:useLocalDpi xmlns:a14="http://schemas.microsoft.com/office/drawing/2010/main" xmlns="" val="0"/>
+                <a14:useLocalDpi xmlns:a14="http://schemas.microsoft.com/office/drawing/2010/main" val="0"/>
               </a:ext>
             </a:extLst>
           </a:blip>
@@ -6696,7 +6696,7 @@
           <p:cNvPr id="12" name="연결선: 구부러짐 11">
             <a:extLst>
               <a:ext uri="{FF2B5EF4-FFF2-40B4-BE49-F238E27FC236}">
-                <a16:creationId xmlns:a16="http://schemas.microsoft.com/office/drawing/2014/main" xmlns="" id="{B26B4B4F-6A0A-48BC-B667-CD6FF3AD14A5}"/>
+                <a16:creationId xmlns:a16="http://schemas.microsoft.com/office/drawing/2014/main" id="{B26B4B4F-6A0A-48BC-B667-CD6FF3AD14A5}"/>
               </a:ext>
             </a:extLst>
           </p:cNvPr>
@@ -6735,7 +6735,7 @@
           <p:cNvPr id="1030" name="Picture 6" descr="돋보기에 대한 이미지 검색결과">
             <a:extLst>
               <a:ext uri="{FF2B5EF4-FFF2-40B4-BE49-F238E27FC236}">
-                <a16:creationId xmlns:a16="http://schemas.microsoft.com/office/drawing/2014/main" xmlns="" id="{2A5D9044-1041-4F92-8CD1-777F4DB9BD76}"/>
+                <a16:creationId xmlns:a16="http://schemas.microsoft.com/office/drawing/2014/main" id="{2A5D9044-1041-4F92-8CD1-777F4DB9BD76}"/>
               </a:ext>
             </a:extLst>
           </p:cNvPr>
@@ -6748,7 +6748,7 @@
           <a:blip r:embed="rId4" cstate="print">
             <a:extLst>
               <a:ext uri="{28A0092B-C50C-407E-A947-70E740481C1C}">
-                <a14:useLocalDpi xmlns:a14="http://schemas.microsoft.com/office/drawing/2010/main" xmlns="" val="0"/>
+                <a14:useLocalDpi xmlns:a14="http://schemas.microsoft.com/office/drawing/2010/main" val="0"/>
               </a:ext>
             </a:extLst>
           </a:blip>
@@ -6768,7 +6768,7 @@
           <a:noFill/>
           <a:extLst>
             <a:ext uri="{909E8E84-426E-40DD-AFC4-6F175D3DCCD1}">
-              <a14:hiddenFill xmlns:a14="http://schemas.microsoft.com/office/drawing/2010/main" xmlns="">
+              <a14:hiddenFill xmlns:a14="http://schemas.microsoft.com/office/drawing/2010/main">
                 <a:solidFill>
                   <a:srgbClr val="FFFFFF"/>
                 </a:solidFill>
@@ -6780,20 +6780,20 @@
     </p:spTree>
     <p:extLst>
       <p:ext uri="{BB962C8B-B14F-4D97-AF65-F5344CB8AC3E}">
-        <p14:creationId xmlns:p14="http://schemas.microsoft.com/office/powerpoint/2010/main" xmlns="" val="2906056090"/>
+        <p14:creationId xmlns:p14="http://schemas.microsoft.com/office/powerpoint/2010/main" val="2906056090"/>
       </p:ext>
     </p:extLst>
   </p:cSld>
   <p:clrMapOvr>
     <a:masterClrMapping/>
   </p:clrMapOvr>
-  <mc:AlternateContent xmlns:mc="http://schemas.openxmlformats.org/markup-compatibility/2006">
-    <mc:Choice xmlns:p14="http://schemas.microsoft.com/office/powerpoint/2010/main" xmlns="" Requires="p14">
+  <mc:AlternateContent xmlns:mc="http://schemas.openxmlformats.org/markup-compatibility/2006" xmlns:p14="http://schemas.microsoft.com/office/powerpoint/2010/main">
+    <mc:Choice Requires="p14">
       <p:transition spd="med" p14:dur="700">
         <p:fade/>
       </p:transition>
     </mc:Choice>
-    <mc:Fallback>
+    <mc:Fallback xmlns="">
       <p:transition spd="med">
         <p:fade/>
       </p:transition>
@@ -6904,7 +6904,7 @@
           <p:cNvPr id="8" name="TextBox 7">
             <a:extLst>
               <a:ext uri="{FF2B5EF4-FFF2-40B4-BE49-F238E27FC236}">
-                <a16:creationId xmlns:a16="http://schemas.microsoft.com/office/drawing/2014/main" xmlns="" id="{B2729330-CEB6-4A30-8588-5A38361E709E}"/>
+                <a16:creationId xmlns:a16="http://schemas.microsoft.com/office/drawing/2014/main" id="{B2729330-CEB6-4A30-8588-5A38361E709E}"/>
               </a:ext>
             </a:extLst>
           </p:cNvPr>
@@ -7013,7 +7013,7 @@
           <p:cNvPr id="10" name="TextBox 9">
             <a:extLst>
               <a:ext uri="{FF2B5EF4-FFF2-40B4-BE49-F238E27FC236}">
-                <a16:creationId xmlns:a16="http://schemas.microsoft.com/office/drawing/2014/main" xmlns="" id="{B56A1B63-19B2-45DF-BDFB-D49C8EA71FD3}"/>
+                <a16:creationId xmlns:a16="http://schemas.microsoft.com/office/drawing/2014/main" id="{B56A1B63-19B2-45DF-BDFB-D49C8EA71FD3}"/>
               </a:ext>
             </a:extLst>
           </p:cNvPr>
@@ -7065,7 +7065,7 @@
           <p:cNvPr id="4" name="그림 3">
             <a:extLst>
               <a:ext uri="{FF2B5EF4-FFF2-40B4-BE49-F238E27FC236}">
-                <a16:creationId xmlns:a16="http://schemas.microsoft.com/office/drawing/2014/main" xmlns="" id="{6384CCFE-4E42-4CE0-8ACB-F7E3AF7A0945}"/>
+                <a16:creationId xmlns:a16="http://schemas.microsoft.com/office/drawing/2014/main" id="{6384CCFE-4E42-4CE0-8ACB-F7E3AF7A0945}"/>
               </a:ext>
             </a:extLst>
           </p:cNvPr>
@@ -7078,7 +7078,7 @@
           <a:blip r:embed="rId2" cstate="print">
             <a:extLst>
               <a:ext uri="{28A0092B-C50C-407E-A947-70E740481C1C}">
-                <a14:useLocalDpi xmlns:a14="http://schemas.microsoft.com/office/drawing/2010/main" xmlns="" val="0"/>
+                <a14:useLocalDpi xmlns:a14="http://schemas.microsoft.com/office/drawing/2010/main" val="0"/>
               </a:ext>
             </a:extLst>
           </a:blip>
@@ -7106,7 +7106,7 @@
           <p:cNvPr id="7" name="그림 6">
             <a:extLst>
               <a:ext uri="{FF2B5EF4-FFF2-40B4-BE49-F238E27FC236}">
-                <a16:creationId xmlns:a16="http://schemas.microsoft.com/office/drawing/2014/main" xmlns="" id="{859A06FC-E1BC-4568-A18F-5672564E6635}"/>
+                <a16:creationId xmlns:a16="http://schemas.microsoft.com/office/drawing/2014/main" id="{859A06FC-E1BC-4568-A18F-5672564E6635}"/>
               </a:ext>
             </a:extLst>
           </p:cNvPr>
@@ -7119,7 +7119,7 @@
           <a:blip r:embed="rId3" cstate="print">
             <a:extLst>
               <a:ext uri="{28A0092B-C50C-407E-A947-70E740481C1C}">
-                <a14:useLocalDpi xmlns:a14="http://schemas.microsoft.com/office/drawing/2010/main" xmlns="" val="0"/>
+                <a14:useLocalDpi xmlns:a14="http://schemas.microsoft.com/office/drawing/2010/main" val="0"/>
               </a:ext>
             </a:extLst>
           </a:blip>
@@ -7147,7 +7147,7 @@
           <p:cNvPr id="12" name="TextBox 11">
             <a:extLst>
               <a:ext uri="{FF2B5EF4-FFF2-40B4-BE49-F238E27FC236}">
-                <a16:creationId xmlns:a16="http://schemas.microsoft.com/office/drawing/2014/main" xmlns="" id="{DD49FC39-630F-4E6B-BAFB-7A56504DF281}"/>
+                <a16:creationId xmlns:a16="http://schemas.microsoft.com/office/drawing/2014/main" id="{DD49FC39-630F-4E6B-BAFB-7A56504DF281}"/>
               </a:ext>
             </a:extLst>
           </p:cNvPr>
@@ -7196,7 +7196,7 @@
           <p:cNvPr id="13" name="TextBox 12">
             <a:extLst>
               <a:ext uri="{FF2B5EF4-FFF2-40B4-BE49-F238E27FC236}">
-                <a16:creationId xmlns:a16="http://schemas.microsoft.com/office/drawing/2014/main" xmlns="" id="{033B6F89-9886-4056-A485-286BC79F357D}"/>
+                <a16:creationId xmlns:a16="http://schemas.microsoft.com/office/drawing/2014/main" id="{033B6F89-9886-4056-A485-286BC79F357D}"/>
               </a:ext>
             </a:extLst>
           </p:cNvPr>
@@ -7245,7 +7245,7 @@
           <p:cNvPr id="11" name="화살표: 위쪽 10">
             <a:extLst>
               <a:ext uri="{FF2B5EF4-FFF2-40B4-BE49-F238E27FC236}">
-                <a16:creationId xmlns:a16="http://schemas.microsoft.com/office/drawing/2014/main" xmlns="" id="{82BE42AD-5B81-4B34-8FCE-C6B781615C37}"/>
+                <a16:creationId xmlns:a16="http://schemas.microsoft.com/office/drawing/2014/main" id="{82BE42AD-5B81-4B34-8FCE-C6B781615C37}"/>
               </a:ext>
             </a:extLst>
           </p:cNvPr>
@@ -7291,7 +7291,7 @@
           <p:cNvPr id="15" name="화살표: 위쪽 14">
             <a:extLst>
               <a:ext uri="{FF2B5EF4-FFF2-40B4-BE49-F238E27FC236}">
-                <a16:creationId xmlns:a16="http://schemas.microsoft.com/office/drawing/2014/main" xmlns="" id="{348F676E-9DD9-47B8-A8BB-382528F8F52F}"/>
+                <a16:creationId xmlns:a16="http://schemas.microsoft.com/office/drawing/2014/main" id="{348F676E-9DD9-47B8-A8BB-382528F8F52F}"/>
               </a:ext>
             </a:extLst>
           </p:cNvPr>
@@ -7335,20 +7335,20 @@
     </p:spTree>
     <p:extLst>
       <p:ext uri="{BB962C8B-B14F-4D97-AF65-F5344CB8AC3E}">
-        <p14:creationId xmlns:p14="http://schemas.microsoft.com/office/powerpoint/2010/main" xmlns="" val="2401772221"/>
+        <p14:creationId xmlns:p14="http://schemas.microsoft.com/office/powerpoint/2010/main" val="2401772221"/>
       </p:ext>
     </p:extLst>
   </p:cSld>
   <p:clrMapOvr>
     <a:masterClrMapping/>
   </p:clrMapOvr>
-  <mc:AlternateContent xmlns:mc="http://schemas.openxmlformats.org/markup-compatibility/2006">
-    <mc:Choice xmlns:p14="http://schemas.microsoft.com/office/powerpoint/2010/main" xmlns="" Requires="p14">
+  <mc:AlternateContent xmlns:mc="http://schemas.openxmlformats.org/markup-compatibility/2006" xmlns:p14="http://schemas.microsoft.com/office/powerpoint/2010/main">
+    <mc:Choice Requires="p14">
       <p:transition spd="med" p14:dur="700">
         <p:fade/>
       </p:transition>
     </mc:Choice>
-    <mc:Fallback>
+    <mc:Fallback xmlns="">
       <p:transition spd="med">
         <p:fade/>
       </p:transition>
@@ -7459,7 +7459,7 @@
           <p:cNvPr id="8" name="TextBox 7">
             <a:extLst>
               <a:ext uri="{FF2B5EF4-FFF2-40B4-BE49-F238E27FC236}">
-                <a16:creationId xmlns:a16="http://schemas.microsoft.com/office/drawing/2014/main" xmlns="" id="{B2729330-CEB6-4A30-8588-5A38361E709E}"/>
+                <a16:creationId xmlns:a16="http://schemas.microsoft.com/office/drawing/2014/main" id="{B2729330-CEB6-4A30-8588-5A38361E709E}"/>
               </a:ext>
             </a:extLst>
           </p:cNvPr>
@@ -7534,7 +7534,7 @@
           <p:cNvPr id="10" name="TextBox 9">
             <a:extLst>
               <a:ext uri="{FF2B5EF4-FFF2-40B4-BE49-F238E27FC236}">
-                <a16:creationId xmlns:a16="http://schemas.microsoft.com/office/drawing/2014/main" xmlns="" id="{B56A1B63-19B2-45DF-BDFB-D49C8EA71FD3}"/>
+                <a16:creationId xmlns:a16="http://schemas.microsoft.com/office/drawing/2014/main" id="{B56A1B63-19B2-45DF-BDFB-D49C8EA71FD3}"/>
               </a:ext>
             </a:extLst>
           </p:cNvPr>
@@ -7638,7 +7638,7 @@
           <p:cNvPr id="12" name="TextBox 11">
             <a:extLst>
               <a:ext uri="{FF2B5EF4-FFF2-40B4-BE49-F238E27FC236}">
-                <a16:creationId xmlns:a16="http://schemas.microsoft.com/office/drawing/2014/main" xmlns="" id="{DD49FC39-630F-4E6B-BAFB-7A56504DF281}"/>
+                <a16:creationId xmlns:a16="http://schemas.microsoft.com/office/drawing/2014/main" id="{DD49FC39-630F-4E6B-BAFB-7A56504DF281}"/>
               </a:ext>
             </a:extLst>
           </p:cNvPr>
@@ -7687,7 +7687,7 @@
           <p:cNvPr id="13" name="TextBox 12">
             <a:extLst>
               <a:ext uri="{FF2B5EF4-FFF2-40B4-BE49-F238E27FC236}">
-                <a16:creationId xmlns:a16="http://schemas.microsoft.com/office/drawing/2014/main" xmlns="" id="{033B6F89-9886-4056-A485-286BC79F357D}"/>
+                <a16:creationId xmlns:a16="http://schemas.microsoft.com/office/drawing/2014/main" id="{033B6F89-9886-4056-A485-286BC79F357D}"/>
               </a:ext>
             </a:extLst>
           </p:cNvPr>
@@ -7736,7 +7736,7 @@
           <p:cNvPr id="11" name="화살표: 위쪽 10">
             <a:extLst>
               <a:ext uri="{FF2B5EF4-FFF2-40B4-BE49-F238E27FC236}">
-                <a16:creationId xmlns:a16="http://schemas.microsoft.com/office/drawing/2014/main" xmlns="" id="{82BE42AD-5B81-4B34-8FCE-C6B781615C37}"/>
+                <a16:creationId xmlns:a16="http://schemas.microsoft.com/office/drawing/2014/main" id="{82BE42AD-5B81-4B34-8FCE-C6B781615C37}"/>
               </a:ext>
             </a:extLst>
           </p:cNvPr>
@@ -7782,7 +7782,7 @@
           <p:cNvPr id="15" name="화살표: 위쪽 14">
             <a:extLst>
               <a:ext uri="{FF2B5EF4-FFF2-40B4-BE49-F238E27FC236}">
-                <a16:creationId xmlns:a16="http://schemas.microsoft.com/office/drawing/2014/main" xmlns="" id="{348F676E-9DD9-47B8-A8BB-382528F8F52F}"/>
+                <a16:creationId xmlns:a16="http://schemas.microsoft.com/office/drawing/2014/main" id="{348F676E-9DD9-47B8-A8BB-382528F8F52F}"/>
               </a:ext>
             </a:extLst>
           </p:cNvPr>
@@ -7828,7 +7828,7 @@
           <p:cNvPr id="3" name="그림 2">
             <a:extLst>
               <a:ext uri="{FF2B5EF4-FFF2-40B4-BE49-F238E27FC236}">
-                <a16:creationId xmlns:a16="http://schemas.microsoft.com/office/drawing/2014/main" xmlns="" id="{986AE201-89EA-4AFB-9AC0-9B5991658A53}"/>
+                <a16:creationId xmlns:a16="http://schemas.microsoft.com/office/drawing/2014/main" id="{986AE201-89EA-4AFB-9AC0-9B5991658A53}"/>
               </a:ext>
             </a:extLst>
           </p:cNvPr>
@@ -7841,7 +7841,7 @@
           <a:blip r:embed="rId2" cstate="print">
             <a:extLst>
               <a:ext uri="{28A0092B-C50C-407E-A947-70E740481C1C}">
-                <a14:useLocalDpi xmlns:a14="http://schemas.microsoft.com/office/drawing/2010/main" xmlns="" val="0"/>
+                <a14:useLocalDpi xmlns:a14="http://schemas.microsoft.com/office/drawing/2010/main" val="0"/>
               </a:ext>
             </a:extLst>
           </a:blip>
@@ -7869,7 +7869,7 @@
           <p:cNvPr id="9" name="그림 8">
             <a:extLst>
               <a:ext uri="{FF2B5EF4-FFF2-40B4-BE49-F238E27FC236}">
-                <a16:creationId xmlns:a16="http://schemas.microsoft.com/office/drawing/2014/main" xmlns="" id="{E1A59386-37E8-4140-AB0C-4322474062AA}"/>
+                <a16:creationId xmlns:a16="http://schemas.microsoft.com/office/drawing/2014/main" id="{E1A59386-37E8-4140-AB0C-4322474062AA}"/>
               </a:ext>
             </a:extLst>
           </p:cNvPr>
@@ -7882,7 +7882,7 @@
           <a:blip r:embed="rId3" cstate="print">
             <a:extLst>
               <a:ext uri="{28A0092B-C50C-407E-A947-70E740481C1C}">
-                <a14:useLocalDpi xmlns:a14="http://schemas.microsoft.com/office/drawing/2010/main" xmlns="" val="0"/>
+                <a14:useLocalDpi xmlns:a14="http://schemas.microsoft.com/office/drawing/2010/main" val="0"/>
               </a:ext>
             </a:extLst>
           </a:blip>
@@ -7908,20 +7908,20 @@
     </p:spTree>
     <p:extLst>
       <p:ext uri="{BB962C8B-B14F-4D97-AF65-F5344CB8AC3E}">
-        <p14:creationId xmlns:p14="http://schemas.microsoft.com/office/powerpoint/2010/main" xmlns="" val="1619140408"/>
+        <p14:creationId xmlns:p14="http://schemas.microsoft.com/office/powerpoint/2010/main" val="1619140408"/>
       </p:ext>
     </p:extLst>
   </p:cSld>
   <p:clrMapOvr>
     <a:masterClrMapping/>
   </p:clrMapOvr>
-  <mc:AlternateContent xmlns:mc="http://schemas.openxmlformats.org/markup-compatibility/2006">
-    <mc:Choice xmlns:p14="http://schemas.microsoft.com/office/powerpoint/2010/main" xmlns="" Requires="p14">
+  <mc:AlternateContent xmlns:mc="http://schemas.openxmlformats.org/markup-compatibility/2006" xmlns:p14="http://schemas.microsoft.com/office/powerpoint/2010/main">
+    <mc:Choice Requires="p14">
       <p:transition spd="med" p14:dur="700">
         <p:fade/>
       </p:transition>
     </mc:Choice>
-    <mc:Fallback>
+    <mc:Fallback xmlns="">
       <p:transition spd="med">
         <p:fade/>
       </p:transition>
@@ -8032,7 +8032,7 @@
           <p:cNvPr id="8" name="TextBox 7">
             <a:extLst>
               <a:ext uri="{FF2B5EF4-FFF2-40B4-BE49-F238E27FC236}">
-                <a16:creationId xmlns:a16="http://schemas.microsoft.com/office/drawing/2014/main" xmlns="" id="{B2729330-CEB6-4A30-8588-5A38361E709E}"/>
+                <a16:creationId xmlns:a16="http://schemas.microsoft.com/office/drawing/2014/main" id="{B2729330-CEB6-4A30-8588-5A38361E709E}"/>
               </a:ext>
             </a:extLst>
           </p:cNvPr>
@@ -8107,7 +8107,7 @@
           <p:cNvPr id="10" name="TextBox 9">
             <a:extLst>
               <a:ext uri="{FF2B5EF4-FFF2-40B4-BE49-F238E27FC236}">
-                <a16:creationId xmlns:a16="http://schemas.microsoft.com/office/drawing/2014/main" xmlns="" id="{B56A1B63-19B2-45DF-BDFB-D49C8EA71FD3}"/>
+                <a16:creationId xmlns:a16="http://schemas.microsoft.com/office/drawing/2014/main" id="{B56A1B63-19B2-45DF-BDFB-D49C8EA71FD3}"/>
               </a:ext>
             </a:extLst>
           </p:cNvPr>
@@ -8203,7 +8203,7 @@
           <p:cNvPr id="3" name="그림 2">
             <a:extLst>
               <a:ext uri="{FF2B5EF4-FFF2-40B4-BE49-F238E27FC236}">
-                <a16:creationId xmlns:a16="http://schemas.microsoft.com/office/drawing/2014/main" xmlns="" id="{05EABC9A-D615-434F-B1B5-F6DCC080C538}"/>
+                <a16:creationId xmlns:a16="http://schemas.microsoft.com/office/drawing/2014/main" id="{05EABC9A-D615-434F-B1B5-F6DCC080C538}"/>
               </a:ext>
             </a:extLst>
           </p:cNvPr>
@@ -8216,7 +8216,7 @@
           <a:blip r:embed="rId2" cstate="print">
             <a:extLst>
               <a:ext uri="{28A0092B-C50C-407E-A947-70E740481C1C}">
-                <a14:useLocalDpi xmlns:a14="http://schemas.microsoft.com/office/drawing/2010/main" xmlns="" val="0"/>
+                <a14:useLocalDpi xmlns:a14="http://schemas.microsoft.com/office/drawing/2010/main" val="0"/>
               </a:ext>
             </a:extLst>
           </a:blip>
@@ -8244,7 +8244,7 @@
           <p:cNvPr id="9" name="그림 8">
             <a:extLst>
               <a:ext uri="{FF2B5EF4-FFF2-40B4-BE49-F238E27FC236}">
-                <a16:creationId xmlns:a16="http://schemas.microsoft.com/office/drawing/2014/main" xmlns="" id="{C21C4907-3A11-4B2E-843E-A6624F520CF5}"/>
+                <a16:creationId xmlns:a16="http://schemas.microsoft.com/office/drawing/2014/main" id="{C21C4907-3A11-4B2E-843E-A6624F520CF5}"/>
               </a:ext>
             </a:extLst>
           </p:cNvPr>
@@ -8257,7 +8257,7 @@
           <a:blip r:embed="rId3" cstate="print">
             <a:extLst>
               <a:ext uri="{28A0092B-C50C-407E-A947-70E740481C1C}">
-                <a14:useLocalDpi xmlns:a14="http://schemas.microsoft.com/office/drawing/2010/main" xmlns="" val="0"/>
+                <a14:useLocalDpi xmlns:a14="http://schemas.microsoft.com/office/drawing/2010/main" val="0"/>
               </a:ext>
             </a:extLst>
           </a:blip>
@@ -8283,20 +8283,20 @@
     </p:spTree>
     <p:extLst>
       <p:ext uri="{BB962C8B-B14F-4D97-AF65-F5344CB8AC3E}">
-        <p14:creationId xmlns:p14="http://schemas.microsoft.com/office/powerpoint/2010/main" xmlns="" val="2027053288"/>
+        <p14:creationId xmlns:p14="http://schemas.microsoft.com/office/powerpoint/2010/main" val="2027053288"/>
       </p:ext>
     </p:extLst>
   </p:cSld>
   <p:clrMapOvr>
     <a:masterClrMapping/>
   </p:clrMapOvr>
-  <mc:AlternateContent xmlns:mc="http://schemas.openxmlformats.org/markup-compatibility/2006">
-    <mc:Choice xmlns:p14="http://schemas.microsoft.com/office/powerpoint/2010/main" xmlns="" Requires="p14">
+  <mc:AlternateContent xmlns:mc="http://schemas.openxmlformats.org/markup-compatibility/2006" xmlns:p14="http://schemas.microsoft.com/office/powerpoint/2010/main">
+    <mc:Choice Requires="p14">
       <p:transition spd="med" p14:dur="700">
         <p:fade/>
       </p:transition>
     </mc:Choice>
-    <mc:Fallback>
+    <mc:Fallback xmlns="">
       <p:transition spd="med">
         <p:fade/>
       </p:transition>
@@ -8407,7 +8407,7 @@
           <p:cNvPr id="8" name="TextBox 7">
             <a:extLst>
               <a:ext uri="{FF2B5EF4-FFF2-40B4-BE49-F238E27FC236}">
-                <a16:creationId xmlns:a16="http://schemas.microsoft.com/office/drawing/2014/main" xmlns="" id="{B2729330-CEB6-4A30-8588-5A38361E709E}"/>
+                <a16:creationId xmlns:a16="http://schemas.microsoft.com/office/drawing/2014/main" id="{B2729330-CEB6-4A30-8588-5A38361E709E}"/>
               </a:ext>
             </a:extLst>
           </p:cNvPr>
@@ -8494,7 +8494,7 @@
           <p:cNvPr id="10" name="TextBox 9">
             <a:extLst>
               <a:ext uri="{FF2B5EF4-FFF2-40B4-BE49-F238E27FC236}">
-                <a16:creationId xmlns:a16="http://schemas.microsoft.com/office/drawing/2014/main" xmlns="" id="{B56A1B63-19B2-45DF-BDFB-D49C8EA71FD3}"/>
+                <a16:creationId xmlns:a16="http://schemas.microsoft.com/office/drawing/2014/main" id="{B56A1B63-19B2-45DF-BDFB-D49C8EA71FD3}"/>
               </a:ext>
             </a:extLst>
           </p:cNvPr>
@@ -8591,7 +8591,7 @@
           <p:cNvPr id="12" name="TextBox 11">
             <a:extLst>
               <a:ext uri="{FF2B5EF4-FFF2-40B4-BE49-F238E27FC236}">
-                <a16:creationId xmlns:a16="http://schemas.microsoft.com/office/drawing/2014/main" xmlns="" id="{DD49FC39-630F-4E6B-BAFB-7A56504DF281}"/>
+                <a16:creationId xmlns:a16="http://schemas.microsoft.com/office/drawing/2014/main" id="{DD49FC39-630F-4E6B-BAFB-7A56504DF281}"/>
               </a:ext>
             </a:extLst>
           </p:cNvPr>
@@ -8640,7 +8640,7 @@
           <p:cNvPr id="13" name="TextBox 12">
             <a:extLst>
               <a:ext uri="{FF2B5EF4-FFF2-40B4-BE49-F238E27FC236}">
-                <a16:creationId xmlns:a16="http://schemas.microsoft.com/office/drawing/2014/main" xmlns="" id="{033B6F89-9886-4056-A485-286BC79F357D}"/>
+                <a16:creationId xmlns:a16="http://schemas.microsoft.com/office/drawing/2014/main" id="{033B6F89-9886-4056-A485-286BC79F357D}"/>
               </a:ext>
             </a:extLst>
           </p:cNvPr>
@@ -8689,7 +8689,7 @@
           <p:cNvPr id="11" name="화살표: 위쪽 10">
             <a:extLst>
               <a:ext uri="{FF2B5EF4-FFF2-40B4-BE49-F238E27FC236}">
-                <a16:creationId xmlns:a16="http://schemas.microsoft.com/office/drawing/2014/main" xmlns="" id="{82BE42AD-5B81-4B34-8FCE-C6B781615C37}"/>
+                <a16:creationId xmlns:a16="http://schemas.microsoft.com/office/drawing/2014/main" id="{82BE42AD-5B81-4B34-8FCE-C6B781615C37}"/>
               </a:ext>
             </a:extLst>
           </p:cNvPr>
@@ -8735,7 +8735,7 @@
           <p:cNvPr id="15" name="화살표: 위쪽 14">
             <a:extLst>
               <a:ext uri="{FF2B5EF4-FFF2-40B4-BE49-F238E27FC236}">
-                <a16:creationId xmlns:a16="http://schemas.microsoft.com/office/drawing/2014/main" xmlns="" id="{348F676E-9DD9-47B8-A8BB-382528F8F52F}"/>
+                <a16:creationId xmlns:a16="http://schemas.microsoft.com/office/drawing/2014/main" id="{348F676E-9DD9-47B8-A8BB-382528F8F52F}"/>
               </a:ext>
             </a:extLst>
           </p:cNvPr>
@@ -8781,7 +8781,7 @@
           <p:cNvPr id="4" name="그림 3">
             <a:extLst>
               <a:ext uri="{FF2B5EF4-FFF2-40B4-BE49-F238E27FC236}">
-                <a16:creationId xmlns:a16="http://schemas.microsoft.com/office/drawing/2014/main" xmlns="" id="{B4D43C0A-212B-46DE-9E48-746F06EE0391}"/>
+                <a16:creationId xmlns:a16="http://schemas.microsoft.com/office/drawing/2014/main" id="{B4D43C0A-212B-46DE-9E48-746F06EE0391}"/>
               </a:ext>
             </a:extLst>
           </p:cNvPr>
@@ -8794,7 +8794,7 @@
           <a:blip r:embed="rId2" cstate="print">
             <a:extLst>
               <a:ext uri="{28A0092B-C50C-407E-A947-70E740481C1C}">
-                <a14:useLocalDpi xmlns:a14="http://schemas.microsoft.com/office/drawing/2010/main" xmlns="" val="0"/>
+                <a14:useLocalDpi xmlns:a14="http://schemas.microsoft.com/office/drawing/2010/main" val="0"/>
               </a:ext>
             </a:extLst>
           </a:blip>
@@ -8822,7 +8822,7 @@
           <p:cNvPr id="7" name="그림 6">
             <a:extLst>
               <a:ext uri="{FF2B5EF4-FFF2-40B4-BE49-F238E27FC236}">
-                <a16:creationId xmlns:a16="http://schemas.microsoft.com/office/drawing/2014/main" xmlns="" id="{6283ABB7-49FA-4904-B0FD-70D1EA9F2C27}"/>
+                <a16:creationId xmlns:a16="http://schemas.microsoft.com/office/drawing/2014/main" id="{6283ABB7-49FA-4904-B0FD-70D1EA9F2C27}"/>
               </a:ext>
             </a:extLst>
           </p:cNvPr>
@@ -8835,7 +8835,7 @@
           <a:blip r:embed="rId3" cstate="print">
             <a:extLst>
               <a:ext uri="{28A0092B-C50C-407E-A947-70E740481C1C}">
-                <a14:useLocalDpi xmlns:a14="http://schemas.microsoft.com/office/drawing/2010/main" xmlns="" val="0"/>
+                <a14:useLocalDpi xmlns:a14="http://schemas.microsoft.com/office/drawing/2010/main" val="0"/>
               </a:ext>
             </a:extLst>
           </a:blip>
@@ -8861,20 +8861,20 @@
     </p:spTree>
     <p:extLst>
       <p:ext uri="{BB962C8B-B14F-4D97-AF65-F5344CB8AC3E}">
-        <p14:creationId xmlns:p14="http://schemas.microsoft.com/office/powerpoint/2010/main" xmlns="" val="3413513638"/>
+        <p14:creationId xmlns:p14="http://schemas.microsoft.com/office/powerpoint/2010/main" val="3413513638"/>
       </p:ext>
     </p:extLst>
   </p:cSld>
   <p:clrMapOvr>
     <a:masterClrMapping/>
   </p:clrMapOvr>
-  <mc:AlternateContent xmlns:mc="http://schemas.openxmlformats.org/markup-compatibility/2006">
-    <mc:Choice xmlns:p14="http://schemas.microsoft.com/office/powerpoint/2010/main" xmlns="" Requires="p14">
+  <mc:AlternateContent xmlns:mc="http://schemas.openxmlformats.org/markup-compatibility/2006" xmlns:p14="http://schemas.microsoft.com/office/powerpoint/2010/main">
+    <mc:Choice Requires="p14">
       <p:transition spd="med" p14:dur="700">
         <p:fade/>
       </p:transition>
     </mc:Choice>
-    <mc:Fallback>
+    <mc:Fallback xmlns="">
       <p:transition spd="med">
         <p:fade/>
       </p:transition>
@@ -8905,7 +8905,7 @@
           <p:cNvPr id="2" name="TextBox 1">
             <a:extLst>
               <a:ext uri="{FF2B5EF4-FFF2-40B4-BE49-F238E27FC236}">
-                <a16:creationId xmlns:a16="http://schemas.microsoft.com/office/drawing/2014/main" xmlns="" id="{986EEA5D-17E4-483C-9EAE-B5E04FE56D96}"/>
+                <a16:creationId xmlns:a16="http://schemas.microsoft.com/office/drawing/2014/main" id="{986EEA5D-17E4-483C-9EAE-B5E04FE56D96}"/>
               </a:ext>
             </a:extLst>
           </p:cNvPr>
@@ -8953,7 +8953,7 @@
           <p:cNvPr id="3" name="TextBox 2">
             <a:extLst>
               <a:ext uri="{FF2B5EF4-FFF2-40B4-BE49-F238E27FC236}">
-                <a16:creationId xmlns:a16="http://schemas.microsoft.com/office/drawing/2014/main" xmlns="" id="{5EB161B7-DEAE-478C-B542-79B1A7DCF2E9}"/>
+                <a16:creationId xmlns:a16="http://schemas.microsoft.com/office/drawing/2014/main" id="{5EB161B7-DEAE-478C-B542-79B1A7DCF2E9}"/>
               </a:ext>
             </a:extLst>
           </p:cNvPr>
@@ -9001,7 +9001,7 @@
           <p:cNvPr id="7" name="TextBox 6">
             <a:extLst>
               <a:ext uri="{FF2B5EF4-FFF2-40B4-BE49-F238E27FC236}">
-                <a16:creationId xmlns:a16="http://schemas.microsoft.com/office/drawing/2014/main" xmlns="" id="{05375609-AAFC-425D-AD9C-F78F2A31D89D}"/>
+                <a16:creationId xmlns:a16="http://schemas.microsoft.com/office/drawing/2014/main" id="{05375609-AAFC-425D-AD9C-F78F2A31D89D}"/>
               </a:ext>
             </a:extLst>
           </p:cNvPr>
@@ -9050,7 +9050,7 @@
           <p:cNvPr id="8" name="Picture 4" descr="카카오톡 프로필 사람 그림자에 대한 이미지 검색결과">
             <a:extLst>
               <a:ext uri="{FF2B5EF4-FFF2-40B4-BE49-F238E27FC236}">
-                <a16:creationId xmlns:a16="http://schemas.microsoft.com/office/drawing/2014/main" xmlns="" id="{05BF5995-AD3E-4047-B484-3260573DB00F}"/>
+                <a16:creationId xmlns:a16="http://schemas.microsoft.com/office/drawing/2014/main" id="{05BF5995-AD3E-4047-B484-3260573DB00F}"/>
               </a:ext>
             </a:extLst>
           </p:cNvPr>
@@ -9063,7 +9063,7 @@
           <a:blip r:embed="rId2" cstate="print">
             <a:extLst>
               <a:ext uri="{28A0092B-C50C-407E-A947-70E740481C1C}">
-                <a14:useLocalDpi xmlns:a14="http://schemas.microsoft.com/office/drawing/2010/main" xmlns="" val="0"/>
+                <a14:useLocalDpi xmlns:a14="http://schemas.microsoft.com/office/drawing/2010/main" val="0"/>
               </a:ext>
             </a:extLst>
           </a:blip>
@@ -9088,7 +9088,7 @@
           </a:ln>
           <a:extLst>
             <a:ext uri="{909E8E84-426E-40DD-AFC4-6F175D3DCCD1}">
-              <a14:hiddenFill xmlns:a14="http://schemas.microsoft.com/office/drawing/2010/main" xmlns="">
+              <a14:hiddenFill xmlns:a14="http://schemas.microsoft.com/office/drawing/2010/main">
                 <a:solidFill>
                   <a:srgbClr val="FFFFFF"/>
                 </a:solidFill>
@@ -9102,7 +9102,7 @@
           <p:cNvPr id="9" name="TextBox 8">
             <a:extLst>
               <a:ext uri="{FF2B5EF4-FFF2-40B4-BE49-F238E27FC236}">
-                <a16:creationId xmlns:a16="http://schemas.microsoft.com/office/drawing/2014/main" xmlns="" id="{C19F4A92-8F56-4578-9636-00533E0D25E9}"/>
+                <a16:creationId xmlns:a16="http://schemas.microsoft.com/office/drawing/2014/main" id="{C19F4A92-8F56-4578-9636-00533E0D25E9}"/>
               </a:ext>
             </a:extLst>
           </p:cNvPr>
@@ -9151,7 +9151,7 @@
           <p:cNvPr id="11" name="TextBox 10">
             <a:extLst>
               <a:ext uri="{FF2B5EF4-FFF2-40B4-BE49-F238E27FC236}">
-                <a16:creationId xmlns:a16="http://schemas.microsoft.com/office/drawing/2014/main" xmlns="" id="{87406268-D7B7-4764-94E8-9F2048422E74}"/>
+                <a16:creationId xmlns:a16="http://schemas.microsoft.com/office/drawing/2014/main" id="{87406268-D7B7-4764-94E8-9F2048422E74}"/>
               </a:ext>
             </a:extLst>
           </p:cNvPr>
@@ -9195,64 +9195,12 @@
           </a:p>
         </p:txBody>
       </p:sp>
-      <p:pic>
-        <p:nvPicPr>
-          <p:cNvPr id="12" name="Picture 4" descr="카카오톡 프로필 사람 그림자에 대한 이미지 검색결과">
-            <a:extLst>
-              <a:ext uri="{FF2B5EF4-FFF2-40B4-BE49-F238E27FC236}">
-                <a16:creationId xmlns:a16="http://schemas.microsoft.com/office/drawing/2014/main" xmlns="" id="{A8E4415F-9A24-444E-92EE-D12A207BAC61}"/>
-              </a:ext>
-            </a:extLst>
-          </p:cNvPr>
-          <p:cNvPicPr>
-            <a:picLocks noChangeAspect="1" noChangeArrowheads="1"/>
-          </p:cNvPicPr>
-          <p:nvPr/>
-        </p:nvPicPr>
-        <p:blipFill>
-          <a:blip r:embed="rId2" cstate="print">
-            <a:extLst>
-              <a:ext uri="{28A0092B-C50C-407E-A947-70E740481C1C}">
-                <a14:useLocalDpi xmlns:a14="http://schemas.microsoft.com/office/drawing/2010/main" xmlns="" val="0"/>
-              </a:ext>
-            </a:extLst>
-          </a:blip>
-          <a:srcRect/>
-          <a:stretch>
-            <a:fillRect/>
-          </a:stretch>
-        </p:blipFill>
-        <p:spPr bwMode="auto">
-          <a:xfrm>
-            <a:off x="4715578" y="1379223"/>
-            <a:ext cx="1442467" cy="1442467"/>
-          </a:xfrm>
-          <a:prstGeom prst="rect">
-            <a:avLst/>
-          </a:prstGeom>
-          <a:noFill/>
-          <a:ln>
-            <a:solidFill>
-              <a:schemeClr val="tx1"/>
-            </a:solidFill>
-          </a:ln>
-          <a:extLst>
-            <a:ext uri="{909E8E84-426E-40DD-AFC4-6F175D3DCCD1}">
-              <a14:hiddenFill xmlns:a14="http://schemas.microsoft.com/office/drawing/2010/main" xmlns="">
-                <a:solidFill>
-                  <a:srgbClr val="FFFFFF"/>
-                </a:solidFill>
-              </a14:hiddenFill>
-            </a:ext>
-          </a:extLst>
-        </p:spPr>
-      </p:pic>
       <p:sp>
         <p:nvSpPr>
           <p:cNvPr id="13" name="TextBox 12">
             <a:extLst>
               <a:ext uri="{FF2B5EF4-FFF2-40B4-BE49-F238E27FC236}">
-                <a16:creationId xmlns:a16="http://schemas.microsoft.com/office/drawing/2014/main" xmlns="" id="{FEA023B2-6483-4057-B661-B335796A3C8B}"/>
+                <a16:creationId xmlns:a16="http://schemas.microsoft.com/office/drawing/2014/main" id="{FEA023B2-6483-4057-B661-B335796A3C8B}"/>
               </a:ext>
             </a:extLst>
           </p:cNvPr>
@@ -9301,7 +9249,7 @@
           <p:cNvPr id="14" name="그림 13">
             <a:extLst>
               <a:ext uri="{FF2B5EF4-FFF2-40B4-BE49-F238E27FC236}">
-                <a16:creationId xmlns:a16="http://schemas.microsoft.com/office/drawing/2014/main" xmlns="" id="{CF8E6919-A9C7-4654-AEB7-E697FE421161}"/>
+                <a16:creationId xmlns:a16="http://schemas.microsoft.com/office/drawing/2014/main" id="{CF8E6919-A9C7-4654-AEB7-E697FE421161}"/>
               </a:ext>
             </a:extLst>
           </p:cNvPr>
@@ -9314,7 +9262,7 @@
           <a:blip r:embed="rId3" cstate="print">
             <a:extLst>
               <a:ext uri="{28A0092B-C50C-407E-A947-70E740481C1C}">
-                <a14:useLocalDpi xmlns:a14="http://schemas.microsoft.com/office/drawing/2010/main" xmlns="" val="0"/>
+                <a14:useLocalDpi xmlns:a14="http://schemas.microsoft.com/office/drawing/2010/main" val="0"/>
               </a:ext>
             </a:extLst>
           </a:blip>
@@ -9377,7 +9325,7 @@
         <p:spPr>
           <a:xfrm>
             <a:off x="2699792" y="1995686"/>
-            <a:ext cx="1368152" cy="369332"/>
+            <a:ext cx="1368152" cy="276999"/>
           </a:xfrm>
           <a:prstGeom prst="rect">
             <a:avLst/>
@@ -9391,21 +9339,57 @@
           <a:lstStyle/>
           <a:p>
             <a:r>
-              <a:rPr lang="ko-KR" altLang="en-US" dirty="0" smtClean="0"/>
-              <a:t>취업연</a:t>
-            </a:r>
-            <a:r>
-              <a:rPr lang="ko-KR" altLang="en-US" dirty="0" smtClean="0"/>
-              <a:t>계</a:t>
-            </a:r>
-            <a:endParaRPr lang="ko-KR" altLang="en-US" dirty="0"/>
+              <a:rPr lang="ko-KR" altLang="en-US" sz="1200" dirty="0"/>
+              <a:t>취업연계</a:t>
+            </a:r>
           </a:p>
         </p:txBody>
       </p:sp>
+      <p:pic>
+        <p:nvPicPr>
+          <p:cNvPr id="5" name="그림 4">
+            <a:extLst>
+              <a:ext uri="{FF2B5EF4-FFF2-40B4-BE49-F238E27FC236}">
+                <a16:creationId xmlns:a16="http://schemas.microsoft.com/office/drawing/2014/main" id="{4DE77100-1325-4AE2-8632-F3EEB07A679C}"/>
+              </a:ext>
+            </a:extLst>
+          </p:cNvPr>
+          <p:cNvPicPr>
+            <a:picLocks noChangeAspect="1"/>
+          </p:cNvPicPr>
+          <p:nvPr/>
+        </p:nvPicPr>
+        <p:blipFill>
+          <a:blip r:embed="rId5">
+            <a:extLst>
+              <a:ext uri="{28A0092B-C50C-407E-A947-70E740481C1C}">
+                <a14:useLocalDpi xmlns:a14="http://schemas.microsoft.com/office/drawing/2010/main" val="0"/>
+              </a:ext>
+            </a:extLst>
+          </a:blip>
+          <a:stretch>
+            <a:fillRect/>
+          </a:stretch>
+        </p:blipFill>
+        <p:spPr>
+          <a:xfrm>
+            <a:off x="4715578" y="1420755"/>
+            <a:ext cx="1442467" cy="1442467"/>
+          </a:xfrm>
+          <a:prstGeom prst="rect">
+            <a:avLst/>
+          </a:prstGeom>
+          <a:ln>
+            <a:solidFill>
+              <a:schemeClr val="tx1"/>
+            </a:solidFill>
+          </a:ln>
+        </p:spPr>
+      </p:pic>
     </p:spTree>
     <p:extLst>
       <p:ext uri="{BB962C8B-B14F-4D97-AF65-F5344CB8AC3E}">
-        <p14:creationId xmlns:p14="http://schemas.microsoft.com/office/powerpoint/2010/main" xmlns="" val="818240200"/>
+        <p14:creationId xmlns:p14="http://schemas.microsoft.com/office/powerpoint/2010/main" val="818240200"/>
       </p:ext>
     </p:extLst>
   </p:cSld>
@@ -9744,20 +9728,20 @@
     </p:spTree>
     <p:extLst>
       <p:ext uri="{BB962C8B-B14F-4D97-AF65-F5344CB8AC3E}">
-        <p14:creationId xmlns:p14="http://schemas.microsoft.com/office/powerpoint/2010/main" xmlns="" val="1384825049"/>
+        <p14:creationId xmlns:p14="http://schemas.microsoft.com/office/powerpoint/2010/main" val="1384825049"/>
       </p:ext>
     </p:extLst>
   </p:cSld>
   <p:clrMapOvr>
     <a:masterClrMapping/>
   </p:clrMapOvr>
-  <mc:AlternateContent xmlns:mc="http://schemas.openxmlformats.org/markup-compatibility/2006">
-    <mc:Choice xmlns:p14="http://schemas.microsoft.com/office/powerpoint/2010/main" xmlns="" Requires="p14">
+  <mc:AlternateContent xmlns:mc="http://schemas.openxmlformats.org/markup-compatibility/2006" xmlns:p14="http://schemas.microsoft.com/office/powerpoint/2010/main">
+    <mc:Choice Requires="p14">
       <p:transition spd="med" p14:dur="700">
         <p:fade/>
       </p:transition>
     </mc:Choice>
-    <mc:Fallback>
+    <mc:Fallback xmlns="">
       <p:transition spd="med">
         <p:fade/>
       </p:transition>
@@ -9788,7 +9772,7 @@
           <p:cNvPr id="2" name="TextBox 1">
             <a:extLst>
               <a:ext uri="{FF2B5EF4-FFF2-40B4-BE49-F238E27FC236}">
-                <a16:creationId xmlns:a16="http://schemas.microsoft.com/office/drawing/2014/main" xmlns="" id="{986EEA5D-17E4-483C-9EAE-B5E04FE56D96}"/>
+                <a16:creationId xmlns:a16="http://schemas.microsoft.com/office/drawing/2014/main" id="{986EEA5D-17E4-483C-9EAE-B5E04FE56D96}"/>
               </a:ext>
             </a:extLst>
           </p:cNvPr>
@@ -9836,7 +9820,7 @@
           <p:cNvPr id="3" name="TextBox 2">
             <a:extLst>
               <a:ext uri="{FF2B5EF4-FFF2-40B4-BE49-F238E27FC236}">
-                <a16:creationId xmlns:a16="http://schemas.microsoft.com/office/drawing/2014/main" xmlns="" id="{5EB161B7-DEAE-478C-B542-79B1A7DCF2E9}"/>
+                <a16:creationId xmlns:a16="http://schemas.microsoft.com/office/drawing/2014/main" id="{5EB161B7-DEAE-478C-B542-79B1A7DCF2E9}"/>
               </a:ext>
             </a:extLst>
           </p:cNvPr>
@@ -9884,7 +9868,7 @@
           <p:cNvPr id="7" name="TextBox 6">
             <a:extLst>
               <a:ext uri="{FF2B5EF4-FFF2-40B4-BE49-F238E27FC236}">
-                <a16:creationId xmlns:a16="http://schemas.microsoft.com/office/drawing/2014/main" xmlns="" id="{05375609-AAFC-425D-AD9C-F78F2A31D89D}"/>
+                <a16:creationId xmlns:a16="http://schemas.microsoft.com/office/drawing/2014/main" id="{05375609-AAFC-425D-AD9C-F78F2A31D89D}"/>
               </a:ext>
             </a:extLst>
           </p:cNvPr>
@@ -9933,7 +9917,7 @@
           <p:cNvPr id="1028" name="Picture 4" descr="카카오톡 프로필 사람 그림자에 대한 이미지 검색결과">
             <a:extLst>
               <a:ext uri="{FF2B5EF4-FFF2-40B4-BE49-F238E27FC236}">
-                <a16:creationId xmlns:a16="http://schemas.microsoft.com/office/drawing/2014/main" xmlns="" id="{32C2D10B-5C1A-45A1-8D98-0E82C356F169}"/>
+                <a16:creationId xmlns:a16="http://schemas.microsoft.com/office/drawing/2014/main" id="{32C2D10B-5C1A-45A1-8D98-0E82C356F169}"/>
               </a:ext>
             </a:extLst>
           </p:cNvPr>
@@ -9946,7 +9930,7 @@
           <a:blip r:embed="rId2" cstate="print">
             <a:extLst>
               <a:ext uri="{28A0092B-C50C-407E-A947-70E740481C1C}">
-                <a14:useLocalDpi xmlns:a14="http://schemas.microsoft.com/office/drawing/2010/main" xmlns="" val="0"/>
+                <a14:useLocalDpi xmlns:a14="http://schemas.microsoft.com/office/drawing/2010/main" val="0"/>
               </a:ext>
             </a:extLst>
           </a:blip>
@@ -9971,7 +9955,7 @@
           </a:ln>
           <a:extLst>
             <a:ext uri="{909E8E84-426E-40DD-AFC4-6F175D3DCCD1}">
-              <a14:hiddenFill xmlns:a14="http://schemas.microsoft.com/office/drawing/2010/main" xmlns="">
+              <a14:hiddenFill xmlns:a14="http://schemas.microsoft.com/office/drawing/2010/main">
                 <a:solidFill>
                   <a:srgbClr val="FFFFFF"/>
                 </a:solidFill>
@@ -9985,7 +9969,7 @@
           <p:cNvPr id="8" name="Picture 4" descr="카카오톡 프로필 사람 그림자에 대한 이미지 검색결과">
             <a:extLst>
               <a:ext uri="{FF2B5EF4-FFF2-40B4-BE49-F238E27FC236}">
-                <a16:creationId xmlns:a16="http://schemas.microsoft.com/office/drawing/2014/main" xmlns="" id="{05BF5995-AD3E-4047-B484-3260573DB00F}"/>
+                <a16:creationId xmlns:a16="http://schemas.microsoft.com/office/drawing/2014/main" id="{05BF5995-AD3E-4047-B484-3260573DB00F}"/>
               </a:ext>
             </a:extLst>
           </p:cNvPr>
@@ -9998,7 +9982,7 @@
           <a:blip r:embed="rId2" cstate="print">
             <a:extLst>
               <a:ext uri="{28A0092B-C50C-407E-A947-70E740481C1C}">
-                <a14:useLocalDpi xmlns:a14="http://schemas.microsoft.com/office/drawing/2010/main" xmlns="" val="0"/>
+                <a14:useLocalDpi xmlns:a14="http://schemas.microsoft.com/office/drawing/2010/main" val="0"/>
               </a:ext>
             </a:extLst>
           </a:blip>
@@ -10023,7 +10007,7 @@
           </a:ln>
           <a:extLst>
             <a:ext uri="{909E8E84-426E-40DD-AFC4-6F175D3DCCD1}">
-              <a14:hiddenFill xmlns:a14="http://schemas.microsoft.com/office/drawing/2010/main" xmlns="">
+              <a14:hiddenFill xmlns:a14="http://schemas.microsoft.com/office/drawing/2010/main">
                 <a:solidFill>
                   <a:srgbClr val="FFFFFF"/>
                 </a:solidFill>
@@ -10037,7 +10021,7 @@
           <p:cNvPr id="9" name="TextBox 8">
             <a:extLst>
               <a:ext uri="{FF2B5EF4-FFF2-40B4-BE49-F238E27FC236}">
-                <a16:creationId xmlns:a16="http://schemas.microsoft.com/office/drawing/2014/main" xmlns="" id="{C19F4A92-8F56-4578-9636-00533E0D25E9}"/>
+                <a16:creationId xmlns:a16="http://schemas.microsoft.com/office/drawing/2014/main" id="{C19F4A92-8F56-4578-9636-00533E0D25E9}"/>
               </a:ext>
             </a:extLst>
           </p:cNvPr>
@@ -10086,7 +10070,7 @@
           <p:cNvPr id="10" name="Picture 4" descr="카카오톡 프로필 사람 그림자에 대한 이미지 검색결과">
             <a:extLst>
               <a:ext uri="{FF2B5EF4-FFF2-40B4-BE49-F238E27FC236}">
-                <a16:creationId xmlns:a16="http://schemas.microsoft.com/office/drawing/2014/main" xmlns="" id="{BCCC112F-7052-4A7C-B4AA-57969C7D953F}"/>
+                <a16:creationId xmlns:a16="http://schemas.microsoft.com/office/drawing/2014/main" id="{BCCC112F-7052-4A7C-B4AA-57969C7D953F}"/>
               </a:ext>
             </a:extLst>
           </p:cNvPr>
@@ -10099,7 +10083,7 @@
           <a:blip r:embed="rId2" cstate="print">
             <a:extLst>
               <a:ext uri="{28A0092B-C50C-407E-A947-70E740481C1C}">
-                <a14:useLocalDpi xmlns:a14="http://schemas.microsoft.com/office/drawing/2010/main" xmlns="" val="0"/>
+                <a14:useLocalDpi xmlns:a14="http://schemas.microsoft.com/office/drawing/2010/main" val="0"/>
               </a:ext>
             </a:extLst>
           </a:blip>
@@ -10124,7 +10108,7 @@
           </a:ln>
           <a:extLst>
             <a:ext uri="{909E8E84-426E-40DD-AFC4-6F175D3DCCD1}">
-              <a14:hiddenFill xmlns:a14="http://schemas.microsoft.com/office/drawing/2010/main" xmlns="">
+              <a14:hiddenFill xmlns:a14="http://schemas.microsoft.com/office/drawing/2010/main">
                 <a:solidFill>
                   <a:srgbClr val="FFFFFF"/>
                 </a:solidFill>
@@ -10138,7 +10122,7 @@
           <p:cNvPr id="11" name="TextBox 10">
             <a:extLst>
               <a:ext uri="{FF2B5EF4-FFF2-40B4-BE49-F238E27FC236}">
-                <a16:creationId xmlns:a16="http://schemas.microsoft.com/office/drawing/2014/main" xmlns="" id="{87406268-D7B7-4764-94E8-9F2048422E74}"/>
+                <a16:creationId xmlns:a16="http://schemas.microsoft.com/office/drawing/2014/main" id="{87406268-D7B7-4764-94E8-9F2048422E74}"/>
               </a:ext>
             </a:extLst>
           </p:cNvPr>
@@ -10187,7 +10171,7 @@
           <p:cNvPr id="13" name="TextBox 12">
             <a:extLst>
               <a:ext uri="{FF2B5EF4-FFF2-40B4-BE49-F238E27FC236}">
-                <a16:creationId xmlns:a16="http://schemas.microsoft.com/office/drawing/2014/main" xmlns="" id="{FEA023B2-6483-4057-B661-B335796A3C8B}"/>
+                <a16:creationId xmlns:a16="http://schemas.microsoft.com/office/drawing/2014/main" id="{FEA023B2-6483-4057-B661-B335796A3C8B}"/>
               </a:ext>
             </a:extLst>
           </p:cNvPr>
@@ -10231,62 +10215,100 @@
           </a:p>
         </p:txBody>
       </p:sp>
-      <p:pic>
-        <p:nvPicPr>
-          <p:cNvPr id="2050" name="Picture 2" descr="알파카에 대한 이미지 검색결과">
+      <p:sp>
+        <p:nvSpPr>
+          <p:cNvPr id="12" name="TextBox 11">
             <a:extLst>
               <a:ext uri="{FF2B5EF4-FFF2-40B4-BE49-F238E27FC236}">
-                <a16:creationId xmlns:a16="http://schemas.microsoft.com/office/drawing/2014/main" xmlns="" id="{6D127C52-F13A-42D9-B55D-19B684AB0F73}"/>
+                <a16:creationId xmlns:a16="http://schemas.microsoft.com/office/drawing/2014/main" id="{D331981B-F839-4516-BAA4-D9A455C2172E}"/>
               </a:ext>
             </a:extLst>
           </p:cNvPr>
-          <p:cNvPicPr>
-            <a:picLocks noChangeAspect="1" noChangeArrowheads="1"/>
-          </p:cNvPicPr>
+          <p:cNvSpPr txBox="1"/>
           <p:nvPr/>
-        </p:nvPicPr>
-        <p:blipFill>
-          <a:blip r:embed="rId3" cstate="print">
-            <a:extLst>
-              <a:ext uri="{28A0092B-C50C-407E-A947-70E740481C1C}">
-                <a14:useLocalDpi xmlns:a14="http://schemas.microsoft.com/office/drawing/2010/main" xmlns="" val="0"/>
-              </a:ext>
-            </a:extLst>
-          </a:blip>
-          <a:srcRect/>
-          <a:stretch>
-            <a:fillRect/>
-          </a:stretch>
-        </p:blipFill>
-        <p:spPr bwMode="auto">
+        </p:nvSpPr>
+        <p:spPr>
           <a:xfrm>
-            <a:off x="4698418" y="1379222"/>
-            <a:ext cx="1442467" cy="1442467"/>
+            <a:off x="6444208" y="1925419"/>
+            <a:ext cx="1368152" cy="461665"/>
           </a:xfrm>
           <a:prstGeom prst="rect">
             <a:avLst/>
           </a:prstGeom>
           <a:noFill/>
+        </p:spPr>
+        <p:txBody>
+          <a:bodyPr wrap="square" rtlCol="0">
+            <a:spAutoFit/>
+          </a:bodyPr>
+          <a:lstStyle/>
+          <a:p>
+            <a:r>
+              <a:rPr lang="en-US" altLang="ko-KR" sz="1200" dirty="0"/>
+              <a:t>- </a:t>
+            </a:r>
+            <a:r>
+              <a:rPr lang="ko-KR" altLang="en-US" sz="1200" dirty="0"/>
+              <a:t>회원가입</a:t>
+            </a:r>
+            <a:endParaRPr lang="en-US" altLang="ko-KR" sz="1200" dirty="0"/>
+          </a:p>
+          <a:p>
+            <a:r>
+              <a:rPr lang="en-US" altLang="ko-KR" sz="1200" dirty="0"/>
+              <a:t>- </a:t>
+            </a:r>
+            <a:r>
+              <a:rPr lang="ko-KR" altLang="en-US" sz="1200" dirty="0"/>
+              <a:t>예약 상담 신청</a:t>
+            </a:r>
+          </a:p>
+        </p:txBody>
+      </p:sp>
+      <p:pic>
+        <p:nvPicPr>
+          <p:cNvPr id="5" name="그림 4">
+            <a:extLst>
+              <a:ext uri="{FF2B5EF4-FFF2-40B4-BE49-F238E27FC236}">
+                <a16:creationId xmlns:a16="http://schemas.microsoft.com/office/drawing/2014/main" id="{750E1ABF-79C3-45AD-AB8F-810B1058A6D9}"/>
+              </a:ext>
+            </a:extLst>
+          </p:cNvPr>
+          <p:cNvPicPr>
+            <a:picLocks noChangeAspect="1"/>
+          </p:cNvPicPr>
+          <p:nvPr/>
+        </p:nvPicPr>
+        <p:blipFill rotWithShape="1">
+          <a:blip r:embed="rId3">
+            <a:extLst>
+              <a:ext uri="{28A0092B-C50C-407E-A947-70E740481C1C}">
+                <a14:useLocalDpi xmlns:a14="http://schemas.microsoft.com/office/drawing/2010/main" val="0"/>
+              </a:ext>
+            </a:extLst>
+          </a:blip>
+          <a:srcRect t="9960" b="15635"/>
+          <a:stretch/>
+        </p:blipFill>
+        <p:spPr>
+          <a:xfrm>
+            <a:off x="4693553" y="1379222"/>
+            <a:ext cx="1452195" cy="1442467"/>
+          </a:xfrm>
+          <a:prstGeom prst="rect">
+            <a:avLst/>
+          </a:prstGeom>
           <a:ln>
             <a:solidFill>
               <a:schemeClr val="tx1"/>
             </a:solidFill>
           </a:ln>
-          <a:extLst>
-            <a:ext uri="{909E8E84-426E-40DD-AFC4-6F175D3DCCD1}">
-              <a14:hiddenFill xmlns:a14="http://schemas.microsoft.com/office/drawing/2010/main" xmlns="">
-                <a:solidFill>
-                  <a:srgbClr val="FFFFFF"/>
-                </a:solidFill>
-              </a14:hiddenFill>
-            </a:ext>
-          </a:extLst>
         </p:spPr>
       </p:pic>
     </p:spTree>
     <p:extLst>
       <p:ext uri="{BB962C8B-B14F-4D97-AF65-F5344CB8AC3E}">
-        <p14:creationId xmlns:p14="http://schemas.microsoft.com/office/powerpoint/2010/main" xmlns="" val="2206177647"/>
+        <p14:creationId xmlns:p14="http://schemas.microsoft.com/office/powerpoint/2010/main" val="2206177647"/>
       </p:ext>
     </p:extLst>
   </p:cSld>
@@ -10366,20 +10388,20 @@
     </p:spTree>
     <p:extLst>
       <p:ext uri="{BB962C8B-B14F-4D97-AF65-F5344CB8AC3E}">
-        <p14:creationId xmlns:p14="http://schemas.microsoft.com/office/powerpoint/2010/main" xmlns="" val="3611497233"/>
+        <p14:creationId xmlns:p14="http://schemas.microsoft.com/office/powerpoint/2010/main" val="3611497233"/>
       </p:ext>
     </p:extLst>
   </p:cSld>
   <p:clrMapOvr>
     <a:masterClrMapping/>
   </p:clrMapOvr>
-  <mc:AlternateContent xmlns:mc="http://schemas.openxmlformats.org/markup-compatibility/2006">
-    <mc:Choice xmlns:p14="http://schemas.microsoft.com/office/powerpoint/2010/main" xmlns="" Requires="p14">
+  <mc:AlternateContent xmlns:mc="http://schemas.openxmlformats.org/markup-compatibility/2006" xmlns:p14="http://schemas.microsoft.com/office/powerpoint/2010/main">
+    <mc:Choice Requires="p14">
       <p:transition spd="med" p14:dur="700">
         <p:fade/>
       </p:transition>
     </mc:Choice>
-    <mc:Fallback>
+    <mc:Fallback xmlns="">
       <p:transition spd="med">
         <p:fade/>
       </p:transition>
@@ -10452,7 +10474,7 @@
           <p:cNvPr id="27" name="TextBox 26">
             <a:extLst>
               <a:ext uri="{FF2B5EF4-FFF2-40B4-BE49-F238E27FC236}">
-                <a16:creationId xmlns:a16="http://schemas.microsoft.com/office/drawing/2014/main" xmlns="" id="{71D3CDA6-CB11-4728-B722-05E8992D2245}"/>
+                <a16:creationId xmlns:a16="http://schemas.microsoft.com/office/drawing/2014/main" id="{71D3CDA6-CB11-4728-B722-05E8992D2245}"/>
               </a:ext>
             </a:extLst>
           </p:cNvPr>
@@ -10511,7 +10533,7 @@
           <p:cNvPr id="29" name="표 28">
             <a:extLst>
               <a:ext uri="{FF2B5EF4-FFF2-40B4-BE49-F238E27FC236}">
-                <a16:creationId xmlns:a16="http://schemas.microsoft.com/office/drawing/2014/main" xmlns="" id="{8C60907E-11DE-4B90-82FA-077C68792A64}"/>
+                <a16:creationId xmlns:a16="http://schemas.microsoft.com/office/drawing/2014/main" id="{8C60907E-11DE-4B90-82FA-077C68792A64}"/>
               </a:ext>
             </a:extLst>
           </p:cNvPr>
@@ -10521,7 +10543,7 @@
           <p:nvPr>
             <p:extLst>
               <p:ext uri="{D42A27DB-BD31-4B8C-83A1-F6EECF244321}">
-                <p14:modId xmlns:p14="http://schemas.microsoft.com/office/powerpoint/2010/main" xmlns="" val="1885077768"/>
+                <p14:modId xmlns:p14="http://schemas.microsoft.com/office/powerpoint/2010/main" val="1885077768"/>
               </p:ext>
             </p:extLst>
           </p:nvPr>
@@ -10540,14 +10562,14 @@
                 <a:gridCol w="921008">
                   <a:extLst>
                     <a:ext uri="{9D8B030D-6E8A-4147-A177-3AD203B41FA5}">
-                      <a16:colId xmlns:a16="http://schemas.microsoft.com/office/drawing/2014/main" xmlns="" val="20000"/>
+                      <a16:colId xmlns:a16="http://schemas.microsoft.com/office/drawing/2014/main" val="20000"/>
                     </a:ext>
                   </a:extLst>
                 </a:gridCol>
                 <a:gridCol w="2171045">
                   <a:extLst>
                     <a:ext uri="{9D8B030D-6E8A-4147-A177-3AD203B41FA5}">
-                      <a16:colId xmlns:a16="http://schemas.microsoft.com/office/drawing/2014/main" xmlns="" val="20001"/>
+                      <a16:colId xmlns:a16="http://schemas.microsoft.com/office/drawing/2014/main" val="20001"/>
                     </a:ext>
                   </a:extLst>
                 </a:gridCol>
@@ -10754,7 +10776,7 @@
                 </a:tc>
                 <a:extLst>
                   <a:ext uri="{0D108BD9-81ED-4DB2-BD59-A6C34878D82A}">
-                    <a16:rowId xmlns:a16="http://schemas.microsoft.com/office/drawing/2014/main" xmlns="" val="10000"/>
+                    <a16:rowId xmlns:a16="http://schemas.microsoft.com/office/drawing/2014/main" val="10000"/>
                   </a:ext>
                 </a:extLst>
               </a:tr>
@@ -10903,7 +10925,7 @@
                 </a:tc>
                 <a:extLst>
                   <a:ext uri="{0D108BD9-81ED-4DB2-BD59-A6C34878D82A}">
-                    <a16:rowId xmlns:a16="http://schemas.microsoft.com/office/drawing/2014/main" xmlns="" val="10001"/>
+                    <a16:rowId xmlns:a16="http://schemas.microsoft.com/office/drawing/2014/main" val="10001"/>
                   </a:ext>
                 </a:extLst>
               </a:tr>
@@ -11060,7 +11082,7 @@
                 </a:tc>
                 <a:extLst>
                   <a:ext uri="{0D108BD9-81ED-4DB2-BD59-A6C34878D82A}">
-                    <a16:rowId xmlns:a16="http://schemas.microsoft.com/office/drawing/2014/main" xmlns="" val="10002"/>
+                    <a16:rowId xmlns:a16="http://schemas.microsoft.com/office/drawing/2014/main" val="10002"/>
                   </a:ext>
                 </a:extLst>
               </a:tr>
@@ -11240,7 +11262,7 @@
                 </a:tc>
                 <a:extLst>
                   <a:ext uri="{0D108BD9-81ED-4DB2-BD59-A6C34878D82A}">
-                    <a16:rowId xmlns:a16="http://schemas.microsoft.com/office/drawing/2014/main" xmlns="" val="10003"/>
+                    <a16:rowId xmlns:a16="http://schemas.microsoft.com/office/drawing/2014/main" val="10003"/>
                   </a:ext>
                 </a:extLst>
               </a:tr>
@@ -11407,7 +11429,7 @@
                 </a:tc>
                 <a:extLst>
                   <a:ext uri="{0D108BD9-81ED-4DB2-BD59-A6C34878D82A}">
-                    <a16:rowId xmlns:a16="http://schemas.microsoft.com/office/drawing/2014/main" xmlns="" val="10004"/>
+                    <a16:rowId xmlns:a16="http://schemas.microsoft.com/office/drawing/2014/main" val="10004"/>
                   </a:ext>
                 </a:extLst>
               </a:tr>
@@ -11420,7 +11442,7 @@
           <p:cNvPr id="22" name="Table 3">
             <a:extLst>
               <a:ext uri="{FF2B5EF4-FFF2-40B4-BE49-F238E27FC236}">
-                <a16:creationId xmlns:a16="http://schemas.microsoft.com/office/drawing/2014/main" xmlns="" id="{846F0550-7FB4-4EEA-BEE7-FF712C338127}"/>
+                <a16:creationId xmlns:a16="http://schemas.microsoft.com/office/drawing/2014/main" id="{846F0550-7FB4-4EEA-BEE7-FF712C338127}"/>
               </a:ext>
             </a:extLst>
           </p:cNvPr>
@@ -11430,7 +11452,7 @@
           <p:nvPr>
             <p:extLst>
               <p:ext uri="{D42A27DB-BD31-4B8C-83A1-F6EECF244321}">
-                <p14:modId xmlns:p14="http://schemas.microsoft.com/office/powerpoint/2010/main" xmlns="" val="1637140561"/>
+                <p14:modId xmlns:p14="http://schemas.microsoft.com/office/powerpoint/2010/main" val="1637140561"/>
               </p:ext>
             </p:extLst>
           </p:nvPr>
@@ -11456,84 +11478,84 @@
                 <a:gridCol w="740886">
                   <a:extLst>
                     <a:ext uri="{9D8B030D-6E8A-4147-A177-3AD203B41FA5}">
-                      <a16:colId xmlns:a16="http://schemas.microsoft.com/office/drawing/2014/main" xmlns="" val="20000"/>
+                      <a16:colId xmlns:a16="http://schemas.microsoft.com/office/drawing/2014/main" val="20000"/>
                     </a:ext>
                   </a:extLst>
                 </a:gridCol>
                 <a:gridCol w="414840">
                   <a:extLst>
                     <a:ext uri="{9D8B030D-6E8A-4147-A177-3AD203B41FA5}">
-                      <a16:colId xmlns:a16="http://schemas.microsoft.com/office/drawing/2014/main" xmlns="" val="20001"/>
+                      <a16:colId xmlns:a16="http://schemas.microsoft.com/office/drawing/2014/main" val="20001"/>
                     </a:ext>
                   </a:extLst>
                 </a:gridCol>
                 <a:gridCol w="402885">
                   <a:extLst>
                     <a:ext uri="{9D8B030D-6E8A-4147-A177-3AD203B41FA5}">
-                      <a16:colId xmlns:a16="http://schemas.microsoft.com/office/drawing/2014/main" xmlns="" val="20002"/>
+                      <a16:colId xmlns:a16="http://schemas.microsoft.com/office/drawing/2014/main" val="20002"/>
                     </a:ext>
                   </a:extLst>
                 </a:gridCol>
                 <a:gridCol w="402885">
                   <a:extLst>
                     <a:ext uri="{9D8B030D-6E8A-4147-A177-3AD203B41FA5}">
-                      <a16:colId xmlns:a16="http://schemas.microsoft.com/office/drawing/2014/main" xmlns="" val="20003"/>
+                      <a16:colId xmlns:a16="http://schemas.microsoft.com/office/drawing/2014/main" val="20003"/>
                     </a:ext>
                   </a:extLst>
                 </a:gridCol>
                 <a:gridCol w="402885">
                   <a:extLst>
                     <a:ext uri="{9D8B030D-6E8A-4147-A177-3AD203B41FA5}">
-                      <a16:colId xmlns:a16="http://schemas.microsoft.com/office/drawing/2014/main" xmlns="" val="20004"/>
+                      <a16:colId xmlns:a16="http://schemas.microsoft.com/office/drawing/2014/main" val="20004"/>
                     </a:ext>
                   </a:extLst>
                 </a:gridCol>
                 <a:gridCol w="402885">
                   <a:extLst>
                     <a:ext uri="{9D8B030D-6E8A-4147-A177-3AD203B41FA5}">
-                      <a16:colId xmlns:a16="http://schemas.microsoft.com/office/drawing/2014/main" xmlns="" val="20005"/>
+                      <a16:colId xmlns:a16="http://schemas.microsoft.com/office/drawing/2014/main" val="20005"/>
                     </a:ext>
                   </a:extLst>
                 </a:gridCol>
                 <a:gridCol w="402885">
                   <a:extLst>
                     <a:ext uri="{9D8B030D-6E8A-4147-A177-3AD203B41FA5}">
-                      <a16:colId xmlns:a16="http://schemas.microsoft.com/office/drawing/2014/main" xmlns="" val="20006"/>
+                      <a16:colId xmlns:a16="http://schemas.microsoft.com/office/drawing/2014/main" val="20006"/>
                     </a:ext>
                   </a:extLst>
                 </a:gridCol>
                 <a:gridCol w="402885">
                   <a:extLst>
                     <a:ext uri="{9D8B030D-6E8A-4147-A177-3AD203B41FA5}">
-                      <a16:colId xmlns:a16="http://schemas.microsoft.com/office/drawing/2014/main" xmlns="" val="20007"/>
+                      <a16:colId xmlns:a16="http://schemas.microsoft.com/office/drawing/2014/main" val="20007"/>
                     </a:ext>
                   </a:extLst>
                 </a:gridCol>
                 <a:gridCol w="402885">
                   <a:extLst>
                     <a:ext uri="{9D8B030D-6E8A-4147-A177-3AD203B41FA5}">
-                      <a16:colId xmlns:a16="http://schemas.microsoft.com/office/drawing/2014/main" xmlns="" val="20008"/>
+                      <a16:colId xmlns:a16="http://schemas.microsoft.com/office/drawing/2014/main" val="20008"/>
                     </a:ext>
                   </a:extLst>
                 </a:gridCol>
                 <a:gridCol w="402885">
                   <a:extLst>
                     <a:ext uri="{9D8B030D-6E8A-4147-A177-3AD203B41FA5}">
-                      <a16:colId xmlns:a16="http://schemas.microsoft.com/office/drawing/2014/main" xmlns="" val="20009"/>
+                      <a16:colId xmlns:a16="http://schemas.microsoft.com/office/drawing/2014/main" val="20009"/>
                     </a:ext>
                   </a:extLst>
                 </a:gridCol>
                 <a:gridCol w="402885">
                   <a:extLst>
                     <a:ext uri="{9D8B030D-6E8A-4147-A177-3AD203B41FA5}">
-                      <a16:colId xmlns:a16="http://schemas.microsoft.com/office/drawing/2014/main" xmlns="" val="20010"/>
+                      <a16:colId xmlns:a16="http://schemas.microsoft.com/office/drawing/2014/main" val="20010"/>
                     </a:ext>
                   </a:extLst>
                 </a:gridCol>
                 <a:gridCol w="402885">
                   <a:extLst>
                     <a:ext uri="{9D8B030D-6E8A-4147-A177-3AD203B41FA5}">
-                      <a16:colId xmlns:a16="http://schemas.microsoft.com/office/drawing/2014/main" xmlns="" val="20011"/>
+                      <a16:colId xmlns:a16="http://schemas.microsoft.com/office/drawing/2014/main" val="20011"/>
                     </a:ext>
                   </a:extLst>
                 </a:gridCol>
@@ -12178,7 +12200,7 @@
                 </a:tc>
                 <a:extLst>
                   <a:ext uri="{0D108BD9-81ED-4DB2-BD59-A6C34878D82A}">
-                    <a16:rowId xmlns:a16="http://schemas.microsoft.com/office/drawing/2014/main" xmlns="" val="10000"/>
+                    <a16:rowId xmlns:a16="http://schemas.microsoft.com/office/drawing/2014/main" val="10000"/>
                   </a:ext>
                 </a:extLst>
               </a:tr>
@@ -12942,7 +12964,7 @@
                 </a:tc>
                 <a:extLst>
                   <a:ext uri="{0D108BD9-81ED-4DB2-BD59-A6C34878D82A}">
-                    <a16:rowId xmlns:a16="http://schemas.microsoft.com/office/drawing/2014/main" xmlns="" val="10001"/>
+                    <a16:rowId xmlns:a16="http://schemas.microsoft.com/office/drawing/2014/main" val="10001"/>
                   </a:ext>
                 </a:extLst>
               </a:tr>
@@ -13680,7 +13702,7 @@
                 </a:tc>
                 <a:extLst>
                   <a:ext uri="{0D108BD9-81ED-4DB2-BD59-A6C34878D82A}">
-                    <a16:rowId xmlns:a16="http://schemas.microsoft.com/office/drawing/2014/main" xmlns="" val="10002"/>
+                    <a16:rowId xmlns:a16="http://schemas.microsoft.com/office/drawing/2014/main" val="10002"/>
                   </a:ext>
                 </a:extLst>
               </a:tr>
@@ -14460,7 +14482,7 @@
                 </a:tc>
                 <a:extLst>
                   <a:ext uri="{0D108BD9-81ED-4DB2-BD59-A6C34878D82A}">
-                    <a16:rowId xmlns:a16="http://schemas.microsoft.com/office/drawing/2014/main" xmlns="" val="10003"/>
+                    <a16:rowId xmlns:a16="http://schemas.microsoft.com/office/drawing/2014/main" val="10003"/>
                   </a:ext>
                 </a:extLst>
               </a:tr>
@@ -15207,7 +15229,7 @@
                 </a:tc>
                 <a:extLst>
                   <a:ext uri="{0D108BD9-81ED-4DB2-BD59-A6C34878D82A}">
-                    <a16:rowId xmlns:a16="http://schemas.microsoft.com/office/drawing/2014/main" xmlns="" val="10004"/>
+                    <a16:rowId xmlns:a16="http://schemas.microsoft.com/office/drawing/2014/main" val="10004"/>
                   </a:ext>
                 </a:extLst>
               </a:tr>
@@ -16003,7 +16025,7 @@
                 </a:tc>
                 <a:extLst>
                   <a:ext uri="{0D108BD9-81ED-4DB2-BD59-A6C34878D82A}">
-                    <a16:rowId xmlns:a16="http://schemas.microsoft.com/office/drawing/2014/main" xmlns="" val="10005"/>
+                    <a16:rowId xmlns:a16="http://schemas.microsoft.com/office/drawing/2014/main" val="10005"/>
                   </a:ext>
                 </a:extLst>
               </a:tr>
@@ -16750,7 +16772,7 @@
                 </a:tc>
                 <a:extLst>
                   <a:ext uri="{0D108BD9-81ED-4DB2-BD59-A6C34878D82A}">
-                    <a16:rowId xmlns:a16="http://schemas.microsoft.com/office/drawing/2014/main" xmlns="" val="10006"/>
+                    <a16:rowId xmlns:a16="http://schemas.microsoft.com/office/drawing/2014/main" val="10006"/>
                   </a:ext>
                 </a:extLst>
               </a:tr>
@@ -17530,7 +17552,7 @@
                 </a:tc>
                 <a:extLst>
                   <a:ext uri="{0D108BD9-81ED-4DB2-BD59-A6C34878D82A}">
-                    <a16:rowId xmlns:a16="http://schemas.microsoft.com/office/drawing/2014/main" xmlns="" val="10007"/>
+                    <a16:rowId xmlns:a16="http://schemas.microsoft.com/office/drawing/2014/main" val="10007"/>
                   </a:ext>
                 </a:extLst>
               </a:tr>
@@ -17543,7 +17565,7 @@
           <p:cNvPr id="24" name="Rectangle 45">
             <a:extLst>
               <a:ext uri="{FF2B5EF4-FFF2-40B4-BE49-F238E27FC236}">
-                <a16:creationId xmlns:a16="http://schemas.microsoft.com/office/drawing/2014/main" xmlns="" id="{22D5BE16-CBBC-4E85-B6E6-654B23418E6B}"/>
+                <a16:creationId xmlns:a16="http://schemas.microsoft.com/office/drawing/2014/main" id="{22D5BE16-CBBC-4E85-B6E6-654B23418E6B}"/>
               </a:ext>
             </a:extLst>
           </p:cNvPr>
@@ -17601,7 +17623,7 @@
           <p:cNvPr id="25" name="Rectangle 45">
             <a:extLst>
               <a:ext uri="{FF2B5EF4-FFF2-40B4-BE49-F238E27FC236}">
-                <a16:creationId xmlns:a16="http://schemas.microsoft.com/office/drawing/2014/main" xmlns="" id="{6FE8C2B0-0E3A-4F91-8215-F755BD6BB415}"/>
+                <a16:creationId xmlns:a16="http://schemas.microsoft.com/office/drawing/2014/main" id="{6FE8C2B0-0E3A-4F91-8215-F755BD6BB415}"/>
               </a:ext>
             </a:extLst>
           </p:cNvPr>
@@ -17659,7 +17681,7 @@
           <p:cNvPr id="26" name="Rectangle 45">
             <a:extLst>
               <a:ext uri="{FF2B5EF4-FFF2-40B4-BE49-F238E27FC236}">
-                <a16:creationId xmlns:a16="http://schemas.microsoft.com/office/drawing/2014/main" xmlns="" id="{3C069615-7F2A-45E5-9F09-0B2B2DC7902C}"/>
+                <a16:creationId xmlns:a16="http://schemas.microsoft.com/office/drawing/2014/main" id="{3C069615-7F2A-45E5-9F09-0B2B2DC7902C}"/>
               </a:ext>
             </a:extLst>
           </p:cNvPr>
@@ -17717,7 +17739,7 @@
           <p:cNvPr id="28" name="Rectangle 45">
             <a:extLst>
               <a:ext uri="{FF2B5EF4-FFF2-40B4-BE49-F238E27FC236}">
-                <a16:creationId xmlns:a16="http://schemas.microsoft.com/office/drawing/2014/main" xmlns="" id="{83B60910-03C5-4F0C-99F3-156301D8BDB5}"/>
+                <a16:creationId xmlns:a16="http://schemas.microsoft.com/office/drawing/2014/main" id="{83B60910-03C5-4F0C-99F3-156301D8BDB5}"/>
               </a:ext>
             </a:extLst>
           </p:cNvPr>
@@ -17775,7 +17797,7 @@
           <p:cNvPr id="34" name="Rectangle 45">
             <a:extLst>
               <a:ext uri="{FF2B5EF4-FFF2-40B4-BE49-F238E27FC236}">
-                <a16:creationId xmlns:a16="http://schemas.microsoft.com/office/drawing/2014/main" xmlns="" id="{F9736FC2-E69D-4E72-9940-FD07D735B195}"/>
+                <a16:creationId xmlns:a16="http://schemas.microsoft.com/office/drawing/2014/main" id="{F9736FC2-E69D-4E72-9940-FD07D735B195}"/>
               </a:ext>
             </a:extLst>
           </p:cNvPr>
@@ -17833,7 +17855,7 @@
           <p:cNvPr id="35" name="Rectangle 45">
             <a:extLst>
               <a:ext uri="{FF2B5EF4-FFF2-40B4-BE49-F238E27FC236}">
-                <a16:creationId xmlns:a16="http://schemas.microsoft.com/office/drawing/2014/main" xmlns="" id="{006B4CCA-AF53-4D23-98FE-1DD7A8181662}"/>
+                <a16:creationId xmlns:a16="http://schemas.microsoft.com/office/drawing/2014/main" id="{006B4CCA-AF53-4D23-98FE-1DD7A8181662}"/>
               </a:ext>
             </a:extLst>
           </p:cNvPr>
@@ -17891,7 +17913,7 @@
           <p:cNvPr id="36" name="Rectangle 45">
             <a:extLst>
               <a:ext uri="{FF2B5EF4-FFF2-40B4-BE49-F238E27FC236}">
-                <a16:creationId xmlns:a16="http://schemas.microsoft.com/office/drawing/2014/main" xmlns="" id="{C1AF42C5-0EBE-4137-8301-E504AFF34516}"/>
+                <a16:creationId xmlns:a16="http://schemas.microsoft.com/office/drawing/2014/main" id="{C1AF42C5-0EBE-4137-8301-E504AFF34516}"/>
               </a:ext>
             </a:extLst>
           </p:cNvPr>
@@ -17947,20 +17969,20 @@
     </p:spTree>
     <p:extLst>
       <p:ext uri="{BB962C8B-B14F-4D97-AF65-F5344CB8AC3E}">
-        <p14:creationId xmlns:p14="http://schemas.microsoft.com/office/powerpoint/2010/main" xmlns="" val="3821172291"/>
+        <p14:creationId xmlns:p14="http://schemas.microsoft.com/office/powerpoint/2010/main" val="3821172291"/>
       </p:ext>
     </p:extLst>
   </p:cSld>
   <p:clrMapOvr>
     <a:masterClrMapping/>
   </p:clrMapOvr>
-  <mc:AlternateContent xmlns:mc="http://schemas.openxmlformats.org/markup-compatibility/2006">
-    <mc:Choice xmlns:p14="http://schemas.microsoft.com/office/powerpoint/2010/main" xmlns="" Requires="p14">
+  <mc:AlternateContent xmlns:mc="http://schemas.openxmlformats.org/markup-compatibility/2006" xmlns:p14="http://schemas.microsoft.com/office/powerpoint/2010/main">
+    <mc:Choice Requires="p14">
       <p:transition spd="med" p14:dur="700">
         <p:fade/>
       </p:transition>
     </mc:Choice>
-    <mc:Fallback>
+    <mc:Fallback xmlns="">
       <p:transition spd="med">
         <p:fade/>
       </p:transition>
@@ -18033,7 +18055,7 @@
           <p:cNvPr id="7" name="TextBox 6">
             <a:extLst>
               <a:ext uri="{FF2B5EF4-FFF2-40B4-BE49-F238E27FC236}">
-                <a16:creationId xmlns:a16="http://schemas.microsoft.com/office/drawing/2014/main" xmlns="" id="{9A93FFA3-FF75-414A-A59A-8AB2236ABB72}"/>
+                <a16:creationId xmlns:a16="http://schemas.microsoft.com/office/drawing/2014/main" id="{9A93FFA3-FF75-414A-A59A-8AB2236ABB72}"/>
               </a:ext>
             </a:extLst>
           </p:cNvPr>
@@ -18075,7 +18097,7 @@
           <p:cNvPr id="4" name="그림 3">
             <a:extLst>
               <a:ext uri="{FF2B5EF4-FFF2-40B4-BE49-F238E27FC236}">
-                <a16:creationId xmlns:a16="http://schemas.microsoft.com/office/drawing/2014/main" xmlns="" id="{112AF955-9430-4DBE-B41D-C66A9B981287}"/>
+                <a16:creationId xmlns:a16="http://schemas.microsoft.com/office/drawing/2014/main" id="{112AF955-9430-4DBE-B41D-C66A9B981287}"/>
               </a:ext>
             </a:extLst>
           </p:cNvPr>
@@ -18088,7 +18110,7 @@
           <a:blip r:embed="rId2" cstate="print">
             <a:extLst>
               <a:ext uri="{28A0092B-C50C-407E-A947-70E740481C1C}">
-                <a14:useLocalDpi xmlns:a14="http://schemas.microsoft.com/office/drawing/2010/main" xmlns="" val="0"/>
+                <a14:useLocalDpi xmlns:a14="http://schemas.microsoft.com/office/drawing/2010/main" val="0"/>
               </a:ext>
             </a:extLst>
           </a:blip>
@@ -18116,7 +18138,7 @@
           <p:cNvPr id="18" name="표 17">
             <a:extLst>
               <a:ext uri="{FF2B5EF4-FFF2-40B4-BE49-F238E27FC236}">
-                <a16:creationId xmlns:a16="http://schemas.microsoft.com/office/drawing/2014/main" xmlns="" id="{9C3BE569-6935-434C-88DD-9FAD5F579516}"/>
+                <a16:creationId xmlns:a16="http://schemas.microsoft.com/office/drawing/2014/main" id="{9C3BE569-6935-434C-88DD-9FAD5F579516}"/>
               </a:ext>
             </a:extLst>
           </p:cNvPr>
@@ -18126,7 +18148,7 @@
           <p:nvPr>
             <p:extLst>
               <p:ext uri="{D42A27DB-BD31-4B8C-83A1-F6EECF244321}">
-                <p14:modId xmlns:p14="http://schemas.microsoft.com/office/powerpoint/2010/main" xmlns="" val="2941569553"/>
+                <p14:modId xmlns:p14="http://schemas.microsoft.com/office/powerpoint/2010/main" val="2941569553"/>
               </p:ext>
             </p:extLst>
           </p:nvPr>
@@ -18145,7 +18167,7 @@
                 <a:gridCol w="2736304">
                   <a:extLst>
                     <a:ext uri="{9D8B030D-6E8A-4147-A177-3AD203B41FA5}">
-                      <a16:colId xmlns:a16="http://schemas.microsoft.com/office/drawing/2014/main" xmlns="" val="20000"/>
+                      <a16:colId xmlns:a16="http://schemas.microsoft.com/office/drawing/2014/main" val="20000"/>
                     </a:ext>
                   </a:extLst>
                 </a:gridCol>
@@ -18251,7 +18273,7 @@
                 </a:tc>
                 <a:extLst>
                   <a:ext uri="{0D108BD9-81ED-4DB2-BD59-A6C34878D82A}">
-                    <a16:rowId xmlns:a16="http://schemas.microsoft.com/office/drawing/2014/main" xmlns="" val="10000"/>
+                    <a16:rowId xmlns:a16="http://schemas.microsoft.com/office/drawing/2014/main" val="10000"/>
                   </a:ext>
                 </a:extLst>
               </a:tr>
@@ -18336,7 +18358,7 @@
                 </a:tc>
                 <a:extLst>
                   <a:ext uri="{0D108BD9-81ED-4DB2-BD59-A6C34878D82A}">
-                    <a16:rowId xmlns:a16="http://schemas.microsoft.com/office/drawing/2014/main" xmlns="" val="10001"/>
+                    <a16:rowId xmlns:a16="http://schemas.microsoft.com/office/drawing/2014/main" val="10001"/>
                   </a:ext>
                 </a:extLst>
               </a:tr>
@@ -18489,7 +18511,7 @@
                 </a:tc>
                 <a:extLst>
                   <a:ext uri="{0D108BD9-81ED-4DB2-BD59-A6C34878D82A}">
-                    <a16:rowId xmlns:a16="http://schemas.microsoft.com/office/drawing/2014/main" xmlns="" val="10002"/>
+                    <a16:rowId xmlns:a16="http://schemas.microsoft.com/office/drawing/2014/main" val="10002"/>
                   </a:ext>
                 </a:extLst>
               </a:tr>
@@ -18500,20 +18522,20 @@
     </p:spTree>
     <p:extLst>
       <p:ext uri="{BB962C8B-B14F-4D97-AF65-F5344CB8AC3E}">
-        <p14:creationId xmlns:p14="http://schemas.microsoft.com/office/powerpoint/2010/main" xmlns="" val="1974618126"/>
+        <p14:creationId xmlns:p14="http://schemas.microsoft.com/office/powerpoint/2010/main" val="1974618126"/>
       </p:ext>
     </p:extLst>
   </p:cSld>
   <p:clrMapOvr>
     <a:masterClrMapping/>
   </p:clrMapOvr>
-  <mc:AlternateContent xmlns:mc="http://schemas.openxmlformats.org/markup-compatibility/2006">
-    <mc:Choice xmlns:p14="http://schemas.microsoft.com/office/powerpoint/2010/main" xmlns="" Requires="p14">
+  <mc:AlternateContent xmlns:mc="http://schemas.openxmlformats.org/markup-compatibility/2006" xmlns:p14="http://schemas.microsoft.com/office/powerpoint/2010/main">
+    <mc:Choice Requires="p14">
       <p:transition spd="med" p14:dur="700">
         <p:fade/>
       </p:transition>
     </mc:Choice>
-    <mc:Fallback>
+    <mc:Fallback xmlns="">
       <p:transition spd="med">
         <p:fade/>
       </p:transition>
@@ -18582,7 +18604,7 @@
           <p:cNvPr id="10" name="직사각형 9">
             <a:extLst>
               <a:ext uri="{FF2B5EF4-FFF2-40B4-BE49-F238E27FC236}">
-                <a16:creationId xmlns:a16="http://schemas.microsoft.com/office/drawing/2014/main" xmlns="" id="{64617F76-3FBE-4D83-A2FE-EA87BE6C672A}"/>
+                <a16:creationId xmlns:a16="http://schemas.microsoft.com/office/drawing/2014/main" id="{64617F76-3FBE-4D83-A2FE-EA87BE6C672A}"/>
               </a:ext>
             </a:extLst>
           </p:cNvPr>
@@ -18654,7 +18676,7 @@
           <p:cNvPr id="22" name="표 21">
             <a:extLst>
               <a:ext uri="{FF2B5EF4-FFF2-40B4-BE49-F238E27FC236}">
-                <a16:creationId xmlns:a16="http://schemas.microsoft.com/office/drawing/2014/main" xmlns="" id="{1DAF5372-8FFF-4A92-A5A5-5FA0001F950D}"/>
+                <a16:creationId xmlns:a16="http://schemas.microsoft.com/office/drawing/2014/main" id="{1DAF5372-8FFF-4A92-A5A5-5FA0001F950D}"/>
               </a:ext>
             </a:extLst>
           </p:cNvPr>
@@ -18664,7 +18686,7 @@
           <p:nvPr>
             <p:extLst>
               <p:ext uri="{D42A27DB-BD31-4B8C-83A1-F6EECF244321}">
-                <p14:modId xmlns:p14="http://schemas.microsoft.com/office/powerpoint/2010/main" xmlns="" val="3849027936"/>
+                <p14:modId xmlns:p14="http://schemas.microsoft.com/office/powerpoint/2010/main" val="3849027936"/>
               </p:ext>
             </p:extLst>
           </p:nvPr>
@@ -18683,7 +18705,7 @@
                 <a:gridCol w="2880320">
                   <a:extLst>
                     <a:ext uri="{9D8B030D-6E8A-4147-A177-3AD203B41FA5}">
-                      <a16:colId xmlns:a16="http://schemas.microsoft.com/office/drawing/2014/main" xmlns="" val="20000"/>
+                      <a16:colId xmlns:a16="http://schemas.microsoft.com/office/drawing/2014/main" val="20000"/>
                     </a:ext>
                   </a:extLst>
                 </a:gridCol>
@@ -18789,7 +18811,7 @@
                 </a:tc>
                 <a:extLst>
                   <a:ext uri="{0D108BD9-81ED-4DB2-BD59-A6C34878D82A}">
-                    <a16:rowId xmlns:a16="http://schemas.microsoft.com/office/drawing/2014/main" xmlns="" val="10000"/>
+                    <a16:rowId xmlns:a16="http://schemas.microsoft.com/office/drawing/2014/main" val="10000"/>
                   </a:ext>
                 </a:extLst>
               </a:tr>
@@ -18874,7 +18896,7 @@
                 </a:tc>
                 <a:extLst>
                   <a:ext uri="{0D108BD9-81ED-4DB2-BD59-A6C34878D82A}">
-                    <a16:rowId xmlns:a16="http://schemas.microsoft.com/office/drawing/2014/main" xmlns="" val="10001"/>
+                    <a16:rowId xmlns:a16="http://schemas.microsoft.com/office/drawing/2014/main" val="10001"/>
                   </a:ext>
                 </a:extLst>
               </a:tr>
@@ -18978,7 +19000,7 @@
                 </a:tc>
                 <a:extLst>
                   <a:ext uri="{0D108BD9-81ED-4DB2-BD59-A6C34878D82A}">
-                    <a16:rowId xmlns:a16="http://schemas.microsoft.com/office/drawing/2014/main" xmlns="" val="10002"/>
+                    <a16:rowId xmlns:a16="http://schemas.microsoft.com/office/drawing/2014/main" val="10002"/>
                   </a:ext>
                 </a:extLst>
               </a:tr>
@@ -18991,7 +19013,7 @@
           <p:cNvPr id="17" name="그림 16">
             <a:extLst>
               <a:ext uri="{FF2B5EF4-FFF2-40B4-BE49-F238E27FC236}">
-                <a16:creationId xmlns:a16="http://schemas.microsoft.com/office/drawing/2014/main" xmlns="" id="{0AAEC669-0C7D-4EE0-A031-3E59A3CBEB69}"/>
+                <a16:creationId xmlns:a16="http://schemas.microsoft.com/office/drawing/2014/main" id="{0AAEC669-0C7D-4EE0-A031-3E59A3CBEB69}"/>
               </a:ext>
             </a:extLst>
           </p:cNvPr>
@@ -19004,7 +19026,7 @@
           <a:blip r:embed="rId2" cstate="print">
             <a:extLst>
               <a:ext uri="{28A0092B-C50C-407E-A947-70E740481C1C}">
-                <a14:useLocalDpi xmlns:a14="http://schemas.microsoft.com/office/drawing/2010/main" xmlns="" val="0"/>
+                <a14:useLocalDpi xmlns:a14="http://schemas.microsoft.com/office/drawing/2010/main" val="0"/>
               </a:ext>
             </a:extLst>
           </a:blip>
@@ -19032,7 +19054,7 @@
           <p:cNvPr id="19" name="TextBox 18">
             <a:extLst>
               <a:ext uri="{FF2B5EF4-FFF2-40B4-BE49-F238E27FC236}">
-                <a16:creationId xmlns:a16="http://schemas.microsoft.com/office/drawing/2014/main" xmlns="" id="{08887152-4A96-4FCC-AC0C-20E5DFC597E0}"/>
+                <a16:creationId xmlns:a16="http://schemas.microsoft.com/office/drawing/2014/main" id="{08887152-4A96-4FCC-AC0C-20E5DFC597E0}"/>
               </a:ext>
             </a:extLst>
           </p:cNvPr>
@@ -19077,7 +19099,7 @@
           <p:cNvPr id="20" name="TextBox 19">
             <a:extLst>
               <a:ext uri="{FF2B5EF4-FFF2-40B4-BE49-F238E27FC236}">
-                <a16:creationId xmlns:a16="http://schemas.microsoft.com/office/drawing/2014/main" xmlns="" id="{817B01FC-760C-443B-823A-528D79C32133}"/>
+                <a16:creationId xmlns:a16="http://schemas.microsoft.com/office/drawing/2014/main" id="{817B01FC-760C-443B-823A-528D79C32133}"/>
               </a:ext>
             </a:extLst>
           </p:cNvPr>
@@ -19123,20 +19145,20 @@
     </p:spTree>
     <p:extLst>
       <p:ext uri="{BB962C8B-B14F-4D97-AF65-F5344CB8AC3E}">
-        <p14:creationId xmlns:p14="http://schemas.microsoft.com/office/powerpoint/2010/main" xmlns="" val="2439963436"/>
+        <p14:creationId xmlns:p14="http://schemas.microsoft.com/office/powerpoint/2010/main" val="2439963436"/>
       </p:ext>
     </p:extLst>
   </p:cSld>
   <p:clrMapOvr>
     <a:masterClrMapping/>
   </p:clrMapOvr>
-  <mc:AlternateContent xmlns:mc="http://schemas.openxmlformats.org/markup-compatibility/2006">
-    <mc:Choice xmlns:p14="http://schemas.microsoft.com/office/powerpoint/2010/main" xmlns="" Requires="p14">
+  <mc:AlternateContent xmlns:mc="http://schemas.openxmlformats.org/markup-compatibility/2006" xmlns:p14="http://schemas.microsoft.com/office/powerpoint/2010/main">
+    <mc:Choice Requires="p14">
       <p:transition spd="med" p14:dur="700">
         <p:fade/>
       </p:transition>
     </mc:Choice>
-    <mc:Fallback>
+    <mc:Fallback xmlns="">
       <p:transition spd="med">
         <p:fade/>
       </p:transition>
@@ -19205,7 +19227,7 @@
           <p:cNvPr id="10" name="직사각형 9">
             <a:extLst>
               <a:ext uri="{FF2B5EF4-FFF2-40B4-BE49-F238E27FC236}">
-                <a16:creationId xmlns:a16="http://schemas.microsoft.com/office/drawing/2014/main" xmlns="" id="{64617F76-3FBE-4D83-A2FE-EA87BE6C672A}"/>
+                <a16:creationId xmlns:a16="http://schemas.microsoft.com/office/drawing/2014/main" id="{64617F76-3FBE-4D83-A2FE-EA87BE6C672A}"/>
               </a:ext>
             </a:extLst>
           </p:cNvPr>
@@ -19277,7 +19299,7 @@
           <p:cNvPr id="22" name="표 21">
             <a:extLst>
               <a:ext uri="{FF2B5EF4-FFF2-40B4-BE49-F238E27FC236}">
-                <a16:creationId xmlns:a16="http://schemas.microsoft.com/office/drawing/2014/main" xmlns="" id="{1DAF5372-8FFF-4A92-A5A5-5FA0001F950D}"/>
+                <a16:creationId xmlns:a16="http://schemas.microsoft.com/office/drawing/2014/main" id="{1DAF5372-8FFF-4A92-A5A5-5FA0001F950D}"/>
               </a:ext>
             </a:extLst>
           </p:cNvPr>
@@ -19287,7 +19309,7 @@
           <p:nvPr>
             <p:extLst>
               <p:ext uri="{D42A27DB-BD31-4B8C-83A1-F6EECF244321}">
-                <p14:modId xmlns:p14="http://schemas.microsoft.com/office/powerpoint/2010/main" xmlns="" val="2192646974"/>
+                <p14:modId xmlns:p14="http://schemas.microsoft.com/office/powerpoint/2010/main" val="2192646974"/>
               </p:ext>
             </p:extLst>
           </p:nvPr>
@@ -19306,7 +19328,7 @@
                 <a:gridCol w="2880320">
                   <a:extLst>
                     <a:ext uri="{9D8B030D-6E8A-4147-A177-3AD203B41FA5}">
-                      <a16:colId xmlns:a16="http://schemas.microsoft.com/office/drawing/2014/main" xmlns="" val="20000"/>
+                      <a16:colId xmlns:a16="http://schemas.microsoft.com/office/drawing/2014/main" val="20000"/>
                     </a:ext>
                   </a:extLst>
                 </a:gridCol>
@@ -19426,7 +19448,7 @@
                 </a:tc>
                 <a:extLst>
                   <a:ext uri="{0D108BD9-81ED-4DB2-BD59-A6C34878D82A}">
-                    <a16:rowId xmlns:a16="http://schemas.microsoft.com/office/drawing/2014/main" xmlns="" val="10000"/>
+                    <a16:rowId xmlns:a16="http://schemas.microsoft.com/office/drawing/2014/main" val="10000"/>
                   </a:ext>
                 </a:extLst>
               </a:tr>
@@ -19511,7 +19533,7 @@
                 </a:tc>
                 <a:extLst>
                   <a:ext uri="{0D108BD9-81ED-4DB2-BD59-A6C34878D82A}">
-                    <a16:rowId xmlns:a16="http://schemas.microsoft.com/office/drawing/2014/main" xmlns="" val="10001"/>
+                    <a16:rowId xmlns:a16="http://schemas.microsoft.com/office/drawing/2014/main" val="10001"/>
                   </a:ext>
                 </a:extLst>
               </a:tr>
@@ -19601,7 +19623,7 @@
                 </a:tc>
                 <a:extLst>
                   <a:ext uri="{0D108BD9-81ED-4DB2-BD59-A6C34878D82A}">
-                    <a16:rowId xmlns:a16="http://schemas.microsoft.com/office/drawing/2014/main" xmlns="" val="10002"/>
+                    <a16:rowId xmlns:a16="http://schemas.microsoft.com/office/drawing/2014/main" val="10002"/>
                   </a:ext>
                 </a:extLst>
               </a:tr>
@@ -19614,7 +19636,7 @@
           <p:cNvPr id="19" name="TextBox 18">
             <a:extLst>
               <a:ext uri="{FF2B5EF4-FFF2-40B4-BE49-F238E27FC236}">
-                <a16:creationId xmlns:a16="http://schemas.microsoft.com/office/drawing/2014/main" xmlns="" id="{08887152-4A96-4FCC-AC0C-20E5DFC597E0}"/>
+                <a16:creationId xmlns:a16="http://schemas.microsoft.com/office/drawing/2014/main" id="{08887152-4A96-4FCC-AC0C-20E5DFC597E0}"/>
               </a:ext>
             </a:extLst>
           </p:cNvPr>
@@ -19673,7 +19695,7 @@
           <p:cNvPr id="20" name="TextBox 19">
             <a:extLst>
               <a:ext uri="{FF2B5EF4-FFF2-40B4-BE49-F238E27FC236}">
-                <a16:creationId xmlns:a16="http://schemas.microsoft.com/office/drawing/2014/main" xmlns="" id="{817B01FC-760C-443B-823A-528D79C32133}"/>
+                <a16:creationId xmlns:a16="http://schemas.microsoft.com/office/drawing/2014/main" id="{817B01FC-760C-443B-823A-528D79C32133}"/>
               </a:ext>
             </a:extLst>
           </p:cNvPr>
@@ -19721,7 +19743,7 @@
           <p:cNvPr id="3" name="그림 2">
             <a:extLst>
               <a:ext uri="{FF2B5EF4-FFF2-40B4-BE49-F238E27FC236}">
-                <a16:creationId xmlns:a16="http://schemas.microsoft.com/office/drawing/2014/main" xmlns="" id="{2C521542-8EF6-4F38-905C-65F9DD446603}"/>
+                <a16:creationId xmlns:a16="http://schemas.microsoft.com/office/drawing/2014/main" id="{2C521542-8EF6-4F38-905C-65F9DD446603}"/>
               </a:ext>
             </a:extLst>
           </p:cNvPr>
@@ -19734,7 +19756,7 @@
           <a:blip r:embed="rId2" cstate="print">
             <a:extLst>
               <a:ext uri="{28A0092B-C50C-407E-A947-70E740481C1C}">
-                <a14:useLocalDpi xmlns:a14="http://schemas.microsoft.com/office/drawing/2010/main" xmlns="" val="0"/>
+                <a14:useLocalDpi xmlns:a14="http://schemas.microsoft.com/office/drawing/2010/main" val="0"/>
               </a:ext>
             </a:extLst>
           </a:blip>
@@ -19762,7 +19784,7 @@
           <p:cNvPr id="6" name="그림 5">
             <a:extLst>
               <a:ext uri="{FF2B5EF4-FFF2-40B4-BE49-F238E27FC236}">
-                <a16:creationId xmlns:a16="http://schemas.microsoft.com/office/drawing/2014/main" xmlns="" id="{C79FED55-DC83-4BCE-AC60-CD7E1D970936}"/>
+                <a16:creationId xmlns:a16="http://schemas.microsoft.com/office/drawing/2014/main" id="{C79FED55-DC83-4BCE-AC60-CD7E1D970936}"/>
               </a:ext>
             </a:extLst>
           </p:cNvPr>
@@ -19775,7 +19797,7 @@
           <a:blip r:embed="rId3" cstate="print">
             <a:extLst>
               <a:ext uri="{28A0092B-C50C-407E-A947-70E740481C1C}">
-                <a14:useLocalDpi xmlns:a14="http://schemas.microsoft.com/office/drawing/2010/main" xmlns="" val="0"/>
+                <a14:useLocalDpi xmlns:a14="http://schemas.microsoft.com/office/drawing/2010/main" val="0"/>
               </a:ext>
             </a:extLst>
           </a:blip>
@@ -19801,20 +19823,20 @@
     </p:spTree>
     <p:extLst>
       <p:ext uri="{BB962C8B-B14F-4D97-AF65-F5344CB8AC3E}">
-        <p14:creationId xmlns:p14="http://schemas.microsoft.com/office/powerpoint/2010/main" xmlns="" val="2129670835"/>
+        <p14:creationId xmlns:p14="http://schemas.microsoft.com/office/powerpoint/2010/main" val="2129670835"/>
       </p:ext>
     </p:extLst>
   </p:cSld>
   <p:clrMapOvr>
     <a:masterClrMapping/>
   </p:clrMapOvr>
-  <mc:AlternateContent xmlns:mc="http://schemas.openxmlformats.org/markup-compatibility/2006">
-    <mc:Choice xmlns:p14="http://schemas.microsoft.com/office/powerpoint/2010/main" xmlns="" Requires="p14">
+  <mc:AlternateContent xmlns:mc="http://schemas.openxmlformats.org/markup-compatibility/2006" xmlns:p14="http://schemas.microsoft.com/office/powerpoint/2010/main">
+    <mc:Choice Requires="p14">
       <p:transition spd="med" p14:dur="700">
         <p:fade/>
       </p:transition>
     </mc:Choice>
-    <mc:Fallback>
+    <mc:Fallback xmlns="">
       <p:transition spd="med">
         <p:fade/>
       </p:transition>
@@ -19883,7 +19905,7 @@
           <p:cNvPr id="10" name="직사각형 9">
             <a:extLst>
               <a:ext uri="{FF2B5EF4-FFF2-40B4-BE49-F238E27FC236}">
-                <a16:creationId xmlns:a16="http://schemas.microsoft.com/office/drawing/2014/main" xmlns="" id="{64617F76-3FBE-4D83-A2FE-EA87BE6C672A}"/>
+                <a16:creationId xmlns:a16="http://schemas.microsoft.com/office/drawing/2014/main" id="{64617F76-3FBE-4D83-A2FE-EA87BE6C672A}"/>
               </a:ext>
             </a:extLst>
           </p:cNvPr>
@@ -19955,7 +19977,7 @@
           <p:cNvPr id="22" name="표 21">
             <a:extLst>
               <a:ext uri="{FF2B5EF4-FFF2-40B4-BE49-F238E27FC236}">
-                <a16:creationId xmlns:a16="http://schemas.microsoft.com/office/drawing/2014/main" xmlns="" id="{1DAF5372-8FFF-4A92-A5A5-5FA0001F950D}"/>
+                <a16:creationId xmlns:a16="http://schemas.microsoft.com/office/drawing/2014/main" id="{1DAF5372-8FFF-4A92-A5A5-5FA0001F950D}"/>
               </a:ext>
             </a:extLst>
           </p:cNvPr>
@@ -19965,7 +19987,7 @@
           <p:nvPr>
             <p:extLst>
               <p:ext uri="{D42A27DB-BD31-4B8C-83A1-F6EECF244321}">
-                <p14:modId xmlns:p14="http://schemas.microsoft.com/office/powerpoint/2010/main" xmlns="" val="3307304461"/>
+                <p14:modId xmlns:p14="http://schemas.microsoft.com/office/powerpoint/2010/main" val="3307304461"/>
               </p:ext>
             </p:extLst>
           </p:nvPr>
@@ -19984,7 +20006,7 @@
                 <a:gridCol w="3240360">
                   <a:extLst>
                     <a:ext uri="{9D8B030D-6E8A-4147-A177-3AD203B41FA5}">
-                      <a16:colId xmlns:a16="http://schemas.microsoft.com/office/drawing/2014/main" xmlns="" val="20000"/>
+                      <a16:colId xmlns:a16="http://schemas.microsoft.com/office/drawing/2014/main" val="20000"/>
                     </a:ext>
                   </a:extLst>
                 </a:gridCol>
@@ -20090,7 +20112,7 @@
                 </a:tc>
                 <a:extLst>
                   <a:ext uri="{0D108BD9-81ED-4DB2-BD59-A6C34878D82A}">
-                    <a16:rowId xmlns:a16="http://schemas.microsoft.com/office/drawing/2014/main" xmlns="" val="10000"/>
+                    <a16:rowId xmlns:a16="http://schemas.microsoft.com/office/drawing/2014/main" val="10000"/>
                   </a:ext>
                 </a:extLst>
               </a:tr>
@@ -20175,7 +20197,7 @@
                 </a:tc>
                 <a:extLst>
                   <a:ext uri="{0D108BD9-81ED-4DB2-BD59-A6C34878D82A}">
-                    <a16:rowId xmlns:a16="http://schemas.microsoft.com/office/drawing/2014/main" xmlns="" val="10001"/>
+                    <a16:rowId xmlns:a16="http://schemas.microsoft.com/office/drawing/2014/main" val="10001"/>
                   </a:ext>
                 </a:extLst>
               </a:tr>
@@ -20317,7 +20339,7 @@
                 </a:tc>
                 <a:extLst>
                   <a:ext uri="{0D108BD9-81ED-4DB2-BD59-A6C34878D82A}">
-                    <a16:rowId xmlns:a16="http://schemas.microsoft.com/office/drawing/2014/main" xmlns="" val="10002"/>
+                    <a16:rowId xmlns:a16="http://schemas.microsoft.com/office/drawing/2014/main" val="10002"/>
                   </a:ext>
                 </a:extLst>
               </a:tr>
@@ -20330,7 +20352,7 @@
           <p:cNvPr id="19" name="TextBox 18">
             <a:extLst>
               <a:ext uri="{FF2B5EF4-FFF2-40B4-BE49-F238E27FC236}">
-                <a16:creationId xmlns:a16="http://schemas.microsoft.com/office/drawing/2014/main" xmlns="" id="{08887152-4A96-4FCC-AC0C-20E5DFC597E0}"/>
+                <a16:creationId xmlns:a16="http://schemas.microsoft.com/office/drawing/2014/main" id="{08887152-4A96-4FCC-AC0C-20E5DFC597E0}"/>
               </a:ext>
             </a:extLst>
           </p:cNvPr>
@@ -20375,7 +20397,7 @@
           <p:cNvPr id="20" name="TextBox 19">
             <a:extLst>
               <a:ext uri="{FF2B5EF4-FFF2-40B4-BE49-F238E27FC236}">
-                <a16:creationId xmlns:a16="http://schemas.microsoft.com/office/drawing/2014/main" xmlns="" id="{817B01FC-760C-443B-823A-528D79C32133}"/>
+                <a16:creationId xmlns:a16="http://schemas.microsoft.com/office/drawing/2014/main" id="{817B01FC-760C-443B-823A-528D79C32133}"/>
               </a:ext>
             </a:extLst>
           </p:cNvPr>
@@ -20423,7 +20445,7 @@
           <p:cNvPr id="3" name="그림 2">
             <a:extLst>
               <a:ext uri="{FF2B5EF4-FFF2-40B4-BE49-F238E27FC236}">
-                <a16:creationId xmlns:a16="http://schemas.microsoft.com/office/drawing/2014/main" xmlns="" id="{53AFA8E7-A1D3-4474-9FBC-573CF1E958CB}"/>
+                <a16:creationId xmlns:a16="http://schemas.microsoft.com/office/drawing/2014/main" id="{53AFA8E7-A1D3-4474-9FBC-573CF1E958CB}"/>
               </a:ext>
             </a:extLst>
           </p:cNvPr>
@@ -20436,7 +20458,7 @@
           <a:blip r:embed="rId2" cstate="print">
             <a:extLst>
               <a:ext uri="{28A0092B-C50C-407E-A947-70E740481C1C}">
-                <a14:useLocalDpi xmlns:a14="http://schemas.microsoft.com/office/drawing/2010/main" xmlns="" val="0"/>
+                <a14:useLocalDpi xmlns:a14="http://schemas.microsoft.com/office/drawing/2010/main" val="0"/>
               </a:ext>
             </a:extLst>
           </a:blip>
@@ -20462,20 +20484,20 @@
     </p:spTree>
     <p:extLst>
       <p:ext uri="{BB962C8B-B14F-4D97-AF65-F5344CB8AC3E}">
-        <p14:creationId xmlns:p14="http://schemas.microsoft.com/office/powerpoint/2010/main" xmlns="" val="2852307447"/>
+        <p14:creationId xmlns:p14="http://schemas.microsoft.com/office/powerpoint/2010/main" val="2852307447"/>
       </p:ext>
     </p:extLst>
   </p:cSld>
   <p:clrMapOvr>
     <a:masterClrMapping/>
   </p:clrMapOvr>
-  <mc:AlternateContent xmlns:mc="http://schemas.openxmlformats.org/markup-compatibility/2006">
-    <mc:Choice xmlns:p14="http://schemas.microsoft.com/office/powerpoint/2010/main" xmlns="" Requires="p14">
+  <mc:AlternateContent xmlns:mc="http://schemas.openxmlformats.org/markup-compatibility/2006" xmlns:p14="http://schemas.microsoft.com/office/powerpoint/2010/main">
+    <mc:Choice Requires="p14">
       <p:transition spd="med" p14:dur="700">
         <p:fade/>
       </p:transition>
     </mc:Choice>
-    <mc:Fallback>
+    <mc:Fallback xmlns="">
       <p:transition spd="med">
         <p:fade/>
       </p:transition>
@@ -20544,7 +20566,7 @@
           <p:cNvPr id="10" name="직사각형 9">
             <a:extLst>
               <a:ext uri="{FF2B5EF4-FFF2-40B4-BE49-F238E27FC236}">
-                <a16:creationId xmlns:a16="http://schemas.microsoft.com/office/drawing/2014/main" xmlns="" id="{64617F76-3FBE-4D83-A2FE-EA87BE6C672A}"/>
+                <a16:creationId xmlns:a16="http://schemas.microsoft.com/office/drawing/2014/main" id="{64617F76-3FBE-4D83-A2FE-EA87BE6C672A}"/>
               </a:ext>
             </a:extLst>
           </p:cNvPr>
@@ -20616,7 +20638,7 @@
           <p:cNvPr id="22" name="표 21">
             <a:extLst>
               <a:ext uri="{FF2B5EF4-FFF2-40B4-BE49-F238E27FC236}">
-                <a16:creationId xmlns:a16="http://schemas.microsoft.com/office/drawing/2014/main" xmlns="" id="{1DAF5372-8FFF-4A92-A5A5-5FA0001F950D}"/>
+                <a16:creationId xmlns:a16="http://schemas.microsoft.com/office/drawing/2014/main" id="{1DAF5372-8FFF-4A92-A5A5-5FA0001F950D}"/>
               </a:ext>
             </a:extLst>
           </p:cNvPr>
@@ -20641,7 +20663,7 @@
                 <a:gridCol w="3240360">
                   <a:extLst>
                     <a:ext uri="{9D8B030D-6E8A-4147-A177-3AD203B41FA5}">
-                      <a16:colId xmlns:a16="http://schemas.microsoft.com/office/drawing/2014/main" xmlns="" val="20000"/>
+                      <a16:colId xmlns:a16="http://schemas.microsoft.com/office/drawing/2014/main" val="20000"/>
                     </a:ext>
                   </a:extLst>
                 </a:gridCol>
@@ -20747,7 +20769,7 @@
                 </a:tc>
                 <a:extLst>
                   <a:ext uri="{0D108BD9-81ED-4DB2-BD59-A6C34878D82A}">
-                    <a16:rowId xmlns:a16="http://schemas.microsoft.com/office/drawing/2014/main" xmlns="" val="10000"/>
+                    <a16:rowId xmlns:a16="http://schemas.microsoft.com/office/drawing/2014/main" val="10000"/>
                   </a:ext>
                 </a:extLst>
               </a:tr>
@@ -20832,7 +20854,7 @@
                 </a:tc>
                 <a:extLst>
                   <a:ext uri="{0D108BD9-81ED-4DB2-BD59-A6C34878D82A}">
-                    <a16:rowId xmlns:a16="http://schemas.microsoft.com/office/drawing/2014/main" xmlns="" val="10001"/>
+                    <a16:rowId xmlns:a16="http://schemas.microsoft.com/office/drawing/2014/main" val="10001"/>
                   </a:ext>
                 </a:extLst>
               </a:tr>
@@ -20950,7 +20972,7 @@
                 </a:tc>
                 <a:extLst>
                   <a:ext uri="{0D108BD9-81ED-4DB2-BD59-A6C34878D82A}">
-                    <a16:rowId xmlns:a16="http://schemas.microsoft.com/office/drawing/2014/main" xmlns="" val="10002"/>
+                    <a16:rowId xmlns:a16="http://schemas.microsoft.com/office/drawing/2014/main" val="10002"/>
                   </a:ext>
                 </a:extLst>
               </a:tr>
@@ -20963,7 +20985,7 @@
           <p:cNvPr id="19" name="TextBox 18">
             <a:extLst>
               <a:ext uri="{FF2B5EF4-FFF2-40B4-BE49-F238E27FC236}">
-                <a16:creationId xmlns:a16="http://schemas.microsoft.com/office/drawing/2014/main" xmlns="" id="{08887152-4A96-4FCC-AC0C-20E5DFC597E0}"/>
+                <a16:creationId xmlns:a16="http://schemas.microsoft.com/office/drawing/2014/main" id="{08887152-4A96-4FCC-AC0C-20E5DFC597E0}"/>
               </a:ext>
             </a:extLst>
           </p:cNvPr>
@@ -21008,7 +21030,7 @@
           <p:cNvPr id="20" name="TextBox 19">
             <a:extLst>
               <a:ext uri="{FF2B5EF4-FFF2-40B4-BE49-F238E27FC236}">
-                <a16:creationId xmlns:a16="http://schemas.microsoft.com/office/drawing/2014/main" xmlns="" id="{817B01FC-760C-443B-823A-528D79C32133}"/>
+                <a16:creationId xmlns:a16="http://schemas.microsoft.com/office/drawing/2014/main" id="{817B01FC-760C-443B-823A-528D79C32133}"/>
               </a:ext>
             </a:extLst>
           </p:cNvPr>
@@ -21056,7 +21078,7 @@
           <p:cNvPr id="4" name="그림 3">
             <a:extLst>
               <a:ext uri="{FF2B5EF4-FFF2-40B4-BE49-F238E27FC236}">
-                <a16:creationId xmlns:a16="http://schemas.microsoft.com/office/drawing/2014/main" xmlns="" id="{243BB24A-5AD9-479B-95F4-38C81A4D11FA}"/>
+                <a16:creationId xmlns:a16="http://schemas.microsoft.com/office/drawing/2014/main" id="{243BB24A-5AD9-479B-95F4-38C81A4D11FA}"/>
               </a:ext>
             </a:extLst>
           </p:cNvPr>
@@ -21069,7 +21091,7 @@
           <a:blip r:embed="rId2" cstate="print">
             <a:extLst>
               <a:ext uri="{28A0092B-C50C-407E-A947-70E740481C1C}">
-                <a14:useLocalDpi xmlns:a14="http://schemas.microsoft.com/office/drawing/2010/main" xmlns="" val="0"/>
+                <a14:useLocalDpi xmlns:a14="http://schemas.microsoft.com/office/drawing/2010/main" val="0"/>
               </a:ext>
             </a:extLst>
           </a:blip>
@@ -21095,20 +21117,20 @@
     </p:spTree>
     <p:extLst>
       <p:ext uri="{BB962C8B-B14F-4D97-AF65-F5344CB8AC3E}">
-        <p14:creationId xmlns:p14="http://schemas.microsoft.com/office/powerpoint/2010/main" xmlns="" val="2779956166"/>
+        <p14:creationId xmlns:p14="http://schemas.microsoft.com/office/powerpoint/2010/main" val="2779956166"/>
       </p:ext>
     </p:extLst>
   </p:cSld>
   <p:clrMapOvr>
     <a:masterClrMapping/>
   </p:clrMapOvr>
-  <mc:AlternateContent xmlns:mc="http://schemas.openxmlformats.org/markup-compatibility/2006">
-    <mc:Choice xmlns:p14="http://schemas.microsoft.com/office/powerpoint/2010/main" xmlns="" Requires="p14">
+  <mc:AlternateContent xmlns:mc="http://schemas.openxmlformats.org/markup-compatibility/2006" xmlns:p14="http://schemas.microsoft.com/office/powerpoint/2010/main">
+    <mc:Choice Requires="p14">
       <p:transition spd="med" p14:dur="700">
         <p:fade/>
       </p:transition>
     </mc:Choice>
-    <mc:Fallback>
+    <mc:Fallback xmlns="">
       <p:transition spd="med">
         <p:fade/>
       </p:transition>
@@ -21177,7 +21199,7 @@
           <p:cNvPr id="10" name="직사각형 9">
             <a:extLst>
               <a:ext uri="{FF2B5EF4-FFF2-40B4-BE49-F238E27FC236}">
-                <a16:creationId xmlns:a16="http://schemas.microsoft.com/office/drawing/2014/main" xmlns="" id="{64617F76-3FBE-4D83-A2FE-EA87BE6C672A}"/>
+                <a16:creationId xmlns:a16="http://schemas.microsoft.com/office/drawing/2014/main" id="{64617F76-3FBE-4D83-A2FE-EA87BE6C672A}"/>
               </a:ext>
             </a:extLst>
           </p:cNvPr>
@@ -21249,7 +21271,7 @@
           <p:cNvPr id="22" name="표 21">
             <a:extLst>
               <a:ext uri="{FF2B5EF4-FFF2-40B4-BE49-F238E27FC236}">
-                <a16:creationId xmlns:a16="http://schemas.microsoft.com/office/drawing/2014/main" xmlns="" id="{1DAF5372-8FFF-4A92-A5A5-5FA0001F950D}"/>
+                <a16:creationId xmlns:a16="http://schemas.microsoft.com/office/drawing/2014/main" id="{1DAF5372-8FFF-4A92-A5A5-5FA0001F950D}"/>
               </a:ext>
             </a:extLst>
           </p:cNvPr>
@@ -21259,7 +21281,7 @@
           <p:nvPr>
             <p:extLst>
               <p:ext uri="{D42A27DB-BD31-4B8C-83A1-F6EECF244321}">
-                <p14:modId xmlns:p14="http://schemas.microsoft.com/office/powerpoint/2010/main" xmlns="" val="1101538682"/>
+                <p14:modId xmlns:p14="http://schemas.microsoft.com/office/powerpoint/2010/main" val="1101538682"/>
               </p:ext>
             </p:extLst>
           </p:nvPr>
@@ -21278,7 +21300,7 @@
                 <a:gridCol w="3240360">
                   <a:extLst>
                     <a:ext uri="{9D8B030D-6E8A-4147-A177-3AD203B41FA5}">
-                      <a16:colId xmlns:a16="http://schemas.microsoft.com/office/drawing/2014/main" xmlns="" val="20000"/>
+                      <a16:colId xmlns:a16="http://schemas.microsoft.com/office/drawing/2014/main" val="20000"/>
                     </a:ext>
                   </a:extLst>
                 </a:gridCol>
@@ -21405,7 +21427,7 @@
                 </a:tc>
                 <a:extLst>
                   <a:ext uri="{0D108BD9-81ED-4DB2-BD59-A6C34878D82A}">
-                    <a16:rowId xmlns:a16="http://schemas.microsoft.com/office/drawing/2014/main" xmlns="" val="10000"/>
+                    <a16:rowId xmlns:a16="http://schemas.microsoft.com/office/drawing/2014/main" val="10000"/>
                   </a:ext>
                 </a:extLst>
               </a:tr>
@@ -21504,7 +21526,7 @@
                 </a:tc>
                 <a:extLst>
                   <a:ext uri="{0D108BD9-81ED-4DB2-BD59-A6C34878D82A}">
-                    <a16:rowId xmlns:a16="http://schemas.microsoft.com/office/drawing/2014/main" xmlns="" val="10001"/>
+                    <a16:rowId xmlns:a16="http://schemas.microsoft.com/office/drawing/2014/main" val="10001"/>
                   </a:ext>
                 </a:extLst>
               </a:tr>
@@ -21594,7 +21616,7 @@
                 </a:tc>
                 <a:extLst>
                   <a:ext uri="{0D108BD9-81ED-4DB2-BD59-A6C34878D82A}">
-                    <a16:rowId xmlns:a16="http://schemas.microsoft.com/office/drawing/2014/main" xmlns="" val="10002"/>
+                    <a16:rowId xmlns:a16="http://schemas.microsoft.com/office/drawing/2014/main" val="10002"/>
                   </a:ext>
                 </a:extLst>
               </a:tr>
@@ -21607,7 +21629,7 @@
           <p:cNvPr id="19" name="TextBox 18">
             <a:extLst>
               <a:ext uri="{FF2B5EF4-FFF2-40B4-BE49-F238E27FC236}">
-                <a16:creationId xmlns:a16="http://schemas.microsoft.com/office/drawing/2014/main" xmlns="" id="{08887152-4A96-4FCC-AC0C-20E5DFC597E0}"/>
+                <a16:creationId xmlns:a16="http://schemas.microsoft.com/office/drawing/2014/main" id="{08887152-4A96-4FCC-AC0C-20E5DFC597E0}"/>
               </a:ext>
             </a:extLst>
           </p:cNvPr>
@@ -21670,7 +21692,7 @@
           <p:cNvPr id="20" name="TextBox 19">
             <a:extLst>
               <a:ext uri="{FF2B5EF4-FFF2-40B4-BE49-F238E27FC236}">
-                <a16:creationId xmlns:a16="http://schemas.microsoft.com/office/drawing/2014/main" xmlns="" id="{817B01FC-760C-443B-823A-528D79C32133}"/>
+                <a16:creationId xmlns:a16="http://schemas.microsoft.com/office/drawing/2014/main" id="{817B01FC-760C-443B-823A-528D79C32133}"/>
               </a:ext>
             </a:extLst>
           </p:cNvPr>
@@ -21718,7 +21740,7 @@
           <p:cNvPr id="3" name="그림 2">
             <a:extLst>
               <a:ext uri="{FF2B5EF4-FFF2-40B4-BE49-F238E27FC236}">
-                <a16:creationId xmlns:a16="http://schemas.microsoft.com/office/drawing/2014/main" xmlns="" id="{7B12484F-B37A-405A-B824-5E709137853D}"/>
+                <a16:creationId xmlns:a16="http://schemas.microsoft.com/office/drawing/2014/main" id="{7B12484F-B37A-405A-B824-5E709137853D}"/>
               </a:ext>
             </a:extLst>
           </p:cNvPr>
@@ -21731,7 +21753,7 @@
           <a:blip r:embed="rId2" cstate="print">
             <a:extLst>
               <a:ext uri="{28A0092B-C50C-407E-A947-70E740481C1C}">
-                <a14:useLocalDpi xmlns:a14="http://schemas.microsoft.com/office/drawing/2010/main" xmlns="" val="0"/>
+                <a14:useLocalDpi xmlns:a14="http://schemas.microsoft.com/office/drawing/2010/main" val="0"/>
               </a:ext>
             </a:extLst>
           </a:blip>
@@ -21754,7 +21776,7 @@
           <p:cNvPr id="7" name="그림 6">
             <a:extLst>
               <a:ext uri="{FF2B5EF4-FFF2-40B4-BE49-F238E27FC236}">
-                <a16:creationId xmlns:a16="http://schemas.microsoft.com/office/drawing/2014/main" xmlns="" id="{9D8C4DB8-8C5A-43D0-99B2-3374F1AB86A7}"/>
+                <a16:creationId xmlns:a16="http://schemas.microsoft.com/office/drawing/2014/main" id="{9D8C4DB8-8C5A-43D0-99B2-3374F1AB86A7}"/>
               </a:ext>
             </a:extLst>
           </p:cNvPr>
@@ -21767,7 +21789,7 @@
           <a:blip r:embed="rId3" cstate="print">
             <a:extLst>
               <a:ext uri="{28A0092B-C50C-407E-A947-70E740481C1C}">
-                <a14:useLocalDpi xmlns:a14="http://schemas.microsoft.com/office/drawing/2010/main" xmlns="" val="0"/>
+                <a14:useLocalDpi xmlns:a14="http://schemas.microsoft.com/office/drawing/2010/main" val="0"/>
               </a:ext>
             </a:extLst>
           </a:blip>
@@ -21788,20 +21810,20 @@
     </p:spTree>
     <p:extLst>
       <p:ext uri="{BB962C8B-B14F-4D97-AF65-F5344CB8AC3E}">
-        <p14:creationId xmlns:p14="http://schemas.microsoft.com/office/powerpoint/2010/main" xmlns="" val="1782930912"/>
+        <p14:creationId xmlns:p14="http://schemas.microsoft.com/office/powerpoint/2010/main" val="1782930912"/>
       </p:ext>
     </p:extLst>
   </p:cSld>
   <p:clrMapOvr>
     <a:masterClrMapping/>
   </p:clrMapOvr>
-  <mc:AlternateContent xmlns:mc="http://schemas.openxmlformats.org/markup-compatibility/2006">
-    <mc:Choice xmlns:p14="http://schemas.microsoft.com/office/powerpoint/2010/main" xmlns="" Requires="p14">
+  <mc:AlternateContent xmlns:mc="http://schemas.openxmlformats.org/markup-compatibility/2006" xmlns:p14="http://schemas.microsoft.com/office/powerpoint/2010/main">
+    <mc:Choice Requires="p14">
       <p:transition spd="med" p14:dur="700">
         <p:fade/>
       </p:transition>
     </mc:Choice>
-    <mc:Fallback>
+    <mc:Fallback xmlns="">
       <p:transition spd="med">
         <p:fade/>
       </p:transition>

--- a/최종 프로젝트3조.pptx
+++ b/최종 프로젝트3조.pptx
@@ -9324,8 +9324,8 @@
         </p:nvSpPr>
         <p:spPr>
           <a:xfrm>
-            <a:off x="2699792" y="1995686"/>
-            <a:ext cx="1368152" cy="276999"/>
+            <a:off x="2411760" y="1998266"/>
+            <a:ext cx="1368152" cy="461665"/>
           </a:xfrm>
           <a:prstGeom prst="rect">
             <a:avLst/>
@@ -9338,6 +9338,21 @@
           </a:bodyPr>
           <a:lstStyle/>
           <a:p>
+            <a:r>
+              <a:rPr lang="en-US" altLang="ko-KR" sz="1200" dirty="0"/>
+              <a:t> - </a:t>
+            </a:r>
+            <a:r>
+              <a:rPr lang="ko-KR" altLang="en-US" sz="1200" dirty="0"/>
+              <a:t>로그인</a:t>
+            </a:r>
+            <a:endParaRPr lang="en-US" altLang="ko-KR" sz="1200" dirty="0"/>
+          </a:p>
+          <a:p>
+            <a:r>
+              <a:rPr lang="en-US" altLang="ko-KR" sz="1200" dirty="0"/>
+              <a:t> - </a:t>
+            </a:r>
             <a:r>
               <a:rPr lang="ko-KR" altLang="en-US" sz="1200" dirty="0"/>
               <a:t>취업연계</a:t>

--- a/최종 프로젝트3조.pptx
+++ b/최종 프로젝트3조.pptx
@@ -134,7 +134,7 @@
   </p:defaultTextStyle>
   <p:extLst>
     <p:ext uri="{EFAFB233-063F-42B5-8137-9DF3F51BA10A}">
-      <p15:sldGuideLst xmlns:p15="http://schemas.microsoft.com/office/powerpoint/2012/main">
+      <p15:sldGuideLst xmlns:p15="http://schemas.microsoft.com/office/powerpoint/2012/main" xmlns="">
         <p15:guide id="1" orient="horz" pos="1620">
           <p15:clr>
             <a:srgbClr val="A4A3A4"/>
@@ -406,7 +406,7 @@
     </p:spTree>
     <p:extLst>
       <p:ext uri="{BB962C8B-B14F-4D97-AF65-F5344CB8AC3E}">
-        <p14:creationId xmlns:p14="http://schemas.microsoft.com/office/powerpoint/2010/main" val="1534248213"/>
+        <p14:creationId xmlns:p14="http://schemas.microsoft.com/office/powerpoint/2010/main" xmlns="" val="1534248213"/>
       </p:ext>
     </p:extLst>
   </p:cSld>
@@ -526,7 +526,7 @@
     </p:spTree>
     <p:extLst>
       <p:ext uri="{BB962C8B-B14F-4D97-AF65-F5344CB8AC3E}">
-        <p14:creationId xmlns:p14="http://schemas.microsoft.com/office/powerpoint/2010/main" val="1848776554"/>
+        <p14:creationId xmlns:p14="http://schemas.microsoft.com/office/powerpoint/2010/main" xmlns="" val="1848776554"/>
       </p:ext>
     </p:extLst>
   </p:cSld>
@@ -556,7 +556,7 @@
     </p:spTree>
     <p:extLst>
       <p:ext uri="{BB962C8B-B14F-4D97-AF65-F5344CB8AC3E}">
-        <p14:creationId xmlns:p14="http://schemas.microsoft.com/office/powerpoint/2010/main" val="2146564503"/>
+        <p14:creationId xmlns:p14="http://schemas.microsoft.com/office/powerpoint/2010/main" xmlns="" val="2146564503"/>
       </p:ext>
     </p:extLst>
   </p:cSld>
@@ -586,7 +586,7 @@
     </p:spTree>
     <p:extLst>
       <p:ext uri="{BB962C8B-B14F-4D97-AF65-F5344CB8AC3E}">
-        <p14:creationId xmlns:p14="http://schemas.microsoft.com/office/powerpoint/2010/main" val="1128012849"/>
+        <p14:creationId xmlns:p14="http://schemas.microsoft.com/office/powerpoint/2010/main" xmlns="" val="1128012849"/>
       </p:ext>
     </p:extLst>
   </p:cSld>
@@ -616,7 +616,7 @@
     </p:spTree>
     <p:extLst>
       <p:ext uri="{BB962C8B-B14F-4D97-AF65-F5344CB8AC3E}">
-        <p14:creationId xmlns:p14="http://schemas.microsoft.com/office/powerpoint/2010/main" val="3697998567"/>
+        <p14:creationId xmlns:p14="http://schemas.microsoft.com/office/powerpoint/2010/main" xmlns="" val="3697998567"/>
       </p:ext>
     </p:extLst>
   </p:cSld>
@@ -928,7 +928,7 @@
     </p:spTree>
     <p:extLst>
       <p:ext uri="{BB962C8B-B14F-4D97-AF65-F5344CB8AC3E}">
-        <p14:creationId xmlns:p14="http://schemas.microsoft.com/office/powerpoint/2010/main" val="1750152943"/>
+        <p14:creationId xmlns:p14="http://schemas.microsoft.com/office/powerpoint/2010/main" xmlns="" val="1750152943"/>
       </p:ext>
     </p:extLst>
   </p:cSld>
@@ -958,7 +958,7 @@
     </p:spTree>
     <p:extLst>
       <p:ext uri="{BB962C8B-B14F-4D97-AF65-F5344CB8AC3E}">
-        <p14:creationId xmlns:p14="http://schemas.microsoft.com/office/powerpoint/2010/main" val="1544615451"/>
+        <p14:creationId xmlns:p14="http://schemas.microsoft.com/office/powerpoint/2010/main" xmlns="" val="1544615451"/>
       </p:ext>
     </p:extLst>
   </p:cSld>
@@ -1158,7 +1158,7 @@
     </p:spTree>
     <p:extLst>
       <p:ext uri="{BB962C8B-B14F-4D97-AF65-F5344CB8AC3E}">
-        <p14:creationId xmlns:p14="http://schemas.microsoft.com/office/powerpoint/2010/main" val="2156195717"/>
+        <p14:creationId xmlns:p14="http://schemas.microsoft.com/office/powerpoint/2010/main" xmlns="" val="2156195717"/>
       </p:ext>
     </p:extLst>
   </p:cSld>
@@ -1657,7 +1657,7 @@
     </p:spTree>
     <p:extLst>
       <p:ext uri="{BB962C8B-B14F-4D97-AF65-F5344CB8AC3E}">
-        <p14:creationId xmlns:p14="http://schemas.microsoft.com/office/powerpoint/2010/main" val="2985316826"/>
+        <p14:creationId xmlns:p14="http://schemas.microsoft.com/office/powerpoint/2010/main" xmlns="" val="2985316826"/>
       </p:ext>
     </p:extLst>
   </p:cSld>
@@ -2687,7 +2687,7 @@
     </p:spTree>
     <p:extLst>
       <p:ext uri="{BB962C8B-B14F-4D97-AF65-F5344CB8AC3E}">
-        <p14:creationId xmlns:p14="http://schemas.microsoft.com/office/powerpoint/2010/main" val="974357844"/>
+        <p14:creationId xmlns:p14="http://schemas.microsoft.com/office/powerpoint/2010/main" xmlns="" val="974357844"/>
       </p:ext>
     </p:extLst>
   </p:cSld>
@@ -3885,7 +3885,7 @@
     </p:spTree>
     <p:extLst>
       <p:ext uri="{BB962C8B-B14F-4D97-AF65-F5344CB8AC3E}">
-        <p14:creationId xmlns:p14="http://schemas.microsoft.com/office/powerpoint/2010/main" val="219139306"/>
+        <p14:creationId xmlns:p14="http://schemas.microsoft.com/office/powerpoint/2010/main" xmlns="" val="219139306"/>
       </p:ext>
     </p:extLst>
   </p:cSld>
@@ -4171,7 +4171,7 @@
     </p:spTree>
     <p:extLst>
       <p:ext uri="{BB962C8B-B14F-4D97-AF65-F5344CB8AC3E}">
-        <p14:creationId xmlns:p14="http://schemas.microsoft.com/office/powerpoint/2010/main" val="1060286032"/>
+        <p14:creationId xmlns:p14="http://schemas.microsoft.com/office/powerpoint/2010/main" xmlns="" val="1060286032"/>
       </p:ext>
     </p:extLst>
   </p:cSld>
@@ -4457,7 +4457,7 @@
     </p:spTree>
     <p:extLst>
       <p:ext uri="{BB962C8B-B14F-4D97-AF65-F5344CB8AC3E}">
-        <p14:creationId xmlns:p14="http://schemas.microsoft.com/office/powerpoint/2010/main" val="2765172383"/>
+        <p14:creationId xmlns:p14="http://schemas.microsoft.com/office/powerpoint/2010/main" xmlns="" val="2765172383"/>
       </p:ext>
     </p:extLst>
   </p:cSld>
@@ -4960,20 +4960,20 @@
     </p:spTree>
     <p:extLst>
       <p:ext uri="{BB962C8B-B14F-4D97-AF65-F5344CB8AC3E}">
-        <p14:creationId xmlns:p14="http://schemas.microsoft.com/office/powerpoint/2010/main" val="715981169"/>
+        <p14:creationId xmlns:p14="http://schemas.microsoft.com/office/powerpoint/2010/main" xmlns="" val="715981169"/>
       </p:ext>
     </p:extLst>
   </p:cSld>
   <p:clrMapOvr>
     <a:masterClrMapping/>
   </p:clrMapOvr>
-  <mc:AlternateContent xmlns:mc="http://schemas.openxmlformats.org/markup-compatibility/2006" xmlns:p14="http://schemas.microsoft.com/office/powerpoint/2010/main">
-    <mc:Choice Requires="p14">
+  <mc:AlternateContent xmlns:mc="http://schemas.openxmlformats.org/markup-compatibility/2006">
+    <mc:Choice xmlns:p14="http://schemas.microsoft.com/office/powerpoint/2010/main" xmlns="" Requires="p14">
       <p:transition spd="med" p14:dur="700">
         <p:fade/>
       </p:transition>
     </mc:Choice>
-    <mc:Fallback xmlns="">
+    <mc:Fallback>
       <p:transition spd="med">
         <p:fade/>
       </p:transition>
@@ -5046,7 +5046,7 @@
           <p:cNvPr id="8" name="TextBox 7">
             <a:extLst>
               <a:ext uri="{FF2B5EF4-FFF2-40B4-BE49-F238E27FC236}">
-                <a16:creationId xmlns:a16="http://schemas.microsoft.com/office/drawing/2014/main" id="{B2729330-CEB6-4A30-8588-5A38361E709E}"/>
+                <a16:creationId xmlns:a16="http://schemas.microsoft.com/office/drawing/2014/main" xmlns="" id="{B2729330-CEB6-4A30-8588-5A38361E709E}"/>
               </a:ext>
             </a:extLst>
           </p:cNvPr>
@@ -5182,7 +5182,7 @@
           <p:cNvPr id="10" name="TextBox 9">
             <a:extLst>
               <a:ext uri="{FF2B5EF4-FFF2-40B4-BE49-F238E27FC236}">
-                <a16:creationId xmlns:a16="http://schemas.microsoft.com/office/drawing/2014/main" id="{B56A1B63-19B2-45DF-BDFB-D49C8EA71FD3}"/>
+                <a16:creationId xmlns:a16="http://schemas.microsoft.com/office/drawing/2014/main" xmlns="" id="{B56A1B63-19B2-45DF-BDFB-D49C8EA71FD3}"/>
               </a:ext>
             </a:extLst>
           </p:cNvPr>
@@ -5234,7 +5234,7 @@
           <p:cNvPr id="3" name="그림 2">
             <a:extLst>
               <a:ext uri="{FF2B5EF4-FFF2-40B4-BE49-F238E27FC236}">
-                <a16:creationId xmlns:a16="http://schemas.microsoft.com/office/drawing/2014/main" id="{75D35D29-7EA4-4466-A719-BBF4FAE6E420}"/>
+                <a16:creationId xmlns:a16="http://schemas.microsoft.com/office/drawing/2014/main" xmlns="" id="{75D35D29-7EA4-4466-A719-BBF4FAE6E420}"/>
               </a:ext>
             </a:extLst>
           </p:cNvPr>
@@ -5247,7 +5247,7 @@
           <a:blip r:embed="rId2" cstate="print">
             <a:extLst>
               <a:ext uri="{28A0092B-C50C-407E-A947-70E740481C1C}">
-                <a14:useLocalDpi xmlns:a14="http://schemas.microsoft.com/office/drawing/2010/main" val="0"/>
+                <a14:useLocalDpi xmlns:a14="http://schemas.microsoft.com/office/drawing/2010/main" xmlns="" val="0"/>
               </a:ext>
             </a:extLst>
           </a:blip>
@@ -5275,7 +5275,7 @@
           <p:cNvPr id="9" name="그림 8">
             <a:extLst>
               <a:ext uri="{FF2B5EF4-FFF2-40B4-BE49-F238E27FC236}">
-                <a16:creationId xmlns:a16="http://schemas.microsoft.com/office/drawing/2014/main" id="{1055A031-14B7-441D-8C55-A399BBBC4E59}"/>
+                <a16:creationId xmlns:a16="http://schemas.microsoft.com/office/drawing/2014/main" xmlns="" id="{1055A031-14B7-441D-8C55-A399BBBC4E59}"/>
               </a:ext>
             </a:extLst>
           </p:cNvPr>
@@ -5288,7 +5288,7 @@
           <a:blip r:embed="rId3" cstate="print">
             <a:extLst>
               <a:ext uri="{28A0092B-C50C-407E-A947-70E740481C1C}">
-                <a14:useLocalDpi xmlns:a14="http://schemas.microsoft.com/office/drawing/2010/main" val="0"/>
+                <a14:useLocalDpi xmlns:a14="http://schemas.microsoft.com/office/drawing/2010/main" xmlns="" val="0"/>
               </a:ext>
             </a:extLst>
           </a:blip>
@@ -5314,20 +5314,20 @@
     </p:spTree>
     <p:extLst>
       <p:ext uri="{BB962C8B-B14F-4D97-AF65-F5344CB8AC3E}">
-        <p14:creationId xmlns:p14="http://schemas.microsoft.com/office/powerpoint/2010/main" val="3195634949"/>
+        <p14:creationId xmlns:p14="http://schemas.microsoft.com/office/powerpoint/2010/main" xmlns="" val="3195634949"/>
       </p:ext>
     </p:extLst>
   </p:cSld>
   <p:clrMapOvr>
     <a:masterClrMapping/>
   </p:clrMapOvr>
-  <mc:AlternateContent xmlns:mc="http://schemas.openxmlformats.org/markup-compatibility/2006" xmlns:p14="http://schemas.microsoft.com/office/powerpoint/2010/main">
-    <mc:Choice Requires="p14">
+  <mc:AlternateContent xmlns:mc="http://schemas.openxmlformats.org/markup-compatibility/2006">
+    <mc:Choice xmlns:p14="http://schemas.microsoft.com/office/powerpoint/2010/main" xmlns="" Requires="p14">
       <p:transition spd="med" p14:dur="700">
         <p:fade/>
       </p:transition>
     </mc:Choice>
-    <mc:Fallback xmlns="">
+    <mc:Fallback>
       <p:transition spd="med">
         <p:fade/>
       </p:transition>
@@ -5438,7 +5438,7 @@
           <p:cNvPr id="8" name="TextBox 7">
             <a:extLst>
               <a:ext uri="{FF2B5EF4-FFF2-40B4-BE49-F238E27FC236}">
-                <a16:creationId xmlns:a16="http://schemas.microsoft.com/office/drawing/2014/main" id="{B2729330-CEB6-4A30-8588-5A38361E709E}"/>
+                <a16:creationId xmlns:a16="http://schemas.microsoft.com/office/drawing/2014/main" xmlns="" id="{B2729330-CEB6-4A30-8588-5A38361E709E}"/>
               </a:ext>
             </a:extLst>
           </p:cNvPr>
@@ -5577,7 +5577,7 @@
           <p:cNvPr id="10" name="TextBox 9">
             <a:extLst>
               <a:ext uri="{FF2B5EF4-FFF2-40B4-BE49-F238E27FC236}">
-                <a16:creationId xmlns:a16="http://schemas.microsoft.com/office/drawing/2014/main" id="{B56A1B63-19B2-45DF-BDFB-D49C8EA71FD3}"/>
+                <a16:creationId xmlns:a16="http://schemas.microsoft.com/office/drawing/2014/main" xmlns="" id="{B56A1B63-19B2-45DF-BDFB-D49C8EA71FD3}"/>
               </a:ext>
             </a:extLst>
           </p:cNvPr>
@@ -5629,7 +5629,7 @@
           <p:cNvPr id="4" name="그림 3">
             <a:extLst>
               <a:ext uri="{FF2B5EF4-FFF2-40B4-BE49-F238E27FC236}">
-                <a16:creationId xmlns:a16="http://schemas.microsoft.com/office/drawing/2014/main" id="{52969E30-CCD5-4585-9926-D44257894A50}"/>
+                <a16:creationId xmlns:a16="http://schemas.microsoft.com/office/drawing/2014/main" xmlns="" id="{52969E30-CCD5-4585-9926-D44257894A50}"/>
               </a:ext>
             </a:extLst>
           </p:cNvPr>
@@ -5642,7 +5642,7 @@
           <a:blip r:embed="rId2" cstate="print">
             <a:extLst>
               <a:ext uri="{28A0092B-C50C-407E-A947-70E740481C1C}">
-                <a14:useLocalDpi xmlns:a14="http://schemas.microsoft.com/office/drawing/2010/main" val="0"/>
+                <a14:useLocalDpi xmlns:a14="http://schemas.microsoft.com/office/drawing/2010/main" xmlns="" val="0"/>
               </a:ext>
             </a:extLst>
           </a:blip>
@@ -5670,7 +5670,7 @@
           <p:cNvPr id="7" name="그림 6">
             <a:extLst>
               <a:ext uri="{FF2B5EF4-FFF2-40B4-BE49-F238E27FC236}">
-                <a16:creationId xmlns:a16="http://schemas.microsoft.com/office/drawing/2014/main" id="{FCCCFA58-E725-4173-AD94-428DF861C45E}"/>
+                <a16:creationId xmlns:a16="http://schemas.microsoft.com/office/drawing/2014/main" xmlns="" id="{FCCCFA58-E725-4173-AD94-428DF861C45E}"/>
               </a:ext>
             </a:extLst>
           </p:cNvPr>
@@ -5683,7 +5683,7 @@
           <a:blip r:embed="rId3" cstate="print">
             <a:extLst>
               <a:ext uri="{28A0092B-C50C-407E-A947-70E740481C1C}">
-                <a14:useLocalDpi xmlns:a14="http://schemas.microsoft.com/office/drawing/2010/main" val="0"/>
+                <a14:useLocalDpi xmlns:a14="http://schemas.microsoft.com/office/drawing/2010/main" xmlns="" val="0"/>
               </a:ext>
             </a:extLst>
           </a:blip>
@@ -5709,20 +5709,20 @@
     </p:spTree>
     <p:extLst>
       <p:ext uri="{BB962C8B-B14F-4D97-AF65-F5344CB8AC3E}">
-        <p14:creationId xmlns:p14="http://schemas.microsoft.com/office/powerpoint/2010/main" val="879718177"/>
+        <p14:creationId xmlns:p14="http://schemas.microsoft.com/office/powerpoint/2010/main" xmlns="" val="879718177"/>
       </p:ext>
     </p:extLst>
   </p:cSld>
   <p:clrMapOvr>
     <a:masterClrMapping/>
   </p:clrMapOvr>
-  <mc:AlternateContent xmlns:mc="http://schemas.openxmlformats.org/markup-compatibility/2006" xmlns:p14="http://schemas.microsoft.com/office/powerpoint/2010/main">
-    <mc:Choice Requires="p14">
+  <mc:AlternateContent xmlns:mc="http://schemas.openxmlformats.org/markup-compatibility/2006">
+    <mc:Choice xmlns:p14="http://schemas.microsoft.com/office/powerpoint/2010/main" xmlns="" Requires="p14">
       <p:transition spd="med" p14:dur="700">
         <p:fade/>
       </p:transition>
     </mc:Choice>
-    <mc:Fallback xmlns="">
+    <mc:Fallback>
       <p:transition spd="med">
         <p:fade/>
       </p:transition>
@@ -5833,7 +5833,7 @@
           <p:cNvPr id="8" name="TextBox 7">
             <a:extLst>
               <a:ext uri="{FF2B5EF4-FFF2-40B4-BE49-F238E27FC236}">
-                <a16:creationId xmlns:a16="http://schemas.microsoft.com/office/drawing/2014/main" id="{B2729330-CEB6-4A30-8588-5A38361E709E}"/>
+                <a16:creationId xmlns:a16="http://schemas.microsoft.com/office/drawing/2014/main" xmlns="" id="{B2729330-CEB6-4A30-8588-5A38361E709E}"/>
               </a:ext>
             </a:extLst>
           </p:cNvPr>
@@ -5907,7 +5907,7 @@
           <p:cNvPr id="10" name="TextBox 9">
             <a:extLst>
               <a:ext uri="{FF2B5EF4-FFF2-40B4-BE49-F238E27FC236}">
-                <a16:creationId xmlns:a16="http://schemas.microsoft.com/office/drawing/2014/main" id="{B56A1B63-19B2-45DF-BDFB-D49C8EA71FD3}"/>
+                <a16:creationId xmlns:a16="http://schemas.microsoft.com/office/drawing/2014/main" xmlns="" id="{B56A1B63-19B2-45DF-BDFB-D49C8EA71FD3}"/>
               </a:ext>
             </a:extLst>
           </p:cNvPr>
@@ -5959,7 +5959,7 @@
           <p:cNvPr id="3" name="그림 2">
             <a:extLst>
               <a:ext uri="{FF2B5EF4-FFF2-40B4-BE49-F238E27FC236}">
-                <a16:creationId xmlns:a16="http://schemas.microsoft.com/office/drawing/2014/main" id="{30CF940C-8226-4F48-8D0F-C1491DF7AF9F}"/>
+                <a16:creationId xmlns:a16="http://schemas.microsoft.com/office/drawing/2014/main" xmlns="" id="{30CF940C-8226-4F48-8D0F-C1491DF7AF9F}"/>
               </a:ext>
             </a:extLst>
           </p:cNvPr>
@@ -5972,7 +5972,7 @@
           <a:blip r:embed="rId2" cstate="print">
             <a:extLst>
               <a:ext uri="{28A0092B-C50C-407E-A947-70E740481C1C}">
-                <a14:useLocalDpi xmlns:a14="http://schemas.microsoft.com/office/drawing/2010/main" val="0"/>
+                <a14:useLocalDpi xmlns:a14="http://schemas.microsoft.com/office/drawing/2010/main" xmlns="" val="0"/>
               </a:ext>
             </a:extLst>
           </a:blip>
@@ -6000,7 +6000,7 @@
           <p:cNvPr id="9" name="그림 8">
             <a:extLst>
               <a:ext uri="{FF2B5EF4-FFF2-40B4-BE49-F238E27FC236}">
-                <a16:creationId xmlns:a16="http://schemas.microsoft.com/office/drawing/2014/main" id="{50064BE1-CC3E-4188-B4E9-EF15E1A2C7FC}"/>
+                <a16:creationId xmlns:a16="http://schemas.microsoft.com/office/drawing/2014/main" xmlns="" id="{50064BE1-CC3E-4188-B4E9-EF15E1A2C7FC}"/>
               </a:ext>
             </a:extLst>
           </p:cNvPr>
@@ -6013,7 +6013,7 @@
           <a:blip r:embed="rId3" cstate="print">
             <a:extLst>
               <a:ext uri="{28A0092B-C50C-407E-A947-70E740481C1C}">
-                <a14:useLocalDpi xmlns:a14="http://schemas.microsoft.com/office/drawing/2010/main" val="0"/>
+                <a14:useLocalDpi xmlns:a14="http://schemas.microsoft.com/office/drawing/2010/main" xmlns="" val="0"/>
               </a:ext>
             </a:extLst>
           </a:blip>
@@ -6041,7 +6041,7 @@
           <p:cNvPr id="14" name="연결선: 구부러짐 13">
             <a:extLst>
               <a:ext uri="{FF2B5EF4-FFF2-40B4-BE49-F238E27FC236}">
-                <a16:creationId xmlns:a16="http://schemas.microsoft.com/office/drawing/2014/main" id="{8A38B8B5-497E-4E95-903A-9AA32C84BF4C}"/>
+                <a16:creationId xmlns:a16="http://schemas.microsoft.com/office/drawing/2014/main" xmlns="" id="{8A38B8B5-497E-4E95-903A-9AA32C84BF4C}"/>
               </a:ext>
             </a:extLst>
           </p:cNvPr>
@@ -6082,20 +6082,20 @@
     </p:spTree>
     <p:extLst>
       <p:ext uri="{BB962C8B-B14F-4D97-AF65-F5344CB8AC3E}">
-        <p14:creationId xmlns:p14="http://schemas.microsoft.com/office/powerpoint/2010/main" val="3846446380"/>
+        <p14:creationId xmlns:p14="http://schemas.microsoft.com/office/powerpoint/2010/main" xmlns="" val="3846446380"/>
       </p:ext>
     </p:extLst>
   </p:cSld>
   <p:clrMapOvr>
     <a:masterClrMapping/>
   </p:clrMapOvr>
-  <mc:AlternateContent xmlns:mc="http://schemas.openxmlformats.org/markup-compatibility/2006" xmlns:p14="http://schemas.microsoft.com/office/powerpoint/2010/main">
-    <mc:Choice Requires="p14">
+  <mc:AlternateContent xmlns:mc="http://schemas.openxmlformats.org/markup-compatibility/2006">
+    <mc:Choice xmlns:p14="http://schemas.microsoft.com/office/powerpoint/2010/main" xmlns="" Requires="p14">
       <p:transition spd="med" p14:dur="700">
         <p:fade/>
       </p:transition>
     </mc:Choice>
-    <mc:Fallback xmlns="">
+    <mc:Fallback>
       <p:transition spd="med">
         <p:fade/>
       </p:transition>
@@ -6206,7 +6206,7 @@
           <p:cNvPr id="8" name="TextBox 7">
             <a:extLst>
               <a:ext uri="{FF2B5EF4-FFF2-40B4-BE49-F238E27FC236}">
-                <a16:creationId xmlns:a16="http://schemas.microsoft.com/office/drawing/2014/main" id="{B2729330-CEB6-4A30-8588-5A38361E709E}"/>
+                <a16:creationId xmlns:a16="http://schemas.microsoft.com/office/drawing/2014/main" xmlns="" id="{B2729330-CEB6-4A30-8588-5A38361E709E}"/>
               </a:ext>
             </a:extLst>
           </p:cNvPr>
@@ -6292,7 +6292,7 @@
           <p:cNvPr id="10" name="TextBox 9">
             <a:extLst>
               <a:ext uri="{FF2B5EF4-FFF2-40B4-BE49-F238E27FC236}">
-                <a16:creationId xmlns:a16="http://schemas.microsoft.com/office/drawing/2014/main" id="{B56A1B63-19B2-45DF-BDFB-D49C8EA71FD3}"/>
+                <a16:creationId xmlns:a16="http://schemas.microsoft.com/office/drawing/2014/main" xmlns="" id="{B56A1B63-19B2-45DF-BDFB-D49C8EA71FD3}"/>
               </a:ext>
             </a:extLst>
           </p:cNvPr>
@@ -6344,7 +6344,7 @@
           <p:cNvPr id="4" name="그림 3">
             <a:extLst>
               <a:ext uri="{FF2B5EF4-FFF2-40B4-BE49-F238E27FC236}">
-                <a16:creationId xmlns:a16="http://schemas.microsoft.com/office/drawing/2014/main" id="{3D5DD2DA-004E-4489-A541-E01685CD0E91}"/>
+                <a16:creationId xmlns:a16="http://schemas.microsoft.com/office/drawing/2014/main" xmlns="" id="{3D5DD2DA-004E-4489-A541-E01685CD0E91}"/>
               </a:ext>
             </a:extLst>
           </p:cNvPr>
@@ -6357,7 +6357,7 @@
           <a:blip r:embed="rId2" cstate="print">
             <a:extLst>
               <a:ext uri="{28A0092B-C50C-407E-A947-70E740481C1C}">
-                <a14:useLocalDpi xmlns:a14="http://schemas.microsoft.com/office/drawing/2010/main" val="0"/>
+                <a14:useLocalDpi xmlns:a14="http://schemas.microsoft.com/office/drawing/2010/main" xmlns="" val="0"/>
               </a:ext>
             </a:extLst>
           </a:blip>
@@ -6383,20 +6383,20 @@
     </p:spTree>
     <p:extLst>
       <p:ext uri="{BB962C8B-B14F-4D97-AF65-F5344CB8AC3E}">
-        <p14:creationId xmlns:p14="http://schemas.microsoft.com/office/powerpoint/2010/main" val="450904341"/>
+        <p14:creationId xmlns:p14="http://schemas.microsoft.com/office/powerpoint/2010/main" xmlns="" val="450904341"/>
       </p:ext>
     </p:extLst>
   </p:cSld>
   <p:clrMapOvr>
     <a:masterClrMapping/>
   </p:clrMapOvr>
-  <mc:AlternateContent xmlns:mc="http://schemas.openxmlformats.org/markup-compatibility/2006" xmlns:p14="http://schemas.microsoft.com/office/powerpoint/2010/main">
-    <mc:Choice Requires="p14">
+  <mc:AlternateContent xmlns:mc="http://schemas.openxmlformats.org/markup-compatibility/2006">
+    <mc:Choice xmlns:p14="http://schemas.microsoft.com/office/powerpoint/2010/main" xmlns="" Requires="p14">
       <p:transition spd="med" p14:dur="700">
         <p:fade/>
       </p:transition>
     </mc:Choice>
-    <mc:Fallback xmlns="">
+    <mc:Fallback>
       <p:transition spd="med">
         <p:fade/>
       </p:transition>
@@ -6507,7 +6507,7 @@
           <p:cNvPr id="8" name="TextBox 7">
             <a:extLst>
               <a:ext uri="{FF2B5EF4-FFF2-40B4-BE49-F238E27FC236}">
-                <a16:creationId xmlns:a16="http://schemas.microsoft.com/office/drawing/2014/main" id="{B2729330-CEB6-4A30-8588-5A38361E709E}"/>
+                <a16:creationId xmlns:a16="http://schemas.microsoft.com/office/drawing/2014/main" xmlns="" id="{B2729330-CEB6-4A30-8588-5A38361E709E}"/>
               </a:ext>
             </a:extLst>
           </p:cNvPr>
@@ -6562,7 +6562,7 @@
           <p:cNvPr id="10" name="TextBox 9">
             <a:extLst>
               <a:ext uri="{FF2B5EF4-FFF2-40B4-BE49-F238E27FC236}">
-                <a16:creationId xmlns:a16="http://schemas.microsoft.com/office/drawing/2014/main" id="{B56A1B63-19B2-45DF-BDFB-D49C8EA71FD3}"/>
+                <a16:creationId xmlns:a16="http://schemas.microsoft.com/office/drawing/2014/main" xmlns="" id="{B56A1B63-19B2-45DF-BDFB-D49C8EA71FD3}"/>
               </a:ext>
             </a:extLst>
           </p:cNvPr>
@@ -6614,7 +6614,7 @@
           <p:cNvPr id="4" name="그림 3">
             <a:extLst>
               <a:ext uri="{FF2B5EF4-FFF2-40B4-BE49-F238E27FC236}">
-                <a16:creationId xmlns:a16="http://schemas.microsoft.com/office/drawing/2014/main" id="{A33377BE-9A0E-41AC-A2ED-314FCBE2E603}"/>
+                <a16:creationId xmlns:a16="http://schemas.microsoft.com/office/drawing/2014/main" xmlns="" id="{A33377BE-9A0E-41AC-A2ED-314FCBE2E603}"/>
               </a:ext>
             </a:extLst>
           </p:cNvPr>
@@ -6627,7 +6627,7 @@
           <a:blip r:embed="rId2" cstate="print">
             <a:extLst>
               <a:ext uri="{28A0092B-C50C-407E-A947-70E740481C1C}">
-                <a14:useLocalDpi xmlns:a14="http://schemas.microsoft.com/office/drawing/2010/main" val="0"/>
+                <a14:useLocalDpi xmlns:a14="http://schemas.microsoft.com/office/drawing/2010/main" xmlns="" val="0"/>
               </a:ext>
             </a:extLst>
           </a:blip>
@@ -6655,7 +6655,7 @@
           <p:cNvPr id="7" name="그림 6">
             <a:extLst>
               <a:ext uri="{FF2B5EF4-FFF2-40B4-BE49-F238E27FC236}">
-                <a16:creationId xmlns:a16="http://schemas.microsoft.com/office/drawing/2014/main" id="{D62DC2FB-0B52-4D6A-B977-FA1D925FCA37}"/>
+                <a16:creationId xmlns:a16="http://schemas.microsoft.com/office/drawing/2014/main" xmlns="" id="{D62DC2FB-0B52-4D6A-B977-FA1D925FCA37}"/>
               </a:ext>
             </a:extLst>
           </p:cNvPr>
@@ -6668,7 +6668,7 @@
           <a:blip r:embed="rId3" cstate="print">
             <a:extLst>
               <a:ext uri="{28A0092B-C50C-407E-A947-70E740481C1C}">
-                <a14:useLocalDpi xmlns:a14="http://schemas.microsoft.com/office/drawing/2010/main" val="0"/>
+                <a14:useLocalDpi xmlns:a14="http://schemas.microsoft.com/office/drawing/2010/main" xmlns="" val="0"/>
               </a:ext>
             </a:extLst>
           </a:blip>
@@ -6696,7 +6696,7 @@
           <p:cNvPr id="12" name="연결선: 구부러짐 11">
             <a:extLst>
               <a:ext uri="{FF2B5EF4-FFF2-40B4-BE49-F238E27FC236}">
-                <a16:creationId xmlns:a16="http://schemas.microsoft.com/office/drawing/2014/main" id="{B26B4B4F-6A0A-48BC-B667-CD6FF3AD14A5}"/>
+                <a16:creationId xmlns:a16="http://schemas.microsoft.com/office/drawing/2014/main" xmlns="" id="{B26B4B4F-6A0A-48BC-B667-CD6FF3AD14A5}"/>
               </a:ext>
             </a:extLst>
           </p:cNvPr>
@@ -6735,7 +6735,7 @@
           <p:cNvPr id="1030" name="Picture 6" descr="돋보기에 대한 이미지 검색결과">
             <a:extLst>
               <a:ext uri="{FF2B5EF4-FFF2-40B4-BE49-F238E27FC236}">
-                <a16:creationId xmlns:a16="http://schemas.microsoft.com/office/drawing/2014/main" id="{2A5D9044-1041-4F92-8CD1-777F4DB9BD76}"/>
+                <a16:creationId xmlns:a16="http://schemas.microsoft.com/office/drawing/2014/main" xmlns="" id="{2A5D9044-1041-4F92-8CD1-777F4DB9BD76}"/>
               </a:ext>
             </a:extLst>
           </p:cNvPr>
@@ -6748,7 +6748,7 @@
           <a:blip r:embed="rId4" cstate="print">
             <a:extLst>
               <a:ext uri="{28A0092B-C50C-407E-A947-70E740481C1C}">
-                <a14:useLocalDpi xmlns:a14="http://schemas.microsoft.com/office/drawing/2010/main" val="0"/>
+                <a14:useLocalDpi xmlns:a14="http://schemas.microsoft.com/office/drawing/2010/main" xmlns="" val="0"/>
               </a:ext>
             </a:extLst>
           </a:blip>
@@ -6768,7 +6768,7 @@
           <a:noFill/>
           <a:extLst>
             <a:ext uri="{909E8E84-426E-40DD-AFC4-6F175D3DCCD1}">
-              <a14:hiddenFill xmlns:a14="http://schemas.microsoft.com/office/drawing/2010/main">
+              <a14:hiddenFill xmlns:a14="http://schemas.microsoft.com/office/drawing/2010/main" xmlns="">
                 <a:solidFill>
                   <a:srgbClr val="FFFFFF"/>
                 </a:solidFill>
@@ -6780,20 +6780,20 @@
     </p:spTree>
     <p:extLst>
       <p:ext uri="{BB962C8B-B14F-4D97-AF65-F5344CB8AC3E}">
-        <p14:creationId xmlns:p14="http://schemas.microsoft.com/office/powerpoint/2010/main" val="2906056090"/>
+        <p14:creationId xmlns:p14="http://schemas.microsoft.com/office/powerpoint/2010/main" xmlns="" val="2906056090"/>
       </p:ext>
     </p:extLst>
   </p:cSld>
   <p:clrMapOvr>
     <a:masterClrMapping/>
   </p:clrMapOvr>
-  <mc:AlternateContent xmlns:mc="http://schemas.openxmlformats.org/markup-compatibility/2006" xmlns:p14="http://schemas.microsoft.com/office/powerpoint/2010/main">
-    <mc:Choice Requires="p14">
+  <mc:AlternateContent xmlns:mc="http://schemas.openxmlformats.org/markup-compatibility/2006">
+    <mc:Choice xmlns:p14="http://schemas.microsoft.com/office/powerpoint/2010/main" xmlns="" Requires="p14">
       <p:transition spd="med" p14:dur="700">
         <p:fade/>
       </p:transition>
     </mc:Choice>
-    <mc:Fallback xmlns="">
+    <mc:Fallback>
       <p:transition spd="med">
         <p:fade/>
       </p:transition>
@@ -6904,7 +6904,7 @@
           <p:cNvPr id="8" name="TextBox 7">
             <a:extLst>
               <a:ext uri="{FF2B5EF4-FFF2-40B4-BE49-F238E27FC236}">
-                <a16:creationId xmlns:a16="http://schemas.microsoft.com/office/drawing/2014/main" id="{B2729330-CEB6-4A30-8588-5A38361E709E}"/>
+                <a16:creationId xmlns:a16="http://schemas.microsoft.com/office/drawing/2014/main" xmlns="" id="{B2729330-CEB6-4A30-8588-5A38361E709E}"/>
               </a:ext>
             </a:extLst>
           </p:cNvPr>
@@ -7013,7 +7013,7 @@
           <p:cNvPr id="10" name="TextBox 9">
             <a:extLst>
               <a:ext uri="{FF2B5EF4-FFF2-40B4-BE49-F238E27FC236}">
-                <a16:creationId xmlns:a16="http://schemas.microsoft.com/office/drawing/2014/main" id="{B56A1B63-19B2-45DF-BDFB-D49C8EA71FD3}"/>
+                <a16:creationId xmlns:a16="http://schemas.microsoft.com/office/drawing/2014/main" xmlns="" id="{B56A1B63-19B2-45DF-BDFB-D49C8EA71FD3}"/>
               </a:ext>
             </a:extLst>
           </p:cNvPr>
@@ -7065,7 +7065,7 @@
           <p:cNvPr id="4" name="그림 3">
             <a:extLst>
               <a:ext uri="{FF2B5EF4-FFF2-40B4-BE49-F238E27FC236}">
-                <a16:creationId xmlns:a16="http://schemas.microsoft.com/office/drawing/2014/main" id="{6384CCFE-4E42-4CE0-8ACB-F7E3AF7A0945}"/>
+                <a16:creationId xmlns:a16="http://schemas.microsoft.com/office/drawing/2014/main" xmlns="" id="{6384CCFE-4E42-4CE0-8ACB-F7E3AF7A0945}"/>
               </a:ext>
             </a:extLst>
           </p:cNvPr>
@@ -7078,7 +7078,7 @@
           <a:blip r:embed="rId2" cstate="print">
             <a:extLst>
               <a:ext uri="{28A0092B-C50C-407E-A947-70E740481C1C}">
-                <a14:useLocalDpi xmlns:a14="http://schemas.microsoft.com/office/drawing/2010/main" val="0"/>
+                <a14:useLocalDpi xmlns:a14="http://schemas.microsoft.com/office/drawing/2010/main" xmlns="" val="0"/>
               </a:ext>
             </a:extLst>
           </a:blip>
@@ -7106,7 +7106,7 @@
           <p:cNvPr id="7" name="그림 6">
             <a:extLst>
               <a:ext uri="{FF2B5EF4-FFF2-40B4-BE49-F238E27FC236}">
-                <a16:creationId xmlns:a16="http://schemas.microsoft.com/office/drawing/2014/main" id="{859A06FC-E1BC-4568-A18F-5672564E6635}"/>
+                <a16:creationId xmlns:a16="http://schemas.microsoft.com/office/drawing/2014/main" xmlns="" id="{859A06FC-E1BC-4568-A18F-5672564E6635}"/>
               </a:ext>
             </a:extLst>
           </p:cNvPr>
@@ -7119,7 +7119,7 @@
           <a:blip r:embed="rId3" cstate="print">
             <a:extLst>
               <a:ext uri="{28A0092B-C50C-407E-A947-70E740481C1C}">
-                <a14:useLocalDpi xmlns:a14="http://schemas.microsoft.com/office/drawing/2010/main" val="0"/>
+                <a14:useLocalDpi xmlns:a14="http://schemas.microsoft.com/office/drawing/2010/main" xmlns="" val="0"/>
               </a:ext>
             </a:extLst>
           </a:blip>
@@ -7147,7 +7147,7 @@
           <p:cNvPr id="12" name="TextBox 11">
             <a:extLst>
               <a:ext uri="{FF2B5EF4-FFF2-40B4-BE49-F238E27FC236}">
-                <a16:creationId xmlns:a16="http://schemas.microsoft.com/office/drawing/2014/main" id="{DD49FC39-630F-4E6B-BAFB-7A56504DF281}"/>
+                <a16:creationId xmlns:a16="http://schemas.microsoft.com/office/drawing/2014/main" xmlns="" id="{DD49FC39-630F-4E6B-BAFB-7A56504DF281}"/>
               </a:ext>
             </a:extLst>
           </p:cNvPr>
@@ -7196,7 +7196,7 @@
           <p:cNvPr id="13" name="TextBox 12">
             <a:extLst>
               <a:ext uri="{FF2B5EF4-FFF2-40B4-BE49-F238E27FC236}">
-                <a16:creationId xmlns:a16="http://schemas.microsoft.com/office/drawing/2014/main" id="{033B6F89-9886-4056-A485-286BC79F357D}"/>
+                <a16:creationId xmlns:a16="http://schemas.microsoft.com/office/drawing/2014/main" xmlns="" id="{033B6F89-9886-4056-A485-286BC79F357D}"/>
               </a:ext>
             </a:extLst>
           </p:cNvPr>
@@ -7245,7 +7245,7 @@
           <p:cNvPr id="11" name="화살표: 위쪽 10">
             <a:extLst>
               <a:ext uri="{FF2B5EF4-FFF2-40B4-BE49-F238E27FC236}">
-                <a16:creationId xmlns:a16="http://schemas.microsoft.com/office/drawing/2014/main" id="{82BE42AD-5B81-4B34-8FCE-C6B781615C37}"/>
+                <a16:creationId xmlns:a16="http://schemas.microsoft.com/office/drawing/2014/main" xmlns="" id="{82BE42AD-5B81-4B34-8FCE-C6B781615C37}"/>
               </a:ext>
             </a:extLst>
           </p:cNvPr>
@@ -7291,7 +7291,7 @@
           <p:cNvPr id="15" name="화살표: 위쪽 14">
             <a:extLst>
               <a:ext uri="{FF2B5EF4-FFF2-40B4-BE49-F238E27FC236}">
-                <a16:creationId xmlns:a16="http://schemas.microsoft.com/office/drawing/2014/main" id="{348F676E-9DD9-47B8-A8BB-382528F8F52F}"/>
+                <a16:creationId xmlns:a16="http://schemas.microsoft.com/office/drawing/2014/main" xmlns="" id="{348F676E-9DD9-47B8-A8BB-382528F8F52F}"/>
               </a:ext>
             </a:extLst>
           </p:cNvPr>
@@ -7335,20 +7335,20 @@
     </p:spTree>
     <p:extLst>
       <p:ext uri="{BB962C8B-B14F-4D97-AF65-F5344CB8AC3E}">
-        <p14:creationId xmlns:p14="http://schemas.microsoft.com/office/powerpoint/2010/main" val="2401772221"/>
+        <p14:creationId xmlns:p14="http://schemas.microsoft.com/office/powerpoint/2010/main" xmlns="" val="2401772221"/>
       </p:ext>
     </p:extLst>
   </p:cSld>
   <p:clrMapOvr>
     <a:masterClrMapping/>
   </p:clrMapOvr>
-  <mc:AlternateContent xmlns:mc="http://schemas.openxmlformats.org/markup-compatibility/2006" xmlns:p14="http://schemas.microsoft.com/office/powerpoint/2010/main">
-    <mc:Choice Requires="p14">
+  <mc:AlternateContent xmlns:mc="http://schemas.openxmlformats.org/markup-compatibility/2006">
+    <mc:Choice xmlns:p14="http://schemas.microsoft.com/office/powerpoint/2010/main" xmlns="" Requires="p14">
       <p:transition spd="med" p14:dur="700">
         <p:fade/>
       </p:transition>
     </mc:Choice>
-    <mc:Fallback xmlns="">
+    <mc:Fallback>
       <p:transition spd="med">
         <p:fade/>
       </p:transition>
@@ -7459,7 +7459,7 @@
           <p:cNvPr id="8" name="TextBox 7">
             <a:extLst>
               <a:ext uri="{FF2B5EF4-FFF2-40B4-BE49-F238E27FC236}">
-                <a16:creationId xmlns:a16="http://schemas.microsoft.com/office/drawing/2014/main" id="{B2729330-CEB6-4A30-8588-5A38361E709E}"/>
+                <a16:creationId xmlns:a16="http://schemas.microsoft.com/office/drawing/2014/main" xmlns="" id="{B2729330-CEB6-4A30-8588-5A38361E709E}"/>
               </a:ext>
             </a:extLst>
           </p:cNvPr>
@@ -7534,7 +7534,7 @@
           <p:cNvPr id="10" name="TextBox 9">
             <a:extLst>
               <a:ext uri="{FF2B5EF4-FFF2-40B4-BE49-F238E27FC236}">
-                <a16:creationId xmlns:a16="http://schemas.microsoft.com/office/drawing/2014/main" id="{B56A1B63-19B2-45DF-BDFB-D49C8EA71FD3}"/>
+                <a16:creationId xmlns:a16="http://schemas.microsoft.com/office/drawing/2014/main" xmlns="" id="{B56A1B63-19B2-45DF-BDFB-D49C8EA71FD3}"/>
               </a:ext>
             </a:extLst>
           </p:cNvPr>
@@ -7638,7 +7638,7 @@
           <p:cNvPr id="12" name="TextBox 11">
             <a:extLst>
               <a:ext uri="{FF2B5EF4-FFF2-40B4-BE49-F238E27FC236}">
-                <a16:creationId xmlns:a16="http://schemas.microsoft.com/office/drawing/2014/main" id="{DD49FC39-630F-4E6B-BAFB-7A56504DF281}"/>
+                <a16:creationId xmlns:a16="http://schemas.microsoft.com/office/drawing/2014/main" xmlns="" id="{DD49FC39-630F-4E6B-BAFB-7A56504DF281}"/>
               </a:ext>
             </a:extLst>
           </p:cNvPr>
@@ -7687,7 +7687,7 @@
           <p:cNvPr id="13" name="TextBox 12">
             <a:extLst>
               <a:ext uri="{FF2B5EF4-FFF2-40B4-BE49-F238E27FC236}">
-                <a16:creationId xmlns:a16="http://schemas.microsoft.com/office/drawing/2014/main" id="{033B6F89-9886-4056-A485-286BC79F357D}"/>
+                <a16:creationId xmlns:a16="http://schemas.microsoft.com/office/drawing/2014/main" xmlns="" id="{033B6F89-9886-4056-A485-286BC79F357D}"/>
               </a:ext>
             </a:extLst>
           </p:cNvPr>
@@ -7736,7 +7736,7 @@
           <p:cNvPr id="11" name="화살표: 위쪽 10">
             <a:extLst>
               <a:ext uri="{FF2B5EF4-FFF2-40B4-BE49-F238E27FC236}">
-                <a16:creationId xmlns:a16="http://schemas.microsoft.com/office/drawing/2014/main" id="{82BE42AD-5B81-4B34-8FCE-C6B781615C37}"/>
+                <a16:creationId xmlns:a16="http://schemas.microsoft.com/office/drawing/2014/main" xmlns="" id="{82BE42AD-5B81-4B34-8FCE-C6B781615C37}"/>
               </a:ext>
             </a:extLst>
           </p:cNvPr>
@@ -7782,7 +7782,7 @@
           <p:cNvPr id="15" name="화살표: 위쪽 14">
             <a:extLst>
               <a:ext uri="{FF2B5EF4-FFF2-40B4-BE49-F238E27FC236}">
-                <a16:creationId xmlns:a16="http://schemas.microsoft.com/office/drawing/2014/main" id="{348F676E-9DD9-47B8-A8BB-382528F8F52F}"/>
+                <a16:creationId xmlns:a16="http://schemas.microsoft.com/office/drawing/2014/main" xmlns="" id="{348F676E-9DD9-47B8-A8BB-382528F8F52F}"/>
               </a:ext>
             </a:extLst>
           </p:cNvPr>
@@ -7828,7 +7828,7 @@
           <p:cNvPr id="3" name="그림 2">
             <a:extLst>
               <a:ext uri="{FF2B5EF4-FFF2-40B4-BE49-F238E27FC236}">
-                <a16:creationId xmlns:a16="http://schemas.microsoft.com/office/drawing/2014/main" id="{986AE201-89EA-4AFB-9AC0-9B5991658A53}"/>
+                <a16:creationId xmlns:a16="http://schemas.microsoft.com/office/drawing/2014/main" xmlns="" id="{986AE201-89EA-4AFB-9AC0-9B5991658A53}"/>
               </a:ext>
             </a:extLst>
           </p:cNvPr>
@@ -7841,7 +7841,7 @@
           <a:blip r:embed="rId2" cstate="print">
             <a:extLst>
               <a:ext uri="{28A0092B-C50C-407E-A947-70E740481C1C}">
-                <a14:useLocalDpi xmlns:a14="http://schemas.microsoft.com/office/drawing/2010/main" val="0"/>
+                <a14:useLocalDpi xmlns:a14="http://schemas.microsoft.com/office/drawing/2010/main" xmlns="" val="0"/>
               </a:ext>
             </a:extLst>
           </a:blip>
@@ -7869,7 +7869,7 @@
           <p:cNvPr id="9" name="그림 8">
             <a:extLst>
               <a:ext uri="{FF2B5EF4-FFF2-40B4-BE49-F238E27FC236}">
-                <a16:creationId xmlns:a16="http://schemas.microsoft.com/office/drawing/2014/main" id="{E1A59386-37E8-4140-AB0C-4322474062AA}"/>
+                <a16:creationId xmlns:a16="http://schemas.microsoft.com/office/drawing/2014/main" xmlns="" id="{E1A59386-37E8-4140-AB0C-4322474062AA}"/>
               </a:ext>
             </a:extLst>
           </p:cNvPr>
@@ -7882,7 +7882,7 @@
           <a:blip r:embed="rId3" cstate="print">
             <a:extLst>
               <a:ext uri="{28A0092B-C50C-407E-A947-70E740481C1C}">
-                <a14:useLocalDpi xmlns:a14="http://schemas.microsoft.com/office/drawing/2010/main" val="0"/>
+                <a14:useLocalDpi xmlns:a14="http://schemas.microsoft.com/office/drawing/2010/main" xmlns="" val="0"/>
               </a:ext>
             </a:extLst>
           </a:blip>
@@ -7908,20 +7908,20 @@
     </p:spTree>
     <p:extLst>
       <p:ext uri="{BB962C8B-B14F-4D97-AF65-F5344CB8AC3E}">
-        <p14:creationId xmlns:p14="http://schemas.microsoft.com/office/powerpoint/2010/main" val="1619140408"/>
+        <p14:creationId xmlns:p14="http://schemas.microsoft.com/office/powerpoint/2010/main" xmlns="" val="1619140408"/>
       </p:ext>
     </p:extLst>
   </p:cSld>
   <p:clrMapOvr>
     <a:masterClrMapping/>
   </p:clrMapOvr>
-  <mc:AlternateContent xmlns:mc="http://schemas.openxmlformats.org/markup-compatibility/2006" xmlns:p14="http://schemas.microsoft.com/office/powerpoint/2010/main">
-    <mc:Choice Requires="p14">
+  <mc:AlternateContent xmlns:mc="http://schemas.openxmlformats.org/markup-compatibility/2006">
+    <mc:Choice xmlns:p14="http://schemas.microsoft.com/office/powerpoint/2010/main" xmlns="" Requires="p14">
       <p:transition spd="med" p14:dur="700">
         <p:fade/>
       </p:transition>
     </mc:Choice>
-    <mc:Fallback xmlns="">
+    <mc:Fallback>
       <p:transition spd="med">
         <p:fade/>
       </p:transition>
@@ -8032,7 +8032,7 @@
           <p:cNvPr id="8" name="TextBox 7">
             <a:extLst>
               <a:ext uri="{FF2B5EF4-FFF2-40B4-BE49-F238E27FC236}">
-                <a16:creationId xmlns:a16="http://schemas.microsoft.com/office/drawing/2014/main" id="{B2729330-CEB6-4A30-8588-5A38361E709E}"/>
+                <a16:creationId xmlns:a16="http://schemas.microsoft.com/office/drawing/2014/main" xmlns="" id="{B2729330-CEB6-4A30-8588-5A38361E709E}"/>
               </a:ext>
             </a:extLst>
           </p:cNvPr>
@@ -8107,7 +8107,7 @@
           <p:cNvPr id="10" name="TextBox 9">
             <a:extLst>
               <a:ext uri="{FF2B5EF4-FFF2-40B4-BE49-F238E27FC236}">
-                <a16:creationId xmlns:a16="http://schemas.microsoft.com/office/drawing/2014/main" id="{B56A1B63-19B2-45DF-BDFB-D49C8EA71FD3}"/>
+                <a16:creationId xmlns:a16="http://schemas.microsoft.com/office/drawing/2014/main" xmlns="" id="{B56A1B63-19B2-45DF-BDFB-D49C8EA71FD3}"/>
               </a:ext>
             </a:extLst>
           </p:cNvPr>
@@ -8203,7 +8203,7 @@
           <p:cNvPr id="3" name="그림 2">
             <a:extLst>
               <a:ext uri="{FF2B5EF4-FFF2-40B4-BE49-F238E27FC236}">
-                <a16:creationId xmlns:a16="http://schemas.microsoft.com/office/drawing/2014/main" id="{05EABC9A-D615-434F-B1B5-F6DCC080C538}"/>
+                <a16:creationId xmlns:a16="http://schemas.microsoft.com/office/drawing/2014/main" xmlns="" id="{05EABC9A-D615-434F-B1B5-F6DCC080C538}"/>
               </a:ext>
             </a:extLst>
           </p:cNvPr>
@@ -8216,7 +8216,7 @@
           <a:blip r:embed="rId2" cstate="print">
             <a:extLst>
               <a:ext uri="{28A0092B-C50C-407E-A947-70E740481C1C}">
-                <a14:useLocalDpi xmlns:a14="http://schemas.microsoft.com/office/drawing/2010/main" val="0"/>
+                <a14:useLocalDpi xmlns:a14="http://schemas.microsoft.com/office/drawing/2010/main" xmlns="" val="0"/>
               </a:ext>
             </a:extLst>
           </a:blip>
@@ -8244,7 +8244,7 @@
           <p:cNvPr id="9" name="그림 8">
             <a:extLst>
               <a:ext uri="{FF2B5EF4-FFF2-40B4-BE49-F238E27FC236}">
-                <a16:creationId xmlns:a16="http://schemas.microsoft.com/office/drawing/2014/main" id="{C21C4907-3A11-4B2E-843E-A6624F520CF5}"/>
+                <a16:creationId xmlns:a16="http://schemas.microsoft.com/office/drawing/2014/main" xmlns="" id="{C21C4907-3A11-4B2E-843E-A6624F520CF5}"/>
               </a:ext>
             </a:extLst>
           </p:cNvPr>
@@ -8257,7 +8257,7 @@
           <a:blip r:embed="rId3" cstate="print">
             <a:extLst>
               <a:ext uri="{28A0092B-C50C-407E-A947-70E740481C1C}">
-                <a14:useLocalDpi xmlns:a14="http://schemas.microsoft.com/office/drawing/2010/main" val="0"/>
+                <a14:useLocalDpi xmlns:a14="http://schemas.microsoft.com/office/drawing/2010/main" xmlns="" val="0"/>
               </a:ext>
             </a:extLst>
           </a:blip>
@@ -8283,20 +8283,20 @@
     </p:spTree>
     <p:extLst>
       <p:ext uri="{BB962C8B-B14F-4D97-AF65-F5344CB8AC3E}">
-        <p14:creationId xmlns:p14="http://schemas.microsoft.com/office/powerpoint/2010/main" val="2027053288"/>
+        <p14:creationId xmlns:p14="http://schemas.microsoft.com/office/powerpoint/2010/main" xmlns="" val="2027053288"/>
       </p:ext>
     </p:extLst>
   </p:cSld>
   <p:clrMapOvr>
     <a:masterClrMapping/>
   </p:clrMapOvr>
-  <mc:AlternateContent xmlns:mc="http://schemas.openxmlformats.org/markup-compatibility/2006" xmlns:p14="http://schemas.microsoft.com/office/powerpoint/2010/main">
-    <mc:Choice Requires="p14">
+  <mc:AlternateContent xmlns:mc="http://schemas.openxmlformats.org/markup-compatibility/2006">
+    <mc:Choice xmlns:p14="http://schemas.microsoft.com/office/powerpoint/2010/main" xmlns="" Requires="p14">
       <p:transition spd="med" p14:dur="700">
         <p:fade/>
       </p:transition>
     </mc:Choice>
-    <mc:Fallback xmlns="">
+    <mc:Fallback>
       <p:transition spd="med">
         <p:fade/>
       </p:transition>
@@ -8407,7 +8407,7 @@
           <p:cNvPr id="8" name="TextBox 7">
             <a:extLst>
               <a:ext uri="{FF2B5EF4-FFF2-40B4-BE49-F238E27FC236}">
-                <a16:creationId xmlns:a16="http://schemas.microsoft.com/office/drawing/2014/main" id="{B2729330-CEB6-4A30-8588-5A38361E709E}"/>
+                <a16:creationId xmlns:a16="http://schemas.microsoft.com/office/drawing/2014/main" xmlns="" id="{B2729330-CEB6-4A30-8588-5A38361E709E}"/>
               </a:ext>
             </a:extLst>
           </p:cNvPr>
@@ -8494,7 +8494,7 @@
           <p:cNvPr id="10" name="TextBox 9">
             <a:extLst>
               <a:ext uri="{FF2B5EF4-FFF2-40B4-BE49-F238E27FC236}">
-                <a16:creationId xmlns:a16="http://schemas.microsoft.com/office/drawing/2014/main" id="{B56A1B63-19B2-45DF-BDFB-D49C8EA71FD3}"/>
+                <a16:creationId xmlns:a16="http://schemas.microsoft.com/office/drawing/2014/main" xmlns="" id="{B56A1B63-19B2-45DF-BDFB-D49C8EA71FD3}"/>
               </a:ext>
             </a:extLst>
           </p:cNvPr>
@@ -8591,7 +8591,7 @@
           <p:cNvPr id="12" name="TextBox 11">
             <a:extLst>
               <a:ext uri="{FF2B5EF4-FFF2-40B4-BE49-F238E27FC236}">
-                <a16:creationId xmlns:a16="http://schemas.microsoft.com/office/drawing/2014/main" id="{DD49FC39-630F-4E6B-BAFB-7A56504DF281}"/>
+                <a16:creationId xmlns:a16="http://schemas.microsoft.com/office/drawing/2014/main" xmlns="" id="{DD49FC39-630F-4E6B-BAFB-7A56504DF281}"/>
               </a:ext>
             </a:extLst>
           </p:cNvPr>
@@ -8640,7 +8640,7 @@
           <p:cNvPr id="13" name="TextBox 12">
             <a:extLst>
               <a:ext uri="{FF2B5EF4-FFF2-40B4-BE49-F238E27FC236}">
-                <a16:creationId xmlns:a16="http://schemas.microsoft.com/office/drawing/2014/main" id="{033B6F89-9886-4056-A485-286BC79F357D}"/>
+                <a16:creationId xmlns:a16="http://schemas.microsoft.com/office/drawing/2014/main" xmlns="" id="{033B6F89-9886-4056-A485-286BC79F357D}"/>
               </a:ext>
             </a:extLst>
           </p:cNvPr>
@@ -8689,7 +8689,7 @@
           <p:cNvPr id="11" name="화살표: 위쪽 10">
             <a:extLst>
               <a:ext uri="{FF2B5EF4-FFF2-40B4-BE49-F238E27FC236}">
-                <a16:creationId xmlns:a16="http://schemas.microsoft.com/office/drawing/2014/main" id="{82BE42AD-5B81-4B34-8FCE-C6B781615C37}"/>
+                <a16:creationId xmlns:a16="http://schemas.microsoft.com/office/drawing/2014/main" xmlns="" id="{82BE42AD-5B81-4B34-8FCE-C6B781615C37}"/>
               </a:ext>
             </a:extLst>
           </p:cNvPr>
@@ -8735,7 +8735,7 @@
           <p:cNvPr id="15" name="화살표: 위쪽 14">
             <a:extLst>
               <a:ext uri="{FF2B5EF4-FFF2-40B4-BE49-F238E27FC236}">
-                <a16:creationId xmlns:a16="http://schemas.microsoft.com/office/drawing/2014/main" id="{348F676E-9DD9-47B8-A8BB-382528F8F52F}"/>
+                <a16:creationId xmlns:a16="http://schemas.microsoft.com/office/drawing/2014/main" xmlns="" id="{348F676E-9DD9-47B8-A8BB-382528F8F52F}"/>
               </a:ext>
             </a:extLst>
           </p:cNvPr>
@@ -8781,7 +8781,7 @@
           <p:cNvPr id="4" name="그림 3">
             <a:extLst>
               <a:ext uri="{FF2B5EF4-FFF2-40B4-BE49-F238E27FC236}">
-                <a16:creationId xmlns:a16="http://schemas.microsoft.com/office/drawing/2014/main" id="{B4D43C0A-212B-46DE-9E48-746F06EE0391}"/>
+                <a16:creationId xmlns:a16="http://schemas.microsoft.com/office/drawing/2014/main" xmlns="" id="{B4D43C0A-212B-46DE-9E48-746F06EE0391}"/>
               </a:ext>
             </a:extLst>
           </p:cNvPr>
@@ -8794,7 +8794,7 @@
           <a:blip r:embed="rId2" cstate="print">
             <a:extLst>
               <a:ext uri="{28A0092B-C50C-407E-A947-70E740481C1C}">
-                <a14:useLocalDpi xmlns:a14="http://schemas.microsoft.com/office/drawing/2010/main" val="0"/>
+                <a14:useLocalDpi xmlns:a14="http://schemas.microsoft.com/office/drawing/2010/main" xmlns="" val="0"/>
               </a:ext>
             </a:extLst>
           </a:blip>
@@ -8822,7 +8822,7 @@
           <p:cNvPr id="7" name="그림 6">
             <a:extLst>
               <a:ext uri="{FF2B5EF4-FFF2-40B4-BE49-F238E27FC236}">
-                <a16:creationId xmlns:a16="http://schemas.microsoft.com/office/drawing/2014/main" id="{6283ABB7-49FA-4904-B0FD-70D1EA9F2C27}"/>
+                <a16:creationId xmlns:a16="http://schemas.microsoft.com/office/drawing/2014/main" xmlns="" id="{6283ABB7-49FA-4904-B0FD-70D1EA9F2C27}"/>
               </a:ext>
             </a:extLst>
           </p:cNvPr>
@@ -8835,7 +8835,7 @@
           <a:blip r:embed="rId3" cstate="print">
             <a:extLst>
               <a:ext uri="{28A0092B-C50C-407E-A947-70E740481C1C}">
-                <a14:useLocalDpi xmlns:a14="http://schemas.microsoft.com/office/drawing/2010/main" val="0"/>
+                <a14:useLocalDpi xmlns:a14="http://schemas.microsoft.com/office/drawing/2010/main" xmlns="" val="0"/>
               </a:ext>
             </a:extLst>
           </a:blip>
@@ -8861,20 +8861,20 @@
     </p:spTree>
     <p:extLst>
       <p:ext uri="{BB962C8B-B14F-4D97-AF65-F5344CB8AC3E}">
-        <p14:creationId xmlns:p14="http://schemas.microsoft.com/office/powerpoint/2010/main" val="3413513638"/>
+        <p14:creationId xmlns:p14="http://schemas.microsoft.com/office/powerpoint/2010/main" xmlns="" val="3413513638"/>
       </p:ext>
     </p:extLst>
   </p:cSld>
   <p:clrMapOvr>
     <a:masterClrMapping/>
   </p:clrMapOvr>
-  <mc:AlternateContent xmlns:mc="http://schemas.openxmlformats.org/markup-compatibility/2006" xmlns:p14="http://schemas.microsoft.com/office/powerpoint/2010/main">
-    <mc:Choice Requires="p14">
+  <mc:AlternateContent xmlns:mc="http://schemas.openxmlformats.org/markup-compatibility/2006">
+    <mc:Choice xmlns:p14="http://schemas.microsoft.com/office/powerpoint/2010/main" xmlns="" Requires="p14">
       <p:transition spd="med" p14:dur="700">
         <p:fade/>
       </p:transition>
     </mc:Choice>
-    <mc:Fallback xmlns="">
+    <mc:Fallback>
       <p:transition spd="med">
         <p:fade/>
       </p:transition>
@@ -8905,7 +8905,7 @@
           <p:cNvPr id="2" name="TextBox 1">
             <a:extLst>
               <a:ext uri="{FF2B5EF4-FFF2-40B4-BE49-F238E27FC236}">
-                <a16:creationId xmlns:a16="http://schemas.microsoft.com/office/drawing/2014/main" id="{986EEA5D-17E4-483C-9EAE-B5E04FE56D96}"/>
+                <a16:creationId xmlns:a16="http://schemas.microsoft.com/office/drawing/2014/main" xmlns="" id="{986EEA5D-17E4-483C-9EAE-B5E04FE56D96}"/>
               </a:ext>
             </a:extLst>
           </p:cNvPr>
@@ -8953,7 +8953,7 @@
           <p:cNvPr id="3" name="TextBox 2">
             <a:extLst>
               <a:ext uri="{FF2B5EF4-FFF2-40B4-BE49-F238E27FC236}">
-                <a16:creationId xmlns:a16="http://schemas.microsoft.com/office/drawing/2014/main" id="{5EB161B7-DEAE-478C-B542-79B1A7DCF2E9}"/>
+                <a16:creationId xmlns:a16="http://schemas.microsoft.com/office/drawing/2014/main" xmlns="" id="{5EB161B7-DEAE-478C-B542-79B1A7DCF2E9}"/>
               </a:ext>
             </a:extLst>
           </p:cNvPr>
@@ -9001,7 +9001,7 @@
           <p:cNvPr id="7" name="TextBox 6">
             <a:extLst>
               <a:ext uri="{FF2B5EF4-FFF2-40B4-BE49-F238E27FC236}">
-                <a16:creationId xmlns:a16="http://schemas.microsoft.com/office/drawing/2014/main" id="{05375609-AAFC-425D-AD9C-F78F2A31D89D}"/>
+                <a16:creationId xmlns:a16="http://schemas.microsoft.com/office/drawing/2014/main" xmlns="" id="{05375609-AAFC-425D-AD9C-F78F2A31D89D}"/>
               </a:ext>
             </a:extLst>
           </p:cNvPr>
@@ -9050,7 +9050,7 @@
           <p:cNvPr id="8" name="Picture 4" descr="카카오톡 프로필 사람 그림자에 대한 이미지 검색결과">
             <a:extLst>
               <a:ext uri="{FF2B5EF4-FFF2-40B4-BE49-F238E27FC236}">
-                <a16:creationId xmlns:a16="http://schemas.microsoft.com/office/drawing/2014/main" id="{05BF5995-AD3E-4047-B484-3260573DB00F}"/>
+                <a16:creationId xmlns:a16="http://schemas.microsoft.com/office/drawing/2014/main" xmlns="" id="{05BF5995-AD3E-4047-B484-3260573DB00F}"/>
               </a:ext>
             </a:extLst>
           </p:cNvPr>
@@ -9063,7 +9063,7 @@
           <a:blip r:embed="rId2" cstate="print">
             <a:extLst>
               <a:ext uri="{28A0092B-C50C-407E-A947-70E740481C1C}">
-                <a14:useLocalDpi xmlns:a14="http://schemas.microsoft.com/office/drawing/2010/main" val="0"/>
+                <a14:useLocalDpi xmlns:a14="http://schemas.microsoft.com/office/drawing/2010/main" xmlns="" val="0"/>
               </a:ext>
             </a:extLst>
           </a:blip>
@@ -9088,7 +9088,7 @@
           </a:ln>
           <a:extLst>
             <a:ext uri="{909E8E84-426E-40DD-AFC4-6F175D3DCCD1}">
-              <a14:hiddenFill xmlns:a14="http://schemas.microsoft.com/office/drawing/2010/main">
+              <a14:hiddenFill xmlns:a14="http://schemas.microsoft.com/office/drawing/2010/main" xmlns="">
                 <a:solidFill>
                   <a:srgbClr val="FFFFFF"/>
                 </a:solidFill>
@@ -9102,7 +9102,7 @@
           <p:cNvPr id="9" name="TextBox 8">
             <a:extLst>
               <a:ext uri="{FF2B5EF4-FFF2-40B4-BE49-F238E27FC236}">
-                <a16:creationId xmlns:a16="http://schemas.microsoft.com/office/drawing/2014/main" id="{C19F4A92-8F56-4578-9636-00533E0D25E9}"/>
+                <a16:creationId xmlns:a16="http://schemas.microsoft.com/office/drawing/2014/main" xmlns="" id="{C19F4A92-8F56-4578-9636-00533E0D25E9}"/>
               </a:ext>
             </a:extLst>
           </p:cNvPr>
@@ -9151,7 +9151,7 @@
           <p:cNvPr id="11" name="TextBox 10">
             <a:extLst>
               <a:ext uri="{FF2B5EF4-FFF2-40B4-BE49-F238E27FC236}">
-                <a16:creationId xmlns:a16="http://schemas.microsoft.com/office/drawing/2014/main" id="{87406268-D7B7-4764-94E8-9F2048422E74}"/>
+                <a16:creationId xmlns:a16="http://schemas.microsoft.com/office/drawing/2014/main" xmlns="" id="{87406268-D7B7-4764-94E8-9F2048422E74}"/>
               </a:ext>
             </a:extLst>
           </p:cNvPr>
@@ -9200,7 +9200,7 @@
           <p:cNvPr id="13" name="TextBox 12">
             <a:extLst>
               <a:ext uri="{FF2B5EF4-FFF2-40B4-BE49-F238E27FC236}">
-                <a16:creationId xmlns:a16="http://schemas.microsoft.com/office/drawing/2014/main" id="{FEA023B2-6483-4057-B661-B335796A3C8B}"/>
+                <a16:creationId xmlns:a16="http://schemas.microsoft.com/office/drawing/2014/main" xmlns="" id="{FEA023B2-6483-4057-B661-B335796A3C8B}"/>
               </a:ext>
             </a:extLst>
           </p:cNvPr>
@@ -9249,7 +9249,7 @@
           <p:cNvPr id="14" name="그림 13">
             <a:extLst>
               <a:ext uri="{FF2B5EF4-FFF2-40B4-BE49-F238E27FC236}">
-                <a16:creationId xmlns:a16="http://schemas.microsoft.com/office/drawing/2014/main" id="{CF8E6919-A9C7-4654-AEB7-E697FE421161}"/>
+                <a16:creationId xmlns:a16="http://schemas.microsoft.com/office/drawing/2014/main" xmlns="" id="{CF8E6919-A9C7-4654-AEB7-E697FE421161}"/>
               </a:ext>
             </a:extLst>
           </p:cNvPr>
@@ -9262,7 +9262,7 @@
           <a:blip r:embed="rId3" cstate="print">
             <a:extLst>
               <a:ext uri="{28A0092B-C50C-407E-A947-70E740481C1C}">
-                <a14:useLocalDpi xmlns:a14="http://schemas.microsoft.com/office/drawing/2010/main" val="0"/>
+                <a14:useLocalDpi xmlns:a14="http://schemas.microsoft.com/office/drawing/2010/main" xmlns="" val="0"/>
               </a:ext>
             </a:extLst>
           </a:blip>
@@ -9365,7 +9365,7 @@
           <p:cNvPr id="5" name="그림 4">
             <a:extLst>
               <a:ext uri="{FF2B5EF4-FFF2-40B4-BE49-F238E27FC236}">
-                <a16:creationId xmlns:a16="http://schemas.microsoft.com/office/drawing/2014/main" id="{4DE77100-1325-4AE2-8632-F3EEB07A679C}"/>
+                <a16:creationId xmlns:a16="http://schemas.microsoft.com/office/drawing/2014/main" xmlns="" id="{4DE77100-1325-4AE2-8632-F3EEB07A679C}"/>
               </a:ext>
             </a:extLst>
           </p:cNvPr>
@@ -9375,10 +9375,10 @@
           <p:nvPr/>
         </p:nvPicPr>
         <p:blipFill>
-          <a:blip r:embed="rId5">
+          <a:blip r:embed="rId5" cstate="print">
             <a:extLst>
               <a:ext uri="{28A0092B-C50C-407E-A947-70E740481C1C}">
-                <a14:useLocalDpi xmlns:a14="http://schemas.microsoft.com/office/drawing/2010/main" val="0"/>
+                <a14:useLocalDpi xmlns:a14="http://schemas.microsoft.com/office/drawing/2010/main" xmlns="" val="0"/>
               </a:ext>
             </a:extLst>
           </a:blip>
@@ -9404,7 +9404,7 @@
     </p:spTree>
     <p:extLst>
       <p:ext uri="{BB962C8B-B14F-4D97-AF65-F5344CB8AC3E}">
-        <p14:creationId xmlns:p14="http://schemas.microsoft.com/office/powerpoint/2010/main" val="818240200"/>
+        <p14:creationId xmlns:p14="http://schemas.microsoft.com/office/powerpoint/2010/main" xmlns="" val="818240200"/>
       </p:ext>
     </p:extLst>
   </p:cSld>
@@ -9743,20 +9743,20 @@
     </p:spTree>
     <p:extLst>
       <p:ext uri="{BB962C8B-B14F-4D97-AF65-F5344CB8AC3E}">
-        <p14:creationId xmlns:p14="http://schemas.microsoft.com/office/powerpoint/2010/main" val="1384825049"/>
+        <p14:creationId xmlns:p14="http://schemas.microsoft.com/office/powerpoint/2010/main" xmlns="" val="1384825049"/>
       </p:ext>
     </p:extLst>
   </p:cSld>
   <p:clrMapOvr>
     <a:masterClrMapping/>
   </p:clrMapOvr>
-  <mc:AlternateContent xmlns:mc="http://schemas.openxmlformats.org/markup-compatibility/2006" xmlns:p14="http://schemas.microsoft.com/office/powerpoint/2010/main">
-    <mc:Choice Requires="p14">
+  <mc:AlternateContent xmlns:mc="http://schemas.openxmlformats.org/markup-compatibility/2006">
+    <mc:Choice xmlns:p14="http://schemas.microsoft.com/office/powerpoint/2010/main" xmlns="" Requires="p14">
       <p:transition spd="med" p14:dur="700">
         <p:fade/>
       </p:transition>
     </mc:Choice>
-    <mc:Fallback xmlns="">
+    <mc:Fallback>
       <p:transition spd="med">
         <p:fade/>
       </p:transition>
@@ -9787,7 +9787,7 @@
           <p:cNvPr id="2" name="TextBox 1">
             <a:extLst>
               <a:ext uri="{FF2B5EF4-FFF2-40B4-BE49-F238E27FC236}">
-                <a16:creationId xmlns:a16="http://schemas.microsoft.com/office/drawing/2014/main" id="{986EEA5D-17E4-483C-9EAE-B5E04FE56D96}"/>
+                <a16:creationId xmlns:a16="http://schemas.microsoft.com/office/drawing/2014/main" xmlns="" id="{986EEA5D-17E4-483C-9EAE-B5E04FE56D96}"/>
               </a:ext>
             </a:extLst>
           </p:cNvPr>
@@ -9835,7 +9835,7 @@
           <p:cNvPr id="3" name="TextBox 2">
             <a:extLst>
               <a:ext uri="{FF2B5EF4-FFF2-40B4-BE49-F238E27FC236}">
-                <a16:creationId xmlns:a16="http://schemas.microsoft.com/office/drawing/2014/main" id="{5EB161B7-DEAE-478C-B542-79B1A7DCF2E9}"/>
+                <a16:creationId xmlns:a16="http://schemas.microsoft.com/office/drawing/2014/main" xmlns="" id="{5EB161B7-DEAE-478C-B542-79B1A7DCF2E9}"/>
               </a:ext>
             </a:extLst>
           </p:cNvPr>
@@ -9883,7 +9883,7 @@
           <p:cNvPr id="7" name="TextBox 6">
             <a:extLst>
               <a:ext uri="{FF2B5EF4-FFF2-40B4-BE49-F238E27FC236}">
-                <a16:creationId xmlns:a16="http://schemas.microsoft.com/office/drawing/2014/main" id="{05375609-AAFC-425D-AD9C-F78F2A31D89D}"/>
+                <a16:creationId xmlns:a16="http://schemas.microsoft.com/office/drawing/2014/main" xmlns="" id="{05375609-AAFC-425D-AD9C-F78F2A31D89D}"/>
               </a:ext>
             </a:extLst>
           </p:cNvPr>
@@ -9932,7 +9932,7 @@
           <p:cNvPr id="1028" name="Picture 4" descr="카카오톡 프로필 사람 그림자에 대한 이미지 검색결과">
             <a:extLst>
               <a:ext uri="{FF2B5EF4-FFF2-40B4-BE49-F238E27FC236}">
-                <a16:creationId xmlns:a16="http://schemas.microsoft.com/office/drawing/2014/main" id="{32C2D10B-5C1A-45A1-8D98-0E82C356F169}"/>
+                <a16:creationId xmlns:a16="http://schemas.microsoft.com/office/drawing/2014/main" xmlns="" id="{32C2D10B-5C1A-45A1-8D98-0E82C356F169}"/>
               </a:ext>
             </a:extLst>
           </p:cNvPr>
@@ -9945,7 +9945,7 @@
           <a:blip r:embed="rId2" cstate="print">
             <a:extLst>
               <a:ext uri="{28A0092B-C50C-407E-A947-70E740481C1C}">
-                <a14:useLocalDpi xmlns:a14="http://schemas.microsoft.com/office/drawing/2010/main" val="0"/>
+                <a14:useLocalDpi xmlns:a14="http://schemas.microsoft.com/office/drawing/2010/main" xmlns="" val="0"/>
               </a:ext>
             </a:extLst>
           </a:blip>
@@ -9970,7 +9970,7 @@
           </a:ln>
           <a:extLst>
             <a:ext uri="{909E8E84-426E-40DD-AFC4-6F175D3DCCD1}">
-              <a14:hiddenFill xmlns:a14="http://schemas.microsoft.com/office/drawing/2010/main">
+              <a14:hiddenFill xmlns:a14="http://schemas.microsoft.com/office/drawing/2010/main" xmlns="">
                 <a:solidFill>
                   <a:srgbClr val="FFFFFF"/>
                 </a:solidFill>
@@ -9984,7 +9984,7 @@
           <p:cNvPr id="8" name="Picture 4" descr="카카오톡 프로필 사람 그림자에 대한 이미지 검색결과">
             <a:extLst>
               <a:ext uri="{FF2B5EF4-FFF2-40B4-BE49-F238E27FC236}">
-                <a16:creationId xmlns:a16="http://schemas.microsoft.com/office/drawing/2014/main" id="{05BF5995-AD3E-4047-B484-3260573DB00F}"/>
+                <a16:creationId xmlns:a16="http://schemas.microsoft.com/office/drawing/2014/main" xmlns="" id="{05BF5995-AD3E-4047-B484-3260573DB00F}"/>
               </a:ext>
             </a:extLst>
           </p:cNvPr>
@@ -9997,7 +9997,7 @@
           <a:blip r:embed="rId2" cstate="print">
             <a:extLst>
               <a:ext uri="{28A0092B-C50C-407E-A947-70E740481C1C}">
-                <a14:useLocalDpi xmlns:a14="http://schemas.microsoft.com/office/drawing/2010/main" val="0"/>
+                <a14:useLocalDpi xmlns:a14="http://schemas.microsoft.com/office/drawing/2010/main" xmlns="" val="0"/>
               </a:ext>
             </a:extLst>
           </a:blip>
@@ -10022,7 +10022,7 @@
           </a:ln>
           <a:extLst>
             <a:ext uri="{909E8E84-426E-40DD-AFC4-6F175D3DCCD1}">
-              <a14:hiddenFill xmlns:a14="http://schemas.microsoft.com/office/drawing/2010/main">
+              <a14:hiddenFill xmlns:a14="http://schemas.microsoft.com/office/drawing/2010/main" xmlns="">
                 <a:solidFill>
                   <a:srgbClr val="FFFFFF"/>
                 </a:solidFill>
@@ -10036,7 +10036,7 @@
           <p:cNvPr id="9" name="TextBox 8">
             <a:extLst>
               <a:ext uri="{FF2B5EF4-FFF2-40B4-BE49-F238E27FC236}">
-                <a16:creationId xmlns:a16="http://schemas.microsoft.com/office/drawing/2014/main" id="{C19F4A92-8F56-4578-9636-00533E0D25E9}"/>
+                <a16:creationId xmlns:a16="http://schemas.microsoft.com/office/drawing/2014/main" xmlns="" id="{C19F4A92-8F56-4578-9636-00533E0D25E9}"/>
               </a:ext>
             </a:extLst>
           </p:cNvPr>
@@ -10085,7 +10085,7 @@
           <p:cNvPr id="10" name="Picture 4" descr="카카오톡 프로필 사람 그림자에 대한 이미지 검색결과">
             <a:extLst>
               <a:ext uri="{FF2B5EF4-FFF2-40B4-BE49-F238E27FC236}">
-                <a16:creationId xmlns:a16="http://schemas.microsoft.com/office/drawing/2014/main" id="{BCCC112F-7052-4A7C-B4AA-57969C7D953F}"/>
+                <a16:creationId xmlns:a16="http://schemas.microsoft.com/office/drawing/2014/main" xmlns="" id="{BCCC112F-7052-4A7C-B4AA-57969C7D953F}"/>
               </a:ext>
             </a:extLst>
           </p:cNvPr>
@@ -10098,7 +10098,7 @@
           <a:blip r:embed="rId2" cstate="print">
             <a:extLst>
               <a:ext uri="{28A0092B-C50C-407E-A947-70E740481C1C}">
-                <a14:useLocalDpi xmlns:a14="http://schemas.microsoft.com/office/drawing/2010/main" val="0"/>
+                <a14:useLocalDpi xmlns:a14="http://schemas.microsoft.com/office/drawing/2010/main" xmlns="" val="0"/>
               </a:ext>
             </a:extLst>
           </a:blip>
@@ -10123,7 +10123,7 @@
           </a:ln>
           <a:extLst>
             <a:ext uri="{909E8E84-426E-40DD-AFC4-6F175D3DCCD1}">
-              <a14:hiddenFill xmlns:a14="http://schemas.microsoft.com/office/drawing/2010/main">
+              <a14:hiddenFill xmlns:a14="http://schemas.microsoft.com/office/drawing/2010/main" xmlns="">
                 <a:solidFill>
                   <a:srgbClr val="FFFFFF"/>
                 </a:solidFill>
@@ -10137,7 +10137,7 @@
           <p:cNvPr id="11" name="TextBox 10">
             <a:extLst>
               <a:ext uri="{FF2B5EF4-FFF2-40B4-BE49-F238E27FC236}">
-                <a16:creationId xmlns:a16="http://schemas.microsoft.com/office/drawing/2014/main" id="{87406268-D7B7-4764-94E8-9F2048422E74}"/>
+                <a16:creationId xmlns:a16="http://schemas.microsoft.com/office/drawing/2014/main" xmlns="" id="{87406268-D7B7-4764-94E8-9F2048422E74}"/>
               </a:ext>
             </a:extLst>
           </p:cNvPr>
@@ -10186,7 +10186,7 @@
           <p:cNvPr id="13" name="TextBox 12">
             <a:extLst>
               <a:ext uri="{FF2B5EF4-FFF2-40B4-BE49-F238E27FC236}">
-                <a16:creationId xmlns:a16="http://schemas.microsoft.com/office/drawing/2014/main" id="{FEA023B2-6483-4057-B661-B335796A3C8B}"/>
+                <a16:creationId xmlns:a16="http://schemas.microsoft.com/office/drawing/2014/main" xmlns="" id="{FEA023B2-6483-4057-B661-B335796A3C8B}"/>
               </a:ext>
             </a:extLst>
           </p:cNvPr>
@@ -10235,7 +10235,7 @@
           <p:cNvPr id="12" name="TextBox 11">
             <a:extLst>
               <a:ext uri="{FF2B5EF4-FFF2-40B4-BE49-F238E27FC236}">
-                <a16:creationId xmlns:a16="http://schemas.microsoft.com/office/drawing/2014/main" id="{D331981B-F839-4516-BAA4-D9A455C2172E}"/>
+                <a16:creationId xmlns:a16="http://schemas.microsoft.com/office/drawing/2014/main" xmlns="" id="{D331981B-F839-4516-BAA4-D9A455C2172E}"/>
               </a:ext>
             </a:extLst>
           </p:cNvPr>
@@ -10285,7 +10285,7 @@
           <p:cNvPr id="5" name="그림 4">
             <a:extLst>
               <a:ext uri="{FF2B5EF4-FFF2-40B4-BE49-F238E27FC236}">
-                <a16:creationId xmlns:a16="http://schemas.microsoft.com/office/drawing/2014/main" id="{750E1ABF-79C3-45AD-AB8F-810B1058A6D9}"/>
+                <a16:creationId xmlns:a16="http://schemas.microsoft.com/office/drawing/2014/main" xmlns="" id="{750E1ABF-79C3-45AD-AB8F-810B1058A6D9}"/>
               </a:ext>
             </a:extLst>
           </p:cNvPr>
@@ -10295,10 +10295,10 @@
           <p:nvPr/>
         </p:nvPicPr>
         <p:blipFill rotWithShape="1">
-          <a:blip r:embed="rId3">
+          <a:blip r:embed="rId3" cstate="print">
             <a:extLst>
               <a:ext uri="{28A0092B-C50C-407E-A947-70E740481C1C}">
-                <a14:useLocalDpi xmlns:a14="http://schemas.microsoft.com/office/drawing/2010/main" val="0"/>
+                <a14:useLocalDpi xmlns:a14="http://schemas.microsoft.com/office/drawing/2010/main" xmlns="" val="0"/>
               </a:ext>
             </a:extLst>
           </a:blip>
@@ -10323,7 +10323,7 @@
     </p:spTree>
     <p:extLst>
       <p:ext uri="{BB962C8B-B14F-4D97-AF65-F5344CB8AC3E}">
-        <p14:creationId xmlns:p14="http://schemas.microsoft.com/office/powerpoint/2010/main" val="2206177647"/>
+        <p14:creationId xmlns:p14="http://schemas.microsoft.com/office/powerpoint/2010/main" xmlns="" val="2206177647"/>
       </p:ext>
     </p:extLst>
   </p:cSld>
@@ -10403,20 +10403,20 @@
     </p:spTree>
     <p:extLst>
       <p:ext uri="{BB962C8B-B14F-4D97-AF65-F5344CB8AC3E}">
-        <p14:creationId xmlns:p14="http://schemas.microsoft.com/office/powerpoint/2010/main" val="3611497233"/>
+        <p14:creationId xmlns:p14="http://schemas.microsoft.com/office/powerpoint/2010/main" xmlns="" val="3611497233"/>
       </p:ext>
     </p:extLst>
   </p:cSld>
   <p:clrMapOvr>
     <a:masterClrMapping/>
   </p:clrMapOvr>
-  <mc:AlternateContent xmlns:mc="http://schemas.openxmlformats.org/markup-compatibility/2006" xmlns:p14="http://schemas.microsoft.com/office/powerpoint/2010/main">
-    <mc:Choice Requires="p14">
+  <mc:AlternateContent xmlns:mc="http://schemas.openxmlformats.org/markup-compatibility/2006">
+    <mc:Choice xmlns:p14="http://schemas.microsoft.com/office/powerpoint/2010/main" xmlns="" Requires="p14">
       <p:transition spd="med" p14:dur="700">
         <p:fade/>
       </p:transition>
     </mc:Choice>
-    <mc:Fallback xmlns="">
+    <mc:Fallback>
       <p:transition spd="med">
         <p:fade/>
       </p:transition>
@@ -10489,7 +10489,7 @@
           <p:cNvPr id="27" name="TextBox 26">
             <a:extLst>
               <a:ext uri="{FF2B5EF4-FFF2-40B4-BE49-F238E27FC236}">
-                <a16:creationId xmlns:a16="http://schemas.microsoft.com/office/drawing/2014/main" id="{71D3CDA6-CB11-4728-B722-05E8992D2245}"/>
+                <a16:creationId xmlns:a16="http://schemas.microsoft.com/office/drawing/2014/main" xmlns="" id="{71D3CDA6-CB11-4728-B722-05E8992D2245}"/>
               </a:ext>
             </a:extLst>
           </p:cNvPr>
@@ -10548,7 +10548,7 @@
           <p:cNvPr id="29" name="표 28">
             <a:extLst>
               <a:ext uri="{FF2B5EF4-FFF2-40B4-BE49-F238E27FC236}">
-                <a16:creationId xmlns:a16="http://schemas.microsoft.com/office/drawing/2014/main" id="{8C60907E-11DE-4B90-82FA-077C68792A64}"/>
+                <a16:creationId xmlns:a16="http://schemas.microsoft.com/office/drawing/2014/main" xmlns="" id="{8C60907E-11DE-4B90-82FA-077C68792A64}"/>
               </a:ext>
             </a:extLst>
           </p:cNvPr>
@@ -10558,7 +10558,7 @@
           <p:nvPr>
             <p:extLst>
               <p:ext uri="{D42A27DB-BD31-4B8C-83A1-F6EECF244321}">
-                <p14:modId xmlns:p14="http://schemas.microsoft.com/office/powerpoint/2010/main" val="1885077768"/>
+                <p14:modId xmlns:p14="http://schemas.microsoft.com/office/powerpoint/2010/main" xmlns="" val="1885077768"/>
               </p:ext>
             </p:extLst>
           </p:nvPr>
@@ -10577,14 +10577,14 @@
                 <a:gridCol w="921008">
                   <a:extLst>
                     <a:ext uri="{9D8B030D-6E8A-4147-A177-3AD203B41FA5}">
-                      <a16:colId xmlns:a16="http://schemas.microsoft.com/office/drawing/2014/main" val="20000"/>
+                      <a16:colId xmlns:a16="http://schemas.microsoft.com/office/drawing/2014/main" xmlns="" val="20000"/>
                     </a:ext>
                   </a:extLst>
                 </a:gridCol>
                 <a:gridCol w="2171045">
                   <a:extLst>
                     <a:ext uri="{9D8B030D-6E8A-4147-A177-3AD203B41FA5}">
-                      <a16:colId xmlns:a16="http://schemas.microsoft.com/office/drawing/2014/main" val="20001"/>
+                      <a16:colId xmlns:a16="http://schemas.microsoft.com/office/drawing/2014/main" xmlns="" val="20001"/>
                     </a:ext>
                   </a:extLst>
                 </a:gridCol>
@@ -10791,7 +10791,7 @@
                 </a:tc>
                 <a:extLst>
                   <a:ext uri="{0D108BD9-81ED-4DB2-BD59-A6C34878D82A}">
-                    <a16:rowId xmlns:a16="http://schemas.microsoft.com/office/drawing/2014/main" val="10000"/>
+                    <a16:rowId xmlns:a16="http://schemas.microsoft.com/office/drawing/2014/main" xmlns="" val="10000"/>
                   </a:ext>
                 </a:extLst>
               </a:tr>
@@ -10940,7 +10940,7 @@
                 </a:tc>
                 <a:extLst>
                   <a:ext uri="{0D108BD9-81ED-4DB2-BD59-A6C34878D82A}">
-                    <a16:rowId xmlns:a16="http://schemas.microsoft.com/office/drawing/2014/main" val="10001"/>
+                    <a16:rowId xmlns:a16="http://schemas.microsoft.com/office/drawing/2014/main" xmlns="" val="10001"/>
                   </a:ext>
                 </a:extLst>
               </a:tr>
@@ -11097,7 +11097,7 @@
                 </a:tc>
                 <a:extLst>
                   <a:ext uri="{0D108BD9-81ED-4DB2-BD59-A6C34878D82A}">
-                    <a16:rowId xmlns:a16="http://schemas.microsoft.com/office/drawing/2014/main" val="10002"/>
+                    <a16:rowId xmlns:a16="http://schemas.microsoft.com/office/drawing/2014/main" xmlns="" val="10002"/>
                   </a:ext>
                 </a:extLst>
               </a:tr>
@@ -11211,7 +11211,56 @@
                           <a:latin typeface="한컴 윤체 L" panose="02020603020101020101" pitchFamily="18" charset="-127"/>
                           <a:ea typeface="한컴 윤체 L" panose="02020603020101020101" pitchFamily="18" charset="-127"/>
                         </a:rPr>
-                        <a:t>Java (JDK1.8)</a:t>
+                        <a:t>Java (JDK1.8</a:t>
+                      </a:r>
+                      <a:r>
+                        <a:rPr lang="en-US" altLang="ko-KR" sz="1050" b="0" dirty="0" smtClean="0">
+                          <a:latin typeface="한컴 윤체 L" panose="02020603020101020101" pitchFamily="18" charset="-127"/>
+                          <a:ea typeface="한컴 윤체 L" panose="02020603020101020101" pitchFamily="18" charset="-127"/>
+                        </a:rPr>
+                        <a:t>),</a:t>
+                      </a:r>
+                      <a:r>
+                        <a:rPr lang="en-US" altLang="ko-KR" sz="1050" b="0" baseline="0" dirty="0" smtClean="0">
+                          <a:latin typeface="한컴 윤체 L" panose="02020603020101020101" pitchFamily="18" charset="-127"/>
+                          <a:ea typeface="한컴 윤체 L" panose="02020603020101020101" pitchFamily="18" charset="-127"/>
+                        </a:rPr>
+                        <a:t> Oracle SQL, JSP, </a:t>
+                      </a:r>
+                      <a:r>
+                        <a:rPr lang="en-US" altLang="ko-KR" sz="1050" b="0" baseline="0" dirty="0" err="1" smtClean="0">
+                          <a:latin typeface="한컴 윤체 L" panose="02020603020101020101" pitchFamily="18" charset="-127"/>
+                          <a:ea typeface="한컴 윤체 L" panose="02020603020101020101" pitchFamily="18" charset="-127"/>
+                        </a:rPr>
+                        <a:t>MyBatis</a:t>
+                      </a:r>
+                      <a:r>
+                        <a:rPr lang="en-US" altLang="ko-KR" sz="1050" b="0" baseline="0" dirty="0" smtClean="0">
+                          <a:latin typeface="한컴 윤체 L" panose="02020603020101020101" pitchFamily="18" charset="-127"/>
+                          <a:ea typeface="한컴 윤체 L" panose="02020603020101020101" pitchFamily="18" charset="-127"/>
+                        </a:rPr>
+                        <a:t>, Spring </a:t>
+                      </a:r>
+                      <a:r>
+                        <a:rPr lang="ko-KR" altLang="en-US" sz="1050" b="0" baseline="0" dirty="0" smtClean="0">
+                          <a:latin typeface="한컴 윤체 L" panose="02020603020101020101" pitchFamily="18" charset="-127"/>
+                          <a:ea typeface="한컴 윤체 L" panose="02020603020101020101" pitchFamily="18" charset="-127"/>
+                        </a:rPr>
+                        <a:t>프레임워크</a:t>
+                      </a:r>
+                      <a:r>
+                        <a:rPr lang="en-US" altLang="ko-KR" sz="1050" b="0" baseline="0" dirty="0" smtClean="0">
+                          <a:latin typeface="한컴 윤체 L" panose="02020603020101020101" pitchFamily="18" charset="-127"/>
+                          <a:ea typeface="한컴 윤체 L" panose="02020603020101020101" pitchFamily="18" charset="-127"/>
+                        </a:rPr>
+                        <a:t>, HTML, CSS</a:t>
+                      </a:r>
+                      <a:r>
+                        <a:rPr lang="en-US" altLang="ko-KR" sz="1050" b="0" baseline="0" smtClean="0">
+                          <a:latin typeface="한컴 윤체 L" panose="02020603020101020101" pitchFamily="18" charset="-127"/>
+                          <a:ea typeface="한컴 윤체 L" panose="02020603020101020101" pitchFamily="18" charset="-127"/>
+                        </a:rPr>
+                        <a:t>, JavaScript</a:t>
                       </a:r>
                       <a:endParaRPr lang="ko-KR" altLang="en-US" sz="1050" b="0" dirty="0">
                         <a:latin typeface="한컴 윤체 L" panose="02020603020101020101" pitchFamily="18" charset="-127"/>
@@ -11277,7 +11326,7 @@
                 </a:tc>
                 <a:extLst>
                   <a:ext uri="{0D108BD9-81ED-4DB2-BD59-A6C34878D82A}">
-                    <a16:rowId xmlns:a16="http://schemas.microsoft.com/office/drawing/2014/main" val="10003"/>
+                    <a16:rowId xmlns:a16="http://schemas.microsoft.com/office/drawing/2014/main" xmlns="" val="10003"/>
                   </a:ext>
                 </a:extLst>
               </a:tr>
@@ -11444,7 +11493,7 @@
                 </a:tc>
                 <a:extLst>
                   <a:ext uri="{0D108BD9-81ED-4DB2-BD59-A6C34878D82A}">
-                    <a16:rowId xmlns:a16="http://schemas.microsoft.com/office/drawing/2014/main" val="10004"/>
+                    <a16:rowId xmlns:a16="http://schemas.microsoft.com/office/drawing/2014/main" xmlns="" val="10004"/>
                   </a:ext>
                 </a:extLst>
               </a:tr>
@@ -11457,7 +11506,7 @@
           <p:cNvPr id="22" name="Table 3">
             <a:extLst>
               <a:ext uri="{FF2B5EF4-FFF2-40B4-BE49-F238E27FC236}">
-                <a16:creationId xmlns:a16="http://schemas.microsoft.com/office/drawing/2014/main" id="{846F0550-7FB4-4EEA-BEE7-FF712C338127}"/>
+                <a16:creationId xmlns:a16="http://schemas.microsoft.com/office/drawing/2014/main" xmlns="" id="{846F0550-7FB4-4EEA-BEE7-FF712C338127}"/>
               </a:ext>
             </a:extLst>
           </p:cNvPr>
@@ -11467,7 +11516,7 @@
           <p:nvPr>
             <p:extLst>
               <p:ext uri="{D42A27DB-BD31-4B8C-83A1-F6EECF244321}">
-                <p14:modId xmlns:p14="http://schemas.microsoft.com/office/powerpoint/2010/main" val="1637140561"/>
+                <p14:modId xmlns:p14="http://schemas.microsoft.com/office/powerpoint/2010/main" xmlns="" val="1637140561"/>
               </p:ext>
             </p:extLst>
           </p:nvPr>
@@ -11493,84 +11542,84 @@
                 <a:gridCol w="740886">
                   <a:extLst>
                     <a:ext uri="{9D8B030D-6E8A-4147-A177-3AD203B41FA5}">
-                      <a16:colId xmlns:a16="http://schemas.microsoft.com/office/drawing/2014/main" val="20000"/>
+                      <a16:colId xmlns:a16="http://schemas.microsoft.com/office/drawing/2014/main" xmlns="" val="20000"/>
                     </a:ext>
                   </a:extLst>
                 </a:gridCol>
                 <a:gridCol w="414840">
                   <a:extLst>
                     <a:ext uri="{9D8B030D-6E8A-4147-A177-3AD203B41FA5}">
-                      <a16:colId xmlns:a16="http://schemas.microsoft.com/office/drawing/2014/main" val="20001"/>
+                      <a16:colId xmlns:a16="http://schemas.microsoft.com/office/drawing/2014/main" xmlns="" val="20001"/>
                     </a:ext>
                   </a:extLst>
                 </a:gridCol>
                 <a:gridCol w="402885">
                   <a:extLst>
                     <a:ext uri="{9D8B030D-6E8A-4147-A177-3AD203B41FA5}">
-                      <a16:colId xmlns:a16="http://schemas.microsoft.com/office/drawing/2014/main" val="20002"/>
+                      <a16:colId xmlns:a16="http://schemas.microsoft.com/office/drawing/2014/main" xmlns="" val="20002"/>
                     </a:ext>
                   </a:extLst>
                 </a:gridCol>
                 <a:gridCol w="402885">
                   <a:extLst>
                     <a:ext uri="{9D8B030D-6E8A-4147-A177-3AD203B41FA5}">
-                      <a16:colId xmlns:a16="http://schemas.microsoft.com/office/drawing/2014/main" val="20003"/>
+                      <a16:colId xmlns:a16="http://schemas.microsoft.com/office/drawing/2014/main" xmlns="" val="20003"/>
                     </a:ext>
                   </a:extLst>
                 </a:gridCol>
                 <a:gridCol w="402885">
                   <a:extLst>
                     <a:ext uri="{9D8B030D-6E8A-4147-A177-3AD203B41FA5}">
-                      <a16:colId xmlns:a16="http://schemas.microsoft.com/office/drawing/2014/main" val="20004"/>
+                      <a16:colId xmlns:a16="http://schemas.microsoft.com/office/drawing/2014/main" xmlns="" val="20004"/>
                     </a:ext>
                   </a:extLst>
                 </a:gridCol>
                 <a:gridCol w="402885">
                   <a:extLst>
                     <a:ext uri="{9D8B030D-6E8A-4147-A177-3AD203B41FA5}">
-                      <a16:colId xmlns:a16="http://schemas.microsoft.com/office/drawing/2014/main" val="20005"/>
+                      <a16:colId xmlns:a16="http://schemas.microsoft.com/office/drawing/2014/main" xmlns="" val="20005"/>
                     </a:ext>
                   </a:extLst>
                 </a:gridCol>
                 <a:gridCol w="402885">
                   <a:extLst>
                     <a:ext uri="{9D8B030D-6E8A-4147-A177-3AD203B41FA5}">
-                      <a16:colId xmlns:a16="http://schemas.microsoft.com/office/drawing/2014/main" val="20006"/>
+                      <a16:colId xmlns:a16="http://schemas.microsoft.com/office/drawing/2014/main" xmlns="" val="20006"/>
                     </a:ext>
                   </a:extLst>
                 </a:gridCol>
                 <a:gridCol w="402885">
                   <a:extLst>
                     <a:ext uri="{9D8B030D-6E8A-4147-A177-3AD203B41FA5}">
-                      <a16:colId xmlns:a16="http://schemas.microsoft.com/office/drawing/2014/main" val="20007"/>
+                      <a16:colId xmlns:a16="http://schemas.microsoft.com/office/drawing/2014/main" xmlns="" val="20007"/>
                     </a:ext>
                   </a:extLst>
                 </a:gridCol>
                 <a:gridCol w="402885">
                   <a:extLst>
                     <a:ext uri="{9D8B030D-6E8A-4147-A177-3AD203B41FA5}">
-                      <a16:colId xmlns:a16="http://schemas.microsoft.com/office/drawing/2014/main" val="20008"/>
+                      <a16:colId xmlns:a16="http://schemas.microsoft.com/office/drawing/2014/main" xmlns="" val="20008"/>
                     </a:ext>
                   </a:extLst>
                 </a:gridCol>
                 <a:gridCol w="402885">
                   <a:extLst>
                     <a:ext uri="{9D8B030D-6E8A-4147-A177-3AD203B41FA5}">
-                      <a16:colId xmlns:a16="http://schemas.microsoft.com/office/drawing/2014/main" val="20009"/>
+                      <a16:colId xmlns:a16="http://schemas.microsoft.com/office/drawing/2014/main" xmlns="" val="20009"/>
                     </a:ext>
                   </a:extLst>
                 </a:gridCol>
                 <a:gridCol w="402885">
                   <a:extLst>
                     <a:ext uri="{9D8B030D-6E8A-4147-A177-3AD203B41FA5}">
-                      <a16:colId xmlns:a16="http://schemas.microsoft.com/office/drawing/2014/main" val="20010"/>
+                      <a16:colId xmlns:a16="http://schemas.microsoft.com/office/drawing/2014/main" xmlns="" val="20010"/>
                     </a:ext>
                   </a:extLst>
                 </a:gridCol>
                 <a:gridCol w="402885">
                   <a:extLst>
                     <a:ext uri="{9D8B030D-6E8A-4147-A177-3AD203B41FA5}">
-                      <a16:colId xmlns:a16="http://schemas.microsoft.com/office/drawing/2014/main" val="20011"/>
+                      <a16:colId xmlns:a16="http://schemas.microsoft.com/office/drawing/2014/main" xmlns="" val="20011"/>
                     </a:ext>
                   </a:extLst>
                 </a:gridCol>
@@ -12215,7 +12264,7 @@
                 </a:tc>
                 <a:extLst>
                   <a:ext uri="{0D108BD9-81ED-4DB2-BD59-A6C34878D82A}">
-                    <a16:rowId xmlns:a16="http://schemas.microsoft.com/office/drawing/2014/main" val="10000"/>
+                    <a16:rowId xmlns:a16="http://schemas.microsoft.com/office/drawing/2014/main" xmlns="" val="10000"/>
                   </a:ext>
                 </a:extLst>
               </a:tr>
@@ -12979,7 +13028,7 @@
                 </a:tc>
                 <a:extLst>
                   <a:ext uri="{0D108BD9-81ED-4DB2-BD59-A6C34878D82A}">
-                    <a16:rowId xmlns:a16="http://schemas.microsoft.com/office/drawing/2014/main" val="10001"/>
+                    <a16:rowId xmlns:a16="http://schemas.microsoft.com/office/drawing/2014/main" xmlns="" val="10001"/>
                   </a:ext>
                 </a:extLst>
               </a:tr>
@@ -13717,7 +13766,7 @@
                 </a:tc>
                 <a:extLst>
                   <a:ext uri="{0D108BD9-81ED-4DB2-BD59-A6C34878D82A}">
-                    <a16:rowId xmlns:a16="http://schemas.microsoft.com/office/drawing/2014/main" val="10002"/>
+                    <a16:rowId xmlns:a16="http://schemas.microsoft.com/office/drawing/2014/main" xmlns="" val="10002"/>
                   </a:ext>
                 </a:extLst>
               </a:tr>
@@ -14497,7 +14546,7 @@
                 </a:tc>
                 <a:extLst>
                   <a:ext uri="{0D108BD9-81ED-4DB2-BD59-A6C34878D82A}">
-                    <a16:rowId xmlns:a16="http://schemas.microsoft.com/office/drawing/2014/main" val="10003"/>
+                    <a16:rowId xmlns:a16="http://schemas.microsoft.com/office/drawing/2014/main" xmlns="" val="10003"/>
                   </a:ext>
                 </a:extLst>
               </a:tr>
@@ -15244,7 +15293,7 @@
                 </a:tc>
                 <a:extLst>
                   <a:ext uri="{0D108BD9-81ED-4DB2-BD59-A6C34878D82A}">
-                    <a16:rowId xmlns:a16="http://schemas.microsoft.com/office/drawing/2014/main" val="10004"/>
+                    <a16:rowId xmlns:a16="http://schemas.microsoft.com/office/drawing/2014/main" xmlns="" val="10004"/>
                   </a:ext>
                 </a:extLst>
               </a:tr>
@@ -16040,7 +16089,7 @@
                 </a:tc>
                 <a:extLst>
                   <a:ext uri="{0D108BD9-81ED-4DB2-BD59-A6C34878D82A}">
-                    <a16:rowId xmlns:a16="http://schemas.microsoft.com/office/drawing/2014/main" val="10005"/>
+                    <a16:rowId xmlns:a16="http://schemas.microsoft.com/office/drawing/2014/main" xmlns="" val="10005"/>
                   </a:ext>
                 </a:extLst>
               </a:tr>
@@ -16787,7 +16836,7 @@
                 </a:tc>
                 <a:extLst>
                   <a:ext uri="{0D108BD9-81ED-4DB2-BD59-A6C34878D82A}">
-                    <a16:rowId xmlns:a16="http://schemas.microsoft.com/office/drawing/2014/main" val="10006"/>
+                    <a16:rowId xmlns:a16="http://schemas.microsoft.com/office/drawing/2014/main" xmlns="" val="10006"/>
                   </a:ext>
                 </a:extLst>
               </a:tr>
@@ -17567,7 +17616,7 @@
                 </a:tc>
                 <a:extLst>
                   <a:ext uri="{0D108BD9-81ED-4DB2-BD59-A6C34878D82A}">
-                    <a16:rowId xmlns:a16="http://schemas.microsoft.com/office/drawing/2014/main" val="10007"/>
+                    <a16:rowId xmlns:a16="http://schemas.microsoft.com/office/drawing/2014/main" xmlns="" val="10007"/>
                   </a:ext>
                 </a:extLst>
               </a:tr>
@@ -17580,7 +17629,7 @@
           <p:cNvPr id="24" name="Rectangle 45">
             <a:extLst>
               <a:ext uri="{FF2B5EF4-FFF2-40B4-BE49-F238E27FC236}">
-                <a16:creationId xmlns:a16="http://schemas.microsoft.com/office/drawing/2014/main" id="{22D5BE16-CBBC-4E85-B6E6-654B23418E6B}"/>
+                <a16:creationId xmlns:a16="http://schemas.microsoft.com/office/drawing/2014/main" xmlns="" id="{22D5BE16-CBBC-4E85-B6E6-654B23418E6B}"/>
               </a:ext>
             </a:extLst>
           </p:cNvPr>
@@ -17638,7 +17687,7 @@
           <p:cNvPr id="25" name="Rectangle 45">
             <a:extLst>
               <a:ext uri="{FF2B5EF4-FFF2-40B4-BE49-F238E27FC236}">
-                <a16:creationId xmlns:a16="http://schemas.microsoft.com/office/drawing/2014/main" id="{6FE8C2B0-0E3A-4F91-8215-F755BD6BB415}"/>
+                <a16:creationId xmlns:a16="http://schemas.microsoft.com/office/drawing/2014/main" xmlns="" id="{6FE8C2B0-0E3A-4F91-8215-F755BD6BB415}"/>
               </a:ext>
             </a:extLst>
           </p:cNvPr>
@@ -17696,7 +17745,7 @@
           <p:cNvPr id="26" name="Rectangle 45">
             <a:extLst>
               <a:ext uri="{FF2B5EF4-FFF2-40B4-BE49-F238E27FC236}">
-                <a16:creationId xmlns:a16="http://schemas.microsoft.com/office/drawing/2014/main" id="{3C069615-7F2A-45E5-9F09-0B2B2DC7902C}"/>
+                <a16:creationId xmlns:a16="http://schemas.microsoft.com/office/drawing/2014/main" xmlns="" id="{3C069615-7F2A-45E5-9F09-0B2B2DC7902C}"/>
               </a:ext>
             </a:extLst>
           </p:cNvPr>
@@ -17754,7 +17803,7 @@
           <p:cNvPr id="28" name="Rectangle 45">
             <a:extLst>
               <a:ext uri="{FF2B5EF4-FFF2-40B4-BE49-F238E27FC236}">
-                <a16:creationId xmlns:a16="http://schemas.microsoft.com/office/drawing/2014/main" id="{83B60910-03C5-4F0C-99F3-156301D8BDB5}"/>
+                <a16:creationId xmlns:a16="http://schemas.microsoft.com/office/drawing/2014/main" xmlns="" id="{83B60910-03C5-4F0C-99F3-156301D8BDB5}"/>
               </a:ext>
             </a:extLst>
           </p:cNvPr>
@@ -17812,7 +17861,7 @@
           <p:cNvPr id="34" name="Rectangle 45">
             <a:extLst>
               <a:ext uri="{FF2B5EF4-FFF2-40B4-BE49-F238E27FC236}">
-                <a16:creationId xmlns:a16="http://schemas.microsoft.com/office/drawing/2014/main" id="{F9736FC2-E69D-4E72-9940-FD07D735B195}"/>
+                <a16:creationId xmlns:a16="http://schemas.microsoft.com/office/drawing/2014/main" xmlns="" id="{F9736FC2-E69D-4E72-9940-FD07D735B195}"/>
               </a:ext>
             </a:extLst>
           </p:cNvPr>
@@ -17870,7 +17919,7 @@
           <p:cNvPr id="35" name="Rectangle 45">
             <a:extLst>
               <a:ext uri="{FF2B5EF4-FFF2-40B4-BE49-F238E27FC236}">
-                <a16:creationId xmlns:a16="http://schemas.microsoft.com/office/drawing/2014/main" id="{006B4CCA-AF53-4D23-98FE-1DD7A8181662}"/>
+                <a16:creationId xmlns:a16="http://schemas.microsoft.com/office/drawing/2014/main" xmlns="" id="{006B4CCA-AF53-4D23-98FE-1DD7A8181662}"/>
               </a:ext>
             </a:extLst>
           </p:cNvPr>
@@ -17928,7 +17977,7 @@
           <p:cNvPr id="36" name="Rectangle 45">
             <a:extLst>
               <a:ext uri="{FF2B5EF4-FFF2-40B4-BE49-F238E27FC236}">
-                <a16:creationId xmlns:a16="http://schemas.microsoft.com/office/drawing/2014/main" id="{C1AF42C5-0EBE-4137-8301-E504AFF34516}"/>
+                <a16:creationId xmlns:a16="http://schemas.microsoft.com/office/drawing/2014/main" xmlns="" id="{C1AF42C5-0EBE-4137-8301-E504AFF34516}"/>
               </a:ext>
             </a:extLst>
           </p:cNvPr>
@@ -17984,20 +18033,20 @@
     </p:spTree>
     <p:extLst>
       <p:ext uri="{BB962C8B-B14F-4D97-AF65-F5344CB8AC3E}">
-        <p14:creationId xmlns:p14="http://schemas.microsoft.com/office/powerpoint/2010/main" val="3821172291"/>
+        <p14:creationId xmlns:p14="http://schemas.microsoft.com/office/powerpoint/2010/main" xmlns="" val="3821172291"/>
       </p:ext>
     </p:extLst>
   </p:cSld>
   <p:clrMapOvr>
     <a:masterClrMapping/>
   </p:clrMapOvr>
-  <mc:AlternateContent xmlns:mc="http://schemas.openxmlformats.org/markup-compatibility/2006" xmlns:p14="http://schemas.microsoft.com/office/powerpoint/2010/main">
-    <mc:Choice Requires="p14">
+  <mc:AlternateContent xmlns:mc="http://schemas.openxmlformats.org/markup-compatibility/2006">
+    <mc:Choice xmlns:p14="http://schemas.microsoft.com/office/powerpoint/2010/main" xmlns="" Requires="p14">
       <p:transition spd="med" p14:dur="700">
         <p:fade/>
       </p:transition>
     </mc:Choice>
-    <mc:Fallback xmlns="">
+    <mc:Fallback>
       <p:transition spd="med">
         <p:fade/>
       </p:transition>
@@ -18070,7 +18119,7 @@
           <p:cNvPr id="7" name="TextBox 6">
             <a:extLst>
               <a:ext uri="{FF2B5EF4-FFF2-40B4-BE49-F238E27FC236}">
-                <a16:creationId xmlns:a16="http://schemas.microsoft.com/office/drawing/2014/main" id="{9A93FFA3-FF75-414A-A59A-8AB2236ABB72}"/>
+                <a16:creationId xmlns:a16="http://schemas.microsoft.com/office/drawing/2014/main" xmlns="" id="{9A93FFA3-FF75-414A-A59A-8AB2236ABB72}"/>
               </a:ext>
             </a:extLst>
           </p:cNvPr>
@@ -18112,7 +18161,7 @@
           <p:cNvPr id="4" name="그림 3">
             <a:extLst>
               <a:ext uri="{FF2B5EF4-FFF2-40B4-BE49-F238E27FC236}">
-                <a16:creationId xmlns:a16="http://schemas.microsoft.com/office/drawing/2014/main" id="{112AF955-9430-4DBE-B41D-C66A9B981287}"/>
+                <a16:creationId xmlns:a16="http://schemas.microsoft.com/office/drawing/2014/main" xmlns="" id="{112AF955-9430-4DBE-B41D-C66A9B981287}"/>
               </a:ext>
             </a:extLst>
           </p:cNvPr>
@@ -18125,7 +18174,7 @@
           <a:blip r:embed="rId2" cstate="print">
             <a:extLst>
               <a:ext uri="{28A0092B-C50C-407E-A947-70E740481C1C}">
-                <a14:useLocalDpi xmlns:a14="http://schemas.microsoft.com/office/drawing/2010/main" val="0"/>
+                <a14:useLocalDpi xmlns:a14="http://schemas.microsoft.com/office/drawing/2010/main" xmlns="" val="0"/>
               </a:ext>
             </a:extLst>
           </a:blip>
@@ -18153,7 +18202,7 @@
           <p:cNvPr id="18" name="표 17">
             <a:extLst>
               <a:ext uri="{FF2B5EF4-FFF2-40B4-BE49-F238E27FC236}">
-                <a16:creationId xmlns:a16="http://schemas.microsoft.com/office/drawing/2014/main" id="{9C3BE569-6935-434C-88DD-9FAD5F579516}"/>
+                <a16:creationId xmlns:a16="http://schemas.microsoft.com/office/drawing/2014/main" xmlns="" id="{9C3BE569-6935-434C-88DD-9FAD5F579516}"/>
               </a:ext>
             </a:extLst>
           </p:cNvPr>
@@ -18163,7 +18212,7 @@
           <p:nvPr>
             <p:extLst>
               <p:ext uri="{D42A27DB-BD31-4B8C-83A1-F6EECF244321}">
-                <p14:modId xmlns:p14="http://schemas.microsoft.com/office/powerpoint/2010/main" val="2941569553"/>
+                <p14:modId xmlns:p14="http://schemas.microsoft.com/office/powerpoint/2010/main" xmlns="" val="2941569553"/>
               </p:ext>
             </p:extLst>
           </p:nvPr>
@@ -18182,7 +18231,7 @@
                 <a:gridCol w="2736304">
                   <a:extLst>
                     <a:ext uri="{9D8B030D-6E8A-4147-A177-3AD203B41FA5}">
-                      <a16:colId xmlns:a16="http://schemas.microsoft.com/office/drawing/2014/main" val="20000"/>
+                      <a16:colId xmlns:a16="http://schemas.microsoft.com/office/drawing/2014/main" xmlns="" val="20000"/>
                     </a:ext>
                   </a:extLst>
                 </a:gridCol>
@@ -18288,7 +18337,7 @@
                 </a:tc>
                 <a:extLst>
                   <a:ext uri="{0D108BD9-81ED-4DB2-BD59-A6C34878D82A}">
-                    <a16:rowId xmlns:a16="http://schemas.microsoft.com/office/drawing/2014/main" val="10000"/>
+                    <a16:rowId xmlns:a16="http://schemas.microsoft.com/office/drawing/2014/main" xmlns="" val="10000"/>
                   </a:ext>
                 </a:extLst>
               </a:tr>
@@ -18373,7 +18422,7 @@
                 </a:tc>
                 <a:extLst>
                   <a:ext uri="{0D108BD9-81ED-4DB2-BD59-A6C34878D82A}">
-                    <a16:rowId xmlns:a16="http://schemas.microsoft.com/office/drawing/2014/main" val="10001"/>
+                    <a16:rowId xmlns:a16="http://schemas.microsoft.com/office/drawing/2014/main" xmlns="" val="10001"/>
                   </a:ext>
                 </a:extLst>
               </a:tr>
@@ -18526,7 +18575,7 @@
                 </a:tc>
                 <a:extLst>
                   <a:ext uri="{0D108BD9-81ED-4DB2-BD59-A6C34878D82A}">
-                    <a16:rowId xmlns:a16="http://schemas.microsoft.com/office/drawing/2014/main" val="10002"/>
+                    <a16:rowId xmlns:a16="http://schemas.microsoft.com/office/drawing/2014/main" xmlns="" val="10002"/>
                   </a:ext>
                 </a:extLst>
               </a:tr>
@@ -18537,20 +18586,20 @@
     </p:spTree>
     <p:extLst>
       <p:ext uri="{BB962C8B-B14F-4D97-AF65-F5344CB8AC3E}">
-        <p14:creationId xmlns:p14="http://schemas.microsoft.com/office/powerpoint/2010/main" val="1974618126"/>
+        <p14:creationId xmlns:p14="http://schemas.microsoft.com/office/powerpoint/2010/main" xmlns="" val="1974618126"/>
       </p:ext>
     </p:extLst>
   </p:cSld>
   <p:clrMapOvr>
     <a:masterClrMapping/>
   </p:clrMapOvr>
-  <mc:AlternateContent xmlns:mc="http://schemas.openxmlformats.org/markup-compatibility/2006" xmlns:p14="http://schemas.microsoft.com/office/powerpoint/2010/main">
-    <mc:Choice Requires="p14">
+  <mc:AlternateContent xmlns:mc="http://schemas.openxmlformats.org/markup-compatibility/2006">
+    <mc:Choice xmlns:p14="http://schemas.microsoft.com/office/powerpoint/2010/main" xmlns="" Requires="p14">
       <p:transition spd="med" p14:dur="700">
         <p:fade/>
       </p:transition>
     </mc:Choice>
-    <mc:Fallback xmlns="">
+    <mc:Fallback>
       <p:transition spd="med">
         <p:fade/>
       </p:transition>
@@ -18619,7 +18668,7 @@
           <p:cNvPr id="10" name="직사각형 9">
             <a:extLst>
               <a:ext uri="{FF2B5EF4-FFF2-40B4-BE49-F238E27FC236}">
-                <a16:creationId xmlns:a16="http://schemas.microsoft.com/office/drawing/2014/main" id="{64617F76-3FBE-4D83-A2FE-EA87BE6C672A}"/>
+                <a16:creationId xmlns:a16="http://schemas.microsoft.com/office/drawing/2014/main" xmlns="" id="{64617F76-3FBE-4D83-A2FE-EA87BE6C672A}"/>
               </a:ext>
             </a:extLst>
           </p:cNvPr>
@@ -18691,7 +18740,7 @@
           <p:cNvPr id="22" name="표 21">
             <a:extLst>
               <a:ext uri="{FF2B5EF4-FFF2-40B4-BE49-F238E27FC236}">
-                <a16:creationId xmlns:a16="http://schemas.microsoft.com/office/drawing/2014/main" id="{1DAF5372-8FFF-4A92-A5A5-5FA0001F950D}"/>
+                <a16:creationId xmlns:a16="http://schemas.microsoft.com/office/drawing/2014/main" xmlns="" id="{1DAF5372-8FFF-4A92-A5A5-5FA0001F950D}"/>
               </a:ext>
             </a:extLst>
           </p:cNvPr>
@@ -18701,7 +18750,7 @@
           <p:nvPr>
             <p:extLst>
               <p:ext uri="{D42A27DB-BD31-4B8C-83A1-F6EECF244321}">
-                <p14:modId xmlns:p14="http://schemas.microsoft.com/office/powerpoint/2010/main" val="3849027936"/>
+                <p14:modId xmlns:p14="http://schemas.microsoft.com/office/powerpoint/2010/main" xmlns="" val="3849027936"/>
               </p:ext>
             </p:extLst>
           </p:nvPr>
@@ -18720,7 +18769,7 @@
                 <a:gridCol w="2880320">
                   <a:extLst>
                     <a:ext uri="{9D8B030D-6E8A-4147-A177-3AD203B41FA5}">
-                      <a16:colId xmlns:a16="http://schemas.microsoft.com/office/drawing/2014/main" val="20000"/>
+                      <a16:colId xmlns:a16="http://schemas.microsoft.com/office/drawing/2014/main" xmlns="" val="20000"/>
                     </a:ext>
                   </a:extLst>
                 </a:gridCol>
@@ -18826,7 +18875,7 @@
                 </a:tc>
                 <a:extLst>
                   <a:ext uri="{0D108BD9-81ED-4DB2-BD59-A6C34878D82A}">
-                    <a16:rowId xmlns:a16="http://schemas.microsoft.com/office/drawing/2014/main" val="10000"/>
+                    <a16:rowId xmlns:a16="http://schemas.microsoft.com/office/drawing/2014/main" xmlns="" val="10000"/>
                   </a:ext>
                 </a:extLst>
               </a:tr>
@@ -18911,7 +18960,7 @@
                 </a:tc>
                 <a:extLst>
                   <a:ext uri="{0D108BD9-81ED-4DB2-BD59-A6C34878D82A}">
-                    <a16:rowId xmlns:a16="http://schemas.microsoft.com/office/drawing/2014/main" val="10001"/>
+                    <a16:rowId xmlns:a16="http://schemas.microsoft.com/office/drawing/2014/main" xmlns="" val="10001"/>
                   </a:ext>
                 </a:extLst>
               </a:tr>
@@ -19015,7 +19064,7 @@
                 </a:tc>
                 <a:extLst>
                   <a:ext uri="{0D108BD9-81ED-4DB2-BD59-A6C34878D82A}">
-                    <a16:rowId xmlns:a16="http://schemas.microsoft.com/office/drawing/2014/main" val="10002"/>
+                    <a16:rowId xmlns:a16="http://schemas.microsoft.com/office/drawing/2014/main" xmlns="" val="10002"/>
                   </a:ext>
                 </a:extLst>
               </a:tr>
@@ -19028,7 +19077,7 @@
           <p:cNvPr id="17" name="그림 16">
             <a:extLst>
               <a:ext uri="{FF2B5EF4-FFF2-40B4-BE49-F238E27FC236}">
-                <a16:creationId xmlns:a16="http://schemas.microsoft.com/office/drawing/2014/main" id="{0AAEC669-0C7D-4EE0-A031-3E59A3CBEB69}"/>
+                <a16:creationId xmlns:a16="http://schemas.microsoft.com/office/drawing/2014/main" xmlns="" id="{0AAEC669-0C7D-4EE0-A031-3E59A3CBEB69}"/>
               </a:ext>
             </a:extLst>
           </p:cNvPr>
@@ -19041,7 +19090,7 @@
           <a:blip r:embed="rId2" cstate="print">
             <a:extLst>
               <a:ext uri="{28A0092B-C50C-407E-A947-70E740481C1C}">
-                <a14:useLocalDpi xmlns:a14="http://schemas.microsoft.com/office/drawing/2010/main" val="0"/>
+                <a14:useLocalDpi xmlns:a14="http://schemas.microsoft.com/office/drawing/2010/main" xmlns="" val="0"/>
               </a:ext>
             </a:extLst>
           </a:blip>
@@ -19069,7 +19118,7 @@
           <p:cNvPr id="19" name="TextBox 18">
             <a:extLst>
               <a:ext uri="{FF2B5EF4-FFF2-40B4-BE49-F238E27FC236}">
-                <a16:creationId xmlns:a16="http://schemas.microsoft.com/office/drawing/2014/main" id="{08887152-4A96-4FCC-AC0C-20E5DFC597E0}"/>
+                <a16:creationId xmlns:a16="http://schemas.microsoft.com/office/drawing/2014/main" xmlns="" id="{08887152-4A96-4FCC-AC0C-20E5DFC597E0}"/>
               </a:ext>
             </a:extLst>
           </p:cNvPr>
@@ -19114,7 +19163,7 @@
           <p:cNvPr id="20" name="TextBox 19">
             <a:extLst>
               <a:ext uri="{FF2B5EF4-FFF2-40B4-BE49-F238E27FC236}">
-                <a16:creationId xmlns:a16="http://schemas.microsoft.com/office/drawing/2014/main" id="{817B01FC-760C-443B-823A-528D79C32133}"/>
+                <a16:creationId xmlns:a16="http://schemas.microsoft.com/office/drawing/2014/main" xmlns="" id="{817B01FC-760C-443B-823A-528D79C32133}"/>
               </a:ext>
             </a:extLst>
           </p:cNvPr>
@@ -19160,20 +19209,20 @@
     </p:spTree>
     <p:extLst>
       <p:ext uri="{BB962C8B-B14F-4D97-AF65-F5344CB8AC3E}">
-        <p14:creationId xmlns:p14="http://schemas.microsoft.com/office/powerpoint/2010/main" val="2439963436"/>
+        <p14:creationId xmlns:p14="http://schemas.microsoft.com/office/powerpoint/2010/main" xmlns="" val="2439963436"/>
       </p:ext>
     </p:extLst>
   </p:cSld>
   <p:clrMapOvr>
     <a:masterClrMapping/>
   </p:clrMapOvr>
-  <mc:AlternateContent xmlns:mc="http://schemas.openxmlformats.org/markup-compatibility/2006" xmlns:p14="http://schemas.microsoft.com/office/powerpoint/2010/main">
-    <mc:Choice Requires="p14">
+  <mc:AlternateContent xmlns:mc="http://schemas.openxmlformats.org/markup-compatibility/2006">
+    <mc:Choice xmlns:p14="http://schemas.microsoft.com/office/powerpoint/2010/main" xmlns="" Requires="p14">
       <p:transition spd="med" p14:dur="700">
         <p:fade/>
       </p:transition>
     </mc:Choice>
-    <mc:Fallback xmlns="">
+    <mc:Fallback>
       <p:transition spd="med">
         <p:fade/>
       </p:transition>
@@ -19242,7 +19291,7 @@
           <p:cNvPr id="10" name="직사각형 9">
             <a:extLst>
               <a:ext uri="{FF2B5EF4-FFF2-40B4-BE49-F238E27FC236}">
-                <a16:creationId xmlns:a16="http://schemas.microsoft.com/office/drawing/2014/main" id="{64617F76-3FBE-4D83-A2FE-EA87BE6C672A}"/>
+                <a16:creationId xmlns:a16="http://schemas.microsoft.com/office/drawing/2014/main" xmlns="" id="{64617F76-3FBE-4D83-A2FE-EA87BE6C672A}"/>
               </a:ext>
             </a:extLst>
           </p:cNvPr>
@@ -19314,7 +19363,7 @@
           <p:cNvPr id="22" name="표 21">
             <a:extLst>
               <a:ext uri="{FF2B5EF4-FFF2-40B4-BE49-F238E27FC236}">
-                <a16:creationId xmlns:a16="http://schemas.microsoft.com/office/drawing/2014/main" id="{1DAF5372-8FFF-4A92-A5A5-5FA0001F950D}"/>
+                <a16:creationId xmlns:a16="http://schemas.microsoft.com/office/drawing/2014/main" xmlns="" id="{1DAF5372-8FFF-4A92-A5A5-5FA0001F950D}"/>
               </a:ext>
             </a:extLst>
           </p:cNvPr>
@@ -19324,7 +19373,7 @@
           <p:nvPr>
             <p:extLst>
               <p:ext uri="{D42A27DB-BD31-4B8C-83A1-F6EECF244321}">
-                <p14:modId xmlns:p14="http://schemas.microsoft.com/office/powerpoint/2010/main" val="2192646974"/>
+                <p14:modId xmlns:p14="http://schemas.microsoft.com/office/powerpoint/2010/main" xmlns="" val="2192646974"/>
               </p:ext>
             </p:extLst>
           </p:nvPr>
@@ -19343,7 +19392,7 @@
                 <a:gridCol w="2880320">
                   <a:extLst>
                     <a:ext uri="{9D8B030D-6E8A-4147-A177-3AD203B41FA5}">
-                      <a16:colId xmlns:a16="http://schemas.microsoft.com/office/drawing/2014/main" val="20000"/>
+                      <a16:colId xmlns:a16="http://schemas.microsoft.com/office/drawing/2014/main" xmlns="" val="20000"/>
                     </a:ext>
                   </a:extLst>
                 </a:gridCol>
@@ -19463,7 +19512,7 @@
                 </a:tc>
                 <a:extLst>
                   <a:ext uri="{0D108BD9-81ED-4DB2-BD59-A6C34878D82A}">
-                    <a16:rowId xmlns:a16="http://schemas.microsoft.com/office/drawing/2014/main" val="10000"/>
+                    <a16:rowId xmlns:a16="http://schemas.microsoft.com/office/drawing/2014/main" xmlns="" val="10000"/>
                   </a:ext>
                 </a:extLst>
               </a:tr>
@@ -19548,7 +19597,7 @@
                 </a:tc>
                 <a:extLst>
                   <a:ext uri="{0D108BD9-81ED-4DB2-BD59-A6C34878D82A}">
-                    <a16:rowId xmlns:a16="http://schemas.microsoft.com/office/drawing/2014/main" val="10001"/>
+                    <a16:rowId xmlns:a16="http://schemas.microsoft.com/office/drawing/2014/main" xmlns="" val="10001"/>
                   </a:ext>
                 </a:extLst>
               </a:tr>
@@ -19638,7 +19687,7 @@
                 </a:tc>
                 <a:extLst>
                   <a:ext uri="{0D108BD9-81ED-4DB2-BD59-A6C34878D82A}">
-                    <a16:rowId xmlns:a16="http://schemas.microsoft.com/office/drawing/2014/main" val="10002"/>
+                    <a16:rowId xmlns:a16="http://schemas.microsoft.com/office/drawing/2014/main" xmlns="" val="10002"/>
                   </a:ext>
                 </a:extLst>
               </a:tr>
@@ -19651,7 +19700,7 @@
           <p:cNvPr id="19" name="TextBox 18">
             <a:extLst>
               <a:ext uri="{FF2B5EF4-FFF2-40B4-BE49-F238E27FC236}">
-                <a16:creationId xmlns:a16="http://schemas.microsoft.com/office/drawing/2014/main" id="{08887152-4A96-4FCC-AC0C-20E5DFC597E0}"/>
+                <a16:creationId xmlns:a16="http://schemas.microsoft.com/office/drawing/2014/main" xmlns="" id="{08887152-4A96-4FCC-AC0C-20E5DFC597E0}"/>
               </a:ext>
             </a:extLst>
           </p:cNvPr>
@@ -19710,7 +19759,7 @@
           <p:cNvPr id="20" name="TextBox 19">
             <a:extLst>
               <a:ext uri="{FF2B5EF4-FFF2-40B4-BE49-F238E27FC236}">
-                <a16:creationId xmlns:a16="http://schemas.microsoft.com/office/drawing/2014/main" id="{817B01FC-760C-443B-823A-528D79C32133}"/>
+                <a16:creationId xmlns:a16="http://schemas.microsoft.com/office/drawing/2014/main" xmlns="" id="{817B01FC-760C-443B-823A-528D79C32133}"/>
               </a:ext>
             </a:extLst>
           </p:cNvPr>
@@ -19758,7 +19807,7 @@
           <p:cNvPr id="3" name="그림 2">
             <a:extLst>
               <a:ext uri="{FF2B5EF4-FFF2-40B4-BE49-F238E27FC236}">
-                <a16:creationId xmlns:a16="http://schemas.microsoft.com/office/drawing/2014/main" id="{2C521542-8EF6-4F38-905C-65F9DD446603}"/>
+                <a16:creationId xmlns:a16="http://schemas.microsoft.com/office/drawing/2014/main" xmlns="" id="{2C521542-8EF6-4F38-905C-65F9DD446603}"/>
               </a:ext>
             </a:extLst>
           </p:cNvPr>
@@ -19771,7 +19820,7 @@
           <a:blip r:embed="rId2" cstate="print">
             <a:extLst>
               <a:ext uri="{28A0092B-C50C-407E-A947-70E740481C1C}">
-                <a14:useLocalDpi xmlns:a14="http://schemas.microsoft.com/office/drawing/2010/main" val="0"/>
+                <a14:useLocalDpi xmlns:a14="http://schemas.microsoft.com/office/drawing/2010/main" xmlns="" val="0"/>
               </a:ext>
             </a:extLst>
           </a:blip>
@@ -19799,7 +19848,7 @@
           <p:cNvPr id="6" name="그림 5">
             <a:extLst>
               <a:ext uri="{FF2B5EF4-FFF2-40B4-BE49-F238E27FC236}">
-                <a16:creationId xmlns:a16="http://schemas.microsoft.com/office/drawing/2014/main" id="{C79FED55-DC83-4BCE-AC60-CD7E1D970936}"/>
+                <a16:creationId xmlns:a16="http://schemas.microsoft.com/office/drawing/2014/main" xmlns="" id="{C79FED55-DC83-4BCE-AC60-CD7E1D970936}"/>
               </a:ext>
             </a:extLst>
           </p:cNvPr>
@@ -19812,7 +19861,7 @@
           <a:blip r:embed="rId3" cstate="print">
             <a:extLst>
               <a:ext uri="{28A0092B-C50C-407E-A947-70E740481C1C}">
-                <a14:useLocalDpi xmlns:a14="http://schemas.microsoft.com/office/drawing/2010/main" val="0"/>
+                <a14:useLocalDpi xmlns:a14="http://schemas.microsoft.com/office/drawing/2010/main" xmlns="" val="0"/>
               </a:ext>
             </a:extLst>
           </a:blip>
@@ -19838,20 +19887,20 @@
     </p:spTree>
     <p:extLst>
       <p:ext uri="{BB962C8B-B14F-4D97-AF65-F5344CB8AC3E}">
-        <p14:creationId xmlns:p14="http://schemas.microsoft.com/office/powerpoint/2010/main" val="2129670835"/>
+        <p14:creationId xmlns:p14="http://schemas.microsoft.com/office/powerpoint/2010/main" xmlns="" val="2129670835"/>
       </p:ext>
     </p:extLst>
   </p:cSld>
   <p:clrMapOvr>
     <a:masterClrMapping/>
   </p:clrMapOvr>
-  <mc:AlternateContent xmlns:mc="http://schemas.openxmlformats.org/markup-compatibility/2006" xmlns:p14="http://schemas.microsoft.com/office/powerpoint/2010/main">
-    <mc:Choice Requires="p14">
+  <mc:AlternateContent xmlns:mc="http://schemas.openxmlformats.org/markup-compatibility/2006">
+    <mc:Choice xmlns:p14="http://schemas.microsoft.com/office/powerpoint/2010/main" xmlns="" Requires="p14">
       <p:transition spd="med" p14:dur="700">
         <p:fade/>
       </p:transition>
     </mc:Choice>
-    <mc:Fallback xmlns="">
+    <mc:Fallback>
       <p:transition spd="med">
         <p:fade/>
       </p:transition>
@@ -19920,7 +19969,7 @@
           <p:cNvPr id="10" name="직사각형 9">
             <a:extLst>
               <a:ext uri="{FF2B5EF4-FFF2-40B4-BE49-F238E27FC236}">
-                <a16:creationId xmlns:a16="http://schemas.microsoft.com/office/drawing/2014/main" id="{64617F76-3FBE-4D83-A2FE-EA87BE6C672A}"/>
+                <a16:creationId xmlns:a16="http://schemas.microsoft.com/office/drawing/2014/main" xmlns="" id="{64617F76-3FBE-4D83-A2FE-EA87BE6C672A}"/>
               </a:ext>
             </a:extLst>
           </p:cNvPr>
@@ -19992,7 +20041,7 @@
           <p:cNvPr id="22" name="표 21">
             <a:extLst>
               <a:ext uri="{FF2B5EF4-FFF2-40B4-BE49-F238E27FC236}">
-                <a16:creationId xmlns:a16="http://schemas.microsoft.com/office/drawing/2014/main" id="{1DAF5372-8FFF-4A92-A5A5-5FA0001F950D}"/>
+                <a16:creationId xmlns:a16="http://schemas.microsoft.com/office/drawing/2014/main" xmlns="" id="{1DAF5372-8FFF-4A92-A5A5-5FA0001F950D}"/>
               </a:ext>
             </a:extLst>
           </p:cNvPr>
@@ -20002,7 +20051,7 @@
           <p:nvPr>
             <p:extLst>
               <p:ext uri="{D42A27DB-BD31-4B8C-83A1-F6EECF244321}">
-                <p14:modId xmlns:p14="http://schemas.microsoft.com/office/powerpoint/2010/main" val="3307304461"/>
+                <p14:modId xmlns:p14="http://schemas.microsoft.com/office/powerpoint/2010/main" xmlns="" val="3307304461"/>
               </p:ext>
             </p:extLst>
           </p:nvPr>
@@ -20021,7 +20070,7 @@
                 <a:gridCol w="3240360">
                   <a:extLst>
                     <a:ext uri="{9D8B030D-6E8A-4147-A177-3AD203B41FA5}">
-                      <a16:colId xmlns:a16="http://schemas.microsoft.com/office/drawing/2014/main" val="20000"/>
+                      <a16:colId xmlns:a16="http://schemas.microsoft.com/office/drawing/2014/main" xmlns="" val="20000"/>
                     </a:ext>
                   </a:extLst>
                 </a:gridCol>
@@ -20127,7 +20176,7 @@
                 </a:tc>
                 <a:extLst>
                   <a:ext uri="{0D108BD9-81ED-4DB2-BD59-A6C34878D82A}">
-                    <a16:rowId xmlns:a16="http://schemas.microsoft.com/office/drawing/2014/main" val="10000"/>
+                    <a16:rowId xmlns:a16="http://schemas.microsoft.com/office/drawing/2014/main" xmlns="" val="10000"/>
                   </a:ext>
                 </a:extLst>
               </a:tr>
@@ -20212,7 +20261,7 @@
                 </a:tc>
                 <a:extLst>
                   <a:ext uri="{0D108BD9-81ED-4DB2-BD59-A6C34878D82A}">
-                    <a16:rowId xmlns:a16="http://schemas.microsoft.com/office/drawing/2014/main" val="10001"/>
+                    <a16:rowId xmlns:a16="http://schemas.microsoft.com/office/drawing/2014/main" xmlns="" val="10001"/>
                   </a:ext>
                 </a:extLst>
               </a:tr>
@@ -20354,7 +20403,7 @@
                 </a:tc>
                 <a:extLst>
                   <a:ext uri="{0D108BD9-81ED-4DB2-BD59-A6C34878D82A}">
-                    <a16:rowId xmlns:a16="http://schemas.microsoft.com/office/drawing/2014/main" val="10002"/>
+                    <a16:rowId xmlns:a16="http://schemas.microsoft.com/office/drawing/2014/main" xmlns="" val="10002"/>
                   </a:ext>
                 </a:extLst>
               </a:tr>
@@ -20367,7 +20416,7 @@
           <p:cNvPr id="19" name="TextBox 18">
             <a:extLst>
               <a:ext uri="{FF2B5EF4-FFF2-40B4-BE49-F238E27FC236}">
-                <a16:creationId xmlns:a16="http://schemas.microsoft.com/office/drawing/2014/main" id="{08887152-4A96-4FCC-AC0C-20E5DFC597E0}"/>
+                <a16:creationId xmlns:a16="http://schemas.microsoft.com/office/drawing/2014/main" xmlns="" id="{08887152-4A96-4FCC-AC0C-20E5DFC597E0}"/>
               </a:ext>
             </a:extLst>
           </p:cNvPr>
@@ -20412,7 +20461,7 @@
           <p:cNvPr id="20" name="TextBox 19">
             <a:extLst>
               <a:ext uri="{FF2B5EF4-FFF2-40B4-BE49-F238E27FC236}">
-                <a16:creationId xmlns:a16="http://schemas.microsoft.com/office/drawing/2014/main" id="{817B01FC-760C-443B-823A-528D79C32133}"/>
+                <a16:creationId xmlns:a16="http://schemas.microsoft.com/office/drawing/2014/main" xmlns="" id="{817B01FC-760C-443B-823A-528D79C32133}"/>
               </a:ext>
             </a:extLst>
           </p:cNvPr>
@@ -20460,7 +20509,7 @@
           <p:cNvPr id="3" name="그림 2">
             <a:extLst>
               <a:ext uri="{FF2B5EF4-FFF2-40B4-BE49-F238E27FC236}">
-                <a16:creationId xmlns:a16="http://schemas.microsoft.com/office/drawing/2014/main" id="{53AFA8E7-A1D3-4474-9FBC-573CF1E958CB}"/>
+                <a16:creationId xmlns:a16="http://schemas.microsoft.com/office/drawing/2014/main" xmlns="" id="{53AFA8E7-A1D3-4474-9FBC-573CF1E958CB}"/>
               </a:ext>
             </a:extLst>
           </p:cNvPr>
@@ -20473,7 +20522,7 @@
           <a:blip r:embed="rId2" cstate="print">
             <a:extLst>
               <a:ext uri="{28A0092B-C50C-407E-A947-70E740481C1C}">
-                <a14:useLocalDpi xmlns:a14="http://schemas.microsoft.com/office/drawing/2010/main" val="0"/>
+                <a14:useLocalDpi xmlns:a14="http://schemas.microsoft.com/office/drawing/2010/main" xmlns="" val="0"/>
               </a:ext>
             </a:extLst>
           </a:blip>
@@ -20499,20 +20548,20 @@
     </p:spTree>
     <p:extLst>
       <p:ext uri="{BB962C8B-B14F-4D97-AF65-F5344CB8AC3E}">
-        <p14:creationId xmlns:p14="http://schemas.microsoft.com/office/powerpoint/2010/main" val="2852307447"/>
+        <p14:creationId xmlns:p14="http://schemas.microsoft.com/office/powerpoint/2010/main" xmlns="" val="2852307447"/>
       </p:ext>
     </p:extLst>
   </p:cSld>
   <p:clrMapOvr>
     <a:masterClrMapping/>
   </p:clrMapOvr>
-  <mc:AlternateContent xmlns:mc="http://schemas.openxmlformats.org/markup-compatibility/2006" xmlns:p14="http://schemas.microsoft.com/office/powerpoint/2010/main">
-    <mc:Choice Requires="p14">
+  <mc:AlternateContent xmlns:mc="http://schemas.openxmlformats.org/markup-compatibility/2006">
+    <mc:Choice xmlns:p14="http://schemas.microsoft.com/office/powerpoint/2010/main" xmlns="" Requires="p14">
       <p:transition spd="med" p14:dur="700">
         <p:fade/>
       </p:transition>
     </mc:Choice>
-    <mc:Fallback xmlns="">
+    <mc:Fallback>
       <p:transition spd="med">
         <p:fade/>
       </p:transition>
@@ -20581,7 +20630,7 @@
           <p:cNvPr id="10" name="직사각형 9">
             <a:extLst>
               <a:ext uri="{FF2B5EF4-FFF2-40B4-BE49-F238E27FC236}">
-                <a16:creationId xmlns:a16="http://schemas.microsoft.com/office/drawing/2014/main" id="{64617F76-3FBE-4D83-A2FE-EA87BE6C672A}"/>
+                <a16:creationId xmlns:a16="http://schemas.microsoft.com/office/drawing/2014/main" xmlns="" id="{64617F76-3FBE-4D83-A2FE-EA87BE6C672A}"/>
               </a:ext>
             </a:extLst>
           </p:cNvPr>
@@ -20653,7 +20702,7 @@
           <p:cNvPr id="22" name="표 21">
             <a:extLst>
               <a:ext uri="{FF2B5EF4-FFF2-40B4-BE49-F238E27FC236}">
-                <a16:creationId xmlns:a16="http://schemas.microsoft.com/office/drawing/2014/main" id="{1DAF5372-8FFF-4A92-A5A5-5FA0001F950D}"/>
+                <a16:creationId xmlns:a16="http://schemas.microsoft.com/office/drawing/2014/main" xmlns="" id="{1DAF5372-8FFF-4A92-A5A5-5FA0001F950D}"/>
               </a:ext>
             </a:extLst>
           </p:cNvPr>
@@ -20678,7 +20727,7 @@
                 <a:gridCol w="3240360">
                   <a:extLst>
                     <a:ext uri="{9D8B030D-6E8A-4147-A177-3AD203B41FA5}">
-                      <a16:colId xmlns:a16="http://schemas.microsoft.com/office/drawing/2014/main" val="20000"/>
+                      <a16:colId xmlns:a16="http://schemas.microsoft.com/office/drawing/2014/main" xmlns="" val="20000"/>
                     </a:ext>
                   </a:extLst>
                 </a:gridCol>
@@ -20784,7 +20833,7 @@
                 </a:tc>
                 <a:extLst>
                   <a:ext uri="{0D108BD9-81ED-4DB2-BD59-A6C34878D82A}">
-                    <a16:rowId xmlns:a16="http://schemas.microsoft.com/office/drawing/2014/main" val="10000"/>
+                    <a16:rowId xmlns:a16="http://schemas.microsoft.com/office/drawing/2014/main" xmlns="" val="10000"/>
                   </a:ext>
                 </a:extLst>
               </a:tr>
@@ -20869,7 +20918,7 @@
                 </a:tc>
                 <a:extLst>
                   <a:ext uri="{0D108BD9-81ED-4DB2-BD59-A6C34878D82A}">
-                    <a16:rowId xmlns:a16="http://schemas.microsoft.com/office/drawing/2014/main" val="10001"/>
+                    <a16:rowId xmlns:a16="http://schemas.microsoft.com/office/drawing/2014/main" xmlns="" val="10001"/>
                   </a:ext>
                 </a:extLst>
               </a:tr>
@@ -20987,7 +21036,7 @@
                 </a:tc>
                 <a:extLst>
                   <a:ext uri="{0D108BD9-81ED-4DB2-BD59-A6C34878D82A}">
-                    <a16:rowId xmlns:a16="http://schemas.microsoft.com/office/drawing/2014/main" val="10002"/>
+                    <a16:rowId xmlns:a16="http://schemas.microsoft.com/office/drawing/2014/main" xmlns="" val="10002"/>
                   </a:ext>
                 </a:extLst>
               </a:tr>
@@ -21000,7 +21049,7 @@
           <p:cNvPr id="19" name="TextBox 18">
             <a:extLst>
               <a:ext uri="{FF2B5EF4-FFF2-40B4-BE49-F238E27FC236}">
-                <a16:creationId xmlns:a16="http://schemas.microsoft.com/office/drawing/2014/main" id="{08887152-4A96-4FCC-AC0C-20E5DFC597E0}"/>
+                <a16:creationId xmlns:a16="http://schemas.microsoft.com/office/drawing/2014/main" xmlns="" id="{08887152-4A96-4FCC-AC0C-20E5DFC597E0}"/>
               </a:ext>
             </a:extLst>
           </p:cNvPr>
@@ -21045,7 +21094,7 @@
           <p:cNvPr id="20" name="TextBox 19">
             <a:extLst>
               <a:ext uri="{FF2B5EF4-FFF2-40B4-BE49-F238E27FC236}">
-                <a16:creationId xmlns:a16="http://schemas.microsoft.com/office/drawing/2014/main" id="{817B01FC-760C-443B-823A-528D79C32133}"/>
+                <a16:creationId xmlns:a16="http://schemas.microsoft.com/office/drawing/2014/main" xmlns="" id="{817B01FC-760C-443B-823A-528D79C32133}"/>
               </a:ext>
             </a:extLst>
           </p:cNvPr>
@@ -21093,7 +21142,7 @@
           <p:cNvPr id="4" name="그림 3">
             <a:extLst>
               <a:ext uri="{FF2B5EF4-FFF2-40B4-BE49-F238E27FC236}">
-                <a16:creationId xmlns:a16="http://schemas.microsoft.com/office/drawing/2014/main" id="{243BB24A-5AD9-479B-95F4-38C81A4D11FA}"/>
+                <a16:creationId xmlns:a16="http://schemas.microsoft.com/office/drawing/2014/main" xmlns="" id="{243BB24A-5AD9-479B-95F4-38C81A4D11FA}"/>
               </a:ext>
             </a:extLst>
           </p:cNvPr>
@@ -21106,7 +21155,7 @@
           <a:blip r:embed="rId2" cstate="print">
             <a:extLst>
               <a:ext uri="{28A0092B-C50C-407E-A947-70E740481C1C}">
-                <a14:useLocalDpi xmlns:a14="http://schemas.microsoft.com/office/drawing/2010/main" val="0"/>
+                <a14:useLocalDpi xmlns:a14="http://schemas.microsoft.com/office/drawing/2010/main" xmlns="" val="0"/>
               </a:ext>
             </a:extLst>
           </a:blip>
@@ -21132,20 +21181,20 @@
     </p:spTree>
     <p:extLst>
       <p:ext uri="{BB962C8B-B14F-4D97-AF65-F5344CB8AC3E}">
-        <p14:creationId xmlns:p14="http://schemas.microsoft.com/office/powerpoint/2010/main" val="2779956166"/>
+        <p14:creationId xmlns:p14="http://schemas.microsoft.com/office/powerpoint/2010/main" xmlns="" val="2779956166"/>
       </p:ext>
     </p:extLst>
   </p:cSld>
   <p:clrMapOvr>
     <a:masterClrMapping/>
   </p:clrMapOvr>
-  <mc:AlternateContent xmlns:mc="http://schemas.openxmlformats.org/markup-compatibility/2006" xmlns:p14="http://schemas.microsoft.com/office/powerpoint/2010/main">
-    <mc:Choice Requires="p14">
+  <mc:AlternateContent xmlns:mc="http://schemas.openxmlformats.org/markup-compatibility/2006">
+    <mc:Choice xmlns:p14="http://schemas.microsoft.com/office/powerpoint/2010/main" xmlns="" Requires="p14">
       <p:transition spd="med" p14:dur="700">
         <p:fade/>
       </p:transition>
     </mc:Choice>
-    <mc:Fallback xmlns="">
+    <mc:Fallback>
       <p:transition spd="med">
         <p:fade/>
       </p:transition>
@@ -21214,7 +21263,7 @@
           <p:cNvPr id="10" name="직사각형 9">
             <a:extLst>
               <a:ext uri="{FF2B5EF4-FFF2-40B4-BE49-F238E27FC236}">
-                <a16:creationId xmlns:a16="http://schemas.microsoft.com/office/drawing/2014/main" id="{64617F76-3FBE-4D83-A2FE-EA87BE6C672A}"/>
+                <a16:creationId xmlns:a16="http://schemas.microsoft.com/office/drawing/2014/main" xmlns="" id="{64617F76-3FBE-4D83-A2FE-EA87BE6C672A}"/>
               </a:ext>
             </a:extLst>
           </p:cNvPr>
@@ -21286,7 +21335,7 @@
           <p:cNvPr id="22" name="표 21">
             <a:extLst>
               <a:ext uri="{FF2B5EF4-FFF2-40B4-BE49-F238E27FC236}">
-                <a16:creationId xmlns:a16="http://schemas.microsoft.com/office/drawing/2014/main" id="{1DAF5372-8FFF-4A92-A5A5-5FA0001F950D}"/>
+                <a16:creationId xmlns:a16="http://schemas.microsoft.com/office/drawing/2014/main" xmlns="" id="{1DAF5372-8FFF-4A92-A5A5-5FA0001F950D}"/>
               </a:ext>
             </a:extLst>
           </p:cNvPr>
@@ -21296,7 +21345,7 @@
           <p:nvPr>
             <p:extLst>
               <p:ext uri="{D42A27DB-BD31-4B8C-83A1-F6EECF244321}">
-                <p14:modId xmlns:p14="http://schemas.microsoft.com/office/powerpoint/2010/main" val="1101538682"/>
+                <p14:modId xmlns:p14="http://schemas.microsoft.com/office/powerpoint/2010/main" xmlns="" val="1101538682"/>
               </p:ext>
             </p:extLst>
           </p:nvPr>
@@ -21315,7 +21364,7 @@
                 <a:gridCol w="3240360">
                   <a:extLst>
                     <a:ext uri="{9D8B030D-6E8A-4147-A177-3AD203B41FA5}">
-                      <a16:colId xmlns:a16="http://schemas.microsoft.com/office/drawing/2014/main" val="20000"/>
+                      <a16:colId xmlns:a16="http://schemas.microsoft.com/office/drawing/2014/main" xmlns="" val="20000"/>
                     </a:ext>
                   </a:extLst>
                 </a:gridCol>
@@ -21442,7 +21491,7 @@
                 </a:tc>
                 <a:extLst>
                   <a:ext uri="{0D108BD9-81ED-4DB2-BD59-A6C34878D82A}">
-                    <a16:rowId xmlns:a16="http://schemas.microsoft.com/office/drawing/2014/main" val="10000"/>
+                    <a16:rowId xmlns:a16="http://schemas.microsoft.com/office/drawing/2014/main" xmlns="" val="10000"/>
                   </a:ext>
                 </a:extLst>
               </a:tr>
@@ -21541,7 +21590,7 @@
                 </a:tc>
                 <a:extLst>
                   <a:ext uri="{0D108BD9-81ED-4DB2-BD59-A6C34878D82A}">
-                    <a16:rowId xmlns:a16="http://schemas.microsoft.com/office/drawing/2014/main" val="10001"/>
+                    <a16:rowId xmlns:a16="http://schemas.microsoft.com/office/drawing/2014/main" xmlns="" val="10001"/>
                   </a:ext>
                 </a:extLst>
               </a:tr>
@@ -21631,7 +21680,7 @@
                 </a:tc>
                 <a:extLst>
                   <a:ext uri="{0D108BD9-81ED-4DB2-BD59-A6C34878D82A}">
-                    <a16:rowId xmlns:a16="http://schemas.microsoft.com/office/drawing/2014/main" val="10002"/>
+                    <a16:rowId xmlns:a16="http://schemas.microsoft.com/office/drawing/2014/main" xmlns="" val="10002"/>
                   </a:ext>
                 </a:extLst>
               </a:tr>
@@ -21644,7 +21693,7 @@
           <p:cNvPr id="19" name="TextBox 18">
             <a:extLst>
               <a:ext uri="{FF2B5EF4-FFF2-40B4-BE49-F238E27FC236}">
-                <a16:creationId xmlns:a16="http://schemas.microsoft.com/office/drawing/2014/main" id="{08887152-4A96-4FCC-AC0C-20E5DFC597E0}"/>
+                <a16:creationId xmlns:a16="http://schemas.microsoft.com/office/drawing/2014/main" xmlns="" id="{08887152-4A96-4FCC-AC0C-20E5DFC597E0}"/>
               </a:ext>
             </a:extLst>
           </p:cNvPr>
@@ -21707,7 +21756,7 @@
           <p:cNvPr id="20" name="TextBox 19">
             <a:extLst>
               <a:ext uri="{FF2B5EF4-FFF2-40B4-BE49-F238E27FC236}">
-                <a16:creationId xmlns:a16="http://schemas.microsoft.com/office/drawing/2014/main" id="{817B01FC-760C-443B-823A-528D79C32133}"/>
+                <a16:creationId xmlns:a16="http://schemas.microsoft.com/office/drawing/2014/main" xmlns="" id="{817B01FC-760C-443B-823A-528D79C32133}"/>
               </a:ext>
             </a:extLst>
           </p:cNvPr>
@@ -21755,7 +21804,7 @@
           <p:cNvPr id="3" name="그림 2">
             <a:extLst>
               <a:ext uri="{FF2B5EF4-FFF2-40B4-BE49-F238E27FC236}">
-                <a16:creationId xmlns:a16="http://schemas.microsoft.com/office/drawing/2014/main" id="{7B12484F-B37A-405A-B824-5E709137853D}"/>
+                <a16:creationId xmlns:a16="http://schemas.microsoft.com/office/drawing/2014/main" xmlns="" id="{7B12484F-B37A-405A-B824-5E709137853D}"/>
               </a:ext>
             </a:extLst>
           </p:cNvPr>
@@ -21768,7 +21817,7 @@
           <a:blip r:embed="rId2" cstate="print">
             <a:extLst>
               <a:ext uri="{28A0092B-C50C-407E-A947-70E740481C1C}">
-                <a14:useLocalDpi xmlns:a14="http://schemas.microsoft.com/office/drawing/2010/main" val="0"/>
+                <a14:useLocalDpi xmlns:a14="http://schemas.microsoft.com/office/drawing/2010/main" xmlns="" val="0"/>
               </a:ext>
             </a:extLst>
           </a:blip>
@@ -21791,7 +21840,7 @@
           <p:cNvPr id="7" name="그림 6">
             <a:extLst>
               <a:ext uri="{FF2B5EF4-FFF2-40B4-BE49-F238E27FC236}">
-                <a16:creationId xmlns:a16="http://schemas.microsoft.com/office/drawing/2014/main" id="{9D8C4DB8-8C5A-43D0-99B2-3374F1AB86A7}"/>
+                <a16:creationId xmlns:a16="http://schemas.microsoft.com/office/drawing/2014/main" xmlns="" id="{9D8C4DB8-8C5A-43D0-99B2-3374F1AB86A7}"/>
               </a:ext>
             </a:extLst>
           </p:cNvPr>
@@ -21804,7 +21853,7 @@
           <a:blip r:embed="rId3" cstate="print">
             <a:extLst>
               <a:ext uri="{28A0092B-C50C-407E-A947-70E740481C1C}">
-                <a14:useLocalDpi xmlns:a14="http://schemas.microsoft.com/office/drawing/2010/main" val="0"/>
+                <a14:useLocalDpi xmlns:a14="http://schemas.microsoft.com/office/drawing/2010/main" xmlns="" val="0"/>
               </a:ext>
             </a:extLst>
           </a:blip>
@@ -21825,20 +21874,20 @@
     </p:spTree>
     <p:extLst>
       <p:ext uri="{BB962C8B-B14F-4D97-AF65-F5344CB8AC3E}">
-        <p14:creationId xmlns:p14="http://schemas.microsoft.com/office/powerpoint/2010/main" val="1782930912"/>
+        <p14:creationId xmlns:p14="http://schemas.microsoft.com/office/powerpoint/2010/main" xmlns="" val="1782930912"/>
       </p:ext>
     </p:extLst>
   </p:cSld>
   <p:clrMapOvr>
     <a:masterClrMapping/>
   </p:clrMapOvr>
-  <mc:AlternateContent xmlns:mc="http://schemas.openxmlformats.org/markup-compatibility/2006" xmlns:p14="http://schemas.microsoft.com/office/powerpoint/2010/main">
-    <mc:Choice Requires="p14">
+  <mc:AlternateContent xmlns:mc="http://schemas.openxmlformats.org/markup-compatibility/2006">
+    <mc:Choice xmlns:p14="http://schemas.microsoft.com/office/powerpoint/2010/main" xmlns="" Requires="p14">
       <p:transition spd="med" p14:dur="700">
         <p:fade/>
       </p:transition>
     </mc:Choice>
-    <mc:Fallback xmlns="">
+    <mc:Fallback>
       <p:transition spd="med">
         <p:fade/>
       </p:transition>

--- a/최종 프로젝트3조.pptx
+++ b/최종 프로젝트3조.pptx
@@ -134,7 +134,7 @@
   </p:defaultTextStyle>
   <p:extLst>
     <p:ext uri="{EFAFB233-063F-42B5-8137-9DF3F51BA10A}">
-      <p15:sldGuideLst xmlns:p15="http://schemas.microsoft.com/office/powerpoint/2012/main" xmlns="">
+      <p15:sldGuideLst xmlns="" xmlns:p15="http://schemas.microsoft.com/office/powerpoint/2012/main">
         <p15:guide id="1" orient="horz" pos="1620">
           <p15:clr>
             <a:srgbClr val="A4A3A4"/>
@@ -406,7 +406,7 @@
     </p:spTree>
     <p:extLst>
       <p:ext uri="{BB962C8B-B14F-4D97-AF65-F5344CB8AC3E}">
-        <p14:creationId xmlns:p14="http://schemas.microsoft.com/office/powerpoint/2010/main" xmlns="" val="1534248213"/>
+        <p14:creationId xmlns="" xmlns:p14="http://schemas.microsoft.com/office/powerpoint/2010/main" val="1534248213"/>
       </p:ext>
     </p:extLst>
   </p:cSld>
@@ -526,7 +526,7 @@
     </p:spTree>
     <p:extLst>
       <p:ext uri="{BB962C8B-B14F-4D97-AF65-F5344CB8AC3E}">
-        <p14:creationId xmlns:p14="http://schemas.microsoft.com/office/powerpoint/2010/main" xmlns="" val="1848776554"/>
+        <p14:creationId xmlns="" xmlns:p14="http://schemas.microsoft.com/office/powerpoint/2010/main" val="1848776554"/>
       </p:ext>
     </p:extLst>
   </p:cSld>
@@ -556,7 +556,7 @@
     </p:spTree>
     <p:extLst>
       <p:ext uri="{BB962C8B-B14F-4D97-AF65-F5344CB8AC3E}">
-        <p14:creationId xmlns:p14="http://schemas.microsoft.com/office/powerpoint/2010/main" xmlns="" val="2146564503"/>
+        <p14:creationId xmlns="" xmlns:p14="http://schemas.microsoft.com/office/powerpoint/2010/main" val="2146564503"/>
       </p:ext>
     </p:extLst>
   </p:cSld>
@@ -586,7 +586,7 @@
     </p:spTree>
     <p:extLst>
       <p:ext uri="{BB962C8B-B14F-4D97-AF65-F5344CB8AC3E}">
-        <p14:creationId xmlns:p14="http://schemas.microsoft.com/office/powerpoint/2010/main" xmlns="" val="1128012849"/>
+        <p14:creationId xmlns="" xmlns:p14="http://schemas.microsoft.com/office/powerpoint/2010/main" val="1128012849"/>
       </p:ext>
     </p:extLst>
   </p:cSld>
@@ -616,7 +616,7 @@
     </p:spTree>
     <p:extLst>
       <p:ext uri="{BB962C8B-B14F-4D97-AF65-F5344CB8AC3E}">
-        <p14:creationId xmlns:p14="http://schemas.microsoft.com/office/powerpoint/2010/main" xmlns="" val="3697998567"/>
+        <p14:creationId xmlns="" xmlns:p14="http://schemas.microsoft.com/office/powerpoint/2010/main" val="3697998567"/>
       </p:ext>
     </p:extLst>
   </p:cSld>
@@ -928,7 +928,7 @@
     </p:spTree>
     <p:extLst>
       <p:ext uri="{BB962C8B-B14F-4D97-AF65-F5344CB8AC3E}">
-        <p14:creationId xmlns:p14="http://schemas.microsoft.com/office/powerpoint/2010/main" xmlns="" val="1750152943"/>
+        <p14:creationId xmlns="" xmlns:p14="http://schemas.microsoft.com/office/powerpoint/2010/main" val="1750152943"/>
       </p:ext>
     </p:extLst>
   </p:cSld>
@@ -958,7 +958,7 @@
     </p:spTree>
     <p:extLst>
       <p:ext uri="{BB962C8B-B14F-4D97-AF65-F5344CB8AC3E}">
-        <p14:creationId xmlns:p14="http://schemas.microsoft.com/office/powerpoint/2010/main" xmlns="" val="1544615451"/>
+        <p14:creationId xmlns="" xmlns:p14="http://schemas.microsoft.com/office/powerpoint/2010/main" val="1544615451"/>
       </p:ext>
     </p:extLst>
   </p:cSld>
@@ -1158,7 +1158,7 @@
     </p:spTree>
     <p:extLst>
       <p:ext uri="{BB962C8B-B14F-4D97-AF65-F5344CB8AC3E}">
-        <p14:creationId xmlns:p14="http://schemas.microsoft.com/office/powerpoint/2010/main" xmlns="" val="2156195717"/>
+        <p14:creationId xmlns="" xmlns:p14="http://schemas.microsoft.com/office/powerpoint/2010/main" val="2156195717"/>
       </p:ext>
     </p:extLst>
   </p:cSld>
@@ -1657,7 +1657,7 @@
     </p:spTree>
     <p:extLst>
       <p:ext uri="{BB962C8B-B14F-4D97-AF65-F5344CB8AC3E}">
-        <p14:creationId xmlns:p14="http://schemas.microsoft.com/office/powerpoint/2010/main" xmlns="" val="2985316826"/>
+        <p14:creationId xmlns="" xmlns:p14="http://schemas.microsoft.com/office/powerpoint/2010/main" val="2985316826"/>
       </p:ext>
     </p:extLst>
   </p:cSld>
@@ -2687,7 +2687,7 @@
     </p:spTree>
     <p:extLst>
       <p:ext uri="{BB962C8B-B14F-4D97-AF65-F5344CB8AC3E}">
-        <p14:creationId xmlns:p14="http://schemas.microsoft.com/office/powerpoint/2010/main" xmlns="" val="974357844"/>
+        <p14:creationId xmlns="" xmlns:p14="http://schemas.microsoft.com/office/powerpoint/2010/main" val="974357844"/>
       </p:ext>
     </p:extLst>
   </p:cSld>
@@ -3885,7 +3885,7 @@
     </p:spTree>
     <p:extLst>
       <p:ext uri="{BB962C8B-B14F-4D97-AF65-F5344CB8AC3E}">
-        <p14:creationId xmlns:p14="http://schemas.microsoft.com/office/powerpoint/2010/main" xmlns="" val="219139306"/>
+        <p14:creationId xmlns="" xmlns:p14="http://schemas.microsoft.com/office/powerpoint/2010/main" val="219139306"/>
       </p:ext>
     </p:extLst>
   </p:cSld>
@@ -4171,7 +4171,7 @@
     </p:spTree>
     <p:extLst>
       <p:ext uri="{BB962C8B-B14F-4D97-AF65-F5344CB8AC3E}">
-        <p14:creationId xmlns:p14="http://schemas.microsoft.com/office/powerpoint/2010/main" xmlns="" val="1060286032"/>
+        <p14:creationId xmlns="" xmlns:p14="http://schemas.microsoft.com/office/powerpoint/2010/main" val="1060286032"/>
       </p:ext>
     </p:extLst>
   </p:cSld>
@@ -4457,7 +4457,7 @@
     </p:spTree>
     <p:extLst>
       <p:ext uri="{BB962C8B-B14F-4D97-AF65-F5344CB8AC3E}">
-        <p14:creationId xmlns:p14="http://schemas.microsoft.com/office/powerpoint/2010/main" xmlns="" val="2765172383"/>
+        <p14:creationId xmlns="" xmlns:p14="http://schemas.microsoft.com/office/powerpoint/2010/main" val="2765172383"/>
       </p:ext>
     </p:extLst>
   </p:cSld>
@@ -4960,7 +4960,7 @@
     </p:spTree>
     <p:extLst>
       <p:ext uri="{BB962C8B-B14F-4D97-AF65-F5344CB8AC3E}">
-        <p14:creationId xmlns:p14="http://schemas.microsoft.com/office/powerpoint/2010/main" xmlns="" val="715981169"/>
+        <p14:creationId xmlns="" xmlns:p14="http://schemas.microsoft.com/office/powerpoint/2010/main" val="715981169"/>
       </p:ext>
     </p:extLst>
   </p:cSld>
@@ -4968,7 +4968,7 @@
     <a:masterClrMapping/>
   </p:clrMapOvr>
   <mc:AlternateContent xmlns:mc="http://schemas.openxmlformats.org/markup-compatibility/2006">
-    <mc:Choice xmlns:p14="http://schemas.microsoft.com/office/powerpoint/2010/main" xmlns="" Requires="p14">
+    <mc:Choice xmlns="" xmlns:p14="http://schemas.microsoft.com/office/powerpoint/2010/main" Requires="p14">
       <p:transition spd="med" p14:dur="700">
         <p:fade/>
       </p:transition>
@@ -5046,7 +5046,7 @@
           <p:cNvPr id="8" name="TextBox 7">
             <a:extLst>
               <a:ext uri="{FF2B5EF4-FFF2-40B4-BE49-F238E27FC236}">
-                <a16:creationId xmlns:a16="http://schemas.microsoft.com/office/drawing/2014/main" xmlns="" id="{B2729330-CEB6-4A30-8588-5A38361E709E}"/>
+                <a16:creationId xmlns="" xmlns:a16="http://schemas.microsoft.com/office/drawing/2014/main" id="{B2729330-CEB6-4A30-8588-5A38361E709E}"/>
               </a:ext>
             </a:extLst>
           </p:cNvPr>
@@ -5182,7 +5182,7 @@
           <p:cNvPr id="10" name="TextBox 9">
             <a:extLst>
               <a:ext uri="{FF2B5EF4-FFF2-40B4-BE49-F238E27FC236}">
-                <a16:creationId xmlns:a16="http://schemas.microsoft.com/office/drawing/2014/main" xmlns="" id="{B56A1B63-19B2-45DF-BDFB-D49C8EA71FD3}"/>
+                <a16:creationId xmlns="" xmlns:a16="http://schemas.microsoft.com/office/drawing/2014/main" id="{B56A1B63-19B2-45DF-BDFB-D49C8EA71FD3}"/>
               </a:ext>
             </a:extLst>
           </p:cNvPr>
@@ -5234,7 +5234,7 @@
           <p:cNvPr id="3" name="그림 2">
             <a:extLst>
               <a:ext uri="{FF2B5EF4-FFF2-40B4-BE49-F238E27FC236}">
-                <a16:creationId xmlns:a16="http://schemas.microsoft.com/office/drawing/2014/main" xmlns="" id="{75D35D29-7EA4-4466-A719-BBF4FAE6E420}"/>
+                <a16:creationId xmlns="" xmlns:a16="http://schemas.microsoft.com/office/drawing/2014/main" id="{75D35D29-7EA4-4466-A719-BBF4FAE6E420}"/>
               </a:ext>
             </a:extLst>
           </p:cNvPr>
@@ -5247,7 +5247,7 @@
           <a:blip r:embed="rId2" cstate="print">
             <a:extLst>
               <a:ext uri="{28A0092B-C50C-407E-A947-70E740481C1C}">
-                <a14:useLocalDpi xmlns:a14="http://schemas.microsoft.com/office/drawing/2010/main" xmlns="" val="0"/>
+                <a14:useLocalDpi xmlns="" xmlns:a14="http://schemas.microsoft.com/office/drawing/2010/main" val="0"/>
               </a:ext>
             </a:extLst>
           </a:blip>
@@ -5275,7 +5275,7 @@
           <p:cNvPr id="9" name="그림 8">
             <a:extLst>
               <a:ext uri="{FF2B5EF4-FFF2-40B4-BE49-F238E27FC236}">
-                <a16:creationId xmlns:a16="http://schemas.microsoft.com/office/drawing/2014/main" xmlns="" id="{1055A031-14B7-441D-8C55-A399BBBC4E59}"/>
+                <a16:creationId xmlns="" xmlns:a16="http://schemas.microsoft.com/office/drawing/2014/main" id="{1055A031-14B7-441D-8C55-A399BBBC4E59}"/>
               </a:ext>
             </a:extLst>
           </p:cNvPr>
@@ -5288,7 +5288,7 @@
           <a:blip r:embed="rId3" cstate="print">
             <a:extLst>
               <a:ext uri="{28A0092B-C50C-407E-A947-70E740481C1C}">
-                <a14:useLocalDpi xmlns:a14="http://schemas.microsoft.com/office/drawing/2010/main" xmlns="" val="0"/>
+                <a14:useLocalDpi xmlns="" xmlns:a14="http://schemas.microsoft.com/office/drawing/2010/main" val="0"/>
               </a:ext>
             </a:extLst>
           </a:blip>
@@ -5314,7 +5314,7 @@
     </p:spTree>
     <p:extLst>
       <p:ext uri="{BB962C8B-B14F-4D97-AF65-F5344CB8AC3E}">
-        <p14:creationId xmlns:p14="http://schemas.microsoft.com/office/powerpoint/2010/main" xmlns="" val="3195634949"/>
+        <p14:creationId xmlns="" xmlns:p14="http://schemas.microsoft.com/office/powerpoint/2010/main" val="3195634949"/>
       </p:ext>
     </p:extLst>
   </p:cSld>
@@ -5322,7 +5322,7 @@
     <a:masterClrMapping/>
   </p:clrMapOvr>
   <mc:AlternateContent xmlns:mc="http://schemas.openxmlformats.org/markup-compatibility/2006">
-    <mc:Choice xmlns:p14="http://schemas.microsoft.com/office/powerpoint/2010/main" xmlns="" Requires="p14">
+    <mc:Choice xmlns="" xmlns:p14="http://schemas.microsoft.com/office/powerpoint/2010/main" Requires="p14">
       <p:transition spd="med" p14:dur="700">
         <p:fade/>
       </p:transition>
@@ -5438,7 +5438,7 @@
           <p:cNvPr id="8" name="TextBox 7">
             <a:extLst>
               <a:ext uri="{FF2B5EF4-FFF2-40B4-BE49-F238E27FC236}">
-                <a16:creationId xmlns:a16="http://schemas.microsoft.com/office/drawing/2014/main" xmlns="" id="{B2729330-CEB6-4A30-8588-5A38361E709E}"/>
+                <a16:creationId xmlns="" xmlns:a16="http://schemas.microsoft.com/office/drawing/2014/main" id="{B2729330-CEB6-4A30-8588-5A38361E709E}"/>
               </a:ext>
             </a:extLst>
           </p:cNvPr>
@@ -5577,7 +5577,7 @@
           <p:cNvPr id="10" name="TextBox 9">
             <a:extLst>
               <a:ext uri="{FF2B5EF4-FFF2-40B4-BE49-F238E27FC236}">
-                <a16:creationId xmlns:a16="http://schemas.microsoft.com/office/drawing/2014/main" xmlns="" id="{B56A1B63-19B2-45DF-BDFB-D49C8EA71FD3}"/>
+                <a16:creationId xmlns="" xmlns:a16="http://schemas.microsoft.com/office/drawing/2014/main" id="{B56A1B63-19B2-45DF-BDFB-D49C8EA71FD3}"/>
               </a:ext>
             </a:extLst>
           </p:cNvPr>
@@ -5629,7 +5629,7 @@
           <p:cNvPr id="4" name="그림 3">
             <a:extLst>
               <a:ext uri="{FF2B5EF4-FFF2-40B4-BE49-F238E27FC236}">
-                <a16:creationId xmlns:a16="http://schemas.microsoft.com/office/drawing/2014/main" xmlns="" id="{52969E30-CCD5-4585-9926-D44257894A50}"/>
+                <a16:creationId xmlns="" xmlns:a16="http://schemas.microsoft.com/office/drawing/2014/main" id="{52969E30-CCD5-4585-9926-D44257894A50}"/>
               </a:ext>
             </a:extLst>
           </p:cNvPr>
@@ -5642,7 +5642,7 @@
           <a:blip r:embed="rId2" cstate="print">
             <a:extLst>
               <a:ext uri="{28A0092B-C50C-407E-A947-70E740481C1C}">
-                <a14:useLocalDpi xmlns:a14="http://schemas.microsoft.com/office/drawing/2010/main" xmlns="" val="0"/>
+                <a14:useLocalDpi xmlns="" xmlns:a14="http://schemas.microsoft.com/office/drawing/2010/main" val="0"/>
               </a:ext>
             </a:extLst>
           </a:blip>
@@ -5670,7 +5670,7 @@
           <p:cNvPr id="7" name="그림 6">
             <a:extLst>
               <a:ext uri="{FF2B5EF4-FFF2-40B4-BE49-F238E27FC236}">
-                <a16:creationId xmlns:a16="http://schemas.microsoft.com/office/drawing/2014/main" xmlns="" id="{FCCCFA58-E725-4173-AD94-428DF861C45E}"/>
+                <a16:creationId xmlns="" xmlns:a16="http://schemas.microsoft.com/office/drawing/2014/main" id="{FCCCFA58-E725-4173-AD94-428DF861C45E}"/>
               </a:ext>
             </a:extLst>
           </p:cNvPr>
@@ -5683,7 +5683,7 @@
           <a:blip r:embed="rId3" cstate="print">
             <a:extLst>
               <a:ext uri="{28A0092B-C50C-407E-A947-70E740481C1C}">
-                <a14:useLocalDpi xmlns:a14="http://schemas.microsoft.com/office/drawing/2010/main" xmlns="" val="0"/>
+                <a14:useLocalDpi xmlns="" xmlns:a14="http://schemas.microsoft.com/office/drawing/2010/main" val="0"/>
               </a:ext>
             </a:extLst>
           </a:blip>
@@ -5709,7 +5709,7 @@
     </p:spTree>
     <p:extLst>
       <p:ext uri="{BB962C8B-B14F-4D97-AF65-F5344CB8AC3E}">
-        <p14:creationId xmlns:p14="http://schemas.microsoft.com/office/powerpoint/2010/main" xmlns="" val="879718177"/>
+        <p14:creationId xmlns="" xmlns:p14="http://schemas.microsoft.com/office/powerpoint/2010/main" val="879718177"/>
       </p:ext>
     </p:extLst>
   </p:cSld>
@@ -5717,7 +5717,7 @@
     <a:masterClrMapping/>
   </p:clrMapOvr>
   <mc:AlternateContent xmlns:mc="http://schemas.openxmlformats.org/markup-compatibility/2006">
-    <mc:Choice xmlns:p14="http://schemas.microsoft.com/office/powerpoint/2010/main" xmlns="" Requires="p14">
+    <mc:Choice xmlns="" xmlns:p14="http://schemas.microsoft.com/office/powerpoint/2010/main" Requires="p14">
       <p:transition spd="med" p14:dur="700">
         <p:fade/>
       </p:transition>
@@ -5833,7 +5833,7 @@
           <p:cNvPr id="8" name="TextBox 7">
             <a:extLst>
               <a:ext uri="{FF2B5EF4-FFF2-40B4-BE49-F238E27FC236}">
-                <a16:creationId xmlns:a16="http://schemas.microsoft.com/office/drawing/2014/main" xmlns="" id="{B2729330-CEB6-4A30-8588-5A38361E709E}"/>
+                <a16:creationId xmlns="" xmlns:a16="http://schemas.microsoft.com/office/drawing/2014/main" id="{B2729330-CEB6-4A30-8588-5A38361E709E}"/>
               </a:ext>
             </a:extLst>
           </p:cNvPr>
@@ -5907,7 +5907,7 @@
           <p:cNvPr id="10" name="TextBox 9">
             <a:extLst>
               <a:ext uri="{FF2B5EF4-FFF2-40B4-BE49-F238E27FC236}">
-                <a16:creationId xmlns:a16="http://schemas.microsoft.com/office/drawing/2014/main" xmlns="" id="{B56A1B63-19B2-45DF-BDFB-D49C8EA71FD3}"/>
+                <a16:creationId xmlns="" xmlns:a16="http://schemas.microsoft.com/office/drawing/2014/main" id="{B56A1B63-19B2-45DF-BDFB-D49C8EA71FD3}"/>
               </a:ext>
             </a:extLst>
           </p:cNvPr>
@@ -5959,7 +5959,7 @@
           <p:cNvPr id="3" name="그림 2">
             <a:extLst>
               <a:ext uri="{FF2B5EF4-FFF2-40B4-BE49-F238E27FC236}">
-                <a16:creationId xmlns:a16="http://schemas.microsoft.com/office/drawing/2014/main" xmlns="" id="{30CF940C-8226-4F48-8D0F-C1491DF7AF9F}"/>
+                <a16:creationId xmlns="" xmlns:a16="http://schemas.microsoft.com/office/drawing/2014/main" id="{30CF940C-8226-4F48-8D0F-C1491DF7AF9F}"/>
               </a:ext>
             </a:extLst>
           </p:cNvPr>
@@ -5972,7 +5972,7 @@
           <a:blip r:embed="rId2" cstate="print">
             <a:extLst>
               <a:ext uri="{28A0092B-C50C-407E-A947-70E740481C1C}">
-                <a14:useLocalDpi xmlns:a14="http://schemas.microsoft.com/office/drawing/2010/main" xmlns="" val="0"/>
+                <a14:useLocalDpi xmlns="" xmlns:a14="http://schemas.microsoft.com/office/drawing/2010/main" val="0"/>
               </a:ext>
             </a:extLst>
           </a:blip>
@@ -6000,7 +6000,7 @@
           <p:cNvPr id="9" name="그림 8">
             <a:extLst>
               <a:ext uri="{FF2B5EF4-FFF2-40B4-BE49-F238E27FC236}">
-                <a16:creationId xmlns:a16="http://schemas.microsoft.com/office/drawing/2014/main" xmlns="" id="{50064BE1-CC3E-4188-B4E9-EF15E1A2C7FC}"/>
+                <a16:creationId xmlns="" xmlns:a16="http://schemas.microsoft.com/office/drawing/2014/main" id="{50064BE1-CC3E-4188-B4E9-EF15E1A2C7FC}"/>
               </a:ext>
             </a:extLst>
           </p:cNvPr>
@@ -6013,7 +6013,7 @@
           <a:blip r:embed="rId3" cstate="print">
             <a:extLst>
               <a:ext uri="{28A0092B-C50C-407E-A947-70E740481C1C}">
-                <a14:useLocalDpi xmlns:a14="http://schemas.microsoft.com/office/drawing/2010/main" xmlns="" val="0"/>
+                <a14:useLocalDpi xmlns="" xmlns:a14="http://schemas.microsoft.com/office/drawing/2010/main" val="0"/>
               </a:ext>
             </a:extLst>
           </a:blip>
@@ -6041,7 +6041,7 @@
           <p:cNvPr id="14" name="연결선: 구부러짐 13">
             <a:extLst>
               <a:ext uri="{FF2B5EF4-FFF2-40B4-BE49-F238E27FC236}">
-                <a16:creationId xmlns:a16="http://schemas.microsoft.com/office/drawing/2014/main" xmlns="" id="{8A38B8B5-497E-4E95-903A-9AA32C84BF4C}"/>
+                <a16:creationId xmlns="" xmlns:a16="http://schemas.microsoft.com/office/drawing/2014/main" id="{8A38B8B5-497E-4E95-903A-9AA32C84BF4C}"/>
               </a:ext>
             </a:extLst>
           </p:cNvPr>
@@ -6082,7 +6082,7 @@
     </p:spTree>
     <p:extLst>
       <p:ext uri="{BB962C8B-B14F-4D97-AF65-F5344CB8AC3E}">
-        <p14:creationId xmlns:p14="http://schemas.microsoft.com/office/powerpoint/2010/main" xmlns="" val="3846446380"/>
+        <p14:creationId xmlns="" xmlns:p14="http://schemas.microsoft.com/office/powerpoint/2010/main" val="3846446380"/>
       </p:ext>
     </p:extLst>
   </p:cSld>
@@ -6090,7 +6090,7 @@
     <a:masterClrMapping/>
   </p:clrMapOvr>
   <mc:AlternateContent xmlns:mc="http://schemas.openxmlformats.org/markup-compatibility/2006">
-    <mc:Choice xmlns:p14="http://schemas.microsoft.com/office/powerpoint/2010/main" xmlns="" Requires="p14">
+    <mc:Choice xmlns="" xmlns:p14="http://schemas.microsoft.com/office/powerpoint/2010/main" Requires="p14">
       <p:transition spd="med" p14:dur="700">
         <p:fade/>
       </p:transition>
@@ -6206,7 +6206,7 @@
           <p:cNvPr id="8" name="TextBox 7">
             <a:extLst>
               <a:ext uri="{FF2B5EF4-FFF2-40B4-BE49-F238E27FC236}">
-                <a16:creationId xmlns:a16="http://schemas.microsoft.com/office/drawing/2014/main" xmlns="" id="{B2729330-CEB6-4A30-8588-5A38361E709E}"/>
+                <a16:creationId xmlns="" xmlns:a16="http://schemas.microsoft.com/office/drawing/2014/main" id="{B2729330-CEB6-4A30-8588-5A38361E709E}"/>
               </a:ext>
             </a:extLst>
           </p:cNvPr>
@@ -6292,7 +6292,7 @@
           <p:cNvPr id="10" name="TextBox 9">
             <a:extLst>
               <a:ext uri="{FF2B5EF4-FFF2-40B4-BE49-F238E27FC236}">
-                <a16:creationId xmlns:a16="http://schemas.microsoft.com/office/drawing/2014/main" xmlns="" id="{B56A1B63-19B2-45DF-BDFB-D49C8EA71FD3}"/>
+                <a16:creationId xmlns="" xmlns:a16="http://schemas.microsoft.com/office/drawing/2014/main" id="{B56A1B63-19B2-45DF-BDFB-D49C8EA71FD3}"/>
               </a:ext>
             </a:extLst>
           </p:cNvPr>
@@ -6344,7 +6344,7 @@
           <p:cNvPr id="4" name="그림 3">
             <a:extLst>
               <a:ext uri="{FF2B5EF4-FFF2-40B4-BE49-F238E27FC236}">
-                <a16:creationId xmlns:a16="http://schemas.microsoft.com/office/drawing/2014/main" xmlns="" id="{3D5DD2DA-004E-4489-A541-E01685CD0E91}"/>
+                <a16:creationId xmlns="" xmlns:a16="http://schemas.microsoft.com/office/drawing/2014/main" id="{3D5DD2DA-004E-4489-A541-E01685CD0E91}"/>
               </a:ext>
             </a:extLst>
           </p:cNvPr>
@@ -6357,7 +6357,7 @@
           <a:blip r:embed="rId2" cstate="print">
             <a:extLst>
               <a:ext uri="{28A0092B-C50C-407E-A947-70E740481C1C}">
-                <a14:useLocalDpi xmlns:a14="http://schemas.microsoft.com/office/drawing/2010/main" xmlns="" val="0"/>
+                <a14:useLocalDpi xmlns="" xmlns:a14="http://schemas.microsoft.com/office/drawing/2010/main" val="0"/>
               </a:ext>
             </a:extLst>
           </a:blip>
@@ -6383,7 +6383,7 @@
     </p:spTree>
     <p:extLst>
       <p:ext uri="{BB962C8B-B14F-4D97-AF65-F5344CB8AC3E}">
-        <p14:creationId xmlns:p14="http://schemas.microsoft.com/office/powerpoint/2010/main" xmlns="" val="450904341"/>
+        <p14:creationId xmlns="" xmlns:p14="http://schemas.microsoft.com/office/powerpoint/2010/main" val="450904341"/>
       </p:ext>
     </p:extLst>
   </p:cSld>
@@ -6391,7 +6391,7 @@
     <a:masterClrMapping/>
   </p:clrMapOvr>
   <mc:AlternateContent xmlns:mc="http://schemas.openxmlformats.org/markup-compatibility/2006">
-    <mc:Choice xmlns:p14="http://schemas.microsoft.com/office/powerpoint/2010/main" xmlns="" Requires="p14">
+    <mc:Choice xmlns="" xmlns:p14="http://schemas.microsoft.com/office/powerpoint/2010/main" Requires="p14">
       <p:transition spd="med" p14:dur="700">
         <p:fade/>
       </p:transition>
@@ -6507,7 +6507,7 @@
           <p:cNvPr id="8" name="TextBox 7">
             <a:extLst>
               <a:ext uri="{FF2B5EF4-FFF2-40B4-BE49-F238E27FC236}">
-                <a16:creationId xmlns:a16="http://schemas.microsoft.com/office/drawing/2014/main" xmlns="" id="{B2729330-CEB6-4A30-8588-5A38361E709E}"/>
+                <a16:creationId xmlns="" xmlns:a16="http://schemas.microsoft.com/office/drawing/2014/main" id="{B2729330-CEB6-4A30-8588-5A38361E709E}"/>
               </a:ext>
             </a:extLst>
           </p:cNvPr>
@@ -6562,7 +6562,7 @@
           <p:cNvPr id="10" name="TextBox 9">
             <a:extLst>
               <a:ext uri="{FF2B5EF4-FFF2-40B4-BE49-F238E27FC236}">
-                <a16:creationId xmlns:a16="http://schemas.microsoft.com/office/drawing/2014/main" xmlns="" id="{B56A1B63-19B2-45DF-BDFB-D49C8EA71FD3}"/>
+                <a16:creationId xmlns="" xmlns:a16="http://schemas.microsoft.com/office/drawing/2014/main" id="{B56A1B63-19B2-45DF-BDFB-D49C8EA71FD3}"/>
               </a:ext>
             </a:extLst>
           </p:cNvPr>
@@ -6614,7 +6614,7 @@
           <p:cNvPr id="4" name="그림 3">
             <a:extLst>
               <a:ext uri="{FF2B5EF4-FFF2-40B4-BE49-F238E27FC236}">
-                <a16:creationId xmlns:a16="http://schemas.microsoft.com/office/drawing/2014/main" xmlns="" id="{A33377BE-9A0E-41AC-A2ED-314FCBE2E603}"/>
+                <a16:creationId xmlns="" xmlns:a16="http://schemas.microsoft.com/office/drawing/2014/main" id="{A33377BE-9A0E-41AC-A2ED-314FCBE2E603}"/>
               </a:ext>
             </a:extLst>
           </p:cNvPr>
@@ -6627,7 +6627,7 @@
           <a:blip r:embed="rId2" cstate="print">
             <a:extLst>
               <a:ext uri="{28A0092B-C50C-407E-A947-70E740481C1C}">
-                <a14:useLocalDpi xmlns:a14="http://schemas.microsoft.com/office/drawing/2010/main" xmlns="" val="0"/>
+                <a14:useLocalDpi xmlns="" xmlns:a14="http://schemas.microsoft.com/office/drawing/2010/main" val="0"/>
               </a:ext>
             </a:extLst>
           </a:blip>
@@ -6655,7 +6655,7 @@
           <p:cNvPr id="7" name="그림 6">
             <a:extLst>
               <a:ext uri="{FF2B5EF4-FFF2-40B4-BE49-F238E27FC236}">
-                <a16:creationId xmlns:a16="http://schemas.microsoft.com/office/drawing/2014/main" xmlns="" id="{D62DC2FB-0B52-4D6A-B977-FA1D925FCA37}"/>
+                <a16:creationId xmlns="" xmlns:a16="http://schemas.microsoft.com/office/drawing/2014/main" id="{D62DC2FB-0B52-4D6A-B977-FA1D925FCA37}"/>
               </a:ext>
             </a:extLst>
           </p:cNvPr>
@@ -6668,7 +6668,7 @@
           <a:blip r:embed="rId3" cstate="print">
             <a:extLst>
               <a:ext uri="{28A0092B-C50C-407E-A947-70E740481C1C}">
-                <a14:useLocalDpi xmlns:a14="http://schemas.microsoft.com/office/drawing/2010/main" xmlns="" val="0"/>
+                <a14:useLocalDpi xmlns="" xmlns:a14="http://schemas.microsoft.com/office/drawing/2010/main" val="0"/>
               </a:ext>
             </a:extLst>
           </a:blip>
@@ -6696,7 +6696,7 @@
           <p:cNvPr id="12" name="연결선: 구부러짐 11">
             <a:extLst>
               <a:ext uri="{FF2B5EF4-FFF2-40B4-BE49-F238E27FC236}">
-                <a16:creationId xmlns:a16="http://schemas.microsoft.com/office/drawing/2014/main" xmlns="" id="{B26B4B4F-6A0A-48BC-B667-CD6FF3AD14A5}"/>
+                <a16:creationId xmlns="" xmlns:a16="http://schemas.microsoft.com/office/drawing/2014/main" id="{B26B4B4F-6A0A-48BC-B667-CD6FF3AD14A5}"/>
               </a:ext>
             </a:extLst>
           </p:cNvPr>
@@ -6735,7 +6735,7 @@
           <p:cNvPr id="1030" name="Picture 6" descr="돋보기에 대한 이미지 검색결과">
             <a:extLst>
               <a:ext uri="{FF2B5EF4-FFF2-40B4-BE49-F238E27FC236}">
-                <a16:creationId xmlns:a16="http://schemas.microsoft.com/office/drawing/2014/main" xmlns="" id="{2A5D9044-1041-4F92-8CD1-777F4DB9BD76}"/>
+                <a16:creationId xmlns="" xmlns:a16="http://schemas.microsoft.com/office/drawing/2014/main" id="{2A5D9044-1041-4F92-8CD1-777F4DB9BD76}"/>
               </a:ext>
             </a:extLst>
           </p:cNvPr>
@@ -6748,7 +6748,7 @@
           <a:blip r:embed="rId4" cstate="print">
             <a:extLst>
               <a:ext uri="{28A0092B-C50C-407E-A947-70E740481C1C}">
-                <a14:useLocalDpi xmlns:a14="http://schemas.microsoft.com/office/drawing/2010/main" xmlns="" val="0"/>
+                <a14:useLocalDpi xmlns="" xmlns:a14="http://schemas.microsoft.com/office/drawing/2010/main" val="0"/>
               </a:ext>
             </a:extLst>
           </a:blip>
@@ -6768,7 +6768,7 @@
           <a:noFill/>
           <a:extLst>
             <a:ext uri="{909E8E84-426E-40DD-AFC4-6F175D3DCCD1}">
-              <a14:hiddenFill xmlns:a14="http://schemas.microsoft.com/office/drawing/2010/main" xmlns="">
+              <a14:hiddenFill xmlns="" xmlns:a14="http://schemas.microsoft.com/office/drawing/2010/main">
                 <a:solidFill>
                   <a:srgbClr val="FFFFFF"/>
                 </a:solidFill>
@@ -6780,7 +6780,7 @@
     </p:spTree>
     <p:extLst>
       <p:ext uri="{BB962C8B-B14F-4D97-AF65-F5344CB8AC3E}">
-        <p14:creationId xmlns:p14="http://schemas.microsoft.com/office/powerpoint/2010/main" xmlns="" val="2906056090"/>
+        <p14:creationId xmlns="" xmlns:p14="http://schemas.microsoft.com/office/powerpoint/2010/main" val="2906056090"/>
       </p:ext>
     </p:extLst>
   </p:cSld>
@@ -6788,7 +6788,7 @@
     <a:masterClrMapping/>
   </p:clrMapOvr>
   <mc:AlternateContent xmlns:mc="http://schemas.openxmlformats.org/markup-compatibility/2006">
-    <mc:Choice xmlns:p14="http://schemas.microsoft.com/office/powerpoint/2010/main" xmlns="" Requires="p14">
+    <mc:Choice xmlns="" xmlns:p14="http://schemas.microsoft.com/office/powerpoint/2010/main" Requires="p14">
       <p:transition spd="med" p14:dur="700">
         <p:fade/>
       </p:transition>
@@ -6904,7 +6904,7 @@
           <p:cNvPr id="8" name="TextBox 7">
             <a:extLst>
               <a:ext uri="{FF2B5EF4-FFF2-40B4-BE49-F238E27FC236}">
-                <a16:creationId xmlns:a16="http://schemas.microsoft.com/office/drawing/2014/main" xmlns="" id="{B2729330-CEB6-4A30-8588-5A38361E709E}"/>
+                <a16:creationId xmlns="" xmlns:a16="http://schemas.microsoft.com/office/drawing/2014/main" id="{B2729330-CEB6-4A30-8588-5A38361E709E}"/>
               </a:ext>
             </a:extLst>
           </p:cNvPr>
@@ -7013,7 +7013,7 @@
           <p:cNvPr id="10" name="TextBox 9">
             <a:extLst>
               <a:ext uri="{FF2B5EF4-FFF2-40B4-BE49-F238E27FC236}">
-                <a16:creationId xmlns:a16="http://schemas.microsoft.com/office/drawing/2014/main" xmlns="" id="{B56A1B63-19B2-45DF-BDFB-D49C8EA71FD3}"/>
+                <a16:creationId xmlns="" xmlns:a16="http://schemas.microsoft.com/office/drawing/2014/main" id="{B56A1B63-19B2-45DF-BDFB-D49C8EA71FD3}"/>
               </a:ext>
             </a:extLst>
           </p:cNvPr>
@@ -7065,7 +7065,7 @@
           <p:cNvPr id="4" name="그림 3">
             <a:extLst>
               <a:ext uri="{FF2B5EF4-FFF2-40B4-BE49-F238E27FC236}">
-                <a16:creationId xmlns:a16="http://schemas.microsoft.com/office/drawing/2014/main" xmlns="" id="{6384CCFE-4E42-4CE0-8ACB-F7E3AF7A0945}"/>
+                <a16:creationId xmlns="" xmlns:a16="http://schemas.microsoft.com/office/drawing/2014/main" id="{6384CCFE-4E42-4CE0-8ACB-F7E3AF7A0945}"/>
               </a:ext>
             </a:extLst>
           </p:cNvPr>
@@ -7078,7 +7078,7 @@
           <a:blip r:embed="rId2" cstate="print">
             <a:extLst>
               <a:ext uri="{28A0092B-C50C-407E-A947-70E740481C1C}">
-                <a14:useLocalDpi xmlns:a14="http://schemas.microsoft.com/office/drawing/2010/main" xmlns="" val="0"/>
+                <a14:useLocalDpi xmlns="" xmlns:a14="http://schemas.microsoft.com/office/drawing/2010/main" val="0"/>
               </a:ext>
             </a:extLst>
           </a:blip>
@@ -7106,7 +7106,7 @@
           <p:cNvPr id="7" name="그림 6">
             <a:extLst>
               <a:ext uri="{FF2B5EF4-FFF2-40B4-BE49-F238E27FC236}">
-                <a16:creationId xmlns:a16="http://schemas.microsoft.com/office/drawing/2014/main" xmlns="" id="{859A06FC-E1BC-4568-A18F-5672564E6635}"/>
+                <a16:creationId xmlns="" xmlns:a16="http://schemas.microsoft.com/office/drawing/2014/main" id="{859A06FC-E1BC-4568-A18F-5672564E6635}"/>
               </a:ext>
             </a:extLst>
           </p:cNvPr>
@@ -7119,7 +7119,7 @@
           <a:blip r:embed="rId3" cstate="print">
             <a:extLst>
               <a:ext uri="{28A0092B-C50C-407E-A947-70E740481C1C}">
-                <a14:useLocalDpi xmlns:a14="http://schemas.microsoft.com/office/drawing/2010/main" xmlns="" val="0"/>
+                <a14:useLocalDpi xmlns="" xmlns:a14="http://schemas.microsoft.com/office/drawing/2010/main" val="0"/>
               </a:ext>
             </a:extLst>
           </a:blip>
@@ -7147,7 +7147,7 @@
           <p:cNvPr id="12" name="TextBox 11">
             <a:extLst>
               <a:ext uri="{FF2B5EF4-FFF2-40B4-BE49-F238E27FC236}">
-                <a16:creationId xmlns:a16="http://schemas.microsoft.com/office/drawing/2014/main" xmlns="" id="{DD49FC39-630F-4E6B-BAFB-7A56504DF281}"/>
+                <a16:creationId xmlns="" xmlns:a16="http://schemas.microsoft.com/office/drawing/2014/main" id="{DD49FC39-630F-4E6B-BAFB-7A56504DF281}"/>
               </a:ext>
             </a:extLst>
           </p:cNvPr>
@@ -7196,7 +7196,7 @@
           <p:cNvPr id="13" name="TextBox 12">
             <a:extLst>
               <a:ext uri="{FF2B5EF4-FFF2-40B4-BE49-F238E27FC236}">
-                <a16:creationId xmlns:a16="http://schemas.microsoft.com/office/drawing/2014/main" xmlns="" id="{033B6F89-9886-4056-A485-286BC79F357D}"/>
+                <a16:creationId xmlns="" xmlns:a16="http://schemas.microsoft.com/office/drawing/2014/main" id="{033B6F89-9886-4056-A485-286BC79F357D}"/>
               </a:ext>
             </a:extLst>
           </p:cNvPr>
@@ -7245,7 +7245,7 @@
           <p:cNvPr id="11" name="화살표: 위쪽 10">
             <a:extLst>
               <a:ext uri="{FF2B5EF4-FFF2-40B4-BE49-F238E27FC236}">
-                <a16:creationId xmlns:a16="http://schemas.microsoft.com/office/drawing/2014/main" xmlns="" id="{82BE42AD-5B81-4B34-8FCE-C6B781615C37}"/>
+                <a16:creationId xmlns="" xmlns:a16="http://schemas.microsoft.com/office/drawing/2014/main" id="{82BE42AD-5B81-4B34-8FCE-C6B781615C37}"/>
               </a:ext>
             </a:extLst>
           </p:cNvPr>
@@ -7291,7 +7291,7 @@
           <p:cNvPr id="15" name="화살표: 위쪽 14">
             <a:extLst>
               <a:ext uri="{FF2B5EF4-FFF2-40B4-BE49-F238E27FC236}">
-                <a16:creationId xmlns:a16="http://schemas.microsoft.com/office/drawing/2014/main" xmlns="" id="{348F676E-9DD9-47B8-A8BB-382528F8F52F}"/>
+                <a16:creationId xmlns="" xmlns:a16="http://schemas.microsoft.com/office/drawing/2014/main" id="{348F676E-9DD9-47B8-A8BB-382528F8F52F}"/>
               </a:ext>
             </a:extLst>
           </p:cNvPr>
@@ -7335,7 +7335,7 @@
     </p:spTree>
     <p:extLst>
       <p:ext uri="{BB962C8B-B14F-4D97-AF65-F5344CB8AC3E}">
-        <p14:creationId xmlns:p14="http://schemas.microsoft.com/office/powerpoint/2010/main" xmlns="" val="2401772221"/>
+        <p14:creationId xmlns="" xmlns:p14="http://schemas.microsoft.com/office/powerpoint/2010/main" val="2401772221"/>
       </p:ext>
     </p:extLst>
   </p:cSld>
@@ -7343,7 +7343,7 @@
     <a:masterClrMapping/>
   </p:clrMapOvr>
   <mc:AlternateContent xmlns:mc="http://schemas.openxmlformats.org/markup-compatibility/2006">
-    <mc:Choice xmlns:p14="http://schemas.microsoft.com/office/powerpoint/2010/main" xmlns="" Requires="p14">
+    <mc:Choice xmlns="" xmlns:p14="http://schemas.microsoft.com/office/powerpoint/2010/main" Requires="p14">
       <p:transition spd="med" p14:dur="700">
         <p:fade/>
       </p:transition>
@@ -7459,7 +7459,7 @@
           <p:cNvPr id="8" name="TextBox 7">
             <a:extLst>
               <a:ext uri="{FF2B5EF4-FFF2-40B4-BE49-F238E27FC236}">
-                <a16:creationId xmlns:a16="http://schemas.microsoft.com/office/drawing/2014/main" xmlns="" id="{B2729330-CEB6-4A30-8588-5A38361E709E}"/>
+                <a16:creationId xmlns="" xmlns:a16="http://schemas.microsoft.com/office/drawing/2014/main" id="{B2729330-CEB6-4A30-8588-5A38361E709E}"/>
               </a:ext>
             </a:extLst>
           </p:cNvPr>
@@ -7534,7 +7534,7 @@
           <p:cNvPr id="10" name="TextBox 9">
             <a:extLst>
               <a:ext uri="{FF2B5EF4-FFF2-40B4-BE49-F238E27FC236}">
-                <a16:creationId xmlns:a16="http://schemas.microsoft.com/office/drawing/2014/main" xmlns="" id="{B56A1B63-19B2-45DF-BDFB-D49C8EA71FD3}"/>
+                <a16:creationId xmlns="" xmlns:a16="http://schemas.microsoft.com/office/drawing/2014/main" id="{B56A1B63-19B2-45DF-BDFB-D49C8EA71FD3}"/>
               </a:ext>
             </a:extLst>
           </p:cNvPr>
@@ -7638,7 +7638,7 @@
           <p:cNvPr id="12" name="TextBox 11">
             <a:extLst>
               <a:ext uri="{FF2B5EF4-FFF2-40B4-BE49-F238E27FC236}">
-                <a16:creationId xmlns:a16="http://schemas.microsoft.com/office/drawing/2014/main" xmlns="" id="{DD49FC39-630F-4E6B-BAFB-7A56504DF281}"/>
+                <a16:creationId xmlns="" xmlns:a16="http://schemas.microsoft.com/office/drawing/2014/main" id="{DD49FC39-630F-4E6B-BAFB-7A56504DF281}"/>
               </a:ext>
             </a:extLst>
           </p:cNvPr>
@@ -7687,7 +7687,7 @@
           <p:cNvPr id="13" name="TextBox 12">
             <a:extLst>
               <a:ext uri="{FF2B5EF4-FFF2-40B4-BE49-F238E27FC236}">
-                <a16:creationId xmlns:a16="http://schemas.microsoft.com/office/drawing/2014/main" xmlns="" id="{033B6F89-9886-4056-A485-286BC79F357D}"/>
+                <a16:creationId xmlns="" xmlns:a16="http://schemas.microsoft.com/office/drawing/2014/main" id="{033B6F89-9886-4056-A485-286BC79F357D}"/>
               </a:ext>
             </a:extLst>
           </p:cNvPr>
@@ -7736,7 +7736,7 @@
           <p:cNvPr id="11" name="화살표: 위쪽 10">
             <a:extLst>
               <a:ext uri="{FF2B5EF4-FFF2-40B4-BE49-F238E27FC236}">
-                <a16:creationId xmlns:a16="http://schemas.microsoft.com/office/drawing/2014/main" xmlns="" id="{82BE42AD-5B81-4B34-8FCE-C6B781615C37}"/>
+                <a16:creationId xmlns="" xmlns:a16="http://schemas.microsoft.com/office/drawing/2014/main" id="{82BE42AD-5B81-4B34-8FCE-C6B781615C37}"/>
               </a:ext>
             </a:extLst>
           </p:cNvPr>
@@ -7782,7 +7782,7 @@
           <p:cNvPr id="15" name="화살표: 위쪽 14">
             <a:extLst>
               <a:ext uri="{FF2B5EF4-FFF2-40B4-BE49-F238E27FC236}">
-                <a16:creationId xmlns:a16="http://schemas.microsoft.com/office/drawing/2014/main" xmlns="" id="{348F676E-9DD9-47B8-A8BB-382528F8F52F}"/>
+                <a16:creationId xmlns="" xmlns:a16="http://schemas.microsoft.com/office/drawing/2014/main" id="{348F676E-9DD9-47B8-A8BB-382528F8F52F}"/>
               </a:ext>
             </a:extLst>
           </p:cNvPr>
@@ -7828,7 +7828,7 @@
           <p:cNvPr id="3" name="그림 2">
             <a:extLst>
               <a:ext uri="{FF2B5EF4-FFF2-40B4-BE49-F238E27FC236}">
-                <a16:creationId xmlns:a16="http://schemas.microsoft.com/office/drawing/2014/main" xmlns="" id="{986AE201-89EA-4AFB-9AC0-9B5991658A53}"/>
+                <a16:creationId xmlns="" xmlns:a16="http://schemas.microsoft.com/office/drawing/2014/main" id="{986AE201-89EA-4AFB-9AC0-9B5991658A53}"/>
               </a:ext>
             </a:extLst>
           </p:cNvPr>
@@ -7841,7 +7841,7 @@
           <a:blip r:embed="rId2" cstate="print">
             <a:extLst>
               <a:ext uri="{28A0092B-C50C-407E-A947-70E740481C1C}">
-                <a14:useLocalDpi xmlns:a14="http://schemas.microsoft.com/office/drawing/2010/main" xmlns="" val="0"/>
+                <a14:useLocalDpi xmlns="" xmlns:a14="http://schemas.microsoft.com/office/drawing/2010/main" val="0"/>
               </a:ext>
             </a:extLst>
           </a:blip>
@@ -7869,7 +7869,7 @@
           <p:cNvPr id="9" name="그림 8">
             <a:extLst>
               <a:ext uri="{FF2B5EF4-FFF2-40B4-BE49-F238E27FC236}">
-                <a16:creationId xmlns:a16="http://schemas.microsoft.com/office/drawing/2014/main" xmlns="" id="{E1A59386-37E8-4140-AB0C-4322474062AA}"/>
+                <a16:creationId xmlns="" xmlns:a16="http://schemas.microsoft.com/office/drawing/2014/main" id="{E1A59386-37E8-4140-AB0C-4322474062AA}"/>
               </a:ext>
             </a:extLst>
           </p:cNvPr>
@@ -7882,7 +7882,7 @@
           <a:blip r:embed="rId3" cstate="print">
             <a:extLst>
               <a:ext uri="{28A0092B-C50C-407E-A947-70E740481C1C}">
-                <a14:useLocalDpi xmlns:a14="http://schemas.microsoft.com/office/drawing/2010/main" xmlns="" val="0"/>
+                <a14:useLocalDpi xmlns="" xmlns:a14="http://schemas.microsoft.com/office/drawing/2010/main" val="0"/>
               </a:ext>
             </a:extLst>
           </a:blip>
@@ -7908,7 +7908,7 @@
     </p:spTree>
     <p:extLst>
       <p:ext uri="{BB962C8B-B14F-4D97-AF65-F5344CB8AC3E}">
-        <p14:creationId xmlns:p14="http://schemas.microsoft.com/office/powerpoint/2010/main" xmlns="" val="1619140408"/>
+        <p14:creationId xmlns="" xmlns:p14="http://schemas.microsoft.com/office/powerpoint/2010/main" val="1619140408"/>
       </p:ext>
     </p:extLst>
   </p:cSld>
@@ -7916,7 +7916,7 @@
     <a:masterClrMapping/>
   </p:clrMapOvr>
   <mc:AlternateContent xmlns:mc="http://schemas.openxmlformats.org/markup-compatibility/2006">
-    <mc:Choice xmlns:p14="http://schemas.microsoft.com/office/powerpoint/2010/main" xmlns="" Requires="p14">
+    <mc:Choice xmlns="" xmlns:p14="http://schemas.microsoft.com/office/powerpoint/2010/main" Requires="p14">
       <p:transition spd="med" p14:dur="700">
         <p:fade/>
       </p:transition>
@@ -8032,7 +8032,7 @@
           <p:cNvPr id="8" name="TextBox 7">
             <a:extLst>
               <a:ext uri="{FF2B5EF4-FFF2-40B4-BE49-F238E27FC236}">
-                <a16:creationId xmlns:a16="http://schemas.microsoft.com/office/drawing/2014/main" xmlns="" id="{B2729330-CEB6-4A30-8588-5A38361E709E}"/>
+                <a16:creationId xmlns="" xmlns:a16="http://schemas.microsoft.com/office/drawing/2014/main" id="{B2729330-CEB6-4A30-8588-5A38361E709E}"/>
               </a:ext>
             </a:extLst>
           </p:cNvPr>
@@ -8107,7 +8107,7 @@
           <p:cNvPr id="10" name="TextBox 9">
             <a:extLst>
               <a:ext uri="{FF2B5EF4-FFF2-40B4-BE49-F238E27FC236}">
-                <a16:creationId xmlns:a16="http://schemas.microsoft.com/office/drawing/2014/main" xmlns="" id="{B56A1B63-19B2-45DF-BDFB-D49C8EA71FD3}"/>
+                <a16:creationId xmlns="" xmlns:a16="http://schemas.microsoft.com/office/drawing/2014/main" id="{B56A1B63-19B2-45DF-BDFB-D49C8EA71FD3}"/>
               </a:ext>
             </a:extLst>
           </p:cNvPr>
@@ -8203,7 +8203,7 @@
           <p:cNvPr id="3" name="그림 2">
             <a:extLst>
               <a:ext uri="{FF2B5EF4-FFF2-40B4-BE49-F238E27FC236}">
-                <a16:creationId xmlns:a16="http://schemas.microsoft.com/office/drawing/2014/main" xmlns="" id="{05EABC9A-D615-434F-B1B5-F6DCC080C538}"/>
+                <a16:creationId xmlns="" xmlns:a16="http://schemas.microsoft.com/office/drawing/2014/main" id="{05EABC9A-D615-434F-B1B5-F6DCC080C538}"/>
               </a:ext>
             </a:extLst>
           </p:cNvPr>
@@ -8216,7 +8216,7 @@
           <a:blip r:embed="rId2" cstate="print">
             <a:extLst>
               <a:ext uri="{28A0092B-C50C-407E-A947-70E740481C1C}">
-                <a14:useLocalDpi xmlns:a14="http://schemas.microsoft.com/office/drawing/2010/main" xmlns="" val="0"/>
+                <a14:useLocalDpi xmlns="" xmlns:a14="http://schemas.microsoft.com/office/drawing/2010/main" val="0"/>
               </a:ext>
             </a:extLst>
           </a:blip>
@@ -8244,7 +8244,7 @@
           <p:cNvPr id="9" name="그림 8">
             <a:extLst>
               <a:ext uri="{FF2B5EF4-FFF2-40B4-BE49-F238E27FC236}">
-                <a16:creationId xmlns:a16="http://schemas.microsoft.com/office/drawing/2014/main" xmlns="" id="{C21C4907-3A11-4B2E-843E-A6624F520CF5}"/>
+                <a16:creationId xmlns="" xmlns:a16="http://schemas.microsoft.com/office/drawing/2014/main" id="{C21C4907-3A11-4B2E-843E-A6624F520CF5}"/>
               </a:ext>
             </a:extLst>
           </p:cNvPr>
@@ -8257,7 +8257,7 @@
           <a:blip r:embed="rId3" cstate="print">
             <a:extLst>
               <a:ext uri="{28A0092B-C50C-407E-A947-70E740481C1C}">
-                <a14:useLocalDpi xmlns:a14="http://schemas.microsoft.com/office/drawing/2010/main" xmlns="" val="0"/>
+                <a14:useLocalDpi xmlns="" xmlns:a14="http://schemas.microsoft.com/office/drawing/2010/main" val="0"/>
               </a:ext>
             </a:extLst>
           </a:blip>
@@ -8283,7 +8283,7 @@
     </p:spTree>
     <p:extLst>
       <p:ext uri="{BB962C8B-B14F-4D97-AF65-F5344CB8AC3E}">
-        <p14:creationId xmlns:p14="http://schemas.microsoft.com/office/powerpoint/2010/main" xmlns="" val="2027053288"/>
+        <p14:creationId xmlns="" xmlns:p14="http://schemas.microsoft.com/office/powerpoint/2010/main" val="2027053288"/>
       </p:ext>
     </p:extLst>
   </p:cSld>
@@ -8291,7 +8291,7 @@
     <a:masterClrMapping/>
   </p:clrMapOvr>
   <mc:AlternateContent xmlns:mc="http://schemas.openxmlformats.org/markup-compatibility/2006">
-    <mc:Choice xmlns:p14="http://schemas.microsoft.com/office/powerpoint/2010/main" xmlns="" Requires="p14">
+    <mc:Choice xmlns="" xmlns:p14="http://schemas.microsoft.com/office/powerpoint/2010/main" Requires="p14">
       <p:transition spd="med" p14:dur="700">
         <p:fade/>
       </p:transition>
@@ -8407,7 +8407,7 @@
           <p:cNvPr id="8" name="TextBox 7">
             <a:extLst>
               <a:ext uri="{FF2B5EF4-FFF2-40B4-BE49-F238E27FC236}">
-                <a16:creationId xmlns:a16="http://schemas.microsoft.com/office/drawing/2014/main" xmlns="" id="{B2729330-CEB6-4A30-8588-5A38361E709E}"/>
+                <a16:creationId xmlns="" xmlns:a16="http://schemas.microsoft.com/office/drawing/2014/main" id="{B2729330-CEB6-4A30-8588-5A38361E709E}"/>
               </a:ext>
             </a:extLst>
           </p:cNvPr>
@@ -8494,7 +8494,7 @@
           <p:cNvPr id="10" name="TextBox 9">
             <a:extLst>
               <a:ext uri="{FF2B5EF4-FFF2-40B4-BE49-F238E27FC236}">
-                <a16:creationId xmlns:a16="http://schemas.microsoft.com/office/drawing/2014/main" xmlns="" id="{B56A1B63-19B2-45DF-BDFB-D49C8EA71FD3}"/>
+                <a16:creationId xmlns="" xmlns:a16="http://schemas.microsoft.com/office/drawing/2014/main" id="{B56A1B63-19B2-45DF-BDFB-D49C8EA71FD3}"/>
               </a:ext>
             </a:extLst>
           </p:cNvPr>
@@ -8591,7 +8591,7 @@
           <p:cNvPr id="12" name="TextBox 11">
             <a:extLst>
               <a:ext uri="{FF2B5EF4-FFF2-40B4-BE49-F238E27FC236}">
-                <a16:creationId xmlns:a16="http://schemas.microsoft.com/office/drawing/2014/main" xmlns="" id="{DD49FC39-630F-4E6B-BAFB-7A56504DF281}"/>
+                <a16:creationId xmlns="" xmlns:a16="http://schemas.microsoft.com/office/drawing/2014/main" id="{DD49FC39-630F-4E6B-BAFB-7A56504DF281}"/>
               </a:ext>
             </a:extLst>
           </p:cNvPr>
@@ -8640,7 +8640,7 @@
           <p:cNvPr id="13" name="TextBox 12">
             <a:extLst>
               <a:ext uri="{FF2B5EF4-FFF2-40B4-BE49-F238E27FC236}">
-                <a16:creationId xmlns:a16="http://schemas.microsoft.com/office/drawing/2014/main" xmlns="" id="{033B6F89-9886-4056-A485-286BC79F357D}"/>
+                <a16:creationId xmlns="" xmlns:a16="http://schemas.microsoft.com/office/drawing/2014/main" id="{033B6F89-9886-4056-A485-286BC79F357D}"/>
               </a:ext>
             </a:extLst>
           </p:cNvPr>
@@ -8689,7 +8689,7 @@
           <p:cNvPr id="11" name="화살표: 위쪽 10">
             <a:extLst>
               <a:ext uri="{FF2B5EF4-FFF2-40B4-BE49-F238E27FC236}">
-                <a16:creationId xmlns:a16="http://schemas.microsoft.com/office/drawing/2014/main" xmlns="" id="{82BE42AD-5B81-4B34-8FCE-C6B781615C37}"/>
+                <a16:creationId xmlns="" xmlns:a16="http://schemas.microsoft.com/office/drawing/2014/main" id="{82BE42AD-5B81-4B34-8FCE-C6B781615C37}"/>
               </a:ext>
             </a:extLst>
           </p:cNvPr>
@@ -8735,7 +8735,7 @@
           <p:cNvPr id="15" name="화살표: 위쪽 14">
             <a:extLst>
               <a:ext uri="{FF2B5EF4-FFF2-40B4-BE49-F238E27FC236}">
-                <a16:creationId xmlns:a16="http://schemas.microsoft.com/office/drawing/2014/main" xmlns="" id="{348F676E-9DD9-47B8-A8BB-382528F8F52F}"/>
+                <a16:creationId xmlns="" xmlns:a16="http://schemas.microsoft.com/office/drawing/2014/main" id="{348F676E-9DD9-47B8-A8BB-382528F8F52F}"/>
               </a:ext>
             </a:extLst>
           </p:cNvPr>
@@ -8781,7 +8781,7 @@
           <p:cNvPr id="4" name="그림 3">
             <a:extLst>
               <a:ext uri="{FF2B5EF4-FFF2-40B4-BE49-F238E27FC236}">
-                <a16:creationId xmlns:a16="http://schemas.microsoft.com/office/drawing/2014/main" xmlns="" id="{B4D43C0A-212B-46DE-9E48-746F06EE0391}"/>
+                <a16:creationId xmlns="" xmlns:a16="http://schemas.microsoft.com/office/drawing/2014/main" id="{B4D43C0A-212B-46DE-9E48-746F06EE0391}"/>
               </a:ext>
             </a:extLst>
           </p:cNvPr>
@@ -8794,7 +8794,7 @@
           <a:blip r:embed="rId2" cstate="print">
             <a:extLst>
               <a:ext uri="{28A0092B-C50C-407E-A947-70E740481C1C}">
-                <a14:useLocalDpi xmlns:a14="http://schemas.microsoft.com/office/drawing/2010/main" xmlns="" val="0"/>
+                <a14:useLocalDpi xmlns="" xmlns:a14="http://schemas.microsoft.com/office/drawing/2010/main" val="0"/>
               </a:ext>
             </a:extLst>
           </a:blip>
@@ -8822,7 +8822,7 @@
           <p:cNvPr id="7" name="그림 6">
             <a:extLst>
               <a:ext uri="{FF2B5EF4-FFF2-40B4-BE49-F238E27FC236}">
-                <a16:creationId xmlns:a16="http://schemas.microsoft.com/office/drawing/2014/main" xmlns="" id="{6283ABB7-49FA-4904-B0FD-70D1EA9F2C27}"/>
+                <a16:creationId xmlns="" xmlns:a16="http://schemas.microsoft.com/office/drawing/2014/main" id="{6283ABB7-49FA-4904-B0FD-70D1EA9F2C27}"/>
               </a:ext>
             </a:extLst>
           </p:cNvPr>
@@ -8835,7 +8835,7 @@
           <a:blip r:embed="rId3" cstate="print">
             <a:extLst>
               <a:ext uri="{28A0092B-C50C-407E-A947-70E740481C1C}">
-                <a14:useLocalDpi xmlns:a14="http://schemas.microsoft.com/office/drawing/2010/main" xmlns="" val="0"/>
+                <a14:useLocalDpi xmlns="" xmlns:a14="http://schemas.microsoft.com/office/drawing/2010/main" val="0"/>
               </a:ext>
             </a:extLst>
           </a:blip>
@@ -8861,7 +8861,7 @@
     </p:spTree>
     <p:extLst>
       <p:ext uri="{BB962C8B-B14F-4D97-AF65-F5344CB8AC3E}">
-        <p14:creationId xmlns:p14="http://schemas.microsoft.com/office/powerpoint/2010/main" xmlns="" val="3413513638"/>
+        <p14:creationId xmlns="" xmlns:p14="http://schemas.microsoft.com/office/powerpoint/2010/main" val="3413513638"/>
       </p:ext>
     </p:extLst>
   </p:cSld>
@@ -8869,7 +8869,7 @@
     <a:masterClrMapping/>
   </p:clrMapOvr>
   <mc:AlternateContent xmlns:mc="http://schemas.openxmlformats.org/markup-compatibility/2006">
-    <mc:Choice xmlns:p14="http://schemas.microsoft.com/office/powerpoint/2010/main" xmlns="" Requires="p14">
+    <mc:Choice xmlns="" xmlns:p14="http://schemas.microsoft.com/office/powerpoint/2010/main" Requires="p14">
       <p:transition spd="med" p14:dur="700">
         <p:fade/>
       </p:transition>
@@ -8905,7 +8905,7 @@
           <p:cNvPr id="2" name="TextBox 1">
             <a:extLst>
               <a:ext uri="{FF2B5EF4-FFF2-40B4-BE49-F238E27FC236}">
-                <a16:creationId xmlns:a16="http://schemas.microsoft.com/office/drawing/2014/main" xmlns="" id="{986EEA5D-17E4-483C-9EAE-B5E04FE56D96}"/>
+                <a16:creationId xmlns="" xmlns:a16="http://schemas.microsoft.com/office/drawing/2014/main" id="{986EEA5D-17E4-483C-9EAE-B5E04FE56D96}"/>
               </a:ext>
             </a:extLst>
           </p:cNvPr>
@@ -8953,7 +8953,7 @@
           <p:cNvPr id="3" name="TextBox 2">
             <a:extLst>
               <a:ext uri="{FF2B5EF4-FFF2-40B4-BE49-F238E27FC236}">
-                <a16:creationId xmlns:a16="http://schemas.microsoft.com/office/drawing/2014/main" xmlns="" id="{5EB161B7-DEAE-478C-B542-79B1A7DCF2E9}"/>
+                <a16:creationId xmlns="" xmlns:a16="http://schemas.microsoft.com/office/drawing/2014/main" id="{5EB161B7-DEAE-478C-B542-79B1A7DCF2E9}"/>
               </a:ext>
             </a:extLst>
           </p:cNvPr>
@@ -9001,7 +9001,7 @@
           <p:cNvPr id="7" name="TextBox 6">
             <a:extLst>
               <a:ext uri="{FF2B5EF4-FFF2-40B4-BE49-F238E27FC236}">
-                <a16:creationId xmlns:a16="http://schemas.microsoft.com/office/drawing/2014/main" xmlns="" id="{05375609-AAFC-425D-AD9C-F78F2A31D89D}"/>
+                <a16:creationId xmlns="" xmlns:a16="http://schemas.microsoft.com/office/drawing/2014/main" id="{05375609-AAFC-425D-AD9C-F78F2A31D89D}"/>
               </a:ext>
             </a:extLst>
           </p:cNvPr>
@@ -9050,7 +9050,7 @@
           <p:cNvPr id="8" name="Picture 4" descr="카카오톡 프로필 사람 그림자에 대한 이미지 검색결과">
             <a:extLst>
               <a:ext uri="{FF2B5EF4-FFF2-40B4-BE49-F238E27FC236}">
-                <a16:creationId xmlns:a16="http://schemas.microsoft.com/office/drawing/2014/main" xmlns="" id="{05BF5995-AD3E-4047-B484-3260573DB00F}"/>
+                <a16:creationId xmlns="" xmlns:a16="http://schemas.microsoft.com/office/drawing/2014/main" id="{05BF5995-AD3E-4047-B484-3260573DB00F}"/>
               </a:ext>
             </a:extLst>
           </p:cNvPr>
@@ -9063,7 +9063,7 @@
           <a:blip r:embed="rId2" cstate="print">
             <a:extLst>
               <a:ext uri="{28A0092B-C50C-407E-A947-70E740481C1C}">
-                <a14:useLocalDpi xmlns:a14="http://schemas.microsoft.com/office/drawing/2010/main" xmlns="" val="0"/>
+                <a14:useLocalDpi xmlns="" xmlns:a14="http://schemas.microsoft.com/office/drawing/2010/main" val="0"/>
               </a:ext>
             </a:extLst>
           </a:blip>
@@ -9088,7 +9088,7 @@
           </a:ln>
           <a:extLst>
             <a:ext uri="{909E8E84-426E-40DD-AFC4-6F175D3DCCD1}">
-              <a14:hiddenFill xmlns:a14="http://schemas.microsoft.com/office/drawing/2010/main" xmlns="">
+              <a14:hiddenFill xmlns="" xmlns:a14="http://schemas.microsoft.com/office/drawing/2010/main">
                 <a:solidFill>
                   <a:srgbClr val="FFFFFF"/>
                 </a:solidFill>
@@ -9102,7 +9102,7 @@
           <p:cNvPr id="9" name="TextBox 8">
             <a:extLst>
               <a:ext uri="{FF2B5EF4-FFF2-40B4-BE49-F238E27FC236}">
-                <a16:creationId xmlns:a16="http://schemas.microsoft.com/office/drawing/2014/main" xmlns="" id="{C19F4A92-8F56-4578-9636-00533E0D25E9}"/>
+                <a16:creationId xmlns="" xmlns:a16="http://schemas.microsoft.com/office/drawing/2014/main" id="{C19F4A92-8F56-4578-9636-00533E0D25E9}"/>
               </a:ext>
             </a:extLst>
           </p:cNvPr>
@@ -9151,7 +9151,7 @@
           <p:cNvPr id="11" name="TextBox 10">
             <a:extLst>
               <a:ext uri="{FF2B5EF4-FFF2-40B4-BE49-F238E27FC236}">
-                <a16:creationId xmlns:a16="http://schemas.microsoft.com/office/drawing/2014/main" xmlns="" id="{87406268-D7B7-4764-94E8-9F2048422E74}"/>
+                <a16:creationId xmlns="" xmlns:a16="http://schemas.microsoft.com/office/drawing/2014/main" id="{87406268-D7B7-4764-94E8-9F2048422E74}"/>
               </a:ext>
             </a:extLst>
           </p:cNvPr>
@@ -9200,7 +9200,7 @@
           <p:cNvPr id="13" name="TextBox 12">
             <a:extLst>
               <a:ext uri="{FF2B5EF4-FFF2-40B4-BE49-F238E27FC236}">
-                <a16:creationId xmlns:a16="http://schemas.microsoft.com/office/drawing/2014/main" xmlns="" id="{FEA023B2-6483-4057-B661-B335796A3C8B}"/>
+                <a16:creationId xmlns="" xmlns:a16="http://schemas.microsoft.com/office/drawing/2014/main" id="{FEA023B2-6483-4057-B661-B335796A3C8B}"/>
               </a:ext>
             </a:extLst>
           </p:cNvPr>
@@ -9249,7 +9249,7 @@
           <p:cNvPr id="14" name="그림 13">
             <a:extLst>
               <a:ext uri="{FF2B5EF4-FFF2-40B4-BE49-F238E27FC236}">
-                <a16:creationId xmlns:a16="http://schemas.microsoft.com/office/drawing/2014/main" xmlns="" id="{CF8E6919-A9C7-4654-AEB7-E697FE421161}"/>
+                <a16:creationId xmlns="" xmlns:a16="http://schemas.microsoft.com/office/drawing/2014/main" id="{CF8E6919-A9C7-4654-AEB7-E697FE421161}"/>
               </a:ext>
             </a:extLst>
           </p:cNvPr>
@@ -9262,7 +9262,7 @@
           <a:blip r:embed="rId3" cstate="print">
             <a:extLst>
               <a:ext uri="{28A0092B-C50C-407E-A947-70E740481C1C}">
-                <a14:useLocalDpi xmlns:a14="http://schemas.microsoft.com/office/drawing/2010/main" xmlns="" val="0"/>
+                <a14:useLocalDpi xmlns="" xmlns:a14="http://schemas.microsoft.com/office/drawing/2010/main" val="0"/>
               </a:ext>
             </a:extLst>
           </a:blip>
@@ -9365,7 +9365,7 @@
           <p:cNvPr id="5" name="그림 4">
             <a:extLst>
               <a:ext uri="{FF2B5EF4-FFF2-40B4-BE49-F238E27FC236}">
-                <a16:creationId xmlns:a16="http://schemas.microsoft.com/office/drawing/2014/main" xmlns="" id="{4DE77100-1325-4AE2-8632-F3EEB07A679C}"/>
+                <a16:creationId xmlns="" xmlns:a16="http://schemas.microsoft.com/office/drawing/2014/main" id="{4DE77100-1325-4AE2-8632-F3EEB07A679C}"/>
               </a:ext>
             </a:extLst>
           </p:cNvPr>
@@ -9378,7 +9378,7 @@
           <a:blip r:embed="rId5" cstate="print">
             <a:extLst>
               <a:ext uri="{28A0092B-C50C-407E-A947-70E740481C1C}">
-                <a14:useLocalDpi xmlns:a14="http://schemas.microsoft.com/office/drawing/2010/main" xmlns="" val="0"/>
+                <a14:useLocalDpi xmlns="" xmlns:a14="http://schemas.microsoft.com/office/drawing/2010/main" val="0"/>
               </a:ext>
             </a:extLst>
           </a:blip>
@@ -9404,7 +9404,7 @@
     </p:spTree>
     <p:extLst>
       <p:ext uri="{BB962C8B-B14F-4D97-AF65-F5344CB8AC3E}">
-        <p14:creationId xmlns:p14="http://schemas.microsoft.com/office/powerpoint/2010/main" xmlns="" val="818240200"/>
+        <p14:creationId xmlns="" xmlns:p14="http://schemas.microsoft.com/office/powerpoint/2010/main" val="818240200"/>
       </p:ext>
     </p:extLst>
   </p:cSld>
@@ -9743,7 +9743,7 @@
     </p:spTree>
     <p:extLst>
       <p:ext uri="{BB962C8B-B14F-4D97-AF65-F5344CB8AC3E}">
-        <p14:creationId xmlns:p14="http://schemas.microsoft.com/office/powerpoint/2010/main" xmlns="" val="1384825049"/>
+        <p14:creationId xmlns="" xmlns:p14="http://schemas.microsoft.com/office/powerpoint/2010/main" val="1384825049"/>
       </p:ext>
     </p:extLst>
   </p:cSld>
@@ -9751,7 +9751,7 @@
     <a:masterClrMapping/>
   </p:clrMapOvr>
   <mc:AlternateContent xmlns:mc="http://schemas.openxmlformats.org/markup-compatibility/2006">
-    <mc:Choice xmlns:p14="http://schemas.microsoft.com/office/powerpoint/2010/main" xmlns="" Requires="p14">
+    <mc:Choice xmlns="" xmlns:p14="http://schemas.microsoft.com/office/powerpoint/2010/main" Requires="p14">
       <p:transition spd="med" p14:dur="700">
         <p:fade/>
       </p:transition>
@@ -9787,7 +9787,7 @@
           <p:cNvPr id="2" name="TextBox 1">
             <a:extLst>
               <a:ext uri="{FF2B5EF4-FFF2-40B4-BE49-F238E27FC236}">
-                <a16:creationId xmlns:a16="http://schemas.microsoft.com/office/drawing/2014/main" xmlns="" id="{986EEA5D-17E4-483C-9EAE-B5E04FE56D96}"/>
+                <a16:creationId xmlns="" xmlns:a16="http://schemas.microsoft.com/office/drawing/2014/main" id="{986EEA5D-17E4-483C-9EAE-B5E04FE56D96}"/>
               </a:ext>
             </a:extLst>
           </p:cNvPr>
@@ -9835,7 +9835,7 @@
           <p:cNvPr id="3" name="TextBox 2">
             <a:extLst>
               <a:ext uri="{FF2B5EF4-FFF2-40B4-BE49-F238E27FC236}">
-                <a16:creationId xmlns:a16="http://schemas.microsoft.com/office/drawing/2014/main" xmlns="" id="{5EB161B7-DEAE-478C-B542-79B1A7DCF2E9}"/>
+                <a16:creationId xmlns="" xmlns:a16="http://schemas.microsoft.com/office/drawing/2014/main" id="{5EB161B7-DEAE-478C-B542-79B1A7DCF2E9}"/>
               </a:ext>
             </a:extLst>
           </p:cNvPr>
@@ -9883,7 +9883,7 @@
           <p:cNvPr id="7" name="TextBox 6">
             <a:extLst>
               <a:ext uri="{FF2B5EF4-FFF2-40B4-BE49-F238E27FC236}">
-                <a16:creationId xmlns:a16="http://schemas.microsoft.com/office/drawing/2014/main" xmlns="" id="{05375609-AAFC-425D-AD9C-F78F2A31D89D}"/>
+                <a16:creationId xmlns="" xmlns:a16="http://schemas.microsoft.com/office/drawing/2014/main" id="{05375609-AAFC-425D-AD9C-F78F2A31D89D}"/>
               </a:ext>
             </a:extLst>
           </p:cNvPr>
@@ -9932,7 +9932,7 @@
           <p:cNvPr id="1028" name="Picture 4" descr="카카오톡 프로필 사람 그림자에 대한 이미지 검색결과">
             <a:extLst>
               <a:ext uri="{FF2B5EF4-FFF2-40B4-BE49-F238E27FC236}">
-                <a16:creationId xmlns:a16="http://schemas.microsoft.com/office/drawing/2014/main" xmlns="" id="{32C2D10B-5C1A-45A1-8D98-0E82C356F169}"/>
+                <a16:creationId xmlns="" xmlns:a16="http://schemas.microsoft.com/office/drawing/2014/main" id="{32C2D10B-5C1A-45A1-8D98-0E82C356F169}"/>
               </a:ext>
             </a:extLst>
           </p:cNvPr>
@@ -9945,7 +9945,7 @@
           <a:blip r:embed="rId2" cstate="print">
             <a:extLst>
               <a:ext uri="{28A0092B-C50C-407E-A947-70E740481C1C}">
-                <a14:useLocalDpi xmlns:a14="http://schemas.microsoft.com/office/drawing/2010/main" xmlns="" val="0"/>
+                <a14:useLocalDpi xmlns="" xmlns:a14="http://schemas.microsoft.com/office/drawing/2010/main" val="0"/>
               </a:ext>
             </a:extLst>
           </a:blip>
@@ -9970,7 +9970,7 @@
           </a:ln>
           <a:extLst>
             <a:ext uri="{909E8E84-426E-40DD-AFC4-6F175D3DCCD1}">
-              <a14:hiddenFill xmlns:a14="http://schemas.microsoft.com/office/drawing/2010/main" xmlns="">
+              <a14:hiddenFill xmlns="" xmlns:a14="http://schemas.microsoft.com/office/drawing/2010/main">
                 <a:solidFill>
                   <a:srgbClr val="FFFFFF"/>
                 </a:solidFill>
@@ -9984,7 +9984,7 @@
           <p:cNvPr id="8" name="Picture 4" descr="카카오톡 프로필 사람 그림자에 대한 이미지 검색결과">
             <a:extLst>
               <a:ext uri="{FF2B5EF4-FFF2-40B4-BE49-F238E27FC236}">
-                <a16:creationId xmlns:a16="http://schemas.microsoft.com/office/drawing/2014/main" xmlns="" id="{05BF5995-AD3E-4047-B484-3260573DB00F}"/>
+                <a16:creationId xmlns="" xmlns:a16="http://schemas.microsoft.com/office/drawing/2014/main" id="{05BF5995-AD3E-4047-B484-3260573DB00F}"/>
               </a:ext>
             </a:extLst>
           </p:cNvPr>
@@ -9997,7 +9997,7 @@
           <a:blip r:embed="rId2" cstate="print">
             <a:extLst>
               <a:ext uri="{28A0092B-C50C-407E-A947-70E740481C1C}">
-                <a14:useLocalDpi xmlns:a14="http://schemas.microsoft.com/office/drawing/2010/main" xmlns="" val="0"/>
+                <a14:useLocalDpi xmlns="" xmlns:a14="http://schemas.microsoft.com/office/drawing/2010/main" val="0"/>
               </a:ext>
             </a:extLst>
           </a:blip>
@@ -10022,7 +10022,7 @@
           </a:ln>
           <a:extLst>
             <a:ext uri="{909E8E84-426E-40DD-AFC4-6F175D3DCCD1}">
-              <a14:hiddenFill xmlns:a14="http://schemas.microsoft.com/office/drawing/2010/main" xmlns="">
+              <a14:hiddenFill xmlns="" xmlns:a14="http://schemas.microsoft.com/office/drawing/2010/main">
                 <a:solidFill>
                   <a:srgbClr val="FFFFFF"/>
                 </a:solidFill>
@@ -10036,7 +10036,7 @@
           <p:cNvPr id="9" name="TextBox 8">
             <a:extLst>
               <a:ext uri="{FF2B5EF4-FFF2-40B4-BE49-F238E27FC236}">
-                <a16:creationId xmlns:a16="http://schemas.microsoft.com/office/drawing/2014/main" xmlns="" id="{C19F4A92-8F56-4578-9636-00533E0D25E9}"/>
+                <a16:creationId xmlns="" xmlns:a16="http://schemas.microsoft.com/office/drawing/2014/main" id="{C19F4A92-8F56-4578-9636-00533E0D25E9}"/>
               </a:ext>
             </a:extLst>
           </p:cNvPr>
@@ -10085,7 +10085,7 @@
           <p:cNvPr id="10" name="Picture 4" descr="카카오톡 프로필 사람 그림자에 대한 이미지 검색결과">
             <a:extLst>
               <a:ext uri="{FF2B5EF4-FFF2-40B4-BE49-F238E27FC236}">
-                <a16:creationId xmlns:a16="http://schemas.microsoft.com/office/drawing/2014/main" xmlns="" id="{BCCC112F-7052-4A7C-B4AA-57969C7D953F}"/>
+                <a16:creationId xmlns="" xmlns:a16="http://schemas.microsoft.com/office/drawing/2014/main" id="{BCCC112F-7052-4A7C-B4AA-57969C7D953F}"/>
               </a:ext>
             </a:extLst>
           </p:cNvPr>
@@ -10098,7 +10098,7 @@
           <a:blip r:embed="rId2" cstate="print">
             <a:extLst>
               <a:ext uri="{28A0092B-C50C-407E-A947-70E740481C1C}">
-                <a14:useLocalDpi xmlns:a14="http://schemas.microsoft.com/office/drawing/2010/main" xmlns="" val="0"/>
+                <a14:useLocalDpi xmlns="" xmlns:a14="http://schemas.microsoft.com/office/drawing/2010/main" val="0"/>
               </a:ext>
             </a:extLst>
           </a:blip>
@@ -10123,7 +10123,7 @@
           </a:ln>
           <a:extLst>
             <a:ext uri="{909E8E84-426E-40DD-AFC4-6F175D3DCCD1}">
-              <a14:hiddenFill xmlns:a14="http://schemas.microsoft.com/office/drawing/2010/main" xmlns="">
+              <a14:hiddenFill xmlns="" xmlns:a14="http://schemas.microsoft.com/office/drawing/2010/main">
                 <a:solidFill>
                   <a:srgbClr val="FFFFFF"/>
                 </a:solidFill>
@@ -10137,7 +10137,7 @@
           <p:cNvPr id="11" name="TextBox 10">
             <a:extLst>
               <a:ext uri="{FF2B5EF4-FFF2-40B4-BE49-F238E27FC236}">
-                <a16:creationId xmlns:a16="http://schemas.microsoft.com/office/drawing/2014/main" xmlns="" id="{87406268-D7B7-4764-94E8-9F2048422E74}"/>
+                <a16:creationId xmlns="" xmlns:a16="http://schemas.microsoft.com/office/drawing/2014/main" id="{87406268-D7B7-4764-94E8-9F2048422E74}"/>
               </a:ext>
             </a:extLst>
           </p:cNvPr>
@@ -10186,7 +10186,7 @@
           <p:cNvPr id="13" name="TextBox 12">
             <a:extLst>
               <a:ext uri="{FF2B5EF4-FFF2-40B4-BE49-F238E27FC236}">
-                <a16:creationId xmlns:a16="http://schemas.microsoft.com/office/drawing/2014/main" xmlns="" id="{FEA023B2-6483-4057-B661-B335796A3C8B}"/>
+                <a16:creationId xmlns="" xmlns:a16="http://schemas.microsoft.com/office/drawing/2014/main" id="{FEA023B2-6483-4057-B661-B335796A3C8B}"/>
               </a:ext>
             </a:extLst>
           </p:cNvPr>
@@ -10235,7 +10235,7 @@
           <p:cNvPr id="12" name="TextBox 11">
             <a:extLst>
               <a:ext uri="{FF2B5EF4-FFF2-40B4-BE49-F238E27FC236}">
-                <a16:creationId xmlns:a16="http://schemas.microsoft.com/office/drawing/2014/main" xmlns="" id="{D331981B-F839-4516-BAA4-D9A455C2172E}"/>
+                <a16:creationId xmlns="" xmlns:a16="http://schemas.microsoft.com/office/drawing/2014/main" id="{D331981B-F839-4516-BAA4-D9A455C2172E}"/>
               </a:ext>
             </a:extLst>
           </p:cNvPr>
@@ -10285,7 +10285,7 @@
           <p:cNvPr id="5" name="그림 4">
             <a:extLst>
               <a:ext uri="{FF2B5EF4-FFF2-40B4-BE49-F238E27FC236}">
-                <a16:creationId xmlns:a16="http://schemas.microsoft.com/office/drawing/2014/main" xmlns="" id="{750E1ABF-79C3-45AD-AB8F-810B1058A6D9}"/>
+                <a16:creationId xmlns="" xmlns:a16="http://schemas.microsoft.com/office/drawing/2014/main" id="{750E1ABF-79C3-45AD-AB8F-810B1058A6D9}"/>
               </a:ext>
             </a:extLst>
           </p:cNvPr>
@@ -10298,7 +10298,7 @@
           <a:blip r:embed="rId3" cstate="print">
             <a:extLst>
               <a:ext uri="{28A0092B-C50C-407E-A947-70E740481C1C}">
-                <a14:useLocalDpi xmlns:a14="http://schemas.microsoft.com/office/drawing/2010/main" xmlns="" val="0"/>
+                <a14:useLocalDpi xmlns="" xmlns:a14="http://schemas.microsoft.com/office/drawing/2010/main" val="0"/>
               </a:ext>
             </a:extLst>
           </a:blip>
@@ -10323,7 +10323,7 @@
     </p:spTree>
     <p:extLst>
       <p:ext uri="{BB962C8B-B14F-4D97-AF65-F5344CB8AC3E}">
-        <p14:creationId xmlns:p14="http://schemas.microsoft.com/office/powerpoint/2010/main" xmlns="" val="2206177647"/>
+        <p14:creationId xmlns="" xmlns:p14="http://schemas.microsoft.com/office/powerpoint/2010/main" val="2206177647"/>
       </p:ext>
     </p:extLst>
   </p:cSld>
@@ -10403,7 +10403,7 @@
     </p:spTree>
     <p:extLst>
       <p:ext uri="{BB962C8B-B14F-4D97-AF65-F5344CB8AC3E}">
-        <p14:creationId xmlns:p14="http://schemas.microsoft.com/office/powerpoint/2010/main" xmlns="" val="3611497233"/>
+        <p14:creationId xmlns="" xmlns:p14="http://schemas.microsoft.com/office/powerpoint/2010/main" val="3611497233"/>
       </p:ext>
     </p:extLst>
   </p:cSld>
@@ -10411,7 +10411,7 @@
     <a:masterClrMapping/>
   </p:clrMapOvr>
   <mc:AlternateContent xmlns:mc="http://schemas.openxmlformats.org/markup-compatibility/2006">
-    <mc:Choice xmlns:p14="http://schemas.microsoft.com/office/powerpoint/2010/main" xmlns="" Requires="p14">
+    <mc:Choice xmlns="" xmlns:p14="http://schemas.microsoft.com/office/powerpoint/2010/main" Requires="p14">
       <p:transition spd="med" p14:dur="700">
         <p:fade/>
       </p:transition>
@@ -10489,7 +10489,7 @@
           <p:cNvPr id="27" name="TextBox 26">
             <a:extLst>
               <a:ext uri="{FF2B5EF4-FFF2-40B4-BE49-F238E27FC236}">
-                <a16:creationId xmlns:a16="http://schemas.microsoft.com/office/drawing/2014/main" xmlns="" id="{71D3CDA6-CB11-4728-B722-05E8992D2245}"/>
+                <a16:creationId xmlns="" xmlns:a16="http://schemas.microsoft.com/office/drawing/2014/main" id="{71D3CDA6-CB11-4728-B722-05E8992D2245}"/>
               </a:ext>
             </a:extLst>
           </p:cNvPr>
@@ -10548,7 +10548,7 @@
           <p:cNvPr id="29" name="표 28">
             <a:extLst>
               <a:ext uri="{FF2B5EF4-FFF2-40B4-BE49-F238E27FC236}">
-                <a16:creationId xmlns:a16="http://schemas.microsoft.com/office/drawing/2014/main" xmlns="" id="{8C60907E-11DE-4B90-82FA-077C68792A64}"/>
+                <a16:creationId xmlns="" xmlns:a16="http://schemas.microsoft.com/office/drawing/2014/main" id="{8C60907E-11DE-4B90-82FA-077C68792A64}"/>
               </a:ext>
             </a:extLst>
           </p:cNvPr>
@@ -10558,7 +10558,7 @@
           <p:nvPr>
             <p:extLst>
               <p:ext uri="{D42A27DB-BD31-4B8C-83A1-F6EECF244321}">
-                <p14:modId xmlns:p14="http://schemas.microsoft.com/office/powerpoint/2010/main" xmlns="" val="1885077768"/>
+                <p14:modId xmlns="" xmlns:p14="http://schemas.microsoft.com/office/powerpoint/2010/main" val="1885077768"/>
               </p:ext>
             </p:extLst>
           </p:nvPr>
@@ -10577,14 +10577,14 @@
                 <a:gridCol w="921008">
                   <a:extLst>
                     <a:ext uri="{9D8B030D-6E8A-4147-A177-3AD203B41FA5}">
-                      <a16:colId xmlns:a16="http://schemas.microsoft.com/office/drawing/2014/main" xmlns="" val="20000"/>
+                      <a16:colId xmlns="" xmlns:a16="http://schemas.microsoft.com/office/drawing/2014/main" val="20000"/>
                     </a:ext>
                   </a:extLst>
                 </a:gridCol>
                 <a:gridCol w="2171045">
                   <a:extLst>
                     <a:ext uri="{9D8B030D-6E8A-4147-A177-3AD203B41FA5}">
-                      <a16:colId xmlns:a16="http://schemas.microsoft.com/office/drawing/2014/main" xmlns="" val="20001"/>
+                      <a16:colId xmlns="" xmlns:a16="http://schemas.microsoft.com/office/drawing/2014/main" val="20001"/>
                     </a:ext>
                   </a:extLst>
                 </a:gridCol>
@@ -10791,7 +10791,7 @@
                 </a:tc>
                 <a:extLst>
                   <a:ext uri="{0D108BD9-81ED-4DB2-BD59-A6C34878D82A}">
-                    <a16:rowId xmlns:a16="http://schemas.microsoft.com/office/drawing/2014/main" xmlns="" val="10000"/>
+                    <a16:rowId xmlns="" xmlns:a16="http://schemas.microsoft.com/office/drawing/2014/main" val="10000"/>
                   </a:ext>
                 </a:extLst>
               </a:tr>
@@ -10940,7 +10940,7 @@
                 </a:tc>
                 <a:extLst>
                   <a:ext uri="{0D108BD9-81ED-4DB2-BD59-A6C34878D82A}">
-                    <a16:rowId xmlns:a16="http://schemas.microsoft.com/office/drawing/2014/main" xmlns="" val="10001"/>
+                    <a16:rowId xmlns="" xmlns:a16="http://schemas.microsoft.com/office/drawing/2014/main" val="10001"/>
                   </a:ext>
                 </a:extLst>
               </a:tr>
@@ -11097,7 +11097,7 @@
                 </a:tc>
                 <a:extLst>
                   <a:ext uri="{0D108BD9-81ED-4DB2-BD59-A6C34878D82A}">
-                    <a16:rowId xmlns:a16="http://schemas.microsoft.com/office/drawing/2014/main" xmlns="" val="10002"/>
+                    <a16:rowId xmlns="" xmlns:a16="http://schemas.microsoft.com/office/drawing/2014/main" val="10002"/>
                   </a:ext>
                 </a:extLst>
               </a:tr>
@@ -11326,7 +11326,7 @@
                 </a:tc>
                 <a:extLst>
                   <a:ext uri="{0D108BD9-81ED-4DB2-BD59-A6C34878D82A}">
-                    <a16:rowId xmlns:a16="http://schemas.microsoft.com/office/drawing/2014/main" xmlns="" val="10003"/>
+                    <a16:rowId xmlns="" xmlns:a16="http://schemas.microsoft.com/office/drawing/2014/main" val="10003"/>
                   </a:ext>
                 </a:extLst>
               </a:tr>
@@ -11493,7 +11493,7 @@
                 </a:tc>
                 <a:extLst>
                   <a:ext uri="{0D108BD9-81ED-4DB2-BD59-A6C34878D82A}">
-                    <a16:rowId xmlns:a16="http://schemas.microsoft.com/office/drawing/2014/main" xmlns="" val="10004"/>
+                    <a16:rowId xmlns="" xmlns:a16="http://schemas.microsoft.com/office/drawing/2014/main" val="10004"/>
                   </a:ext>
                 </a:extLst>
               </a:tr>
@@ -11506,7 +11506,7 @@
           <p:cNvPr id="22" name="Table 3">
             <a:extLst>
               <a:ext uri="{FF2B5EF4-FFF2-40B4-BE49-F238E27FC236}">
-                <a16:creationId xmlns:a16="http://schemas.microsoft.com/office/drawing/2014/main" xmlns="" id="{846F0550-7FB4-4EEA-BEE7-FF712C338127}"/>
+                <a16:creationId xmlns="" xmlns:a16="http://schemas.microsoft.com/office/drawing/2014/main" id="{846F0550-7FB4-4EEA-BEE7-FF712C338127}"/>
               </a:ext>
             </a:extLst>
           </p:cNvPr>
@@ -11516,7 +11516,7 @@
           <p:nvPr>
             <p:extLst>
               <p:ext uri="{D42A27DB-BD31-4B8C-83A1-F6EECF244321}">
-                <p14:modId xmlns:p14="http://schemas.microsoft.com/office/powerpoint/2010/main" xmlns="" val="1637140561"/>
+                <p14:modId xmlns="" xmlns:p14="http://schemas.microsoft.com/office/powerpoint/2010/main" val="1637140561"/>
               </p:ext>
             </p:extLst>
           </p:nvPr>
@@ -11542,84 +11542,84 @@
                 <a:gridCol w="740886">
                   <a:extLst>
                     <a:ext uri="{9D8B030D-6E8A-4147-A177-3AD203B41FA5}">
-                      <a16:colId xmlns:a16="http://schemas.microsoft.com/office/drawing/2014/main" xmlns="" val="20000"/>
+                      <a16:colId xmlns="" xmlns:a16="http://schemas.microsoft.com/office/drawing/2014/main" val="20000"/>
                     </a:ext>
                   </a:extLst>
                 </a:gridCol>
                 <a:gridCol w="414840">
                   <a:extLst>
                     <a:ext uri="{9D8B030D-6E8A-4147-A177-3AD203B41FA5}">
-                      <a16:colId xmlns:a16="http://schemas.microsoft.com/office/drawing/2014/main" xmlns="" val="20001"/>
+                      <a16:colId xmlns="" xmlns:a16="http://schemas.microsoft.com/office/drawing/2014/main" val="20001"/>
                     </a:ext>
                   </a:extLst>
                 </a:gridCol>
                 <a:gridCol w="402885">
                   <a:extLst>
                     <a:ext uri="{9D8B030D-6E8A-4147-A177-3AD203B41FA5}">
-                      <a16:colId xmlns:a16="http://schemas.microsoft.com/office/drawing/2014/main" xmlns="" val="20002"/>
+                      <a16:colId xmlns="" xmlns:a16="http://schemas.microsoft.com/office/drawing/2014/main" val="20002"/>
                     </a:ext>
                   </a:extLst>
                 </a:gridCol>
                 <a:gridCol w="402885">
                   <a:extLst>
                     <a:ext uri="{9D8B030D-6E8A-4147-A177-3AD203B41FA5}">
-                      <a16:colId xmlns:a16="http://schemas.microsoft.com/office/drawing/2014/main" xmlns="" val="20003"/>
+                      <a16:colId xmlns="" xmlns:a16="http://schemas.microsoft.com/office/drawing/2014/main" val="20003"/>
                     </a:ext>
                   </a:extLst>
                 </a:gridCol>
                 <a:gridCol w="402885">
                   <a:extLst>
                     <a:ext uri="{9D8B030D-6E8A-4147-A177-3AD203B41FA5}">
-                      <a16:colId xmlns:a16="http://schemas.microsoft.com/office/drawing/2014/main" xmlns="" val="20004"/>
+                      <a16:colId xmlns="" xmlns:a16="http://schemas.microsoft.com/office/drawing/2014/main" val="20004"/>
                     </a:ext>
                   </a:extLst>
                 </a:gridCol>
                 <a:gridCol w="402885">
                   <a:extLst>
                     <a:ext uri="{9D8B030D-6E8A-4147-A177-3AD203B41FA5}">
-                      <a16:colId xmlns:a16="http://schemas.microsoft.com/office/drawing/2014/main" xmlns="" val="20005"/>
+                      <a16:colId xmlns="" xmlns:a16="http://schemas.microsoft.com/office/drawing/2014/main" val="20005"/>
                     </a:ext>
                   </a:extLst>
                 </a:gridCol>
                 <a:gridCol w="402885">
                   <a:extLst>
                     <a:ext uri="{9D8B030D-6E8A-4147-A177-3AD203B41FA5}">
-                      <a16:colId xmlns:a16="http://schemas.microsoft.com/office/drawing/2014/main" xmlns="" val="20006"/>
+                      <a16:colId xmlns="" xmlns:a16="http://schemas.microsoft.com/office/drawing/2014/main" val="20006"/>
                     </a:ext>
                   </a:extLst>
                 </a:gridCol>
                 <a:gridCol w="402885">
                   <a:extLst>
                     <a:ext uri="{9D8B030D-6E8A-4147-A177-3AD203B41FA5}">
-                      <a16:colId xmlns:a16="http://schemas.microsoft.com/office/drawing/2014/main" xmlns="" val="20007"/>
+                      <a16:colId xmlns="" xmlns:a16="http://schemas.microsoft.com/office/drawing/2014/main" val="20007"/>
                     </a:ext>
                   </a:extLst>
                 </a:gridCol>
                 <a:gridCol w="402885">
                   <a:extLst>
                     <a:ext uri="{9D8B030D-6E8A-4147-A177-3AD203B41FA5}">
-                      <a16:colId xmlns:a16="http://schemas.microsoft.com/office/drawing/2014/main" xmlns="" val="20008"/>
+                      <a16:colId xmlns="" xmlns:a16="http://schemas.microsoft.com/office/drawing/2014/main" val="20008"/>
                     </a:ext>
                   </a:extLst>
                 </a:gridCol>
                 <a:gridCol w="402885">
                   <a:extLst>
                     <a:ext uri="{9D8B030D-6E8A-4147-A177-3AD203B41FA5}">
-                      <a16:colId xmlns:a16="http://schemas.microsoft.com/office/drawing/2014/main" xmlns="" val="20009"/>
+                      <a16:colId xmlns="" xmlns:a16="http://schemas.microsoft.com/office/drawing/2014/main" val="20009"/>
                     </a:ext>
                   </a:extLst>
                 </a:gridCol>
                 <a:gridCol w="402885">
                   <a:extLst>
                     <a:ext uri="{9D8B030D-6E8A-4147-A177-3AD203B41FA5}">
-                      <a16:colId xmlns:a16="http://schemas.microsoft.com/office/drawing/2014/main" xmlns="" val="20010"/>
+                      <a16:colId xmlns="" xmlns:a16="http://schemas.microsoft.com/office/drawing/2014/main" val="20010"/>
                     </a:ext>
                   </a:extLst>
                 </a:gridCol>
                 <a:gridCol w="402885">
                   <a:extLst>
                     <a:ext uri="{9D8B030D-6E8A-4147-A177-3AD203B41FA5}">
-                      <a16:colId xmlns:a16="http://schemas.microsoft.com/office/drawing/2014/main" xmlns="" val="20011"/>
+                      <a16:colId xmlns="" xmlns:a16="http://schemas.microsoft.com/office/drawing/2014/main" val="20011"/>
                     </a:ext>
                   </a:extLst>
                 </a:gridCol>
@@ -12264,7 +12264,7 @@
                 </a:tc>
                 <a:extLst>
                   <a:ext uri="{0D108BD9-81ED-4DB2-BD59-A6C34878D82A}">
-                    <a16:rowId xmlns:a16="http://schemas.microsoft.com/office/drawing/2014/main" xmlns="" val="10000"/>
+                    <a16:rowId xmlns="" xmlns:a16="http://schemas.microsoft.com/office/drawing/2014/main" val="10000"/>
                   </a:ext>
                 </a:extLst>
               </a:tr>
@@ -13028,7 +13028,7 @@
                 </a:tc>
                 <a:extLst>
                   <a:ext uri="{0D108BD9-81ED-4DB2-BD59-A6C34878D82A}">
-                    <a16:rowId xmlns:a16="http://schemas.microsoft.com/office/drawing/2014/main" xmlns="" val="10001"/>
+                    <a16:rowId xmlns="" xmlns:a16="http://schemas.microsoft.com/office/drawing/2014/main" val="10001"/>
                   </a:ext>
                 </a:extLst>
               </a:tr>
@@ -13766,7 +13766,7 @@
                 </a:tc>
                 <a:extLst>
                   <a:ext uri="{0D108BD9-81ED-4DB2-BD59-A6C34878D82A}">
-                    <a16:rowId xmlns:a16="http://schemas.microsoft.com/office/drawing/2014/main" xmlns="" val="10002"/>
+                    <a16:rowId xmlns="" xmlns:a16="http://schemas.microsoft.com/office/drawing/2014/main" val="10002"/>
                   </a:ext>
                 </a:extLst>
               </a:tr>
@@ -14546,7 +14546,7 @@
                 </a:tc>
                 <a:extLst>
                   <a:ext uri="{0D108BD9-81ED-4DB2-BD59-A6C34878D82A}">
-                    <a16:rowId xmlns:a16="http://schemas.microsoft.com/office/drawing/2014/main" xmlns="" val="10003"/>
+                    <a16:rowId xmlns="" xmlns:a16="http://schemas.microsoft.com/office/drawing/2014/main" val="10003"/>
                   </a:ext>
                 </a:extLst>
               </a:tr>
@@ -15293,7 +15293,7 @@
                 </a:tc>
                 <a:extLst>
                   <a:ext uri="{0D108BD9-81ED-4DB2-BD59-A6C34878D82A}">
-                    <a16:rowId xmlns:a16="http://schemas.microsoft.com/office/drawing/2014/main" xmlns="" val="10004"/>
+                    <a16:rowId xmlns="" xmlns:a16="http://schemas.microsoft.com/office/drawing/2014/main" val="10004"/>
                   </a:ext>
                 </a:extLst>
               </a:tr>
@@ -16089,7 +16089,7 @@
                 </a:tc>
                 <a:extLst>
                   <a:ext uri="{0D108BD9-81ED-4DB2-BD59-A6C34878D82A}">
-                    <a16:rowId xmlns:a16="http://schemas.microsoft.com/office/drawing/2014/main" xmlns="" val="10005"/>
+                    <a16:rowId xmlns="" xmlns:a16="http://schemas.microsoft.com/office/drawing/2014/main" val="10005"/>
                   </a:ext>
                 </a:extLst>
               </a:tr>
@@ -16836,7 +16836,7 @@
                 </a:tc>
                 <a:extLst>
                   <a:ext uri="{0D108BD9-81ED-4DB2-BD59-A6C34878D82A}">
-                    <a16:rowId xmlns:a16="http://schemas.microsoft.com/office/drawing/2014/main" xmlns="" val="10006"/>
+                    <a16:rowId xmlns="" xmlns:a16="http://schemas.microsoft.com/office/drawing/2014/main" val="10006"/>
                   </a:ext>
                 </a:extLst>
               </a:tr>
@@ -17616,7 +17616,7 @@
                 </a:tc>
                 <a:extLst>
                   <a:ext uri="{0D108BD9-81ED-4DB2-BD59-A6C34878D82A}">
-                    <a16:rowId xmlns:a16="http://schemas.microsoft.com/office/drawing/2014/main" xmlns="" val="10007"/>
+                    <a16:rowId xmlns="" xmlns:a16="http://schemas.microsoft.com/office/drawing/2014/main" val="10007"/>
                   </a:ext>
                 </a:extLst>
               </a:tr>
@@ -17629,7 +17629,7 @@
           <p:cNvPr id="24" name="Rectangle 45">
             <a:extLst>
               <a:ext uri="{FF2B5EF4-FFF2-40B4-BE49-F238E27FC236}">
-                <a16:creationId xmlns:a16="http://schemas.microsoft.com/office/drawing/2014/main" xmlns="" id="{22D5BE16-CBBC-4E85-B6E6-654B23418E6B}"/>
+                <a16:creationId xmlns="" xmlns:a16="http://schemas.microsoft.com/office/drawing/2014/main" id="{22D5BE16-CBBC-4E85-B6E6-654B23418E6B}"/>
               </a:ext>
             </a:extLst>
           </p:cNvPr>
@@ -17687,7 +17687,7 @@
           <p:cNvPr id="25" name="Rectangle 45">
             <a:extLst>
               <a:ext uri="{FF2B5EF4-FFF2-40B4-BE49-F238E27FC236}">
-                <a16:creationId xmlns:a16="http://schemas.microsoft.com/office/drawing/2014/main" xmlns="" id="{6FE8C2B0-0E3A-4F91-8215-F755BD6BB415}"/>
+                <a16:creationId xmlns="" xmlns:a16="http://schemas.microsoft.com/office/drawing/2014/main" id="{6FE8C2B0-0E3A-4F91-8215-F755BD6BB415}"/>
               </a:ext>
             </a:extLst>
           </p:cNvPr>
@@ -17745,7 +17745,7 @@
           <p:cNvPr id="26" name="Rectangle 45">
             <a:extLst>
               <a:ext uri="{FF2B5EF4-FFF2-40B4-BE49-F238E27FC236}">
-                <a16:creationId xmlns:a16="http://schemas.microsoft.com/office/drawing/2014/main" xmlns="" id="{3C069615-7F2A-45E5-9F09-0B2B2DC7902C}"/>
+                <a16:creationId xmlns="" xmlns:a16="http://schemas.microsoft.com/office/drawing/2014/main" id="{3C069615-7F2A-45E5-9F09-0B2B2DC7902C}"/>
               </a:ext>
             </a:extLst>
           </p:cNvPr>
@@ -17803,7 +17803,7 @@
           <p:cNvPr id="28" name="Rectangle 45">
             <a:extLst>
               <a:ext uri="{FF2B5EF4-FFF2-40B4-BE49-F238E27FC236}">
-                <a16:creationId xmlns:a16="http://schemas.microsoft.com/office/drawing/2014/main" xmlns="" id="{83B60910-03C5-4F0C-99F3-156301D8BDB5}"/>
+                <a16:creationId xmlns="" xmlns:a16="http://schemas.microsoft.com/office/drawing/2014/main" id="{83B60910-03C5-4F0C-99F3-156301D8BDB5}"/>
               </a:ext>
             </a:extLst>
           </p:cNvPr>
@@ -17861,7 +17861,7 @@
           <p:cNvPr id="34" name="Rectangle 45">
             <a:extLst>
               <a:ext uri="{FF2B5EF4-FFF2-40B4-BE49-F238E27FC236}">
-                <a16:creationId xmlns:a16="http://schemas.microsoft.com/office/drawing/2014/main" xmlns="" id="{F9736FC2-E69D-4E72-9940-FD07D735B195}"/>
+                <a16:creationId xmlns="" xmlns:a16="http://schemas.microsoft.com/office/drawing/2014/main" id="{F9736FC2-E69D-4E72-9940-FD07D735B195}"/>
               </a:ext>
             </a:extLst>
           </p:cNvPr>
@@ -17919,7 +17919,7 @@
           <p:cNvPr id="35" name="Rectangle 45">
             <a:extLst>
               <a:ext uri="{FF2B5EF4-FFF2-40B4-BE49-F238E27FC236}">
-                <a16:creationId xmlns:a16="http://schemas.microsoft.com/office/drawing/2014/main" xmlns="" id="{006B4CCA-AF53-4D23-98FE-1DD7A8181662}"/>
+                <a16:creationId xmlns="" xmlns:a16="http://schemas.microsoft.com/office/drawing/2014/main" id="{006B4CCA-AF53-4D23-98FE-1DD7A8181662}"/>
               </a:ext>
             </a:extLst>
           </p:cNvPr>
@@ -17977,7 +17977,7 @@
           <p:cNvPr id="36" name="Rectangle 45">
             <a:extLst>
               <a:ext uri="{FF2B5EF4-FFF2-40B4-BE49-F238E27FC236}">
-                <a16:creationId xmlns:a16="http://schemas.microsoft.com/office/drawing/2014/main" xmlns="" id="{C1AF42C5-0EBE-4137-8301-E504AFF34516}"/>
+                <a16:creationId xmlns="" xmlns:a16="http://schemas.microsoft.com/office/drawing/2014/main" id="{C1AF42C5-0EBE-4137-8301-E504AFF34516}"/>
               </a:ext>
             </a:extLst>
           </p:cNvPr>
@@ -18033,7 +18033,7 @@
     </p:spTree>
     <p:extLst>
       <p:ext uri="{BB962C8B-B14F-4D97-AF65-F5344CB8AC3E}">
-        <p14:creationId xmlns:p14="http://schemas.microsoft.com/office/powerpoint/2010/main" xmlns="" val="3821172291"/>
+        <p14:creationId xmlns="" xmlns:p14="http://schemas.microsoft.com/office/powerpoint/2010/main" val="3821172291"/>
       </p:ext>
     </p:extLst>
   </p:cSld>
@@ -18041,7 +18041,7 @@
     <a:masterClrMapping/>
   </p:clrMapOvr>
   <mc:AlternateContent xmlns:mc="http://schemas.openxmlformats.org/markup-compatibility/2006">
-    <mc:Choice xmlns:p14="http://schemas.microsoft.com/office/powerpoint/2010/main" xmlns="" Requires="p14">
+    <mc:Choice xmlns="" xmlns:p14="http://schemas.microsoft.com/office/powerpoint/2010/main" Requires="p14">
       <p:transition spd="med" p14:dur="700">
         <p:fade/>
       </p:transition>
@@ -18119,7 +18119,7 @@
           <p:cNvPr id="7" name="TextBox 6">
             <a:extLst>
               <a:ext uri="{FF2B5EF4-FFF2-40B4-BE49-F238E27FC236}">
-                <a16:creationId xmlns:a16="http://schemas.microsoft.com/office/drawing/2014/main" xmlns="" id="{9A93FFA3-FF75-414A-A59A-8AB2236ABB72}"/>
+                <a16:creationId xmlns="" xmlns:a16="http://schemas.microsoft.com/office/drawing/2014/main" id="{9A93FFA3-FF75-414A-A59A-8AB2236ABB72}"/>
               </a:ext>
             </a:extLst>
           </p:cNvPr>
@@ -18161,7 +18161,7 @@
           <p:cNvPr id="4" name="그림 3">
             <a:extLst>
               <a:ext uri="{FF2B5EF4-FFF2-40B4-BE49-F238E27FC236}">
-                <a16:creationId xmlns:a16="http://schemas.microsoft.com/office/drawing/2014/main" xmlns="" id="{112AF955-9430-4DBE-B41D-C66A9B981287}"/>
+                <a16:creationId xmlns="" xmlns:a16="http://schemas.microsoft.com/office/drawing/2014/main" id="{112AF955-9430-4DBE-B41D-C66A9B981287}"/>
               </a:ext>
             </a:extLst>
           </p:cNvPr>
@@ -18174,7 +18174,7 @@
           <a:blip r:embed="rId2" cstate="print">
             <a:extLst>
               <a:ext uri="{28A0092B-C50C-407E-A947-70E740481C1C}">
-                <a14:useLocalDpi xmlns:a14="http://schemas.microsoft.com/office/drawing/2010/main" xmlns="" val="0"/>
+                <a14:useLocalDpi xmlns="" xmlns:a14="http://schemas.microsoft.com/office/drawing/2010/main" val="0"/>
               </a:ext>
             </a:extLst>
           </a:blip>
@@ -18202,7 +18202,7 @@
           <p:cNvPr id="18" name="표 17">
             <a:extLst>
               <a:ext uri="{FF2B5EF4-FFF2-40B4-BE49-F238E27FC236}">
-                <a16:creationId xmlns:a16="http://schemas.microsoft.com/office/drawing/2014/main" xmlns="" id="{9C3BE569-6935-434C-88DD-9FAD5F579516}"/>
+                <a16:creationId xmlns="" xmlns:a16="http://schemas.microsoft.com/office/drawing/2014/main" id="{9C3BE569-6935-434C-88DD-9FAD5F579516}"/>
               </a:ext>
             </a:extLst>
           </p:cNvPr>
@@ -18212,7 +18212,7 @@
           <p:nvPr>
             <p:extLst>
               <p:ext uri="{D42A27DB-BD31-4B8C-83A1-F6EECF244321}">
-                <p14:modId xmlns:p14="http://schemas.microsoft.com/office/powerpoint/2010/main" xmlns="" val="2941569553"/>
+                <p14:modId xmlns="" xmlns:p14="http://schemas.microsoft.com/office/powerpoint/2010/main" val="2941569553"/>
               </p:ext>
             </p:extLst>
           </p:nvPr>
@@ -18231,7 +18231,7 @@
                 <a:gridCol w="2736304">
                   <a:extLst>
                     <a:ext uri="{9D8B030D-6E8A-4147-A177-3AD203B41FA5}">
-                      <a16:colId xmlns:a16="http://schemas.microsoft.com/office/drawing/2014/main" xmlns="" val="20000"/>
+                      <a16:colId xmlns="" xmlns:a16="http://schemas.microsoft.com/office/drawing/2014/main" val="20000"/>
                     </a:ext>
                   </a:extLst>
                 </a:gridCol>
@@ -18337,7 +18337,7 @@
                 </a:tc>
                 <a:extLst>
                   <a:ext uri="{0D108BD9-81ED-4DB2-BD59-A6C34878D82A}">
-                    <a16:rowId xmlns:a16="http://schemas.microsoft.com/office/drawing/2014/main" xmlns="" val="10000"/>
+                    <a16:rowId xmlns="" xmlns:a16="http://schemas.microsoft.com/office/drawing/2014/main" val="10000"/>
                   </a:ext>
                 </a:extLst>
               </a:tr>
@@ -18422,7 +18422,7 @@
                 </a:tc>
                 <a:extLst>
                   <a:ext uri="{0D108BD9-81ED-4DB2-BD59-A6C34878D82A}">
-                    <a16:rowId xmlns:a16="http://schemas.microsoft.com/office/drawing/2014/main" xmlns="" val="10001"/>
+                    <a16:rowId xmlns="" xmlns:a16="http://schemas.microsoft.com/office/drawing/2014/main" val="10001"/>
                   </a:ext>
                 </a:extLst>
               </a:tr>
@@ -18497,18 +18497,39 @@
                         <a:t>,</a:t>
                       </a:r>
                       <a:r>
-                        <a:rPr lang="ko-KR" altLang="en-US" sz="1050" b="0" dirty="0" err="1">
+                        <a:rPr lang="ko-KR" altLang="en-US" sz="1050" b="0" dirty="0" err="1" smtClean="0">
                           <a:latin typeface="한컴 윤체 L" panose="02020603020101020101" pitchFamily="18" charset="-127"/>
                           <a:ea typeface="한컴 윤체 L" panose="02020603020101020101" pitchFamily="18" charset="-127"/>
                         </a:rPr>
                         <a:t>매니져</a:t>
                       </a:r>
                       <a:r>
-                        <a:rPr lang="ko-KR" altLang="en-US" sz="1050" b="0" dirty="0">
+                        <a:rPr lang="en-US" altLang="ko-KR" sz="1050" b="0" dirty="0" smtClean="0">
                           <a:latin typeface="한컴 윤체 L" panose="02020603020101020101" pitchFamily="18" charset="-127"/>
                           <a:ea typeface="한컴 윤체 L" panose="02020603020101020101" pitchFamily="18" charset="-127"/>
                         </a:rPr>
-                        <a:t> 구분</a:t>
+                        <a:t>,</a:t>
+                      </a:r>
+                      <a:r>
+                        <a:rPr lang="en-US" altLang="ko-KR" sz="1050" b="0" baseline="0" dirty="0" smtClean="0">
+                          <a:latin typeface="한컴 윤체 L" panose="02020603020101020101" pitchFamily="18" charset="-127"/>
+                          <a:ea typeface="한컴 윤체 L" panose="02020603020101020101" pitchFamily="18" charset="-127"/>
+                        </a:rPr>
+                        <a:t> </a:t>
+                      </a:r>
+                      <a:r>
+                        <a:rPr lang="ko-KR" altLang="en-US" sz="1050" b="0" baseline="0" smtClean="0">
+                          <a:latin typeface="한컴 윤체 L" panose="02020603020101020101" pitchFamily="18" charset="-127"/>
+                          <a:ea typeface="한컴 윤체 L" panose="02020603020101020101" pitchFamily="18" charset="-127"/>
+                        </a:rPr>
+                        <a:t>기업 </a:t>
+                      </a:r>
+                      <a:r>
+                        <a:rPr lang="ko-KR" altLang="en-US" sz="1050" b="0" smtClean="0">
+                          <a:latin typeface="한컴 윤체 L" panose="02020603020101020101" pitchFamily="18" charset="-127"/>
+                          <a:ea typeface="한컴 윤체 L" panose="02020603020101020101" pitchFamily="18" charset="-127"/>
+                        </a:rPr>
+                        <a:t>구분</a:t>
                       </a:r>
                       <a:endParaRPr lang="en-US" altLang="ko-KR" sz="1050" b="0" dirty="0">
                         <a:latin typeface="한컴 윤체 L" panose="02020603020101020101" pitchFamily="18" charset="-127"/>
@@ -18575,7 +18596,7 @@
                 </a:tc>
                 <a:extLst>
                   <a:ext uri="{0D108BD9-81ED-4DB2-BD59-A6C34878D82A}">
-                    <a16:rowId xmlns:a16="http://schemas.microsoft.com/office/drawing/2014/main" xmlns="" val="10002"/>
+                    <a16:rowId xmlns="" xmlns:a16="http://schemas.microsoft.com/office/drawing/2014/main" val="10002"/>
                   </a:ext>
                 </a:extLst>
               </a:tr>
@@ -18586,7 +18607,7 @@
     </p:spTree>
     <p:extLst>
       <p:ext uri="{BB962C8B-B14F-4D97-AF65-F5344CB8AC3E}">
-        <p14:creationId xmlns:p14="http://schemas.microsoft.com/office/powerpoint/2010/main" xmlns="" val="1974618126"/>
+        <p14:creationId xmlns="" xmlns:p14="http://schemas.microsoft.com/office/powerpoint/2010/main" val="1974618126"/>
       </p:ext>
     </p:extLst>
   </p:cSld>
@@ -18594,7 +18615,7 @@
     <a:masterClrMapping/>
   </p:clrMapOvr>
   <mc:AlternateContent xmlns:mc="http://schemas.openxmlformats.org/markup-compatibility/2006">
-    <mc:Choice xmlns:p14="http://schemas.microsoft.com/office/powerpoint/2010/main" xmlns="" Requires="p14">
+    <mc:Choice xmlns="" xmlns:p14="http://schemas.microsoft.com/office/powerpoint/2010/main" Requires="p14">
       <p:transition spd="med" p14:dur="700">
         <p:fade/>
       </p:transition>
@@ -18668,7 +18689,7 @@
           <p:cNvPr id="10" name="직사각형 9">
             <a:extLst>
               <a:ext uri="{FF2B5EF4-FFF2-40B4-BE49-F238E27FC236}">
-                <a16:creationId xmlns:a16="http://schemas.microsoft.com/office/drawing/2014/main" xmlns="" id="{64617F76-3FBE-4D83-A2FE-EA87BE6C672A}"/>
+                <a16:creationId xmlns="" xmlns:a16="http://schemas.microsoft.com/office/drawing/2014/main" id="{64617F76-3FBE-4D83-A2FE-EA87BE6C672A}"/>
               </a:ext>
             </a:extLst>
           </p:cNvPr>
@@ -18740,7 +18761,7 @@
           <p:cNvPr id="22" name="표 21">
             <a:extLst>
               <a:ext uri="{FF2B5EF4-FFF2-40B4-BE49-F238E27FC236}">
-                <a16:creationId xmlns:a16="http://schemas.microsoft.com/office/drawing/2014/main" xmlns="" id="{1DAF5372-8FFF-4A92-A5A5-5FA0001F950D}"/>
+                <a16:creationId xmlns="" xmlns:a16="http://schemas.microsoft.com/office/drawing/2014/main" id="{1DAF5372-8FFF-4A92-A5A5-5FA0001F950D}"/>
               </a:ext>
             </a:extLst>
           </p:cNvPr>
@@ -18750,7 +18771,7 @@
           <p:nvPr>
             <p:extLst>
               <p:ext uri="{D42A27DB-BD31-4B8C-83A1-F6EECF244321}">
-                <p14:modId xmlns:p14="http://schemas.microsoft.com/office/powerpoint/2010/main" xmlns="" val="3849027936"/>
+                <p14:modId xmlns="" xmlns:p14="http://schemas.microsoft.com/office/powerpoint/2010/main" val="3849027936"/>
               </p:ext>
             </p:extLst>
           </p:nvPr>
@@ -18769,7 +18790,7 @@
                 <a:gridCol w="2880320">
                   <a:extLst>
                     <a:ext uri="{9D8B030D-6E8A-4147-A177-3AD203B41FA5}">
-                      <a16:colId xmlns:a16="http://schemas.microsoft.com/office/drawing/2014/main" xmlns="" val="20000"/>
+                      <a16:colId xmlns="" xmlns:a16="http://schemas.microsoft.com/office/drawing/2014/main" val="20000"/>
                     </a:ext>
                   </a:extLst>
                 </a:gridCol>
@@ -18875,7 +18896,7 @@
                 </a:tc>
                 <a:extLst>
                   <a:ext uri="{0D108BD9-81ED-4DB2-BD59-A6C34878D82A}">
-                    <a16:rowId xmlns:a16="http://schemas.microsoft.com/office/drawing/2014/main" xmlns="" val="10000"/>
+                    <a16:rowId xmlns="" xmlns:a16="http://schemas.microsoft.com/office/drawing/2014/main" val="10000"/>
                   </a:ext>
                 </a:extLst>
               </a:tr>
@@ -18960,7 +18981,7 @@
                 </a:tc>
                 <a:extLst>
                   <a:ext uri="{0D108BD9-81ED-4DB2-BD59-A6C34878D82A}">
-                    <a16:rowId xmlns:a16="http://schemas.microsoft.com/office/drawing/2014/main" xmlns="" val="10001"/>
+                    <a16:rowId xmlns="" xmlns:a16="http://schemas.microsoft.com/office/drawing/2014/main" val="10001"/>
                   </a:ext>
                 </a:extLst>
               </a:tr>
@@ -19064,7 +19085,7 @@
                 </a:tc>
                 <a:extLst>
                   <a:ext uri="{0D108BD9-81ED-4DB2-BD59-A6C34878D82A}">
-                    <a16:rowId xmlns:a16="http://schemas.microsoft.com/office/drawing/2014/main" xmlns="" val="10002"/>
+                    <a16:rowId xmlns="" xmlns:a16="http://schemas.microsoft.com/office/drawing/2014/main" val="10002"/>
                   </a:ext>
                 </a:extLst>
               </a:tr>
@@ -19077,7 +19098,7 @@
           <p:cNvPr id="17" name="그림 16">
             <a:extLst>
               <a:ext uri="{FF2B5EF4-FFF2-40B4-BE49-F238E27FC236}">
-                <a16:creationId xmlns:a16="http://schemas.microsoft.com/office/drawing/2014/main" xmlns="" id="{0AAEC669-0C7D-4EE0-A031-3E59A3CBEB69}"/>
+                <a16:creationId xmlns="" xmlns:a16="http://schemas.microsoft.com/office/drawing/2014/main" id="{0AAEC669-0C7D-4EE0-A031-3E59A3CBEB69}"/>
               </a:ext>
             </a:extLst>
           </p:cNvPr>
@@ -19090,7 +19111,7 @@
           <a:blip r:embed="rId2" cstate="print">
             <a:extLst>
               <a:ext uri="{28A0092B-C50C-407E-A947-70E740481C1C}">
-                <a14:useLocalDpi xmlns:a14="http://schemas.microsoft.com/office/drawing/2010/main" xmlns="" val="0"/>
+                <a14:useLocalDpi xmlns="" xmlns:a14="http://schemas.microsoft.com/office/drawing/2010/main" val="0"/>
               </a:ext>
             </a:extLst>
           </a:blip>
@@ -19118,7 +19139,7 @@
           <p:cNvPr id="19" name="TextBox 18">
             <a:extLst>
               <a:ext uri="{FF2B5EF4-FFF2-40B4-BE49-F238E27FC236}">
-                <a16:creationId xmlns:a16="http://schemas.microsoft.com/office/drawing/2014/main" xmlns="" id="{08887152-4A96-4FCC-AC0C-20E5DFC597E0}"/>
+                <a16:creationId xmlns="" xmlns:a16="http://schemas.microsoft.com/office/drawing/2014/main" id="{08887152-4A96-4FCC-AC0C-20E5DFC597E0}"/>
               </a:ext>
             </a:extLst>
           </p:cNvPr>
@@ -19163,7 +19184,7 @@
           <p:cNvPr id="20" name="TextBox 19">
             <a:extLst>
               <a:ext uri="{FF2B5EF4-FFF2-40B4-BE49-F238E27FC236}">
-                <a16:creationId xmlns:a16="http://schemas.microsoft.com/office/drawing/2014/main" xmlns="" id="{817B01FC-760C-443B-823A-528D79C32133}"/>
+                <a16:creationId xmlns="" xmlns:a16="http://schemas.microsoft.com/office/drawing/2014/main" id="{817B01FC-760C-443B-823A-528D79C32133}"/>
               </a:ext>
             </a:extLst>
           </p:cNvPr>
@@ -19209,7 +19230,7 @@
     </p:spTree>
     <p:extLst>
       <p:ext uri="{BB962C8B-B14F-4D97-AF65-F5344CB8AC3E}">
-        <p14:creationId xmlns:p14="http://schemas.microsoft.com/office/powerpoint/2010/main" xmlns="" val="2439963436"/>
+        <p14:creationId xmlns="" xmlns:p14="http://schemas.microsoft.com/office/powerpoint/2010/main" val="2439963436"/>
       </p:ext>
     </p:extLst>
   </p:cSld>
@@ -19217,7 +19238,7 @@
     <a:masterClrMapping/>
   </p:clrMapOvr>
   <mc:AlternateContent xmlns:mc="http://schemas.openxmlformats.org/markup-compatibility/2006">
-    <mc:Choice xmlns:p14="http://schemas.microsoft.com/office/powerpoint/2010/main" xmlns="" Requires="p14">
+    <mc:Choice xmlns="" xmlns:p14="http://schemas.microsoft.com/office/powerpoint/2010/main" Requires="p14">
       <p:transition spd="med" p14:dur="700">
         <p:fade/>
       </p:transition>
@@ -19291,7 +19312,7 @@
           <p:cNvPr id="10" name="직사각형 9">
             <a:extLst>
               <a:ext uri="{FF2B5EF4-FFF2-40B4-BE49-F238E27FC236}">
-                <a16:creationId xmlns:a16="http://schemas.microsoft.com/office/drawing/2014/main" xmlns="" id="{64617F76-3FBE-4D83-A2FE-EA87BE6C672A}"/>
+                <a16:creationId xmlns="" xmlns:a16="http://schemas.microsoft.com/office/drawing/2014/main" id="{64617F76-3FBE-4D83-A2FE-EA87BE6C672A}"/>
               </a:ext>
             </a:extLst>
           </p:cNvPr>
@@ -19363,7 +19384,7 @@
           <p:cNvPr id="22" name="표 21">
             <a:extLst>
               <a:ext uri="{FF2B5EF4-FFF2-40B4-BE49-F238E27FC236}">
-                <a16:creationId xmlns:a16="http://schemas.microsoft.com/office/drawing/2014/main" xmlns="" id="{1DAF5372-8FFF-4A92-A5A5-5FA0001F950D}"/>
+                <a16:creationId xmlns="" xmlns:a16="http://schemas.microsoft.com/office/drawing/2014/main" id="{1DAF5372-8FFF-4A92-A5A5-5FA0001F950D}"/>
               </a:ext>
             </a:extLst>
           </p:cNvPr>
@@ -19373,7 +19394,7 @@
           <p:nvPr>
             <p:extLst>
               <p:ext uri="{D42A27DB-BD31-4B8C-83A1-F6EECF244321}">
-                <p14:modId xmlns:p14="http://schemas.microsoft.com/office/powerpoint/2010/main" xmlns="" val="2192646974"/>
+                <p14:modId xmlns="" xmlns:p14="http://schemas.microsoft.com/office/powerpoint/2010/main" val="2192646974"/>
               </p:ext>
             </p:extLst>
           </p:nvPr>
@@ -19392,7 +19413,7 @@
                 <a:gridCol w="2880320">
                   <a:extLst>
                     <a:ext uri="{9D8B030D-6E8A-4147-A177-3AD203B41FA5}">
-                      <a16:colId xmlns:a16="http://schemas.microsoft.com/office/drawing/2014/main" xmlns="" val="20000"/>
+                      <a16:colId xmlns="" xmlns:a16="http://schemas.microsoft.com/office/drawing/2014/main" val="20000"/>
                     </a:ext>
                   </a:extLst>
                 </a:gridCol>
@@ -19512,7 +19533,7 @@
                 </a:tc>
                 <a:extLst>
                   <a:ext uri="{0D108BD9-81ED-4DB2-BD59-A6C34878D82A}">
-                    <a16:rowId xmlns:a16="http://schemas.microsoft.com/office/drawing/2014/main" xmlns="" val="10000"/>
+                    <a16:rowId xmlns="" xmlns:a16="http://schemas.microsoft.com/office/drawing/2014/main" val="10000"/>
                   </a:ext>
                 </a:extLst>
               </a:tr>
@@ -19597,7 +19618,7 @@
                 </a:tc>
                 <a:extLst>
                   <a:ext uri="{0D108BD9-81ED-4DB2-BD59-A6C34878D82A}">
-                    <a16:rowId xmlns:a16="http://schemas.microsoft.com/office/drawing/2014/main" xmlns="" val="10001"/>
+                    <a16:rowId xmlns="" xmlns:a16="http://schemas.microsoft.com/office/drawing/2014/main" val="10001"/>
                   </a:ext>
                 </a:extLst>
               </a:tr>
@@ -19687,7 +19708,7 @@
                 </a:tc>
                 <a:extLst>
                   <a:ext uri="{0D108BD9-81ED-4DB2-BD59-A6C34878D82A}">
-                    <a16:rowId xmlns:a16="http://schemas.microsoft.com/office/drawing/2014/main" xmlns="" val="10002"/>
+                    <a16:rowId xmlns="" xmlns:a16="http://schemas.microsoft.com/office/drawing/2014/main" val="10002"/>
                   </a:ext>
                 </a:extLst>
               </a:tr>
@@ -19700,7 +19721,7 @@
           <p:cNvPr id="19" name="TextBox 18">
             <a:extLst>
               <a:ext uri="{FF2B5EF4-FFF2-40B4-BE49-F238E27FC236}">
-                <a16:creationId xmlns:a16="http://schemas.microsoft.com/office/drawing/2014/main" xmlns="" id="{08887152-4A96-4FCC-AC0C-20E5DFC597E0}"/>
+                <a16:creationId xmlns="" xmlns:a16="http://schemas.microsoft.com/office/drawing/2014/main" id="{08887152-4A96-4FCC-AC0C-20E5DFC597E0}"/>
               </a:ext>
             </a:extLst>
           </p:cNvPr>
@@ -19759,7 +19780,7 @@
           <p:cNvPr id="20" name="TextBox 19">
             <a:extLst>
               <a:ext uri="{FF2B5EF4-FFF2-40B4-BE49-F238E27FC236}">
-                <a16:creationId xmlns:a16="http://schemas.microsoft.com/office/drawing/2014/main" xmlns="" id="{817B01FC-760C-443B-823A-528D79C32133}"/>
+                <a16:creationId xmlns="" xmlns:a16="http://schemas.microsoft.com/office/drawing/2014/main" id="{817B01FC-760C-443B-823A-528D79C32133}"/>
               </a:ext>
             </a:extLst>
           </p:cNvPr>
@@ -19807,7 +19828,7 @@
           <p:cNvPr id="3" name="그림 2">
             <a:extLst>
               <a:ext uri="{FF2B5EF4-FFF2-40B4-BE49-F238E27FC236}">
-                <a16:creationId xmlns:a16="http://schemas.microsoft.com/office/drawing/2014/main" xmlns="" id="{2C521542-8EF6-4F38-905C-65F9DD446603}"/>
+                <a16:creationId xmlns="" xmlns:a16="http://schemas.microsoft.com/office/drawing/2014/main" id="{2C521542-8EF6-4F38-905C-65F9DD446603}"/>
               </a:ext>
             </a:extLst>
           </p:cNvPr>
@@ -19820,7 +19841,7 @@
           <a:blip r:embed="rId2" cstate="print">
             <a:extLst>
               <a:ext uri="{28A0092B-C50C-407E-A947-70E740481C1C}">
-                <a14:useLocalDpi xmlns:a14="http://schemas.microsoft.com/office/drawing/2010/main" xmlns="" val="0"/>
+                <a14:useLocalDpi xmlns="" xmlns:a14="http://schemas.microsoft.com/office/drawing/2010/main" val="0"/>
               </a:ext>
             </a:extLst>
           </a:blip>
@@ -19848,7 +19869,7 @@
           <p:cNvPr id="6" name="그림 5">
             <a:extLst>
               <a:ext uri="{FF2B5EF4-FFF2-40B4-BE49-F238E27FC236}">
-                <a16:creationId xmlns:a16="http://schemas.microsoft.com/office/drawing/2014/main" xmlns="" id="{C79FED55-DC83-4BCE-AC60-CD7E1D970936}"/>
+                <a16:creationId xmlns="" xmlns:a16="http://schemas.microsoft.com/office/drawing/2014/main" id="{C79FED55-DC83-4BCE-AC60-CD7E1D970936}"/>
               </a:ext>
             </a:extLst>
           </p:cNvPr>
@@ -19861,7 +19882,7 @@
           <a:blip r:embed="rId3" cstate="print">
             <a:extLst>
               <a:ext uri="{28A0092B-C50C-407E-A947-70E740481C1C}">
-                <a14:useLocalDpi xmlns:a14="http://schemas.microsoft.com/office/drawing/2010/main" xmlns="" val="0"/>
+                <a14:useLocalDpi xmlns="" xmlns:a14="http://schemas.microsoft.com/office/drawing/2010/main" val="0"/>
               </a:ext>
             </a:extLst>
           </a:blip>
@@ -19887,7 +19908,7 @@
     </p:spTree>
     <p:extLst>
       <p:ext uri="{BB962C8B-B14F-4D97-AF65-F5344CB8AC3E}">
-        <p14:creationId xmlns:p14="http://schemas.microsoft.com/office/powerpoint/2010/main" xmlns="" val="2129670835"/>
+        <p14:creationId xmlns="" xmlns:p14="http://schemas.microsoft.com/office/powerpoint/2010/main" val="2129670835"/>
       </p:ext>
     </p:extLst>
   </p:cSld>
@@ -19895,7 +19916,7 @@
     <a:masterClrMapping/>
   </p:clrMapOvr>
   <mc:AlternateContent xmlns:mc="http://schemas.openxmlformats.org/markup-compatibility/2006">
-    <mc:Choice xmlns:p14="http://schemas.microsoft.com/office/powerpoint/2010/main" xmlns="" Requires="p14">
+    <mc:Choice xmlns="" xmlns:p14="http://schemas.microsoft.com/office/powerpoint/2010/main" Requires="p14">
       <p:transition spd="med" p14:dur="700">
         <p:fade/>
       </p:transition>
@@ -19969,7 +19990,7 @@
           <p:cNvPr id="10" name="직사각형 9">
             <a:extLst>
               <a:ext uri="{FF2B5EF4-FFF2-40B4-BE49-F238E27FC236}">
-                <a16:creationId xmlns:a16="http://schemas.microsoft.com/office/drawing/2014/main" xmlns="" id="{64617F76-3FBE-4D83-A2FE-EA87BE6C672A}"/>
+                <a16:creationId xmlns="" xmlns:a16="http://schemas.microsoft.com/office/drawing/2014/main" id="{64617F76-3FBE-4D83-A2FE-EA87BE6C672A}"/>
               </a:ext>
             </a:extLst>
           </p:cNvPr>
@@ -20041,7 +20062,7 @@
           <p:cNvPr id="22" name="표 21">
             <a:extLst>
               <a:ext uri="{FF2B5EF4-FFF2-40B4-BE49-F238E27FC236}">
-                <a16:creationId xmlns:a16="http://schemas.microsoft.com/office/drawing/2014/main" xmlns="" id="{1DAF5372-8FFF-4A92-A5A5-5FA0001F950D}"/>
+                <a16:creationId xmlns="" xmlns:a16="http://schemas.microsoft.com/office/drawing/2014/main" id="{1DAF5372-8FFF-4A92-A5A5-5FA0001F950D}"/>
               </a:ext>
             </a:extLst>
           </p:cNvPr>
@@ -20051,7 +20072,7 @@
           <p:nvPr>
             <p:extLst>
               <p:ext uri="{D42A27DB-BD31-4B8C-83A1-F6EECF244321}">
-                <p14:modId xmlns:p14="http://schemas.microsoft.com/office/powerpoint/2010/main" xmlns="" val="3307304461"/>
+                <p14:modId xmlns="" xmlns:p14="http://schemas.microsoft.com/office/powerpoint/2010/main" val="3307304461"/>
               </p:ext>
             </p:extLst>
           </p:nvPr>
@@ -20070,7 +20091,7 @@
                 <a:gridCol w="3240360">
                   <a:extLst>
                     <a:ext uri="{9D8B030D-6E8A-4147-A177-3AD203B41FA5}">
-                      <a16:colId xmlns:a16="http://schemas.microsoft.com/office/drawing/2014/main" xmlns="" val="20000"/>
+                      <a16:colId xmlns="" xmlns:a16="http://schemas.microsoft.com/office/drawing/2014/main" val="20000"/>
                     </a:ext>
                   </a:extLst>
                 </a:gridCol>
@@ -20176,7 +20197,7 @@
                 </a:tc>
                 <a:extLst>
                   <a:ext uri="{0D108BD9-81ED-4DB2-BD59-A6C34878D82A}">
-                    <a16:rowId xmlns:a16="http://schemas.microsoft.com/office/drawing/2014/main" xmlns="" val="10000"/>
+                    <a16:rowId xmlns="" xmlns:a16="http://schemas.microsoft.com/office/drawing/2014/main" val="10000"/>
                   </a:ext>
                 </a:extLst>
               </a:tr>
@@ -20261,7 +20282,7 @@
                 </a:tc>
                 <a:extLst>
                   <a:ext uri="{0D108BD9-81ED-4DB2-BD59-A6C34878D82A}">
-                    <a16:rowId xmlns:a16="http://schemas.microsoft.com/office/drawing/2014/main" xmlns="" val="10001"/>
+                    <a16:rowId xmlns="" xmlns:a16="http://schemas.microsoft.com/office/drawing/2014/main" val="10001"/>
                   </a:ext>
                 </a:extLst>
               </a:tr>
@@ -20403,7 +20424,7 @@
                 </a:tc>
                 <a:extLst>
                   <a:ext uri="{0D108BD9-81ED-4DB2-BD59-A6C34878D82A}">
-                    <a16:rowId xmlns:a16="http://schemas.microsoft.com/office/drawing/2014/main" xmlns="" val="10002"/>
+                    <a16:rowId xmlns="" xmlns:a16="http://schemas.microsoft.com/office/drawing/2014/main" val="10002"/>
                   </a:ext>
                 </a:extLst>
               </a:tr>
@@ -20416,7 +20437,7 @@
           <p:cNvPr id="19" name="TextBox 18">
             <a:extLst>
               <a:ext uri="{FF2B5EF4-FFF2-40B4-BE49-F238E27FC236}">
-                <a16:creationId xmlns:a16="http://schemas.microsoft.com/office/drawing/2014/main" xmlns="" id="{08887152-4A96-4FCC-AC0C-20E5DFC597E0}"/>
+                <a16:creationId xmlns="" xmlns:a16="http://schemas.microsoft.com/office/drawing/2014/main" id="{08887152-4A96-4FCC-AC0C-20E5DFC597E0}"/>
               </a:ext>
             </a:extLst>
           </p:cNvPr>
@@ -20461,7 +20482,7 @@
           <p:cNvPr id="20" name="TextBox 19">
             <a:extLst>
               <a:ext uri="{FF2B5EF4-FFF2-40B4-BE49-F238E27FC236}">
-                <a16:creationId xmlns:a16="http://schemas.microsoft.com/office/drawing/2014/main" xmlns="" id="{817B01FC-760C-443B-823A-528D79C32133}"/>
+                <a16:creationId xmlns="" xmlns:a16="http://schemas.microsoft.com/office/drawing/2014/main" id="{817B01FC-760C-443B-823A-528D79C32133}"/>
               </a:ext>
             </a:extLst>
           </p:cNvPr>
@@ -20509,7 +20530,7 @@
           <p:cNvPr id="3" name="그림 2">
             <a:extLst>
               <a:ext uri="{FF2B5EF4-FFF2-40B4-BE49-F238E27FC236}">
-                <a16:creationId xmlns:a16="http://schemas.microsoft.com/office/drawing/2014/main" xmlns="" id="{53AFA8E7-A1D3-4474-9FBC-573CF1E958CB}"/>
+                <a16:creationId xmlns="" xmlns:a16="http://schemas.microsoft.com/office/drawing/2014/main" id="{53AFA8E7-A1D3-4474-9FBC-573CF1E958CB}"/>
               </a:ext>
             </a:extLst>
           </p:cNvPr>
@@ -20522,7 +20543,7 @@
           <a:blip r:embed="rId2" cstate="print">
             <a:extLst>
               <a:ext uri="{28A0092B-C50C-407E-A947-70E740481C1C}">
-                <a14:useLocalDpi xmlns:a14="http://schemas.microsoft.com/office/drawing/2010/main" xmlns="" val="0"/>
+                <a14:useLocalDpi xmlns="" xmlns:a14="http://schemas.microsoft.com/office/drawing/2010/main" val="0"/>
               </a:ext>
             </a:extLst>
           </a:blip>
@@ -20548,7 +20569,7 @@
     </p:spTree>
     <p:extLst>
       <p:ext uri="{BB962C8B-B14F-4D97-AF65-F5344CB8AC3E}">
-        <p14:creationId xmlns:p14="http://schemas.microsoft.com/office/powerpoint/2010/main" xmlns="" val="2852307447"/>
+        <p14:creationId xmlns="" xmlns:p14="http://schemas.microsoft.com/office/powerpoint/2010/main" val="2852307447"/>
       </p:ext>
     </p:extLst>
   </p:cSld>
@@ -20556,7 +20577,7 @@
     <a:masterClrMapping/>
   </p:clrMapOvr>
   <mc:AlternateContent xmlns:mc="http://schemas.openxmlformats.org/markup-compatibility/2006">
-    <mc:Choice xmlns:p14="http://schemas.microsoft.com/office/powerpoint/2010/main" xmlns="" Requires="p14">
+    <mc:Choice xmlns="" xmlns:p14="http://schemas.microsoft.com/office/powerpoint/2010/main" Requires="p14">
       <p:transition spd="med" p14:dur="700">
         <p:fade/>
       </p:transition>
@@ -20630,7 +20651,7 @@
           <p:cNvPr id="10" name="직사각형 9">
             <a:extLst>
               <a:ext uri="{FF2B5EF4-FFF2-40B4-BE49-F238E27FC236}">
-                <a16:creationId xmlns:a16="http://schemas.microsoft.com/office/drawing/2014/main" xmlns="" id="{64617F76-3FBE-4D83-A2FE-EA87BE6C672A}"/>
+                <a16:creationId xmlns="" xmlns:a16="http://schemas.microsoft.com/office/drawing/2014/main" id="{64617F76-3FBE-4D83-A2FE-EA87BE6C672A}"/>
               </a:ext>
             </a:extLst>
           </p:cNvPr>
@@ -20702,7 +20723,7 @@
           <p:cNvPr id="22" name="표 21">
             <a:extLst>
               <a:ext uri="{FF2B5EF4-FFF2-40B4-BE49-F238E27FC236}">
-                <a16:creationId xmlns:a16="http://schemas.microsoft.com/office/drawing/2014/main" xmlns="" id="{1DAF5372-8FFF-4A92-A5A5-5FA0001F950D}"/>
+                <a16:creationId xmlns="" xmlns:a16="http://schemas.microsoft.com/office/drawing/2014/main" id="{1DAF5372-8FFF-4A92-A5A5-5FA0001F950D}"/>
               </a:ext>
             </a:extLst>
           </p:cNvPr>
@@ -20727,7 +20748,7 @@
                 <a:gridCol w="3240360">
                   <a:extLst>
                     <a:ext uri="{9D8B030D-6E8A-4147-A177-3AD203B41FA5}">
-                      <a16:colId xmlns:a16="http://schemas.microsoft.com/office/drawing/2014/main" xmlns="" val="20000"/>
+                      <a16:colId xmlns="" xmlns:a16="http://schemas.microsoft.com/office/drawing/2014/main" val="20000"/>
                     </a:ext>
                   </a:extLst>
                 </a:gridCol>
@@ -20833,7 +20854,7 @@
                 </a:tc>
                 <a:extLst>
                   <a:ext uri="{0D108BD9-81ED-4DB2-BD59-A6C34878D82A}">
-                    <a16:rowId xmlns:a16="http://schemas.microsoft.com/office/drawing/2014/main" xmlns="" val="10000"/>
+                    <a16:rowId xmlns="" xmlns:a16="http://schemas.microsoft.com/office/drawing/2014/main" val="10000"/>
                   </a:ext>
                 </a:extLst>
               </a:tr>
@@ -20918,7 +20939,7 @@
                 </a:tc>
                 <a:extLst>
                   <a:ext uri="{0D108BD9-81ED-4DB2-BD59-A6C34878D82A}">
-                    <a16:rowId xmlns:a16="http://schemas.microsoft.com/office/drawing/2014/main" xmlns="" val="10001"/>
+                    <a16:rowId xmlns="" xmlns:a16="http://schemas.microsoft.com/office/drawing/2014/main" val="10001"/>
                   </a:ext>
                 </a:extLst>
               </a:tr>
@@ -21036,7 +21057,7 @@
                 </a:tc>
                 <a:extLst>
                   <a:ext uri="{0D108BD9-81ED-4DB2-BD59-A6C34878D82A}">
-                    <a16:rowId xmlns:a16="http://schemas.microsoft.com/office/drawing/2014/main" xmlns="" val="10002"/>
+                    <a16:rowId xmlns="" xmlns:a16="http://schemas.microsoft.com/office/drawing/2014/main" val="10002"/>
                   </a:ext>
                 </a:extLst>
               </a:tr>
@@ -21049,7 +21070,7 @@
           <p:cNvPr id="19" name="TextBox 18">
             <a:extLst>
               <a:ext uri="{FF2B5EF4-FFF2-40B4-BE49-F238E27FC236}">
-                <a16:creationId xmlns:a16="http://schemas.microsoft.com/office/drawing/2014/main" xmlns="" id="{08887152-4A96-4FCC-AC0C-20E5DFC597E0}"/>
+                <a16:creationId xmlns="" xmlns:a16="http://schemas.microsoft.com/office/drawing/2014/main" id="{08887152-4A96-4FCC-AC0C-20E5DFC597E0}"/>
               </a:ext>
             </a:extLst>
           </p:cNvPr>
@@ -21094,7 +21115,7 @@
           <p:cNvPr id="20" name="TextBox 19">
             <a:extLst>
               <a:ext uri="{FF2B5EF4-FFF2-40B4-BE49-F238E27FC236}">
-                <a16:creationId xmlns:a16="http://schemas.microsoft.com/office/drawing/2014/main" xmlns="" id="{817B01FC-760C-443B-823A-528D79C32133}"/>
+                <a16:creationId xmlns="" xmlns:a16="http://schemas.microsoft.com/office/drawing/2014/main" id="{817B01FC-760C-443B-823A-528D79C32133}"/>
               </a:ext>
             </a:extLst>
           </p:cNvPr>
@@ -21142,7 +21163,7 @@
           <p:cNvPr id="4" name="그림 3">
             <a:extLst>
               <a:ext uri="{FF2B5EF4-FFF2-40B4-BE49-F238E27FC236}">
-                <a16:creationId xmlns:a16="http://schemas.microsoft.com/office/drawing/2014/main" xmlns="" id="{243BB24A-5AD9-479B-95F4-38C81A4D11FA}"/>
+                <a16:creationId xmlns="" xmlns:a16="http://schemas.microsoft.com/office/drawing/2014/main" id="{243BB24A-5AD9-479B-95F4-38C81A4D11FA}"/>
               </a:ext>
             </a:extLst>
           </p:cNvPr>
@@ -21155,7 +21176,7 @@
           <a:blip r:embed="rId2" cstate="print">
             <a:extLst>
               <a:ext uri="{28A0092B-C50C-407E-A947-70E740481C1C}">
-                <a14:useLocalDpi xmlns:a14="http://schemas.microsoft.com/office/drawing/2010/main" xmlns="" val="0"/>
+                <a14:useLocalDpi xmlns="" xmlns:a14="http://schemas.microsoft.com/office/drawing/2010/main" val="0"/>
               </a:ext>
             </a:extLst>
           </a:blip>
@@ -21181,7 +21202,7 @@
     </p:spTree>
     <p:extLst>
       <p:ext uri="{BB962C8B-B14F-4D97-AF65-F5344CB8AC3E}">
-        <p14:creationId xmlns:p14="http://schemas.microsoft.com/office/powerpoint/2010/main" xmlns="" val="2779956166"/>
+        <p14:creationId xmlns="" xmlns:p14="http://schemas.microsoft.com/office/powerpoint/2010/main" val="2779956166"/>
       </p:ext>
     </p:extLst>
   </p:cSld>
@@ -21189,7 +21210,7 @@
     <a:masterClrMapping/>
   </p:clrMapOvr>
   <mc:AlternateContent xmlns:mc="http://schemas.openxmlformats.org/markup-compatibility/2006">
-    <mc:Choice xmlns:p14="http://schemas.microsoft.com/office/powerpoint/2010/main" xmlns="" Requires="p14">
+    <mc:Choice xmlns="" xmlns:p14="http://schemas.microsoft.com/office/powerpoint/2010/main" Requires="p14">
       <p:transition spd="med" p14:dur="700">
         <p:fade/>
       </p:transition>
@@ -21263,7 +21284,7 @@
           <p:cNvPr id="10" name="직사각형 9">
             <a:extLst>
               <a:ext uri="{FF2B5EF4-FFF2-40B4-BE49-F238E27FC236}">
-                <a16:creationId xmlns:a16="http://schemas.microsoft.com/office/drawing/2014/main" xmlns="" id="{64617F76-3FBE-4D83-A2FE-EA87BE6C672A}"/>
+                <a16:creationId xmlns="" xmlns:a16="http://schemas.microsoft.com/office/drawing/2014/main" id="{64617F76-3FBE-4D83-A2FE-EA87BE6C672A}"/>
               </a:ext>
             </a:extLst>
           </p:cNvPr>
@@ -21335,7 +21356,7 @@
           <p:cNvPr id="22" name="표 21">
             <a:extLst>
               <a:ext uri="{FF2B5EF4-FFF2-40B4-BE49-F238E27FC236}">
-                <a16:creationId xmlns:a16="http://schemas.microsoft.com/office/drawing/2014/main" xmlns="" id="{1DAF5372-8FFF-4A92-A5A5-5FA0001F950D}"/>
+                <a16:creationId xmlns="" xmlns:a16="http://schemas.microsoft.com/office/drawing/2014/main" id="{1DAF5372-8FFF-4A92-A5A5-5FA0001F950D}"/>
               </a:ext>
             </a:extLst>
           </p:cNvPr>
@@ -21345,7 +21366,7 @@
           <p:nvPr>
             <p:extLst>
               <p:ext uri="{D42A27DB-BD31-4B8C-83A1-F6EECF244321}">
-                <p14:modId xmlns:p14="http://schemas.microsoft.com/office/powerpoint/2010/main" xmlns="" val="1101538682"/>
+                <p14:modId xmlns="" xmlns:p14="http://schemas.microsoft.com/office/powerpoint/2010/main" val="1101538682"/>
               </p:ext>
             </p:extLst>
           </p:nvPr>
@@ -21364,7 +21385,7 @@
                 <a:gridCol w="3240360">
                   <a:extLst>
                     <a:ext uri="{9D8B030D-6E8A-4147-A177-3AD203B41FA5}">
-                      <a16:colId xmlns:a16="http://schemas.microsoft.com/office/drawing/2014/main" xmlns="" val="20000"/>
+                      <a16:colId xmlns="" xmlns:a16="http://schemas.microsoft.com/office/drawing/2014/main" val="20000"/>
                     </a:ext>
                   </a:extLst>
                 </a:gridCol>
@@ -21491,7 +21512,7 @@
                 </a:tc>
                 <a:extLst>
                   <a:ext uri="{0D108BD9-81ED-4DB2-BD59-A6C34878D82A}">
-                    <a16:rowId xmlns:a16="http://schemas.microsoft.com/office/drawing/2014/main" xmlns="" val="10000"/>
+                    <a16:rowId xmlns="" xmlns:a16="http://schemas.microsoft.com/office/drawing/2014/main" val="10000"/>
                   </a:ext>
                 </a:extLst>
               </a:tr>
@@ -21590,7 +21611,7 @@
                 </a:tc>
                 <a:extLst>
                   <a:ext uri="{0D108BD9-81ED-4DB2-BD59-A6C34878D82A}">
-                    <a16:rowId xmlns:a16="http://schemas.microsoft.com/office/drawing/2014/main" xmlns="" val="10001"/>
+                    <a16:rowId xmlns="" xmlns:a16="http://schemas.microsoft.com/office/drawing/2014/main" val="10001"/>
                   </a:ext>
                 </a:extLst>
               </a:tr>
@@ -21680,7 +21701,7 @@
                 </a:tc>
                 <a:extLst>
                   <a:ext uri="{0D108BD9-81ED-4DB2-BD59-A6C34878D82A}">
-                    <a16:rowId xmlns:a16="http://schemas.microsoft.com/office/drawing/2014/main" xmlns="" val="10002"/>
+                    <a16:rowId xmlns="" xmlns:a16="http://schemas.microsoft.com/office/drawing/2014/main" val="10002"/>
                   </a:ext>
                 </a:extLst>
               </a:tr>
@@ -21693,7 +21714,7 @@
           <p:cNvPr id="19" name="TextBox 18">
             <a:extLst>
               <a:ext uri="{FF2B5EF4-FFF2-40B4-BE49-F238E27FC236}">
-                <a16:creationId xmlns:a16="http://schemas.microsoft.com/office/drawing/2014/main" xmlns="" id="{08887152-4A96-4FCC-AC0C-20E5DFC597E0}"/>
+                <a16:creationId xmlns="" xmlns:a16="http://schemas.microsoft.com/office/drawing/2014/main" id="{08887152-4A96-4FCC-AC0C-20E5DFC597E0}"/>
               </a:ext>
             </a:extLst>
           </p:cNvPr>
@@ -21756,7 +21777,7 @@
           <p:cNvPr id="20" name="TextBox 19">
             <a:extLst>
               <a:ext uri="{FF2B5EF4-FFF2-40B4-BE49-F238E27FC236}">
-                <a16:creationId xmlns:a16="http://schemas.microsoft.com/office/drawing/2014/main" xmlns="" id="{817B01FC-760C-443B-823A-528D79C32133}"/>
+                <a16:creationId xmlns="" xmlns:a16="http://schemas.microsoft.com/office/drawing/2014/main" id="{817B01FC-760C-443B-823A-528D79C32133}"/>
               </a:ext>
             </a:extLst>
           </p:cNvPr>
@@ -21804,7 +21825,7 @@
           <p:cNvPr id="3" name="그림 2">
             <a:extLst>
               <a:ext uri="{FF2B5EF4-FFF2-40B4-BE49-F238E27FC236}">
-                <a16:creationId xmlns:a16="http://schemas.microsoft.com/office/drawing/2014/main" xmlns="" id="{7B12484F-B37A-405A-B824-5E709137853D}"/>
+                <a16:creationId xmlns="" xmlns:a16="http://schemas.microsoft.com/office/drawing/2014/main" id="{7B12484F-B37A-405A-B824-5E709137853D}"/>
               </a:ext>
             </a:extLst>
           </p:cNvPr>
@@ -21817,7 +21838,7 @@
           <a:blip r:embed="rId2" cstate="print">
             <a:extLst>
               <a:ext uri="{28A0092B-C50C-407E-A947-70E740481C1C}">
-                <a14:useLocalDpi xmlns:a14="http://schemas.microsoft.com/office/drawing/2010/main" xmlns="" val="0"/>
+                <a14:useLocalDpi xmlns="" xmlns:a14="http://schemas.microsoft.com/office/drawing/2010/main" val="0"/>
               </a:ext>
             </a:extLst>
           </a:blip>
@@ -21840,7 +21861,7 @@
           <p:cNvPr id="7" name="그림 6">
             <a:extLst>
               <a:ext uri="{FF2B5EF4-FFF2-40B4-BE49-F238E27FC236}">
-                <a16:creationId xmlns:a16="http://schemas.microsoft.com/office/drawing/2014/main" xmlns="" id="{9D8C4DB8-8C5A-43D0-99B2-3374F1AB86A7}"/>
+                <a16:creationId xmlns="" xmlns:a16="http://schemas.microsoft.com/office/drawing/2014/main" id="{9D8C4DB8-8C5A-43D0-99B2-3374F1AB86A7}"/>
               </a:ext>
             </a:extLst>
           </p:cNvPr>
@@ -21853,7 +21874,7 @@
           <a:blip r:embed="rId3" cstate="print">
             <a:extLst>
               <a:ext uri="{28A0092B-C50C-407E-A947-70E740481C1C}">
-                <a14:useLocalDpi xmlns:a14="http://schemas.microsoft.com/office/drawing/2010/main" xmlns="" val="0"/>
+                <a14:useLocalDpi xmlns="" xmlns:a14="http://schemas.microsoft.com/office/drawing/2010/main" val="0"/>
               </a:ext>
             </a:extLst>
           </a:blip>
@@ -21874,7 +21895,7 @@
     </p:spTree>
     <p:extLst>
       <p:ext uri="{BB962C8B-B14F-4D97-AF65-F5344CB8AC3E}">
-        <p14:creationId xmlns:p14="http://schemas.microsoft.com/office/powerpoint/2010/main" xmlns="" val="1782930912"/>
+        <p14:creationId xmlns="" xmlns:p14="http://schemas.microsoft.com/office/powerpoint/2010/main" val="1782930912"/>
       </p:ext>
     </p:extLst>
   </p:cSld>
@@ -21882,7 +21903,7 @@
     <a:masterClrMapping/>
   </p:clrMapOvr>
   <mc:AlternateContent xmlns:mc="http://schemas.openxmlformats.org/markup-compatibility/2006">
-    <mc:Choice xmlns:p14="http://schemas.microsoft.com/office/powerpoint/2010/main" xmlns="" Requires="p14">
+    <mc:Choice xmlns="" xmlns:p14="http://schemas.microsoft.com/office/powerpoint/2010/main" Requires="p14">
       <p:transition spd="med" p14:dur="700">
         <p:fade/>
       </p:transition>

--- a/최종 프로젝트3조.pptx
+++ b/최종 프로젝트3조.pptx
@@ -134,7 +134,7 @@
   </p:defaultTextStyle>
   <p:extLst>
     <p:ext uri="{EFAFB233-063F-42B5-8137-9DF3F51BA10A}">
-      <p15:sldGuideLst xmlns="" xmlns:p15="http://schemas.microsoft.com/office/powerpoint/2012/main">
+      <p15:sldGuideLst xmlns:p15="http://schemas.microsoft.com/office/powerpoint/2012/main" xmlns="">
         <p15:guide id="1" orient="horz" pos="1620">
           <p15:clr>
             <a:srgbClr val="A4A3A4"/>
@@ -406,7 +406,7 @@
     </p:spTree>
     <p:extLst>
       <p:ext uri="{BB962C8B-B14F-4D97-AF65-F5344CB8AC3E}">
-        <p14:creationId xmlns="" xmlns:p14="http://schemas.microsoft.com/office/powerpoint/2010/main" val="1534248213"/>
+        <p14:creationId xmlns:p14="http://schemas.microsoft.com/office/powerpoint/2010/main" xmlns="" val="1534248213"/>
       </p:ext>
     </p:extLst>
   </p:cSld>
@@ -526,7 +526,7 @@
     </p:spTree>
     <p:extLst>
       <p:ext uri="{BB962C8B-B14F-4D97-AF65-F5344CB8AC3E}">
-        <p14:creationId xmlns="" xmlns:p14="http://schemas.microsoft.com/office/powerpoint/2010/main" val="1848776554"/>
+        <p14:creationId xmlns:p14="http://schemas.microsoft.com/office/powerpoint/2010/main" xmlns="" val="1848776554"/>
       </p:ext>
     </p:extLst>
   </p:cSld>
@@ -556,7 +556,7 @@
     </p:spTree>
     <p:extLst>
       <p:ext uri="{BB962C8B-B14F-4D97-AF65-F5344CB8AC3E}">
-        <p14:creationId xmlns="" xmlns:p14="http://schemas.microsoft.com/office/powerpoint/2010/main" val="2146564503"/>
+        <p14:creationId xmlns:p14="http://schemas.microsoft.com/office/powerpoint/2010/main" xmlns="" val="2146564503"/>
       </p:ext>
     </p:extLst>
   </p:cSld>
@@ -586,7 +586,7 @@
     </p:spTree>
     <p:extLst>
       <p:ext uri="{BB962C8B-B14F-4D97-AF65-F5344CB8AC3E}">
-        <p14:creationId xmlns="" xmlns:p14="http://schemas.microsoft.com/office/powerpoint/2010/main" val="1128012849"/>
+        <p14:creationId xmlns:p14="http://schemas.microsoft.com/office/powerpoint/2010/main" xmlns="" val="1128012849"/>
       </p:ext>
     </p:extLst>
   </p:cSld>
@@ -616,7 +616,7 @@
     </p:spTree>
     <p:extLst>
       <p:ext uri="{BB962C8B-B14F-4D97-AF65-F5344CB8AC3E}">
-        <p14:creationId xmlns="" xmlns:p14="http://schemas.microsoft.com/office/powerpoint/2010/main" val="3697998567"/>
+        <p14:creationId xmlns:p14="http://schemas.microsoft.com/office/powerpoint/2010/main" xmlns="" val="3697998567"/>
       </p:ext>
     </p:extLst>
   </p:cSld>
@@ -928,7 +928,7 @@
     </p:spTree>
     <p:extLst>
       <p:ext uri="{BB962C8B-B14F-4D97-AF65-F5344CB8AC3E}">
-        <p14:creationId xmlns="" xmlns:p14="http://schemas.microsoft.com/office/powerpoint/2010/main" val="1750152943"/>
+        <p14:creationId xmlns:p14="http://schemas.microsoft.com/office/powerpoint/2010/main" xmlns="" val="1750152943"/>
       </p:ext>
     </p:extLst>
   </p:cSld>
@@ -958,7 +958,7 @@
     </p:spTree>
     <p:extLst>
       <p:ext uri="{BB962C8B-B14F-4D97-AF65-F5344CB8AC3E}">
-        <p14:creationId xmlns="" xmlns:p14="http://schemas.microsoft.com/office/powerpoint/2010/main" val="1544615451"/>
+        <p14:creationId xmlns:p14="http://schemas.microsoft.com/office/powerpoint/2010/main" xmlns="" val="1544615451"/>
       </p:ext>
     </p:extLst>
   </p:cSld>
@@ -1158,7 +1158,7 @@
     </p:spTree>
     <p:extLst>
       <p:ext uri="{BB962C8B-B14F-4D97-AF65-F5344CB8AC3E}">
-        <p14:creationId xmlns="" xmlns:p14="http://schemas.microsoft.com/office/powerpoint/2010/main" val="2156195717"/>
+        <p14:creationId xmlns:p14="http://schemas.microsoft.com/office/powerpoint/2010/main" xmlns="" val="2156195717"/>
       </p:ext>
     </p:extLst>
   </p:cSld>
@@ -1657,7 +1657,7 @@
     </p:spTree>
     <p:extLst>
       <p:ext uri="{BB962C8B-B14F-4D97-AF65-F5344CB8AC3E}">
-        <p14:creationId xmlns="" xmlns:p14="http://schemas.microsoft.com/office/powerpoint/2010/main" val="2985316826"/>
+        <p14:creationId xmlns:p14="http://schemas.microsoft.com/office/powerpoint/2010/main" xmlns="" val="2985316826"/>
       </p:ext>
     </p:extLst>
   </p:cSld>
@@ -2687,7 +2687,7 @@
     </p:spTree>
     <p:extLst>
       <p:ext uri="{BB962C8B-B14F-4D97-AF65-F5344CB8AC3E}">
-        <p14:creationId xmlns="" xmlns:p14="http://schemas.microsoft.com/office/powerpoint/2010/main" val="974357844"/>
+        <p14:creationId xmlns:p14="http://schemas.microsoft.com/office/powerpoint/2010/main" xmlns="" val="974357844"/>
       </p:ext>
     </p:extLst>
   </p:cSld>
@@ -3885,7 +3885,7 @@
     </p:spTree>
     <p:extLst>
       <p:ext uri="{BB962C8B-B14F-4D97-AF65-F5344CB8AC3E}">
-        <p14:creationId xmlns="" xmlns:p14="http://schemas.microsoft.com/office/powerpoint/2010/main" val="219139306"/>
+        <p14:creationId xmlns:p14="http://schemas.microsoft.com/office/powerpoint/2010/main" xmlns="" val="219139306"/>
       </p:ext>
     </p:extLst>
   </p:cSld>
@@ -4171,7 +4171,7 @@
     </p:spTree>
     <p:extLst>
       <p:ext uri="{BB962C8B-B14F-4D97-AF65-F5344CB8AC3E}">
-        <p14:creationId xmlns="" xmlns:p14="http://schemas.microsoft.com/office/powerpoint/2010/main" val="1060286032"/>
+        <p14:creationId xmlns:p14="http://schemas.microsoft.com/office/powerpoint/2010/main" xmlns="" val="1060286032"/>
       </p:ext>
     </p:extLst>
   </p:cSld>
@@ -4457,7 +4457,7 @@
     </p:spTree>
     <p:extLst>
       <p:ext uri="{BB962C8B-B14F-4D97-AF65-F5344CB8AC3E}">
-        <p14:creationId xmlns="" xmlns:p14="http://schemas.microsoft.com/office/powerpoint/2010/main" val="2765172383"/>
+        <p14:creationId xmlns:p14="http://schemas.microsoft.com/office/powerpoint/2010/main" xmlns="" val="2765172383"/>
       </p:ext>
     </p:extLst>
   </p:cSld>
@@ -4960,7 +4960,7 @@
     </p:spTree>
     <p:extLst>
       <p:ext uri="{BB962C8B-B14F-4D97-AF65-F5344CB8AC3E}">
-        <p14:creationId xmlns="" xmlns:p14="http://schemas.microsoft.com/office/powerpoint/2010/main" val="715981169"/>
+        <p14:creationId xmlns:p14="http://schemas.microsoft.com/office/powerpoint/2010/main" xmlns="" val="715981169"/>
       </p:ext>
     </p:extLst>
   </p:cSld>
@@ -4968,7 +4968,7 @@
     <a:masterClrMapping/>
   </p:clrMapOvr>
   <mc:AlternateContent xmlns:mc="http://schemas.openxmlformats.org/markup-compatibility/2006">
-    <mc:Choice xmlns="" xmlns:p14="http://schemas.microsoft.com/office/powerpoint/2010/main" Requires="p14">
+    <mc:Choice xmlns:p14="http://schemas.microsoft.com/office/powerpoint/2010/main" xmlns="" Requires="p14">
       <p:transition spd="med" p14:dur="700">
         <p:fade/>
       </p:transition>
@@ -5046,7 +5046,7 @@
           <p:cNvPr id="8" name="TextBox 7">
             <a:extLst>
               <a:ext uri="{FF2B5EF4-FFF2-40B4-BE49-F238E27FC236}">
-                <a16:creationId xmlns="" xmlns:a16="http://schemas.microsoft.com/office/drawing/2014/main" id="{B2729330-CEB6-4A30-8588-5A38361E709E}"/>
+                <a16:creationId xmlns:a16="http://schemas.microsoft.com/office/drawing/2014/main" xmlns="" id="{B2729330-CEB6-4A30-8588-5A38361E709E}"/>
               </a:ext>
             </a:extLst>
           </p:cNvPr>
@@ -5182,7 +5182,7 @@
           <p:cNvPr id="10" name="TextBox 9">
             <a:extLst>
               <a:ext uri="{FF2B5EF4-FFF2-40B4-BE49-F238E27FC236}">
-                <a16:creationId xmlns="" xmlns:a16="http://schemas.microsoft.com/office/drawing/2014/main" id="{B56A1B63-19B2-45DF-BDFB-D49C8EA71FD3}"/>
+                <a16:creationId xmlns:a16="http://schemas.microsoft.com/office/drawing/2014/main" xmlns="" id="{B56A1B63-19B2-45DF-BDFB-D49C8EA71FD3}"/>
               </a:ext>
             </a:extLst>
           </p:cNvPr>
@@ -5207,22 +5207,22 @@
           <a:p>
             <a:r>
               <a:rPr lang="ko-KR" altLang="en-US" dirty="0">
-                <a:latin typeface="10X10" panose="020D0604000000000000" pitchFamily="50" charset="-127"/>
-                <a:ea typeface="10X10" panose="020D0604000000000000" pitchFamily="50" charset="-127"/>
+                <a:latin typeface="나눔스퀘어 Bold" pitchFamily="50" charset="-127"/>
+                <a:ea typeface="나눔스퀘어 Bold" pitchFamily="50" charset="-127"/>
               </a:rPr>
               <a:t>기능구현 </a:t>
             </a:r>
             <a:r>
               <a:rPr lang="en-US" altLang="ko-KR" dirty="0">
-                <a:latin typeface="10X10" panose="020D0604000000000000" pitchFamily="50" charset="-127"/>
-                <a:ea typeface="10X10" panose="020D0604000000000000" pitchFamily="50" charset="-127"/>
+                <a:latin typeface="나눔스퀘어 Bold" pitchFamily="50" charset="-127"/>
+                <a:ea typeface="나눔스퀘어 Bold" pitchFamily="50" charset="-127"/>
               </a:rPr>
               <a:t>– </a:t>
             </a:r>
             <a:r>
               <a:rPr lang="ko-KR" altLang="en-US" dirty="0">
-                <a:latin typeface="10X10" panose="020D0604000000000000" pitchFamily="50" charset="-127"/>
-                <a:ea typeface="10X10" panose="020D0604000000000000" pitchFamily="50" charset="-127"/>
+                <a:latin typeface="나눔스퀘어 Bold" pitchFamily="50" charset="-127"/>
+                <a:ea typeface="나눔스퀘어 Bold" pitchFamily="50" charset="-127"/>
               </a:rPr>
               <a:t>예약신청</a:t>
             </a:r>
@@ -5234,7 +5234,7 @@
           <p:cNvPr id="3" name="그림 2">
             <a:extLst>
               <a:ext uri="{FF2B5EF4-FFF2-40B4-BE49-F238E27FC236}">
-                <a16:creationId xmlns="" xmlns:a16="http://schemas.microsoft.com/office/drawing/2014/main" id="{75D35D29-7EA4-4466-A719-BBF4FAE6E420}"/>
+                <a16:creationId xmlns:a16="http://schemas.microsoft.com/office/drawing/2014/main" xmlns="" id="{75D35D29-7EA4-4466-A719-BBF4FAE6E420}"/>
               </a:ext>
             </a:extLst>
           </p:cNvPr>
@@ -5247,7 +5247,7 @@
           <a:blip r:embed="rId2" cstate="print">
             <a:extLst>
               <a:ext uri="{28A0092B-C50C-407E-A947-70E740481C1C}">
-                <a14:useLocalDpi xmlns="" xmlns:a14="http://schemas.microsoft.com/office/drawing/2010/main" val="0"/>
+                <a14:useLocalDpi xmlns:a14="http://schemas.microsoft.com/office/drawing/2010/main" xmlns="" val="0"/>
               </a:ext>
             </a:extLst>
           </a:blip>
@@ -5275,7 +5275,7 @@
           <p:cNvPr id="9" name="그림 8">
             <a:extLst>
               <a:ext uri="{FF2B5EF4-FFF2-40B4-BE49-F238E27FC236}">
-                <a16:creationId xmlns="" xmlns:a16="http://schemas.microsoft.com/office/drawing/2014/main" id="{1055A031-14B7-441D-8C55-A399BBBC4E59}"/>
+                <a16:creationId xmlns:a16="http://schemas.microsoft.com/office/drawing/2014/main" xmlns="" id="{1055A031-14B7-441D-8C55-A399BBBC4E59}"/>
               </a:ext>
             </a:extLst>
           </p:cNvPr>
@@ -5288,7 +5288,7 @@
           <a:blip r:embed="rId3" cstate="print">
             <a:extLst>
               <a:ext uri="{28A0092B-C50C-407E-A947-70E740481C1C}">
-                <a14:useLocalDpi xmlns="" xmlns:a14="http://schemas.microsoft.com/office/drawing/2010/main" val="0"/>
+                <a14:useLocalDpi xmlns:a14="http://schemas.microsoft.com/office/drawing/2010/main" xmlns="" val="0"/>
               </a:ext>
             </a:extLst>
           </a:blip>
@@ -5314,7 +5314,7 @@
     </p:spTree>
     <p:extLst>
       <p:ext uri="{BB962C8B-B14F-4D97-AF65-F5344CB8AC3E}">
-        <p14:creationId xmlns="" xmlns:p14="http://schemas.microsoft.com/office/powerpoint/2010/main" val="3195634949"/>
+        <p14:creationId xmlns:p14="http://schemas.microsoft.com/office/powerpoint/2010/main" xmlns="" val="3195634949"/>
       </p:ext>
     </p:extLst>
   </p:cSld>
@@ -5322,7 +5322,7 @@
     <a:masterClrMapping/>
   </p:clrMapOvr>
   <mc:AlternateContent xmlns:mc="http://schemas.openxmlformats.org/markup-compatibility/2006">
-    <mc:Choice xmlns="" xmlns:p14="http://schemas.microsoft.com/office/powerpoint/2010/main" Requires="p14">
+    <mc:Choice xmlns:p14="http://schemas.microsoft.com/office/powerpoint/2010/main" xmlns="" Requires="p14">
       <p:transition spd="med" p14:dur="700">
         <p:fade/>
       </p:transition>
@@ -5438,7 +5438,7 @@
           <p:cNvPr id="8" name="TextBox 7">
             <a:extLst>
               <a:ext uri="{FF2B5EF4-FFF2-40B4-BE49-F238E27FC236}">
-                <a16:creationId xmlns="" xmlns:a16="http://schemas.microsoft.com/office/drawing/2014/main" id="{B2729330-CEB6-4A30-8588-5A38361E709E}"/>
+                <a16:creationId xmlns:a16="http://schemas.microsoft.com/office/drawing/2014/main" xmlns="" id="{B2729330-CEB6-4A30-8588-5A38361E709E}"/>
               </a:ext>
             </a:extLst>
           </p:cNvPr>
@@ -5577,7 +5577,7 @@
           <p:cNvPr id="10" name="TextBox 9">
             <a:extLst>
               <a:ext uri="{FF2B5EF4-FFF2-40B4-BE49-F238E27FC236}">
-                <a16:creationId xmlns="" xmlns:a16="http://schemas.microsoft.com/office/drawing/2014/main" id="{B56A1B63-19B2-45DF-BDFB-D49C8EA71FD3}"/>
+                <a16:creationId xmlns:a16="http://schemas.microsoft.com/office/drawing/2014/main" xmlns="" id="{B56A1B63-19B2-45DF-BDFB-D49C8EA71FD3}"/>
               </a:ext>
             </a:extLst>
           </p:cNvPr>
@@ -5602,22 +5602,22 @@
           <a:p>
             <a:r>
               <a:rPr lang="ko-KR" altLang="en-US" dirty="0">
-                <a:latin typeface="10X10" panose="020D0604000000000000" pitchFamily="50" charset="-127"/>
-                <a:ea typeface="10X10" panose="020D0604000000000000" pitchFamily="50" charset="-127"/>
+                <a:latin typeface="나눔스퀘어 Bold" pitchFamily="50" charset="-127"/>
+                <a:ea typeface="나눔스퀘어 Bold" pitchFamily="50" charset="-127"/>
               </a:rPr>
               <a:t>기능구현 </a:t>
             </a:r>
             <a:r>
               <a:rPr lang="en-US" altLang="ko-KR" dirty="0">
-                <a:latin typeface="10X10" panose="020D0604000000000000" pitchFamily="50" charset="-127"/>
-                <a:ea typeface="10X10" panose="020D0604000000000000" pitchFamily="50" charset="-127"/>
+                <a:latin typeface="나눔스퀘어 Bold" pitchFamily="50" charset="-127"/>
+                <a:ea typeface="나눔스퀘어 Bold" pitchFamily="50" charset="-127"/>
               </a:rPr>
               <a:t>- </a:t>
             </a:r>
             <a:r>
               <a:rPr lang="ko-KR" altLang="en-US" dirty="0">
-                <a:latin typeface="10X10" panose="020D0604000000000000" pitchFamily="50" charset="-127"/>
-                <a:ea typeface="10X10" panose="020D0604000000000000" pitchFamily="50" charset="-127"/>
+                <a:latin typeface="나눔스퀘어 Bold" pitchFamily="50" charset="-127"/>
+                <a:ea typeface="나눔스퀘어 Bold" pitchFamily="50" charset="-127"/>
               </a:rPr>
               <a:t>회원가입</a:t>
             </a:r>
@@ -5629,7 +5629,7 @@
           <p:cNvPr id="4" name="그림 3">
             <a:extLst>
               <a:ext uri="{FF2B5EF4-FFF2-40B4-BE49-F238E27FC236}">
-                <a16:creationId xmlns="" xmlns:a16="http://schemas.microsoft.com/office/drawing/2014/main" id="{52969E30-CCD5-4585-9926-D44257894A50}"/>
+                <a16:creationId xmlns:a16="http://schemas.microsoft.com/office/drawing/2014/main" xmlns="" id="{52969E30-CCD5-4585-9926-D44257894A50}"/>
               </a:ext>
             </a:extLst>
           </p:cNvPr>
@@ -5642,7 +5642,7 @@
           <a:blip r:embed="rId2" cstate="print">
             <a:extLst>
               <a:ext uri="{28A0092B-C50C-407E-A947-70E740481C1C}">
-                <a14:useLocalDpi xmlns="" xmlns:a14="http://schemas.microsoft.com/office/drawing/2010/main" val="0"/>
+                <a14:useLocalDpi xmlns:a14="http://schemas.microsoft.com/office/drawing/2010/main" xmlns="" val="0"/>
               </a:ext>
             </a:extLst>
           </a:blip>
@@ -5670,7 +5670,7 @@
           <p:cNvPr id="7" name="그림 6">
             <a:extLst>
               <a:ext uri="{FF2B5EF4-FFF2-40B4-BE49-F238E27FC236}">
-                <a16:creationId xmlns="" xmlns:a16="http://schemas.microsoft.com/office/drawing/2014/main" id="{FCCCFA58-E725-4173-AD94-428DF861C45E}"/>
+                <a16:creationId xmlns:a16="http://schemas.microsoft.com/office/drawing/2014/main" xmlns="" id="{FCCCFA58-E725-4173-AD94-428DF861C45E}"/>
               </a:ext>
             </a:extLst>
           </p:cNvPr>
@@ -5683,7 +5683,7 @@
           <a:blip r:embed="rId3" cstate="print">
             <a:extLst>
               <a:ext uri="{28A0092B-C50C-407E-A947-70E740481C1C}">
-                <a14:useLocalDpi xmlns="" xmlns:a14="http://schemas.microsoft.com/office/drawing/2010/main" val="0"/>
+                <a14:useLocalDpi xmlns:a14="http://schemas.microsoft.com/office/drawing/2010/main" xmlns="" val="0"/>
               </a:ext>
             </a:extLst>
           </a:blip>
@@ -5709,7 +5709,7 @@
     </p:spTree>
     <p:extLst>
       <p:ext uri="{BB962C8B-B14F-4D97-AF65-F5344CB8AC3E}">
-        <p14:creationId xmlns="" xmlns:p14="http://schemas.microsoft.com/office/powerpoint/2010/main" val="879718177"/>
+        <p14:creationId xmlns:p14="http://schemas.microsoft.com/office/powerpoint/2010/main" xmlns="" val="879718177"/>
       </p:ext>
     </p:extLst>
   </p:cSld>
@@ -5717,7 +5717,7 @@
     <a:masterClrMapping/>
   </p:clrMapOvr>
   <mc:AlternateContent xmlns:mc="http://schemas.openxmlformats.org/markup-compatibility/2006">
-    <mc:Choice xmlns="" xmlns:p14="http://schemas.microsoft.com/office/powerpoint/2010/main" Requires="p14">
+    <mc:Choice xmlns:p14="http://schemas.microsoft.com/office/powerpoint/2010/main" xmlns="" Requires="p14">
       <p:transition spd="med" p14:dur="700">
         <p:fade/>
       </p:transition>
@@ -5833,7 +5833,7 @@
           <p:cNvPr id="8" name="TextBox 7">
             <a:extLst>
               <a:ext uri="{FF2B5EF4-FFF2-40B4-BE49-F238E27FC236}">
-                <a16:creationId xmlns="" xmlns:a16="http://schemas.microsoft.com/office/drawing/2014/main" id="{B2729330-CEB6-4A30-8588-5A38361E709E}"/>
+                <a16:creationId xmlns:a16="http://schemas.microsoft.com/office/drawing/2014/main" xmlns="" id="{B2729330-CEB6-4A30-8588-5A38361E709E}"/>
               </a:ext>
             </a:extLst>
           </p:cNvPr>
@@ -5907,7 +5907,7 @@
           <p:cNvPr id="10" name="TextBox 9">
             <a:extLst>
               <a:ext uri="{FF2B5EF4-FFF2-40B4-BE49-F238E27FC236}">
-                <a16:creationId xmlns="" xmlns:a16="http://schemas.microsoft.com/office/drawing/2014/main" id="{B56A1B63-19B2-45DF-BDFB-D49C8EA71FD3}"/>
+                <a16:creationId xmlns:a16="http://schemas.microsoft.com/office/drawing/2014/main" xmlns="" id="{B56A1B63-19B2-45DF-BDFB-D49C8EA71FD3}"/>
               </a:ext>
             </a:extLst>
           </p:cNvPr>
@@ -5932,22 +5932,22 @@
           <a:p>
             <a:r>
               <a:rPr lang="ko-KR" altLang="en-US" dirty="0">
-                <a:latin typeface="10X10" panose="020D0604000000000000" pitchFamily="50" charset="-127"/>
-                <a:ea typeface="10X10" panose="020D0604000000000000" pitchFamily="50" charset="-127"/>
+                <a:latin typeface="나눔스퀘어 Bold" pitchFamily="50" charset="-127"/>
+                <a:ea typeface="나눔스퀘어 Bold" pitchFamily="50" charset="-127"/>
               </a:rPr>
               <a:t>기능구현 </a:t>
             </a:r>
             <a:r>
               <a:rPr lang="en-US" altLang="ko-KR" dirty="0">
-                <a:latin typeface="10X10" panose="020D0604000000000000" pitchFamily="50" charset="-127"/>
-                <a:ea typeface="10X10" panose="020D0604000000000000" pitchFamily="50" charset="-127"/>
+                <a:latin typeface="나눔스퀘어 Bold" pitchFamily="50" charset="-127"/>
+                <a:ea typeface="나눔스퀘어 Bold" pitchFamily="50" charset="-127"/>
               </a:rPr>
               <a:t>– </a:t>
             </a:r>
             <a:r>
               <a:rPr lang="ko-KR" altLang="en-US" dirty="0">
-                <a:latin typeface="10X10" panose="020D0604000000000000" pitchFamily="50" charset="-127"/>
-                <a:ea typeface="10X10" panose="020D0604000000000000" pitchFamily="50" charset="-127"/>
+                <a:latin typeface="나눔스퀘어 Bold" pitchFamily="50" charset="-127"/>
+                <a:ea typeface="나눔스퀘어 Bold" pitchFamily="50" charset="-127"/>
               </a:rPr>
               <a:t>과정 목록</a:t>
             </a:r>
@@ -5959,7 +5959,7 @@
           <p:cNvPr id="3" name="그림 2">
             <a:extLst>
               <a:ext uri="{FF2B5EF4-FFF2-40B4-BE49-F238E27FC236}">
-                <a16:creationId xmlns="" xmlns:a16="http://schemas.microsoft.com/office/drawing/2014/main" id="{30CF940C-8226-4F48-8D0F-C1491DF7AF9F}"/>
+                <a16:creationId xmlns:a16="http://schemas.microsoft.com/office/drawing/2014/main" xmlns="" id="{30CF940C-8226-4F48-8D0F-C1491DF7AF9F}"/>
               </a:ext>
             </a:extLst>
           </p:cNvPr>
@@ -5972,7 +5972,7 @@
           <a:blip r:embed="rId2" cstate="print">
             <a:extLst>
               <a:ext uri="{28A0092B-C50C-407E-A947-70E740481C1C}">
-                <a14:useLocalDpi xmlns="" xmlns:a14="http://schemas.microsoft.com/office/drawing/2010/main" val="0"/>
+                <a14:useLocalDpi xmlns:a14="http://schemas.microsoft.com/office/drawing/2010/main" xmlns="" val="0"/>
               </a:ext>
             </a:extLst>
           </a:blip>
@@ -6000,7 +6000,7 @@
           <p:cNvPr id="9" name="그림 8">
             <a:extLst>
               <a:ext uri="{FF2B5EF4-FFF2-40B4-BE49-F238E27FC236}">
-                <a16:creationId xmlns="" xmlns:a16="http://schemas.microsoft.com/office/drawing/2014/main" id="{50064BE1-CC3E-4188-B4E9-EF15E1A2C7FC}"/>
+                <a16:creationId xmlns:a16="http://schemas.microsoft.com/office/drawing/2014/main" xmlns="" id="{50064BE1-CC3E-4188-B4E9-EF15E1A2C7FC}"/>
               </a:ext>
             </a:extLst>
           </p:cNvPr>
@@ -6013,7 +6013,7 @@
           <a:blip r:embed="rId3" cstate="print">
             <a:extLst>
               <a:ext uri="{28A0092B-C50C-407E-A947-70E740481C1C}">
-                <a14:useLocalDpi xmlns="" xmlns:a14="http://schemas.microsoft.com/office/drawing/2010/main" val="0"/>
+                <a14:useLocalDpi xmlns:a14="http://schemas.microsoft.com/office/drawing/2010/main" xmlns="" val="0"/>
               </a:ext>
             </a:extLst>
           </a:blip>
@@ -6041,7 +6041,7 @@
           <p:cNvPr id="14" name="연결선: 구부러짐 13">
             <a:extLst>
               <a:ext uri="{FF2B5EF4-FFF2-40B4-BE49-F238E27FC236}">
-                <a16:creationId xmlns="" xmlns:a16="http://schemas.microsoft.com/office/drawing/2014/main" id="{8A38B8B5-497E-4E95-903A-9AA32C84BF4C}"/>
+                <a16:creationId xmlns:a16="http://schemas.microsoft.com/office/drawing/2014/main" xmlns="" id="{8A38B8B5-497E-4E95-903A-9AA32C84BF4C}"/>
               </a:ext>
             </a:extLst>
           </p:cNvPr>
@@ -6082,7 +6082,7 @@
     </p:spTree>
     <p:extLst>
       <p:ext uri="{BB962C8B-B14F-4D97-AF65-F5344CB8AC3E}">
-        <p14:creationId xmlns="" xmlns:p14="http://schemas.microsoft.com/office/powerpoint/2010/main" val="3846446380"/>
+        <p14:creationId xmlns:p14="http://schemas.microsoft.com/office/powerpoint/2010/main" xmlns="" val="3846446380"/>
       </p:ext>
     </p:extLst>
   </p:cSld>
@@ -6090,7 +6090,7 @@
     <a:masterClrMapping/>
   </p:clrMapOvr>
   <mc:AlternateContent xmlns:mc="http://schemas.openxmlformats.org/markup-compatibility/2006">
-    <mc:Choice xmlns="" xmlns:p14="http://schemas.microsoft.com/office/powerpoint/2010/main" Requires="p14">
+    <mc:Choice xmlns:p14="http://schemas.microsoft.com/office/powerpoint/2010/main" xmlns="" Requires="p14">
       <p:transition spd="med" p14:dur="700">
         <p:fade/>
       </p:transition>
@@ -6206,7 +6206,7 @@
           <p:cNvPr id="8" name="TextBox 7">
             <a:extLst>
               <a:ext uri="{FF2B5EF4-FFF2-40B4-BE49-F238E27FC236}">
-                <a16:creationId xmlns="" xmlns:a16="http://schemas.microsoft.com/office/drawing/2014/main" id="{B2729330-CEB6-4A30-8588-5A38361E709E}"/>
+                <a16:creationId xmlns:a16="http://schemas.microsoft.com/office/drawing/2014/main" xmlns="" id="{B2729330-CEB6-4A30-8588-5A38361E709E}"/>
               </a:ext>
             </a:extLst>
           </p:cNvPr>
@@ -6292,7 +6292,7 @@
           <p:cNvPr id="10" name="TextBox 9">
             <a:extLst>
               <a:ext uri="{FF2B5EF4-FFF2-40B4-BE49-F238E27FC236}">
-                <a16:creationId xmlns="" xmlns:a16="http://schemas.microsoft.com/office/drawing/2014/main" id="{B56A1B63-19B2-45DF-BDFB-D49C8EA71FD3}"/>
+                <a16:creationId xmlns:a16="http://schemas.microsoft.com/office/drawing/2014/main" xmlns="" id="{B56A1B63-19B2-45DF-BDFB-D49C8EA71FD3}"/>
               </a:ext>
             </a:extLst>
           </p:cNvPr>
@@ -6317,22 +6317,22 @@
           <a:p>
             <a:r>
               <a:rPr lang="ko-KR" altLang="en-US" dirty="0">
-                <a:latin typeface="10X10" panose="020D0604000000000000" pitchFamily="50" charset="-127"/>
-                <a:ea typeface="10X10" panose="020D0604000000000000" pitchFamily="50" charset="-127"/>
+                <a:latin typeface="나눔스퀘어 Bold" pitchFamily="50" charset="-127"/>
+                <a:ea typeface="나눔스퀘어 Bold" pitchFamily="50" charset="-127"/>
               </a:rPr>
               <a:t>기능구현 </a:t>
             </a:r>
             <a:r>
               <a:rPr lang="en-US" altLang="ko-KR" dirty="0">
-                <a:latin typeface="10X10" panose="020D0604000000000000" pitchFamily="50" charset="-127"/>
-                <a:ea typeface="10X10" panose="020D0604000000000000" pitchFamily="50" charset="-127"/>
+                <a:latin typeface="나눔스퀘어 Bold" pitchFamily="50" charset="-127"/>
+                <a:ea typeface="나눔스퀘어 Bold" pitchFamily="50" charset="-127"/>
               </a:rPr>
               <a:t>– </a:t>
             </a:r>
             <a:r>
               <a:rPr lang="ko-KR" altLang="en-US" dirty="0">
-                <a:latin typeface="10X10" panose="020D0604000000000000" pitchFamily="50" charset="-127"/>
-                <a:ea typeface="10X10" panose="020D0604000000000000" pitchFamily="50" charset="-127"/>
+                <a:latin typeface="나눔스퀘어 Bold" pitchFamily="50" charset="-127"/>
+                <a:ea typeface="나눔스퀘어 Bold" pitchFamily="50" charset="-127"/>
               </a:rPr>
               <a:t>과정 카테고리</a:t>
             </a:r>
@@ -6344,7 +6344,7 @@
           <p:cNvPr id="4" name="그림 3">
             <a:extLst>
               <a:ext uri="{FF2B5EF4-FFF2-40B4-BE49-F238E27FC236}">
-                <a16:creationId xmlns="" xmlns:a16="http://schemas.microsoft.com/office/drawing/2014/main" id="{3D5DD2DA-004E-4489-A541-E01685CD0E91}"/>
+                <a16:creationId xmlns:a16="http://schemas.microsoft.com/office/drawing/2014/main" xmlns="" id="{3D5DD2DA-004E-4489-A541-E01685CD0E91}"/>
               </a:ext>
             </a:extLst>
           </p:cNvPr>
@@ -6357,7 +6357,7 @@
           <a:blip r:embed="rId2" cstate="print">
             <a:extLst>
               <a:ext uri="{28A0092B-C50C-407E-A947-70E740481C1C}">
-                <a14:useLocalDpi xmlns="" xmlns:a14="http://schemas.microsoft.com/office/drawing/2010/main" val="0"/>
+                <a14:useLocalDpi xmlns:a14="http://schemas.microsoft.com/office/drawing/2010/main" xmlns="" val="0"/>
               </a:ext>
             </a:extLst>
           </a:blip>
@@ -6383,7 +6383,7 @@
     </p:spTree>
     <p:extLst>
       <p:ext uri="{BB962C8B-B14F-4D97-AF65-F5344CB8AC3E}">
-        <p14:creationId xmlns="" xmlns:p14="http://schemas.microsoft.com/office/powerpoint/2010/main" val="450904341"/>
+        <p14:creationId xmlns:p14="http://schemas.microsoft.com/office/powerpoint/2010/main" xmlns="" val="450904341"/>
       </p:ext>
     </p:extLst>
   </p:cSld>
@@ -6391,7 +6391,7 @@
     <a:masterClrMapping/>
   </p:clrMapOvr>
   <mc:AlternateContent xmlns:mc="http://schemas.openxmlformats.org/markup-compatibility/2006">
-    <mc:Choice xmlns="" xmlns:p14="http://schemas.microsoft.com/office/powerpoint/2010/main" Requires="p14">
+    <mc:Choice xmlns:p14="http://schemas.microsoft.com/office/powerpoint/2010/main" xmlns="" Requires="p14">
       <p:transition spd="med" p14:dur="700">
         <p:fade/>
       </p:transition>
@@ -6507,7 +6507,7 @@
           <p:cNvPr id="8" name="TextBox 7">
             <a:extLst>
               <a:ext uri="{FF2B5EF4-FFF2-40B4-BE49-F238E27FC236}">
-                <a16:creationId xmlns="" xmlns:a16="http://schemas.microsoft.com/office/drawing/2014/main" id="{B2729330-CEB6-4A30-8588-5A38361E709E}"/>
+                <a16:creationId xmlns:a16="http://schemas.microsoft.com/office/drawing/2014/main" xmlns="" id="{B2729330-CEB6-4A30-8588-5A38361E709E}"/>
               </a:ext>
             </a:extLst>
           </p:cNvPr>
@@ -6562,7 +6562,7 @@
           <p:cNvPr id="10" name="TextBox 9">
             <a:extLst>
               <a:ext uri="{FF2B5EF4-FFF2-40B4-BE49-F238E27FC236}">
-                <a16:creationId xmlns="" xmlns:a16="http://schemas.microsoft.com/office/drawing/2014/main" id="{B56A1B63-19B2-45DF-BDFB-D49C8EA71FD3}"/>
+                <a16:creationId xmlns:a16="http://schemas.microsoft.com/office/drawing/2014/main" xmlns="" id="{B56A1B63-19B2-45DF-BDFB-D49C8EA71FD3}"/>
               </a:ext>
             </a:extLst>
           </p:cNvPr>
@@ -6587,22 +6587,22 @@
           <a:p>
             <a:r>
               <a:rPr lang="ko-KR" altLang="en-US" dirty="0">
-                <a:latin typeface="10X10" panose="020D0604000000000000" pitchFamily="50" charset="-127"/>
-                <a:ea typeface="10X10" panose="020D0604000000000000" pitchFamily="50" charset="-127"/>
+                <a:latin typeface="나눔스퀘어 Bold" pitchFamily="50" charset="-127"/>
+                <a:ea typeface="나눔스퀘어 Bold" pitchFamily="50" charset="-127"/>
               </a:rPr>
               <a:t>기능구현 </a:t>
             </a:r>
             <a:r>
               <a:rPr lang="en-US" altLang="ko-KR" dirty="0">
-                <a:latin typeface="10X10" panose="020D0604000000000000" pitchFamily="50" charset="-127"/>
-                <a:ea typeface="10X10" panose="020D0604000000000000" pitchFamily="50" charset="-127"/>
+                <a:latin typeface="나눔스퀘어 Bold" pitchFamily="50" charset="-127"/>
+                <a:ea typeface="나눔스퀘어 Bold" pitchFamily="50" charset="-127"/>
               </a:rPr>
               <a:t>– </a:t>
             </a:r>
             <a:r>
               <a:rPr lang="ko-KR" altLang="en-US" dirty="0">
-                <a:latin typeface="10X10" panose="020D0604000000000000" pitchFamily="50" charset="-127"/>
-                <a:ea typeface="10X10" panose="020D0604000000000000" pitchFamily="50" charset="-127"/>
+                <a:latin typeface="나눔스퀘어 Bold" pitchFamily="50" charset="-127"/>
+                <a:ea typeface="나눔스퀘어 Bold" pitchFamily="50" charset="-127"/>
               </a:rPr>
               <a:t>공고 등록</a:t>
             </a:r>
@@ -6614,7 +6614,7 @@
           <p:cNvPr id="4" name="그림 3">
             <a:extLst>
               <a:ext uri="{FF2B5EF4-FFF2-40B4-BE49-F238E27FC236}">
-                <a16:creationId xmlns="" xmlns:a16="http://schemas.microsoft.com/office/drawing/2014/main" id="{A33377BE-9A0E-41AC-A2ED-314FCBE2E603}"/>
+                <a16:creationId xmlns:a16="http://schemas.microsoft.com/office/drawing/2014/main" xmlns="" id="{A33377BE-9A0E-41AC-A2ED-314FCBE2E603}"/>
               </a:ext>
             </a:extLst>
           </p:cNvPr>
@@ -6627,7 +6627,7 @@
           <a:blip r:embed="rId2" cstate="print">
             <a:extLst>
               <a:ext uri="{28A0092B-C50C-407E-A947-70E740481C1C}">
-                <a14:useLocalDpi xmlns="" xmlns:a14="http://schemas.microsoft.com/office/drawing/2010/main" val="0"/>
+                <a14:useLocalDpi xmlns:a14="http://schemas.microsoft.com/office/drawing/2010/main" xmlns="" val="0"/>
               </a:ext>
             </a:extLst>
           </a:blip>
@@ -6655,7 +6655,7 @@
           <p:cNvPr id="7" name="그림 6">
             <a:extLst>
               <a:ext uri="{FF2B5EF4-FFF2-40B4-BE49-F238E27FC236}">
-                <a16:creationId xmlns="" xmlns:a16="http://schemas.microsoft.com/office/drawing/2014/main" id="{D62DC2FB-0B52-4D6A-B977-FA1D925FCA37}"/>
+                <a16:creationId xmlns:a16="http://schemas.microsoft.com/office/drawing/2014/main" xmlns="" id="{D62DC2FB-0B52-4D6A-B977-FA1D925FCA37}"/>
               </a:ext>
             </a:extLst>
           </p:cNvPr>
@@ -6668,7 +6668,7 @@
           <a:blip r:embed="rId3" cstate="print">
             <a:extLst>
               <a:ext uri="{28A0092B-C50C-407E-A947-70E740481C1C}">
-                <a14:useLocalDpi xmlns="" xmlns:a14="http://schemas.microsoft.com/office/drawing/2010/main" val="0"/>
+                <a14:useLocalDpi xmlns:a14="http://schemas.microsoft.com/office/drawing/2010/main" xmlns="" val="0"/>
               </a:ext>
             </a:extLst>
           </a:blip>
@@ -6696,7 +6696,7 @@
           <p:cNvPr id="12" name="연결선: 구부러짐 11">
             <a:extLst>
               <a:ext uri="{FF2B5EF4-FFF2-40B4-BE49-F238E27FC236}">
-                <a16:creationId xmlns="" xmlns:a16="http://schemas.microsoft.com/office/drawing/2014/main" id="{B26B4B4F-6A0A-48BC-B667-CD6FF3AD14A5}"/>
+                <a16:creationId xmlns:a16="http://schemas.microsoft.com/office/drawing/2014/main" xmlns="" id="{B26B4B4F-6A0A-48BC-B667-CD6FF3AD14A5}"/>
               </a:ext>
             </a:extLst>
           </p:cNvPr>
@@ -6735,7 +6735,7 @@
           <p:cNvPr id="1030" name="Picture 6" descr="돋보기에 대한 이미지 검색결과">
             <a:extLst>
               <a:ext uri="{FF2B5EF4-FFF2-40B4-BE49-F238E27FC236}">
-                <a16:creationId xmlns="" xmlns:a16="http://schemas.microsoft.com/office/drawing/2014/main" id="{2A5D9044-1041-4F92-8CD1-777F4DB9BD76}"/>
+                <a16:creationId xmlns:a16="http://schemas.microsoft.com/office/drawing/2014/main" xmlns="" id="{2A5D9044-1041-4F92-8CD1-777F4DB9BD76}"/>
               </a:ext>
             </a:extLst>
           </p:cNvPr>
@@ -6748,7 +6748,7 @@
           <a:blip r:embed="rId4" cstate="print">
             <a:extLst>
               <a:ext uri="{28A0092B-C50C-407E-A947-70E740481C1C}">
-                <a14:useLocalDpi xmlns="" xmlns:a14="http://schemas.microsoft.com/office/drawing/2010/main" val="0"/>
+                <a14:useLocalDpi xmlns:a14="http://schemas.microsoft.com/office/drawing/2010/main" xmlns="" val="0"/>
               </a:ext>
             </a:extLst>
           </a:blip>
@@ -6768,7 +6768,7 @@
           <a:noFill/>
           <a:extLst>
             <a:ext uri="{909E8E84-426E-40DD-AFC4-6F175D3DCCD1}">
-              <a14:hiddenFill xmlns="" xmlns:a14="http://schemas.microsoft.com/office/drawing/2010/main">
+              <a14:hiddenFill xmlns:a14="http://schemas.microsoft.com/office/drawing/2010/main" xmlns="">
                 <a:solidFill>
                   <a:srgbClr val="FFFFFF"/>
                 </a:solidFill>
@@ -6780,7 +6780,7 @@
     </p:spTree>
     <p:extLst>
       <p:ext uri="{BB962C8B-B14F-4D97-AF65-F5344CB8AC3E}">
-        <p14:creationId xmlns="" xmlns:p14="http://schemas.microsoft.com/office/powerpoint/2010/main" val="2906056090"/>
+        <p14:creationId xmlns:p14="http://schemas.microsoft.com/office/powerpoint/2010/main" xmlns="" val="2906056090"/>
       </p:ext>
     </p:extLst>
   </p:cSld>
@@ -6788,7 +6788,7 @@
     <a:masterClrMapping/>
   </p:clrMapOvr>
   <mc:AlternateContent xmlns:mc="http://schemas.openxmlformats.org/markup-compatibility/2006">
-    <mc:Choice xmlns="" xmlns:p14="http://schemas.microsoft.com/office/powerpoint/2010/main" Requires="p14">
+    <mc:Choice xmlns:p14="http://schemas.microsoft.com/office/powerpoint/2010/main" xmlns="" Requires="p14">
       <p:transition spd="med" p14:dur="700">
         <p:fade/>
       </p:transition>
@@ -6904,7 +6904,7 @@
           <p:cNvPr id="8" name="TextBox 7">
             <a:extLst>
               <a:ext uri="{FF2B5EF4-FFF2-40B4-BE49-F238E27FC236}">
-                <a16:creationId xmlns="" xmlns:a16="http://schemas.microsoft.com/office/drawing/2014/main" id="{B2729330-CEB6-4A30-8588-5A38361E709E}"/>
+                <a16:creationId xmlns:a16="http://schemas.microsoft.com/office/drawing/2014/main" xmlns="" id="{B2729330-CEB6-4A30-8588-5A38361E709E}"/>
               </a:ext>
             </a:extLst>
           </p:cNvPr>
@@ -7013,7 +7013,7 @@
           <p:cNvPr id="10" name="TextBox 9">
             <a:extLst>
               <a:ext uri="{FF2B5EF4-FFF2-40B4-BE49-F238E27FC236}">
-                <a16:creationId xmlns="" xmlns:a16="http://schemas.microsoft.com/office/drawing/2014/main" id="{B56A1B63-19B2-45DF-BDFB-D49C8EA71FD3}"/>
+                <a16:creationId xmlns:a16="http://schemas.microsoft.com/office/drawing/2014/main" xmlns="" id="{B56A1B63-19B2-45DF-BDFB-D49C8EA71FD3}"/>
               </a:ext>
             </a:extLst>
           </p:cNvPr>
@@ -7038,22 +7038,22 @@
           <a:p>
             <a:r>
               <a:rPr lang="ko-KR" altLang="en-US" dirty="0">
-                <a:latin typeface="10X10" panose="020D0604000000000000" pitchFamily="50" charset="-127"/>
-                <a:ea typeface="10X10" panose="020D0604000000000000" pitchFamily="50" charset="-127"/>
+                <a:latin typeface="나눔스퀘어 Bold" pitchFamily="50" charset="-127"/>
+                <a:ea typeface="나눔스퀘어 Bold" pitchFamily="50" charset="-127"/>
               </a:rPr>
               <a:t>기능구현 </a:t>
             </a:r>
             <a:r>
               <a:rPr lang="en-US" altLang="ko-KR" dirty="0">
-                <a:latin typeface="10X10" panose="020D0604000000000000" pitchFamily="50" charset="-127"/>
-                <a:ea typeface="10X10" panose="020D0604000000000000" pitchFamily="50" charset="-127"/>
+                <a:latin typeface="나눔스퀘어 Bold" pitchFamily="50" charset="-127"/>
+                <a:ea typeface="나눔스퀘어 Bold" pitchFamily="50" charset="-127"/>
               </a:rPr>
               <a:t>– </a:t>
             </a:r>
             <a:r>
               <a:rPr lang="ko-KR" altLang="en-US" dirty="0">
-                <a:latin typeface="10X10" panose="020D0604000000000000" pitchFamily="50" charset="-127"/>
-                <a:ea typeface="10X10" panose="020D0604000000000000" pitchFamily="50" charset="-127"/>
+                <a:latin typeface="나눔스퀘어 Bold" pitchFamily="50" charset="-127"/>
+                <a:ea typeface="나눔스퀘어 Bold" pitchFamily="50" charset="-127"/>
               </a:rPr>
               <a:t>공고 목록</a:t>
             </a:r>
@@ -7065,7 +7065,7 @@
           <p:cNvPr id="4" name="그림 3">
             <a:extLst>
               <a:ext uri="{FF2B5EF4-FFF2-40B4-BE49-F238E27FC236}">
-                <a16:creationId xmlns="" xmlns:a16="http://schemas.microsoft.com/office/drawing/2014/main" id="{6384CCFE-4E42-4CE0-8ACB-F7E3AF7A0945}"/>
+                <a16:creationId xmlns:a16="http://schemas.microsoft.com/office/drawing/2014/main" xmlns="" id="{6384CCFE-4E42-4CE0-8ACB-F7E3AF7A0945}"/>
               </a:ext>
             </a:extLst>
           </p:cNvPr>
@@ -7078,7 +7078,7 @@
           <a:blip r:embed="rId2" cstate="print">
             <a:extLst>
               <a:ext uri="{28A0092B-C50C-407E-A947-70E740481C1C}">
-                <a14:useLocalDpi xmlns="" xmlns:a14="http://schemas.microsoft.com/office/drawing/2010/main" val="0"/>
+                <a14:useLocalDpi xmlns:a14="http://schemas.microsoft.com/office/drawing/2010/main" xmlns="" val="0"/>
               </a:ext>
             </a:extLst>
           </a:blip>
@@ -7106,7 +7106,7 @@
           <p:cNvPr id="7" name="그림 6">
             <a:extLst>
               <a:ext uri="{FF2B5EF4-FFF2-40B4-BE49-F238E27FC236}">
-                <a16:creationId xmlns="" xmlns:a16="http://schemas.microsoft.com/office/drawing/2014/main" id="{859A06FC-E1BC-4568-A18F-5672564E6635}"/>
+                <a16:creationId xmlns:a16="http://schemas.microsoft.com/office/drawing/2014/main" xmlns="" id="{859A06FC-E1BC-4568-A18F-5672564E6635}"/>
               </a:ext>
             </a:extLst>
           </p:cNvPr>
@@ -7119,7 +7119,7 @@
           <a:blip r:embed="rId3" cstate="print">
             <a:extLst>
               <a:ext uri="{28A0092B-C50C-407E-A947-70E740481C1C}">
-                <a14:useLocalDpi xmlns="" xmlns:a14="http://schemas.microsoft.com/office/drawing/2010/main" val="0"/>
+                <a14:useLocalDpi xmlns:a14="http://schemas.microsoft.com/office/drawing/2010/main" xmlns="" val="0"/>
               </a:ext>
             </a:extLst>
           </a:blip>
@@ -7147,7 +7147,7 @@
           <p:cNvPr id="12" name="TextBox 11">
             <a:extLst>
               <a:ext uri="{FF2B5EF4-FFF2-40B4-BE49-F238E27FC236}">
-                <a16:creationId xmlns="" xmlns:a16="http://schemas.microsoft.com/office/drawing/2014/main" id="{DD49FC39-630F-4E6B-BAFB-7A56504DF281}"/>
+                <a16:creationId xmlns:a16="http://schemas.microsoft.com/office/drawing/2014/main" xmlns="" id="{DD49FC39-630F-4E6B-BAFB-7A56504DF281}"/>
               </a:ext>
             </a:extLst>
           </p:cNvPr>
@@ -7196,7 +7196,7 @@
           <p:cNvPr id="13" name="TextBox 12">
             <a:extLst>
               <a:ext uri="{FF2B5EF4-FFF2-40B4-BE49-F238E27FC236}">
-                <a16:creationId xmlns="" xmlns:a16="http://schemas.microsoft.com/office/drawing/2014/main" id="{033B6F89-9886-4056-A485-286BC79F357D}"/>
+                <a16:creationId xmlns:a16="http://schemas.microsoft.com/office/drawing/2014/main" xmlns="" id="{033B6F89-9886-4056-A485-286BC79F357D}"/>
               </a:ext>
             </a:extLst>
           </p:cNvPr>
@@ -7245,7 +7245,7 @@
           <p:cNvPr id="11" name="화살표: 위쪽 10">
             <a:extLst>
               <a:ext uri="{FF2B5EF4-FFF2-40B4-BE49-F238E27FC236}">
-                <a16:creationId xmlns="" xmlns:a16="http://schemas.microsoft.com/office/drawing/2014/main" id="{82BE42AD-5B81-4B34-8FCE-C6B781615C37}"/>
+                <a16:creationId xmlns:a16="http://schemas.microsoft.com/office/drawing/2014/main" xmlns="" id="{82BE42AD-5B81-4B34-8FCE-C6B781615C37}"/>
               </a:ext>
             </a:extLst>
           </p:cNvPr>
@@ -7291,7 +7291,7 @@
           <p:cNvPr id="15" name="화살표: 위쪽 14">
             <a:extLst>
               <a:ext uri="{FF2B5EF4-FFF2-40B4-BE49-F238E27FC236}">
-                <a16:creationId xmlns="" xmlns:a16="http://schemas.microsoft.com/office/drawing/2014/main" id="{348F676E-9DD9-47B8-A8BB-382528F8F52F}"/>
+                <a16:creationId xmlns:a16="http://schemas.microsoft.com/office/drawing/2014/main" xmlns="" id="{348F676E-9DD9-47B8-A8BB-382528F8F52F}"/>
               </a:ext>
             </a:extLst>
           </p:cNvPr>
@@ -7335,7 +7335,7 @@
     </p:spTree>
     <p:extLst>
       <p:ext uri="{BB962C8B-B14F-4D97-AF65-F5344CB8AC3E}">
-        <p14:creationId xmlns="" xmlns:p14="http://schemas.microsoft.com/office/powerpoint/2010/main" val="2401772221"/>
+        <p14:creationId xmlns:p14="http://schemas.microsoft.com/office/powerpoint/2010/main" xmlns="" val="2401772221"/>
       </p:ext>
     </p:extLst>
   </p:cSld>
@@ -7343,7 +7343,7 @@
     <a:masterClrMapping/>
   </p:clrMapOvr>
   <mc:AlternateContent xmlns:mc="http://schemas.openxmlformats.org/markup-compatibility/2006">
-    <mc:Choice xmlns="" xmlns:p14="http://schemas.microsoft.com/office/powerpoint/2010/main" Requires="p14">
+    <mc:Choice xmlns:p14="http://schemas.microsoft.com/office/powerpoint/2010/main" xmlns="" Requires="p14">
       <p:transition spd="med" p14:dur="700">
         <p:fade/>
       </p:transition>
@@ -7459,7 +7459,7 @@
           <p:cNvPr id="8" name="TextBox 7">
             <a:extLst>
               <a:ext uri="{FF2B5EF4-FFF2-40B4-BE49-F238E27FC236}">
-                <a16:creationId xmlns="" xmlns:a16="http://schemas.microsoft.com/office/drawing/2014/main" id="{B2729330-CEB6-4A30-8588-5A38361E709E}"/>
+                <a16:creationId xmlns:a16="http://schemas.microsoft.com/office/drawing/2014/main" xmlns="" id="{B2729330-CEB6-4A30-8588-5A38361E709E}"/>
               </a:ext>
             </a:extLst>
           </p:cNvPr>
@@ -7534,7 +7534,7 @@
           <p:cNvPr id="10" name="TextBox 9">
             <a:extLst>
               <a:ext uri="{FF2B5EF4-FFF2-40B4-BE49-F238E27FC236}">
-                <a16:creationId xmlns="" xmlns:a16="http://schemas.microsoft.com/office/drawing/2014/main" id="{B56A1B63-19B2-45DF-BDFB-D49C8EA71FD3}"/>
+                <a16:creationId xmlns:a16="http://schemas.microsoft.com/office/drawing/2014/main" xmlns="" id="{B56A1B63-19B2-45DF-BDFB-D49C8EA71FD3}"/>
               </a:ext>
             </a:extLst>
           </p:cNvPr>
@@ -7559,76 +7559,76 @@
           <a:p>
             <a:r>
               <a:rPr lang="ko-KR" altLang="en-US" dirty="0">
-                <a:latin typeface="10X10" panose="020D0604000000000000" pitchFamily="50" charset="-127"/>
-                <a:ea typeface="10X10" panose="020D0604000000000000" pitchFamily="50" charset="-127"/>
+                <a:latin typeface="나눔스퀘어 Bold" pitchFamily="50" charset="-127"/>
+                <a:ea typeface="나눔스퀘어 Bold" pitchFamily="50" charset="-127"/>
               </a:rPr>
               <a:t>기능구현 </a:t>
             </a:r>
             <a:r>
               <a:rPr lang="en-US" altLang="ko-KR" dirty="0">
-                <a:latin typeface="10X10" panose="020D0604000000000000" pitchFamily="50" charset="-127"/>
-                <a:ea typeface="10X10" panose="020D0604000000000000" pitchFamily="50" charset="-127"/>
+                <a:latin typeface="나눔스퀘어 Bold" pitchFamily="50" charset="-127"/>
+                <a:ea typeface="나눔스퀘어 Bold" pitchFamily="50" charset="-127"/>
               </a:rPr>
               <a:t>– </a:t>
             </a:r>
             <a:r>
               <a:rPr lang="ko-KR" altLang="en-US" dirty="0">
-                <a:latin typeface="10X10" panose="020D0604000000000000" pitchFamily="50" charset="-127"/>
-                <a:ea typeface="10X10" panose="020D0604000000000000" pitchFamily="50" charset="-127"/>
+                <a:latin typeface="나눔스퀘어 Bold" pitchFamily="50" charset="-127"/>
+                <a:ea typeface="나눔스퀘어 Bold" pitchFamily="50" charset="-127"/>
               </a:rPr>
               <a:t>수강생</a:t>
             </a:r>
             <a:r>
               <a:rPr lang="en-US" altLang="ko-KR" dirty="0">
-                <a:latin typeface="10X10" panose="020D0604000000000000" pitchFamily="50" charset="-127"/>
-                <a:ea typeface="10X10" panose="020D0604000000000000" pitchFamily="50" charset="-127"/>
+                <a:latin typeface="나눔스퀘어 Bold" pitchFamily="50" charset="-127"/>
+                <a:ea typeface="나눔스퀘어 Bold" pitchFamily="50" charset="-127"/>
               </a:rPr>
               <a:t>, </a:t>
             </a:r>
             <a:r>
               <a:rPr lang="ko-KR" altLang="en-US" dirty="0">
-                <a:latin typeface="10X10" panose="020D0604000000000000" pitchFamily="50" charset="-127"/>
-                <a:ea typeface="10X10" panose="020D0604000000000000" pitchFamily="50" charset="-127"/>
+                <a:latin typeface="나눔스퀘어 Bold" pitchFamily="50" charset="-127"/>
+                <a:ea typeface="나눔스퀘어 Bold" pitchFamily="50" charset="-127"/>
               </a:rPr>
               <a:t>강의 목록</a:t>
             </a:r>
             <a:endParaRPr lang="en-US" altLang="ko-KR" dirty="0">
-              <a:latin typeface="10X10" panose="020D0604000000000000" pitchFamily="50" charset="-127"/>
-              <a:ea typeface="10X10" panose="020D0604000000000000" pitchFamily="50" charset="-127"/>
+              <a:latin typeface="나눔스퀘어 Bold" pitchFamily="50" charset="-127"/>
+              <a:ea typeface="나눔스퀘어 Bold" pitchFamily="50" charset="-127"/>
             </a:endParaRPr>
           </a:p>
           <a:p>
             <a:r>
               <a:rPr lang="en-US" altLang="ko-KR" sz="1200" dirty="0">
-                <a:latin typeface="10X10" panose="020D0604000000000000" pitchFamily="50" charset="-127"/>
-                <a:ea typeface="10X10" panose="020D0604000000000000" pitchFamily="50" charset="-127"/>
+                <a:latin typeface="나눔스퀘어 Bold" pitchFamily="50" charset="-127"/>
+                <a:ea typeface="나눔스퀘어 Bold" pitchFamily="50" charset="-127"/>
               </a:rPr>
               <a:t>(</a:t>
             </a:r>
             <a:r>
               <a:rPr lang="ko-KR" altLang="en-US" sz="1200" dirty="0" err="1">
-                <a:latin typeface="10X10" panose="020D0604000000000000" pitchFamily="50" charset="-127"/>
-                <a:ea typeface="10X10" panose="020D0604000000000000" pitchFamily="50" charset="-127"/>
+                <a:latin typeface="나눔스퀘어 Bold" pitchFamily="50" charset="-127"/>
+                <a:ea typeface="나눔스퀘어 Bold" pitchFamily="50" charset="-127"/>
               </a:rPr>
               <a:t>매니져</a:t>
             </a:r>
             <a:r>
               <a:rPr lang="ko-KR" altLang="en-US" sz="1200" dirty="0">
-                <a:latin typeface="10X10" panose="020D0604000000000000" pitchFamily="50" charset="-127"/>
-                <a:ea typeface="10X10" panose="020D0604000000000000" pitchFamily="50" charset="-127"/>
+                <a:latin typeface="나눔스퀘어 Bold" pitchFamily="50" charset="-127"/>
+                <a:ea typeface="나눔스퀘어 Bold" pitchFamily="50" charset="-127"/>
               </a:rPr>
               <a:t> 메뉴</a:t>
             </a:r>
             <a:r>
               <a:rPr lang="en-US" altLang="ko-KR" sz="1200" dirty="0">
-                <a:latin typeface="10X10" panose="020D0604000000000000" pitchFamily="50" charset="-127"/>
-                <a:ea typeface="10X10" panose="020D0604000000000000" pitchFamily="50" charset="-127"/>
+                <a:latin typeface="나눔스퀘어 Bold" pitchFamily="50" charset="-127"/>
+                <a:ea typeface="나눔스퀘어 Bold" pitchFamily="50" charset="-127"/>
               </a:rPr>
               <a:t>)</a:t>
             </a:r>
             <a:endParaRPr lang="ko-KR" altLang="en-US" sz="1200" dirty="0">
-              <a:latin typeface="10X10" panose="020D0604000000000000" pitchFamily="50" charset="-127"/>
-              <a:ea typeface="10X10" panose="020D0604000000000000" pitchFamily="50" charset="-127"/>
+              <a:latin typeface="나눔스퀘어 Bold" pitchFamily="50" charset="-127"/>
+              <a:ea typeface="나눔스퀘어 Bold" pitchFamily="50" charset="-127"/>
             </a:endParaRPr>
           </a:p>
         </p:txBody>
@@ -7638,7 +7638,7 @@
           <p:cNvPr id="12" name="TextBox 11">
             <a:extLst>
               <a:ext uri="{FF2B5EF4-FFF2-40B4-BE49-F238E27FC236}">
-                <a16:creationId xmlns="" xmlns:a16="http://schemas.microsoft.com/office/drawing/2014/main" id="{DD49FC39-630F-4E6B-BAFB-7A56504DF281}"/>
+                <a16:creationId xmlns:a16="http://schemas.microsoft.com/office/drawing/2014/main" xmlns="" id="{DD49FC39-630F-4E6B-BAFB-7A56504DF281}"/>
               </a:ext>
             </a:extLst>
           </p:cNvPr>
@@ -7687,7 +7687,7 @@
           <p:cNvPr id="13" name="TextBox 12">
             <a:extLst>
               <a:ext uri="{FF2B5EF4-FFF2-40B4-BE49-F238E27FC236}">
-                <a16:creationId xmlns="" xmlns:a16="http://schemas.microsoft.com/office/drawing/2014/main" id="{033B6F89-9886-4056-A485-286BC79F357D}"/>
+                <a16:creationId xmlns:a16="http://schemas.microsoft.com/office/drawing/2014/main" xmlns="" id="{033B6F89-9886-4056-A485-286BC79F357D}"/>
               </a:ext>
             </a:extLst>
           </p:cNvPr>
@@ -7736,7 +7736,7 @@
           <p:cNvPr id="11" name="화살표: 위쪽 10">
             <a:extLst>
               <a:ext uri="{FF2B5EF4-FFF2-40B4-BE49-F238E27FC236}">
-                <a16:creationId xmlns="" xmlns:a16="http://schemas.microsoft.com/office/drawing/2014/main" id="{82BE42AD-5B81-4B34-8FCE-C6B781615C37}"/>
+                <a16:creationId xmlns:a16="http://schemas.microsoft.com/office/drawing/2014/main" xmlns="" id="{82BE42AD-5B81-4B34-8FCE-C6B781615C37}"/>
               </a:ext>
             </a:extLst>
           </p:cNvPr>
@@ -7782,7 +7782,7 @@
           <p:cNvPr id="15" name="화살표: 위쪽 14">
             <a:extLst>
               <a:ext uri="{FF2B5EF4-FFF2-40B4-BE49-F238E27FC236}">
-                <a16:creationId xmlns="" xmlns:a16="http://schemas.microsoft.com/office/drawing/2014/main" id="{348F676E-9DD9-47B8-A8BB-382528F8F52F}"/>
+                <a16:creationId xmlns:a16="http://schemas.microsoft.com/office/drawing/2014/main" xmlns="" id="{348F676E-9DD9-47B8-A8BB-382528F8F52F}"/>
               </a:ext>
             </a:extLst>
           </p:cNvPr>
@@ -7828,7 +7828,7 @@
           <p:cNvPr id="3" name="그림 2">
             <a:extLst>
               <a:ext uri="{FF2B5EF4-FFF2-40B4-BE49-F238E27FC236}">
-                <a16:creationId xmlns="" xmlns:a16="http://schemas.microsoft.com/office/drawing/2014/main" id="{986AE201-89EA-4AFB-9AC0-9B5991658A53}"/>
+                <a16:creationId xmlns:a16="http://schemas.microsoft.com/office/drawing/2014/main" xmlns="" id="{986AE201-89EA-4AFB-9AC0-9B5991658A53}"/>
               </a:ext>
             </a:extLst>
           </p:cNvPr>
@@ -7841,7 +7841,7 @@
           <a:blip r:embed="rId2" cstate="print">
             <a:extLst>
               <a:ext uri="{28A0092B-C50C-407E-A947-70E740481C1C}">
-                <a14:useLocalDpi xmlns="" xmlns:a14="http://schemas.microsoft.com/office/drawing/2010/main" val="0"/>
+                <a14:useLocalDpi xmlns:a14="http://schemas.microsoft.com/office/drawing/2010/main" xmlns="" val="0"/>
               </a:ext>
             </a:extLst>
           </a:blip>
@@ -7869,7 +7869,7 @@
           <p:cNvPr id="9" name="그림 8">
             <a:extLst>
               <a:ext uri="{FF2B5EF4-FFF2-40B4-BE49-F238E27FC236}">
-                <a16:creationId xmlns="" xmlns:a16="http://schemas.microsoft.com/office/drawing/2014/main" id="{E1A59386-37E8-4140-AB0C-4322474062AA}"/>
+                <a16:creationId xmlns:a16="http://schemas.microsoft.com/office/drawing/2014/main" xmlns="" id="{E1A59386-37E8-4140-AB0C-4322474062AA}"/>
               </a:ext>
             </a:extLst>
           </p:cNvPr>
@@ -7882,7 +7882,7 @@
           <a:blip r:embed="rId3" cstate="print">
             <a:extLst>
               <a:ext uri="{28A0092B-C50C-407E-A947-70E740481C1C}">
-                <a14:useLocalDpi xmlns="" xmlns:a14="http://schemas.microsoft.com/office/drawing/2010/main" val="0"/>
+                <a14:useLocalDpi xmlns:a14="http://schemas.microsoft.com/office/drawing/2010/main" xmlns="" val="0"/>
               </a:ext>
             </a:extLst>
           </a:blip>
@@ -7908,7 +7908,7 @@
     </p:spTree>
     <p:extLst>
       <p:ext uri="{BB962C8B-B14F-4D97-AF65-F5344CB8AC3E}">
-        <p14:creationId xmlns="" xmlns:p14="http://schemas.microsoft.com/office/powerpoint/2010/main" val="1619140408"/>
+        <p14:creationId xmlns:p14="http://schemas.microsoft.com/office/powerpoint/2010/main" xmlns="" val="1619140408"/>
       </p:ext>
     </p:extLst>
   </p:cSld>
@@ -7916,7 +7916,7 @@
     <a:masterClrMapping/>
   </p:clrMapOvr>
   <mc:AlternateContent xmlns:mc="http://schemas.openxmlformats.org/markup-compatibility/2006">
-    <mc:Choice xmlns="" xmlns:p14="http://schemas.microsoft.com/office/powerpoint/2010/main" Requires="p14">
+    <mc:Choice xmlns:p14="http://schemas.microsoft.com/office/powerpoint/2010/main" xmlns="" Requires="p14">
       <p:transition spd="med" p14:dur="700">
         <p:fade/>
       </p:transition>
@@ -8032,7 +8032,7 @@
           <p:cNvPr id="8" name="TextBox 7">
             <a:extLst>
               <a:ext uri="{FF2B5EF4-FFF2-40B4-BE49-F238E27FC236}">
-                <a16:creationId xmlns="" xmlns:a16="http://schemas.microsoft.com/office/drawing/2014/main" id="{B2729330-CEB6-4A30-8588-5A38361E709E}"/>
+                <a16:creationId xmlns:a16="http://schemas.microsoft.com/office/drawing/2014/main" xmlns="" id="{B2729330-CEB6-4A30-8588-5A38361E709E}"/>
               </a:ext>
             </a:extLst>
           </p:cNvPr>
@@ -8107,7 +8107,7 @@
           <p:cNvPr id="10" name="TextBox 9">
             <a:extLst>
               <a:ext uri="{FF2B5EF4-FFF2-40B4-BE49-F238E27FC236}">
-                <a16:creationId xmlns="" xmlns:a16="http://schemas.microsoft.com/office/drawing/2014/main" id="{B56A1B63-19B2-45DF-BDFB-D49C8EA71FD3}"/>
+                <a16:creationId xmlns:a16="http://schemas.microsoft.com/office/drawing/2014/main" xmlns="" id="{B56A1B63-19B2-45DF-BDFB-D49C8EA71FD3}"/>
               </a:ext>
             </a:extLst>
           </p:cNvPr>
@@ -8132,68 +8132,68 @@
           <a:p>
             <a:r>
               <a:rPr lang="ko-KR" altLang="en-US" dirty="0">
-                <a:latin typeface="10X10" panose="020D0604000000000000" pitchFamily="50" charset="-127"/>
-                <a:ea typeface="10X10" panose="020D0604000000000000" pitchFamily="50" charset="-127"/>
+                <a:latin typeface="나눔스퀘어 Bold" pitchFamily="50" charset="-127"/>
+                <a:ea typeface="나눔스퀘어 Bold" pitchFamily="50" charset="-127"/>
               </a:rPr>
               <a:t>기능구현 </a:t>
             </a:r>
             <a:r>
               <a:rPr lang="en-US" altLang="ko-KR" dirty="0">
-                <a:latin typeface="10X10" panose="020D0604000000000000" pitchFamily="50" charset="-127"/>
-                <a:ea typeface="10X10" panose="020D0604000000000000" pitchFamily="50" charset="-127"/>
+                <a:latin typeface="나눔스퀘어 Bold" pitchFamily="50" charset="-127"/>
+                <a:ea typeface="나눔스퀘어 Bold" pitchFamily="50" charset="-127"/>
               </a:rPr>
               <a:t>– </a:t>
             </a:r>
             <a:r>
               <a:rPr lang="ko-KR" altLang="en-US" dirty="0">
-                <a:latin typeface="10X10" panose="020D0604000000000000" pitchFamily="50" charset="-127"/>
-                <a:ea typeface="10X10" panose="020D0604000000000000" pitchFamily="50" charset="-127"/>
+                <a:latin typeface="나눔스퀘어 Bold" pitchFamily="50" charset="-127"/>
+                <a:ea typeface="나눔스퀘어 Bold" pitchFamily="50" charset="-127"/>
               </a:rPr>
               <a:t>출결 관리</a:t>
             </a:r>
             <a:endParaRPr lang="en-US" altLang="ko-KR" dirty="0">
-              <a:latin typeface="10X10" panose="020D0604000000000000" pitchFamily="50" charset="-127"/>
-              <a:ea typeface="10X10" panose="020D0604000000000000" pitchFamily="50" charset="-127"/>
+              <a:latin typeface="나눔스퀘어 Bold" pitchFamily="50" charset="-127"/>
+              <a:ea typeface="나눔스퀘어 Bold" pitchFamily="50" charset="-127"/>
             </a:endParaRPr>
           </a:p>
           <a:p>
             <a:r>
               <a:rPr lang="en-US" altLang="ko-KR" sz="1200" dirty="0">
-                <a:latin typeface="10X10" panose="020D0604000000000000" pitchFamily="50" charset="-127"/>
-                <a:ea typeface="10X10" panose="020D0604000000000000" pitchFamily="50" charset="-127"/>
+                <a:latin typeface="나눔스퀘어 Bold" pitchFamily="50" charset="-127"/>
+                <a:ea typeface="나눔스퀘어 Bold" pitchFamily="50" charset="-127"/>
               </a:rPr>
               <a:t>(</a:t>
             </a:r>
             <a:r>
               <a:rPr lang="ko-KR" altLang="en-US" sz="1200" dirty="0" err="1">
-                <a:latin typeface="10X10" panose="020D0604000000000000" pitchFamily="50" charset="-127"/>
-                <a:ea typeface="10X10" panose="020D0604000000000000" pitchFamily="50" charset="-127"/>
+                <a:latin typeface="나눔스퀘어 Bold" pitchFamily="50" charset="-127"/>
+                <a:ea typeface="나눔스퀘어 Bold" pitchFamily="50" charset="-127"/>
               </a:rPr>
               <a:t>매니져</a:t>
             </a:r>
             <a:r>
               <a:rPr lang="ko-KR" altLang="en-US" sz="1200" dirty="0">
-                <a:latin typeface="10X10" panose="020D0604000000000000" pitchFamily="50" charset="-127"/>
-                <a:ea typeface="10X10" panose="020D0604000000000000" pitchFamily="50" charset="-127"/>
+                <a:latin typeface="나눔스퀘어 Bold" pitchFamily="50" charset="-127"/>
+                <a:ea typeface="나눔스퀘어 Bold" pitchFamily="50" charset="-127"/>
               </a:rPr>
               <a:t> 메뉴</a:t>
             </a:r>
             <a:r>
               <a:rPr lang="en-US" altLang="ko-KR" sz="1200" dirty="0">
-                <a:latin typeface="10X10" panose="020D0604000000000000" pitchFamily="50" charset="-127"/>
-                <a:ea typeface="10X10" panose="020D0604000000000000" pitchFamily="50" charset="-127"/>
+                <a:latin typeface="나눔스퀘어 Bold" pitchFamily="50" charset="-127"/>
+                <a:ea typeface="나눔스퀘어 Bold" pitchFamily="50" charset="-127"/>
               </a:rPr>
               <a:t>)</a:t>
             </a:r>
             <a:endParaRPr lang="ko-KR" altLang="en-US" sz="1200" dirty="0">
-              <a:latin typeface="10X10" panose="020D0604000000000000" pitchFamily="50" charset="-127"/>
-              <a:ea typeface="10X10" panose="020D0604000000000000" pitchFamily="50" charset="-127"/>
+              <a:latin typeface="나눔스퀘어 Bold" pitchFamily="50" charset="-127"/>
+              <a:ea typeface="나눔스퀘어 Bold" pitchFamily="50" charset="-127"/>
             </a:endParaRPr>
           </a:p>
           <a:p>
             <a:endParaRPr lang="ko-KR" altLang="en-US" dirty="0">
-              <a:latin typeface="10X10" panose="020D0604000000000000" pitchFamily="50" charset="-127"/>
-              <a:ea typeface="10X10" panose="020D0604000000000000" pitchFamily="50" charset="-127"/>
+              <a:latin typeface="나눔스퀘어 Bold" pitchFamily="50" charset="-127"/>
+              <a:ea typeface="나눔스퀘어 Bold" pitchFamily="50" charset="-127"/>
             </a:endParaRPr>
           </a:p>
         </p:txBody>
@@ -8203,7 +8203,7 @@
           <p:cNvPr id="3" name="그림 2">
             <a:extLst>
               <a:ext uri="{FF2B5EF4-FFF2-40B4-BE49-F238E27FC236}">
-                <a16:creationId xmlns="" xmlns:a16="http://schemas.microsoft.com/office/drawing/2014/main" id="{05EABC9A-D615-434F-B1B5-F6DCC080C538}"/>
+                <a16:creationId xmlns:a16="http://schemas.microsoft.com/office/drawing/2014/main" xmlns="" id="{05EABC9A-D615-434F-B1B5-F6DCC080C538}"/>
               </a:ext>
             </a:extLst>
           </p:cNvPr>
@@ -8216,7 +8216,7 @@
           <a:blip r:embed="rId2" cstate="print">
             <a:extLst>
               <a:ext uri="{28A0092B-C50C-407E-A947-70E740481C1C}">
-                <a14:useLocalDpi xmlns="" xmlns:a14="http://schemas.microsoft.com/office/drawing/2010/main" val="0"/>
+                <a14:useLocalDpi xmlns:a14="http://schemas.microsoft.com/office/drawing/2010/main" xmlns="" val="0"/>
               </a:ext>
             </a:extLst>
           </a:blip>
@@ -8244,7 +8244,7 @@
           <p:cNvPr id="9" name="그림 8">
             <a:extLst>
               <a:ext uri="{FF2B5EF4-FFF2-40B4-BE49-F238E27FC236}">
-                <a16:creationId xmlns="" xmlns:a16="http://schemas.microsoft.com/office/drawing/2014/main" id="{C21C4907-3A11-4B2E-843E-A6624F520CF5}"/>
+                <a16:creationId xmlns:a16="http://schemas.microsoft.com/office/drawing/2014/main" xmlns="" id="{C21C4907-3A11-4B2E-843E-A6624F520CF5}"/>
               </a:ext>
             </a:extLst>
           </p:cNvPr>
@@ -8257,7 +8257,7 @@
           <a:blip r:embed="rId3" cstate="print">
             <a:extLst>
               <a:ext uri="{28A0092B-C50C-407E-A947-70E740481C1C}">
-                <a14:useLocalDpi xmlns="" xmlns:a14="http://schemas.microsoft.com/office/drawing/2010/main" val="0"/>
+                <a14:useLocalDpi xmlns:a14="http://schemas.microsoft.com/office/drawing/2010/main" xmlns="" val="0"/>
               </a:ext>
             </a:extLst>
           </a:blip>
@@ -8283,7 +8283,7 @@
     </p:spTree>
     <p:extLst>
       <p:ext uri="{BB962C8B-B14F-4D97-AF65-F5344CB8AC3E}">
-        <p14:creationId xmlns="" xmlns:p14="http://schemas.microsoft.com/office/powerpoint/2010/main" val="2027053288"/>
+        <p14:creationId xmlns:p14="http://schemas.microsoft.com/office/powerpoint/2010/main" xmlns="" val="2027053288"/>
       </p:ext>
     </p:extLst>
   </p:cSld>
@@ -8291,7 +8291,7 @@
     <a:masterClrMapping/>
   </p:clrMapOvr>
   <mc:AlternateContent xmlns:mc="http://schemas.openxmlformats.org/markup-compatibility/2006">
-    <mc:Choice xmlns="" xmlns:p14="http://schemas.microsoft.com/office/powerpoint/2010/main" Requires="p14">
+    <mc:Choice xmlns:p14="http://schemas.microsoft.com/office/powerpoint/2010/main" xmlns="" Requires="p14">
       <p:transition spd="med" p14:dur="700">
         <p:fade/>
       </p:transition>
@@ -8407,7 +8407,7 @@
           <p:cNvPr id="8" name="TextBox 7">
             <a:extLst>
               <a:ext uri="{FF2B5EF4-FFF2-40B4-BE49-F238E27FC236}">
-                <a16:creationId xmlns="" xmlns:a16="http://schemas.microsoft.com/office/drawing/2014/main" id="{B2729330-CEB6-4A30-8588-5A38361E709E}"/>
+                <a16:creationId xmlns:a16="http://schemas.microsoft.com/office/drawing/2014/main" xmlns="" id="{B2729330-CEB6-4A30-8588-5A38361E709E}"/>
               </a:ext>
             </a:extLst>
           </p:cNvPr>
@@ -8494,7 +8494,7 @@
           <p:cNvPr id="10" name="TextBox 9">
             <a:extLst>
               <a:ext uri="{FF2B5EF4-FFF2-40B4-BE49-F238E27FC236}">
-                <a16:creationId xmlns="" xmlns:a16="http://schemas.microsoft.com/office/drawing/2014/main" id="{B56A1B63-19B2-45DF-BDFB-D49C8EA71FD3}"/>
+                <a16:creationId xmlns:a16="http://schemas.microsoft.com/office/drawing/2014/main" xmlns="" id="{B56A1B63-19B2-45DF-BDFB-D49C8EA71FD3}"/>
               </a:ext>
             </a:extLst>
           </p:cNvPr>
@@ -8519,69 +8519,69 @@
           <a:p>
             <a:r>
               <a:rPr lang="ko-KR" altLang="en-US" dirty="0">
-                <a:latin typeface="10X10" panose="020D0604000000000000" pitchFamily="50" charset="-127"/>
-                <a:ea typeface="10X10" panose="020D0604000000000000" pitchFamily="50" charset="-127"/>
+                <a:latin typeface="나눔스퀘어 Bold" pitchFamily="50" charset="-127"/>
+                <a:ea typeface="나눔스퀘어 Bold" pitchFamily="50" charset="-127"/>
               </a:rPr>
               <a:t>기능구현 </a:t>
             </a:r>
             <a:r>
               <a:rPr lang="en-US" altLang="ko-KR" dirty="0">
-                <a:latin typeface="10X10" panose="020D0604000000000000" pitchFamily="50" charset="-127"/>
-                <a:ea typeface="10X10" panose="020D0604000000000000" pitchFamily="50" charset="-127"/>
+                <a:latin typeface="나눔스퀘어 Bold" pitchFamily="50" charset="-127"/>
+                <a:ea typeface="나눔스퀘어 Bold" pitchFamily="50" charset="-127"/>
               </a:rPr>
               <a:t>– </a:t>
             </a:r>
             <a:r>
               <a:rPr lang="ko-KR" altLang="en-US" dirty="0">
-                <a:latin typeface="10X10" panose="020D0604000000000000" pitchFamily="50" charset="-127"/>
-                <a:ea typeface="10X10" panose="020D0604000000000000" pitchFamily="50" charset="-127"/>
+                <a:latin typeface="나눔스퀘어 Bold" pitchFamily="50" charset="-127"/>
+                <a:ea typeface="나눔스퀘어 Bold" pitchFamily="50" charset="-127"/>
               </a:rPr>
               <a:t>출결 확인</a:t>
             </a:r>
             <a:r>
               <a:rPr lang="en-US" altLang="ko-KR" dirty="0">
-                <a:latin typeface="10X10" panose="020D0604000000000000" pitchFamily="50" charset="-127"/>
-                <a:ea typeface="10X10" panose="020D0604000000000000" pitchFamily="50" charset="-127"/>
+                <a:latin typeface="나눔스퀘어 Bold" pitchFamily="50" charset="-127"/>
+                <a:ea typeface="나눔스퀘어 Bold" pitchFamily="50" charset="-127"/>
               </a:rPr>
               <a:t>,</a:t>
             </a:r>
             <a:r>
               <a:rPr lang="ko-KR" altLang="en-US" dirty="0">
-                <a:latin typeface="10X10" panose="020D0604000000000000" pitchFamily="50" charset="-127"/>
-                <a:ea typeface="10X10" panose="020D0604000000000000" pitchFamily="50" charset="-127"/>
+                <a:latin typeface="나눔스퀘어 Bold" pitchFamily="50" charset="-127"/>
+                <a:ea typeface="나눔스퀘어 Bold" pitchFamily="50" charset="-127"/>
               </a:rPr>
               <a:t>휴가신청</a:t>
             </a:r>
             <a:endParaRPr lang="en-US" altLang="ko-KR" dirty="0">
-              <a:latin typeface="10X10" panose="020D0604000000000000" pitchFamily="50" charset="-127"/>
-              <a:ea typeface="10X10" panose="020D0604000000000000" pitchFamily="50" charset="-127"/>
+              <a:latin typeface="나눔스퀘어 Bold" pitchFamily="50" charset="-127"/>
+              <a:ea typeface="나눔스퀘어 Bold" pitchFamily="50" charset="-127"/>
             </a:endParaRPr>
           </a:p>
           <a:p>
             <a:r>
               <a:rPr lang="en-US" altLang="ko-KR" sz="1200" dirty="0">
-                <a:latin typeface="10X10" panose="020D0604000000000000" pitchFamily="50" charset="-127"/>
-                <a:ea typeface="10X10" panose="020D0604000000000000" pitchFamily="50" charset="-127"/>
+                <a:latin typeface="나눔스퀘어 Bold" pitchFamily="50" charset="-127"/>
+                <a:ea typeface="나눔스퀘어 Bold" pitchFamily="50" charset="-127"/>
               </a:rPr>
               <a:t>(</a:t>
             </a:r>
             <a:r>
               <a:rPr lang="ko-KR" altLang="en-US" sz="1200" dirty="0">
-                <a:latin typeface="10X10" panose="020D0604000000000000" pitchFamily="50" charset="-127"/>
-                <a:ea typeface="10X10" panose="020D0604000000000000" pitchFamily="50" charset="-127"/>
+                <a:latin typeface="나눔스퀘어 Bold" pitchFamily="50" charset="-127"/>
+                <a:ea typeface="나눔스퀘어 Bold" pitchFamily="50" charset="-127"/>
               </a:rPr>
               <a:t>학생 메뉴</a:t>
             </a:r>
             <a:r>
               <a:rPr lang="en-US" altLang="ko-KR" sz="1200" dirty="0">
-                <a:latin typeface="10X10" panose="020D0604000000000000" pitchFamily="50" charset="-127"/>
-                <a:ea typeface="10X10" panose="020D0604000000000000" pitchFamily="50" charset="-127"/>
+                <a:latin typeface="나눔스퀘어 Bold" pitchFamily="50" charset="-127"/>
+                <a:ea typeface="나눔스퀘어 Bold" pitchFamily="50" charset="-127"/>
               </a:rPr>
               <a:t>)</a:t>
             </a:r>
             <a:endParaRPr lang="ko-KR" altLang="en-US" sz="1200" dirty="0">
-              <a:latin typeface="10X10" panose="020D0604000000000000" pitchFamily="50" charset="-127"/>
-              <a:ea typeface="10X10" panose="020D0604000000000000" pitchFamily="50" charset="-127"/>
+              <a:latin typeface="나눔스퀘어 Bold" pitchFamily="50" charset="-127"/>
+              <a:ea typeface="나눔스퀘어 Bold" pitchFamily="50" charset="-127"/>
             </a:endParaRPr>
           </a:p>
         </p:txBody>
@@ -8591,7 +8591,7 @@
           <p:cNvPr id="12" name="TextBox 11">
             <a:extLst>
               <a:ext uri="{FF2B5EF4-FFF2-40B4-BE49-F238E27FC236}">
-                <a16:creationId xmlns="" xmlns:a16="http://schemas.microsoft.com/office/drawing/2014/main" id="{DD49FC39-630F-4E6B-BAFB-7A56504DF281}"/>
+                <a16:creationId xmlns:a16="http://schemas.microsoft.com/office/drawing/2014/main" xmlns="" id="{DD49FC39-630F-4E6B-BAFB-7A56504DF281}"/>
               </a:ext>
             </a:extLst>
           </p:cNvPr>
@@ -8640,7 +8640,7 @@
           <p:cNvPr id="13" name="TextBox 12">
             <a:extLst>
               <a:ext uri="{FF2B5EF4-FFF2-40B4-BE49-F238E27FC236}">
-                <a16:creationId xmlns="" xmlns:a16="http://schemas.microsoft.com/office/drawing/2014/main" id="{033B6F89-9886-4056-A485-286BC79F357D}"/>
+                <a16:creationId xmlns:a16="http://schemas.microsoft.com/office/drawing/2014/main" xmlns="" id="{033B6F89-9886-4056-A485-286BC79F357D}"/>
               </a:ext>
             </a:extLst>
           </p:cNvPr>
@@ -8689,7 +8689,7 @@
           <p:cNvPr id="11" name="화살표: 위쪽 10">
             <a:extLst>
               <a:ext uri="{FF2B5EF4-FFF2-40B4-BE49-F238E27FC236}">
-                <a16:creationId xmlns="" xmlns:a16="http://schemas.microsoft.com/office/drawing/2014/main" id="{82BE42AD-5B81-4B34-8FCE-C6B781615C37}"/>
+                <a16:creationId xmlns:a16="http://schemas.microsoft.com/office/drawing/2014/main" xmlns="" id="{82BE42AD-5B81-4B34-8FCE-C6B781615C37}"/>
               </a:ext>
             </a:extLst>
           </p:cNvPr>
@@ -8735,7 +8735,7 @@
           <p:cNvPr id="15" name="화살표: 위쪽 14">
             <a:extLst>
               <a:ext uri="{FF2B5EF4-FFF2-40B4-BE49-F238E27FC236}">
-                <a16:creationId xmlns="" xmlns:a16="http://schemas.microsoft.com/office/drawing/2014/main" id="{348F676E-9DD9-47B8-A8BB-382528F8F52F}"/>
+                <a16:creationId xmlns:a16="http://schemas.microsoft.com/office/drawing/2014/main" xmlns="" id="{348F676E-9DD9-47B8-A8BB-382528F8F52F}"/>
               </a:ext>
             </a:extLst>
           </p:cNvPr>
@@ -8781,7 +8781,7 @@
           <p:cNvPr id="4" name="그림 3">
             <a:extLst>
               <a:ext uri="{FF2B5EF4-FFF2-40B4-BE49-F238E27FC236}">
-                <a16:creationId xmlns="" xmlns:a16="http://schemas.microsoft.com/office/drawing/2014/main" id="{B4D43C0A-212B-46DE-9E48-746F06EE0391}"/>
+                <a16:creationId xmlns:a16="http://schemas.microsoft.com/office/drawing/2014/main" xmlns="" id="{B4D43C0A-212B-46DE-9E48-746F06EE0391}"/>
               </a:ext>
             </a:extLst>
           </p:cNvPr>
@@ -8794,7 +8794,7 @@
           <a:blip r:embed="rId2" cstate="print">
             <a:extLst>
               <a:ext uri="{28A0092B-C50C-407E-A947-70E740481C1C}">
-                <a14:useLocalDpi xmlns="" xmlns:a14="http://schemas.microsoft.com/office/drawing/2010/main" val="0"/>
+                <a14:useLocalDpi xmlns:a14="http://schemas.microsoft.com/office/drawing/2010/main" xmlns="" val="0"/>
               </a:ext>
             </a:extLst>
           </a:blip>
@@ -8822,7 +8822,7 @@
           <p:cNvPr id="7" name="그림 6">
             <a:extLst>
               <a:ext uri="{FF2B5EF4-FFF2-40B4-BE49-F238E27FC236}">
-                <a16:creationId xmlns="" xmlns:a16="http://schemas.microsoft.com/office/drawing/2014/main" id="{6283ABB7-49FA-4904-B0FD-70D1EA9F2C27}"/>
+                <a16:creationId xmlns:a16="http://schemas.microsoft.com/office/drawing/2014/main" xmlns="" id="{6283ABB7-49FA-4904-B0FD-70D1EA9F2C27}"/>
               </a:ext>
             </a:extLst>
           </p:cNvPr>
@@ -8835,7 +8835,7 @@
           <a:blip r:embed="rId3" cstate="print">
             <a:extLst>
               <a:ext uri="{28A0092B-C50C-407E-A947-70E740481C1C}">
-                <a14:useLocalDpi xmlns="" xmlns:a14="http://schemas.microsoft.com/office/drawing/2010/main" val="0"/>
+                <a14:useLocalDpi xmlns:a14="http://schemas.microsoft.com/office/drawing/2010/main" xmlns="" val="0"/>
               </a:ext>
             </a:extLst>
           </a:blip>
@@ -8861,7 +8861,7 @@
     </p:spTree>
     <p:extLst>
       <p:ext uri="{BB962C8B-B14F-4D97-AF65-F5344CB8AC3E}">
-        <p14:creationId xmlns="" xmlns:p14="http://schemas.microsoft.com/office/powerpoint/2010/main" val="3413513638"/>
+        <p14:creationId xmlns:p14="http://schemas.microsoft.com/office/powerpoint/2010/main" xmlns="" val="3413513638"/>
       </p:ext>
     </p:extLst>
   </p:cSld>
@@ -8869,7 +8869,7 @@
     <a:masterClrMapping/>
   </p:clrMapOvr>
   <mc:AlternateContent xmlns:mc="http://schemas.openxmlformats.org/markup-compatibility/2006">
-    <mc:Choice xmlns="" xmlns:p14="http://schemas.microsoft.com/office/powerpoint/2010/main" Requires="p14">
+    <mc:Choice xmlns:p14="http://schemas.microsoft.com/office/powerpoint/2010/main" xmlns="" Requires="p14">
       <p:transition spd="med" p14:dur="700">
         <p:fade/>
       </p:transition>
@@ -8905,7 +8905,7 @@
           <p:cNvPr id="2" name="TextBox 1">
             <a:extLst>
               <a:ext uri="{FF2B5EF4-FFF2-40B4-BE49-F238E27FC236}">
-                <a16:creationId xmlns="" xmlns:a16="http://schemas.microsoft.com/office/drawing/2014/main" id="{986EEA5D-17E4-483C-9EAE-B5E04FE56D96}"/>
+                <a16:creationId xmlns:a16="http://schemas.microsoft.com/office/drawing/2014/main" xmlns="" id="{986EEA5D-17E4-483C-9EAE-B5E04FE56D96}"/>
               </a:ext>
             </a:extLst>
           </p:cNvPr>
@@ -8953,7 +8953,7 @@
           <p:cNvPr id="3" name="TextBox 2">
             <a:extLst>
               <a:ext uri="{FF2B5EF4-FFF2-40B4-BE49-F238E27FC236}">
-                <a16:creationId xmlns="" xmlns:a16="http://schemas.microsoft.com/office/drawing/2014/main" id="{5EB161B7-DEAE-478C-B542-79B1A7DCF2E9}"/>
+                <a16:creationId xmlns:a16="http://schemas.microsoft.com/office/drawing/2014/main" xmlns="" id="{5EB161B7-DEAE-478C-B542-79B1A7DCF2E9}"/>
               </a:ext>
             </a:extLst>
           </p:cNvPr>
@@ -9001,7 +9001,7 @@
           <p:cNvPr id="7" name="TextBox 6">
             <a:extLst>
               <a:ext uri="{FF2B5EF4-FFF2-40B4-BE49-F238E27FC236}">
-                <a16:creationId xmlns="" xmlns:a16="http://schemas.microsoft.com/office/drawing/2014/main" id="{05375609-AAFC-425D-AD9C-F78F2A31D89D}"/>
+                <a16:creationId xmlns:a16="http://schemas.microsoft.com/office/drawing/2014/main" xmlns="" id="{05375609-AAFC-425D-AD9C-F78F2A31D89D}"/>
               </a:ext>
             </a:extLst>
           </p:cNvPr>
@@ -9050,7 +9050,7 @@
           <p:cNvPr id="8" name="Picture 4" descr="카카오톡 프로필 사람 그림자에 대한 이미지 검색결과">
             <a:extLst>
               <a:ext uri="{FF2B5EF4-FFF2-40B4-BE49-F238E27FC236}">
-                <a16:creationId xmlns="" xmlns:a16="http://schemas.microsoft.com/office/drawing/2014/main" id="{05BF5995-AD3E-4047-B484-3260573DB00F}"/>
+                <a16:creationId xmlns:a16="http://schemas.microsoft.com/office/drawing/2014/main" xmlns="" id="{05BF5995-AD3E-4047-B484-3260573DB00F}"/>
               </a:ext>
             </a:extLst>
           </p:cNvPr>
@@ -9063,7 +9063,7 @@
           <a:blip r:embed="rId2" cstate="print">
             <a:extLst>
               <a:ext uri="{28A0092B-C50C-407E-A947-70E740481C1C}">
-                <a14:useLocalDpi xmlns="" xmlns:a14="http://schemas.microsoft.com/office/drawing/2010/main" val="0"/>
+                <a14:useLocalDpi xmlns:a14="http://schemas.microsoft.com/office/drawing/2010/main" xmlns="" val="0"/>
               </a:ext>
             </a:extLst>
           </a:blip>
@@ -9088,7 +9088,7 @@
           </a:ln>
           <a:extLst>
             <a:ext uri="{909E8E84-426E-40DD-AFC4-6F175D3DCCD1}">
-              <a14:hiddenFill xmlns="" xmlns:a14="http://schemas.microsoft.com/office/drawing/2010/main">
+              <a14:hiddenFill xmlns:a14="http://schemas.microsoft.com/office/drawing/2010/main" xmlns="">
                 <a:solidFill>
                   <a:srgbClr val="FFFFFF"/>
                 </a:solidFill>
@@ -9102,7 +9102,7 @@
           <p:cNvPr id="9" name="TextBox 8">
             <a:extLst>
               <a:ext uri="{FF2B5EF4-FFF2-40B4-BE49-F238E27FC236}">
-                <a16:creationId xmlns="" xmlns:a16="http://schemas.microsoft.com/office/drawing/2014/main" id="{C19F4A92-8F56-4578-9636-00533E0D25E9}"/>
+                <a16:creationId xmlns:a16="http://schemas.microsoft.com/office/drawing/2014/main" xmlns="" id="{C19F4A92-8F56-4578-9636-00533E0D25E9}"/>
               </a:ext>
             </a:extLst>
           </p:cNvPr>
@@ -9151,7 +9151,7 @@
           <p:cNvPr id="11" name="TextBox 10">
             <a:extLst>
               <a:ext uri="{FF2B5EF4-FFF2-40B4-BE49-F238E27FC236}">
-                <a16:creationId xmlns="" xmlns:a16="http://schemas.microsoft.com/office/drawing/2014/main" id="{87406268-D7B7-4764-94E8-9F2048422E74}"/>
+                <a16:creationId xmlns:a16="http://schemas.microsoft.com/office/drawing/2014/main" xmlns="" id="{87406268-D7B7-4764-94E8-9F2048422E74}"/>
               </a:ext>
             </a:extLst>
           </p:cNvPr>
@@ -9200,7 +9200,7 @@
           <p:cNvPr id="13" name="TextBox 12">
             <a:extLst>
               <a:ext uri="{FF2B5EF4-FFF2-40B4-BE49-F238E27FC236}">
-                <a16:creationId xmlns="" xmlns:a16="http://schemas.microsoft.com/office/drawing/2014/main" id="{FEA023B2-6483-4057-B661-B335796A3C8B}"/>
+                <a16:creationId xmlns:a16="http://schemas.microsoft.com/office/drawing/2014/main" xmlns="" id="{FEA023B2-6483-4057-B661-B335796A3C8B}"/>
               </a:ext>
             </a:extLst>
           </p:cNvPr>
@@ -9249,7 +9249,7 @@
           <p:cNvPr id="14" name="그림 13">
             <a:extLst>
               <a:ext uri="{FF2B5EF4-FFF2-40B4-BE49-F238E27FC236}">
-                <a16:creationId xmlns="" xmlns:a16="http://schemas.microsoft.com/office/drawing/2014/main" id="{CF8E6919-A9C7-4654-AEB7-E697FE421161}"/>
+                <a16:creationId xmlns:a16="http://schemas.microsoft.com/office/drawing/2014/main" xmlns="" id="{CF8E6919-A9C7-4654-AEB7-E697FE421161}"/>
               </a:ext>
             </a:extLst>
           </p:cNvPr>
@@ -9262,7 +9262,7 @@
           <a:blip r:embed="rId3" cstate="print">
             <a:extLst>
               <a:ext uri="{28A0092B-C50C-407E-A947-70E740481C1C}">
-                <a14:useLocalDpi xmlns="" xmlns:a14="http://schemas.microsoft.com/office/drawing/2010/main" val="0"/>
+                <a14:useLocalDpi xmlns:a14="http://schemas.microsoft.com/office/drawing/2010/main" xmlns="" val="0"/>
               </a:ext>
             </a:extLst>
           </a:blip>
@@ -9365,7 +9365,7 @@
           <p:cNvPr id="5" name="그림 4">
             <a:extLst>
               <a:ext uri="{FF2B5EF4-FFF2-40B4-BE49-F238E27FC236}">
-                <a16:creationId xmlns="" xmlns:a16="http://schemas.microsoft.com/office/drawing/2014/main" id="{4DE77100-1325-4AE2-8632-F3EEB07A679C}"/>
+                <a16:creationId xmlns:a16="http://schemas.microsoft.com/office/drawing/2014/main" xmlns="" id="{4DE77100-1325-4AE2-8632-F3EEB07A679C}"/>
               </a:ext>
             </a:extLst>
           </p:cNvPr>
@@ -9378,7 +9378,7 @@
           <a:blip r:embed="rId5" cstate="print">
             <a:extLst>
               <a:ext uri="{28A0092B-C50C-407E-A947-70E740481C1C}">
-                <a14:useLocalDpi xmlns="" xmlns:a14="http://schemas.microsoft.com/office/drawing/2010/main" val="0"/>
+                <a14:useLocalDpi xmlns:a14="http://schemas.microsoft.com/office/drawing/2010/main" xmlns="" val="0"/>
               </a:ext>
             </a:extLst>
           </a:blip>
@@ -9404,7 +9404,7 @@
     </p:spTree>
     <p:extLst>
       <p:ext uri="{BB962C8B-B14F-4D97-AF65-F5344CB8AC3E}">
-        <p14:creationId xmlns="" xmlns:p14="http://schemas.microsoft.com/office/powerpoint/2010/main" val="818240200"/>
+        <p14:creationId xmlns:p14="http://schemas.microsoft.com/office/powerpoint/2010/main" xmlns="" val="818240200"/>
       </p:ext>
     </p:extLst>
   </p:cSld>
@@ -9743,7 +9743,7 @@
     </p:spTree>
     <p:extLst>
       <p:ext uri="{BB962C8B-B14F-4D97-AF65-F5344CB8AC3E}">
-        <p14:creationId xmlns="" xmlns:p14="http://schemas.microsoft.com/office/powerpoint/2010/main" val="1384825049"/>
+        <p14:creationId xmlns:p14="http://schemas.microsoft.com/office/powerpoint/2010/main" xmlns="" val="1384825049"/>
       </p:ext>
     </p:extLst>
   </p:cSld>
@@ -9751,7 +9751,7 @@
     <a:masterClrMapping/>
   </p:clrMapOvr>
   <mc:AlternateContent xmlns:mc="http://schemas.openxmlformats.org/markup-compatibility/2006">
-    <mc:Choice xmlns="" xmlns:p14="http://schemas.microsoft.com/office/powerpoint/2010/main" Requires="p14">
+    <mc:Choice xmlns:p14="http://schemas.microsoft.com/office/powerpoint/2010/main" xmlns="" Requires="p14">
       <p:transition spd="med" p14:dur="700">
         <p:fade/>
       </p:transition>
@@ -9787,7 +9787,7 @@
           <p:cNvPr id="2" name="TextBox 1">
             <a:extLst>
               <a:ext uri="{FF2B5EF4-FFF2-40B4-BE49-F238E27FC236}">
-                <a16:creationId xmlns="" xmlns:a16="http://schemas.microsoft.com/office/drawing/2014/main" id="{986EEA5D-17E4-483C-9EAE-B5E04FE56D96}"/>
+                <a16:creationId xmlns:a16="http://schemas.microsoft.com/office/drawing/2014/main" xmlns="" id="{986EEA5D-17E4-483C-9EAE-B5E04FE56D96}"/>
               </a:ext>
             </a:extLst>
           </p:cNvPr>
@@ -9835,7 +9835,7 @@
           <p:cNvPr id="3" name="TextBox 2">
             <a:extLst>
               <a:ext uri="{FF2B5EF4-FFF2-40B4-BE49-F238E27FC236}">
-                <a16:creationId xmlns="" xmlns:a16="http://schemas.microsoft.com/office/drawing/2014/main" id="{5EB161B7-DEAE-478C-B542-79B1A7DCF2E9}"/>
+                <a16:creationId xmlns:a16="http://schemas.microsoft.com/office/drawing/2014/main" xmlns="" id="{5EB161B7-DEAE-478C-B542-79B1A7DCF2E9}"/>
               </a:ext>
             </a:extLst>
           </p:cNvPr>
@@ -9883,7 +9883,7 @@
           <p:cNvPr id="7" name="TextBox 6">
             <a:extLst>
               <a:ext uri="{FF2B5EF4-FFF2-40B4-BE49-F238E27FC236}">
-                <a16:creationId xmlns="" xmlns:a16="http://schemas.microsoft.com/office/drawing/2014/main" id="{05375609-AAFC-425D-AD9C-F78F2A31D89D}"/>
+                <a16:creationId xmlns:a16="http://schemas.microsoft.com/office/drawing/2014/main" xmlns="" id="{05375609-AAFC-425D-AD9C-F78F2A31D89D}"/>
               </a:ext>
             </a:extLst>
           </p:cNvPr>
@@ -9932,7 +9932,7 @@
           <p:cNvPr id="1028" name="Picture 4" descr="카카오톡 프로필 사람 그림자에 대한 이미지 검색결과">
             <a:extLst>
               <a:ext uri="{FF2B5EF4-FFF2-40B4-BE49-F238E27FC236}">
-                <a16:creationId xmlns="" xmlns:a16="http://schemas.microsoft.com/office/drawing/2014/main" id="{32C2D10B-5C1A-45A1-8D98-0E82C356F169}"/>
+                <a16:creationId xmlns:a16="http://schemas.microsoft.com/office/drawing/2014/main" xmlns="" id="{32C2D10B-5C1A-45A1-8D98-0E82C356F169}"/>
               </a:ext>
             </a:extLst>
           </p:cNvPr>
@@ -9945,7 +9945,7 @@
           <a:blip r:embed="rId2" cstate="print">
             <a:extLst>
               <a:ext uri="{28A0092B-C50C-407E-A947-70E740481C1C}">
-                <a14:useLocalDpi xmlns="" xmlns:a14="http://schemas.microsoft.com/office/drawing/2010/main" val="0"/>
+                <a14:useLocalDpi xmlns:a14="http://schemas.microsoft.com/office/drawing/2010/main" xmlns="" val="0"/>
               </a:ext>
             </a:extLst>
           </a:blip>
@@ -9970,7 +9970,7 @@
           </a:ln>
           <a:extLst>
             <a:ext uri="{909E8E84-426E-40DD-AFC4-6F175D3DCCD1}">
-              <a14:hiddenFill xmlns="" xmlns:a14="http://schemas.microsoft.com/office/drawing/2010/main">
+              <a14:hiddenFill xmlns:a14="http://schemas.microsoft.com/office/drawing/2010/main" xmlns="">
                 <a:solidFill>
                   <a:srgbClr val="FFFFFF"/>
                 </a:solidFill>
@@ -9984,7 +9984,7 @@
           <p:cNvPr id="8" name="Picture 4" descr="카카오톡 프로필 사람 그림자에 대한 이미지 검색결과">
             <a:extLst>
               <a:ext uri="{FF2B5EF4-FFF2-40B4-BE49-F238E27FC236}">
-                <a16:creationId xmlns="" xmlns:a16="http://schemas.microsoft.com/office/drawing/2014/main" id="{05BF5995-AD3E-4047-B484-3260573DB00F}"/>
+                <a16:creationId xmlns:a16="http://schemas.microsoft.com/office/drawing/2014/main" xmlns="" id="{05BF5995-AD3E-4047-B484-3260573DB00F}"/>
               </a:ext>
             </a:extLst>
           </p:cNvPr>
@@ -9997,7 +9997,7 @@
           <a:blip r:embed="rId2" cstate="print">
             <a:extLst>
               <a:ext uri="{28A0092B-C50C-407E-A947-70E740481C1C}">
-                <a14:useLocalDpi xmlns="" xmlns:a14="http://schemas.microsoft.com/office/drawing/2010/main" val="0"/>
+                <a14:useLocalDpi xmlns:a14="http://schemas.microsoft.com/office/drawing/2010/main" xmlns="" val="0"/>
               </a:ext>
             </a:extLst>
           </a:blip>
@@ -10022,7 +10022,7 @@
           </a:ln>
           <a:extLst>
             <a:ext uri="{909E8E84-426E-40DD-AFC4-6F175D3DCCD1}">
-              <a14:hiddenFill xmlns="" xmlns:a14="http://schemas.microsoft.com/office/drawing/2010/main">
+              <a14:hiddenFill xmlns:a14="http://schemas.microsoft.com/office/drawing/2010/main" xmlns="">
                 <a:solidFill>
                   <a:srgbClr val="FFFFFF"/>
                 </a:solidFill>
@@ -10036,7 +10036,7 @@
           <p:cNvPr id="9" name="TextBox 8">
             <a:extLst>
               <a:ext uri="{FF2B5EF4-FFF2-40B4-BE49-F238E27FC236}">
-                <a16:creationId xmlns="" xmlns:a16="http://schemas.microsoft.com/office/drawing/2014/main" id="{C19F4A92-8F56-4578-9636-00533E0D25E9}"/>
+                <a16:creationId xmlns:a16="http://schemas.microsoft.com/office/drawing/2014/main" xmlns="" id="{C19F4A92-8F56-4578-9636-00533E0D25E9}"/>
               </a:ext>
             </a:extLst>
           </p:cNvPr>
@@ -10085,7 +10085,7 @@
           <p:cNvPr id="10" name="Picture 4" descr="카카오톡 프로필 사람 그림자에 대한 이미지 검색결과">
             <a:extLst>
               <a:ext uri="{FF2B5EF4-FFF2-40B4-BE49-F238E27FC236}">
-                <a16:creationId xmlns="" xmlns:a16="http://schemas.microsoft.com/office/drawing/2014/main" id="{BCCC112F-7052-4A7C-B4AA-57969C7D953F}"/>
+                <a16:creationId xmlns:a16="http://schemas.microsoft.com/office/drawing/2014/main" xmlns="" id="{BCCC112F-7052-4A7C-B4AA-57969C7D953F}"/>
               </a:ext>
             </a:extLst>
           </p:cNvPr>
@@ -10098,7 +10098,7 @@
           <a:blip r:embed="rId2" cstate="print">
             <a:extLst>
               <a:ext uri="{28A0092B-C50C-407E-A947-70E740481C1C}">
-                <a14:useLocalDpi xmlns="" xmlns:a14="http://schemas.microsoft.com/office/drawing/2010/main" val="0"/>
+                <a14:useLocalDpi xmlns:a14="http://schemas.microsoft.com/office/drawing/2010/main" xmlns="" val="0"/>
               </a:ext>
             </a:extLst>
           </a:blip>
@@ -10123,7 +10123,7 @@
           </a:ln>
           <a:extLst>
             <a:ext uri="{909E8E84-426E-40DD-AFC4-6F175D3DCCD1}">
-              <a14:hiddenFill xmlns="" xmlns:a14="http://schemas.microsoft.com/office/drawing/2010/main">
+              <a14:hiddenFill xmlns:a14="http://schemas.microsoft.com/office/drawing/2010/main" xmlns="">
                 <a:solidFill>
                   <a:srgbClr val="FFFFFF"/>
                 </a:solidFill>
@@ -10137,7 +10137,7 @@
           <p:cNvPr id="11" name="TextBox 10">
             <a:extLst>
               <a:ext uri="{FF2B5EF4-FFF2-40B4-BE49-F238E27FC236}">
-                <a16:creationId xmlns="" xmlns:a16="http://schemas.microsoft.com/office/drawing/2014/main" id="{87406268-D7B7-4764-94E8-9F2048422E74}"/>
+                <a16:creationId xmlns:a16="http://schemas.microsoft.com/office/drawing/2014/main" xmlns="" id="{87406268-D7B7-4764-94E8-9F2048422E74}"/>
               </a:ext>
             </a:extLst>
           </p:cNvPr>
@@ -10186,7 +10186,7 @@
           <p:cNvPr id="13" name="TextBox 12">
             <a:extLst>
               <a:ext uri="{FF2B5EF4-FFF2-40B4-BE49-F238E27FC236}">
-                <a16:creationId xmlns="" xmlns:a16="http://schemas.microsoft.com/office/drawing/2014/main" id="{FEA023B2-6483-4057-B661-B335796A3C8B}"/>
+                <a16:creationId xmlns:a16="http://schemas.microsoft.com/office/drawing/2014/main" xmlns="" id="{FEA023B2-6483-4057-B661-B335796A3C8B}"/>
               </a:ext>
             </a:extLst>
           </p:cNvPr>
@@ -10235,7 +10235,7 @@
           <p:cNvPr id="12" name="TextBox 11">
             <a:extLst>
               <a:ext uri="{FF2B5EF4-FFF2-40B4-BE49-F238E27FC236}">
-                <a16:creationId xmlns="" xmlns:a16="http://schemas.microsoft.com/office/drawing/2014/main" id="{D331981B-F839-4516-BAA4-D9A455C2172E}"/>
+                <a16:creationId xmlns:a16="http://schemas.microsoft.com/office/drawing/2014/main" xmlns="" id="{D331981B-F839-4516-BAA4-D9A455C2172E}"/>
               </a:ext>
             </a:extLst>
           </p:cNvPr>
@@ -10285,7 +10285,7 @@
           <p:cNvPr id="5" name="그림 4">
             <a:extLst>
               <a:ext uri="{FF2B5EF4-FFF2-40B4-BE49-F238E27FC236}">
-                <a16:creationId xmlns="" xmlns:a16="http://schemas.microsoft.com/office/drawing/2014/main" id="{750E1ABF-79C3-45AD-AB8F-810B1058A6D9}"/>
+                <a16:creationId xmlns:a16="http://schemas.microsoft.com/office/drawing/2014/main" xmlns="" id="{750E1ABF-79C3-45AD-AB8F-810B1058A6D9}"/>
               </a:ext>
             </a:extLst>
           </p:cNvPr>
@@ -10298,7 +10298,7 @@
           <a:blip r:embed="rId3" cstate="print">
             <a:extLst>
               <a:ext uri="{28A0092B-C50C-407E-A947-70E740481C1C}">
-                <a14:useLocalDpi xmlns="" xmlns:a14="http://schemas.microsoft.com/office/drawing/2010/main" val="0"/>
+                <a14:useLocalDpi xmlns:a14="http://schemas.microsoft.com/office/drawing/2010/main" xmlns="" val="0"/>
               </a:ext>
             </a:extLst>
           </a:blip>
@@ -10323,7 +10323,7 @@
     </p:spTree>
     <p:extLst>
       <p:ext uri="{BB962C8B-B14F-4D97-AF65-F5344CB8AC3E}">
-        <p14:creationId xmlns="" xmlns:p14="http://schemas.microsoft.com/office/powerpoint/2010/main" val="2206177647"/>
+        <p14:creationId xmlns:p14="http://schemas.microsoft.com/office/powerpoint/2010/main" xmlns="" val="2206177647"/>
       </p:ext>
     </p:extLst>
   </p:cSld>
@@ -10403,7 +10403,7 @@
     </p:spTree>
     <p:extLst>
       <p:ext uri="{BB962C8B-B14F-4D97-AF65-F5344CB8AC3E}">
-        <p14:creationId xmlns="" xmlns:p14="http://schemas.microsoft.com/office/powerpoint/2010/main" val="3611497233"/>
+        <p14:creationId xmlns:p14="http://schemas.microsoft.com/office/powerpoint/2010/main" xmlns="" val="3611497233"/>
       </p:ext>
     </p:extLst>
   </p:cSld>
@@ -10411,7 +10411,7 @@
     <a:masterClrMapping/>
   </p:clrMapOvr>
   <mc:AlternateContent xmlns:mc="http://schemas.openxmlformats.org/markup-compatibility/2006">
-    <mc:Choice xmlns="" xmlns:p14="http://schemas.microsoft.com/office/powerpoint/2010/main" Requires="p14">
+    <mc:Choice xmlns:p14="http://schemas.microsoft.com/office/powerpoint/2010/main" xmlns="" Requires="p14">
       <p:transition spd="med" p14:dur="700">
         <p:fade/>
       </p:transition>
@@ -10489,7 +10489,7 @@
           <p:cNvPr id="27" name="TextBox 26">
             <a:extLst>
               <a:ext uri="{FF2B5EF4-FFF2-40B4-BE49-F238E27FC236}">
-                <a16:creationId xmlns="" xmlns:a16="http://schemas.microsoft.com/office/drawing/2014/main" id="{71D3CDA6-CB11-4728-B722-05E8992D2245}"/>
+                <a16:creationId xmlns:a16="http://schemas.microsoft.com/office/drawing/2014/main" xmlns="" id="{71D3CDA6-CB11-4728-B722-05E8992D2245}"/>
               </a:ext>
             </a:extLst>
           </p:cNvPr>
@@ -10514,22 +10514,22 @@
           <a:p>
             <a:r>
               <a:rPr lang="ko-KR" altLang="en-US" dirty="0">
-                <a:latin typeface="10X10" panose="020D0604000000000000" pitchFamily="50" charset="-127"/>
-                <a:ea typeface="10X10" panose="020D0604000000000000" pitchFamily="50" charset="-127"/>
+                <a:latin typeface="나눔스퀘어 Bold" pitchFamily="50" charset="-127"/>
+                <a:ea typeface="나눔스퀘어 Bold" pitchFamily="50" charset="-127"/>
               </a:rPr>
               <a:t>개발환경</a:t>
             </a:r>
             <a:r>
               <a:rPr lang="en-US" altLang="ko-KR" dirty="0">
-                <a:latin typeface="10X10" panose="020D0604000000000000" pitchFamily="50" charset="-127"/>
-                <a:ea typeface="10X10" panose="020D0604000000000000" pitchFamily="50" charset="-127"/>
+                <a:latin typeface="나눔스퀘어 Bold" pitchFamily="50" charset="-127"/>
+                <a:ea typeface="나눔스퀘어 Bold" pitchFamily="50" charset="-127"/>
               </a:rPr>
               <a:t>&amp;</a:t>
             </a:r>
             <a:r>
               <a:rPr lang="ko-KR" altLang="en-US" dirty="0">
-                <a:latin typeface="10X10" panose="020D0604000000000000" pitchFamily="50" charset="-127"/>
-                <a:ea typeface="10X10" panose="020D0604000000000000" pitchFamily="50" charset="-127"/>
+                <a:latin typeface="나눔스퀘어 Bold" pitchFamily="50" charset="-127"/>
+                <a:ea typeface="나눔스퀘어 Bold" pitchFamily="50" charset="-127"/>
               </a:rPr>
               <a:t>업무일정</a:t>
             </a:r>
@@ -10537,8 +10537,8 @@
               <a:solidFill>
                 <a:srgbClr val="2C2E2C"/>
               </a:solidFill>
-              <a:latin typeface="나눔스퀘어 Bold" panose="020B0600000101010101" pitchFamily="50" charset="-127"/>
-              <a:ea typeface="나눔스퀘어 Bold" panose="020B0600000101010101" pitchFamily="50" charset="-127"/>
+              <a:latin typeface="나눔스퀘어 Bold" pitchFamily="50" charset="-127"/>
+              <a:ea typeface="나눔스퀘어 Bold" pitchFamily="50" charset="-127"/>
             </a:endParaRPr>
           </a:p>
         </p:txBody>
@@ -10548,7 +10548,7 @@
           <p:cNvPr id="29" name="표 28">
             <a:extLst>
               <a:ext uri="{FF2B5EF4-FFF2-40B4-BE49-F238E27FC236}">
-                <a16:creationId xmlns="" xmlns:a16="http://schemas.microsoft.com/office/drawing/2014/main" id="{8C60907E-11DE-4B90-82FA-077C68792A64}"/>
+                <a16:creationId xmlns:a16="http://schemas.microsoft.com/office/drawing/2014/main" xmlns="" id="{8C60907E-11DE-4B90-82FA-077C68792A64}"/>
               </a:ext>
             </a:extLst>
           </p:cNvPr>
@@ -10558,7 +10558,7 @@
           <p:nvPr>
             <p:extLst>
               <p:ext uri="{D42A27DB-BD31-4B8C-83A1-F6EECF244321}">
-                <p14:modId xmlns="" xmlns:p14="http://schemas.microsoft.com/office/powerpoint/2010/main" val="1885077768"/>
+                <p14:modId xmlns:p14="http://schemas.microsoft.com/office/powerpoint/2010/main" xmlns="" val="1885077768"/>
               </p:ext>
             </p:extLst>
           </p:nvPr>
@@ -10577,14 +10577,14 @@
                 <a:gridCol w="921008">
                   <a:extLst>
                     <a:ext uri="{9D8B030D-6E8A-4147-A177-3AD203B41FA5}">
-                      <a16:colId xmlns="" xmlns:a16="http://schemas.microsoft.com/office/drawing/2014/main" val="20000"/>
+                      <a16:colId xmlns:a16="http://schemas.microsoft.com/office/drawing/2014/main" xmlns="" val="20000"/>
                     </a:ext>
                   </a:extLst>
                 </a:gridCol>
                 <a:gridCol w="2171045">
                   <a:extLst>
                     <a:ext uri="{9D8B030D-6E8A-4147-A177-3AD203B41FA5}">
-                      <a16:colId xmlns="" xmlns:a16="http://schemas.microsoft.com/office/drawing/2014/main" val="20001"/>
+                      <a16:colId xmlns:a16="http://schemas.microsoft.com/office/drawing/2014/main" xmlns="" val="20001"/>
                     </a:ext>
                   </a:extLst>
                 </a:gridCol>
@@ -10791,7 +10791,7 @@
                 </a:tc>
                 <a:extLst>
                   <a:ext uri="{0D108BD9-81ED-4DB2-BD59-A6C34878D82A}">
-                    <a16:rowId xmlns="" xmlns:a16="http://schemas.microsoft.com/office/drawing/2014/main" val="10000"/>
+                    <a16:rowId xmlns:a16="http://schemas.microsoft.com/office/drawing/2014/main" xmlns="" val="10000"/>
                   </a:ext>
                 </a:extLst>
               </a:tr>
@@ -10940,7 +10940,7 @@
                 </a:tc>
                 <a:extLst>
                   <a:ext uri="{0D108BD9-81ED-4DB2-BD59-A6C34878D82A}">
-                    <a16:rowId xmlns="" xmlns:a16="http://schemas.microsoft.com/office/drawing/2014/main" val="10001"/>
+                    <a16:rowId xmlns:a16="http://schemas.microsoft.com/office/drawing/2014/main" xmlns="" val="10001"/>
                   </a:ext>
                 </a:extLst>
               </a:tr>
@@ -11097,7 +11097,7 @@
                 </a:tc>
                 <a:extLst>
                   <a:ext uri="{0D108BD9-81ED-4DB2-BD59-A6C34878D82A}">
-                    <a16:rowId xmlns="" xmlns:a16="http://schemas.microsoft.com/office/drawing/2014/main" val="10002"/>
+                    <a16:rowId xmlns:a16="http://schemas.microsoft.com/office/drawing/2014/main" xmlns="" val="10002"/>
                   </a:ext>
                 </a:extLst>
               </a:tr>
@@ -11326,7 +11326,7 @@
                 </a:tc>
                 <a:extLst>
                   <a:ext uri="{0D108BD9-81ED-4DB2-BD59-A6C34878D82A}">
-                    <a16:rowId xmlns="" xmlns:a16="http://schemas.microsoft.com/office/drawing/2014/main" val="10003"/>
+                    <a16:rowId xmlns:a16="http://schemas.microsoft.com/office/drawing/2014/main" xmlns="" val="10003"/>
                   </a:ext>
                 </a:extLst>
               </a:tr>
@@ -11493,7 +11493,7 @@
                 </a:tc>
                 <a:extLst>
                   <a:ext uri="{0D108BD9-81ED-4DB2-BD59-A6C34878D82A}">
-                    <a16:rowId xmlns="" xmlns:a16="http://schemas.microsoft.com/office/drawing/2014/main" val="10004"/>
+                    <a16:rowId xmlns:a16="http://schemas.microsoft.com/office/drawing/2014/main" xmlns="" val="10004"/>
                   </a:ext>
                 </a:extLst>
               </a:tr>
@@ -11506,7 +11506,7 @@
           <p:cNvPr id="22" name="Table 3">
             <a:extLst>
               <a:ext uri="{FF2B5EF4-FFF2-40B4-BE49-F238E27FC236}">
-                <a16:creationId xmlns="" xmlns:a16="http://schemas.microsoft.com/office/drawing/2014/main" id="{846F0550-7FB4-4EEA-BEE7-FF712C338127}"/>
+                <a16:creationId xmlns:a16="http://schemas.microsoft.com/office/drawing/2014/main" xmlns="" id="{846F0550-7FB4-4EEA-BEE7-FF712C338127}"/>
               </a:ext>
             </a:extLst>
           </p:cNvPr>
@@ -11516,7 +11516,7 @@
           <p:nvPr>
             <p:extLst>
               <p:ext uri="{D42A27DB-BD31-4B8C-83A1-F6EECF244321}">
-                <p14:modId xmlns="" xmlns:p14="http://schemas.microsoft.com/office/powerpoint/2010/main" val="1637140561"/>
+                <p14:modId xmlns:p14="http://schemas.microsoft.com/office/powerpoint/2010/main" xmlns="" val="1637140561"/>
               </p:ext>
             </p:extLst>
           </p:nvPr>
@@ -11542,84 +11542,84 @@
                 <a:gridCol w="740886">
                   <a:extLst>
                     <a:ext uri="{9D8B030D-6E8A-4147-A177-3AD203B41FA5}">
-                      <a16:colId xmlns="" xmlns:a16="http://schemas.microsoft.com/office/drawing/2014/main" val="20000"/>
+                      <a16:colId xmlns:a16="http://schemas.microsoft.com/office/drawing/2014/main" xmlns="" val="20000"/>
                     </a:ext>
                   </a:extLst>
                 </a:gridCol>
                 <a:gridCol w="414840">
                   <a:extLst>
                     <a:ext uri="{9D8B030D-6E8A-4147-A177-3AD203B41FA5}">
-                      <a16:colId xmlns="" xmlns:a16="http://schemas.microsoft.com/office/drawing/2014/main" val="20001"/>
+                      <a16:colId xmlns:a16="http://schemas.microsoft.com/office/drawing/2014/main" xmlns="" val="20001"/>
                     </a:ext>
                   </a:extLst>
                 </a:gridCol>
                 <a:gridCol w="402885">
                   <a:extLst>
                     <a:ext uri="{9D8B030D-6E8A-4147-A177-3AD203B41FA5}">
-                      <a16:colId xmlns="" xmlns:a16="http://schemas.microsoft.com/office/drawing/2014/main" val="20002"/>
+                      <a16:colId xmlns:a16="http://schemas.microsoft.com/office/drawing/2014/main" xmlns="" val="20002"/>
                     </a:ext>
                   </a:extLst>
                 </a:gridCol>
                 <a:gridCol w="402885">
                   <a:extLst>
                     <a:ext uri="{9D8B030D-6E8A-4147-A177-3AD203B41FA5}">
-                      <a16:colId xmlns="" xmlns:a16="http://schemas.microsoft.com/office/drawing/2014/main" val="20003"/>
+                      <a16:colId xmlns:a16="http://schemas.microsoft.com/office/drawing/2014/main" xmlns="" val="20003"/>
                     </a:ext>
                   </a:extLst>
                 </a:gridCol>
                 <a:gridCol w="402885">
                   <a:extLst>
                     <a:ext uri="{9D8B030D-6E8A-4147-A177-3AD203B41FA5}">
-                      <a16:colId xmlns="" xmlns:a16="http://schemas.microsoft.com/office/drawing/2014/main" val="20004"/>
+                      <a16:colId xmlns:a16="http://schemas.microsoft.com/office/drawing/2014/main" xmlns="" val="20004"/>
                     </a:ext>
                   </a:extLst>
                 </a:gridCol>
                 <a:gridCol w="402885">
                   <a:extLst>
                     <a:ext uri="{9D8B030D-6E8A-4147-A177-3AD203B41FA5}">
-                      <a16:colId xmlns="" xmlns:a16="http://schemas.microsoft.com/office/drawing/2014/main" val="20005"/>
+                      <a16:colId xmlns:a16="http://schemas.microsoft.com/office/drawing/2014/main" xmlns="" val="20005"/>
                     </a:ext>
                   </a:extLst>
                 </a:gridCol>
                 <a:gridCol w="402885">
                   <a:extLst>
                     <a:ext uri="{9D8B030D-6E8A-4147-A177-3AD203B41FA5}">
-                      <a16:colId xmlns="" xmlns:a16="http://schemas.microsoft.com/office/drawing/2014/main" val="20006"/>
+                      <a16:colId xmlns:a16="http://schemas.microsoft.com/office/drawing/2014/main" xmlns="" val="20006"/>
                     </a:ext>
                   </a:extLst>
                 </a:gridCol>
                 <a:gridCol w="402885">
                   <a:extLst>
                     <a:ext uri="{9D8B030D-6E8A-4147-A177-3AD203B41FA5}">
-                      <a16:colId xmlns="" xmlns:a16="http://schemas.microsoft.com/office/drawing/2014/main" val="20007"/>
+                      <a16:colId xmlns:a16="http://schemas.microsoft.com/office/drawing/2014/main" xmlns="" val="20007"/>
                     </a:ext>
                   </a:extLst>
                 </a:gridCol>
                 <a:gridCol w="402885">
                   <a:extLst>
                     <a:ext uri="{9D8B030D-6E8A-4147-A177-3AD203B41FA5}">
-                      <a16:colId xmlns="" xmlns:a16="http://schemas.microsoft.com/office/drawing/2014/main" val="20008"/>
+                      <a16:colId xmlns:a16="http://schemas.microsoft.com/office/drawing/2014/main" xmlns="" val="20008"/>
                     </a:ext>
                   </a:extLst>
                 </a:gridCol>
                 <a:gridCol w="402885">
                   <a:extLst>
                     <a:ext uri="{9D8B030D-6E8A-4147-A177-3AD203B41FA5}">
-                      <a16:colId xmlns="" xmlns:a16="http://schemas.microsoft.com/office/drawing/2014/main" val="20009"/>
+                      <a16:colId xmlns:a16="http://schemas.microsoft.com/office/drawing/2014/main" xmlns="" val="20009"/>
                     </a:ext>
                   </a:extLst>
                 </a:gridCol>
                 <a:gridCol w="402885">
                   <a:extLst>
                     <a:ext uri="{9D8B030D-6E8A-4147-A177-3AD203B41FA5}">
-                      <a16:colId xmlns="" xmlns:a16="http://schemas.microsoft.com/office/drawing/2014/main" val="20010"/>
+                      <a16:colId xmlns:a16="http://schemas.microsoft.com/office/drawing/2014/main" xmlns="" val="20010"/>
                     </a:ext>
                   </a:extLst>
                 </a:gridCol>
                 <a:gridCol w="402885">
                   <a:extLst>
                     <a:ext uri="{9D8B030D-6E8A-4147-A177-3AD203B41FA5}">
-                      <a16:colId xmlns="" xmlns:a16="http://schemas.microsoft.com/office/drawing/2014/main" val="20011"/>
+                      <a16:colId xmlns:a16="http://schemas.microsoft.com/office/drawing/2014/main" xmlns="" val="20011"/>
                     </a:ext>
                   </a:extLst>
                 </a:gridCol>
@@ -12264,7 +12264,7 @@
                 </a:tc>
                 <a:extLst>
                   <a:ext uri="{0D108BD9-81ED-4DB2-BD59-A6C34878D82A}">
-                    <a16:rowId xmlns="" xmlns:a16="http://schemas.microsoft.com/office/drawing/2014/main" val="10000"/>
+                    <a16:rowId xmlns:a16="http://schemas.microsoft.com/office/drawing/2014/main" xmlns="" val="10000"/>
                   </a:ext>
                 </a:extLst>
               </a:tr>
@@ -13028,7 +13028,7 @@
                 </a:tc>
                 <a:extLst>
                   <a:ext uri="{0D108BD9-81ED-4DB2-BD59-A6C34878D82A}">
-                    <a16:rowId xmlns="" xmlns:a16="http://schemas.microsoft.com/office/drawing/2014/main" val="10001"/>
+                    <a16:rowId xmlns:a16="http://schemas.microsoft.com/office/drawing/2014/main" xmlns="" val="10001"/>
                   </a:ext>
                 </a:extLst>
               </a:tr>
@@ -13766,7 +13766,7 @@
                 </a:tc>
                 <a:extLst>
                   <a:ext uri="{0D108BD9-81ED-4DB2-BD59-A6C34878D82A}">
-                    <a16:rowId xmlns="" xmlns:a16="http://schemas.microsoft.com/office/drawing/2014/main" val="10002"/>
+                    <a16:rowId xmlns:a16="http://schemas.microsoft.com/office/drawing/2014/main" xmlns="" val="10002"/>
                   </a:ext>
                 </a:extLst>
               </a:tr>
@@ -14546,7 +14546,7 @@
                 </a:tc>
                 <a:extLst>
                   <a:ext uri="{0D108BD9-81ED-4DB2-BD59-A6C34878D82A}">
-                    <a16:rowId xmlns="" xmlns:a16="http://schemas.microsoft.com/office/drawing/2014/main" val="10003"/>
+                    <a16:rowId xmlns:a16="http://schemas.microsoft.com/office/drawing/2014/main" xmlns="" val="10003"/>
                   </a:ext>
                 </a:extLst>
               </a:tr>
@@ -15293,7 +15293,7 @@
                 </a:tc>
                 <a:extLst>
                   <a:ext uri="{0D108BD9-81ED-4DB2-BD59-A6C34878D82A}">
-                    <a16:rowId xmlns="" xmlns:a16="http://schemas.microsoft.com/office/drawing/2014/main" val="10004"/>
+                    <a16:rowId xmlns:a16="http://schemas.microsoft.com/office/drawing/2014/main" xmlns="" val="10004"/>
                   </a:ext>
                 </a:extLst>
               </a:tr>
@@ -16089,7 +16089,7 @@
                 </a:tc>
                 <a:extLst>
                   <a:ext uri="{0D108BD9-81ED-4DB2-BD59-A6C34878D82A}">
-                    <a16:rowId xmlns="" xmlns:a16="http://schemas.microsoft.com/office/drawing/2014/main" val="10005"/>
+                    <a16:rowId xmlns:a16="http://schemas.microsoft.com/office/drawing/2014/main" xmlns="" val="10005"/>
                   </a:ext>
                 </a:extLst>
               </a:tr>
@@ -16836,7 +16836,7 @@
                 </a:tc>
                 <a:extLst>
                   <a:ext uri="{0D108BD9-81ED-4DB2-BD59-A6C34878D82A}">
-                    <a16:rowId xmlns="" xmlns:a16="http://schemas.microsoft.com/office/drawing/2014/main" val="10006"/>
+                    <a16:rowId xmlns:a16="http://schemas.microsoft.com/office/drawing/2014/main" xmlns="" val="10006"/>
                   </a:ext>
                 </a:extLst>
               </a:tr>
@@ -17616,7 +17616,7 @@
                 </a:tc>
                 <a:extLst>
                   <a:ext uri="{0D108BD9-81ED-4DB2-BD59-A6C34878D82A}">
-                    <a16:rowId xmlns="" xmlns:a16="http://schemas.microsoft.com/office/drawing/2014/main" val="10007"/>
+                    <a16:rowId xmlns:a16="http://schemas.microsoft.com/office/drawing/2014/main" xmlns="" val="10007"/>
                   </a:ext>
                 </a:extLst>
               </a:tr>
@@ -17629,7 +17629,7 @@
           <p:cNvPr id="24" name="Rectangle 45">
             <a:extLst>
               <a:ext uri="{FF2B5EF4-FFF2-40B4-BE49-F238E27FC236}">
-                <a16:creationId xmlns="" xmlns:a16="http://schemas.microsoft.com/office/drawing/2014/main" id="{22D5BE16-CBBC-4E85-B6E6-654B23418E6B}"/>
+                <a16:creationId xmlns:a16="http://schemas.microsoft.com/office/drawing/2014/main" xmlns="" id="{22D5BE16-CBBC-4E85-B6E6-654B23418E6B}"/>
               </a:ext>
             </a:extLst>
           </p:cNvPr>
@@ -17687,7 +17687,7 @@
           <p:cNvPr id="25" name="Rectangle 45">
             <a:extLst>
               <a:ext uri="{FF2B5EF4-FFF2-40B4-BE49-F238E27FC236}">
-                <a16:creationId xmlns="" xmlns:a16="http://schemas.microsoft.com/office/drawing/2014/main" id="{6FE8C2B0-0E3A-4F91-8215-F755BD6BB415}"/>
+                <a16:creationId xmlns:a16="http://schemas.microsoft.com/office/drawing/2014/main" xmlns="" id="{6FE8C2B0-0E3A-4F91-8215-F755BD6BB415}"/>
               </a:ext>
             </a:extLst>
           </p:cNvPr>
@@ -17745,7 +17745,7 @@
           <p:cNvPr id="26" name="Rectangle 45">
             <a:extLst>
               <a:ext uri="{FF2B5EF4-FFF2-40B4-BE49-F238E27FC236}">
-                <a16:creationId xmlns="" xmlns:a16="http://schemas.microsoft.com/office/drawing/2014/main" id="{3C069615-7F2A-45E5-9F09-0B2B2DC7902C}"/>
+                <a16:creationId xmlns:a16="http://schemas.microsoft.com/office/drawing/2014/main" xmlns="" id="{3C069615-7F2A-45E5-9F09-0B2B2DC7902C}"/>
               </a:ext>
             </a:extLst>
           </p:cNvPr>
@@ -17803,7 +17803,7 @@
           <p:cNvPr id="28" name="Rectangle 45">
             <a:extLst>
               <a:ext uri="{FF2B5EF4-FFF2-40B4-BE49-F238E27FC236}">
-                <a16:creationId xmlns="" xmlns:a16="http://schemas.microsoft.com/office/drawing/2014/main" id="{83B60910-03C5-4F0C-99F3-156301D8BDB5}"/>
+                <a16:creationId xmlns:a16="http://schemas.microsoft.com/office/drawing/2014/main" xmlns="" id="{83B60910-03C5-4F0C-99F3-156301D8BDB5}"/>
               </a:ext>
             </a:extLst>
           </p:cNvPr>
@@ -17861,7 +17861,7 @@
           <p:cNvPr id="34" name="Rectangle 45">
             <a:extLst>
               <a:ext uri="{FF2B5EF4-FFF2-40B4-BE49-F238E27FC236}">
-                <a16:creationId xmlns="" xmlns:a16="http://schemas.microsoft.com/office/drawing/2014/main" id="{F9736FC2-E69D-4E72-9940-FD07D735B195}"/>
+                <a16:creationId xmlns:a16="http://schemas.microsoft.com/office/drawing/2014/main" xmlns="" id="{F9736FC2-E69D-4E72-9940-FD07D735B195}"/>
               </a:ext>
             </a:extLst>
           </p:cNvPr>
@@ -17919,7 +17919,7 @@
           <p:cNvPr id="35" name="Rectangle 45">
             <a:extLst>
               <a:ext uri="{FF2B5EF4-FFF2-40B4-BE49-F238E27FC236}">
-                <a16:creationId xmlns="" xmlns:a16="http://schemas.microsoft.com/office/drawing/2014/main" id="{006B4CCA-AF53-4D23-98FE-1DD7A8181662}"/>
+                <a16:creationId xmlns:a16="http://schemas.microsoft.com/office/drawing/2014/main" xmlns="" id="{006B4CCA-AF53-4D23-98FE-1DD7A8181662}"/>
               </a:ext>
             </a:extLst>
           </p:cNvPr>
@@ -17977,7 +17977,7 @@
           <p:cNvPr id="36" name="Rectangle 45">
             <a:extLst>
               <a:ext uri="{FF2B5EF4-FFF2-40B4-BE49-F238E27FC236}">
-                <a16:creationId xmlns="" xmlns:a16="http://schemas.microsoft.com/office/drawing/2014/main" id="{C1AF42C5-0EBE-4137-8301-E504AFF34516}"/>
+                <a16:creationId xmlns:a16="http://schemas.microsoft.com/office/drawing/2014/main" xmlns="" id="{C1AF42C5-0EBE-4137-8301-E504AFF34516}"/>
               </a:ext>
             </a:extLst>
           </p:cNvPr>
@@ -18033,7 +18033,7 @@
     </p:spTree>
     <p:extLst>
       <p:ext uri="{BB962C8B-B14F-4D97-AF65-F5344CB8AC3E}">
-        <p14:creationId xmlns="" xmlns:p14="http://schemas.microsoft.com/office/powerpoint/2010/main" val="3821172291"/>
+        <p14:creationId xmlns:p14="http://schemas.microsoft.com/office/powerpoint/2010/main" xmlns="" val="3821172291"/>
       </p:ext>
     </p:extLst>
   </p:cSld>
@@ -18041,7 +18041,7 @@
     <a:masterClrMapping/>
   </p:clrMapOvr>
   <mc:AlternateContent xmlns:mc="http://schemas.openxmlformats.org/markup-compatibility/2006">
-    <mc:Choice xmlns="" xmlns:p14="http://schemas.microsoft.com/office/powerpoint/2010/main" Requires="p14">
+    <mc:Choice xmlns:p14="http://schemas.microsoft.com/office/powerpoint/2010/main" xmlns="" Requires="p14">
       <p:transition spd="med" p14:dur="700">
         <p:fade/>
       </p:transition>
@@ -18119,7 +18119,7 @@
           <p:cNvPr id="7" name="TextBox 6">
             <a:extLst>
               <a:ext uri="{FF2B5EF4-FFF2-40B4-BE49-F238E27FC236}">
-                <a16:creationId xmlns="" xmlns:a16="http://schemas.microsoft.com/office/drawing/2014/main" id="{9A93FFA3-FF75-414A-A59A-8AB2236ABB72}"/>
+                <a16:creationId xmlns:a16="http://schemas.microsoft.com/office/drawing/2014/main" xmlns="" id="{9A93FFA3-FF75-414A-A59A-8AB2236ABB72}"/>
               </a:ext>
             </a:extLst>
           </p:cNvPr>
@@ -18144,14 +18144,14 @@
           <a:p>
             <a:r>
               <a:rPr lang="en-US" altLang="ko-KR" dirty="0">
-                <a:latin typeface="10X10" panose="020D0604000000000000" pitchFamily="50" charset="-127"/>
-                <a:ea typeface="10X10" panose="020D0604000000000000" pitchFamily="50" charset="-127"/>
+                <a:latin typeface="나눔스퀘어 Bold" pitchFamily="50" charset="-127"/>
+                <a:ea typeface="나눔스퀘어 Bold" pitchFamily="50" charset="-127"/>
               </a:rPr>
               <a:t>ERD</a:t>
             </a:r>
             <a:endParaRPr lang="ko-KR" altLang="en-US" dirty="0">
-              <a:latin typeface="10X10" panose="020D0604000000000000" pitchFamily="50" charset="-127"/>
-              <a:ea typeface="10X10" panose="020D0604000000000000" pitchFamily="50" charset="-127"/>
+              <a:latin typeface="나눔스퀘어 Bold" pitchFamily="50" charset="-127"/>
+              <a:ea typeface="나눔스퀘어 Bold" pitchFamily="50" charset="-127"/>
             </a:endParaRPr>
           </a:p>
         </p:txBody>
@@ -18161,7 +18161,7 @@
           <p:cNvPr id="4" name="그림 3">
             <a:extLst>
               <a:ext uri="{FF2B5EF4-FFF2-40B4-BE49-F238E27FC236}">
-                <a16:creationId xmlns="" xmlns:a16="http://schemas.microsoft.com/office/drawing/2014/main" id="{112AF955-9430-4DBE-B41D-C66A9B981287}"/>
+                <a16:creationId xmlns:a16="http://schemas.microsoft.com/office/drawing/2014/main" xmlns="" id="{112AF955-9430-4DBE-B41D-C66A9B981287}"/>
               </a:ext>
             </a:extLst>
           </p:cNvPr>
@@ -18174,7 +18174,7 @@
           <a:blip r:embed="rId2" cstate="print">
             <a:extLst>
               <a:ext uri="{28A0092B-C50C-407E-A947-70E740481C1C}">
-                <a14:useLocalDpi xmlns="" xmlns:a14="http://schemas.microsoft.com/office/drawing/2010/main" val="0"/>
+                <a14:useLocalDpi xmlns:a14="http://schemas.microsoft.com/office/drawing/2010/main" xmlns="" val="0"/>
               </a:ext>
             </a:extLst>
           </a:blip>
@@ -18202,7 +18202,7 @@
           <p:cNvPr id="18" name="표 17">
             <a:extLst>
               <a:ext uri="{FF2B5EF4-FFF2-40B4-BE49-F238E27FC236}">
-                <a16:creationId xmlns="" xmlns:a16="http://schemas.microsoft.com/office/drawing/2014/main" id="{9C3BE569-6935-434C-88DD-9FAD5F579516}"/>
+                <a16:creationId xmlns:a16="http://schemas.microsoft.com/office/drawing/2014/main" xmlns="" id="{9C3BE569-6935-434C-88DD-9FAD5F579516}"/>
               </a:ext>
             </a:extLst>
           </p:cNvPr>
@@ -18212,7 +18212,7 @@
           <p:nvPr>
             <p:extLst>
               <p:ext uri="{D42A27DB-BD31-4B8C-83A1-F6EECF244321}">
-                <p14:modId xmlns="" xmlns:p14="http://schemas.microsoft.com/office/powerpoint/2010/main" val="2941569553"/>
+                <p14:modId xmlns:p14="http://schemas.microsoft.com/office/powerpoint/2010/main" xmlns="" val="2941569553"/>
               </p:ext>
             </p:extLst>
           </p:nvPr>
@@ -18231,7 +18231,7 @@
                 <a:gridCol w="2736304">
                   <a:extLst>
                     <a:ext uri="{9D8B030D-6E8A-4147-A177-3AD203B41FA5}">
-                      <a16:colId xmlns="" xmlns:a16="http://schemas.microsoft.com/office/drawing/2014/main" val="20000"/>
+                      <a16:colId xmlns:a16="http://schemas.microsoft.com/office/drawing/2014/main" xmlns="" val="20000"/>
                     </a:ext>
                   </a:extLst>
                 </a:gridCol>
@@ -18337,7 +18337,7 @@
                 </a:tc>
                 <a:extLst>
                   <a:ext uri="{0D108BD9-81ED-4DB2-BD59-A6C34878D82A}">
-                    <a16:rowId xmlns="" xmlns:a16="http://schemas.microsoft.com/office/drawing/2014/main" val="10000"/>
+                    <a16:rowId xmlns:a16="http://schemas.microsoft.com/office/drawing/2014/main" xmlns="" val="10000"/>
                   </a:ext>
                 </a:extLst>
               </a:tr>
@@ -18422,7 +18422,7 @@
                 </a:tc>
                 <a:extLst>
                   <a:ext uri="{0D108BD9-81ED-4DB2-BD59-A6C34878D82A}">
-                    <a16:rowId xmlns="" xmlns:a16="http://schemas.microsoft.com/office/drawing/2014/main" val="10001"/>
+                    <a16:rowId xmlns:a16="http://schemas.microsoft.com/office/drawing/2014/main" xmlns="" val="10001"/>
                   </a:ext>
                 </a:extLst>
               </a:tr>
@@ -18596,7 +18596,7 @@
                 </a:tc>
                 <a:extLst>
                   <a:ext uri="{0D108BD9-81ED-4DB2-BD59-A6C34878D82A}">
-                    <a16:rowId xmlns="" xmlns:a16="http://schemas.microsoft.com/office/drawing/2014/main" val="10002"/>
+                    <a16:rowId xmlns:a16="http://schemas.microsoft.com/office/drawing/2014/main" xmlns="" val="10002"/>
                   </a:ext>
                 </a:extLst>
               </a:tr>
@@ -18607,7 +18607,7 @@
     </p:spTree>
     <p:extLst>
       <p:ext uri="{BB962C8B-B14F-4D97-AF65-F5344CB8AC3E}">
-        <p14:creationId xmlns="" xmlns:p14="http://schemas.microsoft.com/office/powerpoint/2010/main" val="1974618126"/>
+        <p14:creationId xmlns:p14="http://schemas.microsoft.com/office/powerpoint/2010/main" xmlns="" val="1974618126"/>
       </p:ext>
     </p:extLst>
   </p:cSld>
@@ -18615,7 +18615,7 @@
     <a:masterClrMapping/>
   </p:clrMapOvr>
   <mc:AlternateContent xmlns:mc="http://schemas.openxmlformats.org/markup-compatibility/2006">
-    <mc:Choice xmlns="" xmlns:p14="http://schemas.microsoft.com/office/powerpoint/2010/main" Requires="p14">
+    <mc:Choice xmlns:p14="http://schemas.microsoft.com/office/powerpoint/2010/main" xmlns="" Requires="p14">
       <p:transition spd="med" p14:dur="700">
         <p:fade/>
       </p:transition>
@@ -18689,7 +18689,7 @@
           <p:cNvPr id="10" name="직사각형 9">
             <a:extLst>
               <a:ext uri="{FF2B5EF4-FFF2-40B4-BE49-F238E27FC236}">
-                <a16:creationId xmlns="" xmlns:a16="http://schemas.microsoft.com/office/drawing/2014/main" id="{64617F76-3FBE-4D83-A2FE-EA87BE6C672A}"/>
+                <a16:creationId xmlns:a16="http://schemas.microsoft.com/office/drawing/2014/main" xmlns="" id="{64617F76-3FBE-4D83-A2FE-EA87BE6C672A}"/>
               </a:ext>
             </a:extLst>
           </p:cNvPr>
@@ -18761,7 +18761,7 @@
           <p:cNvPr id="22" name="표 21">
             <a:extLst>
               <a:ext uri="{FF2B5EF4-FFF2-40B4-BE49-F238E27FC236}">
-                <a16:creationId xmlns="" xmlns:a16="http://schemas.microsoft.com/office/drawing/2014/main" id="{1DAF5372-8FFF-4A92-A5A5-5FA0001F950D}"/>
+                <a16:creationId xmlns:a16="http://schemas.microsoft.com/office/drawing/2014/main" xmlns="" id="{1DAF5372-8FFF-4A92-A5A5-5FA0001F950D}"/>
               </a:ext>
             </a:extLst>
           </p:cNvPr>
@@ -18771,7 +18771,7 @@
           <p:nvPr>
             <p:extLst>
               <p:ext uri="{D42A27DB-BD31-4B8C-83A1-F6EECF244321}">
-                <p14:modId xmlns="" xmlns:p14="http://schemas.microsoft.com/office/powerpoint/2010/main" val="3849027936"/>
+                <p14:modId xmlns:p14="http://schemas.microsoft.com/office/powerpoint/2010/main" xmlns="" val="3849027936"/>
               </p:ext>
             </p:extLst>
           </p:nvPr>
@@ -18790,7 +18790,7 @@
                 <a:gridCol w="2880320">
                   <a:extLst>
                     <a:ext uri="{9D8B030D-6E8A-4147-A177-3AD203B41FA5}">
-                      <a16:colId xmlns="" xmlns:a16="http://schemas.microsoft.com/office/drawing/2014/main" val="20000"/>
+                      <a16:colId xmlns:a16="http://schemas.microsoft.com/office/drawing/2014/main" xmlns="" val="20000"/>
                     </a:ext>
                   </a:extLst>
                 </a:gridCol>
@@ -18896,7 +18896,7 @@
                 </a:tc>
                 <a:extLst>
                   <a:ext uri="{0D108BD9-81ED-4DB2-BD59-A6C34878D82A}">
-                    <a16:rowId xmlns="" xmlns:a16="http://schemas.microsoft.com/office/drawing/2014/main" val="10000"/>
+                    <a16:rowId xmlns:a16="http://schemas.microsoft.com/office/drawing/2014/main" xmlns="" val="10000"/>
                   </a:ext>
                 </a:extLst>
               </a:tr>
@@ -18981,7 +18981,7 @@
                 </a:tc>
                 <a:extLst>
                   <a:ext uri="{0D108BD9-81ED-4DB2-BD59-A6C34878D82A}">
-                    <a16:rowId xmlns="" xmlns:a16="http://schemas.microsoft.com/office/drawing/2014/main" val="10001"/>
+                    <a16:rowId xmlns:a16="http://schemas.microsoft.com/office/drawing/2014/main" xmlns="" val="10001"/>
                   </a:ext>
                 </a:extLst>
               </a:tr>
@@ -19085,7 +19085,7 @@
                 </a:tc>
                 <a:extLst>
                   <a:ext uri="{0D108BD9-81ED-4DB2-BD59-A6C34878D82A}">
-                    <a16:rowId xmlns="" xmlns:a16="http://schemas.microsoft.com/office/drawing/2014/main" val="10002"/>
+                    <a16:rowId xmlns:a16="http://schemas.microsoft.com/office/drawing/2014/main" xmlns="" val="10002"/>
                   </a:ext>
                 </a:extLst>
               </a:tr>
@@ -19098,7 +19098,7 @@
           <p:cNvPr id="17" name="그림 16">
             <a:extLst>
               <a:ext uri="{FF2B5EF4-FFF2-40B4-BE49-F238E27FC236}">
-                <a16:creationId xmlns="" xmlns:a16="http://schemas.microsoft.com/office/drawing/2014/main" id="{0AAEC669-0C7D-4EE0-A031-3E59A3CBEB69}"/>
+                <a16:creationId xmlns:a16="http://schemas.microsoft.com/office/drawing/2014/main" xmlns="" id="{0AAEC669-0C7D-4EE0-A031-3E59A3CBEB69}"/>
               </a:ext>
             </a:extLst>
           </p:cNvPr>
@@ -19111,7 +19111,7 @@
           <a:blip r:embed="rId2" cstate="print">
             <a:extLst>
               <a:ext uri="{28A0092B-C50C-407E-A947-70E740481C1C}">
-                <a14:useLocalDpi xmlns="" xmlns:a14="http://schemas.microsoft.com/office/drawing/2010/main" val="0"/>
+                <a14:useLocalDpi xmlns:a14="http://schemas.microsoft.com/office/drawing/2010/main" xmlns="" val="0"/>
               </a:ext>
             </a:extLst>
           </a:blip>
@@ -19139,7 +19139,7 @@
           <p:cNvPr id="19" name="TextBox 18">
             <a:extLst>
               <a:ext uri="{FF2B5EF4-FFF2-40B4-BE49-F238E27FC236}">
-                <a16:creationId xmlns="" xmlns:a16="http://schemas.microsoft.com/office/drawing/2014/main" id="{08887152-4A96-4FCC-AC0C-20E5DFC597E0}"/>
+                <a16:creationId xmlns:a16="http://schemas.microsoft.com/office/drawing/2014/main" xmlns="" id="{08887152-4A96-4FCC-AC0C-20E5DFC597E0}"/>
               </a:ext>
             </a:extLst>
           </p:cNvPr>
@@ -19148,7 +19148,7 @@
         </p:nvSpPr>
         <p:spPr>
           <a:xfrm>
-            <a:off x="1433563" y="568526"/>
+            <a:off x="1433563" y="555526"/>
             <a:ext cx="5764931" cy="369332"/>
           </a:xfrm>
           <a:prstGeom prst="rect">
@@ -19164,15 +19164,15 @@
           <a:p>
             <a:r>
               <a:rPr lang="en-US" altLang="ko-KR" dirty="0">
-                <a:latin typeface="10X10" panose="020D0604000000000000" pitchFamily="50" charset="-127"/>
-                <a:ea typeface="10X10" panose="020D0604000000000000" pitchFamily="50" charset="-127"/>
+                <a:latin typeface="나눔스퀘어 Bold" pitchFamily="50" charset="-127"/>
+                <a:ea typeface="나눔스퀘어 Bold" pitchFamily="50" charset="-127"/>
               </a:rPr>
               <a:t>ERD - </a:t>
             </a:r>
             <a:r>
               <a:rPr lang="ko-KR" altLang="en-US" dirty="0">
-                <a:latin typeface="10X10" panose="020D0604000000000000" pitchFamily="50" charset="-127"/>
-                <a:ea typeface="10X10" panose="020D0604000000000000" pitchFamily="50" charset="-127"/>
+                <a:latin typeface="나눔스퀘어 Bold" pitchFamily="50" charset="-127"/>
+                <a:ea typeface="나눔스퀘어 Bold" pitchFamily="50" charset="-127"/>
               </a:rPr>
               <a:t>수강생</a:t>
             </a:r>
@@ -19184,7 +19184,7 @@
           <p:cNvPr id="20" name="TextBox 19">
             <a:extLst>
               <a:ext uri="{FF2B5EF4-FFF2-40B4-BE49-F238E27FC236}">
-                <a16:creationId xmlns="" xmlns:a16="http://schemas.microsoft.com/office/drawing/2014/main" id="{817B01FC-760C-443B-823A-528D79C32133}"/>
+                <a16:creationId xmlns:a16="http://schemas.microsoft.com/office/drawing/2014/main" xmlns="" id="{817B01FC-760C-443B-823A-528D79C32133}"/>
               </a:ext>
             </a:extLst>
           </p:cNvPr>
@@ -19230,7 +19230,7 @@
     </p:spTree>
     <p:extLst>
       <p:ext uri="{BB962C8B-B14F-4D97-AF65-F5344CB8AC3E}">
-        <p14:creationId xmlns="" xmlns:p14="http://schemas.microsoft.com/office/powerpoint/2010/main" val="2439963436"/>
+        <p14:creationId xmlns:p14="http://schemas.microsoft.com/office/powerpoint/2010/main" xmlns="" val="2439963436"/>
       </p:ext>
     </p:extLst>
   </p:cSld>
@@ -19238,7 +19238,7 @@
     <a:masterClrMapping/>
   </p:clrMapOvr>
   <mc:AlternateContent xmlns:mc="http://schemas.openxmlformats.org/markup-compatibility/2006">
-    <mc:Choice xmlns="" xmlns:p14="http://schemas.microsoft.com/office/powerpoint/2010/main" Requires="p14">
+    <mc:Choice xmlns:p14="http://schemas.microsoft.com/office/powerpoint/2010/main" xmlns="" Requires="p14">
       <p:transition spd="med" p14:dur="700">
         <p:fade/>
       </p:transition>
@@ -19312,7 +19312,7 @@
           <p:cNvPr id="10" name="직사각형 9">
             <a:extLst>
               <a:ext uri="{FF2B5EF4-FFF2-40B4-BE49-F238E27FC236}">
-                <a16:creationId xmlns="" xmlns:a16="http://schemas.microsoft.com/office/drawing/2014/main" id="{64617F76-3FBE-4D83-A2FE-EA87BE6C672A}"/>
+                <a16:creationId xmlns:a16="http://schemas.microsoft.com/office/drawing/2014/main" xmlns="" id="{64617F76-3FBE-4D83-A2FE-EA87BE6C672A}"/>
               </a:ext>
             </a:extLst>
           </p:cNvPr>
@@ -19384,7 +19384,7 @@
           <p:cNvPr id="22" name="표 21">
             <a:extLst>
               <a:ext uri="{FF2B5EF4-FFF2-40B4-BE49-F238E27FC236}">
-                <a16:creationId xmlns="" xmlns:a16="http://schemas.microsoft.com/office/drawing/2014/main" id="{1DAF5372-8FFF-4A92-A5A5-5FA0001F950D}"/>
+                <a16:creationId xmlns:a16="http://schemas.microsoft.com/office/drawing/2014/main" xmlns="" id="{1DAF5372-8FFF-4A92-A5A5-5FA0001F950D}"/>
               </a:ext>
             </a:extLst>
           </p:cNvPr>
@@ -19394,7 +19394,7 @@
           <p:nvPr>
             <p:extLst>
               <p:ext uri="{D42A27DB-BD31-4B8C-83A1-F6EECF244321}">
-                <p14:modId xmlns="" xmlns:p14="http://schemas.microsoft.com/office/powerpoint/2010/main" val="2192646974"/>
+                <p14:modId xmlns:p14="http://schemas.microsoft.com/office/powerpoint/2010/main" xmlns="" val="2192646974"/>
               </p:ext>
             </p:extLst>
           </p:nvPr>
@@ -19413,7 +19413,7 @@
                 <a:gridCol w="2880320">
                   <a:extLst>
                     <a:ext uri="{9D8B030D-6E8A-4147-A177-3AD203B41FA5}">
-                      <a16:colId xmlns="" xmlns:a16="http://schemas.microsoft.com/office/drawing/2014/main" val="20000"/>
+                      <a16:colId xmlns:a16="http://schemas.microsoft.com/office/drawing/2014/main" xmlns="" val="20000"/>
                     </a:ext>
                   </a:extLst>
                 </a:gridCol>
@@ -19533,7 +19533,7 @@
                 </a:tc>
                 <a:extLst>
                   <a:ext uri="{0D108BD9-81ED-4DB2-BD59-A6C34878D82A}">
-                    <a16:rowId xmlns="" xmlns:a16="http://schemas.microsoft.com/office/drawing/2014/main" val="10000"/>
+                    <a16:rowId xmlns:a16="http://schemas.microsoft.com/office/drawing/2014/main" xmlns="" val="10000"/>
                   </a:ext>
                 </a:extLst>
               </a:tr>
@@ -19618,7 +19618,7 @@
                 </a:tc>
                 <a:extLst>
                   <a:ext uri="{0D108BD9-81ED-4DB2-BD59-A6C34878D82A}">
-                    <a16:rowId xmlns="" xmlns:a16="http://schemas.microsoft.com/office/drawing/2014/main" val="10001"/>
+                    <a16:rowId xmlns:a16="http://schemas.microsoft.com/office/drawing/2014/main" xmlns="" val="10001"/>
                   </a:ext>
                 </a:extLst>
               </a:tr>
@@ -19708,7 +19708,7 @@
                 </a:tc>
                 <a:extLst>
                   <a:ext uri="{0D108BD9-81ED-4DB2-BD59-A6C34878D82A}">
-                    <a16:rowId xmlns="" xmlns:a16="http://schemas.microsoft.com/office/drawing/2014/main" val="10002"/>
+                    <a16:rowId xmlns:a16="http://schemas.microsoft.com/office/drawing/2014/main" xmlns="" val="10002"/>
                   </a:ext>
                 </a:extLst>
               </a:tr>
@@ -19721,7 +19721,7 @@
           <p:cNvPr id="19" name="TextBox 18">
             <a:extLst>
               <a:ext uri="{FF2B5EF4-FFF2-40B4-BE49-F238E27FC236}">
-                <a16:creationId xmlns="" xmlns:a16="http://schemas.microsoft.com/office/drawing/2014/main" id="{08887152-4A96-4FCC-AC0C-20E5DFC597E0}"/>
+                <a16:creationId xmlns:a16="http://schemas.microsoft.com/office/drawing/2014/main" xmlns="" id="{08887152-4A96-4FCC-AC0C-20E5DFC597E0}"/>
               </a:ext>
             </a:extLst>
           </p:cNvPr>
@@ -19746,29 +19746,29 @@
           <a:p>
             <a:r>
               <a:rPr lang="en-US" altLang="ko-KR" dirty="0">
-                <a:latin typeface="10X10" panose="020D0604000000000000" pitchFamily="50" charset="-127"/>
-                <a:ea typeface="10X10" panose="020D0604000000000000" pitchFamily="50" charset="-127"/>
+                <a:latin typeface="나눔스퀘어 Bold" pitchFamily="50" charset="-127"/>
+                <a:ea typeface="나눔스퀘어 Bold" pitchFamily="50" charset="-127"/>
               </a:rPr>
               <a:t>ERD – </a:t>
             </a:r>
             <a:r>
               <a:rPr lang="ko-KR" altLang="en-US" dirty="0">
-                <a:latin typeface="10X10" panose="020D0604000000000000" pitchFamily="50" charset="-127"/>
-                <a:ea typeface="10X10" panose="020D0604000000000000" pitchFamily="50" charset="-127"/>
+                <a:latin typeface="나눔스퀘어 Bold" pitchFamily="50" charset="-127"/>
+                <a:ea typeface="나눔스퀘어 Bold" pitchFamily="50" charset="-127"/>
               </a:rPr>
               <a:t>과목 </a:t>
             </a:r>
             <a:r>
               <a:rPr lang="en-US" altLang="ko-KR" dirty="0">
-                <a:latin typeface="10X10" panose="020D0604000000000000" pitchFamily="50" charset="-127"/>
-                <a:ea typeface="10X10" panose="020D0604000000000000" pitchFamily="50" charset="-127"/>
+                <a:latin typeface="나눔스퀘어 Bold" pitchFamily="50" charset="-127"/>
+                <a:ea typeface="나눔스퀘어 Bold" pitchFamily="50" charset="-127"/>
               </a:rPr>
               <a:t>&amp; </a:t>
             </a:r>
             <a:r>
               <a:rPr lang="ko-KR" altLang="en-US" dirty="0">
-                <a:latin typeface="10X10" panose="020D0604000000000000" pitchFamily="50" charset="-127"/>
-                <a:ea typeface="10X10" panose="020D0604000000000000" pitchFamily="50" charset="-127"/>
+                <a:latin typeface="나눔스퀘어 Bold" pitchFamily="50" charset="-127"/>
+                <a:ea typeface="나눔스퀘어 Bold" pitchFamily="50" charset="-127"/>
               </a:rPr>
               <a:t>프로젝트</a:t>
             </a:r>
@@ -19780,7 +19780,7 @@
           <p:cNvPr id="20" name="TextBox 19">
             <a:extLst>
               <a:ext uri="{FF2B5EF4-FFF2-40B4-BE49-F238E27FC236}">
-                <a16:creationId xmlns="" xmlns:a16="http://schemas.microsoft.com/office/drawing/2014/main" id="{817B01FC-760C-443B-823A-528D79C32133}"/>
+                <a16:creationId xmlns:a16="http://schemas.microsoft.com/office/drawing/2014/main" xmlns="" id="{817B01FC-760C-443B-823A-528D79C32133}"/>
               </a:ext>
             </a:extLst>
           </p:cNvPr>
@@ -19828,7 +19828,7 @@
           <p:cNvPr id="3" name="그림 2">
             <a:extLst>
               <a:ext uri="{FF2B5EF4-FFF2-40B4-BE49-F238E27FC236}">
-                <a16:creationId xmlns="" xmlns:a16="http://schemas.microsoft.com/office/drawing/2014/main" id="{2C521542-8EF6-4F38-905C-65F9DD446603}"/>
+                <a16:creationId xmlns:a16="http://schemas.microsoft.com/office/drawing/2014/main" xmlns="" id="{2C521542-8EF6-4F38-905C-65F9DD446603}"/>
               </a:ext>
             </a:extLst>
           </p:cNvPr>
@@ -19841,7 +19841,7 @@
           <a:blip r:embed="rId2" cstate="print">
             <a:extLst>
               <a:ext uri="{28A0092B-C50C-407E-A947-70E740481C1C}">
-                <a14:useLocalDpi xmlns="" xmlns:a14="http://schemas.microsoft.com/office/drawing/2010/main" val="0"/>
+                <a14:useLocalDpi xmlns:a14="http://schemas.microsoft.com/office/drawing/2010/main" xmlns="" val="0"/>
               </a:ext>
             </a:extLst>
           </a:blip>
@@ -19869,7 +19869,7 @@
           <p:cNvPr id="6" name="그림 5">
             <a:extLst>
               <a:ext uri="{FF2B5EF4-FFF2-40B4-BE49-F238E27FC236}">
-                <a16:creationId xmlns="" xmlns:a16="http://schemas.microsoft.com/office/drawing/2014/main" id="{C79FED55-DC83-4BCE-AC60-CD7E1D970936}"/>
+                <a16:creationId xmlns:a16="http://schemas.microsoft.com/office/drawing/2014/main" xmlns="" id="{C79FED55-DC83-4BCE-AC60-CD7E1D970936}"/>
               </a:ext>
             </a:extLst>
           </p:cNvPr>
@@ -19882,7 +19882,7 @@
           <a:blip r:embed="rId3" cstate="print">
             <a:extLst>
               <a:ext uri="{28A0092B-C50C-407E-A947-70E740481C1C}">
-                <a14:useLocalDpi xmlns="" xmlns:a14="http://schemas.microsoft.com/office/drawing/2010/main" val="0"/>
+                <a14:useLocalDpi xmlns:a14="http://schemas.microsoft.com/office/drawing/2010/main" xmlns="" val="0"/>
               </a:ext>
             </a:extLst>
           </a:blip>
@@ -19908,7 +19908,7 @@
     </p:spTree>
     <p:extLst>
       <p:ext uri="{BB962C8B-B14F-4D97-AF65-F5344CB8AC3E}">
-        <p14:creationId xmlns="" xmlns:p14="http://schemas.microsoft.com/office/powerpoint/2010/main" val="2129670835"/>
+        <p14:creationId xmlns:p14="http://schemas.microsoft.com/office/powerpoint/2010/main" xmlns="" val="2129670835"/>
       </p:ext>
     </p:extLst>
   </p:cSld>
@@ -19916,7 +19916,7 @@
     <a:masterClrMapping/>
   </p:clrMapOvr>
   <mc:AlternateContent xmlns:mc="http://schemas.openxmlformats.org/markup-compatibility/2006">
-    <mc:Choice xmlns="" xmlns:p14="http://schemas.microsoft.com/office/powerpoint/2010/main" Requires="p14">
+    <mc:Choice xmlns:p14="http://schemas.microsoft.com/office/powerpoint/2010/main" xmlns="" Requires="p14">
       <p:transition spd="med" p14:dur="700">
         <p:fade/>
       </p:transition>
@@ -19990,7 +19990,7 @@
           <p:cNvPr id="10" name="직사각형 9">
             <a:extLst>
               <a:ext uri="{FF2B5EF4-FFF2-40B4-BE49-F238E27FC236}">
-                <a16:creationId xmlns="" xmlns:a16="http://schemas.microsoft.com/office/drawing/2014/main" id="{64617F76-3FBE-4D83-A2FE-EA87BE6C672A}"/>
+                <a16:creationId xmlns:a16="http://schemas.microsoft.com/office/drawing/2014/main" xmlns="" id="{64617F76-3FBE-4D83-A2FE-EA87BE6C672A}"/>
               </a:ext>
             </a:extLst>
           </p:cNvPr>
@@ -20062,7 +20062,7 @@
           <p:cNvPr id="22" name="표 21">
             <a:extLst>
               <a:ext uri="{FF2B5EF4-FFF2-40B4-BE49-F238E27FC236}">
-                <a16:creationId xmlns="" xmlns:a16="http://schemas.microsoft.com/office/drawing/2014/main" id="{1DAF5372-8FFF-4A92-A5A5-5FA0001F950D}"/>
+                <a16:creationId xmlns:a16="http://schemas.microsoft.com/office/drawing/2014/main" xmlns="" id="{1DAF5372-8FFF-4A92-A5A5-5FA0001F950D}"/>
               </a:ext>
             </a:extLst>
           </p:cNvPr>
@@ -20072,7 +20072,7 @@
           <p:nvPr>
             <p:extLst>
               <p:ext uri="{D42A27DB-BD31-4B8C-83A1-F6EECF244321}">
-                <p14:modId xmlns="" xmlns:p14="http://schemas.microsoft.com/office/powerpoint/2010/main" val="3307304461"/>
+                <p14:modId xmlns:p14="http://schemas.microsoft.com/office/powerpoint/2010/main" xmlns="" val="3307304461"/>
               </p:ext>
             </p:extLst>
           </p:nvPr>
@@ -20091,7 +20091,7 @@
                 <a:gridCol w="3240360">
                   <a:extLst>
                     <a:ext uri="{9D8B030D-6E8A-4147-A177-3AD203B41FA5}">
-                      <a16:colId xmlns="" xmlns:a16="http://schemas.microsoft.com/office/drawing/2014/main" val="20000"/>
+                      <a16:colId xmlns:a16="http://schemas.microsoft.com/office/drawing/2014/main" xmlns="" val="20000"/>
                     </a:ext>
                   </a:extLst>
                 </a:gridCol>
@@ -20197,7 +20197,7 @@
                 </a:tc>
                 <a:extLst>
                   <a:ext uri="{0D108BD9-81ED-4DB2-BD59-A6C34878D82A}">
-                    <a16:rowId xmlns="" xmlns:a16="http://schemas.microsoft.com/office/drawing/2014/main" val="10000"/>
+                    <a16:rowId xmlns:a16="http://schemas.microsoft.com/office/drawing/2014/main" xmlns="" val="10000"/>
                   </a:ext>
                 </a:extLst>
               </a:tr>
@@ -20282,7 +20282,7 @@
                 </a:tc>
                 <a:extLst>
                   <a:ext uri="{0D108BD9-81ED-4DB2-BD59-A6C34878D82A}">
-                    <a16:rowId xmlns="" xmlns:a16="http://schemas.microsoft.com/office/drawing/2014/main" val="10001"/>
+                    <a16:rowId xmlns:a16="http://schemas.microsoft.com/office/drawing/2014/main" xmlns="" val="10001"/>
                   </a:ext>
                 </a:extLst>
               </a:tr>
@@ -20424,7 +20424,7 @@
                 </a:tc>
                 <a:extLst>
                   <a:ext uri="{0D108BD9-81ED-4DB2-BD59-A6C34878D82A}">
-                    <a16:rowId xmlns="" xmlns:a16="http://schemas.microsoft.com/office/drawing/2014/main" val="10002"/>
+                    <a16:rowId xmlns:a16="http://schemas.microsoft.com/office/drawing/2014/main" xmlns="" val="10002"/>
                   </a:ext>
                 </a:extLst>
               </a:tr>
@@ -20437,7 +20437,7 @@
           <p:cNvPr id="19" name="TextBox 18">
             <a:extLst>
               <a:ext uri="{FF2B5EF4-FFF2-40B4-BE49-F238E27FC236}">
-                <a16:creationId xmlns="" xmlns:a16="http://schemas.microsoft.com/office/drawing/2014/main" id="{08887152-4A96-4FCC-AC0C-20E5DFC597E0}"/>
+                <a16:creationId xmlns:a16="http://schemas.microsoft.com/office/drawing/2014/main" xmlns="" id="{08887152-4A96-4FCC-AC0C-20E5DFC597E0}"/>
               </a:ext>
             </a:extLst>
           </p:cNvPr>
@@ -20462,15 +20462,15 @@
           <a:p>
             <a:r>
               <a:rPr lang="en-US" altLang="ko-KR" dirty="0">
-                <a:latin typeface="10X10" panose="020D0604000000000000" pitchFamily="50" charset="-127"/>
-                <a:ea typeface="10X10" panose="020D0604000000000000" pitchFamily="50" charset="-127"/>
+                <a:latin typeface="나눔스퀘어 Bold" pitchFamily="50" charset="-127"/>
+                <a:ea typeface="나눔스퀘어 Bold" pitchFamily="50" charset="-127"/>
               </a:rPr>
               <a:t>ERD - </a:t>
             </a:r>
             <a:r>
               <a:rPr lang="ko-KR" altLang="en-US" dirty="0">
-                <a:latin typeface="10X10" panose="020D0604000000000000" pitchFamily="50" charset="-127"/>
-                <a:ea typeface="10X10" panose="020D0604000000000000" pitchFamily="50" charset="-127"/>
+                <a:latin typeface="나눔스퀘어 Bold" pitchFamily="50" charset="-127"/>
+                <a:ea typeface="나눔스퀘어 Bold" pitchFamily="50" charset="-127"/>
               </a:rPr>
               <a:t>기업</a:t>
             </a:r>
@@ -20482,7 +20482,7 @@
           <p:cNvPr id="20" name="TextBox 19">
             <a:extLst>
               <a:ext uri="{FF2B5EF4-FFF2-40B4-BE49-F238E27FC236}">
-                <a16:creationId xmlns="" xmlns:a16="http://schemas.microsoft.com/office/drawing/2014/main" id="{817B01FC-760C-443B-823A-528D79C32133}"/>
+                <a16:creationId xmlns:a16="http://schemas.microsoft.com/office/drawing/2014/main" xmlns="" id="{817B01FC-760C-443B-823A-528D79C32133}"/>
               </a:ext>
             </a:extLst>
           </p:cNvPr>
@@ -20530,7 +20530,7 @@
           <p:cNvPr id="3" name="그림 2">
             <a:extLst>
               <a:ext uri="{FF2B5EF4-FFF2-40B4-BE49-F238E27FC236}">
-                <a16:creationId xmlns="" xmlns:a16="http://schemas.microsoft.com/office/drawing/2014/main" id="{53AFA8E7-A1D3-4474-9FBC-573CF1E958CB}"/>
+                <a16:creationId xmlns:a16="http://schemas.microsoft.com/office/drawing/2014/main" xmlns="" id="{53AFA8E7-A1D3-4474-9FBC-573CF1E958CB}"/>
               </a:ext>
             </a:extLst>
           </p:cNvPr>
@@ -20543,7 +20543,7 @@
           <a:blip r:embed="rId2" cstate="print">
             <a:extLst>
               <a:ext uri="{28A0092B-C50C-407E-A947-70E740481C1C}">
-                <a14:useLocalDpi xmlns="" xmlns:a14="http://schemas.microsoft.com/office/drawing/2010/main" val="0"/>
+                <a14:useLocalDpi xmlns:a14="http://schemas.microsoft.com/office/drawing/2010/main" xmlns="" val="0"/>
               </a:ext>
             </a:extLst>
           </a:blip>
@@ -20569,7 +20569,7 @@
     </p:spTree>
     <p:extLst>
       <p:ext uri="{BB962C8B-B14F-4D97-AF65-F5344CB8AC3E}">
-        <p14:creationId xmlns="" xmlns:p14="http://schemas.microsoft.com/office/powerpoint/2010/main" val="2852307447"/>
+        <p14:creationId xmlns:p14="http://schemas.microsoft.com/office/powerpoint/2010/main" xmlns="" val="2852307447"/>
       </p:ext>
     </p:extLst>
   </p:cSld>
@@ -20577,7 +20577,7 @@
     <a:masterClrMapping/>
   </p:clrMapOvr>
   <mc:AlternateContent xmlns:mc="http://schemas.openxmlformats.org/markup-compatibility/2006">
-    <mc:Choice xmlns="" xmlns:p14="http://schemas.microsoft.com/office/powerpoint/2010/main" Requires="p14">
+    <mc:Choice xmlns:p14="http://schemas.microsoft.com/office/powerpoint/2010/main" xmlns="" Requires="p14">
       <p:transition spd="med" p14:dur="700">
         <p:fade/>
       </p:transition>
@@ -20651,7 +20651,7 @@
           <p:cNvPr id="10" name="직사각형 9">
             <a:extLst>
               <a:ext uri="{FF2B5EF4-FFF2-40B4-BE49-F238E27FC236}">
-                <a16:creationId xmlns="" xmlns:a16="http://schemas.microsoft.com/office/drawing/2014/main" id="{64617F76-3FBE-4D83-A2FE-EA87BE6C672A}"/>
+                <a16:creationId xmlns:a16="http://schemas.microsoft.com/office/drawing/2014/main" xmlns="" id="{64617F76-3FBE-4D83-A2FE-EA87BE6C672A}"/>
               </a:ext>
             </a:extLst>
           </p:cNvPr>
@@ -20723,7 +20723,7 @@
           <p:cNvPr id="22" name="표 21">
             <a:extLst>
               <a:ext uri="{FF2B5EF4-FFF2-40B4-BE49-F238E27FC236}">
-                <a16:creationId xmlns="" xmlns:a16="http://schemas.microsoft.com/office/drawing/2014/main" id="{1DAF5372-8FFF-4A92-A5A5-5FA0001F950D}"/>
+                <a16:creationId xmlns:a16="http://schemas.microsoft.com/office/drawing/2014/main" xmlns="" id="{1DAF5372-8FFF-4A92-A5A5-5FA0001F950D}"/>
               </a:ext>
             </a:extLst>
           </p:cNvPr>
@@ -20748,7 +20748,7 @@
                 <a:gridCol w="3240360">
                   <a:extLst>
                     <a:ext uri="{9D8B030D-6E8A-4147-A177-3AD203B41FA5}">
-                      <a16:colId xmlns="" xmlns:a16="http://schemas.microsoft.com/office/drawing/2014/main" val="20000"/>
+                      <a16:colId xmlns:a16="http://schemas.microsoft.com/office/drawing/2014/main" xmlns="" val="20000"/>
                     </a:ext>
                   </a:extLst>
                 </a:gridCol>
@@ -20854,7 +20854,7 @@
                 </a:tc>
                 <a:extLst>
                   <a:ext uri="{0D108BD9-81ED-4DB2-BD59-A6C34878D82A}">
-                    <a16:rowId xmlns="" xmlns:a16="http://schemas.microsoft.com/office/drawing/2014/main" val="10000"/>
+                    <a16:rowId xmlns:a16="http://schemas.microsoft.com/office/drawing/2014/main" xmlns="" val="10000"/>
                   </a:ext>
                 </a:extLst>
               </a:tr>
@@ -20939,7 +20939,7 @@
                 </a:tc>
                 <a:extLst>
                   <a:ext uri="{0D108BD9-81ED-4DB2-BD59-A6C34878D82A}">
-                    <a16:rowId xmlns="" xmlns:a16="http://schemas.microsoft.com/office/drawing/2014/main" val="10001"/>
+                    <a16:rowId xmlns:a16="http://schemas.microsoft.com/office/drawing/2014/main" xmlns="" val="10001"/>
                   </a:ext>
                 </a:extLst>
               </a:tr>
@@ -21057,7 +21057,7 @@
                 </a:tc>
                 <a:extLst>
                   <a:ext uri="{0D108BD9-81ED-4DB2-BD59-A6C34878D82A}">
-                    <a16:rowId xmlns="" xmlns:a16="http://schemas.microsoft.com/office/drawing/2014/main" val="10002"/>
+                    <a16:rowId xmlns:a16="http://schemas.microsoft.com/office/drawing/2014/main" xmlns="" val="10002"/>
                   </a:ext>
                 </a:extLst>
               </a:tr>
@@ -21070,7 +21070,7 @@
           <p:cNvPr id="19" name="TextBox 18">
             <a:extLst>
               <a:ext uri="{FF2B5EF4-FFF2-40B4-BE49-F238E27FC236}">
-                <a16:creationId xmlns="" xmlns:a16="http://schemas.microsoft.com/office/drawing/2014/main" id="{08887152-4A96-4FCC-AC0C-20E5DFC597E0}"/>
+                <a16:creationId xmlns:a16="http://schemas.microsoft.com/office/drawing/2014/main" xmlns="" id="{08887152-4A96-4FCC-AC0C-20E5DFC597E0}"/>
               </a:ext>
             </a:extLst>
           </p:cNvPr>
@@ -21095,15 +21095,15 @@
           <a:p>
             <a:r>
               <a:rPr lang="en-US" altLang="ko-KR" dirty="0">
-                <a:latin typeface="10X10" panose="020D0604000000000000" pitchFamily="50" charset="-127"/>
-                <a:ea typeface="10X10" panose="020D0604000000000000" pitchFamily="50" charset="-127"/>
+                <a:latin typeface="나눔스퀘어 Bold" pitchFamily="50" charset="-127"/>
+                <a:ea typeface="나눔스퀘어 Bold" pitchFamily="50" charset="-127"/>
               </a:rPr>
               <a:t>ERD - </a:t>
             </a:r>
             <a:r>
               <a:rPr lang="ko-KR" altLang="en-US" dirty="0">
-                <a:latin typeface="10X10" panose="020D0604000000000000" pitchFamily="50" charset="-127"/>
-                <a:ea typeface="10X10" panose="020D0604000000000000" pitchFamily="50" charset="-127"/>
+                <a:latin typeface="나눔스퀘어 Bold" pitchFamily="50" charset="-127"/>
+                <a:ea typeface="나눔스퀘어 Bold" pitchFamily="50" charset="-127"/>
               </a:rPr>
               <a:t>이력서</a:t>
             </a:r>
@@ -21115,7 +21115,7 @@
           <p:cNvPr id="20" name="TextBox 19">
             <a:extLst>
               <a:ext uri="{FF2B5EF4-FFF2-40B4-BE49-F238E27FC236}">
-                <a16:creationId xmlns="" xmlns:a16="http://schemas.microsoft.com/office/drawing/2014/main" id="{817B01FC-760C-443B-823A-528D79C32133}"/>
+                <a16:creationId xmlns:a16="http://schemas.microsoft.com/office/drawing/2014/main" xmlns="" id="{817B01FC-760C-443B-823A-528D79C32133}"/>
               </a:ext>
             </a:extLst>
           </p:cNvPr>
@@ -21163,7 +21163,7 @@
           <p:cNvPr id="4" name="그림 3">
             <a:extLst>
               <a:ext uri="{FF2B5EF4-FFF2-40B4-BE49-F238E27FC236}">
-                <a16:creationId xmlns="" xmlns:a16="http://schemas.microsoft.com/office/drawing/2014/main" id="{243BB24A-5AD9-479B-95F4-38C81A4D11FA}"/>
+                <a16:creationId xmlns:a16="http://schemas.microsoft.com/office/drawing/2014/main" xmlns="" id="{243BB24A-5AD9-479B-95F4-38C81A4D11FA}"/>
               </a:ext>
             </a:extLst>
           </p:cNvPr>
@@ -21176,7 +21176,7 @@
           <a:blip r:embed="rId2" cstate="print">
             <a:extLst>
               <a:ext uri="{28A0092B-C50C-407E-A947-70E740481C1C}">
-                <a14:useLocalDpi xmlns="" xmlns:a14="http://schemas.microsoft.com/office/drawing/2010/main" val="0"/>
+                <a14:useLocalDpi xmlns:a14="http://schemas.microsoft.com/office/drawing/2010/main" xmlns="" val="0"/>
               </a:ext>
             </a:extLst>
           </a:blip>
@@ -21202,7 +21202,7 @@
     </p:spTree>
     <p:extLst>
       <p:ext uri="{BB962C8B-B14F-4D97-AF65-F5344CB8AC3E}">
-        <p14:creationId xmlns="" xmlns:p14="http://schemas.microsoft.com/office/powerpoint/2010/main" val="2779956166"/>
+        <p14:creationId xmlns:p14="http://schemas.microsoft.com/office/powerpoint/2010/main" xmlns="" val="2779956166"/>
       </p:ext>
     </p:extLst>
   </p:cSld>
@@ -21210,7 +21210,7 @@
     <a:masterClrMapping/>
   </p:clrMapOvr>
   <mc:AlternateContent xmlns:mc="http://schemas.openxmlformats.org/markup-compatibility/2006">
-    <mc:Choice xmlns="" xmlns:p14="http://schemas.microsoft.com/office/powerpoint/2010/main" Requires="p14">
+    <mc:Choice xmlns:p14="http://schemas.microsoft.com/office/powerpoint/2010/main" xmlns="" Requires="p14">
       <p:transition spd="med" p14:dur="700">
         <p:fade/>
       </p:transition>
@@ -21284,7 +21284,7 @@
           <p:cNvPr id="10" name="직사각형 9">
             <a:extLst>
               <a:ext uri="{FF2B5EF4-FFF2-40B4-BE49-F238E27FC236}">
-                <a16:creationId xmlns="" xmlns:a16="http://schemas.microsoft.com/office/drawing/2014/main" id="{64617F76-3FBE-4D83-A2FE-EA87BE6C672A}"/>
+                <a16:creationId xmlns:a16="http://schemas.microsoft.com/office/drawing/2014/main" xmlns="" id="{64617F76-3FBE-4D83-A2FE-EA87BE6C672A}"/>
               </a:ext>
             </a:extLst>
           </p:cNvPr>
@@ -21356,7 +21356,7 @@
           <p:cNvPr id="22" name="표 21">
             <a:extLst>
               <a:ext uri="{FF2B5EF4-FFF2-40B4-BE49-F238E27FC236}">
-                <a16:creationId xmlns="" xmlns:a16="http://schemas.microsoft.com/office/drawing/2014/main" id="{1DAF5372-8FFF-4A92-A5A5-5FA0001F950D}"/>
+                <a16:creationId xmlns:a16="http://schemas.microsoft.com/office/drawing/2014/main" xmlns="" id="{1DAF5372-8FFF-4A92-A5A5-5FA0001F950D}"/>
               </a:ext>
             </a:extLst>
           </p:cNvPr>
@@ -21366,7 +21366,7 @@
           <p:nvPr>
             <p:extLst>
               <p:ext uri="{D42A27DB-BD31-4B8C-83A1-F6EECF244321}">
-                <p14:modId xmlns="" xmlns:p14="http://schemas.microsoft.com/office/powerpoint/2010/main" val="1101538682"/>
+                <p14:modId xmlns:p14="http://schemas.microsoft.com/office/powerpoint/2010/main" xmlns="" val="1101538682"/>
               </p:ext>
             </p:extLst>
           </p:nvPr>
@@ -21385,7 +21385,7 @@
                 <a:gridCol w="3240360">
                   <a:extLst>
                     <a:ext uri="{9D8B030D-6E8A-4147-A177-3AD203B41FA5}">
-                      <a16:colId xmlns="" xmlns:a16="http://schemas.microsoft.com/office/drawing/2014/main" val="20000"/>
+                      <a16:colId xmlns:a16="http://schemas.microsoft.com/office/drawing/2014/main" xmlns="" val="20000"/>
                     </a:ext>
                   </a:extLst>
                 </a:gridCol>
@@ -21512,7 +21512,7 @@
                 </a:tc>
                 <a:extLst>
                   <a:ext uri="{0D108BD9-81ED-4DB2-BD59-A6C34878D82A}">
-                    <a16:rowId xmlns="" xmlns:a16="http://schemas.microsoft.com/office/drawing/2014/main" val="10000"/>
+                    <a16:rowId xmlns:a16="http://schemas.microsoft.com/office/drawing/2014/main" xmlns="" val="10000"/>
                   </a:ext>
                 </a:extLst>
               </a:tr>
@@ -21611,7 +21611,7 @@
                 </a:tc>
                 <a:extLst>
                   <a:ext uri="{0D108BD9-81ED-4DB2-BD59-A6C34878D82A}">
-                    <a16:rowId xmlns="" xmlns:a16="http://schemas.microsoft.com/office/drawing/2014/main" val="10001"/>
+                    <a16:rowId xmlns:a16="http://schemas.microsoft.com/office/drawing/2014/main" xmlns="" val="10001"/>
                   </a:ext>
                 </a:extLst>
               </a:tr>
@@ -21701,7 +21701,7 @@
                 </a:tc>
                 <a:extLst>
                   <a:ext uri="{0D108BD9-81ED-4DB2-BD59-A6C34878D82A}">
-                    <a16:rowId xmlns="" xmlns:a16="http://schemas.microsoft.com/office/drawing/2014/main" val="10002"/>
+                    <a16:rowId xmlns:a16="http://schemas.microsoft.com/office/drawing/2014/main" xmlns="" val="10002"/>
                   </a:ext>
                 </a:extLst>
               </a:tr>
@@ -21714,7 +21714,7 @@
           <p:cNvPr id="19" name="TextBox 18">
             <a:extLst>
               <a:ext uri="{FF2B5EF4-FFF2-40B4-BE49-F238E27FC236}">
-                <a16:creationId xmlns="" xmlns:a16="http://schemas.microsoft.com/office/drawing/2014/main" id="{08887152-4A96-4FCC-AC0C-20E5DFC597E0}"/>
+                <a16:creationId xmlns:a16="http://schemas.microsoft.com/office/drawing/2014/main" xmlns="" id="{08887152-4A96-4FCC-AC0C-20E5DFC597E0}"/>
               </a:ext>
             </a:extLst>
           </p:cNvPr>
@@ -21739,35 +21739,35 @@
           <a:p>
             <a:r>
               <a:rPr lang="en-US" altLang="ko-KR" dirty="0">
-                <a:latin typeface="10X10" panose="020D0604000000000000" pitchFamily="50" charset="-127"/>
-                <a:ea typeface="10X10" panose="020D0604000000000000" pitchFamily="50" charset="-127"/>
+                <a:latin typeface="나눔스퀘어 Bold" pitchFamily="50" charset="-127"/>
+                <a:ea typeface="나눔스퀘어 Bold" pitchFamily="50" charset="-127"/>
               </a:rPr>
               <a:t>ERD – </a:t>
             </a:r>
             <a:r>
               <a:rPr lang="ko-KR" altLang="en-US" dirty="0">
-                <a:latin typeface="10X10" panose="020D0604000000000000" pitchFamily="50" charset="-127"/>
-                <a:ea typeface="10X10" panose="020D0604000000000000" pitchFamily="50" charset="-127"/>
+                <a:latin typeface="나눔스퀘어 Bold" pitchFamily="50" charset="-127"/>
+                <a:ea typeface="나눔스퀘어 Bold" pitchFamily="50" charset="-127"/>
               </a:rPr>
               <a:t>강사</a:t>
             </a:r>
             <a:r>
               <a:rPr lang="en-US" altLang="ko-KR" dirty="0">
-                <a:latin typeface="10X10" panose="020D0604000000000000" pitchFamily="50" charset="-127"/>
-                <a:ea typeface="10X10" panose="020D0604000000000000" pitchFamily="50" charset="-127"/>
+                <a:latin typeface="나눔스퀘어 Bold" pitchFamily="50" charset="-127"/>
+                <a:ea typeface="나눔스퀘어 Bold" pitchFamily="50" charset="-127"/>
               </a:rPr>
               <a:t>, </a:t>
             </a:r>
             <a:r>
               <a:rPr lang="ko-KR" altLang="en-US" dirty="0" err="1">
-                <a:latin typeface="10X10" panose="020D0604000000000000" pitchFamily="50" charset="-127"/>
-                <a:ea typeface="10X10" panose="020D0604000000000000" pitchFamily="50" charset="-127"/>
+                <a:latin typeface="나눔스퀘어 Bold" pitchFamily="50" charset="-127"/>
+                <a:ea typeface="나눔스퀘어 Bold" pitchFamily="50" charset="-127"/>
               </a:rPr>
               <a:t>매니져</a:t>
             </a:r>
             <a:endParaRPr lang="ko-KR" altLang="en-US" dirty="0">
-              <a:latin typeface="10X10" panose="020D0604000000000000" pitchFamily="50" charset="-127"/>
-              <a:ea typeface="10X10" panose="020D0604000000000000" pitchFamily="50" charset="-127"/>
+              <a:latin typeface="나눔스퀘어 Bold" pitchFamily="50" charset="-127"/>
+              <a:ea typeface="나눔스퀘어 Bold" pitchFamily="50" charset="-127"/>
             </a:endParaRPr>
           </a:p>
         </p:txBody>
@@ -21777,7 +21777,7 @@
           <p:cNvPr id="20" name="TextBox 19">
             <a:extLst>
               <a:ext uri="{FF2B5EF4-FFF2-40B4-BE49-F238E27FC236}">
-                <a16:creationId xmlns="" xmlns:a16="http://schemas.microsoft.com/office/drawing/2014/main" id="{817B01FC-760C-443B-823A-528D79C32133}"/>
+                <a16:creationId xmlns:a16="http://schemas.microsoft.com/office/drawing/2014/main" xmlns="" id="{817B01FC-760C-443B-823A-528D79C32133}"/>
               </a:ext>
             </a:extLst>
           </p:cNvPr>
@@ -21825,7 +21825,7 @@
           <p:cNvPr id="3" name="그림 2">
             <a:extLst>
               <a:ext uri="{FF2B5EF4-FFF2-40B4-BE49-F238E27FC236}">
-                <a16:creationId xmlns="" xmlns:a16="http://schemas.microsoft.com/office/drawing/2014/main" id="{7B12484F-B37A-405A-B824-5E709137853D}"/>
+                <a16:creationId xmlns:a16="http://schemas.microsoft.com/office/drawing/2014/main" xmlns="" id="{7B12484F-B37A-405A-B824-5E709137853D}"/>
               </a:ext>
             </a:extLst>
           </p:cNvPr>
@@ -21838,7 +21838,7 @@
           <a:blip r:embed="rId2" cstate="print">
             <a:extLst>
               <a:ext uri="{28A0092B-C50C-407E-A947-70E740481C1C}">
-                <a14:useLocalDpi xmlns="" xmlns:a14="http://schemas.microsoft.com/office/drawing/2010/main" val="0"/>
+                <a14:useLocalDpi xmlns:a14="http://schemas.microsoft.com/office/drawing/2010/main" xmlns="" val="0"/>
               </a:ext>
             </a:extLst>
           </a:blip>
@@ -21861,7 +21861,7 @@
           <p:cNvPr id="7" name="그림 6">
             <a:extLst>
               <a:ext uri="{FF2B5EF4-FFF2-40B4-BE49-F238E27FC236}">
-                <a16:creationId xmlns="" xmlns:a16="http://schemas.microsoft.com/office/drawing/2014/main" id="{9D8C4DB8-8C5A-43D0-99B2-3374F1AB86A7}"/>
+                <a16:creationId xmlns:a16="http://schemas.microsoft.com/office/drawing/2014/main" xmlns="" id="{9D8C4DB8-8C5A-43D0-99B2-3374F1AB86A7}"/>
               </a:ext>
             </a:extLst>
           </p:cNvPr>
@@ -21874,7 +21874,7 @@
           <a:blip r:embed="rId3" cstate="print">
             <a:extLst>
               <a:ext uri="{28A0092B-C50C-407E-A947-70E740481C1C}">
-                <a14:useLocalDpi xmlns="" xmlns:a14="http://schemas.microsoft.com/office/drawing/2010/main" val="0"/>
+                <a14:useLocalDpi xmlns:a14="http://schemas.microsoft.com/office/drawing/2010/main" xmlns="" val="0"/>
               </a:ext>
             </a:extLst>
           </a:blip>
@@ -21895,7 +21895,7 @@
     </p:spTree>
     <p:extLst>
       <p:ext uri="{BB962C8B-B14F-4D97-AF65-F5344CB8AC3E}">
-        <p14:creationId xmlns="" xmlns:p14="http://schemas.microsoft.com/office/powerpoint/2010/main" val="1782930912"/>
+        <p14:creationId xmlns:p14="http://schemas.microsoft.com/office/powerpoint/2010/main" xmlns="" val="1782930912"/>
       </p:ext>
     </p:extLst>
   </p:cSld>
@@ -21903,7 +21903,7 @@
     <a:masterClrMapping/>
   </p:clrMapOvr>
   <mc:AlternateContent xmlns:mc="http://schemas.openxmlformats.org/markup-compatibility/2006">
-    <mc:Choice xmlns="" xmlns:p14="http://schemas.microsoft.com/office/powerpoint/2010/main" Requires="p14">
+    <mc:Choice xmlns:p14="http://schemas.microsoft.com/office/powerpoint/2010/main" xmlns="" Requires="p14">
       <p:transition spd="med" p14:dur="700">
         <p:fade/>
       </p:transition>

--- a/최종 프로젝트3조.pptx
+++ b/최종 프로젝트3조.pptx
@@ -134,7 +134,7 @@
   </p:defaultTextStyle>
   <p:extLst>
     <p:ext uri="{EFAFB233-063F-42B5-8137-9DF3F51BA10A}">
-      <p15:sldGuideLst xmlns:p15="http://schemas.microsoft.com/office/powerpoint/2012/main" xmlns="">
+      <p15:sldGuideLst xmlns:p15="http://schemas.microsoft.com/office/powerpoint/2012/main">
         <p15:guide id="1" orient="horz" pos="1620">
           <p15:clr>
             <a:srgbClr val="A4A3A4"/>
@@ -406,7 +406,7 @@
     </p:spTree>
     <p:extLst>
       <p:ext uri="{BB962C8B-B14F-4D97-AF65-F5344CB8AC3E}">
-        <p14:creationId xmlns:p14="http://schemas.microsoft.com/office/powerpoint/2010/main" xmlns="" val="1534248213"/>
+        <p14:creationId xmlns:p14="http://schemas.microsoft.com/office/powerpoint/2010/main" val="1534248213"/>
       </p:ext>
     </p:extLst>
   </p:cSld>
@@ -526,7 +526,7 @@
     </p:spTree>
     <p:extLst>
       <p:ext uri="{BB962C8B-B14F-4D97-AF65-F5344CB8AC3E}">
-        <p14:creationId xmlns:p14="http://schemas.microsoft.com/office/powerpoint/2010/main" xmlns="" val="1848776554"/>
+        <p14:creationId xmlns:p14="http://schemas.microsoft.com/office/powerpoint/2010/main" val="1848776554"/>
       </p:ext>
     </p:extLst>
   </p:cSld>
@@ -556,7 +556,7 @@
     </p:spTree>
     <p:extLst>
       <p:ext uri="{BB962C8B-B14F-4D97-AF65-F5344CB8AC3E}">
-        <p14:creationId xmlns:p14="http://schemas.microsoft.com/office/powerpoint/2010/main" xmlns="" val="2146564503"/>
+        <p14:creationId xmlns:p14="http://schemas.microsoft.com/office/powerpoint/2010/main" val="2146564503"/>
       </p:ext>
     </p:extLst>
   </p:cSld>
@@ -586,7 +586,7 @@
     </p:spTree>
     <p:extLst>
       <p:ext uri="{BB962C8B-B14F-4D97-AF65-F5344CB8AC3E}">
-        <p14:creationId xmlns:p14="http://schemas.microsoft.com/office/powerpoint/2010/main" xmlns="" val="1128012849"/>
+        <p14:creationId xmlns:p14="http://schemas.microsoft.com/office/powerpoint/2010/main" val="1128012849"/>
       </p:ext>
     </p:extLst>
   </p:cSld>
@@ -616,7 +616,7 @@
     </p:spTree>
     <p:extLst>
       <p:ext uri="{BB962C8B-B14F-4D97-AF65-F5344CB8AC3E}">
-        <p14:creationId xmlns:p14="http://schemas.microsoft.com/office/powerpoint/2010/main" xmlns="" val="3697998567"/>
+        <p14:creationId xmlns:p14="http://schemas.microsoft.com/office/powerpoint/2010/main" val="3697998567"/>
       </p:ext>
     </p:extLst>
   </p:cSld>
@@ -928,7 +928,7 @@
     </p:spTree>
     <p:extLst>
       <p:ext uri="{BB962C8B-B14F-4D97-AF65-F5344CB8AC3E}">
-        <p14:creationId xmlns:p14="http://schemas.microsoft.com/office/powerpoint/2010/main" xmlns="" val="1750152943"/>
+        <p14:creationId xmlns:p14="http://schemas.microsoft.com/office/powerpoint/2010/main" val="1750152943"/>
       </p:ext>
     </p:extLst>
   </p:cSld>
@@ -958,7 +958,7 @@
     </p:spTree>
     <p:extLst>
       <p:ext uri="{BB962C8B-B14F-4D97-AF65-F5344CB8AC3E}">
-        <p14:creationId xmlns:p14="http://schemas.microsoft.com/office/powerpoint/2010/main" xmlns="" val="1544615451"/>
+        <p14:creationId xmlns:p14="http://schemas.microsoft.com/office/powerpoint/2010/main" val="1544615451"/>
       </p:ext>
     </p:extLst>
   </p:cSld>
@@ -1158,7 +1158,7 @@
     </p:spTree>
     <p:extLst>
       <p:ext uri="{BB962C8B-B14F-4D97-AF65-F5344CB8AC3E}">
-        <p14:creationId xmlns:p14="http://schemas.microsoft.com/office/powerpoint/2010/main" xmlns="" val="2156195717"/>
+        <p14:creationId xmlns:p14="http://schemas.microsoft.com/office/powerpoint/2010/main" val="2156195717"/>
       </p:ext>
     </p:extLst>
   </p:cSld>
@@ -1657,7 +1657,7 @@
     </p:spTree>
     <p:extLst>
       <p:ext uri="{BB962C8B-B14F-4D97-AF65-F5344CB8AC3E}">
-        <p14:creationId xmlns:p14="http://schemas.microsoft.com/office/powerpoint/2010/main" xmlns="" val="2985316826"/>
+        <p14:creationId xmlns:p14="http://schemas.microsoft.com/office/powerpoint/2010/main" val="2985316826"/>
       </p:ext>
     </p:extLst>
   </p:cSld>
@@ -2687,7 +2687,7 @@
     </p:spTree>
     <p:extLst>
       <p:ext uri="{BB962C8B-B14F-4D97-AF65-F5344CB8AC3E}">
-        <p14:creationId xmlns:p14="http://schemas.microsoft.com/office/powerpoint/2010/main" xmlns="" val="974357844"/>
+        <p14:creationId xmlns:p14="http://schemas.microsoft.com/office/powerpoint/2010/main" val="974357844"/>
       </p:ext>
     </p:extLst>
   </p:cSld>
@@ -3885,7 +3885,7 @@
     </p:spTree>
     <p:extLst>
       <p:ext uri="{BB962C8B-B14F-4D97-AF65-F5344CB8AC3E}">
-        <p14:creationId xmlns:p14="http://schemas.microsoft.com/office/powerpoint/2010/main" xmlns="" val="219139306"/>
+        <p14:creationId xmlns:p14="http://schemas.microsoft.com/office/powerpoint/2010/main" val="219139306"/>
       </p:ext>
     </p:extLst>
   </p:cSld>
@@ -4171,7 +4171,7 @@
     </p:spTree>
     <p:extLst>
       <p:ext uri="{BB962C8B-B14F-4D97-AF65-F5344CB8AC3E}">
-        <p14:creationId xmlns:p14="http://schemas.microsoft.com/office/powerpoint/2010/main" xmlns="" val="1060286032"/>
+        <p14:creationId xmlns:p14="http://schemas.microsoft.com/office/powerpoint/2010/main" val="1060286032"/>
       </p:ext>
     </p:extLst>
   </p:cSld>
@@ -4457,7 +4457,7 @@
     </p:spTree>
     <p:extLst>
       <p:ext uri="{BB962C8B-B14F-4D97-AF65-F5344CB8AC3E}">
-        <p14:creationId xmlns:p14="http://schemas.microsoft.com/office/powerpoint/2010/main" xmlns="" val="2765172383"/>
+        <p14:creationId xmlns:p14="http://schemas.microsoft.com/office/powerpoint/2010/main" val="2765172383"/>
       </p:ext>
     </p:extLst>
   </p:cSld>
@@ -4960,20 +4960,20 @@
     </p:spTree>
     <p:extLst>
       <p:ext uri="{BB962C8B-B14F-4D97-AF65-F5344CB8AC3E}">
-        <p14:creationId xmlns:p14="http://schemas.microsoft.com/office/powerpoint/2010/main" xmlns="" val="715981169"/>
+        <p14:creationId xmlns:p14="http://schemas.microsoft.com/office/powerpoint/2010/main" val="715981169"/>
       </p:ext>
     </p:extLst>
   </p:cSld>
   <p:clrMapOvr>
     <a:masterClrMapping/>
   </p:clrMapOvr>
-  <mc:AlternateContent xmlns:mc="http://schemas.openxmlformats.org/markup-compatibility/2006">
-    <mc:Choice xmlns:p14="http://schemas.microsoft.com/office/powerpoint/2010/main" xmlns="" Requires="p14">
+  <mc:AlternateContent xmlns:mc="http://schemas.openxmlformats.org/markup-compatibility/2006" xmlns:p14="http://schemas.microsoft.com/office/powerpoint/2010/main">
+    <mc:Choice Requires="p14">
       <p:transition spd="med" p14:dur="700">
         <p:fade/>
       </p:transition>
     </mc:Choice>
-    <mc:Fallback>
+    <mc:Fallback xmlns="">
       <p:transition spd="med">
         <p:fade/>
       </p:transition>
@@ -5046,7 +5046,7 @@
           <p:cNvPr id="8" name="TextBox 7">
             <a:extLst>
               <a:ext uri="{FF2B5EF4-FFF2-40B4-BE49-F238E27FC236}">
-                <a16:creationId xmlns:a16="http://schemas.microsoft.com/office/drawing/2014/main" xmlns="" id="{B2729330-CEB6-4A30-8588-5A38361E709E}"/>
+                <a16:creationId xmlns:a16="http://schemas.microsoft.com/office/drawing/2014/main" id="{B2729330-CEB6-4A30-8588-5A38361E709E}"/>
               </a:ext>
             </a:extLst>
           </p:cNvPr>
@@ -5182,7 +5182,7 @@
           <p:cNvPr id="10" name="TextBox 9">
             <a:extLst>
               <a:ext uri="{FF2B5EF4-FFF2-40B4-BE49-F238E27FC236}">
-                <a16:creationId xmlns:a16="http://schemas.microsoft.com/office/drawing/2014/main" xmlns="" id="{B56A1B63-19B2-45DF-BDFB-D49C8EA71FD3}"/>
+                <a16:creationId xmlns:a16="http://schemas.microsoft.com/office/drawing/2014/main" id="{B56A1B63-19B2-45DF-BDFB-D49C8EA71FD3}"/>
               </a:ext>
             </a:extLst>
           </p:cNvPr>
@@ -5234,7 +5234,7 @@
           <p:cNvPr id="3" name="그림 2">
             <a:extLst>
               <a:ext uri="{FF2B5EF4-FFF2-40B4-BE49-F238E27FC236}">
-                <a16:creationId xmlns:a16="http://schemas.microsoft.com/office/drawing/2014/main" xmlns="" id="{75D35D29-7EA4-4466-A719-BBF4FAE6E420}"/>
+                <a16:creationId xmlns:a16="http://schemas.microsoft.com/office/drawing/2014/main" id="{75D35D29-7EA4-4466-A719-BBF4FAE6E420}"/>
               </a:ext>
             </a:extLst>
           </p:cNvPr>
@@ -5247,7 +5247,7 @@
           <a:blip r:embed="rId2" cstate="print">
             <a:extLst>
               <a:ext uri="{28A0092B-C50C-407E-A947-70E740481C1C}">
-                <a14:useLocalDpi xmlns:a14="http://schemas.microsoft.com/office/drawing/2010/main" xmlns="" val="0"/>
+                <a14:useLocalDpi xmlns:a14="http://schemas.microsoft.com/office/drawing/2010/main" val="0"/>
               </a:ext>
             </a:extLst>
           </a:blip>
@@ -5275,7 +5275,7 @@
           <p:cNvPr id="9" name="그림 8">
             <a:extLst>
               <a:ext uri="{FF2B5EF4-FFF2-40B4-BE49-F238E27FC236}">
-                <a16:creationId xmlns:a16="http://schemas.microsoft.com/office/drawing/2014/main" xmlns="" id="{1055A031-14B7-441D-8C55-A399BBBC4E59}"/>
+                <a16:creationId xmlns:a16="http://schemas.microsoft.com/office/drawing/2014/main" id="{1055A031-14B7-441D-8C55-A399BBBC4E59}"/>
               </a:ext>
             </a:extLst>
           </p:cNvPr>
@@ -5288,7 +5288,7 @@
           <a:blip r:embed="rId3" cstate="print">
             <a:extLst>
               <a:ext uri="{28A0092B-C50C-407E-A947-70E740481C1C}">
-                <a14:useLocalDpi xmlns:a14="http://schemas.microsoft.com/office/drawing/2010/main" xmlns="" val="0"/>
+                <a14:useLocalDpi xmlns:a14="http://schemas.microsoft.com/office/drawing/2010/main" val="0"/>
               </a:ext>
             </a:extLst>
           </a:blip>
@@ -5314,20 +5314,20 @@
     </p:spTree>
     <p:extLst>
       <p:ext uri="{BB962C8B-B14F-4D97-AF65-F5344CB8AC3E}">
-        <p14:creationId xmlns:p14="http://schemas.microsoft.com/office/powerpoint/2010/main" xmlns="" val="3195634949"/>
+        <p14:creationId xmlns:p14="http://schemas.microsoft.com/office/powerpoint/2010/main" val="3195634949"/>
       </p:ext>
     </p:extLst>
   </p:cSld>
   <p:clrMapOvr>
     <a:masterClrMapping/>
   </p:clrMapOvr>
-  <mc:AlternateContent xmlns:mc="http://schemas.openxmlformats.org/markup-compatibility/2006">
-    <mc:Choice xmlns:p14="http://schemas.microsoft.com/office/powerpoint/2010/main" xmlns="" Requires="p14">
+  <mc:AlternateContent xmlns:mc="http://schemas.openxmlformats.org/markup-compatibility/2006" xmlns:p14="http://schemas.microsoft.com/office/powerpoint/2010/main">
+    <mc:Choice Requires="p14">
       <p:transition spd="med" p14:dur="700">
         <p:fade/>
       </p:transition>
     </mc:Choice>
-    <mc:Fallback>
+    <mc:Fallback xmlns="">
       <p:transition spd="med">
         <p:fade/>
       </p:transition>
@@ -5438,7 +5438,7 @@
           <p:cNvPr id="8" name="TextBox 7">
             <a:extLst>
               <a:ext uri="{FF2B5EF4-FFF2-40B4-BE49-F238E27FC236}">
-                <a16:creationId xmlns:a16="http://schemas.microsoft.com/office/drawing/2014/main" xmlns="" id="{B2729330-CEB6-4A30-8588-5A38361E709E}"/>
+                <a16:creationId xmlns:a16="http://schemas.microsoft.com/office/drawing/2014/main" id="{B2729330-CEB6-4A30-8588-5A38361E709E}"/>
               </a:ext>
             </a:extLst>
           </p:cNvPr>
@@ -5577,7 +5577,7 @@
           <p:cNvPr id="10" name="TextBox 9">
             <a:extLst>
               <a:ext uri="{FF2B5EF4-FFF2-40B4-BE49-F238E27FC236}">
-                <a16:creationId xmlns:a16="http://schemas.microsoft.com/office/drawing/2014/main" xmlns="" id="{B56A1B63-19B2-45DF-BDFB-D49C8EA71FD3}"/>
+                <a16:creationId xmlns:a16="http://schemas.microsoft.com/office/drawing/2014/main" id="{B56A1B63-19B2-45DF-BDFB-D49C8EA71FD3}"/>
               </a:ext>
             </a:extLst>
           </p:cNvPr>
@@ -5629,7 +5629,7 @@
           <p:cNvPr id="4" name="그림 3">
             <a:extLst>
               <a:ext uri="{FF2B5EF4-FFF2-40B4-BE49-F238E27FC236}">
-                <a16:creationId xmlns:a16="http://schemas.microsoft.com/office/drawing/2014/main" xmlns="" id="{52969E30-CCD5-4585-9926-D44257894A50}"/>
+                <a16:creationId xmlns:a16="http://schemas.microsoft.com/office/drawing/2014/main" id="{52969E30-CCD5-4585-9926-D44257894A50}"/>
               </a:ext>
             </a:extLst>
           </p:cNvPr>
@@ -5642,7 +5642,7 @@
           <a:blip r:embed="rId2" cstate="print">
             <a:extLst>
               <a:ext uri="{28A0092B-C50C-407E-A947-70E740481C1C}">
-                <a14:useLocalDpi xmlns:a14="http://schemas.microsoft.com/office/drawing/2010/main" xmlns="" val="0"/>
+                <a14:useLocalDpi xmlns:a14="http://schemas.microsoft.com/office/drawing/2010/main" val="0"/>
               </a:ext>
             </a:extLst>
           </a:blip>
@@ -5670,7 +5670,7 @@
           <p:cNvPr id="7" name="그림 6">
             <a:extLst>
               <a:ext uri="{FF2B5EF4-FFF2-40B4-BE49-F238E27FC236}">
-                <a16:creationId xmlns:a16="http://schemas.microsoft.com/office/drawing/2014/main" xmlns="" id="{FCCCFA58-E725-4173-AD94-428DF861C45E}"/>
+                <a16:creationId xmlns:a16="http://schemas.microsoft.com/office/drawing/2014/main" id="{FCCCFA58-E725-4173-AD94-428DF861C45E}"/>
               </a:ext>
             </a:extLst>
           </p:cNvPr>
@@ -5683,7 +5683,7 @@
           <a:blip r:embed="rId3" cstate="print">
             <a:extLst>
               <a:ext uri="{28A0092B-C50C-407E-A947-70E740481C1C}">
-                <a14:useLocalDpi xmlns:a14="http://schemas.microsoft.com/office/drawing/2010/main" xmlns="" val="0"/>
+                <a14:useLocalDpi xmlns:a14="http://schemas.microsoft.com/office/drawing/2010/main" val="0"/>
               </a:ext>
             </a:extLst>
           </a:blip>
@@ -5709,20 +5709,20 @@
     </p:spTree>
     <p:extLst>
       <p:ext uri="{BB962C8B-B14F-4D97-AF65-F5344CB8AC3E}">
-        <p14:creationId xmlns:p14="http://schemas.microsoft.com/office/powerpoint/2010/main" xmlns="" val="879718177"/>
+        <p14:creationId xmlns:p14="http://schemas.microsoft.com/office/powerpoint/2010/main" val="879718177"/>
       </p:ext>
     </p:extLst>
   </p:cSld>
   <p:clrMapOvr>
     <a:masterClrMapping/>
   </p:clrMapOvr>
-  <mc:AlternateContent xmlns:mc="http://schemas.openxmlformats.org/markup-compatibility/2006">
-    <mc:Choice xmlns:p14="http://schemas.microsoft.com/office/powerpoint/2010/main" xmlns="" Requires="p14">
+  <mc:AlternateContent xmlns:mc="http://schemas.openxmlformats.org/markup-compatibility/2006" xmlns:p14="http://schemas.microsoft.com/office/powerpoint/2010/main">
+    <mc:Choice Requires="p14">
       <p:transition spd="med" p14:dur="700">
         <p:fade/>
       </p:transition>
     </mc:Choice>
-    <mc:Fallback>
+    <mc:Fallback xmlns="">
       <p:transition spd="med">
         <p:fade/>
       </p:transition>
@@ -5833,7 +5833,7 @@
           <p:cNvPr id="8" name="TextBox 7">
             <a:extLst>
               <a:ext uri="{FF2B5EF4-FFF2-40B4-BE49-F238E27FC236}">
-                <a16:creationId xmlns:a16="http://schemas.microsoft.com/office/drawing/2014/main" xmlns="" id="{B2729330-CEB6-4A30-8588-5A38361E709E}"/>
+                <a16:creationId xmlns:a16="http://schemas.microsoft.com/office/drawing/2014/main" id="{B2729330-CEB6-4A30-8588-5A38361E709E}"/>
               </a:ext>
             </a:extLst>
           </p:cNvPr>
@@ -5907,7 +5907,7 @@
           <p:cNvPr id="10" name="TextBox 9">
             <a:extLst>
               <a:ext uri="{FF2B5EF4-FFF2-40B4-BE49-F238E27FC236}">
-                <a16:creationId xmlns:a16="http://schemas.microsoft.com/office/drawing/2014/main" xmlns="" id="{B56A1B63-19B2-45DF-BDFB-D49C8EA71FD3}"/>
+                <a16:creationId xmlns:a16="http://schemas.microsoft.com/office/drawing/2014/main" id="{B56A1B63-19B2-45DF-BDFB-D49C8EA71FD3}"/>
               </a:ext>
             </a:extLst>
           </p:cNvPr>
@@ -5959,7 +5959,7 @@
           <p:cNvPr id="3" name="그림 2">
             <a:extLst>
               <a:ext uri="{FF2B5EF4-FFF2-40B4-BE49-F238E27FC236}">
-                <a16:creationId xmlns:a16="http://schemas.microsoft.com/office/drawing/2014/main" xmlns="" id="{30CF940C-8226-4F48-8D0F-C1491DF7AF9F}"/>
+                <a16:creationId xmlns:a16="http://schemas.microsoft.com/office/drawing/2014/main" id="{30CF940C-8226-4F48-8D0F-C1491DF7AF9F}"/>
               </a:ext>
             </a:extLst>
           </p:cNvPr>
@@ -5972,7 +5972,7 @@
           <a:blip r:embed="rId2" cstate="print">
             <a:extLst>
               <a:ext uri="{28A0092B-C50C-407E-A947-70E740481C1C}">
-                <a14:useLocalDpi xmlns:a14="http://schemas.microsoft.com/office/drawing/2010/main" xmlns="" val="0"/>
+                <a14:useLocalDpi xmlns:a14="http://schemas.microsoft.com/office/drawing/2010/main" val="0"/>
               </a:ext>
             </a:extLst>
           </a:blip>
@@ -6000,7 +6000,7 @@
           <p:cNvPr id="9" name="그림 8">
             <a:extLst>
               <a:ext uri="{FF2B5EF4-FFF2-40B4-BE49-F238E27FC236}">
-                <a16:creationId xmlns:a16="http://schemas.microsoft.com/office/drawing/2014/main" xmlns="" id="{50064BE1-CC3E-4188-B4E9-EF15E1A2C7FC}"/>
+                <a16:creationId xmlns:a16="http://schemas.microsoft.com/office/drawing/2014/main" id="{50064BE1-CC3E-4188-B4E9-EF15E1A2C7FC}"/>
               </a:ext>
             </a:extLst>
           </p:cNvPr>
@@ -6013,7 +6013,7 @@
           <a:blip r:embed="rId3" cstate="print">
             <a:extLst>
               <a:ext uri="{28A0092B-C50C-407E-A947-70E740481C1C}">
-                <a14:useLocalDpi xmlns:a14="http://schemas.microsoft.com/office/drawing/2010/main" xmlns="" val="0"/>
+                <a14:useLocalDpi xmlns:a14="http://schemas.microsoft.com/office/drawing/2010/main" val="0"/>
               </a:ext>
             </a:extLst>
           </a:blip>
@@ -6041,7 +6041,7 @@
           <p:cNvPr id="14" name="연결선: 구부러짐 13">
             <a:extLst>
               <a:ext uri="{FF2B5EF4-FFF2-40B4-BE49-F238E27FC236}">
-                <a16:creationId xmlns:a16="http://schemas.microsoft.com/office/drawing/2014/main" xmlns="" id="{8A38B8B5-497E-4E95-903A-9AA32C84BF4C}"/>
+                <a16:creationId xmlns:a16="http://schemas.microsoft.com/office/drawing/2014/main" id="{8A38B8B5-497E-4E95-903A-9AA32C84BF4C}"/>
               </a:ext>
             </a:extLst>
           </p:cNvPr>
@@ -6082,20 +6082,20 @@
     </p:spTree>
     <p:extLst>
       <p:ext uri="{BB962C8B-B14F-4D97-AF65-F5344CB8AC3E}">
-        <p14:creationId xmlns:p14="http://schemas.microsoft.com/office/powerpoint/2010/main" xmlns="" val="3846446380"/>
+        <p14:creationId xmlns:p14="http://schemas.microsoft.com/office/powerpoint/2010/main" val="3846446380"/>
       </p:ext>
     </p:extLst>
   </p:cSld>
   <p:clrMapOvr>
     <a:masterClrMapping/>
   </p:clrMapOvr>
-  <mc:AlternateContent xmlns:mc="http://schemas.openxmlformats.org/markup-compatibility/2006">
-    <mc:Choice xmlns:p14="http://schemas.microsoft.com/office/powerpoint/2010/main" xmlns="" Requires="p14">
+  <mc:AlternateContent xmlns:mc="http://schemas.openxmlformats.org/markup-compatibility/2006" xmlns:p14="http://schemas.microsoft.com/office/powerpoint/2010/main">
+    <mc:Choice Requires="p14">
       <p:transition spd="med" p14:dur="700">
         <p:fade/>
       </p:transition>
     </mc:Choice>
-    <mc:Fallback>
+    <mc:Fallback xmlns="">
       <p:transition spd="med">
         <p:fade/>
       </p:transition>
@@ -6206,7 +6206,7 @@
           <p:cNvPr id="8" name="TextBox 7">
             <a:extLst>
               <a:ext uri="{FF2B5EF4-FFF2-40B4-BE49-F238E27FC236}">
-                <a16:creationId xmlns:a16="http://schemas.microsoft.com/office/drawing/2014/main" xmlns="" id="{B2729330-CEB6-4A30-8588-5A38361E709E}"/>
+                <a16:creationId xmlns:a16="http://schemas.microsoft.com/office/drawing/2014/main" id="{B2729330-CEB6-4A30-8588-5A38361E709E}"/>
               </a:ext>
             </a:extLst>
           </p:cNvPr>
@@ -6292,7 +6292,7 @@
           <p:cNvPr id="10" name="TextBox 9">
             <a:extLst>
               <a:ext uri="{FF2B5EF4-FFF2-40B4-BE49-F238E27FC236}">
-                <a16:creationId xmlns:a16="http://schemas.microsoft.com/office/drawing/2014/main" xmlns="" id="{B56A1B63-19B2-45DF-BDFB-D49C8EA71FD3}"/>
+                <a16:creationId xmlns:a16="http://schemas.microsoft.com/office/drawing/2014/main" id="{B56A1B63-19B2-45DF-BDFB-D49C8EA71FD3}"/>
               </a:ext>
             </a:extLst>
           </p:cNvPr>
@@ -6344,7 +6344,7 @@
           <p:cNvPr id="4" name="그림 3">
             <a:extLst>
               <a:ext uri="{FF2B5EF4-FFF2-40B4-BE49-F238E27FC236}">
-                <a16:creationId xmlns:a16="http://schemas.microsoft.com/office/drawing/2014/main" xmlns="" id="{3D5DD2DA-004E-4489-A541-E01685CD0E91}"/>
+                <a16:creationId xmlns:a16="http://schemas.microsoft.com/office/drawing/2014/main" id="{3D5DD2DA-004E-4489-A541-E01685CD0E91}"/>
               </a:ext>
             </a:extLst>
           </p:cNvPr>
@@ -6357,7 +6357,7 @@
           <a:blip r:embed="rId2" cstate="print">
             <a:extLst>
               <a:ext uri="{28A0092B-C50C-407E-A947-70E740481C1C}">
-                <a14:useLocalDpi xmlns:a14="http://schemas.microsoft.com/office/drawing/2010/main" xmlns="" val="0"/>
+                <a14:useLocalDpi xmlns:a14="http://schemas.microsoft.com/office/drawing/2010/main" val="0"/>
               </a:ext>
             </a:extLst>
           </a:blip>
@@ -6383,20 +6383,20 @@
     </p:spTree>
     <p:extLst>
       <p:ext uri="{BB962C8B-B14F-4D97-AF65-F5344CB8AC3E}">
-        <p14:creationId xmlns:p14="http://schemas.microsoft.com/office/powerpoint/2010/main" xmlns="" val="450904341"/>
+        <p14:creationId xmlns:p14="http://schemas.microsoft.com/office/powerpoint/2010/main" val="450904341"/>
       </p:ext>
     </p:extLst>
   </p:cSld>
   <p:clrMapOvr>
     <a:masterClrMapping/>
   </p:clrMapOvr>
-  <mc:AlternateContent xmlns:mc="http://schemas.openxmlformats.org/markup-compatibility/2006">
-    <mc:Choice xmlns:p14="http://schemas.microsoft.com/office/powerpoint/2010/main" xmlns="" Requires="p14">
+  <mc:AlternateContent xmlns:mc="http://schemas.openxmlformats.org/markup-compatibility/2006" xmlns:p14="http://schemas.microsoft.com/office/powerpoint/2010/main">
+    <mc:Choice Requires="p14">
       <p:transition spd="med" p14:dur="700">
         <p:fade/>
       </p:transition>
     </mc:Choice>
-    <mc:Fallback>
+    <mc:Fallback xmlns="">
       <p:transition spd="med">
         <p:fade/>
       </p:transition>
@@ -6507,7 +6507,7 @@
           <p:cNvPr id="8" name="TextBox 7">
             <a:extLst>
               <a:ext uri="{FF2B5EF4-FFF2-40B4-BE49-F238E27FC236}">
-                <a16:creationId xmlns:a16="http://schemas.microsoft.com/office/drawing/2014/main" xmlns="" id="{B2729330-CEB6-4A30-8588-5A38361E709E}"/>
+                <a16:creationId xmlns:a16="http://schemas.microsoft.com/office/drawing/2014/main" id="{B2729330-CEB6-4A30-8588-5A38361E709E}"/>
               </a:ext>
             </a:extLst>
           </p:cNvPr>
@@ -6562,7 +6562,7 @@
           <p:cNvPr id="10" name="TextBox 9">
             <a:extLst>
               <a:ext uri="{FF2B5EF4-FFF2-40B4-BE49-F238E27FC236}">
-                <a16:creationId xmlns:a16="http://schemas.microsoft.com/office/drawing/2014/main" xmlns="" id="{B56A1B63-19B2-45DF-BDFB-D49C8EA71FD3}"/>
+                <a16:creationId xmlns:a16="http://schemas.microsoft.com/office/drawing/2014/main" id="{B56A1B63-19B2-45DF-BDFB-D49C8EA71FD3}"/>
               </a:ext>
             </a:extLst>
           </p:cNvPr>
@@ -6614,7 +6614,7 @@
           <p:cNvPr id="4" name="그림 3">
             <a:extLst>
               <a:ext uri="{FF2B5EF4-FFF2-40B4-BE49-F238E27FC236}">
-                <a16:creationId xmlns:a16="http://schemas.microsoft.com/office/drawing/2014/main" xmlns="" id="{A33377BE-9A0E-41AC-A2ED-314FCBE2E603}"/>
+                <a16:creationId xmlns:a16="http://schemas.microsoft.com/office/drawing/2014/main" id="{A33377BE-9A0E-41AC-A2ED-314FCBE2E603}"/>
               </a:ext>
             </a:extLst>
           </p:cNvPr>
@@ -6627,7 +6627,7 @@
           <a:blip r:embed="rId2" cstate="print">
             <a:extLst>
               <a:ext uri="{28A0092B-C50C-407E-A947-70E740481C1C}">
-                <a14:useLocalDpi xmlns:a14="http://schemas.microsoft.com/office/drawing/2010/main" xmlns="" val="0"/>
+                <a14:useLocalDpi xmlns:a14="http://schemas.microsoft.com/office/drawing/2010/main" val="0"/>
               </a:ext>
             </a:extLst>
           </a:blip>
@@ -6655,7 +6655,7 @@
           <p:cNvPr id="7" name="그림 6">
             <a:extLst>
               <a:ext uri="{FF2B5EF4-FFF2-40B4-BE49-F238E27FC236}">
-                <a16:creationId xmlns:a16="http://schemas.microsoft.com/office/drawing/2014/main" xmlns="" id="{D62DC2FB-0B52-4D6A-B977-FA1D925FCA37}"/>
+                <a16:creationId xmlns:a16="http://schemas.microsoft.com/office/drawing/2014/main" id="{D62DC2FB-0B52-4D6A-B977-FA1D925FCA37}"/>
               </a:ext>
             </a:extLst>
           </p:cNvPr>
@@ -6668,7 +6668,7 @@
           <a:blip r:embed="rId3" cstate="print">
             <a:extLst>
               <a:ext uri="{28A0092B-C50C-407E-A947-70E740481C1C}">
-                <a14:useLocalDpi xmlns:a14="http://schemas.microsoft.com/office/drawing/2010/main" xmlns="" val="0"/>
+                <a14:useLocalDpi xmlns:a14="http://schemas.microsoft.com/office/drawing/2010/main" val="0"/>
               </a:ext>
             </a:extLst>
           </a:blip>
@@ -6696,7 +6696,7 @@
           <p:cNvPr id="12" name="연결선: 구부러짐 11">
             <a:extLst>
               <a:ext uri="{FF2B5EF4-FFF2-40B4-BE49-F238E27FC236}">
-                <a16:creationId xmlns:a16="http://schemas.microsoft.com/office/drawing/2014/main" xmlns="" id="{B26B4B4F-6A0A-48BC-B667-CD6FF3AD14A5}"/>
+                <a16:creationId xmlns:a16="http://schemas.microsoft.com/office/drawing/2014/main" id="{B26B4B4F-6A0A-48BC-B667-CD6FF3AD14A5}"/>
               </a:ext>
             </a:extLst>
           </p:cNvPr>
@@ -6735,7 +6735,7 @@
           <p:cNvPr id="1030" name="Picture 6" descr="돋보기에 대한 이미지 검색결과">
             <a:extLst>
               <a:ext uri="{FF2B5EF4-FFF2-40B4-BE49-F238E27FC236}">
-                <a16:creationId xmlns:a16="http://schemas.microsoft.com/office/drawing/2014/main" xmlns="" id="{2A5D9044-1041-4F92-8CD1-777F4DB9BD76}"/>
+                <a16:creationId xmlns:a16="http://schemas.microsoft.com/office/drawing/2014/main" id="{2A5D9044-1041-4F92-8CD1-777F4DB9BD76}"/>
               </a:ext>
             </a:extLst>
           </p:cNvPr>
@@ -6748,7 +6748,7 @@
           <a:blip r:embed="rId4" cstate="print">
             <a:extLst>
               <a:ext uri="{28A0092B-C50C-407E-A947-70E740481C1C}">
-                <a14:useLocalDpi xmlns:a14="http://schemas.microsoft.com/office/drawing/2010/main" xmlns="" val="0"/>
+                <a14:useLocalDpi xmlns:a14="http://schemas.microsoft.com/office/drawing/2010/main" val="0"/>
               </a:ext>
             </a:extLst>
           </a:blip>
@@ -6768,7 +6768,7 @@
           <a:noFill/>
           <a:extLst>
             <a:ext uri="{909E8E84-426E-40DD-AFC4-6F175D3DCCD1}">
-              <a14:hiddenFill xmlns:a14="http://schemas.microsoft.com/office/drawing/2010/main" xmlns="">
+              <a14:hiddenFill xmlns:a14="http://schemas.microsoft.com/office/drawing/2010/main">
                 <a:solidFill>
                   <a:srgbClr val="FFFFFF"/>
                 </a:solidFill>
@@ -6780,20 +6780,20 @@
     </p:spTree>
     <p:extLst>
       <p:ext uri="{BB962C8B-B14F-4D97-AF65-F5344CB8AC3E}">
-        <p14:creationId xmlns:p14="http://schemas.microsoft.com/office/powerpoint/2010/main" xmlns="" val="2906056090"/>
+        <p14:creationId xmlns:p14="http://schemas.microsoft.com/office/powerpoint/2010/main" val="2906056090"/>
       </p:ext>
     </p:extLst>
   </p:cSld>
   <p:clrMapOvr>
     <a:masterClrMapping/>
   </p:clrMapOvr>
-  <mc:AlternateContent xmlns:mc="http://schemas.openxmlformats.org/markup-compatibility/2006">
-    <mc:Choice xmlns:p14="http://schemas.microsoft.com/office/powerpoint/2010/main" xmlns="" Requires="p14">
+  <mc:AlternateContent xmlns:mc="http://schemas.openxmlformats.org/markup-compatibility/2006" xmlns:p14="http://schemas.microsoft.com/office/powerpoint/2010/main">
+    <mc:Choice Requires="p14">
       <p:transition spd="med" p14:dur="700">
         <p:fade/>
       </p:transition>
     </mc:Choice>
-    <mc:Fallback>
+    <mc:Fallback xmlns="">
       <p:transition spd="med">
         <p:fade/>
       </p:transition>
@@ -6904,7 +6904,7 @@
           <p:cNvPr id="8" name="TextBox 7">
             <a:extLst>
               <a:ext uri="{FF2B5EF4-FFF2-40B4-BE49-F238E27FC236}">
-                <a16:creationId xmlns:a16="http://schemas.microsoft.com/office/drawing/2014/main" xmlns="" id="{B2729330-CEB6-4A30-8588-5A38361E709E}"/>
+                <a16:creationId xmlns:a16="http://schemas.microsoft.com/office/drawing/2014/main" id="{B2729330-CEB6-4A30-8588-5A38361E709E}"/>
               </a:ext>
             </a:extLst>
           </p:cNvPr>
@@ -7013,7 +7013,7 @@
           <p:cNvPr id="10" name="TextBox 9">
             <a:extLst>
               <a:ext uri="{FF2B5EF4-FFF2-40B4-BE49-F238E27FC236}">
-                <a16:creationId xmlns:a16="http://schemas.microsoft.com/office/drawing/2014/main" xmlns="" id="{B56A1B63-19B2-45DF-BDFB-D49C8EA71FD3}"/>
+                <a16:creationId xmlns:a16="http://schemas.microsoft.com/office/drawing/2014/main" id="{B56A1B63-19B2-45DF-BDFB-D49C8EA71FD3}"/>
               </a:ext>
             </a:extLst>
           </p:cNvPr>
@@ -7065,7 +7065,7 @@
           <p:cNvPr id="4" name="그림 3">
             <a:extLst>
               <a:ext uri="{FF2B5EF4-FFF2-40B4-BE49-F238E27FC236}">
-                <a16:creationId xmlns:a16="http://schemas.microsoft.com/office/drawing/2014/main" xmlns="" id="{6384CCFE-4E42-4CE0-8ACB-F7E3AF7A0945}"/>
+                <a16:creationId xmlns:a16="http://schemas.microsoft.com/office/drawing/2014/main" id="{6384CCFE-4E42-4CE0-8ACB-F7E3AF7A0945}"/>
               </a:ext>
             </a:extLst>
           </p:cNvPr>
@@ -7078,7 +7078,7 @@
           <a:blip r:embed="rId2" cstate="print">
             <a:extLst>
               <a:ext uri="{28A0092B-C50C-407E-A947-70E740481C1C}">
-                <a14:useLocalDpi xmlns:a14="http://schemas.microsoft.com/office/drawing/2010/main" xmlns="" val="0"/>
+                <a14:useLocalDpi xmlns:a14="http://schemas.microsoft.com/office/drawing/2010/main" val="0"/>
               </a:ext>
             </a:extLst>
           </a:blip>
@@ -7106,7 +7106,7 @@
           <p:cNvPr id="7" name="그림 6">
             <a:extLst>
               <a:ext uri="{FF2B5EF4-FFF2-40B4-BE49-F238E27FC236}">
-                <a16:creationId xmlns:a16="http://schemas.microsoft.com/office/drawing/2014/main" xmlns="" id="{859A06FC-E1BC-4568-A18F-5672564E6635}"/>
+                <a16:creationId xmlns:a16="http://schemas.microsoft.com/office/drawing/2014/main" id="{859A06FC-E1BC-4568-A18F-5672564E6635}"/>
               </a:ext>
             </a:extLst>
           </p:cNvPr>
@@ -7119,7 +7119,7 @@
           <a:blip r:embed="rId3" cstate="print">
             <a:extLst>
               <a:ext uri="{28A0092B-C50C-407E-A947-70E740481C1C}">
-                <a14:useLocalDpi xmlns:a14="http://schemas.microsoft.com/office/drawing/2010/main" xmlns="" val="0"/>
+                <a14:useLocalDpi xmlns:a14="http://schemas.microsoft.com/office/drawing/2010/main" val="0"/>
               </a:ext>
             </a:extLst>
           </a:blip>
@@ -7147,7 +7147,7 @@
           <p:cNvPr id="12" name="TextBox 11">
             <a:extLst>
               <a:ext uri="{FF2B5EF4-FFF2-40B4-BE49-F238E27FC236}">
-                <a16:creationId xmlns:a16="http://schemas.microsoft.com/office/drawing/2014/main" xmlns="" id="{DD49FC39-630F-4E6B-BAFB-7A56504DF281}"/>
+                <a16:creationId xmlns:a16="http://schemas.microsoft.com/office/drawing/2014/main" id="{DD49FC39-630F-4E6B-BAFB-7A56504DF281}"/>
               </a:ext>
             </a:extLst>
           </p:cNvPr>
@@ -7196,7 +7196,7 @@
           <p:cNvPr id="13" name="TextBox 12">
             <a:extLst>
               <a:ext uri="{FF2B5EF4-FFF2-40B4-BE49-F238E27FC236}">
-                <a16:creationId xmlns:a16="http://schemas.microsoft.com/office/drawing/2014/main" xmlns="" id="{033B6F89-9886-4056-A485-286BC79F357D}"/>
+                <a16:creationId xmlns:a16="http://schemas.microsoft.com/office/drawing/2014/main" id="{033B6F89-9886-4056-A485-286BC79F357D}"/>
               </a:ext>
             </a:extLst>
           </p:cNvPr>
@@ -7245,7 +7245,7 @@
           <p:cNvPr id="11" name="화살표: 위쪽 10">
             <a:extLst>
               <a:ext uri="{FF2B5EF4-FFF2-40B4-BE49-F238E27FC236}">
-                <a16:creationId xmlns:a16="http://schemas.microsoft.com/office/drawing/2014/main" xmlns="" id="{82BE42AD-5B81-4B34-8FCE-C6B781615C37}"/>
+                <a16:creationId xmlns:a16="http://schemas.microsoft.com/office/drawing/2014/main" id="{82BE42AD-5B81-4B34-8FCE-C6B781615C37}"/>
               </a:ext>
             </a:extLst>
           </p:cNvPr>
@@ -7291,7 +7291,7 @@
           <p:cNvPr id="15" name="화살표: 위쪽 14">
             <a:extLst>
               <a:ext uri="{FF2B5EF4-FFF2-40B4-BE49-F238E27FC236}">
-                <a16:creationId xmlns:a16="http://schemas.microsoft.com/office/drawing/2014/main" xmlns="" id="{348F676E-9DD9-47B8-A8BB-382528F8F52F}"/>
+                <a16:creationId xmlns:a16="http://schemas.microsoft.com/office/drawing/2014/main" id="{348F676E-9DD9-47B8-A8BB-382528F8F52F}"/>
               </a:ext>
             </a:extLst>
           </p:cNvPr>
@@ -7335,20 +7335,20 @@
     </p:spTree>
     <p:extLst>
       <p:ext uri="{BB962C8B-B14F-4D97-AF65-F5344CB8AC3E}">
-        <p14:creationId xmlns:p14="http://schemas.microsoft.com/office/powerpoint/2010/main" xmlns="" val="2401772221"/>
+        <p14:creationId xmlns:p14="http://schemas.microsoft.com/office/powerpoint/2010/main" val="2401772221"/>
       </p:ext>
     </p:extLst>
   </p:cSld>
   <p:clrMapOvr>
     <a:masterClrMapping/>
   </p:clrMapOvr>
-  <mc:AlternateContent xmlns:mc="http://schemas.openxmlformats.org/markup-compatibility/2006">
-    <mc:Choice xmlns:p14="http://schemas.microsoft.com/office/powerpoint/2010/main" xmlns="" Requires="p14">
+  <mc:AlternateContent xmlns:mc="http://schemas.openxmlformats.org/markup-compatibility/2006" xmlns:p14="http://schemas.microsoft.com/office/powerpoint/2010/main">
+    <mc:Choice Requires="p14">
       <p:transition spd="med" p14:dur="700">
         <p:fade/>
       </p:transition>
     </mc:Choice>
-    <mc:Fallback>
+    <mc:Fallback xmlns="">
       <p:transition spd="med">
         <p:fade/>
       </p:transition>
@@ -7459,7 +7459,7 @@
           <p:cNvPr id="8" name="TextBox 7">
             <a:extLst>
               <a:ext uri="{FF2B5EF4-FFF2-40B4-BE49-F238E27FC236}">
-                <a16:creationId xmlns:a16="http://schemas.microsoft.com/office/drawing/2014/main" xmlns="" id="{B2729330-CEB6-4A30-8588-5A38361E709E}"/>
+                <a16:creationId xmlns:a16="http://schemas.microsoft.com/office/drawing/2014/main" id="{B2729330-CEB6-4A30-8588-5A38361E709E}"/>
               </a:ext>
             </a:extLst>
           </p:cNvPr>
@@ -7468,8 +7468,8 @@
         </p:nvSpPr>
         <p:spPr>
           <a:xfrm>
-            <a:off x="4226863" y="3291830"/>
-            <a:ext cx="4684812" cy="646331"/>
+            <a:off x="4860032" y="3801676"/>
+            <a:ext cx="3547587" cy="646331"/>
           </a:xfrm>
           <a:prstGeom prst="rect">
             <a:avLst/>
@@ -7534,7 +7534,7 @@
           <p:cNvPr id="10" name="TextBox 9">
             <a:extLst>
               <a:ext uri="{FF2B5EF4-FFF2-40B4-BE49-F238E27FC236}">
-                <a16:creationId xmlns:a16="http://schemas.microsoft.com/office/drawing/2014/main" xmlns="" id="{B56A1B63-19B2-45DF-BDFB-D49C8EA71FD3}"/>
+                <a16:creationId xmlns:a16="http://schemas.microsoft.com/office/drawing/2014/main" id="{B56A1B63-19B2-45DF-BDFB-D49C8EA71FD3}"/>
               </a:ext>
             </a:extLst>
           </p:cNvPr>
@@ -7638,7 +7638,7 @@
           <p:cNvPr id="12" name="TextBox 11">
             <a:extLst>
               <a:ext uri="{FF2B5EF4-FFF2-40B4-BE49-F238E27FC236}">
-                <a16:creationId xmlns:a16="http://schemas.microsoft.com/office/drawing/2014/main" xmlns="" id="{DD49FC39-630F-4E6B-BAFB-7A56504DF281}"/>
+                <a16:creationId xmlns:a16="http://schemas.microsoft.com/office/drawing/2014/main" id="{DD49FC39-630F-4E6B-BAFB-7A56504DF281}"/>
               </a:ext>
             </a:extLst>
           </p:cNvPr>
@@ -7647,7 +7647,7 @@
         </p:nvSpPr>
         <p:spPr>
           <a:xfrm>
-            <a:off x="2051720" y="4560308"/>
+            <a:off x="6228184" y="3254084"/>
             <a:ext cx="1008112" cy="230832"/>
           </a:xfrm>
           <a:prstGeom prst="rect">
@@ -7687,7 +7687,7 @@
           <p:cNvPr id="13" name="TextBox 12">
             <a:extLst>
               <a:ext uri="{FF2B5EF4-FFF2-40B4-BE49-F238E27FC236}">
-                <a16:creationId xmlns:a16="http://schemas.microsoft.com/office/drawing/2014/main" xmlns="" id="{033B6F89-9886-4056-A485-286BC79F357D}"/>
+                <a16:creationId xmlns:a16="http://schemas.microsoft.com/office/drawing/2014/main" id="{033B6F89-9886-4056-A485-286BC79F357D}"/>
               </a:ext>
             </a:extLst>
           </p:cNvPr>
@@ -7696,7 +7696,7 @@
         </p:nvSpPr>
         <p:spPr>
           <a:xfrm>
-            <a:off x="6326133" y="2898156"/>
+            <a:off x="1798305" y="4543176"/>
             <a:ext cx="898591" cy="276999"/>
           </a:xfrm>
           <a:prstGeom prst="rect">
@@ -7736,7 +7736,7 @@
           <p:cNvPr id="11" name="화살표: 위쪽 10">
             <a:extLst>
               <a:ext uri="{FF2B5EF4-FFF2-40B4-BE49-F238E27FC236}">
-                <a16:creationId xmlns:a16="http://schemas.microsoft.com/office/drawing/2014/main" xmlns="" id="{82BE42AD-5B81-4B34-8FCE-C6B781615C37}"/>
+                <a16:creationId xmlns:a16="http://schemas.microsoft.com/office/drawing/2014/main" id="{82BE42AD-5B81-4B34-8FCE-C6B781615C37}"/>
               </a:ext>
             </a:extLst>
           </p:cNvPr>
@@ -7745,7 +7745,7 @@
         </p:nvSpPr>
         <p:spPr>
           <a:xfrm>
-            <a:off x="6254125" y="2942626"/>
+            <a:off x="1726297" y="4587646"/>
             <a:ext cx="144016" cy="144016"/>
           </a:xfrm>
           <a:prstGeom prst="upArrow">
@@ -7782,7 +7782,7 @@
           <p:cNvPr id="15" name="화살표: 위쪽 14">
             <a:extLst>
               <a:ext uri="{FF2B5EF4-FFF2-40B4-BE49-F238E27FC236}">
-                <a16:creationId xmlns:a16="http://schemas.microsoft.com/office/drawing/2014/main" xmlns="" id="{348F676E-9DD9-47B8-A8BB-382528F8F52F}"/>
+                <a16:creationId xmlns:a16="http://schemas.microsoft.com/office/drawing/2014/main" id="{348F676E-9DD9-47B8-A8BB-382528F8F52F}"/>
               </a:ext>
             </a:extLst>
           </p:cNvPr>
@@ -7791,7 +7791,7 @@
         </p:nvSpPr>
         <p:spPr>
           <a:xfrm>
-            <a:off x="1979712" y="4603716"/>
+            <a:off x="6156176" y="3297492"/>
             <a:ext cx="144016" cy="144016"/>
           </a:xfrm>
           <a:prstGeom prst="upArrow">
@@ -7825,10 +7825,10 @@
       </p:sp>
       <p:pic>
         <p:nvPicPr>
-          <p:cNvPr id="3" name="그림 2">
+          <p:cNvPr id="4" name="그림 3">
             <a:extLst>
               <a:ext uri="{FF2B5EF4-FFF2-40B4-BE49-F238E27FC236}">
-                <a16:creationId xmlns:a16="http://schemas.microsoft.com/office/drawing/2014/main" xmlns="" id="{986AE201-89EA-4AFB-9AC0-9B5991658A53}"/>
+                <a16:creationId xmlns:a16="http://schemas.microsoft.com/office/drawing/2014/main" id="{E384FB05-49F7-4319-8B33-03AE66023712}"/>
               </a:ext>
             </a:extLst>
           </p:cNvPr>
@@ -7838,10 +7838,10 @@
           <p:nvPr/>
         </p:nvPicPr>
         <p:blipFill>
-          <a:blip r:embed="rId2" cstate="print">
+          <a:blip r:embed="rId2">
             <a:extLst>
               <a:ext uri="{28A0092B-C50C-407E-A947-70E740481C1C}">
-                <a14:useLocalDpi xmlns:a14="http://schemas.microsoft.com/office/drawing/2010/main" xmlns="" val="0"/>
+                <a14:useLocalDpi xmlns:a14="http://schemas.microsoft.com/office/drawing/2010/main" val="0"/>
               </a:ext>
             </a:extLst>
           </a:blip>
@@ -7851,8 +7851,8 @@
         </p:blipFill>
         <p:spPr>
           <a:xfrm>
-            <a:off x="4572000" y="555274"/>
-            <a:ext cx="3847798" cy="2088232"/>
+            <a:off x="3976184" y="1331947"/>
+            <a:ext cx="4887436" cy="1841999"/>
           </a:xfrm>
           <a:prstGeom prst="rect">
             <a:avLst/>
@@ -7866,10 +7866,10 @@
       </p:pic>
       <p:pic>
         <p:nvPicPr>
-          <p:cNvPr id="9" name="그림 8">
+          <p:cNvPr id="7" name="그림 6">
             <a:extLst>
               <a:ext uri="{FF2B5EF4-FFF2-40B4-BE49-F238E27FC236}">
-                <a16:creationId xmlns:a16="http://schemas.microsoft.com/office/drawing/2014/main" xmlns="" id="{E1A59386-37E8-4140-AB0C-4322474062AA}"/>
+                <a16:creationId xmlns:a16="http://schemas.microsoft.com/office/drawing/2014/main" id="{A7EBB24D-70B4-4BF4-9F6B-95EC593D9F96}"/>
               </a:ext>
             </a:extLst>
           </p:cNvPr>
@@ -7882,7 +7882,7 @@
           <a:blip r:embed="rId3" cstate="print">
             <a:extLst>
               <a:ext uri="{28A0092B-C50C-407E-A947-70E740481C1C}">
-                <a14:useLocalDpi xmlns:a14="http://schemas.microsoft.com/office/drawing/2010/main" xmlns="" val="0"/>
+                <a14:useLocalDpi xmlns:a14="http://schemas.microsoft.com/office/drawing/2010/main" val="0"/>
               </a:ext>
             </a:extLst>
           </a:blip>
@@ -7892,8 +7892,8 @@
         </p:blipFill>
         <p:spPr>
           <a:xfrm>
-            <a:off x="476576" y="2157499"/>
-            <a:ext cx="3750287" cy="2035312"/>
+            <a:off x="621309" y="1327098"/>
+            <a:ext cx="3176477" cy="2904762"/>
           </a:xfrm>
           <a:prstGeom prst="rect">
             <a:avLst/>
@@ -7908,20 +7908,20 @@
     </p:spTree>
     <p:extLst>
       <p:ext uri="{BB962C8B-B14F-4D97-AF65-F5344CB8AC3E}">
-        <p14:creationId xmlns:p14="http://schemas.microsoft.com/office/powerpoint/2010/main" xmlns="" val="1619140408"/>
+        <p14:creationId xmlns:p14="http://schemas.microsoft.com/office/powerpoint/2010/main" val="1619140408"/>
       </p:ext>
     </p:extLst>
   </p:cSld>
   <p:clrMapOvr>
     <a:masterClrMapping/>
   </p:clrMapOvr>
-  <mc:AlternateContent xmlns:mc="http://schemas.openxmlformats.org/markup-compatibility/2006">
-    <mc:Choice xmlns:p14="http://schemas.microsoft.com/office/powerpoint/2010/main" xmlns="" Requires="p14">
+  <mc:AlternateContent xmlns:mc="http://schemas.openxmlformats.org/markup-compatibility/2006" xmlns:p14="http://schemas.microsoft.com/office/powerpoint/2010/main">
+    <mc:Choice Requires="p14">
       <p:transition spd="med" p14:dur="700">
         <p:fade/>
       </p:transition>
     </mc:Choice>
-    <mc:Fallback>
+    <mc:Fallback xmlns="">
       <p:transition spd="med">
         <p:fade/>
       </p:transition>
@@ -8032,7 +8032,7 @@
           <p:cNvPr id="8" name="TextBox 7">
             <a:extLst>
               <a:ext uri="{FF2B5EF4-FFF2-40B4-BE49-F238E27FC236}">
-                <a16:creationId xmlns:a16="http://schemas.microsoft.com/office/drawing/2014/main" xmlns="" id="{B2729330-CEB6-4A30-8588-5A38361E709E}"/>
+                <a16:creationId xmlns:a16="http://schemas.microsoft.com/office/drawing/2014/main" id="{B2729330-CEB6-4A30-8588-5A38361E709E}"/>
               </a:ext>
             </a:extLst>
           </p:cNvPr>
@@ -8041,8 +8041,8 @@
         </p:nvSpPr>
         <p:spPr>
           <a:xfrm>
-            <a:off x="4226863" y="3291830"/>
-            <a:ext cx="4684812" cy="646331"/>
+            <a:off x="4788024" y="3723878"/>
+            <a:ext cx="3426181" cy="646331"/>
           </a:xfrm>
           <a:prstGeom prst="rect">
             <a:avLst/>
@@ -8107,7 +8107,7 @@
           <p:cNvPr id="10" name="TextBox 9">
             <a:extLst>
               <a:ext uri="{FF2B5EF4-FFF2-40B4-BE49-F238E27FC236}">
-                <a16:creationId xmlns:a16="http://schemas.microsoft.com/office/drawing/2014/main" xmlns="" id="{B56A1B63-19B2-45DF-BDFB-D49C8EA71FD3}"/>
+                <a16:creationId xmlns:a16="http://schemas.microsoft.com/office/drawing/2014/main" id="{B56A1B63-19B2-45DF-BDFB-D49C8EA71FD3}"/>
               </a:ext>
             </a:extLst>
           </p:cNvPr>
@@ -8200,10 +8200,10 @@
       </p:sp>
       <p:pic>
         <p:nvPicPr>
-          <p:cNvPr id="3" name="그림 2">
+          <p:cNvPr id="4" name="그림 3">
             <a:extLst>
               <a:ext uri="{FF2B5EF4-FFF2-40B4-BE49-F238E27FC236}">
-                <a16:creationId xmlns:a16="http://schemas.microsoft.com/office/drawing/2014/main" xmlns="" id="{05EABC9A-D615-434F-B1B5-F6DCC080C538}"/>
+                <a16:creationId xmlns:a16="http://schemas.microsoft.com/office/drawing/2014/main" id="{0130323F-2ED1-4061-965C-92928079F29B}"/>
               </a:ext>
             </a:extLst>
           </p:cNvPr>
@@ -8216,7 +8216,7 @@
           <a:blip r:embed="rId2" cstate="print">
             <a:extLst>
               <a:ext uri="{28A0092B-C50C-407E-A947-70E740481C1C}">
-                <a14:useLocalDpi xmlns:a14="http://schemas.microsoft.com/office/drawing/2010/main" xmlns="" val="0"/>
+                <a14:useLocalDpi xmlns:a14="http://schemas.microsoft.com/office/drawing/2010/main" val="0"/>
               </a:ext>
             </a:extLst>
           </a:blip>
@@ -8226,8 +8226,8 @@
         </p:blipFill>
         <p:spPr>
           <a:xfrm>
-            <a:off x="4381812" y="563994"/>
-            <a:ext cx="4230243" cy="2295788"/>
+            <a:off x="632894" y="1393808"/>
+            <a:ext cx="3473083" cy="2215355"/>
           </a:xfrm>
           <a:prstGeom prst="rect">
             <a:avLst/>
@@ -8241,10 +8241,10 @@
       </p:pic>
       <p:pic>
         <p:nvPicPr>
-          <p:cNvPr id="9" name="그림 8">
+          <p:cNvPr id="7" name="그림 6">
             <a:extLst>
               <a:ext uri="{FF2B5EF4-FFF2-40B4-BE49-F238E27FC236}">
-                <a16:creationId xmlns:a16="http://schemas.microsoft.com/office/drawing/2014/main" xmlns="" id="{C21C4907-3A11-4B2E-843E-A6624F520CF5}"/>
+                <a16:creationId xmlns:a16="http://schemas.microsoft.com/office/drawing/2014/main" id="{C26CD2A6-E7E1-4C3C-8DFF-CBB4C5A4BD97}"/>
               </a:ext>
             </a:extLst>
           </p:cNvPr>
@@ -8254,10 +8254,10 @@
           <p:nvPr/>
         </p:nvPicPr>
         <p:blipFill>
-          <a:blip r:embed="rId3" cstate="print">
+          <a:blip r:embed="rId3">
             <a:extLst>
               <a:ext uri="{28A0092B-C50C-407E-A947-70E740481C1C}">
-                <a14:useLocalDpi xmlns:a14="http://schemas.microsoft.com/office/drawing/2010/main" xmlns="" val="0"/>
+                <a14:useLocalDpi xmlns:a14="http://schemas.microsoft.com/office/drawing/2010/main" val="0"/>
               </a:ext>
             </a:extLst>
           </a:blip>
@@ -8267,8 +8267,8 @@
         </p:blipFill>
         <p:spPr>
           <a:xfrm>
-            <a:off x="531944" y="2283718"/>
-            <a:ext cx="3582433" cy="1944216"/>
+            <a:off x="4489332" y="1393801"/>
+            <a:ext cx="4156921" cy="1826333"/>
           </a:xfrm>
           <a:prstGeom prst="rect">
             <a:avLst/>
@@ -8283,20 +8283,20 @@
     </p:spTree>
     <p:extLst>
       <p:ext uri="{BB962C8B-B14F-4D97-AF65-F5344CB8AC3E}">
-        <p14:creationId xmlns:p14="http://schemas.microsoft.com/office/powerpoint/2010/main" xmlns="" val="2027053288"/>
+        <p14:creationId xmlns:p14="http://schemas.microsoft.com/office/powerpoint/2010/main" val="2027053288"/>
       </p:ext>
     </p:extLst>
   </p:cSld>
   <p:clrMapOvr>
     <a:masterClrMapping/>
   </p:clrMapOvr>
-  <mc:AlternateContent xmlns:mc="http://schemas.openxmlformats.org/markup-compatibility/2006">
-    <mc:Choice xmlns:p14="http://schemas.microsoft.com/office/powerpoint/2010/main" xmlns="" Requires="p14">
+  <mc:AlternateContent xmlns:mc="http://schemas.openxmlformats.org/markup-compatibility/2006" xmlns:p14="http://schemas.microsoft.com/office/powerpoint/2010/main">
+    <mc:Choice Requires="p14">
       <p:transition spd="med" p14:dur="700">
         <p:fade/>
       </p:transition>
     </mc:Choice>
-    <mc:Fallback>
+    <mc:Fallback xmlns="">
       <p:transition spd="med">
         <p:fade/>
       </p:transition>
@@ -8407,7 +8407,7 @@
           <p:cNvPr id="8" name="TextBox 7">
             <a:extLst>
               <a:ext uri="{FF2B5EF4-FFF2-40B4-BE49-F238E27FC236}">
-                <a16:creationId xmlns:a16="http://schemas.microsoft.com/office/drawing/2014/main" xmlns="" id="{B2729330-CEB6-4A30-8588-5A38361E709E}"/>
+                <a16:creationId xmlns:a16="http://schemas.microsoft.com/office/drawing/2014/main" id="{B2729330-CEB6-4A30-8588-5A38361E709E}"/>
               </a:ext>
             </a:extLst>
           </p:cNvPr>
@@ -8494,7 +8494,7 @@
           <p:cNvPr id="10" name="TextBox 9">
             <a:extLst>
               <a:ext uri="{FF2B5EF4-FFF2-40B4-BE49-F238E27FC236}">
-                <a16:creationId xmlns:a16="http://schemas.microsoft.com/office/drawing/2014/main" xmlns="" id="{B56A1B63-19B2-45DF-BDFB-D49C8EA71FD3}"/>
+                <a16:creationId xmlns:a16="http://schemas.microsoft.com/office/drawing/2014/main" id="{B56A1B63-19B2-45DF-BDFB-D49C8EA71FD3}"/>
               </a:ext>
             </a:extLst>
           </p:cNvPr>
@@ -8591,7 +8591,7 @@
           <p:cNvPr id="12" name="TextBox 11">
             <a:extLst>
               <a:ext uri="{FF2B5EF4-FFF2-40B4-BE49-F238E27FC236}">
-                <a16:creationId xmlns:a16="http://schemas.microsoft.com/office/drawing/2014/main" xmlns="" id="{DD49FC39-630F-4E6B-BAFB-7A56504DF281}"/>
+                <a16:creationId xmlns:a16="http://schemas.microsoft.com/office/drawing/2014/main" id="{DD49FC39-630F-4E6B-BAFB-7A56504DF281}"/>
               </a:ext>
             </a:extLst>
           </p:cNvPr>
@@ -8640,7 +8640,7 @@
           <p:cNvPr id="13" name="TextBox 12">
             <a:extLst>
               <a:ext uri="{FF2B5EF4-FFF2-40B4-BE49-F238E27FC236}">
-                <a16:creationId xmlns:a16="http://schemas.microsoft.com/office/drawing/2014/main" xmlns="" id="{033B6F89-9886-4056-A485-286BC79F357D}"/>
+                <a16:creationId xmlns:a16="http://schemas.microsoft.com/office/drawing/2014/main" id="{033B6F89-9886-4056-A485-286BC79F357D}"/>
               </a:ext>
             </a:extLst>
           </p:cNvPr>
@@ -8689,7 +8689,7 @@
           <p:cNvPr id="11" name="화살표: 위쪽 10">
             <a:extLst>
               <a:ext uri="{FF2B5EF4-FFF2-40B4-BE49-F238E27FC236}">
-                <a16:creationId xmlns:a16="http://schemas.microsoft.com/office/drawing/2014/main" xmlns="" id="{82BE42AD-5B81-4B34-8FCE-C6B781615C37}"/>
+                <a16:creationId xmlns:a16="http://schemas.microsoft.com/office/drawing/2014/main" id="{82BE42AD-5B81-4B34-8FCE-C6B781615C37}"/>
               </a:ext>
             </a:extLst>
           </p:cNvPr>
@@ -8735,7 +8735,7 @@
           <p:cNvPr id="15" name="화살표: 위쪽 14">
             <a:extLst>
               <a:ext uri="{FF2B5EF4-FFF2-40B4-BE49-F238E27FC236}">
-                <a16:creationId xmlns:a16="http://schemas.microsoft.com/office/drawing/2014/main" xmlns="" id="{348F676E-9DD9-47B8-A8BB-382528F8F52F}"/>
+                <a16:creationId xmlns:a16="http://schemas.microsoft.com/office/drawing/2014/main" id="{348F676E-9DD9-47B8-A8BB-382528F8F52F}"/>
               </a:ext>
             </a:extLst>
           </p:cNvPr>
@@ -8778,10 +8778,10 @@
       </p:sp>
       <p:pic>
         <p:nvPicPr>
-          <p:cNvPr id="4" name="그림 3">
+          <p:cNvPr id="3" name="그림 2">
             <a:extLst>
               <a:ext uri="{FF2B5EF4-FFF2-40B4-BE49-F238E27FC236}">
-                <a16:creationId xmlns:a16="http://schemas.microsoft.com/office/drawing/2014/main" xmlns="" id="{B4D43C0A-212B-46DE-9E48-746F06EE0391}"/>
+                <a16:creationId xmlns:a16="http://schemas.microsoft.com/office/drawing/2014/main" id="{CD916EE6-926A-4861-A476-637178DB6DB5}"/>
               </a:ext>
             </a:extLst>
           </p:cNvPr>
@@ -8794,7 +8794,7 @@
           <a:blip r:embed="rId2" cstate="print">
             <a:extLst>
               <a:ext uri="{28A0092B-C50C-407E-A947-70E740481C1C}">
-                <a14:useLocalDpi xmlns:a14="http://schemas.microsoft.com/office/drawing/2010/main" xmlns="" val="0"/>
+                <a14:useLocalDpi xmlns:a14="http://schemas.microsoft.com/office/drawing/2010/main" val="0"/>
               </a:ext>
             </a:extLst>
           </a:blip>
@@ -8804,8 +8804,8 @@
         </p:blipFill>
         <p:spPr>
           <a:xfrm>
-            <a:off x="683568" y="2103457"/>
-            <a:ext cx="3623254" cy="1966370"/>
+            <a:off x="628933" y="1989652"/>
+            <a:ext cx="3650925" cy="2070454"/>
           </a:xfrm>
           <a:prstGeom prst="rect">
             <a:avLst/>
@@ -8819,10 +8819,10 @@
       </p:pic>
       <p:pic>
         <p:nvPicPr>
-          <p:cNvPr id="7" name="그림 6">
+          <p:cNvPr id="9" name="그림 8">
             <a:extLst>
               <a:ext uri="{FF2B5EF4-FFF2-40B4-BE49-F238E27FC236}">
-                <a16:creationId xmlns:a16="http://schemas.microsoft.com/office/drawing/2014/main" xmlns="" id="{6283ABB7-49FA-4904-B0FD-70D1EA9F2C27}"/>
+                <a16:creationId xmlns:a16="http://schemas.microsoft.com/office/drawing/2014/main" id="{88E103B5-8428-49A9-AA1C-22B6745429F3}"/>
               </a:ext>
             </a:extLst>
           </p:cNvPr>
@@ -8835,7 +8835,7 @@
           <a:blip r:embed="rId3" cstate="print">
             <a:extLst>
               <a:ext uri="{28A0092B-C50C-407E-A947-70E740481C1C}">
-                <a14:useLocalDpi xmlns:a14="http://schemas.microsoft.com/office/drawing/2010/main" xmlns="" val="0"/>
+                <a14:useLocalDpi xmlns:a14="http://schemas.microsoft.com/office/drawing/2010/main" val="0"/>
               </a:ext>
             </a:extLst>
           </a:blip>
@@ -8845,8 +8845,8 @@
         </p:blipFill>
         <p:spPr>
           <a:xfrm>
-            <a:off x="4776132" y="840992"/>
-            <a:ext cx="3970562" cy="2154857"/>
+            <a:off x="4749168" y="775532"/>
+            <a:ext cx="3554524" cy="2249347"/>
           </a:xfrm>
           <a:prstGeom prst="rect">
             <a:avLst/>
@@ -8861,20 +8861,20 @@
     </p:spTree>
     <p:extLst>
       <p:ext uri="{BB962C8B-B14F-4D97-AF65-F5344CB8AC3E}">
-        <p14:creationId xmlns:p14="http://schemas.microsoft.com/office/powerpoint/2010/main" xmlns="" val="3413513638"/>
+        <p14:creationId xmlns:p14="http://schemas.microsoft.com/office/powerpoint/2010/main" val="3413513638"/>
       </p:ext>
     </p:extLst>
   </p:cSld>
   <p:clrMapOvr>
     <a:masterClrMapping/>
   </p:clrMapOvr>
-  <mc:AlternateContent xmlns:mc="http://schemas.openxmlformats.org/markup-compatibility/2006">
-    <mc:Choice xmlns:p14="http://schemas.microsoft.com/office/powerpoint/2010/main" xmlns="" Requires="p14">
+  <mc:AlternateContent xmlns:mc="http://schemas.openxmlformats.org/markup-compatibility/2006" xmlns:p14="http://schemas.microsoft.com/office/powerpoint/2010/main">
+    <mc:Choice Requires="p14">
       <p:transition spd="med" p14:dur="700">
         <p:fade/>
       </p:transition>
     </mc:Choice>
-    <mc:Fallback>
+    <mc:Fallback xmlns="">
       <p:transition spd="med">
         <p:fade/>
       </p:transition>
@@ -8905,7 +8905,7 @@
           <p:cNvPr id="2" name="TextBox 1">
             <a:extLst>
               <a:ext uri="{FF2B5EF4-FFF2-40B4-BE49-F238E27FC236}">
-                <a16:creationId xmlns:a16="http://schemas.microsoft.com/office/drawing/2014/main" xmlns="" id="{986EEA5D-17E4-483C-9EAE-B5E04FE56D96}"/>
+                <a16:creationId xmlns:a16="http://schemas.microsoft.com/office/drawing/2014/main" id="{986EEA5D-17E4-483C-9EAE-B5E04FE56D96}"/>
               </a:ext>
             </a:extLst>
           </p:cNvPr>
@@ -8953,7 +8953,7 @@
           <p:cNvPr id="3" name="TextBox 2">
             <a:extLst>
               <a:ext uri="{FF2B5EF4-FFF2-40B4-BE49-F238E27FC236}">
-                <a16:creationId xmlns:a16="http://schemas.microsoft.com/office/drawing/2014/main" xmlns="" id="{5EB161B7-DEAE-478C-B542-79B1A7DCF2E9}"/>
+                <a16:creationId xmlns:a16="http://schemas.microsoft.com/office/drawing/2014/main" id="{5EB161B7-DEAE-478C-B542-79B1A7DCF2E9}"/>
               </a:ext>
             </a:extLst>
           </p:cNvPr>
@@ -9001,7 +9001,7 @@
           <p:cNvPr id="7" name="TextBox 6">
             <a:extLst>
               <a:ext uri="{FF2B5EF4-FFF2-40B4-BE49-F238E27FC236}">
-                <a16:creationId xmlns:a16="http://schemas.microsoft.com/office/drawing/2014/main" xmlns="" id="{05375609-AAFC-425D-AD9C-F78F2A31D89D}"/>
+                <a16:creationId xmlns:a16="http://schemas.microsoft.com/office/drawing/2014/main" id="{05375609-AAFC-425D-AD9C-F78F2A31D89D}"/>
               </a:ext>
             </a:extLst>
           </p:cNvPr>
@@ -9050,7 +9050,7 @@
           <p:cNvPr id="8" name="Picture 4" descr="카카오톡 프로필 사람 그림자에 대한 이미지 검색결과">
             <a:extLst>
               <a:ext uri="{FF2B5EF4-FFF2-40B4-BE49-F238E27FC236}">
-                <a16:creationId xmlns:a16="http://schemas.microsoft.com/office/drawing/2014/main" xmlns="" id="{05BF5995-AD3E-4047-B484-3260573DB00F}"/>
+                <a16:creationId xmlns:a16="http://schemas.microsoft.com/office/drawing/2014/main" id="{05BF5995-AD3E-4047-B484-3260573DB00F}"/>
               </a:ext>
             </a:extLst>
           </p:cNvPr>
@@ -9063,7 +9063,7 @@
           <a:blip r:embed="rId2" cstate="print">
             <a:extLst>
               <a:ext uri="{28A0092B-C50C-407E-A947-70E740481C1C}">
-                <a14:useLocalDpi xmlns:a14="http://schemas.microsoft.com/office/drawing/2010/main" xmlns="" val="0"/>
+                <a14:useLocalDpi xmlns:a14="http://schemas.microsoft.com/office/drawing/2010/main" val="0"/>
               </a:ext>
             </a:extLst>
           </a:blip>
@@ -9088,7 +9088,7 @@
           </a:ln>
           <a:extLst>
             <a:ext uri="{909E8E84-426E-40DD-AFC4-6F175D3DCCD1}">
-              <a14:hiddenFill xmlns:a14="http://schemas.microsoft.com/office/drawing/2010/main" xmlns="">
+              <a14:hiddenFill xmlns:a14="http://schemas.microsoft.com/office/drawing/2010/main">
                 <a:solidFill>
                   <a:srgbClr val="FFFFFF"/>
                 </a:solidFill>
@@ -9102,7 +9102,7 @@
           <p:cNvPr id="9" name="TextBox 8">
             <a:extLst>
               <a:ext uri="{FF2B5EF4-FFF2-40B4-BE49-F238E27FC236}">
-                <a16:creationId xmlns:a16="http://schemas.microsoft.com/office/drawing/2014/main" xmlns="" id="{C19F4A92-8F56-4578-9636-00533E0D25E9}"/>
+                <a16:creationId xmlns:a16="http://schemas.microsoft.com/office/drawing/2014/main" id="{C19F4A92-8F56-4578-9636-00533E0D25E9}"/>
               </a:ext>
             </a:extLst>
           </p:cNvPr>
@@ -9151,7 +9151,7 @@
           <p:cNvPr id="11" name="TextBox 10">
             <a:extLst>
               <a:ext uri="{FF2B5EF4-FFF2-40B4-BE49-F238E27FC236}">
-                <a16:creationId xmlns:a16="http://schemas.microsoft.com/office/drawing/2014/main" xmlns="" id="{87406268-D7B7-4764-94E8-9F2048422E74}"/>
+                <a16:creationId xmlns:a16="http://schemas.microsoft.com/office/drawing/2014/main" id="{87406268-D7B7-4764-94E8-9F2048422E74}"/>
               </a:ext>
             </a:extLst>
           </p:cNvPr>
@@ -9200,7 +9200,7 @@
           <p:cNvPr id="13" name="TextBox 12">
             <a:extLst>
               <a:ext uri="{FF2B5EF4-FFF2-40B4-BE49-F238E27FC236}">
-                <a16:creationId xmlns:a16="http://schemas.microsoft.com/office/drawing/2014/main" xmlns="" id="{FEA023B2-6483-4057-B661-B335796A3C8B}"/>
+                <a16:creationId xmlns:a16="http://schemas.microsoft.com/office/drawing/2014/main" id="{FEA023B2-6483-4057-B661-B335796A3C8B}"/>
               </a:ext>
             </a:extLst>
           </p:cNvPr>
@@ -9249,7 +9249,7 @@
           <p:cNvPr id="14" name="그림 13">
             <a:extLst>
               <a:ext uri="{FF2B5EF4-FFF2-40B4-BE49-F238E27FC236}">
-                <a16:creationId xmlns:a16="http://schemas.microsoft.com/office/drawing/2014/main" xmlns="" id="{CF8E6919-A9C7-4654-AEB7-E697FE421161}"/>
+                <a16:creationId xmlns:a16="http://schemas.microsoft.com/office/drawing/2014/main" id="{CF8E6919-A9C7-4654-AEB7-E697FE421161}"/>
               </a:ext>
             </a:extLst>
           </p:cNvPr>
@@ -9262,7 +9262,7 @@
           <a:blip r:embed="rId3" cstate="print">
             <a:extLst>
               <a:ext uri="{28A0092B-C50C-407E-A947-70E740481C1C}">
-                <a14:useLocalDpi xmlns:a14="http://schemas.microsoft.com/office/drawing/2010/main" xmlns="" val="0"/>
+                <a14:useLocalDpi xmlns:a14="http://schemas.microsoft.com/office/drawing/2010/main" val="0"/>
               </a:ext>
             </a:extLst>
           </a:blip>
@@ -9365,7 +9365,7 @@
           <p:cNvPr id="5" name="그림 4">
             <a:extLst>
               <a:ext uri="{FF2B5EF4-FFF2-40B4-BE49-F238E27FC236}">
-                <a16:creationId xmlns:a16="http://schemas.microsoft.com/office/drawing/2014/main" xmlns="" id="{4DE77100-1325-4AE2-8632-F3EEB07A679C}"/>
+                <a16:creationId xmlns:a16="http://schemas.microsoft.com/office/drawing/2014/main" id="{4DE77100-1325-4AE2-8632-F3EEB07A679C}"/>
               </a:ext>
             </a:extLst>
           </p:cNvPr>
@@ -9378,7 +9378,7 @@
           <a:blip r:embed="rId5" cstate="print">
             <a:extLst>
               <a:ext uri="{28A0092B-C50C-407E-A947-70E740481C1C}">
-                <a14:useLocalDpi xmlns:a14="http://schemas.microsoft.com/office/drawing/2010/main" xmlns="" val="0"/>
+                <a14:useLocalDpi xmlns:a14="http://schemas.microsoft.com/office/drawing/2010/main" val="0"/>
               </a:ext>
             </a:extLst>
           </a:blip>
@@ -9404,7 +9404,7 @@
     </p:spTree>
     <p:extLst>
       <p:ext uri="{BB962C8B-B14F-4D97-AF65-F5344CB8AC3E}">
-        <p14:creationId xmlns:p14="http://schemas.microsoft.com/office/powerpoint/2010/main" xmlns="" val="818240200"/>
+        <p14:creationId xmlns:p14="http://schemas.microsoft.com/office/powerpoint/2010/main" val="818240200"/>
       </p:ext>
     </p:extLst>
   </p:cSld>
@@ -9743,20 +9743,20 @@
     </p:spTree>
     <p:extLst>
       <p:ext uri="{BB962C8B-B14F-4D97-AF65-F5344CB8AC3E}">
-        <p14:creationId xmlns:p14="http://schemas.microsoft.com/office/powerpoint/2010/main" xmlns="" val="1384825049"/>
+        <p14:creationId xmlns:p14="http://schemas.microsoft.com/office/powerpoint/2010/main" val="1384825049"/>
       </p:ext>
     </p:extLst>
   </p:cSld>
   <p:clrMapOvr>
     <a:masterClrMapping/>
   </p:clrMapOvr>
-  <mc:AlternateContent xmlns:mc="http://schemas.openxmlformats.org/markup-compatibility/2006">
-    <mc:Choice xmlns:p14="http://schemas.microsoft.com/office/powerpoint/2010/main" xmlns="" Requires="p14">
+  <mc:AlternateContent xmlns:mc="http://schemas.openxmlformats.org/markup-compatibility/2006" xmlns:p14="http://schemas.microsoft.com/office/powerpoint/2010/main">
+    <mc:Choice Requires="p14">
       <p:transition spd="med" p14:dur="700">
         <p:fade/>
       </p:transition>
     </mc:Choice>
-    <mc:Fallback>
+    <mc:Fallback xmlns="">
       <p:transition spd="med">
         <p:fade/>
       </p:transition>
@@ -9787,7 +9787,7 @@
           <p:cNvPr id="2" name="TextBox 1">
             <a:extLst>
               <a:ext uri="{FF2B5EF4-FFF2-40B4-BE49-F238E27FC236}">
-                <a16:creationId xmlns:a16="http://schemas.microsoft.com/office/drawing/2014/main" xmlns="" id="{986EEA5D-17E4-483C-9EAE-B5E04FE56D96}"/>
+                <a16:creationId xmlns:a16="http://schemas.microsoft.com/office/drawing/2014/main" id="{986EEA5D-17E4-483C-9EAE-B5E04FE56D96}"/>
               </a:ext>
             </a:extLst>
           </p:cNvPr>
@@ -9835,7 +9835,7 @@
           <p:cNvPr id="3" name="TextBox 2">
             <a:extLst>
               <a:ext uri="{FF2B5EF4-FFF2-40B4-BE49-F238E27FC236}">
-                <a16:creationId xmlns:a16="http://schemas.microsoft.com/office/drawing/2014/main" xmlns="" id="{5EB161B7-DEAE-478C-B542-79B1A7DCF2E9}"/>
+                <a16:creationId xmlns:a16="http://schemas.microsoft.com/office/drawing/2014/main" id="{5EB161B7-DEAE-478C-B542-79B1A7DCF2E9}"/>
               </a:ext>
             </a:extLst>
           </p:cNvPr>
@@ -9883,7 +9883,7 @@
           <p:cNvPr id="7" name="TextBox 6">
             <a:extLst>
               <a:ext uri="{FF2B5EF4-FFF2-40B4-BE49-F238E27FC236}">
-                <a16:creationId xmlns:a16="http://schemas.microsoft.com/office/drawing/2014/main" xmlns="" id="{05375609-AAFC-425D-AD9C-F78F2A31D89D}"/>
+                <a16:creationId xmlns:a16="http://schemas.microsoft.com/office/drawing/2014/main" id="{05375609-AAFC-425D-AD9C-F78F2A31D89D}"/>
               </a:ext>
             </a:extLst>
           </p:cNvPr>
@@ -9932,7 +9932,7 @@
           <p:cNvPr id="1028" name="Picture 4" descr="카카오톡 프로필 사람 그림자에 대한 이미지 검색결과">
             <a:extLst>
               <a:ext uri="{FF2B5EF4-FFF2-40B4-BE49-F238E27FC236}">
-                <a16:creationId xmlns:a16="http://schemas.microsoft.com/office/drawing/2014/main" xmlns="" id="{32C2D10B-5C1A-45A1-8D98-0E82C356F169}"/>
+                <a16:creationId xmlns:a16="http://schemas.microsoft.com/office/drawing/2014/main" id="{32C2D10B-5C1A-45A1-8D98-0E82C356F169}"/>
               </a:ext>
             </a:extLst>
           </p:cNvPr>
@@ -9945,7 +9945,7 @@
           <a:blip r:embed="rId2" cstate="print">
             <a:extLst>
               <a:ext uri="{28A0092B-C50C-407E-A947-70E740481C1C}">
-                <a14:useLocalDpi xmlns:a14="http://schemas.microsoft.com/office/drawing/2010/main" xmlns="" val="0"/>
+                <a14:useLocalDpi xmlns:a14="http://schemas.microsoft.com/office/drawing/2010/main" val="0"/>
               </a:ext>
             </a:extLst>
           </a:blip>
@@ -9970,7 +9970,7 @@
           </a:ln>
           <a:extLst>
             <a:ext uri="{909E8E84-426E-40DD-AFC4-6F175D3DCCD1}">
-              <a14:hiddenFill xmlns:a14="http://schemas.microsoft.com/office/drawing/2010/main" xmlns="">
+              <a14:hiddenFill xmlns:a14="http://schemas.microsoft.com/office/drawing/2010/main">
                 <a:solidFill>
                   <a:srgbClr val="FFFFFF"/>
                 </a:solidFill>
@@ -9984,7 +9984,7 @@
           <p:cNvPr id="8" name="Picture 4" descr="카카오톡 프로필 사람 그림자에 대한 이미지 검색결과">
             <a:extLst>
               <a:ext uri="{FF2B5EF4-FFF2-40B4-BE49-F238E27FC236}">
-                <a16:creationId xmlns:a16="http://schemas.microsoft.com/office/drawing/2014/main" xmlns="" id="{05BF5995-AD3E-4047-B484-3260573DB00F}"/>
+                <a16:creationId xmlns:a16="http://schemas.microsoft.com/office/drawing/2014/main" id="{05BF5995-AD3E-4047-B484-3260573DB00F}"/>
               </a:ext>
             </a:extLst>
           </p:cNvPr>
@@ -9997,7 +9997,7 @@
           <a:blip r:embed="rId2" cstate="print">
             <a:extLst>
               <a:ext uri="{28A0092B-C50C-407E-A947-70E740481C1C}">
-                <a14:useLocalDpi xmlns:a14="http://schemas.microsoft.com/office/drawing/2010/main" xmlns="" val="0"/>
+                <a14:useLocalDpi xmlns:a14="http://schemas.microsoft.com/office/drawing/2010/main" val="0"/>
               </a:ext>
             </a:extLst>
           </a:blip>
@@ -10022,7 +10022,7 @@
           </a:ln>
           <a:extLst>
             <a:ext uri="{909E8E84-426E-40DD-AFC4-6F175D3DCCD1}">
-              <a14:hiddenFill xmlns:a14="http://schemas.microsoft.com/office/drawing/2010/main" xmlns="">
+              <a14:hiddenFill xmlns:a14="http://schemas.microsoft.com/office/drawing/2010/main">
                 <a:solidFill>
                   <a:srgbClr val="FFFFFF"/>
                 </a:solidFill>
@@ -10036,7 +10036,7 @@
           <p:cNvPr id="9" name="TextBox 8">
             <a:extLst>
               <a:ext uri="{FF2B5EF4-FFF2-40B4-BE49-F238E27FC236}">
-                <a16:creationId xmlns:a16="http://schemas.microsoft.com/office/drawing/2014/main" xmlns="" id="{C19F4A92-8F56-4578-9636-00533E0D25E9}"/>
+                <a16:creationId xmlns:a16="http://schemas.microsoft.com/office/drawing/2014/main" id="{C19F4A92-8F56-4578-9636-00533E0D25E9}"/>
               </a:ext>
             </a:extLst>
           </p:cNvPr>
@@ -10085,7 +10085,7 @@
           <p:cNvPr id="10" name="Picture 4" descr="카카오톡 프로필 사람 그림자에 대한 이미지 검색결과">
             <a:extLst>
               <a:ext uri="{FF2B5EF4-FFF2-40B4-BE49-F238E27FC236}">
-                <a16:creationId xmlns:a16="http://schemas.microsoft.com/office/drawing/2014/main" xmlns="" id="{BCCC112F-7052-4A7C-B4AA-57969C7D953F}"/>
+                <a16:creationId xmlns:a16="http://schemas.microsoft.com/office/drawing/2014/main" id="{BCCC112F-7052-4A7C-B4AA-57969C7D953F}"/>
               </a:ext>
             </a:extLst>
           </p:cNvPr>
@@ -10098,7 +10098,7 @@
           <a:blip r:embed="rId2" cstate="print">
             <a:extLst>
               <a:ext uri="{28A0092B-C50C-407E-A947-70E740481C1C}">
-                <a14:useLocalDpi xmlns:a14="http://schemas.microsoft.com/office/drawing/2010/main" xmlns="" val="0"/>
+                <a14:useLocalDpi xmlns:a14="http://schemas.microsoft.com/office/drawing/2010/main" val="0"/>
               </a:ext>
             </a:extLst>
           </a:blip>
@@ -10123,7 +10123,7 @@
           </a:ln>
           <a:extLst>
             <a:ext uri="{909E8E84-426E-40DD-AFC4-6F175D3DCCD1}">
-              <a14:hiddenFill xmlns:a14="http://schemas.microsoft.com/office/drawing/2010/main" xmlns="">
+              <a14:hiddenFill xmlns:a14="http://schemas.microsoft.com/office/drawing/2010/main">
                 <a:solidFill>
                   <a:srgbClr val="FFFFFF"/>
                 </a:solidFill>
@@ -10137,7 +10137,7 @@
           <p:cNvPr id="11" name="TextBox 10">
             <a:extLst>
               <a:ext uri="{FF2B5EF4-FFF2-40B4-BE49-F238E27FC236}">
-                <a16:creationId xmlns:a16="http://schemas.microsoft.com/office/drawing/2014/main" xmlns="" id="{87406268-D7B7-4764-94E8-9F2048422E74}"/>
+                <a16:creationId xmlns:a16="http://schemas.microsoft.com/office/drawing/2014/main" id="{87406268-D7B7-4764-94E8-9F2048422E74}"/>
               </a:ext>
             </a:extLst>
           </p:cNvPr>
@@ -10186,7 +10186,7 @@
           <p:cNvPr id="13" name="TextBox 12">
             <a:extLst>
               <a:ext uri="{FF2B5EF4-FFF2-40B4-BE49-F238E27FC236}">
-                <a16:creationId xmlns:a16="http://schemas.microsoft.com/office/drawing/2014/main" xmlns="" id="{FEA023B2-6483-4057-B661-B335796A3C8B}"/>
+                <a16:creationId xmlns:a16="http://schemas.microsoft.com/office/drawing/2014/main" id="{FEA023B2-6483-4057-B661-B335796A3C8B}"/>
               </a:ext>
             </a:extLst>
           </p:cNvPr>
@@ -10235,7 +10235,7 @@
           <p:cNvPr id="12" name="TextBox 11">
             <a:extLst>
               <a:ext uri="{FF2B5EF4-FFF2-40B4-BE49-F238E27FC236}">
-                <a16:creationId xmlns:a16="http://schemas.microsoft.com/office/drawing/2014/main" xmlns="" id="{D331981B-F839-4516-BAA4-D9A455C2172E}"/>
+                <a16:creationId xmlns:a16="http://schemas.microsoft.com/office/drawing/2014/main" id="{D331981B-F839-4516-BAA4-D9A455C2172E}"/>
               </a:ext>
             </a:extLst>
           </p:cNvPr>
@@ -10285,7 +10285,7 @@
           <p:cNvPr id="5" name="그림 4">
             <a:extLst>
               <a:ext uri="{FF2B5EF4-FFF2-40B4-BE49-F238E27FC236}">
-                <a16:creationId xmlns:a16="http://schemas.microsoft.com/office/drawing/2014/main" xmlns="" id="{750E1ABF-79C3-45AD-AB8F-810B1058A6D9}"/>
+                <a16:creationId xmlns:a16="http://schemas.microsoft.com/office/drawing/2014/main" id="{750E1ABF-79C3-45AD-AB8F-810B1058A6D9}"/>
               </a:ext>
             </a:extLst>
           </p:cNvPr>
@@ -10298,7 +10298,7 @@
           <a:blip r:embed="rId3" cstate="print">
             <a:extLst>
               <a:ext uri="{28A0092B-C50C-407E-A947-70E740481C1C}">
-                <a14:useLocalDpi xmlns:a14="http://schemas.microsoft.com/office/drawing/2010/main" xmlns="" val="0"/>
+                <a14:useLocalDpi xmlns:a14="http://schemas.microsoft.com/office/drawing/2010/main" val="0"/>
               </a:ext>
             </a:extLst>
           </a:blip>
@@ -10323,7 +10323,7 @@
     </p:spTree>
     <p:extLst>
       <p:ext uri="{BB962C8B-B14F-4D97-AF65-F5344CB8AC3E}">
-        <p14:creationId xmlns:p14="http://schemas.microsoft.com/office/powerpoint/2010/main" xmlns="" val="2206177647"/>
+        <p14:creationId xmlns:p14="http://schemas.microsoft.com/office/powerpoint/2010/main" val="2206177647"/>
       </p:ext>
     </p:extLst>
   </p:cSld>
@@ -10403,20 +10403,20 @@
     </p:spTree>
     <p:extLst>
       <p:ext uri="{BB962C8B-B14F-4D97-AF65-F5344CB8AC3E}">
-        <p14:creationId xmlns:p14="http://schemas.microsoft.com/office/powerpoint/2010/main" xmlns="" val="3611497233"/>
+        <p14:creationId xmlns:p14="http://schemas.microsoft.com/office/powerpoint/2010/main" val="3611497233"/>
       </p:ext>
     </p:extLst>
   </p:cSld>
   <p:clrMapOvr>
     <a:masterClrMapping/>
   </p:clrMapOvr>
-  <mc:AlternateContent xmlns:mc="http://schemas.openxmlformats.org/markup-compatibility/2006">
-    <mc:Choice xmlns:p14="http://schemas.microsoft.com/office/powerpoint/2010/main" xmlns="" Requires="p14">
+  <mc:AlternateContent xmlns:mc="http://schemas.openxmlformats.org/markup-compatibility/2006" xmlns:p14="http://schemas.microsoft.com/office/powerpoint/2010/main">
+    <mc:Choice Requires="p14">
       <p:transition spd="med" p14:dur="700">
         <p:fade/>
       </p:transition>
     </mc:Choice>
-    <mc:Fallback>
+    <mc:Fallback xmlns="">
       <p:transition spd="med">
         <p:fade/>
       </p:transition>
@@ -10489,7 +10489,7 @@
           <p:cNvPr id="27" name="TextBox 26">
             <a:extLst>
               <a:ext uri="{FF2B5EF4-FFF2-40B4-BE49-F238E27FC236}">
-                <a16:creationId xmlns:a16="http://schemas.microsoft.com/office/drawing/2014/main" xmlns="" id="{71D3CDA6-CB11-4728-B722-05E8992D2245}"/>
+                <a16:creationId xmlns:a16="http://schemas.microsoft.com/office/drawing/2014/main" id="{71D3CDA6-CB11-4728-B722-05E8992D2245}"/>
               </a:ext>
             </a:extLst>
           </p:cNvPr>
@@ -10548,7 +10548,7 @@
           <p:cNvPr id="29" name="표 28">
             <a:extLst>
               <a:ext uri="{FF2B5EF4-FFF2-40B4-BE49-F238E27FC236}">
-                <a16:creationId xmlns:a16="http://schemas.microsoft.com/office/drawing/2014/main" xmlns="" id="{8C60907E-11DE-4B90-82FA-077C68792A64}"/>
+                <a16:creationId xmlns:a16="http://schemas.microsoft.com/office/drawing/2014/main" id="{8C60907E-11DE-4B90-82FA-077C68792A64}"/>
               </a:ext>
             </a:extLst>
           </p:cNvPr>
@@ -10558,7 +10558,7 @@
           <p:nvPr>
             <p:extLst>
               <p:ext uri="{D42A27DB-BD31-4B8C-83A1-F6EECF244321}">
-                <p14:modId xmlns:p14="http://schemas.microsoft.com/office/powerpoint/2010/main" xmlns="" val="1885077768"/>
+                <p14:modId xmlns:p14="http://schemas.microsoft.com/office/powerpoint/2010/main" val="1885077768"/>
               </p:ext>
             </p:extLst>
           </p:nvPr>
@@ -10577,14 +10577,14 @@
                 <a:gridCol w="921008">
                   <a:extLst>
                     <a:ext uri="{9D8B030D-6E8A-4147-A177-3AD203B41FA5}">
-                      <a16:colId xmlns:a16="http://schemas.microsoft.com/office/drawing/2014/main" xmlns="" val="20000"/>
+                      <a16:colId xmlns:a16="http://schemas.microsoft.com/office/drawing/2014/main" val="20000"/>
                     </a:ext>
                   </a:extLst>
                 </a:gridCol>
                 <a:gridCol w="2171045">
                   <a:extLst>
                     <a:ext uri="{9D8B030D-6E8A-4147-A177-3AD203B41FA5}">
-                      <a16:colId xmlns:a16="http://schemas.microsoft.com/office/drawing/2014/main" xmlns="" val="20001"/>
+                      <a16:colId xmlns:a16="http://schemas.microsoft.com/office/drawing/2014/main" val="20001"/>
                     </a:ext>
                   </a:extLst>
                 </a:gridCol>
@@ -10791,7 +10791,7 @@
                 </a:tc>
                 <a:extLst>
                   <a:ext uri="{0D108BD9-81ED-4DB2-BD59-A6C34878D82A}">
-                    <a16:rowId xmlns:a16="http://schemas.microsoft.com/office/drawing/2014/main" xmlns="" val="10000"/>
+                    <a16:rowId xmlns:a16="http://schemas.microsoft.com/office/drawing/2014/main" val="10000"/>
                   </a:ext>
                 </a:extLst>
               </a:tr>
@@ -10940,7 +10940,7 @@
                 </a:tc>
                 <a:extLst>
                   <a:ext uri="{0D108BD9-81ED-4DB2-BD59-A6C34878D82A}">
-                    <a16:rowId xmlns:a16="http://schemas.microsoft.com/office/drawing/2014/main" xmlns="" val="10001"/>
+                    <a16:rowId xmlns:a16="http://schemas.microsoft.com/office/drawing/2014/main" val="10001"/>
                   </a:ext>
                 </a:extLst>
               </a:tr>
@@ -11097,7 +11097,7 @@
                 </a:tc>
                 <a:extLst>
                   <a:ext uri="{0D108BD9-81ED-4DB2-BD59-A6C34878D82A}">
-                    <a16:rowId xmlns:a16="http://schemas.microsoft.com/office/drawing/2014/main" xmlns="" val="10002"/>
+                    <a16:rowId xmlns:a16="http://schemas.microsoft.com/office/drawing/2014/main" val="10002"/>
                   </a:ext>
                 </a:extLst>
               </a:tr>
@@ -11211,52 +11211,45 @@
                           <a:latin typeface="한컴 윤체 L" panose="02020603020101020101" pitchFamily="18" charset="-127"/>
                           <a:ea typeface="한컴 윤체 L" panose="02020603020101020101" pitchFamily="18" charset="-127"/>
                         </a:rPr>
-                        <a:t>Java (JDK1.8</a:t>
+                        <a:t>Java (JDK1.8),</a:t>
                       </a:r>
                       <a:r>
-                        <a:rPr lang="en-US" altLang="ko-KR" sz="1050" b="0" dirty="0" smtClean="0">
-                          <a:latin typeface="한컴 윤체 L" panose="02020603020101020101" pitchFamily="18" charset="-127"/>
-                          <a:ea typeface="한컴 윤체 L" panose="02020603020101020101" pitchFamily="18" charset="-127"/>
-                        </a:rPr>
-                        <a:t>),</a:t>
-                      </a:r>
-                      <a:r>
-                        <a:rPr lang="en-US" altLang="ko-KR" sz="1050" b="0" baseline="0" dirty="0" smtClean="0">
+                        <a:rPr lang="en-US" altLang="ko-KR" sz="1050" b="0" baseline="0" dirty="0">
                           <a:latin typeface="한컴 윤체 L" panose="02020603020101020101" pitchFamily="18" charset="-127"/>
                           <a:ea typeface="한컴 윤체 L" panose="02020603020101020101" pitchFamily="18" charset="-127"/>
                         </a:rPr>
                         <a:t> Oracle SQL, JSP, </a:t>
                       </a:r>
                       <a:r>
-                        <a:rPr lang="en-US" altLang="ko-KR" sz="1050" b="0" baseline="0" dirty="0" err="1" smtClean="0">
+                        <a:rPr lang="en-US" altLang="ko-KR" sz="1050" b="0" baseline="0" dirty="0" err="1">
                           <a:latin typeface="한컴 윤체 L" panose="02020603020101020101" pitchFamily="18" charset="-127"/>
                           <a:ea typeface="한컴 윤체 L" panose="02020603020101020101" pitchFamily="18" charset="-127"/>
                         </a:rPr>
                         <a:t>MyBatis</a:t>
                       </a:r>
                       <a:r>
-                        <a:rPr lang="en-US" altLang="ko-KR" sz="1050" b="0" baseline="0" dirty="0" smtClean="0">
+                        <a:rPr lang="en-US" altLang="ko-KR" sz="1050" b="0" baseline="0" dirty="0">
                           <a:latin typeface="한컴 윤체 L" panose="02020603020101020101" pitchFamily="18" charset="-127"/>
                           <a:ea typeface="한컴 윤체 L" panose="02020603020101020101" pitchFamily="18" charset="-127"/>
                         </a:rPr>
                         <a:t>, Spring </a:t>
                       </a:r>
                       <a:r>
-                        <a:rPr lang="ko-KR" altLang="en-US" sz="1050" b="0" baseline="0" dirty="0" smtClean="0">
+                        <a:rPr lang="ko-KR" altLang="en-US" sz="1050" b="0" baseline="0" dirty="0">
                           <a:latin typeface="한컴 윤체 L" panose="02020603020101020101" pitchFamily="18" charset="-127"/>
                           <a:ea typeface="한컴 윤체 L" panose="02020603020101020101" pitchFamily="18" charset="-127"/>
                         </a:rPr>
                         <a:t>프레임워크</a:t>
                       </a:r>
                       <a:r>
-                        <a:rPr lang="en-US" altLang="ko-KR" sz="1050" b="0" baseline="0" dirty="0" smtClean="0">
+                        <a:rPr lang="en-US" altLang="ko-KR" sz="1050" b="0" baseline="0" dirty="0">
                           <a:latin typeface="한컴 윤체 L" panose="02020603020101020101" pitchFamily="18" charset="-127"/>
                           <a:ea typeface="한컴 윤체 L" panose="02020603020101020101" pitchFamily="18" charset="-127"/>
                         </a:rPr>
                         <a:t>, HTML, CSS</a:t>
                       </a:r>
                       <a:r>
-                        <a:rPr lang="en-US" altLang="ko-KR" sz="1050" b="0" baseline="0" smtClean="0">
+                        <a:rPr lang="en-US" altLang="ko-KR" sz="1050" b="0" baseline="0">
                           <a:latin typeface="한컴 윤체 L" panose="02020603020101020101" pitchFamily="18" charset="-127"/>
                           <a:ea typeface="한컴 윤체 L" panose="02020603020101020101" pitchFamily="18" charset="-127"/>
                         </a:rPr>
@@ -11326,7 +11319,7 @@
                 </a:tc>
                 <a:extLst>
                   <a:ext uri="{0D108BD9-81ED-4DB2-BD59-A6C34878D82A}">
-                    <a16:rowId xmlns:a16="http://schemas.microsoft.com/office/drawing/2014/main" xmlns="" val="10003"/>
+                    <a16:rowId xmlns:a16="http://schemas.microsoft.com/office/drawing/2014/main" val="10003"/>
                   </a:ext>
                 </a:extLst>
               </a:tr>
@@ -11493,7 +11486,7 @@
                 </a:tc>
                 <a:extLst>
                   <a:ext uri="{0D108BD9-81ED-4DB2-BD59-A6C34878D82A}">
-                    <a16:rowId xmlns:a16="http://schemas.microsoft.com/office/drawing/2014/main" xmlns="" val="10004"/>
+                    <a16:rowId xmlns:a16="http://schemas.microsoft.com/office/drawing/2014/main" val="10004"/>
                   </a:ext>
                 </a:extLst>
               </a:tr>
@@ -11506,7 +11499,7 @@
           <p:cNvPr id="22" name="Table 3">
             <a:extLst>
               <a:ext uri="{FF2B5EF4-FFF2-40B4-BE49-F238E27FC236}">
-                <a16:creationId xmlns:a16="http://schemas.microsoft.com/office/drawing/2014/main" xmlns="" id="{846F0550-7FB4-4EEA-BEE7-FF712C338127}"/>
+                <a16:creationId xmlns:a16="http://schemas.microsoft.com/office/drawing/2014/main" id="{846F0550-7FB4-4EEA-BEE7-FF712C338127}"/>
               </a:ext>
             </a:extLst>
           </p:cNvPr>
@@ -11516,7 +11509,7 @@
           <p:nvPr>
             <p:extLst>
               <p:ext uri="{D42A27DB-BD31-4B8C-83A1-F6EECF244321}">
-                <p14:modId xmlns:p14="http://schemas.microsoft.com/office/powerpoint/2010/main" xmlns="" val="1637140561"/>
+                <p14:modId xmlns:p14="http://schemas.microsoft.com/office/powerpoint/2010/main" val="1637140561"/>
               </p:ext>
             </p:extLst>
           </p:nvPr>
@@ -11542,84 +11535,84 @@
                 <a:gridCol w="740886">
                   <a:extLst>
                     <a:ext uri="{9D8B030D-6E8A-4147-A177-3AD203B41FA5}">
-                      <a16:colId xmlns:a16="http://schemas.microsoft.com/office/drawing/2014/main" xmlns="" val="20000"/>
+                      <a16:colId xmlns:a16="http://schemas.microsoft.com/office/drawing/2014/main" val="20000"/>
                     </a:ext>
                   </a:extLst>
                 </a:gridCol>
                 <a:gridCol w="414840">
                   <a:extLst>
                     <a:ext uri="{9D8B030D-6E8A-4147-A177-3AD203B41FA5}">
-                      <a16:colId xmlns:a16="http://schemas.microsoft.com/office/drawing/2014/main" xmlns="" val="20001"/>
+                      <a16:colId xmlns:a16="http://schemas.microsoft.com/office/drawing/2014/main" val="20001"/>
                     </a:ext>
                   </a:extLst>
                 </a:gridCol>
                 <a:gridCol w="402885">
                   <a:extLst>
                     <a:ext uri="{9D8B030D-6E8A-4147-A177-3AD203B41FA5}">
-                      <a16:colId xmlns:a16="http://schemas.microsoft.com/office/drawing/2014/main" xmlns="" val="20002"/>
+                      <a16:colId xmlns:a16="http://schemas.microsoft.com/office/drawing/2014/main" val="20002"/>
                     </a:ext>
                   </a:extLst>
                 </a:gridCol>
                 <a:gridCol w="402885">
                   <a:extLst>
                     <a:ext uri="{9D8B030D-6E8A-4147-A177-3AD203B41FA5}">
-                      <a16:colId xmlns:a16="http://schemas.microsoft.com/office/drawing/2014/main" xmlns="" val="20003"/>
+                      <a16:colId xmlns:a16="http://schemas.microsoft.com/office/drawing/2014/main" val="20003"/>
                     </a:ext>
                   </a:extLst>
                 </a:gridCol>
                 <a:gridCol w="402885">
                   <a:extLst>
                     <a:ext uri="{9D8B030D-6E8A-4147-A177-3AD203B41FA5}">
-                      <a16:colId xmlns:a16="http://schemas.microsoft.com/office/drawing/2014/main" xmlns="" val="20004"/>
+                      <a16:colId xmlns:a16="http://schemas.microsoft.com/office/drawing/2014/main" val="20004"/>
                     </a:ext>
                   </a:extLst>
                 </a:gridCol>
                 <a:gridCol w="402885">
                   <a:extLst>
                     <a:ext uri="{9D8B030D-6E8A-4147-A177-3AD203B41FA5}">
-                      <a16:colId xmlns:a16="http://schemas.microsoft.com/office/drawing/2014/main" xmlns="" val="20005"/>
+                      <a16:colId xmlns:a16="http://schemas.microsoft.com/office/drawing/2014/main" val="20005"/>
                     </a:ext>
                   </a:extLst>
                 </a:gridCol>
                 <a:gridCol w="402885">
                   <a:extLst>
                     <a:ext uri="{9D8B030D-6E8A-4147-A177-3AD203B41FA5}">
-                      <a16:colId xmlns:a16="http://schemas.microsoft.com/office/drawing/2014/main" xmlns="" val="20006"/>
+                      <a16:colId xmlns:a16="http://schemas.microsoft.com/office/drawing/2014/main" val="20006"/>
                     </a:ext>
                   </a:extLst>
                 </a:gridCol>
                 <a:gridCol w="402885">
                   <a:extLst>
                     <a:ext uri="{9D8B030D-6E8A-4147-A177-3AD203B41FA5}">
-                      <a16:colId xmlns:a16="http://schemas.microsoft.com/office/drawing/2014/main" xmlns="" val="20007"/>
+                      <a16:colId xmlns:a16="http://schemas.microsoft.com/office/drawing/2014/main" val="20007"/>
                     </a:ext>
                   </a:extLst>
                 </a:gridCol>
                 <a:gridCol w="402885">
                   <a:extLst>
                     <a:ext uri="{9D8B030D-6E8A-4147-A177-3AD203B41FA5}">
-                      <a16:colId xmlns:a16="http://schemas.microsoft.com/office/drawing/2014/main" xmlns="" val="20008"/>
+                      <a16:colId xmlns:a16="http://schemas.microsoft.com/office/drawing/2014/main" val="20008"/>
                     </a:ext>
                   </a:extLst>
                 </a:gridCol>
                 <a:gridCol w="402885">
                   <a:extLst>
                     <a:ext uri="{9D8B030D-6E8A-4147-A177-3AD203B41FA5}">
-                      <a16:colId xmlns:a16="http://schemas.microsoft.com/office/drawing/2014/main" xmlns="" val="20009"/>
+                      <a16:colId xmlns:a16="http://schemas.microsoft.com/office/drawing/2014/main" val="20009"/>
                     </a:ext>
                   </a:extLst>
                 </a:gridCol>
                 <a:gridCol w="402885">
                   <a:extLst>
                     <a:ext uri="{9D8B030D-6E8A-4147-A177-3AD203B41FA5}">
-                      <a16:colId xmlns:a16="http://schemas.microsoft.com/office/drawing/2014/main" xmlns="" val="20010"/>
+                      <a16:colId xmlns:a16="http://schemas.microsoft.com/office/drawing/2014/main" val="20010"/>
                     </a:ext>
                   </a:extLst>
                 </a:gridCol>
                 <a:gridCol w="402885">
                   <a:extLst>
                     <a:ext uri="{9D8B030D-6E8A-4147-A177-3AD203B41FA5}">
-                      <a16:colId xmlns:a16="http://schemas.microsoft.com/office/drawing/2014/main" xmlns="" val="20011"/>
+                      <a16:colId xmlns:a16="http://schemas.microsoft.com/office/drawing/2014/main" val="20011"/>
                     </a:ext>
                   </a:extLst>
                 </a:gridCol>
@@ -12264,7 +12257,7 @@
                 </a:tc>
                 <a:extLst>
                   <a:ext uri="{0D108BD9-81ED-4DB2-BD59-A6C34878D82A}">
-                    <a16:rowId xmlns:a16="http://schemas.microsoft.com/office/drawing/2014/main" xmlns="" val="10000"/>
+                    <a16:rowId xmlns:a16="http://schemas.microsoft.com/office/drawing/2014/main" val="10000"/>
                   </a:ext>
                 </a:extLst>
               </a:tr>
@@ -13028,7 +13021,7 @@
                 </a:tc>
                 <a:extLst>
                   <a:ext uri="{0D108BD9-81ED-4DB2-BD59-A6C34878D82A}">
-                    <a16:rowId xmlns:a16="http://schemas.microsoft.com/office/drawing/2014/main" xmlns="" val="10001"/>
+                    <a16:rowId xmlns:a16="http://schemas.microsoft.com/office/drawing/2014/main" val="10001"/>
                   </a:ext>
                 </a:extLst>
               </a:tr>
@@ -13766,7 +13759,7 @@
                 </a:tc>
                 <a:extLst>
                   <a:ext uri="{0D108BD9-81ED-4DB2-BD59-A6C34878D82A}">
-                    <a16:rowId xmlns:a16="http://schemas.microsoft.com/office/drawing/2014/main" xmlns="" val="10002"/>
+                    <a16:rowId xmlns:a16="http://schemas.microsoft.com/office/drawing/2014/main" val="10002"/>
                   </a:ext>
                 </a:extLst>
               </a:tr>
@@ -14546,7 +14539,7 @@
                 </a:tc>
                 <a:extLst>
                   <a:ext uri="{0D108BD9-81ED-4DB2-BD59-A6C34878D82A}">
-                    <a16:rowId xmlns:a16="http://schemas.microsoft.com/office/drawing/2014/main" xmlns="" val="10003"/>
+                    <a16:rowId xmlns:a16="http://schemas.microsoft.com/office/drawing/2014/main" val="10003"/>
                   </a:ext>
                 </a:extLst>
               </a:tr>
@@ -15293,7 +15286,7 @@
                 </a:tc>
                 <a:extLst>
                   <a:ext uri="{0D108BD9-81ED-4DB2-BD59-A6C34878D82A}">
-                    <a16:rowId xmlns:a16="http://schemas.microsoft.com/office/drawing/2014/main" xmlns="" val="10004"/>
+                    <a16:rowId xmlns:a16="http://schemas.microsoft.com/office/drawing/2014/main" val="10004"/>
                   </a:ext>
                 </a:extLst>
               </a:tr>
@@ -16089,7 +16082,7 @@
                 </a:tc>
                 <a:extLst>
                   <a:ext uri="{0D108BD9-81ED-4DB2-BD59-A6C34878D82A}">
-                    <a16:rowId xmlns:a16="http://schemas.microsoft.com/office/drawing/2014/main" xmlns="" val="10005"/>
+                    <a16:rowId xmlns:a16="http://schemas.microsoft.com/office/drawing/2014/main" val="10005"/>
                   </a:ext>
                 </a:extLst>
               </a:tr>
@@ -16836,7 +16829,7 @@
                 </a:tc>
                 <a:extLst>
                   <a:ext uri="{0D108BD9-81ED-4DB2-BD59-A6C34878D82A}">
-                    <a16:rowId xmlns:a16="http://schemas.microsoft.com/office/drawing/2014/main" xmlns="" val="10006"/>
+                    <a16:rowId xmlns:a16="http://schemas.microsoft.com/office/drawing/2014/main" val="10006"/>
                   </a:ext>
                 </a:extLst>
               </a:tr>
@@ -17616,7 +17609,7 @@
                 </a:tc>
                 <a:extLst>
                   <a:ext uri="{0D108BD9-81ED-4DB2-BD59-A6C34878D82A}">
-                    <a16:rowId xmlns:a16="http://schemas.microsoft.com/office/drawing/2014/main" xmlns="" val="10007"/>
+                    <a16:rowId xmlns:a16="http://schemas.microsoft.com/office/drawing/2014/main" val="10007"/>
                   </a:ext>
                 </a:extLst>
               </a:tr>
@@ -17629,7 +17622,7 @@
           <p:cNvPr id="24" name="Rectangle 45">
             <a:extLst>
               <a:ext uri="{FF2B5EF4-FFF2-40B4-BE49-F238E27FC236}">
-                <a16:creationId xmlns:a16="http://schemas.microsoft.com/office/drawing/2014/main" xmlns="" id="{22D5BE16-CBBC-4E85-B6E6-654B23418E6B}"/>
+                <a16:creationId xmlns:a16="http://schemas.microsoft.com/office/drawing/2014/main" id="{22D5BE16-CBBC-4E85-B6E6-654B23418E6B}"/>
               </a:ext>
             </a:extLst>
           </p:cNvPr>
@@ -17687,7 +17680,7 @@
           <p:cNvPr id="25" name="Rectangle 45">
             <a:extLst>
               <a:ext uri="{FF2B5EF4-FFF2-40B4-BE49-F238E27FC236}">
-                <a16:creationId xmlns:a16="http://schemas.microsoft.com/office/drawing/2014/main" xmlns="" id="{6FE8C2B0-0E3A-4F91-8215-F755BD6BB415}"/>
+                <a16:creationId xmlns:a16="http://schemas.microsoft.com/office/drawing/2014/main" id="{6FE8C2B0-0E3A-4F91-8215-F755BD6BB415}"/>
               </a:ext>
             </a:extLst>
           </p:cNvPr>
@@ -17745,7 +17738,7 @@
           <p:cNvPr id="26" name="Rectangle 45">
             <a:extLst>
               <a:ext uri="{FF2B5EF4-FFF2-40B4-BE49-F238E27FC236}">
-                <a16:creationId xmlns:a16="http://schemas.microsoft.com/office/drawing/2014/main" xmlns="" id="{3C069615-7F2A-45E5-9F09-0B2B2DC7902C}"/>
+                <a16:creationId xmlns:a16="http://schemas.microsoft.com/office/drawing/2014/main" id="{3C069615-7F2A-45E5-9F09-0B2B2DC7902C}"/>
               </a:ext>
             </a:extLst>
           </p:cNvPr>
@@ -17803,7 +17796,7 @@
           <p:cNvPr id="28" name="Rectangle 45">
             <a:extLst>
               <a:ext uri="{FF2B5EF4-FFF2-40B4-BE49-F238E27FC236}">
-                <a16:creationId xmlns:a16="http://schemas.microsoft.com/office/drawing/2014/main" xmlns="" id="{83B60910-03C5-4F0C-99F3-156301D8BDB5}"/>
+                <a16:creationId xmlns:a16="http://schemas.microsoft.com/office/drawing/2014/main" id="{83B60910-03C5-4F0C-99F3-156301D8BDB5}"/>
               </a:ext>
             </a:extLst>
           </p:cNvPr>
@@ -17861,7 +17854,7 @@
           <p:cNvPr id="34" name="Rectangle 45">
             <a:extLst>
               <a:ext uri="{FF2B5EF4-FFF2-40B4-BE49-F238E27FC236}">
-                <a16:creationId xmlns:a16="http://schemas.microsoft.com/office/drawing/2014/main" xmlns="" id="{F9736FC2-E69D-4E72-9940-FD07D735B195}"/>
+                <a16:creationId xmlns:a16="http://schemas.microsoft.com/office/drawing/2014/main" id="{F9736FC2-E69D-4E72-9940-FD07D735B195}"/>
               </a:ext>
             </a:extLst>
           </p:cNvPr>
@@ -17919,7 +17912,7 @@
           <p:cNvPr id="35" name="Rectangle 45">
             <a:extLst>
               <a:ext uri="{FF2B5EF4-FFF2-40B4-BE49-F238E27FC236}">
-                <a16:creationId xmlns:a16="http://schemas.microsoft.com/office/drawing/2014/main" xmlns="" id="{006B4CCA-AF53-4D23-98FE-1DD7A8181662}"/>
+                <a16:creationId xmlns:a16="http://schemas.microsoft.com/office/drawing/2014/main" id="{006B4CCA-AF53-4D23-98FE-1DD7A8181662}"/>
               </a:ext>
             </a:extLst>
           </p:cNvPr>
@@ -17977,7 +17970,7 @@
           <p:cNvPr id="36" name="Rectangle 45">
             <a:extLst>
               <a:ext uri="{FF2B5EF4-FFF2-40B4-BE49-F238E27FC236}">
-                <a16:creationId xmlns:a16="http://schemas.microsoft.com/office/drawing/2014/main" xmlns="" id="{C1AF42C5-0EBE-4137-8301-E504AFF34516}"/>
+                <a16:creationId xmlns:a16="http://schemas.microsoft.com/office/drawing/2014/main" id="{C1AF42C5-0EBE-4137-8301-E504AFF34516}"/>
               </a:ext>
             </a:extLst>
           </p:cNvPr>
@@ -18033,20 +18026,20 @@
     </p:spTree>
     <p:extLst>
       <p:ext uri="{BB962C8B-B14F-4D97-AF65-F5344CB8AC3E}">
-        <p14:creationId xmlns:p14="http://schemas.microsoft.com/office/powerpoint/2010/main" xmlns="" val="3821172291"/>
+        <p14:creationId xmlns:p14="http://schemas.microsoft.com/office/powerpoint/2010/main" val="3821172291"/>
       </p:ext>
     </p:extLst>
   </p:cSld>
   <p:clrMapOvr>
     <a:masterClrMapping/>
   </p:clrMapOvr>
-  <mc:AlternateContent xmlns:mc="http://schemas.openxmlformats.org/markup-compatibility/2006">
-    <mc:Choice xmlns:p14="http://schemas.microsoft.com/office/powerpoint/2010/main" xmlns="" Requires="p14">
+  <mc:AlternateContent xmlns:mc="http://schemas.openxmlformats.org/markup-compatibility/2006" xmlns:p14="http://schemas.microsoft.com/office/powerpoint/2010/main">
+    <mc:Choice Requires="p14">
       <p:transition spd="med" p14:dur="700">
         <p:fade/>
       </p:transition>
     </mc:Choice>
-    <mc:Fallback>
+    <mc:Fallback xmlns="">
       <p:transition spd="med">
         <p:fade/>
       </p:transition>
@@ -18119,7 +18112,7 @@
           <p:cNvPr id="7" name="TextBox 6">
             <a:extLst>
               <a:ext uri="{FF2B5EF4-FFF2-40B4-BE49-F238E27FC236}">
-                <a16:creationId xmlns:a16="http://schemas.microsoft.com/office/drawing/2014/main" xmlns="" id="{9A93FFA3-FF75-414A-A59A-8AB2236ABB72}"/>
+                <a16:creationId xmlns:a16="http://schemas.microsoft.com/office/drawing/2014/main" id="{9A93FFA3-FF75-414A-A59A-8AB2236ABB72}"/>
               </a:ext>
             </a:extLst>
           </p:cNvPr>
@@ -18161,7 +18154,7 @@
           <p:cNvPr id="4" name="그림 3">
             <a:extLst>
               <a:ext uri="{FF2B5EF4-FFF2-40B4-BE49-F238E27FC236}">
-                <a16:creationId xmlns:a16="http://schemas.microsoft.com/office/drawing/2014/main" xmlns="" id="{112AF955-9430-4DBE-B41D-C66A9B981287}"/>
+                <a16:creationId xmlns:a16="http://schemas.microsoft.com/office/drawing/2014/main" id="{112AF955-9430-4DBE-B41D-C66A9B981287}"/>
               </a:ext>
             </a:extLst>
           </p:cNvPr>
@@ -18174,7 +18167,7 @@
           <a:blip r:embed="rId2" cstate="print">
             <a:extLst>
               <a:ext uri="{28A0092B-C50C-407E-A947-70E740481C1C}">
-                <a14:useLocalDpi xmlns:a14="http://schemas.microsoft.com/office/drawing/2010/main" xmlns="" val="0"/>
+                <a14:useLocalDpi xmlns:a14="http://schemas.microsoft.com/office/drawing/2010/main" val="0"/>
               </a:ext>
             </a:extLst>
           </a:blip>
@@ -18202,7 +18195,7 @@
           <p:cNvPr id="18" name="표 17">
             <a:extLst>
               <a:ext uri="{FF2B5EF4-FFF2-40B4-BE49-F238E27FC236}">
-                <a16:creationId xmlns:a16="http://schemas.microsoft.com/office/drawing/2014/main" xmlns="" id="{9C3BE569-6935-434C-88DD-9FAD5F579516}"/>
+                <a16:creationId xmlns:a16="http://schemas.microsoft.com/office/drawing/2014/main" id="{9C3BE569-6935-434C-88DD-9FAD5F579516}"/>
               </a:ext>
             </a:extLst>
           </p:cNvPr>
@@ -18212,7 +18205,7 @@
           <p:nvPr>
             <p:extLst>
               <p:ext uri="{D42A27DB-BD31-4B8C-83A1-F6EECF244321}">
-                <p14:modId xmlns:p14="http://schemas.microsoft.com/office/powerpoint/2010/main" xmlns="" val="2941569553"/>
+                <p14:modId xmlns:p14="http://schemas.microsoft.com/office/powerpoint/2010/main" val="2941569553"/>
               </p:ext>
             </p:extLst>
           </p:nvPr>
@@ -18231,7 +18224,7 @@
                 <a:gridCol w="2736304">
                   <a:extLst>
                     <a:ext uri="{9D8B030D-6E8A-4147-A177-3AD203B41FA5}">
-                      <a16:colId xmlns:a16="http://schemas.microsoft.com/office/drawing/2014/main" xmlns="" val="20000"/>
+                      <a16:colId xmlns:a16="http://schemas.microsoft.com/office/drawing/2014/main" val="20000"/>
                     </a:ext>
                   </a:extLst>
                 </a:gridCol>
@@ -18337,7 +18330,7 @@
                 </a:tc>
                 <a:extLst>
                   <a:ext uri="{0D108BD9-81ED-4DB2-BD59-A6C34878D82A}">
-                    <a16:rowId xmlns:a16="http://schemas.microsoft.com/office/drawing/2014/main" xmlns="" val="10000"/>
+                    <a16:rowId xmlns:a16="http://schemas.microsoft.com/office/drawing/2014/main" val="10000"/>
                   </a:ext>
                 </a:extLst>
               </a:tr>
@@ -18422,7 +18415,7 @@
                 </a:tc>
                 <a:extLst>
                   <a:ext uri="{0D108BD9-81ED-4DB2-BD59-A6C34878D82A}">
-                    <a16:rowId xmlns:a16="http://schemas.microsoft.com/office/drawing/2014/main" xmlns="" val="10001"/>
+                    <a16:rowId xmlns:a16="http://schemas.microsoft.com/office/drawing/2014/main" val="10001"/>
                   </a:ext>
                 </a:extLst>
               </a:tr>
@@ -18497,35 +18490,35 @@
                         <a:t>,</a:t>
                       </a:r>
                       <a:r>
-                        <a:rPr lang="ko-KR" altLang="en-US" sz="1050" b="0" dirty="0" err="1" smtClean="0">
+                        <a:rPr lang="ko-KR" altLang="en-US" sz="1050" b="0" dirty="0" err="1">
                           <a:latin typeface="한컴 윤체 L" panose="02020603020101020101" pitchFamily="18" charset="-127"/>
                           <a:ea typeface="한컴 윤체 L" panose="02020603020101020101" pitchFamily="18" charset="-127"/>
                         </a:rPr>
                         <a:t>매니져</a:t>
                       </a:r>
                       <a:r>
-                        <a:rPr lang="en-US" altLang="ko-KR" sz="1050" b="0" dirty="0" smtClean="0">
+                        <a:rPr lang="en-US" altLang="ko-KR" sz="1050" b="0" dirty="0">
                           <a:latin typeface="한컴 윤체 L" panose="02020603020101020101" pitchFamily="18" charset="-127"/>
                           <a:ea typeface="한컴 윤체 L" panose="02020603020101020101" pitchFamily="18" charset="-127"/>
                         </a:rPr>
                         <a:t>,</a:t>
                       </a:r>
                       <a:r>
-                        <a:rPr lang="en-US" altLang="ko-KR" sz="1050" b="0" baseline="0" dirty="0" smtClean="0">
+                        <a:rPr lang="en-US" altLang="ko-KR" sz="1050" b="0" baseline="0" dirty="0">
                           <a:latin typeface="한컴 윤체 L" panose="02020603020101020101" pitchFamily="18" charset="-127"/>
                           <a:ea typeface="한컴 윤체 L" panose="02020603020101020101" pitchFamily="18" charset="-127"/>
                         </a:rPr>
                         <a:t> </a:t>
                       </a:r>
                       <a:r>
-                        <a:rPr lang="ko-KR" altLang="en-US" sz="1050" b="0" baseline="0" smtClean="0">
+                        <a:rPr lang="ko-KR" altLang="en-US" sz="1050" b="0" baseline="0">
                           <a:latin typeface="한컴 윤체 L" panose="02020603020101020101" pitchFamily="18" charset="-127"/>
                           <a:ea typeface="한컴 윤체 L" panose="02020603020101020101" pitchFamily="18" charset="-127"/>
                         </a:rPr>
                         <a:t>기업 </a:t>
                       </a:r>
                       <a:r>
-                        <a:rPr lang="ko-KR" altLang="en-US" sz="1050" b="0" smtClean="0">
+                        <a:rPr lang="ko-KR" altLang="en-US" sz="1050" b="0">
                           <a:latin typeface="한컴 윤체 L" panose="02020603020101020101" pitchFamily="18" charset="-127"/>
                           <a:ea typeface="한컴 윤체 L" panose="02020603020101020101" pitchFamily="18" charset="-127"/>
                         </a:rPr>
@@ -18596,7 +18589,7 @@
                 </a:tc>
                 <a:extLst>
                   <a:ext uri="{0D108BD9-81ED-4DB2-BD59-A6C34878D82A}">
-                    <a16:rowId xmlns:a16="http://schemas.microsoft.com/office/drawing/2014/main" xmlns="" val="10002"/>
+                    <a16:rowId xmlns:a16="http://schemas.microsoft.com/office/drawing/2014/main" val="10002"/>
                   </a:ext>
                 </a:extLst>
               </a:tr>
@@ -18607,20 +18600,20 @@
     </p:spTree>
     <p:extLst>
       <p:ext uri="{BB962C8B-B14F-4D97-AF65-F5344CB8AC3E}">
-        <p14:creationId xmlns:p14="http://schemas.microsoft.com/office/powerpoint/2010/main" xmlns="" val="1974618126"/>
+        <p14:creationId xmlns:p14="http://schemas.microsoft.com/office/powerpoint/2010/main" val="1974618126"/>
       </p:ext>
     </p:extLst>
   </p:cSld>
   <p:clrMapOvr>
     <a:masterClrMapping/>
   </p:clrMapOvr>
-  <mc:AlternateContent xmlns:mc="http://schemas.openxmlformats.org/markup-compatibility/2006">
-    <mc:Choice xmlns:p14="http://schemas.microsoft.com/office/powerpoint/2010/main" xmlns="" Requires="p14">
+  <mc:AlternateContent xmlns:mc="http://schemas.openxmlformats.org/markup-compatibility/2006" xmlns:p14="http://schemas.microsoft.com/office/powerpoint/2010/main">
+    <mc:Choice Requires="p14">
       <p:transition spd="med" p14:dur="700">
         <p:fade/>
       </p:transition>
     </mc:Choice>
-    <mc:Fallback>
+    <mc:Fallback xmlns="">
       <p:transition spd="med">
         <p:fade/>
       </p:transition>
@@ -18689,7 +18682,7 @@
           <p:cNvPr id="10" name="직사각형 9">
             <a:extLst>
               <a:ext uri="{FF2B5EF4-FFF2-40B4-BE49-F238E27FC236}">
-                <a16:creationId xmlns:a16="http://schemas.microsoft.com/office/drawing/2014/main" xmlns="" id="{64617F76-3FBE-4D83-A2FE-EA87BE6C672A}"/>
+                <a16:creationId xmlns:a16="http://schemas.microsoft.com/office/drawing/2014/main" id="{64617F76-3FBE-4D83-A2FE-EA87BE6C672A}"/>
               </a:ext>
             </a:extLst>
           </p:cNvPr>
@@ -18761,7 +18754,7 @@
           <p:cNvPr id="22" name="표 21">
             <a:extLst>
               <a:ext uri="{FF2B5EF4-FFF2-40B4-BE49-F238E27FC236}">
-                <a16:creationId xmlns:a16="http://schemas.microsoft.com/office/drawing/2014/main" xmlns="" id="{1DAF5372-8FFF-4A92-A5A5-5FA0001F950D}"/>
+                <a16:creationId xmlns:a16="http://schemas.microsoft.com/office/drawing/2014/main" id="{1DAF5372-8FFF-4A92-A5A5-5FA0001F950D}"/>
               </a:ext>
             </a:extLst>
           </p:cNvPr>
@@ -18771,7 +18764,7 @@
           <p:nvPr>
             <p:extLst>
               <p:ext uri="{D42A27DB-BD31-4B8C-83A1-F6EECF244321}">
-                <p14:modId xmlns:p14="http://schemas.microsoft.com/office/powerpoint/2010/main" xmlns="" val="3849027936"/>
+                <p14:modId xmlns:p14="http://schemas.microsoft.com/office/powerpoint/2010/main" val="3849027936"/>
               </p:ext>
             </p:extLst>
           </p:nvPr>
@@ -18790,7 +18783,7 @@
                 <a:gridCol w="2880320">
                   <a:extLst>
                     <a:ext uri="{9D8B030D-6E8A-4147-A177-3AD203B41FA5}">
-                      <a16:colId xmlns:a16="http://schemas.microsoft.com/office/drawing/2014/main" xmlns="" val="20000"/>
+                      <a16:colId xmlns:a16="http://schemas.microsoft.com/office/drawing/2014/main" val="20000"/>
                     </a:ext>
                   </a:extLst>
                 </a:gridCol>
@@ -18896,7 +18889,7 @@
                 </a:tc>
                 <a:extLst>
                   <a:ext uri="{0D108BD9-81ED-4DB2-BD59-A6C34878D82A}">
-                    <a16:rowId xmlns:a16="http://schemas.microsoft.com/office/drawing/2014/main" xmlns="" val="10000"/>
+                    <a16:rowId xmlns:a16="http://schemas.microsoft.com/office/drawing/2014/main" val="10000"/>
                   </a:ext>
                 </a:extLst>
               </a:tr>
@@ -18981,7 +18974,7 @@
                 </a:tc>
                 <a:extLst>
                   <a:ext uri="{0D108BD9-81ED-4DB2-BD59-A6C34878D82A}">
-                    <a16:rowId xmlns:a16="http://schemas.microsoft.com/office/drawing/2014/main" xmlns="" val="10001"/>
+                    <a16:rowId xmlns:a16="http://schemas.microsoft.com/office/drawing/2014/main" val="10001"/>
                   </a:ext>
                 </a:extLst>
               </a:tr>
@@ -19085,7 +19078,7 @@
                 </a:tc>
                 <a:extLst>
                   <a:ext uri="{0D108BD9-81ED-4DB2-BD59-A6C34878D82A}">
-                    <a16:rowId xmlns:a16="http://schemas.microsoft.com/office/drawing/2014/main" xmlns="" val="10002"/>
+                    <a16:rowId xmlns:a16="http://schemas.microsoft.com/office/drawing/2014/main" val="10002"/>
                   </a:ext>
                 </a:extLst>
               </a:tr>
@@ -19098,7 +19091,7 @@
           <p:cNvPr id="17" name="그림 16">
             <a:extLst>
               <a:ext uri="{FF2B5EF4-FFF2-40B4-BE49-F238E27FC236}">
-                <a16:creationId xmlns:a16="http://schemas.microsoft.com/office/drawing/2014/main" xmlns="" id="{0AAEC669-0C7D-4EE0-A031-3E59A3CBEB69}"/>
+                <a16:creationId xmlns:a16="http://schemas.microsoft.com/office/drawing/2014/main" id="{0AAEC669-0C7D-4EE0-A031-3E59A3CBEB69}"/>
               </a:ext>
             </a:extLst>
           </p:cNvPr>
@@ -19111,7 +19104,7 @@
           <a:blip r:embed="rId2" cstate="print">
             <a:extLst>
               <a:ext uri="{28A0092B-C50C-407E-A947-70E740481C1C}">
-                <a14:useLocalDpi xmlns:a14="http://schemas.microsoft.com/office/drawing/2010/main" xmlns="" val="0"/>
+                <a14:useLocalDpi xmlns:a14="http://schemas.microsoft.com/office/drawing/2010/main" val="0"/>
               </a:ext>
             </a:extLst>
           </a:blip>
@@ -19139,7 +19132,7 @@
           <p:cNvPr id="19" name="TextBox 18">
             <a:extLst>
               <a:ext uri="{FF2B5EF4-FFF2-40B4-BE49-F238E27FC236}">
-                <a16:creationId xmlns:a16="http://schemas.microsoft.com/office/drawing/2014/main" xmlns="" id="{08887152-4A96-4FCC-AC0C-20E5DFC597E0}"/>
+                <a16:creationId xmlns:a16="http://schemas.microsoft.com/office/drawing/2014/main" id="{08887152-4A96-4FCC-AC0C-20E5DFC597E0}"/>
               </a:ext>
             </a:extLst>
           </p:cNvPr>
@@ -19184,7 +19177,7 @@
           <p:cNvPr id="20" name="TextBox 19">
             <a:extLst>
               <a:ext uri="{FF2B5EF4-FFF2-40B4-BE49-F238E27FC236}">
-                <a16:creationId xmlns:a16="http://schemas.microsoft.com/office/drawing/2014/main" xmlns="" id="{817B01FC-760C-443B-823A-528D79C32133}"/>
+                <a16:creationId xmlns:a16="http://schemas.microsoft.com/office/drawing/2014/main" id="{817B01FC-760C-443B-823A-528D79C32133}"/>
               </a:ext>
             </a:extLst>
           </p:cNvPr>
@@ -19230,20 +19223,20 @@
     </p:spTree>
     <p:extLst>
       <p:ext uri="{BB962C8B-B14F-4D97-AF65-F5344CB8AC3E}">
-        <p14:creationId xmlns:p14="http://schemas.microsoft.com/office/powerpoint/2010/main" xmlns="" val="2439963436"/>
+        <p14:creationId xmlns:p14="http://schemas.microsoft.com/office/powerpoint/2010/main" val="2439963436"/>
       </p:ext>
     </p:extLst>
   </p:cSld>
   <p:clrMapOvr>
     <a:masterClrMapping/>
   </p:clrMapOvr>
-  <mc:AlternateContent xmlns:mc="http://schemas.openxmlformats.org/markup-compatibility/2006">
-    <mc:Choice xmlns:p14="http://schemas.microsoft.com/office/powerpoint/2010/main" xmlns="" Requires="p14">
+  <mc:AlternateContent xmlns:mc="http://schemas.openxmlformats.org/markup-compatibility/2006" xmlns:p14="http://schemas.microsoft.com/office/powerpoint/2010/main">
+    <mc:Choice Requires="p14">
       <p:transition spd="med" p14:dur="700">
         <p:fade/>
       </p:transition>
     </mc:Choice>
-    <mc:Fallback>
+    <mc:Fallback xmlns="">
       <p:transition spd="med">
         <p:fade/>
       </p:transition>
@@ -19312,7 +19305,7 @@
           <p:cNvPr id="10" name="직사각형 9">
             <a:extLst>
               <a:ext uri="{FF2B5EF4-FFF2-40B4-BE49-F238E27FC236}">
-                <a16:creationId xmlns:a16="http://schemas.microsoft.com/office/drawing/2014/main" xmlns="" id="{64617F76-3FBE-4D83-A2FE-EA87BE6C672A}"/>
+                <a16:creationId xmlns:a16="http://schemas.microsoft.com/office/drawing/2014/main" id="{64617F76-3FBE-4D83-A2FE-EA87BE6C672A}"/>
               </a:ext>
             </a:extLst>
           </p:cNvPr>
@@ -19384,7 +19377,7 @@
           <p:cNvPr id="22" name="표 21">
             <a:extLst>
               <a:ext uri="{FF2B5EF4-FFF2-40B4-BE49-F238E27FC236}">
-                <a16:creationId xmlns:a16="http://schemas.microsoft.com/office/drawing/2014/main" xmlns="" id="{1DAF5372-8FFF-4A92-A5A5-5FA0001F950D}"/>
+                <a16:creationId xmlns:a16="http://schemas.microsoft.com/office/drawing/2014/main" id="{1DAF5372-8FFF-4A92-A5A5-5FA0001F950D}"/>
               </a:ext>
             </a:extLst>
           </p:cNvPr>
@@ -19394,7 +19387,7 @@
           <p:nvPr>
             <p:extLst>
               <p:ext uri="{D42A27DB-BD31-4B8C-83A1-F6EECF244321}">
-                <p14:modId xmlns:p14="http://schemas.microsoft.com/office/powerpoint/2010/main" xmlns="" val="2192646974"/>
+                <p14:modId xmlns:p14="http://schemas.microsoft.com/office/powerpoint/2010/main" val="2192646974"/>
               </p:ext>
             </p:extLst>
           </p:nvPr>
@@ -19413,7 +19406,7 @@
                 <a:gridCol w="2880320">
                   <a:extLst>
                     <a:ext uri="{9D8B030D-6E8A-4147-A177-3AD203B41FA5}">
-                      <a16:colId xmlns:a16="http://schemas.microsoft.com/office/drawing/2014/main" xmlns="" val="20000"/>
+                      <a16:colId xmlns:a16="http://schemas.microsoft.com/office/drawing/2014/main" val="20000"/>
                     </a:ext>
                   </a:extLst>
                 </a:gridCol>
@@ -19533,7 +19526,7 @@
                 </a:tc>
                 <a:extLst>
                   <a:ext uri="{0D108BD9-81ED-4DB2-BD59-A6C34878D82A}">
-                    <a16:rowId xmlns:a16="http://schemas.microsoft.com/office/drawing/2014/main" xmlns="" val="10000"/>
+                    <a16:rowId xmlns:a16="http://schemas.microsoft.com/office/drawing/2014/main" val="10000"/>
                   </a:ext>
                 </a:extLst>
               </a:tr>
@@ -19618,7 +19611,7 @@
                 </a:tc>
                 <a:extLst>
                   <a:ext uri="{0D108BD9-81ED-4DB2-BD59-A6C34878D82A}">
-                    <a16:rowId xmlns:a16="http://schemas.microsoft.com/office/drawing/2014/main" xmlns="" val="10001"/>
+                    <a16:rowId xmlns:a16="http://schemas.microsoft.com/office/drawing/2014/main" val="10001"/>
                   </a:ext>
                 </a:extLst>
               </a:tr>
@@ -19708,7 +19701,7 @@
                 </a:tc>
                 <a:extLst>
                   <a:ext uri="{0D108BD9-81ED-4DB2-BD59-A6C34878D82A}">
-                    <a16:rowId xmlns:a16="http://schemas.microsoft.com/office/drawing/2014/main" xmlns="" val="10002"/>
+                    <a16:rowId xmlns:a16="http://schemas.microsoft.com/office/drawing/2014/main" val="10002"/>
                   </a:ext>
                 </a:extLst>
               </a:tr>
@@ -19721,7 +19714,7 @@
           <p:cNvPr id="19" name="TextBox 18">
             <a:extLst>
               <a:ext uri="{FF2B5EF4-FFF2-40B4-BE49-F238E27FC236}">
-                <a16:creationId xmlns:a16="http://schemas.microsoft.com/office/drawing/2014/main" xmlns="" id="{08887152-4A96-4FCC-AC0C-20E5DFC597E0}"/>
+                <a16:creationId xmlns:a16="http://schemas.microsoft.com/office/drawing/2014/main" id="{08887152-4A96-4FCC-AC0C-20E5DFC597E0}"/>
               </a:ext>
             </a:extLst>
           </p:cNvPr>
@@ -19780,7 +19773,7 @@
           <p:cNvPr id="20" name="TextBox 19">
             <a:extLst>
               <a:ext uri="{FF2B5EF4-FFF2-40B4-BE49-F238E27FC236}">
-                <a16:creationId xmlns:a16="http://schemas.microsoft.com/office/drawing/2014/main" xmlns="" id="{817B01FC-760C-443B-823A-528D79C32133}"/>
+                <a16:creationId xmlns:a16="http://schemas.microsoft.com/office/drawing/2014/main" id="{817B01FC-760C-443B-823A-528D79C32133}"/>
               </a:ext>
             </a:extLst>
           </p:cNvPr>
@@ -19828,7 +19821,7 @@
           <p:cNvPr id="3" name="그림 2">
             <a:extLst>
               <a:ext uri="{FF2B5EF4-FFF2-40B4-BE49-F238E27FC236}">
-                <a16:creationId xmlns:a16="http://schemas.microsoft.com/office/drawing/2014/main" xmlns="" id="{2C521542-8EF6-4F38-905C-65F9DD446603}"/>
+                <a16:creationId xmlns:a16="http://schemas.microsoft.com/office/drawing/2014/main" id="{2C521542-8EF6-4F38-905C-65F9DD446603}"/>
               </a:ext>
             </a:extLst>
           </p:cNvPr>
@@ -19841,7 +19834,7 @@
           <a:blip r:embed="rId2" cstate="print">
             <a:extLst>
               <a:ext uri="{28A0092B-C50C-407E-A947-70E740481C1C}">
-                <a14:useLocalDpi xmlns:a14="http://schemas.microsoft.com/office/drawing/2010/main" xmlns="" val="0"/>
+                <a14:useLocalDpi xmlns:a14="http://schemas.microsoft.com/office/drawing/2010/main" val="0"/>
               </a:ext>
             </a:extLst>
           </a:blip>
@@ -19869,7 +19862,7 @@
           <p:cNvPr id="6" name="그림 5">
             <a:extLst>
               <a:ext uri="{FF2B5EF4-FFF2-40B4-BE49-F238E27FC236}">
-                <a16:creationId xmlns:a16="http://schemas.microsoft.com/office/drawing/2014/main" xmlns="" id="{C79FED55-DC83-4BCE-AC60-CD7E1D970936}"/>
+                <a16:creationId xmlns:a16="http://schemas.microsoft.com/office/drawing/2014/main" id="{C79FED55-DC83-4BCE-AC60-CD7E1D970936}"/>
               </a:ext>
             </a:extLst>
           </p:cNvPr>
@@ -19882,7 +19875,7 @@
           <a:blip r:embed="rId3" cstate="print">
             <a:extLst>
               <a:ext uri="{28A0092B-C50C-407E-A947-70E740481C1C}">
-                <a14:useLocalDpi xmlns:a14="http://schemas.microsoft.com/office/drawing/2010/main" xmlns="" val="0"/>
+                <a14:useLocalDpi xmlns:a14="http://schemas.microsoft.com/office/drawing/2010/main" val="0"/>
               </a:ext>
             </a:extLst>
           </a:blip>
@@ -19908,20 +19901,20 @@
     </p:spTree>
     <p:extLst>
       <p:ext uri="{BB962C8B-B14F-4D97-AF65-F5344CB8AC3E}">
-        <p14:creationId xmlns:p14="http://schemas.microsoft.com/office/powerpoint/2010/main" xmlns="" val="2129670835"/>
+        <p14:creationId xmlns:p14="http://schemas.microsoft.com/office/powerpoint/2010/main" val="2129670835"/>
       </p:ext>
     </p:extLst>
   </p:cSld>
   <p:clrMapOvr>
     <a:masterClrMapping/>
   </p:clrMapOvr>
-  <mc:AlternateContent xmlns:mc="http://schemas.openxmlformats.org/markup-compatibility/2006">
-    <mc:Choice xmlns:p14="http://schemas.microsoft.com/office/powerpoint/2010/main" xmlns="" Requires="p14">
+  <mc:AlternateContent xmlns:mc="http://schemas.openxmlformats.org/markup-compatibility/2006" xmlns:p14="http://schemas.microsoft.com/office/powerpoint/2010/main">
+    <mc:Choice Requires="p14">
       <p:transition spd="med" p14:dur="700">
         <p:fade/>
       </p:transition>
     </mc:Choice>
-    <mc:Fallback>
+    <mc:Fallback xmlns="">
       <p:transition spd="med">
         <p:fade/>
       </p:transition>
@@ -19990,7 +19983,7 @@
           <p:cNvPr id="10" name="직사각형 9">
             <a:extLst>
               <a:ext uri="{FF2B5EF4-FFF2-40B4-BE49-F238E27FC236}">
-                <a16:creationId xmlns:a16="http://schemas.microsoft.com/office/drawing/2014/main" xmlns="" id="{64617F76-3FBE-4D83-A2FE-EA87BE6C672A}"/>
+                <a16:creationId xmlns:a16="http://schemas.microsoft.com/office/drawing/2014/main" id="{64617F76-3FBE-4D83-A2FE-EA87BE6C672A}"/>
               </a:ext>
             </a:extLst>
           </p:cNvPr>
@@ -20062,7 +20055,7 @@
           <p:cNvPr id="22" name="표 21">
             <a:extLst>
               <a:ext uri="{FF2B5EF4-FFF2-40B4-BE49-F238E27FC236}">
-                <a16:creationId xmlns:a16="http://schemas.microsoft.com/office/drawing/2014/main" xmlns="" id="{1DAF5372-8FFF-4A92-A5A5-5FA0001F950D}"/>
+                <a16:creationId xmlns:a16="http://schemas.microsoft.com/office/drawing/2014/main" id="{1DAF5372-8FFF-4A92-A5A5-5FA0001F950D}"/>
               </a:ext>
             </a:extLst>
           </p:cNvPr>
@@ -20072,7 +20065,7 @@
           <p:nvPr>
             <p:extLst>
               <p:ext uri="{D42A27DB-BD31-4B8C-83A1-F6EECF244321}">
-                <p14:modId xmlns:p14="http://schemas.microsoft.com/office/powerpoint/2010/main" xmlns="" val="3307304461"/>
+                <p14:modId xmlns:p14="http://schemas.microsoft.com/office/powerpoint/2010/main" val="3307304461"/>
               </p:ext>
             </p:extLst>
           </p:nvPr>
@@ -20091,7 +20084,7 @@
                 <a:gridCol w="3240360">
                   <a:extLst>
                     <a:ext uri="{9D8B030D-6E8A-4147-A177-3AD203B41FA5}">
-                      <a16:colId xmlns:a16="http://schemas.microsoft.com/office/drawing/2014/main" xmlns="" val="20000"/>
+                      <a16:colId xmlns:a16="http://schemas.microsoft.com/office/drawing/2014/main" val="20000"/>
                     </a:ext>
                   </a:extLst>
                 </a:gridCol>
@@ -20197,7 +20190,7 @@
                 </a:tc>
                 <a:extLst>
                   <a:ext uri="{0D108BD9-81ED-4DB2-BD59-A6C34878D82A}">
-                    <a16:rowId xmlns:a16="http://schemas.microsoft.com/office/drawing/2014/main" xmlns="" val="10000"/>
+                    <a16:rowId xmlns:a16="http://schemas.microsoft.com/office/drawing/2014/main" val="10000"/>
                   </a:ext>
                 </a:extLst>
               </a:tr>
@@ -20282,7 +20275,7 @@
                 </a:tc>
                 <a:extLst>
                   <a:ext uri="{0D108BD9-81ED-4DB2-BD59-A6C34878D82A}">
-                    <a16:rowId xmlns:a16="http://schemas.microsoft.com/office/drawing/2014/main" xmlns="" val="10001"/>
+                    <a16:rowId xmlns:a16="http://schemas.microsoft.com/office/drawing/2014/main" val="10001"/>
                   </a:ext>
                 </a:extLst>
               </a:tr>
@@ -20424,7 +20417,7 @@
                 </a:tc>
                 <a:extLst>
                   <a:ext uri="{0D108BD9-81ED-4DB2-BD59-A6C34878D82A}">
-                    <a16:rowId xmlns:a16="http://schemas.microsoft.com/office/drawing/2014/main" xmlns="" val="10002"/>
+                    <a16:rowId xmlns:a16="http://schemas.microsoft.com/office/drawing/2014/main" val="10002"/>
                   </a:ext>
                 </a:extLst>
               </a:tr>
@@ -20437,7 +20430,7 @@
           <p:cNvPr id="19" name="TextBox 18">
             <a:extLst>
               <a:ext uri="{FF2B5EF4-FFF2-40B4-BE49-F238E27FC236}">
-                <a16:creationId xmlns:a16="http://schemas.microsoft.com/office/drawing/2014/main" xmlns="" id="{08887152-4A96-4FCC-AC0C-20E5DFC597E0}"/>
+                <a16:creationId xmlns:a16="http://schemas.microsoft.com/office/drawing/2014/main" id="{08887152-4A96-4FCC-AC0C-20E5DFC597E0}"/>
               </a:ext>
             </a:extLst>
           </p:cNvPr>
@@ -20482,7 +20475,7 @@
           <p:cNvPr id="20" name="TextBox 19">
             <a:extLst>
               <a:ext uri="{FF2B5EF4-FFF2-40B4-BE49-F238E27FC236}">
-                <a16:creationId xmlns:a16="http://schemas.microsoft.com/office/drawing/2014/main" xmlns="" id="{817B01FC-760C-443B-823A-528D79C32133}"/>
+                <a16:creationId xmlns:a16="http://schemas.microsoft.com/office/drawing/2014/main" id="{817B01FC-760C-443B-823A-528D79C32133}"/>
               </a:ext>
             </a:extLst>
           </p:cNvPr>
@@ -20530,7 +20523,7 @@
           <p:cNvPr id="3" name="그림 2">
             <a:extLst>
               <a:ext uri="{FF2B5EF4-FFF2-40B4-BE49-F238E27FC236}">
-                <a16:creationId xmlns:a16="http://schemas.microsoft.com/office/drawing/2014/main" xmlns="" id="{53AFA8E7-A1D3-4474-9FBC-573CF1E958CB}"/>
+                <a16:creationId xmlns:a16="http://schemas.microsoft.com/office/drawing/2014/main" id="{53AFA8E7-A1D3-4474-9FBC-573CF1E958CB}"/>
               </a:ext>
             </a:extLst>
           </p:cNvPr>
@@ -20543,7 +20536,7 @@
           <a:blip r:embed="rId2" cstate="print">
             <a:extLst>
               <a:ext uri="{28A0092B-C50C-407E-A947-70E740481C1C}">
-                <a14:useLocalDpi xmlns:a14="http://schemas.microsoft.com/office/drawing/2010/main" xmlns="" val="0"/>
+                <a14:useLocalDpi xmlns:a14="http://schemas.microsoft.com/office/drawing/2010/main" val="0"/>
               </a:ext>
             </a:extLst>
           </a:blip>
@@ -20569,20 +20562,20 @@
     </p:spTree>
     <p:extLst>
       <p:ext uri="{BB962C8B-B14F-4D97-AF65-F5344CB8AC3E}">
-        <p14:creationId xmlns:p14="http://schemas.microsoft.com/office/powerpoint/2010/main" xmlns="" val="2852307447"/>
+        <p14:creationId xmlns:p14="http://schemas.microsoft.com/office/powerpoint/2010/main" val="2852307447"/>
       </p:ext>
     </p:extLst>
   </p:cSld>
   <p:clrMapOvr>
     <a:masterClrMapping/>
   </p:clrMapOvr>
-  <mc:AlternateContent xmlns:mc="http://schemas.openxmlformats.org/markup-compatibility/2006">
-    <mc:Choice xmlns:p14="http://schemas.microsoft.com/office/powerpoint/2010/main" xmlns="" Requires="p14">
+  <mc:AlternateContent xmlns:mc="http://schemas.openxmlformats.org/markup-compatibility/2006" xmlns:p14="http://schemas.microsoft.com/office/powerpoint/2010/main">
+    <mc:Choice Requires="p14">
       <p:transition spd="med" p14:dur="700">
         <p:fade/>
       </p:transition>
     </mc:Choice>
-    <mc:Fallback>
+    <mc:Fallback xmlns="">
       <p:transition spd="med">
         <p:fade/>
       </p:transition>
@@ -20651,7 +20644,7 @@
           <p:cNvPr id="10" name="직사각형 9">
             <a:extLst>
               <a:ext uri="{FF2B5EF4-FFF2-40B4-BE49-F238E27FC236}">
-                <a16:creationId xmlns:a16="http://schemas.microsoft.com/office/drawing/2014/main" xmlns="" id="{64617F76-3FBE-4D83-A2FE-EA87BE6C672A}"/>
+                <a16:creationId xmlns:a16="http://schemas.microsoft.com/office/drawing/2014/main" id="{64617F76-3FBE-4D83-A2FE-EA87BE6C672A}"/>
               </a:ext>
             </a:extLst>
           </p:cNvPr>
@@ -20723,7 +20716,7 @@
           <p:cNvPr id="22" name="표 21">
             <a:extLst>
               <a:ext uri="{FF2B5EF4-FFF2-40B4-BE49-F238E27FC236}">
-                <a16:creationId xmlns:a16="http://schemas.microsoft.com/office/drawing/2014/main" xmlns="" id="{1DAF5372-8FFF-4A92-A5A5-5FA0001F950D}"/>
+                <a16:creationId xmlns:a16="http://schemas.microsoft.com/office/drawing/2014/main" id="{1DAF5372-8FFF-4A92-A5A5-5FA0001F950D}"/>
               </a:ext>
             </a:extLst>
           </p:cNvPr>
@@ -20748,7 +20741,7 @@
                 <a:gridCol w="3240360">
                   <a:extLst>
                     <a:ext uri="{9D8B030D-6E8A-4147-A177-3AD203B41FA5}">
-                      <a16:colId xmlns:a16="http://schemas.microsoft.com/office/drawing/2014/main" xmlns="" val="20000"/>
+                      <a16:colId xmlns:a16="http://schemas.microsoft.com/office/drawing/2014/main" val="20000"/>
                     </a:ext>
                   </a:extLst>
                 </a:gridCol>
@@ -20854,7 +20847,7 @@
                 </a:tc>
                 <a:extLst>
                   <a:ext uri="{0D108BD9-81ED-4DB2-BD59-A6C34878D82A}">
-                    <a16:rowId xmlns:a16="http://schemas.microsoft.com/office/drawing/2014/main" xmlns="" val="10000"/>
+                    <a16:rowId xmlns:a16="http://schemas.microsoft.com/office/drawing/2014/main" val="10000"/>
                   </a:ext>
                 </a:extLst>
               </a:tr>
@@ -20939,7 +20932,7 @@
                 </a:tc>
                 <a:extLst>
                   <a:ext uri="{0D108BD9-81ED-4DB2-BD59-A6C34878D82A}">
-                    <a16:rowId xmlns:a16="http://schemas.microsoft.com/office/drawing/2014/main" xmlns="" val="10001"/>
+                    <a16:rowId xmlns:a16="http://schemas.microsoft.com/office/drawing/2014/main" val="10001"/>
                   </a:ext>
                 </a:extLst>
               </a:tr>
@@ -21057,7 +21050,7 @@
                 </a:tc>
                 <a:extLst>
                   <a:ext uri="{0D108BD9-81ED-4DB2-BD59-A6C34878D82A}">
-                    <a16:rowId xmlns:a16="http://schemas.microsoft.com/office/drawing/2014/main" xmlns="" val="10002"/>
+                    <a16:rowId xmlns:a16="http://schemas.microsoft.com/office/drawing/2014/main" val="10002"/>
                   </a:ext>
                 </a:extLst>
               </a:tr>
@@ -21070,7 +21063,7 @@
           <p:cNvPr id="19" name="TextBox 18">
             <a:extLst>
               <a:ext uri="{FF2B5EF4-FFF2-40B4-BE49-F238E27FC236}">
-                <a16:creationId xmlns:a16="http://schemas.microsoft.com/office/drawing/2014/main" xmlns="" id="{08887152-4A96-4FCC-AC0C-20E5DFC597E0}"/>
+                <a16:creationId xmlns:a16="http://schemas.microsoft.com/office/drawing/2014/main" id="{08887152-4A96-4FCC-AC0C-20E5DFC597E0}"/>
               </a:ext>
             </a:extLst>
           </p:cNvPr>
@@ -21115,7 +21108,7 @@
           <p:cNvPr id="20" name="TextBox 19">
             <a:extLst>
               <a:ext uri="{FF2B5EF4-FFF2-40B4-BE49-F238E27FC236}">
-                <a16:creationId xmlns:a16="http://schemas.microsoft.com/office/drawing/2014/main" xmlns="" id="{817B01FC-760C-443B-823A-528D79C32133}"/>
+                <a16:creationId xmlns:a16="http://schemas.microsoft.com/office/drawing/2014/main" id="{817B01FC-760C-443B-823A-528D79C32133}"/>
               </a:ext>
             </a:extLst>
           </p:cNvPr>
@@ -21163,7 +21156,7 @@
           <p:cNvPr id="4" name="그림 3">
             <a:extLst>
               <a:ext uri="{FF2B5EF4-FFF2-40B4-BE49-F238E27FC236}">
-                <a16:creationId xmlns:a16="http://schemas.microsoft.com/office/drawing/2014/main" xmlns="" id="{243BB24A-5AD9-479B-95F4-38C81A4D11FA}"/>
+                <a16:creationId xmlns:a16="http://schemas.microsoft.com/office/drawing/2014/main" id="{243BB24A-5AD9-479B-95F4-38C81A4D11FA}"/>
               </a:ext>
             </a:extLst>
           </p:cNvPr>
@@ -21176,7 +21169,7 @@
           <a:blip r:embed="rId2" cstate="print">
             <a:extLst>
               <a:ext uri="{28A0092B-C50C-407E-A947-70E740481C1C}">
-                <a14:useLocalDpi xmlns:a14="http://schemas.microsoft.com/office/drawing/2010/main" xmlns="" val="0"/>
+                <a14:useLocalDpi xmlns:a14="http://schemas.microsoft.com/office/drawing/2010/main" val="0"/>
               </a:ext>
             </a:extLst>
           </a:blip>
@@ -21202,20 +21195,20 @@
     </p:spTree>
     <p:extLst>
       <p:ext uri="{BB962C8B-B14F-4D97-AF65-F5344CB8AC3E}">
-        <p14:creationId xmlns:p14="http://schemas.microsoft.com/office/powerpoint/2010/main" xmlns="" val="2779956166"/>
+        <p14:creationId xmlns:p14="http://schemas.microsoft.com/office/powerpoint/2010/main" val="2779956166"/>
       </p:ext>
     </p:extLst>
   </p:cSld>
   <p:clrMapOvr>
     <a:masterClrMapping/>
   </p:clrMapOvr>
-  <mc:AlternateContent xmlns:mc="http://schemas.openxmlformats.org/markup-compatibility/2006">
-    <mc:Choice xmlns:p14="http://schemas.microsoft.com/office/powerpoint/2010/main" xmlns="" Requires="p14">
+  <mc:AlternateContent xmlns:mc="http://schemas.openxmlformats.org/markup-compatibility/2006" xmlns:p14="http://schemas.microsoft.com/office/powerpoint/2010/main">
+    <mc:Choice Requires="p14">
       <p:transition spd="med" p14:dur="700">
         <p:fade/>
       </p:transition>
     </mc:Choice>
-    <mc:Fallback>
+    <mc:Fallback xmlns="">
       <p:transition spd="med">
         <p:fade/>
       </p:transition>
@@ -21284,7 +21277,7 @@
           <p:cNvPr id="10" name="직사각형 9">
             <a:extLst>
               <a:ext uri="{FF2B5EF4-FFF2-40B4-BE49-F238E27FC236}">
-                <a16:creationId xmlns:a16="http://schemas.microsoft.com/office/drawing/2014/main" xmlns="" id="{64617F76-3FBE-4D83-A2FE-EA87BE6C672A}"/>
+                <a16:creationId xmlns:a16="http://schemas.microsoft.com/office/drawing/2014/main" id="{64617F76-3FBE-4D83-A2FE-EA87BE6C672A}"/>
               </a:ext>
             </a:extLst>
           </p:cNvPr>
@@ -21356,7 +21349,7 @@
           <p:cNvPr id="22" name="표 21">
             <a:extLst>
               <a:ext uri="{FF2B5EF4-FFF2-40B4-BE49-F238E27FC236}">
-                <a16:creationId xmlns:a16="http://schemas.microsoft.com/office/drawing/2014/main" xmlns="" id="{1DAF5372-8FFF-4A92-A5A5-5FA0001F950D}"/>
+                <a16:creationId xmlns:a16="http://schemas.microsoft.com/office/drawing/2014/main" id="{1DAF5372-8FFF-4A92-A5A5-5FA0001F950D}"/>
               </a:ext>
             </a:extLst>
           </p:cNvPr>
@@ -21366,7 +21359,7 @@
           <p:nvPr>
             <p:extLst>
               <p:ext uri="{D42A27DB-BD31-4B8C-83A1-F6EECF244321}">
-                <p14:modId xmlns:p14="http://schemas.microsoft.com/office/powerpoint/2010/main" xmlns="" val="1101538682"/>
+                <p14:modId xmlns:p14="http://schemas.microsoft.com/office/powerpoint/2010/main" val="1101538682"/>
               </p:ext>
             </p:extLst>
           </p:nvPr>
@@ -21385,7 +21378,7 @@
                 <a:gridCol w="3240360">
                   <a:extLst>
                     <a:ext uri="{9D8B030D-6E8A-4147-A177-3AD203B41FA5}">
-                      <a16:colId xmlns:a16="http://schemas.microsoft.com/office/drawing/2014/main" xmlns="" val="20000"/>
+                      <a16:colId xmlns:a16="http://schemas.microsoft.com/office/drawing/2014/main" val="20000"/>
                     </a:ext>
                   </a:extLst>
                 </a:gridCol>
@@ -21512,7 +21505,7 @@
                 </a:tc>
                 <a:extLst>
                   <a:ext uri="{0D108BD9-81ED-4DB2-BD59-A6C34878D82A}">
-                    <a16:rowId xmlns:a16="http://schemas.microsoft.com/office/drawing/2014/main" xmlns="" val="10000"/>
+                    <a16:rowId xmlns:a16="http://schemas.microsoft.com/office/drawing/2014/main" val="10000"/>
                   </a:ext>
                 </a:extLst>
               </a:tr>
@@ -21611,7 +21604,7 @@
                 </a:tc>
                 <a:extLst>
                   <a:ext uri="{0D108BD9-81ED-4DB2-BD59-A6C34878D82A}">
-                    <a16:rowId xmlns:a16="http://schemas.microsoft.com/office/drawing/2014/main" xmlns="" val="10001"/>
+                    <a16:rowId xmlns:a16="http://schemas.microsoft.com/office/drawing/2014/main" val="10001"/>
                   </a:ext>
                 </a:extLst>
               </a:tr>
@@ -21701,7 +21694,7 @@
                 </a:tc>
                 <a:extLst>
                   <a:ext uri="{0D108BD9-81ED-4DB2-BD59-A6C34878D82A}">
-                    <a16:rowId xmlns:a16="http://schemas.microsoft.com/office/drawing/2014/main" xmlns="" val="10002"/>
+                    <a16:rowId xmlns:a16="http://schemas.microsoft.com/office/drawing/2014/main" val="10002"/>
                   </a:ext>
                 </a:extLst>
               </a:tr>
@@ -21714,7 +21707,7 @@
           <p:cNvPr id="19" name="TextBox 18">
             <a:extLst>
               <a:ext uri="{FF2B5EF4-FFF2-40B4-BE49-F238E27FC236}">
-                <a16:creationId xmlns:a16="http://schemas.microsoft.com/office/drawing/2014/main" xmlns="" id="{08887152-4A96-4FCC-AC0C-20E5DFC597E0}"/>
+                <a16:creationId xmlns:a16="http://schemas.microsoft.com/office/drawing/2014/main" id="{08887152-4A96-4FCC-AC0C-20E5DFC597E0}"/>
               </a:ext>
             </a:extLst>
           </p:cNvPr>
@@ -21777,7 +21770,7 @@
           <p:cNvPr id="20" name="TextBox 19">
             <a:extLst>
               <a:ext uri="{FF2B5EF4-FFF2-40B4-BE49-F238E27FC236}">
-                <a16:creationId xmlns:a16="http://schemas.microsoft.com/office/drawing/2014/main" xmlns="" id="{817B01FC-760C-443B-823A-528D79C32133}"/>
+                <a16:creationId xmlns:a16="http://schemas.microsoft.com/office/drawing/2014/main" id="{817B01FC-760C-443B-823A-528D79C32133}"/>
               </a:ext>
             </a:extLst>
           </p:cNvPr>
@@ -21825,7 +21818,7 @@
           <p:cNvPr id="3" name="그림 2">
             <a:extLst>
               <a:ext uri="{FF2B5EF4-FFF2-40B4-BE49-F238E27FC236}">
-                <a16:creationId xmlns:a16="http://schemas.microsoft.com/office/drawing/2014/main" xmlns="" id="{7B12484F-B37A-405A-B824-5E709137853D}"/>
+                <a16:creationId xmlns:a16="http://schemas.microsoft.com/office/drawing/2014/main" id="{7B12484F-B37A-405A-B824-5E709137853D}"/>
               </a:ext>
             </a:extLst>
           </p:cNvPr>
@@ -21838,7 +21831,7 @@
           <a:blip r:embed="rId2" cstate="print">
             <a:extLst>
               <a:ext uri="{28A0092B-C50C-407E-A947-70E740481C1C}">
-                <a14:useLocalDpi xmlns:a14="http://schemas.microsoft.com/office/drawing/2010/main" xmlns="" val="0"/>
+                <a14:useLocalDpi xmlns:a14="http://schemas.microsoft.com/office/drawing/2010/main" val="0"/>
               </a:ext>
             </a:extLst>
           </a:blip>
@@ -21861,7 +21854,7 @@
           <p:cNvPr id="7" name="그림 6">
             <a:extLst>
               <a:ext uri="{FF2B5EF4-FFF2-40B4-BE49-F238E27FC236}">
-                <a16:creationId xmlns:a16="http://schemas.microsoft.com/office/drawing/2014/main" xmlns="" id="{9D8C4DB8-8C5A-43D0-99B2-3374F1AB86A7}"/>
+                <a16:creationId xmlns:a16="http://schemas.microsoft.com/office/drawing/2014/main" id="{9D8C4DB8-8C5A-43D0-99B2-3374F1AB86A7}"/>
               </a:ext>
             </a:extLst>
           </p:cNvPr>
@@ -21874,7 +21867,7 @@
           <a:blip r:embed="rId3" cstate="print">
             <a:extLst>
               <a:ext uri="{28A0092B-C50C-407E-A947-70E740481C1C}">
-                <a14:useLocalDpi xmlns:a14="http://schemas.microsoft.com/office/drawing/2010/main" xmlns="" val="0"/>
+                <a14:useLocalDpi xmlns:a14="http://schemas.microsoft.com/office/drawing/2010/main" val="0"/>
               </a:ext>
             </a:extLst>
           </a:blip>
@@ -21895,20 +21888,20 @@
     </p:spTree>
     <p:extLst>
       <p:ext uri="{BB962C8B-B14F-4D97-AF65-F5344CB8AC3E}">
-        <p14:creationId xmlns:p14="http://schemas.microsoft.com/office/powerpoint/2010/main" xmlns="" val="1782930912"/>
+        <p14:creationId xmlns:p14="http://schemas.microsoft.com/office/powerpoint/2010/main" val="1782930912"/>
       </p:ext>
     </p:extLst>
   </p:cSld>
   <p:clrMapOvr>
     <a:masterClrMapping/>
   </p:clrMapOvr>
-  <mc:AlternateContent xmlns:mc="http://schemas.openxmlformats.org/markup-compatibility/2006">
-    <mc:Choice xmlns:p14="http://schemas.microsoft.com/office/powerpoint/2010/main" xmlns="" Requires="p14">
+  <mc:AlternateContent xmlns:mc="http://schemas.openxmlformats.org/markup-compatibility/2006" xmlns:p14="http://schemas.microsoft.com/office/powerpoint/2010/main">
+    <mc:Choice Requires="p14">
       <p:transition spd="med" p14:dur="700">
         <p:fade/>
       </p:transition>
     </mc:Choice>
-    <mc:Fallback>
+    <mc:Fallback xmlns="">
       <p:transition spd="med">
         <p:fade/>
       </p:transition>

--- a/최종 프로젝트3조.pptx
+++ b/최종 프로젝트3조.pptx
@@ -9010,7 +9010,7 @@
         </p:nvSpPr>
         <p:spPr>
           <a:xfrm>
-            <a:off x="2339752" y="1527351"/>
+            <a:off x="2267525" y="1255674"/>
             <a:ext cx="2232248" cy="338554"/>
           </a:xfrm>
           <a:prstGeom prst="rect">
@@ -9111,7 +9111,7 @@
         </p:nvSpPr>
         <p:spPr>
           <a:xfrm>
-            <a:off x="2195736" y="3435846"/>
+            <a:off x="2150394" y="3106254"/>
             <a:ext cx="2232248" cy="338554"/>
           </a:xfrm>
           <a:prstGeom prst="rect">
@@ -9160,7 +9160,7 @@
         </p:nvSpPr>
         <p:spPr>
           <a:xfrm>
-            <a:off x="6372200" y="3435846"/>
+            <a:off x="6295141" y="3106254"/>
             <a:ext cx="2232248" cy="338554"/>
           </a:xfrm>
           <a:prstGeom prst="rect">
@@ -9209,7 +9209,7 @@
         </p:nvSpPr>
         <p:spPr>
           <a:xfrm>
-            <a:off x="6303826" y="1532680"/>
+            <a:off x="6295141" y="1279969"/>
             <a:ext cx="2232248" cy="338554"/>
           </a:xfrm>
           <a:prstGeom prst="rect">
@@ -9302,7 +9302,7 @@
         </p:blipFill>
         <p:spPr bwMode="auto">
           <a:xfrm>
-            <a:off x="611560" y="1419622"/>
+            <a:off x="630085" y="1381918"/>
             <a:ext cx="1440160" cy="1443600"/>
           </a:xfrm>
           <a:prstGeom prst="rect">
@@ -9324,8 +9324,8 @@
         </p:nvSpPr>
         <p:spPr>
           <a:xfrm>
-            <a:off x="2411760" y="1998266"/>
-            <a:ext cx="1368152" cy="461665"/>
+            <a:off x="2382132" y="1613536"/>
+            <a:ext cx="1828015" cy="1384995"/>
           </a:xfrm>
           <a:prstGeom prst="rect">
             <a:avLst/>
@@ -9339,24 +9339,72 @@
           <a:lstStyle/>
           <a:p>
             <a:r>
-              <a:rPr lang="en-US" altLang="ko-KR" sz="1200" dirty="0"/>
-              <a:t> - </a:t>
-            </a:r>
-            <a:r>
-              <a:rPr lang="ko-KR" altLang="en-US" sz="1200" dirty="0"/>
-              <a:t>로그인</a:t>
-            </a:r>
+              <a:rPr lang="en-US" altLang="ko-KR" sz="1200" dirty="0">
+                <a:solidFill>
+                  <a:schemeClr val="accent1"/>
+                </a:solidFill>
+              </a:rPr>
+              <a:t>“</a:t>
+            </a:r>
+            <a:r>
+              <a:rPr lang="ko-KR" altLang="en-US" sz="1200" dirty="0">
+                <a:solidFill>
+                  <a:schemeClr val="accent1"/>
+                </a:solidFill>
+              </a:rPr>
+              <a:t>마지막 프로젝트라서 아쉽고 재미있었습니다</a:t>
+            </a:r>
+            <a:r>
+              <a:rPr lang="en-US" altLang="ko-KR" sz="1200" dirty="0">
+                <a:solidFill>
+                  <a:schemeClr val="accent1"/>
+                </a:solidFill>
+              </a:rPr>
+              <a:t>”</a:t>
+            </a:r>
+          </a:p>
+          <a:p>
             <a:endParaRPr lang="en-US" altLang="ko-KR" sz="1200" dirty="0"/>
           </a:p>
           <a:p>
             <a:r>
               <a:rPr lang="en-US" altLang="ko-KR" sz="1200" dirty="0"/>
-              <a:t> - </a:t>
+              <a:t>- </a:t>
+            </a:r>
+            <a:r>
+              <a:rPr lang="ko-KR" altLang="en-US" sz="1200" dirty="0"/>
+              <a:t>로그인</a:t>
+            </a:r>
+            <a:endParaRPr lang="en-US" altLang="ko-KR" sz="1200" dirty="0"/>
+          </a:p>
+          <a:p>
+            <a:r>
+              <a:rPr lang="en-US" altLang="ko-KR" sz="1200" dirty="0"/>
+              <a:t>- </a:t>
             </a:r>
             <a:r>
               <a:rPr lang="ko-KR" altLang="en-US" sz="1200" dirty="0"/>
               <a:t>취업연계</a:t>
             </a:r>
+            <a:endParaRPr lang="en-US" altLang="ko-KR" sz="1200" dirty="0"/>
+          </a:p>
+          <a:p>
+            <a:r>
+              <a:rPr lang="en-US" altLang="ko-KR" sz="1200" dirty="0"/>
+              <a:t>- tiles</a:t>
+            </a:r>
+            <a:r>
+              <a:rPr lang="ko-KR" altLang="en-US" sz="1200" dirty="0"/>
+              <a:t> 생성</a:t>
+            </a:r>
+            <a:r>
+              <a:rPr lang="en-US" altLang="ko-KR" sz="1200" dirty="0"/>
+              <a:t> </a:t>
+            </a:r>
+            <a:endParaRPr lang="ko-KR" altLang="en-US" sz="1200" dirty="0"/>
+          </a:p>
+          <a:p>
+            <a:endParaRPr lang="ko-KR" altLang="en-US" sz="1200" dirty="0"/>
           </a:p>
         </p:txBody>
       </p:sp>
@@ -9401,6 +9449,341 @@
           </a:ln>
         </p:spPr>
       </p:pic>
+      <p:sp>
+        <p:nvSpPr>
+          <p:cNvPr id="16" name="TextBox 15">
+            <a:extLst>
+              <a:ext uri="{FF2B5EF4-FFF2-40B4-BE49-F238E27FC236}">
+                <a16:creationId xmlns:a16="http://schemas.microsoft.com/office/drawing/2014/main" id="{2C2ED7B8-28F1-43B7-8235-98B6763576F6}"/>
+              </a:ext>
+            </a:extLst>
+          </p:cNvPr>
+          <p:cNvSpPr txBox="1"/>
+          <p:nvPr/>
+        </p:nvSpPr>
+        <p:spPr>
+          <a:xfrm>
+            <a:off x="6444208" y="1621747"/>
+            <a:ext cx="1728192" cy="1200329"/>
+          </a:xfrm>
+          <a:prstGeom prst="rect">
+            <a:avLst/>
+          </a:prstGeom>
+          <a:noFill/>
+        </p:spPr>
+        <p:txBody>
+          <a:bodyPr wrap="square" rtlCol="0">
+            <a:spAutoFit/>
+          </a:bodyPr>
+          <a:lstStyle/>
+          <a:p>
+            <a:r>
+              <a:rPr lang="en-US" altLang="ko-KR" sz="1200" dirty="0">
+                <a:solidFill>
+                  <a:schemeClr val="accent1"/>
+                </a:solidFill>
+              </a:rPr>
+              <a:t>“</a:t>
+            </a:r>
+            <a:r>
+              <a:rPr lang="ko-KR" altLang="en-US" sz="1200" dirty="0">
+                <a:solidFill>
+                  <a:schemeClr val="accent1"/>
+                </a:solidFill>
+              </a:rPr>
+              <a:t>여러분 안녕</a:t>
+            </a:r>
+            <a:r>
+              <a:rPr lang="en-US" altLang="ko-KR" sz="1200" dirty="0">
+                <a:solidFill>
+                  <a:schemeClr val="accent1"/>
+                </a:solidFill>
+              </a:rPr>
+              <a:t>~ </a:t>
+            </a:r>
+            <a:r>
+              <a:rPr lang="ko-KR" altLang="en-US" sz="1200" dirty="0">
+                <a:solidFill>
+                  <a:schemeClr val="accent1"/>
+                </a:solidFill>
+              </a:rPr>
+              <a:t>같이 프로젝트 </a:t>
+            </a:r>
+            <a:r>
+              <a:rPr lang="ko-KR" altLang="en-US" sz="1200" dirty="0" err="1">
+                <a:solidFill>
+                  <a:schemeClr val="accent1"/>
+                </a:solidFill>
+              </a:rPr>
+              <a:t>하는동안</a:t>
+            </a:r>
+            <a:r>
+              <a:rPr lang="ko-KR" altLang="en-US" sz="1200" dirty="0">
+                <a:solidFill>
+                  <a:schemeClr val="accent1"/>
+                </a:solidFill>
+              </a:rPr>
+              <a:t> 너무 즐거웠어요</a:t>
+            </a:r>
+            <a:r>
+              <a:rPr lang="en-US" altLang="ko-KR" sz="1200" dirty="0">
+                <a:solidFill>
+                  <a:schemeClr val="accent1"/>
+                </a:solidFill>
+              </a:rPr>
+              <a:t>!”</a:t>
+            </a:r>
+          </a:p>
+          <a:p>
+            <a:endParaRPr lang="en-US" altLang="ko-KR" sz="1200" dirty="0"/>
+          </a:p>
+          <a:p>
+            <a:r>
+              <a:rPr lang="en-US" altLang="ko-KR" sz="1200" dirty="0"/>
+              <a:t>- </a:t>
+            </a:r>
+            <a:r>
+              <a:rPr lang="ko-KR" altLang="en-US" sz="1200" dirty="0"/>
+              <a:t>데이터 구조설계</a:t>
+            </a:r>
+            <a:endParaRPr lang="en-US" altLang="ko-KR" sz="1200" dirty="0"/>
+          </a:p>
+          <a:p>
+            <a:r>
+              <a:rPr lang="en-US" altLang="ko-KR" sz="1200" dirty="0"/>
+              <a:t>- </a:t>
+            </a:r>
+            <a:r>
+              <a:rPr lang="ko-KR" altLang="en-US" sz="1200" dirty="0"/>
+              <a:t>템플릿 수정</a:t>
+            </a:r>
+            <a:r>
+              <a:rPr lang="en-US" altLang="ko-KR" sz="1200" dirty="0"/>
+              <a:t>     </a:t>
+            </a:r>
+          </a:p>
+        </p:txBody>
+      </p:sp>
+      <p:sp>
+        <p:nvSpPr>
+          <p:cNvPr id="17" name="TextBox 16">
+            <a:extLst>
+              <a:ext uri="{FF2B5EF4-FFF2-40B4-BE49-F238E27FC236}">
+                <a16:creationId xmlns:a16="http://schemas.microsoft.com/office/drawing/2014/main" id="{56C6AF22-EF0F-4C74-B810-7CD396B5C50A}"/>
+              </a:ext>
+            </a:extLst>
+          </p:cNvPr>
+          <p:cNvSpPr txBox="1"/>
+          <p:nvPr/>
+        </p:nvSpPr>
+        <p:spPr>
+          <a:xfrm>
+            <a:off x="2267525" y="3379177"/>
+            <a:ext cx="2017654" cy="1200329"/>
+          </a:xfrm>
+          <a:prstGeom prst="rect">
+            <a:avLst/>
+          </a:prstGeom>
+          <a:noFill/>
+        </p:spPr>
+        <p:txBody>
+          <a:bodyPr wrap="square" rtlCol="0">
+            <a:spAutoFit/>
+          </a:bodyPr>
+          <a:lstStyle/>
+          <a:p>
+            <a:r>
+              <a:rPr lang="en-US" altLang="ko-KR" sz="1200" dirty="0">
+                <a:solidFill>
+                  <a:schemeClr val="accent1"/>
+                </a:solidFill>
+              </a:rPr>
+              <a:t>“</a:t>
+            </a:r>
+            <a:r>
+              <a:rPr lang="ko-KR" altLang="en-US" sz="1200" dirty="0">
+                <a:solidFill>
+                  <a:schemeClr val="accent1"/>
+                </a:solidFill>
+              </a:rPr>
+              <a:t>최선을 다하지 못해 아쉽습니다</a:t>
+            </a:r>
+            <a:r>
+              <a:rPr lang="en-US" altLang="ko-KR" sz="1200" dirty="0">
+                <a:solidFill>
+                  <a:schemeClr val="accent1"/>
+                </a:solidFill>
+              </a:rPr>
+              <a:t>. T-Max</a:t>
+            </a:r>
+            <a:r>
+              <a:rPr lang="ko-KR" altLang="en-US" sz="1200" dirty="0">
+                <a:solidFill>
+                  <a:schemeClr val="accent1"/>
+                </a:solidFill>
+              </a:rPr>
+              <a:t> </a:t>
+            </a:r>
+            <a:r>
+              <a:rPr lang="ko-KR" altLang="en-US" sz="1200" dirty="0" err="1">
+                <a:solidFill>
+                  <a:schemeClr val="accent1"/>
+                </a:solidFill>
+              </a:rPr>
+              <a:t>화이팅</a:t>
+            </a:r>
+            <a:r>
+              <a:rPr lang="en-US" altLang="ko-KR" sz="1200" dirty="0">
+                <a:solidFill>
+                  <a:schemeClr val="accent1"/>
+                </a:solidFill>
+              </a:rPr>
+              <a:t>!”</a:t>
+            </a:r>
+          </a:p>
+          <a:p>
+            <a:endParaRPr lang="en-US" altLang="ko-KR" sz="1200" dirty="0"/>
+          </a:p>
+          <a:p>
+            <a:r>
+              <a:rPr lang="en-US" altLang="ko-KR" sz="1200" dirty="0"/>
+              <a:t> - </a:t>
+            </a:r>
+            <a:r>
+              <a:rPr lang="ko-KR" altLang="en-US" sz="1200" dirty="0"/>
+              <a:t>템플릿 구축</a:t>
+            </a:r>
+            <a:endParaRPr lang="en-US" altLang="ko-KR" sz="1200" dirty="0"/>
+          </a:p>
+          <a:p>
+            <a:r>
+              <a:rPr lang="en-US" altLang="ko-KR" sz="1200" dirty="0"/>
+              <a:t> - </a:t>
+            </a:r>
+            <a:r>
+              <a:rPr lang="ko-KR" altLang="en-US" sz="1200" dirty="0"/>
+              <a:t>프로젝트 추가</a:t>
+            </a:r>
+            <a:r>
+              <a:rPr lang="en-US" altLang="ko-KR" sz="1200" dirty="0"/>
+              <a:t>,</a:t>
+            </a:r>
+            <a:r>
+              <a:rPr lang="ko-KR" altLang="en-US" sz="1200" dirty="0"/>
+              <a:t>관리</a:t>
+            </a:r>
+            <a:endParaRPr lang="en-US" altLang="ko-KR" sz="1200" dirty="0"/>
+          </a:p>
+          <a:p>
+            <a:r>
+              <a:rPr lang="en-US" altLang="ko-KR" sz="1200" dirty="0"/>
+              <a:t> - tiles</a:t>
+            </a:r>
+            <a:r>
+              <a:rPr lang="ko-KR" altLang="en-US" sz="1200" dirty="0"/>
+              <a:t> 생성</a:t>
+            </a:r>
+            <a:r>
+              <a:rPr lang="en-US" altLang="ko-KR" sz="1200" dirty="0"/>
+              <a:t> </a:t>
+            </a:r>
+            <a:endParaRPr lang="ko-KR" altLang="en-US" sz="1200" dirty="0"/>
+          </a:p>
+        </p:txBody>
+      </p:sp>
+      <p:sp>
+        <p:nvSpPr>
+          <p:cNvPr id="18" name="TextBox 17">
+            <a:extLst>
+              <a:ext uri="{FF2B5EF4-FFF2-40B4-BE49-F238E27FC236}">
+                <a16:creationId xmlns:a16="http://schemas.microsoft.com/office/drawing/2014/main" id="{917431E4-EAF3-4597-86A6-9544EF4BBC56}"/>
+              </a:ext>
+            </a:extLst>
+          </p:cNvPr>
+          <p:cNvSpPr txBox="1"/>
+          <p:nvPr/>
+        </p:nvSpPr>
+        <p:spPr>
+          <a:xfrm>
+            <a:off x="6444208" y="3444808"/>
+            <a:ext cx="1728192" cy="1015663"/>
+          </a:xfrm>
+          <a:prstGeom prst="rect">
+            <a:avLst/>
+          </a:prstGeom>
+          <a:noFill/>
+        </p:spPr>
+        <p:txBody>
+          <a:bodyPr wrap="square" rtlCol="0">
+            <a:spAutoFit/>
+          </a:bodyPr>
+          <a:lstStyle/>
+          <a:p>
+            <a:r>
+              <a:rPr lang="en-US" altLang="ko-KR" sz="1200" dirty="0">
+                <a:solidFill>
+                  <a:schemeClr val="accent1"/>
+                </a:solidFill>
+              </a:rPr>
+              <a:t>“Ajax</a:t>
+            </a:r>
+            <a:r>
+              <a:rPr lang="ko-KR" altLang="en-US" sz="1200" dirty="0">
+                <a:solidFill>
+                  <a:schemeClr val="accent1"/>
+                </a:solidFill>
+              </a:rPr>
+              <a:t>를 통해 </a:t>
+            </a:r>
+            <a:r>
+              <a:rPr lang="en-US" altLang="ko-KR" sz="1200" dirty="0">
+                <a:solidFill>
+                  <a:schemeClr val="accent1"/>
+                </a:solidFill>
+              </a:rPr>
+              <a:t>DB</a:t>
+            </a:r>
+            <a:r>
+              <a:rPr lang="ko-KR" altLang="en-US" sz="1200" dirty="0">
+                <a:solidFill>
+                  <a:schemeClr val="accent1"/>
+                </a:solidFill>
+              </a:rPr>
+              <a:t>연동하는 부분이 특히 재미 있었습니다</a:t>
+            </a:r>
+            <a:r>
+              <a:rPr lang="en-US" altLang="ko-KR" sz="1200" dirty="0">
+                <a:solidFill>
+                  <a:schemeClr val="accent1"/>
+                </a:solidFill>
+              </a:rPr>
+              <a:t>.”</a:t>
+            </a:r>
+            <a:r>
+              <a:rPr lang="en-US" altLang="ko-KR" sz="1200" dirty="0"/>
+              <a:t> </a:t>
+            </a:r>
+          </a:p>
+          <a:p>
+            <a:endParaRPr lang="en-US" altLang="ko-KR" sz="1200" dirty="0"/>
+          </a:p>
+          <a:p>
+            <a:r>
+              <a:rPr lang="en-US" altLang="ko-KR" sz="1200" dirty="0"/>
+              <a:t>- </a:t>
+            </a:r>
+            <a:r>
+              <a:rPr lang="ko-KR" altLang="en-US" sz="1200" dirty="0"/>
+              <a:t>과정관리</a:t>
+            </a:r>
+            <a:r>
+              <a:rPr lang="en-US" altLang="ko-KR" sz="1200" dirty="0"/>
+              <a:t> </a:t>
+            </a:r>
+            <a:endParaRPr lang="ko-KR" altLang="en-US" sz="1200" dirty="0"/>
+          </a:p>
+        </p:txBody>
+      </p:sp>
     </p:spTree>
     <p:extLst>
       <p:ext uri="{BB962C8B-B14F-4D97-AF65-F5344CB8AC3E}">
@@ -9892,7 +10275,7 @@
         </p:nvSpPr>
         <p:spPr>
           <a:xfrm>
-            <a:off x="2339752" y="1527351"/>
+            <a:off x="2333741" y="1209944"/>
             <a:ext cx="2232248" cy="338554"/>
           </a:xfrm>
           <a:prstGeom prst="rect">
@@ -9927,58 +10310,6 @@
           </a:p>
         </p:txBody>
       </p:sp>
-      <p:pic>
-        <p:nvPicPr>
-          <p:cNvPr id="1028" name="Picture 4" descr="카카오톡 프로필 사람 그림자에 대한 이미지 검색결과">
-            <a:extLst>
-              <a:ext uri="{FF2B5EF4-FFF2-40B4-BE49-F238E27FC236}">
-                <a16:creationId xmlns:a16="http://schemas.microsoft.com/office/drawing/2014/main" id="{32C2D10B-5C1A-45A1-8D98-0E82C356F169}"/>
-              </a:ext>
-            </a:extLst>
-          </p:cNvPr>
-          <p:cNvPicPr>
-            <a:picLocks noChangeAspect="1" noChangeArrowheads="1"/>
-          </p:cNvPicPr>
-          <p:nvPr/>
-        </p:nvPicPr>
-        <p:blipFill>
-          <a:blip r:embed="rId2" cstate="print">
-            <a:extLst>
-              <a:ext uri="{28A0092B-C50C-407E-A947-70E740481C1C}">
-                <a14:useLocalDpi xmlns:a14="http://schemas.microsoft.com/office/drawing/2010/main" val="0"/>
-              </a:ext>
-            </a:extLst>
-          </a:blip>
-          <a:srcRect/>
-          <a:stretch>
-            <a:fillRect/>
-          </a:stretch>
-        </p:blipFill>
-        <p:spPr bwMode="auto">
-          <a:xfrm>
-            <a:off x="628933" y="1379223"/>
-            <a:ext cx="1442467" cy="1442467"/>
-          </a:xfrm>
-          <a:prstGeom prst="rect">
-            <a:avLst/>
-          </a:prstGeom>
-          <a:noFill/>
-          <a:ln>
-            <a:solidFill>
-              <a:schemeClr val="tx1"/>
-            </a:solidFill>
-          </a:ln>
-          <a:extLst>
-            <a:ext uri="{909E8E84-426E-40DD-AFC4-6F175D3DCCD1}">
-              <a14:hiddenFill xmlns:a14="http://schemas.microsoft.com/office/drawing/2010/main">
-                <a:solidFill>
-                  <a:srgbClr val="FFFFFF"/>
-                </a:solidFill>
-              </a14:hiddenFill>
-            </a:ext>
-          </a:extLst>
-        </p:spPr>
-      </p:pic>
       <p:pic>
         <p:nvPicPr>
           <p:cNvPr id="8" name="Picture 4" descr="카카오톡 프로필 사람 그림자에 대한 이미지 검색결과">
@@ -10045,7 +10376,7 @@
         </p:nvSpPr>
         <p:spPr>
           <a:xfrm>
-            <a:off x="2195736" y="3435846"/>
+            <a:off x="2041782" y="3098307"/>
             <a:ext cx="2232248" cy="338554"/>
           </a:xfrm>
           <a:prstGeom prst="rect">
@@ -10146,7 +10477,7 @@
         </p:nvSpPr>
         <p:spPr>
           <a:xfrm>
-            <a:off x="6283256" y="3435846"/>
+            <a:off x="6129302" y="3098307"/>
             <a:ext cx="2232248" cy="338554"/>
           </a:xfrm>
           <a:prstGeom prst="rect">
@@ -10195,7 +10526,7 @@
         </p:nvSpPr>
         <p:spPr>
           <a:xfrm>
-            <a:off x="6282819" y="1527351"/>
+            <a:off x="6250706" y="1243423"/>
             <a:ext cx="2232248" cy="338554"/>
           </a:xfrm>
           <a:prstGeom prst="rect">
@@ -10244,8 +10575,8 @@
         </p:nvSpPr>
         <p:spPr>
           <a:xfrm>
-            <a:off x="6444208" y="1925419"/>
-            <a:ext cx="1368152" cy="461665"/>
+            <a:off x="6290839" y="1648419"/>
+            <a:ext cx="2070860" cy="1200329"/>
           </a:xfrm>
           <a:prstGeom prst="rect">
             <a:avLst/>
@@ -10257,6 +10588,48 @@
             <a:spAutoFit/>
           </a:bodyPr>
           <a:lstStyle/>
+          <a:p>
+            <a:r>
+              <a:rPr lang="en-US" altLang="ko-KR" sz="1200" dirty="0">
+                <a:solidFill>
+                  <a:schemeClr val="accent1"/>
+                </a:solidFill>
+              </a:rPr>
+              <a:t>“</a:t>
+            </a:r>
+            <a:r>
+              <a:rPr lang="ko-KR" altLang="en-US" sz="1200" dirty="0">
+                <a:solidFill>
+                  <a:schemeClr val="accent1"/>
+                </a:solidFill>
+              </a:rPr>
+              <a:t>최선을 다하지 못한 것 같아서 아쉽고 조원들과 프로젝트를 더 해보고 싶어요</a:t>
+            </a:r>
+            <a:r>
+              <a:rPr lang="en-US" altLang="ko-KR" sz="1200" dirty="0">
+                <a:solidFill>
+                  <a:schemeClr val="accent1"/>
+                </a:solidFill>
+              </a:rPr>
+              <a:t>”</a:t>
+            </a:r>
+            <a:r>
+              <a:rPr lang="ko-KR" altLang="en-US" sz="1200" dirty="0">
+                <a:solidFill>
+                  <a:schemeClr val="accent1"/>
+                </a:solidFill>
+              </a:rPr>
+              <a:t> </a:t>
+            </a:r>
+            <a:endParaRPr lang="en-US" altLang="ko-KR" sz="1200" dirty="0">
+              <a:solidFill>
+                <a:schemeClr val="accent1"/>
+              </a:solidFill>
+            </a:endParaRPr>
+          </a:p>
+          <a:p>
+            <a:endParaRPr lang="en-US" altLang="ko-KR" sz="1200" dirty="0"/>
+          </a:p>
           <a:p>
             <a:r>
               <a:rPr lang="en-US" altLang="ko-KR" sz="1200" dirty="0"/>
@@ -10318,6 +10691,287 @@
               <a:schemeClr val="tx1"/>
             </a:solidFill>
           </a:ln>
+        </p:spPr>
+      </p:pic>
+      <p:sp>
+        <p:nvSpPr>
+          <p:cNvPr id="14" name="TextBox 13">
+            <a:extLst>
+              <a:ext uri="{FF2B5EF4-FFF2-40B4-BE49-F238E27FC236}">
+                <a16:creationId xmlns:a16="http://schemas.microsoft.com/office/drawing/2014/main" id="{F74E9D4F-B06B-45B7-B50B-9278FA0F1470}"/>
+              </a:ext>
+            </a:extLst>
+          </p:cNvPr>
+          <p:cNvSpPr txBox="1"/>
+          <p:nvPr/>
+        </p:nvSpPr>
+        <p:spPr>
+          <a:xfrm>
+            <a:off x="6294006" y="3519991"/>
+            <a:ext cx="2012471" cy="830997"/>
+          </a:xfrm>
+          <a:prstGeom prst="rect">
+            <a:avLst/>
+          </a:prstGeom>
+          <a:noFill/>
+        </p:spPr>
+        <p:txBody>
+          <a:bodyPr wrap="square" rtlCol="0">
+            <a:spAutoFit/>
+          </a:bodyPr>
+          <a:lstStyle/>
+          <a:p>
+            <a:r>
+              <a:rPr lang="en-US" altLang="ko-KR" sz="1200" dirty="0">
+                <a:solidFill>
+                  <a:schemeClr val="accent1"/>
+                </a:solidFill>
+              </a:rPr>
+              <a:t>“</a:t>
+            </a:r>
+            <a:r>
+              <a:rPr lang="ko-KR" altLang="en-US" sz="1200" dirty="0">
+                <a:solidFill>
+                  <a:schemeClr val="accent1"/>
+                </a:solidFill>
+              </a:rPr>
+              <a:t>한 일이 없으니 느껴지는게 없네요</a:t>
+            </a:r>
+            <a:r>
+              <a:rPr lang="en-US" altLang="ko-KR" sz="1200" dirty="0">
+                <a:solidFill>
+                  <a:schemeClr val="accent1"/>
+                </a:solidFill>
+              </a:rPr>
+              <a:t>”</a:t>
+            </a:r>
+          </a:p>
+          <a:p>
+            <a:endParaRPr lang="en-US" altLang="ko-KR" sz="1200" dirty="0"/>
+          </a:p>
+          <a:p>
+            <a:r>
+              <a:rPr lang="en-US" altLang="ko-KR" sz="1200" dirty="0"/>
+              <a:t>- </a:t>
+            </a:r>
+            <a:r>
+              <a:rPr lang="ko-KR" altLang="en-US" sz="1200" dirty="0"/>
+              <a:t>출결 관리</a:t>
+            </a:r>
+            <a:endParaRPr lang="en-US" altLang="ko-KR" sz="1200" dirty="0"/>
+          </a:p>
+        </p:txBody>
+      </p:sp>
+      <p:sp>
+        <p:nvSpPr>
+          <p:cNvPr id="15" name="TextBox 14">
+            <a:extLst>
+              <a:ext uri="{FF2B5EF4-FFF2-40B4-BE49-F238E27FC236}">
+                <a16:creationId xmlns:a16="http://schemas.microsoft.com/office/drawing/2014/main" id="{DAD61613-FE15-4ACC-A892-6D0E6BC36F1D}"/>
+              </a:ext>
+            </a:extLst>
+          </p:cNvPr>
+          <p:cNvSpPr txBox="1"/>
+          <p:nvPr/>
+        </p:nvSpPr>
+        <p:spPr>
+          <a:xfrm>
+            <a:off x="2333156" y="3519992"/>
+            <a:ext cx="1368152" cy="646331"/>
+          </a:xfrm>
+          <a:prstGeom prst="rect">
+            <a:avLst/>
+          </a:prstGeom>
+          <a:noFill/>
+        </p:spPr>
+        <p:txBody>
+          <a:bodyPr wrap="square" rtlCol="0">
+            <a:spAutoFit/>
+          </a:bodyPr>
+          <a:lstStyle/>
+          <a:p>
+            <a:r>
+              <a:rPr lang="en-US" altLang="ko-KR" sz="1200" dirty="0">
+                <a:solidFill>
+                  <a:schemeClr val="accent1"/>
+                </a:solidFill>
+              </a:rPr>
+              <a:t>“</a:t>
+            </a:r>
+            <a:r>
+              <a:rPr lang="ko-KR" altLang="en-US" sz="1200" dirty="0">
+                <a:solidFill>
+                  <a:schemeClr val="accent1"/>
+                </a:solidFill>
+              </a:rPr>
+              <a:t>이야</a:t>
+            </a:r>
+            <a:r>
+              <a:rPr lang="en-US" altLang="ko-KR" sz="1200" dirty="0">
+                <a:solidFill>
+                  <a:schemeClr val="accent1"/>
+                </a:solidFill>
+              </a:rPr>
+              <a:t>~”</a:t>
+            </a:r>
+          </a:p>
+          <a:p>
+            <a:endParaRPr lang="en-US" altLang="ko-KR" sz="1200" dirty="0"/>
+          </a:p>
+          <a:p>
+            <a:r>
+              <a:rPr lang="en-US" altLang="ko-KR" sz="1200" dirty="0"/>
+              <a:t>- </a:t>
+            </a:r>
+            <a:r>
+              <a:rPr lang="ko-KR" altLang="en-US" sz="1200" dirty="0"/>
+              <a:t>수강 지원</a:t>
+            </a:r>
+            <a:endParaRPr lang="en-US" altLang="ko-KR" sz="1200" dirty="0"/>
+          </a:p>
+        </p:txBody>
+      </p:sp>
+      <p:sp>
+        <p:nvSpPr>
+          <p:cNvPr id="16" name="TextBox 15">
+            <a:extLst>
+              <a:ext uri="{FF2B5EF4-FFF2-40B4-BE49-F238E27FC236}">
+                <a16:creationId xmlns:a16="http://schemas.microsoft.com/office/drawing/2014/main" id="{B9A11D6F-DF01-42BD-B889-A04E05C56F86}"/>
+              </a:ext>
+            </a:extLst>
+          </p:cNvPr>
+          <p:cNvSpPr txBox="1"/>
+          <p:nvPr/>
+        </p:nvSpPr>
+        <p:spPr>
+          <a:xfrm>
+            <a:off x="2333741" y="1684955"/>
+            <a:ext cx="1907983" cy="830997"/>
+          </a:xfrm>
+          <a:prstGeom prst="rect">
+            <a:avLst/>
+          </a:prstGeom>
+          <a:noFill/>
+        </p:spPr>
+        <p:txBody>
+          <a:bodyPr wrap="square" rtlCol="0">
+            <a:spAutoFit/>
+          </a:bodyPr>
+          <a:lstStyle/>
+          <a:p>
+            <a:r>
+              <a:rPr lang="en-US" altLang="ko-KR" sz="1200" dirty="0">
+                <a:solidFill>
+                  <a:schemeClr val="accent1"/>
+                </a:solidFill>
+              </a:rPr>
+              <a:t>“</a:t>
+            </a:r>
+            <a:r>
+              <a:rPr lang="ko-KR" altLang="en-US" sz="1200" dirty="0">
+                <a:solidFill>
+                  <a:schemeClr val="accent1"/>
+                </a:solidFill>
+              </a:rPr>
+              <a:t>재미있었어요</a:t>
+            </a:r>
+            <a:r>
+              <a:rPr lang="en-US" altLang="ko-KR" sz="1200" dirty="0">
+                <a:solidFill>
+                  <a:schemeClr val="accent1"/>
+                </a:solidFill>
+              </a:rPr>
+              <a:t>!!”</a:t>
+            </a:r>
+          </a:p>
+          <a:p>
+            <a:endParaRPr lang="en-US" altLang="ko-KR" sz="1200" dirty="0"/>
+          </a:p>
+          <a:p>
+            <a:r>
+              <a:rPr lang="en-US" altLang="ko-KR" sz="1200" dirty="0"/>
+              <a:t>- </a:t>
+            </a:r>
+            <a:r>
+              <a:rPr lang="ko-KR" altLang="en-US" sz="1200" dirty="0"/>
+              <a:t>데이터 구조설계</a:t>
+            </a:r>
+            <a:endParaRPr lang="en-US" altLang="ko-KR" sz="1200" dirty="0"/>
+          </a:p>
+          <a:p>
+            <a:r>
+              <a:rPr lang="en-US" altLang="ko-KR" sz="1200" dirty="0"/>
+              <a:t>- </a:t>
+            </a:r>
+            <a:r>
+              <a:rPr lang="ko-KR" altLang="en-US" sz="1200" dirty="0" err="1"/>
+              <a:t>베타테스터</a:t>
+            </a:r>
+            <a:r>
+              <a:rPr lang="en-US" altLang="ko-KR" sz="1200" dirty="0"/>
+              <a:t>&amp;</a:t>
+            </a:r>
+            <a:r>
+              <a:rPr lang="ko-KR" altLang="en-US" sz="1200" dirty="0"/>
+              <a:t>디버깅</a:t>
+            </a:r>
+            <a:r>
+              <a:rPr lang="en-US" altLang="ko-KR" sz="1200" dirty="0"/>
+              <a:t>    </a:t>
+            </a:r>
+          </a:p>
+        </p:txBody>
+      </p:sp>
+      <p:pic>
+        <p:nvPicPr>
+          <p:cNvPr id="1026" name="Picture 2" descr="액션 토끼에 대한 이미지 검색결과">
+            <a:extLst>
+              <a:ext uri="{FF2B5EF4-FFF2-40B4-BE49-F238E27FC236}">
+                <a16:creationId xmlns:a16="http://schemas.microsoft.com/office/drawing/2014/main" id="{B92BEFAB-4217-4FE1-A94C-9EB9F9F92DA1}"/>
+              </a:ext>
+            </a:extLst>
+          </p:cNvPr>
+          <p:cNvPicPr>
+            <a:picLocks noChangeAspect="1" noChangeArrowheads="1"/>
+          </p:cNvPicPr>
+          <p:nvPr/>
+        </p:nvPicPr>
+        <p:blipFill>
+          <a:blip r:embed="rId4" cstate="print">
+            <a:extLst>
+              <a:ext uri="{28A0092B-C50C-407E-A947-70E740481C1C}">
+                <a14:useLocalDpi xmlns:a14="http://schemas.microsoft.com/office/drawing/2010/main" val="0"/>
+              </a:ext>
+            </a:extLst>
+          </a:blip>
+          <a:srcRect/>
+          <a:stretch>
+            <a:fillRect/>
+          </a:stretch>
+        </p:blipFill>
+        <p:spPr bwMode="auto">
+          <a:xfrm>
+            <a:off x="628931" y="1379221"/>
+            <a:ext cx="1442467" cy="1442467"/>
+          </a:xfrm>
+          <a:prstGeom prst="rect">
+            <a:avLst/>
+          </a:prstGeom>
+          <a:noFill/>
+          <a:ln>
+            <a:solidFill>
+              <a:schemeClr val="tx1"/>
+            </a:solidFill>
+          </a:ln>
+          <a:extLst>
+            <a:ext uri="{909E8E84-426E-40DD-AFC4-6F175D3DCCD1}">
+              <a14:hiddenFill xmlns:a14="http://schemas.microsoft.com/office/drawing/2010/main">
+                <a:solidFill>
+                  <a:srgbClr val="FFFFFF"/>
+                </a:solidFill>
+              </a14:hiddenFill>
+            </a:ext>
+          </a:extLst>
         </p:spPr>
       </p:pic>
     </p:spTree>

--- a/최종 프로젝트3조.pptx
+++ b/최종 프로젝트3조.pptx
@@ -1,6 +1,6 @@
 
 <file path=ppt/presentation.xml><?xml version="1.0" encoding="utf-8"?>
-<p:presentation xmlns:a="http://schemas.openxmlformats.org/drawingml/2006/main" xmlns:r="http://schemas.openxmlformats.org/officeDocument/2006/relationships" xmlns:p="http://schemas.openxmlformats.org/presentationml/2006/main" saveSubsetFonts="1">
+<p:presentation xmlns:a="http://schemas.openxmlformats.org/drawingml/2006/main" xmlns:r="http://schemas.openxmlformats.org/officeDocument/2006/relationships" xmlns:p="http://schemas.openxmlformats.org/presentationml/2006/main" embedTrueTypeFonts="1" saveSubsetFonts="1">
   <p:sldMasterIdLst>
     <p:sldMasterId id="2147483648" r:id="rId1"/>
     <p:sldMasterId id="2147483656" r:id="rId2"/>
@@ -37,6 +37,32 @@
   </p:sldIdLst>
   <p:sldSz cx="9144000" cy="5143500" type="screen16x9"/>
   <p:notesSz cx="6858000" cy="9144000"/>
+  <p:embeddedFontLst>
+    <p:embeddedFont>
+      <p:font typeface="맑은 고딕" panose="020B0503020000020004" pitchFamily="50" charset="-127"/>
+      <p:regular r:id="rId29"/>
+      <p:bold r:id="rId30"/>
+    </p:embeddedFont>
+    <p:embeddedFont>
+      <p:font typeface="나눔스퀘어 Bold" panose="020B0600000101010101" pitchFamily="50" charset="-127"/>
+      <p:bold r:id="rId31"/>
+    </p:embeddedFont>
+    <p:embeddedFont>
+      <p:font typeface="나눔스퀘어" panose="020B0600000101010101" pitchFamily="50" charset="-127"/>
+      <p:regular r:id="rId32"/>
+    </p:embeddedFont>
+    <p:embeddedFont>
+      <p:font typeface="HY헤드라인M" panose="02030600000101010101" pitchFamily="18" charset="-127"/>
+      <p:regular r:id="rId33"/>
+    </p:embeddedFont>
+    <p:embeddedFont>
+      <p:font typeface="Helvetica" panose="020B0604020202020204" pitchFamily="34" charset="0"/>
+      <p:regular r:id="rId34"/>
+      <p:bold r:id="rId35"/>
+      <p:italic r:id="rId36"/>
+      <p:boldItalic r:id="rId37"/>
+    </p:embeddedFont>
+  </p:embeddedFontLst>
   <p:defaultTextStyle>
     <a:defPPr>
       <a:defRPr lang="ko-KR"/>
